--- a/Literature Survey.pptx
+++ b/Literature Survey.pptx
@@ -7,8 +7,11 @@
   <p:sldIdLst>
     <p:sldId id="256" r:id="rId2"/>
     <p:sldId id="257" r:id="rId3"/>
-    <p:sldId id="258" r:id="rId4"/>
-    <p:sldId id="259" r:id="rId5"/>
+    <p:sldId id="260" r:id="rId4"/>
+    <p:sldId id="261" r:id="rId5"/>
+    <p:sldId id="259" r:id="rId6"/>
+    <p:sldId id="262" r:id="rId7"/>
+    <p:sldId id="263" r:id="rId8"/>
   </p:sldIdLst>
   <p:sldSz cx="12192000" cy="6858000"/>
   <p:notesSz cx="6858000" cy="9144000"/>
@@ -336,6 +339,7 @@
           <a:p>
             <a:fld id="{9EF69E87-21EE-4BF0-8847-205AB327FE1A}" type="datetimeFigureOut">
               <a:rPr lang="en-IN" smtClean="0"/>
+              <a:pPr/>
               <a:t>24-10-2020</a:t>
             </a:fld>
             <a:endParaRPr lang="en-IN"/>
@@ -378,6 +382,7 @@
           <a:p>
             <a:fld id="{F661CC13-527B-497F-A805-E8D6D10EC6BB}" type="slidenum">
               <a:rPr lang="en-IN" smtClean="0"/>
+              <a:pPr/>
               <a:t>‹#›</a:t>
             </a:fld>
             <a:endParaRPr lang="en-IN"/>
@@ -425,7 +430,7 @@
     </p:spTree>
     <p:extLst>
       <p:ext uri="{BB962C8B-B14F-4D97-AF65-F5344CB8AC3E}">
-        <p14:creationId xmlns:p14="http://schemas.microsoft.com/office/powerpoint/2010/main" val="2767705860"/>
+        <p14:creationId xmlns:p14="http://schemas.microsoft.com/office/powerpoint/2010/main" xmlns="" val="2767705860"/>
       </p:ext>
     </p:extLst>
   </p:cSld>
@@ -544,6 +549,7 @@
           <a:p>
             <a:fld id="{9EF69E87-21EE-4BF0-8847-205AB327FE1A}" type="datetimeFigureOut">
               <a:rPr lang="en-IN" smtClean="0"/>
+              <a:pPr/>
               <a:t>24-10-2020</a:t>
             </a:fld>
             <a:endParaRPr lang="en-IN"/>
@@ -586,6 +592,7 @@
           <a:p>
             <a:fld id="{F661CC13-527B-497F-A805-E8D6D10EC6BB}" type="slidenum">
               <a:rPr lang="en-IN" smtClean="0"/>
+              <a:pPr/>
               <a:t>‹#›</a:t>
             </a:fld>
             <a:endParaRPr lang="en-IN"/>
@@ -595,7 +602,7 @@
     </p:spTree>
     <p:extLst>
       <p:ext uri="{BB962C8B-B14F-4D97-AF65-F5344CB8AC3E}">
-        <p14:creationId xmlns:p14="http://schemas.microsoft.com/office/powerpoint/2010/main" val="1089185033"/>
+        <p14:creationId xmlns:p14="http://schemas.microsoft.com/office/powerpoint/2010/main" xmlns="" val="1089185033"/>
       </p:ext>
     </p:extLst>
   </p:cSld>
@@ -800,6 +807,7 @@
           <a:p>
             <a:fld id="{9EF69E87-21EE-4BF0-8847-205AB327FE1A}" type="datetimeFigureOut">
               <a:rPr lang="en-IN" smtClean="0"/>
+              <a:pPr/>
               <a:t>24-10-2020</a:t>
             </a:fld>
             <a:endParaRPr lang="en-IN"/>
@@ -842,6 +850,7 @@
           <a:p>
             <a:fld id="{F661CC13-527B-497F-A805-E8D6D10EC6BB}" type="slidenum">
               <a:rPr lang="en-IN" smtClean="0"/>
+              <a:pPr/>
               <a:t>‹#›</a:t>
             </a:fld>
             <a:endParaRPr lang="en-IN"/>
@@ -851,7 +860,7 @@
     </p:spTree>
     <p:extLst>
       <p:ext uri="{BB962C8B-B14F-4D97-AF65-F5344CB8AC3E}">
-        <p14:creationId xmlns:p14="http://schemas.microsoft.com/office/powerpoint/2010/main" val="1240622965"/>
+        <p14:creationId xmlns:p14="http://schemas.microsoft.com/office/powerpoint/2010/main" xmlns="" val="1240622965"/>
       </p:ext>
     </p:extLst>
   </p:cSld>
@@ -974,6 +983,7 @@
           <a:p>
             <a:fld id="{9EF69E87-21EE-4BF0-8847-205AB327FE1A}" type="datetimeFigureOut">
               <a:rPr lang="en-IN" smtClean="0"/>
+              <a:pPr/>
               <a:t>24-10-2020</a:t>
             </a:fld>
             <a:endParaRPr lang="en-IN"/>
@@ -1016,6 +1026,7 @@
           <a:p>
             <a:fld id="{F661CC13-527B-497F-A805-E8D6D10EC6BB}" type="slidenum">
               <a:rPr lang="en-IN" smtClean="0"/>
+              <a:pPr/>
               <a:t>‹#›</a:t>
             </a:fld>
             <a:endParaRPr lang="en-IN"/>
@@ -1025,7 +1036,7 @@
     </p:spTree>
     <p:extLst>
       <p:ext uri="{BB962C8B-B14F-4D97-AF65-F5344CB8AC3E}">
-        <p14:creationId xmlns:p14="http://schemas.microsoft.com/office/powerpoint/2010/main" val="3998384044"/>
+        <p14:creationId xmlns:p14="http://schemas.microsoft.com/office/powerpoint/2010/main" xmlns="" val="3998384044"/>
       </p:ext>
     </p:extLst>
   </p:cSld>
@@ -1317,6 +1328,7 @@
           <a:p>
             <a:fld id="{9EF69E87-21EE-4BF0-8847-205AB327FE1A}" type="datetimeFigureOut">
               <a:rPr lang="en-IN" smtClean="0"/>
+              <a:pPr/>
               <a:t>24-10-2020</a:t>
             </a:fld>
             <a:endParaRPr lang="en-IN"/>
@@ -1359,6 +1371,7 @@
           <a:p>
             <a:fld id="{F661CC13-527B-497F-A805-E8D6D10EC6BB}" type="slidenum">
               <a:rPr lang="en-IN" smtClean="0"/>
+              <a:pPr/>
               <a:t>‹#›</a:t>
             </a:fld>
             <a:endParaRPr lang="en-IN"/>
@@ -1406,7 +1419,7 @@
     </p:spTree>
     <p:extLst>
       <p:ext uri="{BB962C8B-B14F-4D97-AF65-F5344CB8AC3E}">
-        <p14:creationId xmlns:p14="http://schemas.microsoft.com/office/powerpoint/2010/main" val="1367154091"/>
+        <p14:creationId xmlns:p14="http://schemas.microsoft.com/office/powerpoint/2010/main" xmlns="" val="1367154091"/>
       </p:ext>
     </p:extLst>
   </p:cSld>
@@ -1592,6 +1605,7 @@
           <a:p>
             <a:fld id="{9EF69E87-21EE-4BF0-8847-205AB327FE1A}" type="datetimeFigureOut">
               <a:rPr lang="en-IN" smtClean="0"/>
+              <a:pPr/>
               <a:t>24-10-2020</a:t>
             </a:fld>
             <a:endParaRPr lang="en-IN"/>
@@ -1634,6 +1648,7 @@
           <a:p>
             <a:fld id="{F661CC13-527B-497F-A805-E8D6D10EC6BB}" type="slidenum">
               <a:rPr lang="en-IN" smtClean="0"/>
+              <a:pPr/>
               <a:t>‹#›</a:t>
             </a:fld>
             <a:endParaRPr lang="en-IN"/>
@@ -1643,7 +1658,7 @@
     </p:spTree>
     <p:extLst>
       <p:ext uri="{BB962C8B-B14F-4D97-AF65-F5344CB8AC3E}">
-        <p14:creationId xmlns:p14="http://schemas.microsoft.com/office/powerpoint/2010/main" val="255809254"/>
+        <p14:creationId xmlns:p14="http://schemas.microsoft.com/office/powerpoint/2010/main" xmlns="" val="255809254"/>
       </p:ext>
     </p:extLst>
   </p:cSld>
@@ -1971,6 +1986,7 @@
           <a:p>
             <a:fld id="{9EF69E87-21EE-4BF0-8847-205AB327FE1A}" type="datetimeFigureOut">
               <a:rPr lang="en-IN" smtClean="0"/>
+              <a:pPr/>
               <a:t>24-10-2020</a:t>
             </a:fld>
             <a:endParaRPr lang="en-IN"/>
@@ -2013,6 +2029,7 @@
           <a:p>
             <a:fld id="{F661CC13-527B-497F-A805-E8D6D10EC6BB}" type="slidenum">
               <a:rPr lang="en-IN" smtClean="0"/>
+              <a:pPr/>
               <a:t>‹#›</a:t>
             </a:fld>
             <a:endParaRPr lang="en-IN"/>
@@ -2022,7 +2039,7 @@
     </p:spTree>
     <p:extLst>
       <p:ext uri="{BB962C8B-B14F-4D97-AF65-F5344CB8AC3E}">
-        <p14:creationId xmlns:p14="http://schemas.microsoft.com/office/powerpoint/2010/main" val="208432005"/>
+        <p14:creationId xmlns:p14="http://schemas.microsoft.com/office/powerpoint/2010/main" xmlns="" val="208432005"/>
       </p:ext>
     </p:extLst>
   </p:cSld>
@@ -2089,6 +2106,7 @@
           <a:p>
             <a:fld id="{9EF69E87-21EE-4BF0-8847-205AB327FE1A}" type="datetimeFigureOut">
               <a:rPr lang="en-IN" smtClean="0"/>
+              <a:pPr/>
               <a:t>24-10-2020</a:t>
             </a:fld>
             <a:endParaRPr lang="en-IN"/>
@@ -2131,6 +2149,7 @@
           <a:p>
             <a:fld id="{F661CC13-527B-497F-A805-E8D6D10EC6BB}" type="slidenum">
               <a:rPr lang="en-IN" smtClean="0"/>
+              <a:pPr/>
               <a:t>‹#›</a:t>
             </a:fld>
             <a:endParaRPr lang="en-IN"/>
@@ -2140,7 +2159,7 @@
     </p:spTree>
     <p:extLst>
       <p:ext uri="{BB962C8B-B14F-4D97-AF65-F5344CB8AC3E}">
-        <p14:creationId xmlns:p14="http://schemas.microsoft.com/office/powerpoint/2010/main" val="2348883450"/>
+        <p14:creationId xmlns:p14="http://schemas.microsoft.com/office/powerpoint/2010/main" xmlns="" val="2348883450"/>
       </p:ext>
     </p:extLst>
   </p:cSld>
@@ -2260,6 +2279,7 @@
           <a:p>
             <a:fld id="{9EF69E87-21EE-4BF0-8847-205AB327FE1A}" type="datetimeFigureOut">
               <a:rPr lang="en-IN" smtClean="0"/>
+              <a:pPr/>
               <a:t>24-10-2020</a:t>
             </a:fld>
             <a:endParaRPr lang="en-IN"/>
@@ -2310,6 +2330,7 @@
           <a:p>
             <a:fld id="{F661CC13-527B-497F-A805-E8D6D10EC6BB}" type="slidenum">
               <a:rPr lang="en-IN" smtClean="0"/>
+              <a:pPr/>
               <a:t>‹#›</a:t>
             </a:fld>
             <a:endParaRPr lang="en-IN"/>
@@ -2319,7 +2340,7 @@
     </p:spTree>
     <p:extLst>
       <p:ext uri="{BB962C8B-B14F-4D97-AF65-F5344CB8AC3E}">
-        <p14:creationId xmlns:p14="http://schemas.microsoft.com/office/powerpoint/2010/main" val="2590641835"/>
+        <p14:creationId xmlns:p14="http://schemas.microsoft.com/office/powerpoint/2010/main" xmlns="" val="2590641835"/>
       </p:ext>
     </p:extLst>
   </p:cSld>
@@ -2614,6 +2635,7 @@
           <a:p>
             <a:fld id="{9EF69E87-21EE-4BF0-8847-205AB327FE1A}" type="datetimeFigureOut">
               <a:rPr lang="en-IN" smtClean="0"/>
+              <a:pPr/>
               <a:t>24-10-2020</a:t>
             </a:fld>
             <a:endParaRPr lang="en-IN"/>
@@ -2677,6 +2699,7 @@
           <a:p>
             <a:fld id="{F661CC13-527B-497F-A805-E8D6D10EC6BB}" type="slidenum">
               <a:rPr lang="en-IN" smtClean="0"/>
+              <a:pPr/>
               <a:t>‹#›</a:t>
             </a:fld>
             <a:endParaRPr lang="en-IN"/>
@@ -2686,7 +2709,7 @@
     </p:spTree>
     <p:extLst>
       <p:ext uri="{BB962C8B-B14F-4D97-AF65-F5344CB8AC3E}">
-        <p14:creationId xmlns:p14="http://schemas.microsoft.com/office/powerpoint/2010/main" val="3849450004"/>
+        <p14:creationId xmlns:p14="http://schemas.microsoft.com/office/powerpoint/2010/main" xmlns="" val="3849450004"/>
       </p:ext>
     </p:extLst>
   </p:cSld>
@@ -2996,6 +3019,7 @@
           <a:p>
             <a:fld id="{9EF69E87-21EE-4BF0-8847-205AB327FE1A}" type="datetimeFigureOut">
               <a:rPr lang="en-IN" smtClean="0"/>
+              <a:pPr/>
               <a:t>24-10-2020</a:t>
             </a:fld>
             <a:endParaRPr lang="en-IN"/>
@@ -3038,6 +3062,7 @@
           <a:p>
             <a:fld id="{F661CC13-527B-497F-A805-E8D6D10EC6BB}" type="slidenum">
               <a:rPr lang="en-IN" smtClean="0"/>
+              <a:pPr/>
               <a:t>‹#›</a:t>
             </a:fld>
             <a:endParaRPr lang="en-IN"/>
@@ -3047,7 +3072,7 @@
     </p:spTree>
     <p:extLst>
       <p:ext uri="{BB962C8B-B14F-4D97-AF65-F5344CB8AC3E}">
-        <p14:creationId xmlns:p14="http://schemas.microsoft.com/office/powerpoint/2010/main" val="940792039"/>
+        <p14:creationId xmlns:p14="http://schemas.microsoft.com/office/powerpoint/2010/main" xmlns="" val="940792039"/>
       </p:ext>
     </p:extLst>
   </p:cSld>
@@ -3283,6 +3308,7 @@
           <a:p>
             <a:fld id="{9EF69E87-21EE-4BF0-8847-205AB327FE1A}" type="datetimeFigureOut">
               <a:rPr lang="en-IN" smtClean="0"/>
+              <a:pPr/>
               <a:t>24-10-2020</a:t>
             </a:fld>
             <a:endParaRPr lang="en-IN"/>
@@ -3357,6 +3383,7 @@
           <a:p>
             <a:fld id="{F661CC13-527B-497F-A805-E8D6D10EC6BB}" type="slidenum">
               <a:rPr lang="en-IN" smtClean="0"/>
+              <a:pPr/>
               <a:t>‹#›</a:t>
             </a:fld>
             <a:endParaRPr lang="en-IN"/>
@@ -3404,7 +3431,7 @@
     </p:spTree>
     <p:extLst>
       <p:ext uri="{BB962C8B-B14F-4D97-AF65-F5344CB8AC3E}">
-        <p14:creationId xmlns:p14="http://schemas.microsoft.com/office/powerpoint/2010/main" val="1160028170"/>
+        <p14:creationId xmlns:p14="http://schemas.microsoft.com/office/powerpoint/2010/main" xmlns="" val="1160028170"/>
       </p:ext>
     </p:extLst>
   </p:cSld>
@@ -3812,7 +3839,7 @@
           <p:cNvPr id="2" name="Title 1">
             <a:extLst>
               <a:ext uri="{FF2B5EF4-FFF2-40B4-BE49-F238E27FC236}">
-                <a16:creationId xmlns:a16="http://schemas.microsoft.com/office/drawing/2014/main" id="{EB4047B3-FA6F-40D3-8643-6BAD6F314E1B}"/>
+                <a16:creationId xmlns:a16="http://schemas.microsoft.com/office/drawing/2014/main" xmlns="" id="{EB4047B3-FA6F-40D3-8643-6BAD6F314E1B}"/>
               </a:ext>
             </a:extLst>
           </p:cNvPr>
@@ -3838,7 +3865,7 @@
     </p:spTree>
     <p:extLst>
       <p:ext uri="{BB962C8B-B14F-4D97-AF65-F5344CB8AC3E}">
-        <p14:creationId xmlns:p14="http://schemas.microsoft.com/office/powerpoint/2010/main" val="401446999"/>
+        <p14:creationId xmlns:p14="http://schemas.microsoft.com/office/powerpoint/2010/main" xmlns="" val="401446999"/>
       </p:ext>
     </p:extLst>
   </p:cSld>
@@ -3870,7 +3897,7 @@
           <p:cNvPr id="2" name="Title 1">
             <a:extLst>
               <a:ext uri="{FF2B5EF4-FFF2-40B4-BE49-F238E27FC236}">
-                <a16:creationId xmlns:a16="http://schemas.microsoft.com/office/drawing/2014/main" id="{41DADCA5-95FA-4757-BB98-C99F818596B4}"/>
+                <a16:creationId xmlns:a16="http://schemas.microsoft.com/office/drawing/2014/main" xmlns="" id="{41DADCA5-95FA-4757-BB98-C99F818596B4}"/>
               </a:ext>
             </a:extLst>
           </p:cNvPr>
@@ -3886,7 +3913,11 @@
           <a:bodyPr/>
           <a:lstStyle/>
           <a:p>
-            <a:endParaRPr lang="en-IN"/>
+            <a:r>
+              <a:rPr lang="en-US" dirty="0" smtClean="0"/>
+              <a:t>Hateful Memes</a:t>
+            </a:r>
+            <a:endParaRPr lang="en-IN" dirty="0"/>
           </a:p>
         </p:txBody>
       </p:sp>
@@ -3895,7 +3926,7 @@
           <p:cNvPr id="3" name="Content Placeholder 2">
             <a:extLst>
               <a:ext uri="{FF2B5EF4-FFF2-40B4-BE49-F238E27FC236}">
-                <a16:creationId xmlns:a16="http://schemas.microsoft.com/office/drawing/2014/main" id="{47E405DD-0DA4-448A-BC5C-D96CD6E2FFF6}"/>
+                <a16:creationId xmlns:a16="http://schemas.microsoft.com/office/drawing/2014/main" xmlns="" id="{47E405DD-0DA4-448A-BC5C-D96CD6E2FFF6}"/>
               </a:ext>
             </a:extLst>
           </p:cNvPr>
@@ -3911,14 +3942,168 @@
           <a:bodyPr/>
           <a:lstStyle/>
           <a:p>
+            <a:r>
+              <a:rPr lang="en-US" dirty="0" smtClean="0"/>
+              <a:t>Non Hateful Memes</a:t>
+            </a:r>
+          </a:p>
+          <a:p>
+            <a:endParaRPr lang="en-IN" dirty="0"/>
+          </a:p>
+        </p:txBody>
+      </p:sp>
+      <p:pic>
+        <p:nvPicPr>
+          <p:cNvPr id="4" name="Picture 3" descr="meme1.jpg"/>
+          <p:cNvPicPr>
+            <a:picLocks noChangeAspect="1"/>
+          </p:cNvPicPr>
+          <p:nvPr/>
+        </p:nvPicPr>
+        <p:blipFill>
+          <a:blip r:embed="rId2"/>
+          <a:stretch>
+            <a:fillRect/>
+          </a:stretch>
+        </p:blipFill>
+        <p:spPr>
+          <a:xfrm>
+            <a:off x="1181685" y="2236763"/>
+            <a:ext cx="3727939" cy="3938954"/>
+          </a:xfrm>
+          <a:prstGeom prst="rect">
+            <a:avLst/>
+          </a:prstGeom>
+        </p:spPr>
+      </p:pic>
+      <p:sp>
+        <p:nvSpPr>
+          <p:cNvPr id="5" name="Right Arrow 4"/>
+          <p:cNvSpPr/>
+          <p:nvPr/>
+        </p:nvSpPr>
+        <p:spPr>
+          <a:xfrm>
+            <a:off x="5148775" y="3446586"/>
+            <a:ext cx="1195754" cy="737850"/>
+          </a:xfrm>
+          <a:prstGeom prst="rightArrow">
+            <a:avLst/>
+          </a:prstGeom>
+        </p:spPr>
+        <p:style>
+          <a:lnRef idx="2">
+            <a:schemeClr val="accent1">
+              <a:shade val="50000"/>
+            </a:schemeClr>
+          </a:lnRef>
+          <a:fillRef idx="1">
+            <a:schemeClr val="accent1"/>
+          </a:fillRef>
+          <a:effectRef idx="0">
+            <a:schemeClr val="accent1"/>
+          </a:effectRef>
+          <a:fontRef idx="minor">
+            <a:schemeClr val="lt1"/>
+          </a:fontRef>
+        </p:style>
+        <p:txBody>
+          <a:bodyPr rtlCol="0" anchor="ctr"/>
+          <a:lstStyle/>
+          <a:p>
+            <a:pPr algn="ctr"/>
             <a:endParaRPr lang="en-IN"/>
+          </a:p>
+        </p:txBody>
+      </p:sp>
+      <p:pic>
+        <p:nvPicPr>
+          <p:cNvPr id="6" name="Picture 5" descr="meme3.jpg"/>
+          <p:cNvPicPr>
+            <a:picLocks noChangeAspect="1"/>
+          </p:cNvPicPr>
+          <p:nvPr/>
+        </p:nvPicPr>
+        <p:blipFill>
+          <a:blip r:embed="rId3"/>
+          <a:stretch>
+            <a:fillRect/>
+          </a:stretch>
+        </p:blipFill>
+        <p:spPr>
+          <a:xfrm>
+            <a:off x="6811033" y="2405575"/>
+            <a:ext cx="4316511" cy="3657600"/>
+          </a:xfrm>
+          <a:prstGeom prst="rect">
+            <a:avLst/>
+          </a:prstGeom>
+        </p:spPr>
+      </p:pic>
+      <p:sp>
+        <p:nvSpPr>
+          <p:cNvPr id="7" name="TextBox 6"/>
+          <p:cNvSpPr txBox="1"/>
+          <p:nvPr/>
+        </p:nvSpPr>
+        <p:spPr>
+          <a:xfrm>
+            <a:off x="7723164" y="1899138"/>
+            <a:ext cx="1788310" cy="400110"/>
+          </a:xfrm>
+          <a:prstGeom prst="rect">
+            <a:avLst/>
+          </a:prstGeom>
+          <a:noFill/>
+        </p:spPr>
+        <p:txBody>
+          <a:bodyPr wrap="none" rtlCol="0">
+            <a:spAutoFit/>
+          </a:bodyPr>
+          <a:lstStyle/>
+          <a:p>
+            <a:r>
+              <a:rPr lang="en-US" sz="2000" dirty="0" smtClean="0"/>
+              <a:t>Hateful Memes</a:t>
+            </a:r>
+            <a:endParaRPr lang="en-IN" sz="2000" dirty="0"/>
+          </a:p>
+        </p:txBody>
+      </p:sp>
+      <p:sp>
+        <p:nvSpPr>
+          <p:cNvPr id="8" name="TextBox 7"/>
+          <p:cNvSpPr txBox="1"/>
+          <p:nvPr/>
+        </p:nvSpPr>
+        <p:spPr>
+          <a:xfrm>
+            <a:off x="5458265" y="1800666"/>
+            <a:ext cx="399918" cy="400110"/>
+          </a:xfrm>
+          <a:prstGeom prst="rect">
+            <a:avLst/>
+          </a:prstGeom>
+          <a:noFill/>
+        </p:spPr>
+        <p:txBody>
+          <a:bodyPr wrap="none" rtlCol="0">
+            <a:spAutoFit/>
+          </a:bodyPr>
+          <a:lstStyle/>
+          <a:p>
+            <a:r>
+              <a:rPr lang="en-US" sz="2000" dirty="0" err="1" smtClean="0"/>
+              <a:t>vs</a:t>
+            </a:r>
+            <a:endParaRPr lang="en-IN" sz="2000" dirty="0"/>
           </a:p>
         </p:txBody>
       </p:sp>
     </p:spTree>
     <p:extLst>
       <p:ext uri="{BB962C8B-B14F-4D97-AF65-F5344CB8AC3E}">
-        <p14:creationId xmlns:p14="http://schemas.microsoft.com/office/powerpoint/2010/main" val="1993663107"/>
+        <p14:creationId xmlns:p14="http://schemas.microsoft.com/office/powerpoint/2010/main" xmlns="" val="1993663107"/>
       </p:ext>
     </p:extLst>
   </p:cSld>
@@ -3947,60 +4132,59 @@
       </p:grpSpPr>
       <p:sp>
         <p:nvSpPr>
-          <p:cNvPr id="2" name="Title 1">
-            <a:extLst>
-              <a:ext uri="{FF2B5EF4-FFF2-40B4-BE49-F238E27FC236}">
-                <a16:creationId xmlns:a16="http://schemas.microsoft.com/office/drawing/2014/main" id="{5D1EF79F-4D07-4904-A354-200B6B58879D}"/>
-              </a:ext>
-            </a:extLst>
-          </p:cNvPr>
-          <p:cNvSpPr>
-            <a:spLocks noGrp="1"/>
-          </p:cNvSpPr>
-          <p:nvPr>
-            <p:ph type="title"/>
-          </p:nvPr>
-        </p:nvSpPr>
-        <p:spPr/>
-        <p:txBody>
-          <a:bodyPr/>
-          <a:lstStyle/>
-          <a:p>
-            <a:endParaRPr lang="en-IN"/>
-          </a:p>
-        </p:txBody>
-      </p:sp>
-      <p:sp>
-        <p:nvSpPr>
-          <p:cNvPr id="3" name="Content Placeholder 2">
-            <a:extLst>
-              <a:ext uri="{FF2B5EF4-FFF2-40B4-BE49-F238E27FC236}">
-                <a16:creationId xmlns:a16="http://schemas.microsoft.com/office/drawing/2014/main" id="{2A6F7A17-2B64-4F5B-8185-CDEF9386C005}"/>
-              </a:ext>
-            </a:extLst>
-          </p:cNvPr>
-          <p:cNvSpPr>
-            <a:spLocks noGrp="1"/>
-          </p:cNvSpPr>
-          <p:nvPr>
-            <p:ph idx="1"/>
-          </p:nvPr>
-        </p:nvSpPr>
-        <p:spPr/>
-        <p:txBody>
-          <a:bodyPr/>
-          <a:lstStyle/>
-          <a:p>
-            <a:endParaRPr lang="en-IN"/>
-          </a:p>
-        </p:txBody>
-      </p:sp>
+          <p:cNvPr id="2" name="TextBox 1"/>
+          <p:cNvSpPr txBox="1"/>
+          <p:nvPr/>
+        </p:nvSpPr>
+        <p:spPr>
+          <a:xfrm>
+            <a:off x="4572000" y="281354"/>
+            <a:ext cx="2313454" cy="523220"/>
+          </a:xfrm>
+          <a:prstGeom prst="rect">
+            <a:avLst/>
+          </a:prstGeom>
+          <a:noFill/>
+        </p:spPr>
+        <p:txBody>
+          <a:bodyPr wrap="none" rtlCol="0">
+            <a:spAutoFit/>
+          </a:bodyPr>
+          <a:lstStyle/>
+          <a:p>
+            <a:r>
+              <a:rPr lang="en-US" sz="2800" dirty="0" smtClean="0"/>
+              <a:t>Rise of memes</a:t>
+            </a:r>
+            <a:endParaRPr lang="en-IN" sz="2800" dirty="0"/>
+          </a:p>
+        </p:txBody>
+      </p:sp>
+      <p:pic>
+        <p:nvPicPr>
+          <p:cNvPr id="3" name="Picture 2" descr="meme2.png"/>
+          <p:cNvPicPr>
+            <a:picLocks noChangeAspect="1"/>
+          </p:cNvPicPr>
+          <p:nvPr/>
+        </p:nvPicPr>
+        <p:blipFill>
+          <a:blip r:embed="rId2"/>
+          <a:stretch>
+            <a:fillRect/>
+          </a:stretch>
+        </p:blipFill>
+        <p:spPr>
+          <a:xfrm>
+            <a:off x="956603" y="815627"/>
+            <a:ext cx="10818055" cy="5328106"/>
+          </a:xfrm>
+          <a:prstGeom prst="rect">
+            <a:avLst/>
+          </a:prstGeom>
+        </p:spPr>
+      </p:pic>
     </p:spTree>
-    <p:extLst>
-      <p:ext uri="{BB962C8B-B14F-4D97-AF65-F5344CB8AC3E}">
-        <p14:creationId xmlns:p14="http://schemas.microsoft.com/office/powerpoint/2010/main" val="1799661415"/>
-      </p:ext>
-    </p:extLst>
   </p:cSld>
   <p:clrMapOvr>
     <a:masterClrMapping/>
@@ -4027,10 +4211,114 @@
       </p:grpSpPr>
       <p:sp>
         <p:nvSpPr>
+          <p:cNvPr id="2" name="TextBox 1"/>
+          <p:cNvSpPr txBox="1"/>
+          <p:nvPr/>
+        </p:nvSpPr>
+        <p:spPr>
+          <a:xfrm>
+            <a:off x="844061" y="562708"/>
+            <a:ext cx="5593904" cy="369332"/>
+          </a:xfrm>
+          <a:prstGeom prst="rect">
+            <a:avLst/>
+          </a:prstGeom>
+          <a:noFill/>
+        </p:spPr>
+        <p:txBody>
+          <a:bodyPr wrap="none" rtlCol="0">
+            <a:spAutoFit/>
+          </a:bodyPr>
+          <a:lstStyle/>
+          <a:p>
+            <a:r>
+              <a:rPr lang="en-US" dirty="0" smtClean="0"/>
+              <a:t>Why to classify between hateful memes and fine memes?</a:t>
+            </a:r>
+          </a:p>
+        </p:txBody>
+      </p:sp>
+      <p:sp>
+        <p:nvSpPr>
+          <p:cNvPr id="3" name="TextBox 2"/>
+          <p:cNvSpPr txBox="1"/>
+          <p:nvPr/>
+        </p:nvSpPr>
+        <p:spPr>
+          <a:xfrm>
+            <a:off x="731519" y="1322362"/>
+            <a:ext cx="7272997" cy="2031325"/>
+          </a:xfrm>
+          <a:prstGeom prst="rect">
+            <a:avLst/>
+          </a:prstGeom>
+          <a:noFill/>
+        </p:spPr>
+        <p:txBody>
+          <a:bodyPr wrap="square" rtlCol="0">
+            <a:spAutoFit/>
+          </a:bodyPr>
+          <a:lstStyle/>
+          <a:p>
+            <a:r>
+              <a:rPr lang="en-US" dirty="0" smtClean="0">
+                <a:hlinkClick r:id="rId2"/>
+              </a:rPr>
+              <a:t>How memes have made it easier to spread anger and hate?</a:t>
+            </a:r>
+            <a:endParaRPr lang="en-US" dirty="0" smtClean="0"/>
+          </a:p>
+          <a:p>
+            <a:endParaRPr lang="en-US" dirty="0" smtClean="0"/>
+          </a:p>
+          <a:p>
+            <a:endParaRPr lang="en-US" dirty="0" smtClean="0"/>
+          </a:p>
+          <a:p>
+            <a:endParaRPr lang="en-US" dirty="0" smtClean="0"/>
+          </a:p>
+          <a:p>
+            <a:endParaRPr lang="en-US" dirty="0" smtClean="0"/>
+          </a:p>
+          <a:p>
+            <a:endParaRPr lang="en-US" dirty="0" smtClean="0"/>
+          </a:p>
+          <a:p>
+            <a:endParaRPr lang="en-IN" dirty="0"/>
+          </a:p>
+        </p:txBody>
+      </p:sp>
+    </p:spTree>
+  </p:cSld>
+  <p:clrMapOvr>
+    <a:masterClrMapping/>
+  </p:clrMapOvr>
+</p:sld>
+</file>
+
+<file path=ppt/slides/slide5.xml><?xml version="1.0" encoding="utf-8"?>
+<p:sld xmlns:a="http://schemas.openxmlformats.org/drawingml/2006/main" xmlns:r="http://schemas.openxmlformats.org/officeDocument/2006/relationships" xmlns:p="http://schemas.openxmlformats.org/presentationml/2006/main">
+  <p:cSld>
+    <p:spTree>
+      <p:nvGrpSpPr>
+        <p:cNvPr id="1" name=""/>
+        <p:cNvGrpSpPr/>
+        <p:nvPr/>
+      </p:nvGrpSpPr>
+      <p:grpSpPr>
+        <a:xfrm>
+          <a:off x="0" y="0"/>
+          <a:ext cx="0" cy="0"/>
+          <a:chOff x="0" y="0"/>
+          <a:chExt cx="0" cy="0"/>
+        </a:xfrm>
+      </p:grpSpPr>
+      <p:sp>
+        <p:nvSpPr>
           <p:cNvPr id="2" name="Title 1">
             <a:extLst>
               <a:ext uri="{FF2B5EF4-FFF2-40B4-BE49-F238E27FC236}">
-                <a16:creationId xmlns:a16="http://schemas.microsoft.com/office/drawing/2014/main" id="{F0647375-2A83-4CFE-BA92-82A5B8D8E256}"/>
+                <a16:creationId xmlns:a16="http://schemas.microsoft.com/office/drawing/2014/main" xmlns="" id="{F0647375-2A83-4CFE-BA92-82A5B8D8E256}"/>
               </a:ext>
             </a:extLst>
           </p:cNvPr>
@@ -4046,7 +4334,11 @@
           <a:bodyPr/>
           <a:lstStyle/>
           <a:p>
-            <a:endParaRPr lang="en-IN"/>
+            <a:r>
+              <a:rPr lang="en-US" dirty="0" smtClean="0"/>
+              <a:t>Datasets Available</a:t>
+            </a:r>
+            <a:endParaRPr lang="en-IN" dirty="0"/>
           </a:p>
         </p:txBody>
       </p:sp>
@@ -4055,7 +4347,7 @@
           <p:cNvPr id="3" name="Content Placeholder 2">
             <a:extLst>
               <a:ext uri="{FF2B5EF4-FFF2-40B4-BE49-F238E27FC236}">
-                <a16:creationId xmlns:a16="http://schemas.microsoft.com/office/drawing/2014/main" id="{D2BBF42C-ACEE-434B-AE68-D4BF8BE18863}"/>
+                <a16:creationId xmlns:a16="http://schemas.microsoft.com/office/drawing/2014/main" xmlns="" id="{D2BBF42C-ACEE-434B-AE68-D4BF8BE18863}"/>
               </a:ext>
             </a:extLst>
           </p:cNvPr>
@@ -4078,9 +4370,143 @@
     </p:spTree>
     <p:extLst>
       <p:ext uri="{BB962C8B-B14F-4D97-AF65-F5344CB8AC3E}">
-        <p14:creationId xmlns:p14="http://schemas.microsoft.com/office/powerpoint/2010/main" val="530203166"/>
+        <p14:creationId xmlns:p14="http://schemas.microsoft.com/office/powerpoint/2010/main" xmlns="" val="530203166"/>
       </p:ext>
     </p:extLst>
+  </p:cSld>
+  <p:clrMapOvr>
+    <a:masterClrMapping/>
+  </p:clrMapOvr>
+</p:sld>
+</file>
+
+<file path=ppt/slides/slide6.xml><?xml version="1.0" encoding="utf-8"?>
+<p:sld xmlns:a="http://schemas.openxmlformats.org/drawingml/2006/main" xmlns:r="http://schemas.openxmlformats.org/officeDocument/2006/relationships" xmlns:p="http://schemas.openxmlformats.org/presentationml/2006/main">
+  <p:cSld>
+    <p:spTree>
+      <p:nvGrpSpPr>
+        <p:cNvPr id="1" name=""/>
+        <p:cNvGrpSpPr/>
+        <p:nvPr/>
+      </p:nvGrpSpPr>
+      <p:grpSpPr>
+        <a:xfrm>
+          <a:off x="0" y="0"/>
+          <a:ext cx="0" cy="0"/>
+          <a:chOff x="0" y="0"/>
+          <a:chExt cx="0" cy="0"/>
+        </a:xfrm>
+      </p:grpSpPr>
+      <p:sp>
+        <p:nvSpPr>
+          <p:cNvPr id="2" name="Title 1"/>
+          <p:cNvSpPr>
+            <a:spLocks noGrp="1"/>
+          </p:cNvSpPr>
+          <p:nvPr>
+            <p:ph type="title"/>
+          </p:nvPr>
+        </p:nvSpPr>
+        <p:spPr/>
+        <p:txBody>
+          <a:bodyPr/>
+          <a:lstStyle/>
+          <a:p>
+            <a:r>
+              <a:rPr lang="en-US" dirty="0" smtClean="0"/>
+              <a:t>Works done</a:t>
+            </a:r>
+            <a:endParaRPr lang="en-IN" dirty="0"/>
+          </a:p>
+        </p:txBody>
+      </p:sp>
+      <p:sp>
+        <p:nvSpPr>
+          <p:cNvPr id="3" name="Content Placeholder 2"/>
+          <p:cNvSpPr>
+            <a:spLocks noGrp="1"/>
+          </p:cNvSpPr>
+          <p:nvPr>
+            <p:ph idx="1"/>
+          </p:nvPr>
+        </p:nvSpPr>
+        <p:spPr/>
+        <p:txBody>
+          <a:bodyPr/>
+          <a:lstStyle/>
+          <a:p>
+            <a:endParaRPr lang="en-IN"/>
+          </a:p>
+        </p:txBody>
+      </p:sp>
+    </p:spTree>
+  </p:cSld>
+  <p:clrMapOvr>
+    <a:masterClrMapping/>
+  </p:clrMapOvr>
+</p:sld>
+</file>
+
+<file path=ppt/slides/slide7.xml><?xml version="1.0" encoding="utf-8"?>
+<p:sld xmlns:a="http://schemas.openxmlformats.org/drawingml/2006/main" xmlns:r="http://schemas.openxmlformats.org/officeDocument/2006/relationships" xmlns:p="http://schemas.openxmlformats.org/presentationml/2006/main">
+  <p:cSld>
+    <p:spTree>
+      <p:nvGrpSpPr>
+        <p:cNvPr id="1" name=""/>
+        <p:cNvGrpSpPr/>
+        <p:nvPr/>
+      </p:nvGrpSpPr>
+      <p:grpSpPr>
+        <a:xfrm>
+          <a:off x="0" y="0"/>
+          <a:ext cx="0" cy="0"/>
+          <a:chOff x="0" y="0"/>
+          <a:chExt cx="0" cy="0"/>
+        </a:xfrm>
+      </p:grpSpPr>
+      <p:sp>
+        <p:nvSpPr>
+          <p:cNvPr id="2" name="Title 1"/>
+          <p:cNvSpPr>
+            <a:spLocks noGrp="1"/>
+          </p:cNvSpPr>
+          <p:nvPr>
+            <p:ph type="title"/>
+          </p:nvPr>
+        </p:nvSpPr>
+        <p:spPr/>
+        <p:txBody>
+          <a:bodyPr/>
+          <a:lstStyle/>
+          <a:p>
+            <a:r>
+              <a:rPr lang="en-US" dirty="0" smtClean="0"/>
+              <a:t>Conclusion</a:t>
+            </a:r>
+            <a:endParaRPr lang="en-IN" dirty="0"/>
+          </a:p>
+        </p:txBody>
+      </p:sp>
+      <p:sp>
+        <p:nvSpPr>
+          <p:cNvPr id="3" name="Content Placeholder 2"/>
+          <p:cNvSpPr>
+            <a:spLocks noGrp="1"/>
+          </p:cNvSpPr>
+          <p:nvPr>
+            <p:ph idx="1"/>
+          </p:nvPr>
+        </p:nvSpPr>
+        <p:spPr/>
+        <p:txBody>
+          <a:bodyPr/>
+          <a:lstStyle/>
+          <a:p>
+            <a:endParaRPr lang="en-IN"/>
+          </a:p>
+        </p:txBody>
+      </p:sp>
+    </p:spTree>
   </p:cSld>
   <p:clrMapOvr>
     <a:masterClrMapping/>
@@ -4131,7 +4557,7 @@
     </a:clrScheme>
     <a:fontScheme name="Retrospect">
       <a:majorFont>
-        <a:latin typeface="Calibri Light" panose="020F0302020204030204"/>
+        <a:latin typeface="Calibri Light"/>
         <a:ea typeface=""/>
         <a:cs typeface=""/>
         <a:font script="Jpan" typeface="ＭＳ Ｐゴシック"/>
@@ -4166,7 +4592,7 @@
         <a:font script="Geor" typeface="Sylfaen"/>
       </a:majorFont>
       <a:minorFont>
-        <a:latin typeface="Calibri" panose="020F0502020204030204"/>
+        <a:latin typeface="Calibri"/>
         <a:ea typeface=""/>
         <a:cs typeface=""/>
         <a:font script="Jpan" typeface="ＭＳ Ｐゴシック"/>
@@ -4365,7 +4791,7 @@
   <a:extraClrSchemeLst/>
   <a:extLst>
     <a:ext uri="{05A4C25C-085E-4340-85A3-A5531E510DB2}">
-      <thm15:themeFamily xmlns:thm15="http://schemas.microsoft.com/office/thememl/2012/main" name="Retrospect" id="{5F128B03-DCCA-4EEB-AB3B-CF2899314A46}" vid="{3F1AAB62-24C6-49D2-8E01-B56FAC9A3DCD}"/>
+      <thm15:themeFamily xmlns:thm15="http://schemas.microsoft.com/office/thememl/2012/main" xmlns="" name="Retrospect" id="{5F128B03-DCCA-4EEB-AB3B-CF2899314A46}" vid="{3F1AAB62-24C6-49D2-8E01-B56FAC9A3DCD}"/>
     </a:ext>
   </a:extLst>
 </a:theme>

--- a/Literature Survey.pptx
+++ b/Literature Survey.pptx
@@ -2,8 +2,11 @@
 <file path=ppt/presentation.xml><?xml version="1.0" encoding="utf-8"?>
 <p:presentation xmlns:a="http://schemas.openxmlformats.org/drawingml/2006/main" xmlns:r="http://schemas.openxmlformats.org/officeDocument/2006/relationships" xmlns:p="http://schemas.openxmlformats.org/presentationml/2006/main" saveSubsetFonts="1">
   <p:sldMasterIdLst>
-    <p:sldMasterId id="2147483660" r:id="rId1"/>
+    <p:sldMasterId id="2147483684" r:id="rId1"/>
   </p:sldMasterIdLst>
+  <p:notesMasterIdLst>
+    <p:notesMasterId r:id="rId21"/>
+  </p:notesMasterIdLst>
   <p:sldIdLst>
     <p:sldId id="256" r:id="rId2"/>
     <p:sldId id="257" r:id="rId3"/>
@@ -11,7 +14,19 @@
     <p:sldId id="261" r:id="rId5"/>
     <p:sldId id="259" r:id="rId6"/>
     <p:sldId id="262" r:id="rId7"/>
-    <p:sldId id="263" r:id="rId8"/>
+    <p:sldId id="264" r:id="rId8"/>
+    <p:sldId id="265" r:id="rId9"/>
+    <p:sldId id="267" r:id="rId10"/>
+    <p:sldId id="266" r:id="rId11"/>
+    <p:sldId id="263" r:id="rId12"/>
+    <p:sldId id="268" r:id="rId13"/>
+    <p:sldId id="269" r:id="rId14"/>
+    <p:sldId id="270" r:id="rId15"/>
+    <p:sldId id="271" r:id="rId16"/>
+    <p:sldId id="272" r:id="rId17"/>
+    <p:sldId id="273" r:id="rId18"/>
+    <p:sldId id="275" r:id="rId19"/>
+    <p:sldId id="274" r:id="rId20"/>
   </p:sldIdLst>
   <p:sldSz cx="12192000" cy="6858000"/>
   <p:notesSz cx="6858000" cy="9144000"/>
@@ -19,7 +34,7 @@
     <a:defPPr>
       <a:defRPr lang="en-US"/>
     </a:defPPr>
-    <a:lvl1pPr marL="0" algn="l" defTabSz="457200" rtl="0" eaLnBrk="1" latinLnBrk="0" hangingPunct="1">
+    <a:lvl1pPr marL="0" algn="l" defTabSz="914400" rtl="0" eaLnBrk="1" latinLnBrk="0" hangingPunct="1">
       <a:defRPr sz="1800" kern="1200">
         <a:solidFill>
           <a:schemeClr val="tx1"/>
@@ -29,7 +44,7 @@
         <a:cs typeface="+mn-cs"/>
       </a:defRPr>
     </a:lvl1pPr>
-    <a:lvl2pPr marL="457200" algn="l" defTabSz="457200" rtl="0" eaLnBrk="1" latinLnBrk="0" hangingPunct="1">
+    <a:lvl2pPr marL="457200" algn="l" defTabSz="914400" rtl="0" eaLnBrk="1" latinLnBrk="0" hangingPunct="1">
       <a:defRPr sz="1800" kern="1200">
         <a:solidFill>
           <a:schemeClr val="tx1"/>
@@ -39,7 +54,7 @@
         <a:cs typeface="+mn-cs"/>
       </a:defRPr>
     </a:lvl2pPr>
-    <a:lvl3pPr marL="914400" algn="l" defTabSz="457200" rtl="0" eaLnBrk="1" latinLnBrk="0" hangingPunct="1">
+    <a:lvl3pPr marL="914400" algn="l" defTabSz="914400" rtl="0" eaLnBrk="1" latinLnBrk="0" hangingPunct="1">
       <a:defRPr sz="1800" kern="1200">
         <a:solidFill>
           <a:schemeClr val="tx1"/>
@@ -49,7 +64,7 @@
         <a:cs typeface="+mn-cs"/>
       </a:defRPr>
     </a:lvl3pPr>
-    <a:lvl4pPr marL="1371600" algn="l" defTabSz="457200" rtl="0" eaLnBrk="1" latinLnBrk="0" hangingPunct="1">
+    <a:lvl4pPr marL="1371600" algn="l" defTabSz="914400" rtl="0" eaLnBrk="1" latinLnBrk="0" hangingPunct="1">
       <a:defRPr sz="1800" kern="1200">
         <a:solidFill>
           <a:schemeClr val="tx1"/>
@@ -59,7 +74,7 @@
         <a:cs typeface="+mn-cs"/>
       </a:defRPr>
     </a:lvl4pPr>
-    <a:lvl5pPr marL="1828800" algn="l" defTabSz="457200" rtl="0" eaLnBrk="1" latinLnBrk="0" hangingPunct="1">
+    <a:lvl5pPr marL="1828800" algn="l" defTabSz="914400" rtl="0" eaLnBrk="1" latinLnBrk="0" hangingPunct="1">
       <a:defRPr sz="1800" kern="1200">
         <a:solidFill>
           <a:schemeClr val="tx1"/>
@@ -69,7 +84,7 @@
         <a:cs typeface="+mn-cs"/>
       </a:defRPr>
     </a:lvl5pPr>
-    <a:lvl6pPr marL="2286000" algn="l" defTabSz="457200" rtl="0" eaLnBrk="1" latinLnBrk="0" hangingPunct="1">
+    <a:lvl6pPr marL="2286000" algn="l" defTabSz="914400" rtl="0" eaLnBrk="1" latinLnBrk="0" hangingPunct="1">
       <a:defRPr sz="1800" kern="1200">
         <a:solidFill>
           <a:schemeClr val="tx1"/>
@@ -79,7 +94,7 @@
         <a:cs typeface="+mn-cs"/>
       </a:defRPr>
     </a:lvl6pPr>
-    <a:lvl7pPr marL="2743200" algn="l" defTabSz="457200" rtl="0" eaLnBrk="1" latinLnBrk="0" hangingPunct="1">
+    <a:lvl7pPr marL="2743200" algn="l" defTabSz="914400" rtl="0" eaLnBrk="1" latinLnBrk="0" hangingPunct="1">
       <a:defRPr sz="1800" kern="1200">
         <a:solidFill>
           <a:schemeClr val="tx1"/>
@@ -89,7 +104,7 @@
         <a:cs typeface="+mn-cs"/>
       </a:defRPr>
     </a:lvl7pPr>
-    <a:lvl8pPr marL="3200400" algn="l" defTabSz="457200" rtl="0" eaLnBrk="1" latinLnBrk="0" hangingPunct="1">
+    <a:lvl8pPr marL="3200400" algn="l" defTabSz="914400" rtl="0" eaLnBrk="1" latinLnBrk="0" hangingPunct="1">
       <a:defRPr sz="1800" kern="1200">
         <a:solidFill>
           <a:schemeClr val="tx1"/>
@@ -99,7 +114,7 @@
         <a:cs typeface="+mn-cs"/>
       </a:defRPr>
     </a:lvl8pPr>
-    <a:lvl9pPr marL="3657600" algn="l" defTabSz="457200" rtl="0" eaLnBrk="1" latinLnBrk="0" hangingPunct="1">
+    <a:lvl9pPr marL="3657600" algn="l" defTabSz="914400" rtl="0" eaLnBrk="1" latinLnBrk="0" hangingPunct="1">
       <a:defRPr sz="1800" kern="1200">
         <a:solidFill>
           <a:schemeClr val="tx1"/>
@@ -110,11 +125,461 @@
       </a:defRPr>
     </a:lvl9pPr>
   </p:defaultTextStyle>
+  <p:extLst>
+    <p:ext uri="{EFAFB233-063F-42B5-8137-9DF3F51BA10A}">
+      <p15:sldGuideLst xmlns:p15="http://schemas.microsoft.com/office/powerpoint/2012/main">
+        <p15:guide id="1" orient="horz" pos="2160">
+          <p15:clr>
+            <a:srgbClr val="A4A3A4"/>
+          </p15:clr>
+        </p15:guide>
+        <p15:guide id="2" pos="3840">
+          <p15:clr>
+            <a:srgbClr val="A4A3A4"/>
+          </p15:clr>
+        </p15:guide>
+      </p15:sldGuideLst>
+    </p:ext>
+  </p:extLst>
 </p:presentation>
 </file>
 
+<file path=ppt/notesMasters/notesMaster1.xml><?xml version="1.0" encoding="utf-8"?>
+<p:notesMaster xmlns:a="http://schemas.openxmlformats.org/drawingml/2006/main" xmlns:r="http://schemas.openxmlformats.org/officeDocument/2006/relationships" xmlns:p="http://schemas.openxmlformats.org/presentationml/2006/main">
+  <p:cSld>
+    <p:bg>
+      <p:bgRef idx="1001">
+        <a:schemeClr val="bg1"/>
+      </p:bgRef>
+    </p:bg>
+    <p:spTree>
+      <p:nvGrpSpPr>
+        <p:cNvPr id="1" name=""/>
+        <p:cNvGrpSpPr/>
+        <p:nvPr/>
+      </p:nvGrpSpPr>
+      <p:grpSpPr>
+        <a:xfrm>
+          <a:off x="0" y="0"/>
+          <a:ext cx="0" cy="0"/>
+          <a:chOff x="0" y="0"/>
+          <a:chExt cx="0" cy="0"/>
+        </a:xfrm>
+      </p:grpSpPr>
+      <p:sp>
+        <p:nvSpPr>
+          <p:cNvPr id="2" name="Header Placeholder 1"/>
+          <p:cNvSpPr>
+            <a:spLocks noGrp="1"/>
+          </p:cNvSpPr>
+          <p:nvPr>
+            <p:ph type="hdr" sz="quarter"/>
+          </p:nvPr>
+        </p:nvSpPr>
+        <p:spPr>
+          <a:xfrm>
+            <a:off x="0" y="0"/>
+            <a:ext cx="2971800" cy="458788"/>
+          </a:xfrm>
+          <a:prstGeom prst="rect">
+            <a:avLst/>
+          </a:prstGeom>
+        </p:spPr>
+        <p:txBody>
+          <a:bodyPr vert="horz" lIns="91440" tIns="45720" rIns="91440" bIns="45720" rtlCol="0"/>
+          <a:lstStyle>
+            <a:lvl1pPr algn="l">
+              <a:defRPr sz="1200"/>
+            </a:lvl1pPr>
+          </a:lstStyle>
+          <a:p>
+            <a:endParaRPr lang="en-IN"/>
+          </a:p>
+        </p:txBody>
+      </p:sp>
+      <p:sp>
+        <p:nvSpPr>
+          <p:cNvPr id="3" name="Date Placeholder 2"/>
+          <p:cNvSpPr>
+            <a:spLocks noGrp="1"/>
+          </p:cNvSpPr>
+          <p:nvPr>
+            <p:ph type="dt" idx="1"/>
+          </p:nvPr>
+        </p:nvSpPr>
+        <p:spPr>
+          <a:xfrm>
+            <a:off x="3884613" y="0"/>
+            <a:ext cx="2971800" cy="458788"/>
+          </a:xfrm>
+          <a:prstGeom prst="rect">
+            <a:avLst/>
+          </a:prstGeom>
+        </p:spPr>
+        <p:txBody>
+          <a:bodyPr vert="horz" lIns="91440" tIns="45720" rIns="91440" bIns="45720" rtlCol="0"/>
+          <a:lstStyle>
+            <a:lvl1pPr algn="r">
+              <a:defRPr sz="1200"/>
+            </a:lvl1pPr>
+          </a:lstStyle>
+          <a:p>
+            <a:fld id="{45415947-26B1-4FC8-8A19-6892E44568CA}" type="datetimeFigureOut">
+              <a:rPr lang="en-IN" smtClean="0"/>
+              <a:t>24-10-2020</a:t>
+            </a:fld>
+            <a:endParaRPr lang="en-IN"/>
+          </a:p>
+        </p:txBody>
+      </p:sp>
+      <p:sp>
+        <p:nvSpPr>
+          <p:cNvPr id="4" name="Slide Image Placeholder 3"/>
+          <p:cNvSpPr>
+            <a:spLocks noGrp="1" noRot="1" noChangeAspect="1"/>
+          </p:cNvSpPr>
+          <p:nvPr>
+            <p:ph type="sldImg" idx="2"/>
+          </p:nvPr>
+        </p:nvSpPr>
+        <p:spPr>
+          <a:xfrm>
+            <a:off x="685800" y="1143000"/>
+            <a:ext cx="5486400" cy="3086100"/>
+          </a:xfrm>
+          <a:prstGeom prst="rect">
+            <a:avLst/>
+          </a:prstGeom>
+          <a:noFill/>
+          <a:ln w="12700">
+            <a:solidFill>
+              <a:prstClr val="black"/>
+            </a:solidFill>
+          </a:ln>
+        </p:spPr>
+        <p:txBody>
+          <a:bodyPr vert="horz" lIns="91440" tIns="45720" rIns="91440" bIns="45720" rtlCol="0" anchor="ctr"/>
+          <a:lstStyle/>
+          <a:p>
+            <a:endParaRPr lang="en-IN"/>
+          </a:p>
+        </p:txBody>
+      </p:sp>
+      <p:sp>
+        <p:nvSpPr>
+          <p:cNvPr id="5" name="Notes Placeholder 4"/>
+          <p:cNvSpPr>
+            <a:spLocks noGrp="1"/>
+          </p:cNvSpPr>
+          <p:nvPr>
+            <p:ph type="body" sz="quarter" idx="3"/>
+          </p:nvPr>
+        </p:nvSpPr>
+        <p:spPr>
+          <a:xfrm>
+            <a:off x="685800" y="4400550"/>
+            <a:ext cx="5486400" cy="3600450"/>
+          </a:xfrm>
+          <a:prstGeom prst="rect">
+            <a:avLst/>
+          </a:prstGeom>
+        </p:spPr>
+        <p:txBody>
+          <a:bodyPr vert="horz" lIns="91440" tIns="45720" rIns="91440" bIns="45720" rtlCol="0"/>
+          <a:lstStyle/>
+          <a:p>
+            <a:pPr lvl="0"/>
+            <a:r>
+              <a:rPr lang="en-US"/>
+              <a:t>Click to edit Master text styles</a:t>
+            </a:r>
+          </a:p>
+          <a:p>
+            <a:pPr lvl="1"/>
+            <a:r>
+              <a:rPr lang="en-US"/>
+              <a:t>Second level</a:t>
+            </a:r>
+          </a:p>
+          <a:p>
+            <a:pPr lvl="2"/>
+            <a:r>
+              <a:rPr lang="en-US"/>
+              <a:t>Third level</a:t>
+            </a:r>
+          </a:p>
+          <a:p>
+            <a:pPr lvl="3"/>
+            <a:r>
+              <a:rPr lang="en-US"/>
+              <a:t>Fourth level</a:t>
+            </a:r>
+          </a:p>
+          <a:p>
+            <a:pPr lvl="4"/>
+            <a:r>
+              <a:rPr lang="en-US"/>
+              <a:t>Fifth level</a:t>
+            </a:r>
+            <a:endParaRPr lang="en-IN"/>
+          </a:p>
+        </p:txBody>
+      </p:sp>
+      <p:sp>
+        <p:nvSpPr>
+          <p:cNvPr id="6" name="Footer Placeholder 5"/>
+          <p:cNvSpPr>
+            <a:spLocks noGrp="1"/>
+          </p:cNvSpPr>
+          <p:nvPr>
+            <p:ph type="ftr" sz="quarter" idx="4"/>
+          </p:nvPr>
+        </p:nvSpPr>
+        <p:spPr>
+          <a:xfrm>
+            <a:off x="0" y="8685213"/>
+            <a:ext cx="2971800" cy="458787"/>
+          </a:xfrm>
+          <a:prstGeom prst="rect">
+            <a:avLst/>
+          </a:prstGeom>
+        </p:spPr>
+        <p:txBody>
+          <a:bodyPr vert="horz" lIns="91440" tIns="45720" rIns="91440" bIns="45720" rtlCol="0" anchor="b"/>
+          <a:lstStyle>
+            <a:lvl1pPr algn="l">
+              <a:defRPr sz="1200"/>
+            </a:lvl1pPr>
+          </a:lstStyle>
+          <a:p>
+            <a:endParaRPr lang="en-IN"/>
+          </a:p>
+        </p:txBody>
+      </p:sp>
+      <p:sp>
+        <p:nvSpPr>
+          <p:cNvPr id="7" name="Slide Number Placeholder 6"/>
+          <p:cNvSpPr>
+            <a:spLocks noGrp="1"/>
+          </p:cNvSpPr>
+          <p:nvPr>
+            <p:ph type="sldNum" sz="quarter" idx="5"/>
+          </p:nvPr>
+        </p:nvSpPr>
+        <p:spPr>
+          <a:xfrm>
+            <a:off x="3884613" y="8685213"/>
+            <a:ext cx="2971800" cy="458787"/>
+          </a:xfrm>
+          <a:prstGeom prst="rect">
+            <a:avLst/>
+          </a:prstGeom>
+        </p:spPr>
+        <p:txBody>
+          <a:bodyPr vert="horz" lIns="91440" tIns="45720" rIns="91440" bIns="45720" rtlCol="0" anchor="b"/>
+          <a:lstStyle>
+            <a:lvl1pPr algn="r">
+              <a:defRPr sz="1200"/>
+            </a:lvl1pPr>
+          </a:lstStyle>
+          <a:p>
+            <a:fld id="{0253A58A-112C-4ED1-B08C-019BAF5A7330}" type="slidenum">
+              <a:rPr lang="en-IN" smtClean="0"/>
+              <a:t>‹#›</a:t>
+            </a:fld>
+            <a:endParaRPr lang="en-IN"/>
+          </a:p>
+        </p:txBody>
+      </p:sp>
+    </p:spTree>
+    <p:extLst>
+      <p:ext uri="{BB962C8B-B14F-4D97-AF65-F5344CB8AC3E}">
+        <p14:creationId xmlns:p14="http://schemas.microsoft.com/office/powerpoint/2010/main" val="498509970"/>
+      </p:ext>
+    </p:extLst>
+  </p:cSld>
+  <p:clrMap bg1="lt1" tx1="dk1" bg2="lt2" tx2="dk2" accent1="accent1" accent2="accent2" accent3="accent3" accent4="accent4" accent5="accent5" accent6="accent6" hlink="hlink" folHlink="folHlink"/>
+  <p:notesStyle>
+    <a:lvl1pPr marL="0" algn="l" defTabSz="914400" rtl="0" eaLnBrk="1" latinLnBrk="0" hangingPunct="1">
+      <a:defRPr sz="1200" kern="1200">
+        <a:solidFill>
+          <a:schemeClr val="tx1"/>
+        </a:solidFill>
+        <a:latin typeface="+mn-lt"/>
+        <a:ea typeface="+mn-ea"/>
+        <a:cs typeface="+mn-cs"/>
+      </a:defRPr>
+    </a:lvl1pPr>
+    <a:lvl2pPr marL="457200" algn="l" defTabSz="914400" rtl="0" eaLnBrk="1" latinLnBrk="0" hangingPunct="1">
+      <a:defRPr sz="1200" kern="1200">
+        <a:solidFill>
+          <a:schemeClr val="tx1"/>
+        </a:solidFill>
+        <a:latin typeface="+mn-lt"/>
+        <a:ea typeface="+mn-ea"/>
+        <a:cs typeface="+mn-cs"/>
+      </a:defRPr>
+    </a:lvl2pPr>
+    <a:lvl3pPr marL="914400" algn="l" defTabSz="914400" rtl="0" eaLnBrk="1" latinLnBrk="0" hangingPunct="1">
+      <a:defRPr sz="1200" kern="1200">
+        <a:solidFill>
+          <a:schemeClr val="tx1"/>
+        </a:solidFill>
+        <a:latin typeface="+mn-lt"/>
+        <a:ea typeface="+mn-ea"/>
+        <a:cs typeface="+mn-cs"/>
+      </a:defRPr>
+    </a:lvl3pPr>
+    <a:lvl4pPr marL="1371600" algn="l" defTabSz="914400" rtl="0" eaLnBrk="1" latinLnBrk="0" hangingPunct="1">
+      <a:defRPr sz="1200" kern="1200">
+        <a:solidFill>
+          <a:schemeClr val="tx1"/>
+        </a:solidFill>
+        <a:latin typeface="+mn-lt"/>
+        <a:ea typeface="+mn-ea"/>
+        <a:cs typeface="+mn-cs"/>
+      </a:defRPr>
+    </a:lvl4pPr>
+    <a:lvl5pPr marL="1828800" algn="l" defTabSz="914400" rtl="0" eaLnBrk="1" latinLnBrk="0" hangingPunct="1">
+      <a:defRPr sz="1200" kern="1200">
+        <a:solidFill>
+          <a:schemeClr val="tx1"/>
+        </a:solidFill>
+        <a:latin typeface="+mn-lt"/>
+        <a:ea typeface="+mn-ea"/>
+        <a:cs typeface="+mn-cs"/>
+      </a:defRPr>
+    </a:lvl5pPr>
+    <a:lvl6pPr marL="2286000" algn="l" defTabSz="914400" rtl="0" eaLnBrk="1" latinLnBrk="0" hangingPunct="1">
+      <a:defRPr sz="1200" kern="1200">
+        <a:solidFill>
+          <a:schemeClr val="tx1"/>
+        </a:solidFill>
+        <a:latin typeface="+mn-lt"/>
+        <a:ea typeface="+mn-ea"/>
+        <a:cs typeface="+mn-cs"/>
+      </a:defRPr>
+    </a:lvl6pPr>
+    <a:lvl7pPr marL="2743200" algn="l" defTabSz="914400" rtl="0" eaLnBrk="1" latinLnBrk="0" hangingPunct="1">
+      <a:defRPr sz="1200" kern="1200">
+        <a:solidFill>
+          <a:schemeClr val="tx1"/>
+        </a:solidFill>
+        <a:latin typeface="+mn-lt"/>
+        <a:ea typeface="+mn-ea"/>
+        <a:cs typeface="+mn-cs"/>
+      </a:defRPr>
+    </a:lvl7pPr>
+    <a:lvl8pPr marL="3200400" algn="l" defTabSz="914400" rtl="0" eaLnBrk="1" latinLnBrk="0" hangingPunct="1">
+      <a:defRPr sz="1200" kern="1200">
+        <a:solidFill>
+          <a:schemeClr val="tx1"/>
+        </a:solidFill>
+        <a:latin typeface="+mn-lt"/>
+        <a:ea typeface="+mn-ea"/>
+        <a:cs typeface="+mn-cs"/>
+      </a:defRPr>
+    </a:lvl8pPr>
+    <a:lvl9pPr marL="3657600" algn="l" defTabSz="914400" rtl="0" eaLnBrk="1" latinLnBrk="0" hangingPunct="1">
+      <a:defRPr sz="1200" kern="1200">
+        <a:solidFill>
+          <a:schemeClr val="tx1"/>
+        </a:solidFill>
+        <a:latin typeface="+mn-lt"/>
+        <a:ea typeface="+mn-ea"/>
+        <a:cs typeface="+mn-cs"/>
+      </a:defRPr>
+    </a:lvl9pPr>
+  </p:notesStyle>
+</p:notesMaster>
+</file>
+
+<file path=ppt/notesSlides/notesSlide1.xml><?xml version="1.0" encoding="utf-8"?>
+<p:notes xmlns:a="http://schemas.openxmlformats.org/drawingml/2006/main" xmlns:r="http://schemas.openxmlformats.org/officeDocument/2006/relationships" xmlns:p="http://schemas.openxmlformats.org/presentationml/2006/main">
+  <p:cSld>
+    <p:spTree>
+      <p:nvGrpSpPr>
+        <p:cNvPr id="1" name=""/>
+        <p:cNvGrpSpPr/>
+        <p:nvPr/>
+      </p:nvGrpSpPr>
+      <p:grpSpPr>
+        <a:xfrm>
+          <a:off x="0" y="0"/>
+          <a:ext cx="0" cy="0"/>
+          <a:chOff x="0" y="0"/>
+          <a:chExt cx="0" cy="0"/>
+        </a:xfrm>
+      </p:grpSpPr>
+      <p:sp>
+        <p:nvSpPr>
+          <p:cNvPr id="2" name="Slide Image Placeholder 1"/>
+          <p:cNvSpPr>
+            <a:spLocks noGrp="1" noRot="1" noChangeAspect="1"/>
+          </p:cNvSpPr>
+          <p:nvPr>
+            <p:ph type="sldImg"/>
+          </p:nvPr>
+        </p:nvSpPr>
+        <p:spPr/>
+      </p:sp>
+      <p:sp>
+        <p:nvSpPr>
+          <p:cNvPr id="3" name="Notes Placeholder 2"/>
+          <p:cNvSpPr>
+            <a:spLocks noGrp="1"/>
+          </p:cNvSpPr>
+          <p:nvPr>
+            <p:ph type="body" idx="1"/>
+          </p:nvPr>
+        </p:nvSpPr>
+        <p:spPr/>
+        <p:txBody>
+          <a:bodyPr/>
+          <a:lstStyle/>
+          <a:p>
+            <a:endParaRPr lang="en-IN" dirty="0"/>
+          </a:p>
+        </p:txBody>
+      </p:sp>
+      <p:sp>
+        <p:nvSpPr>
+          <p:cNvPr id="4" name="Slide Number Placeholder 3"/>
+          <p:cNvSpPr>
+            <a:spLocks noGrp="1"/>
+          </p:cNvSpPr>
+          <p:nvPr>
+            <p:ph type="sldNum" sz="quarter" idx="5"/>
+          </p:nvPr>
+        </p:nvSpPr>
+        <p:spPr/>
+        <p:txBody>
+          <a:bodyPr/>
+          <a:lstStyle/>
+          <a:p>
+            <a:fld id="{0253A58A-112C-4ED1-B08C-019BAF5A7330}" type="slidenum">
+              <a:rPr lang="en-IN" smtClean="0"/>
+              <a:t>13</a:t>
+            </a:fld>
+            <a:endParaRPr lang="en-IN"/>
+          </a:p>
+        </p:txBody>
+      </p:sp>
+    </p:spTree>
+    <p:extLst>
+      <p:ext uri="{BB962C8B-B14F-4D97-AF65-F5344CB8AC3E}">
+        <p14:creationId xmlns:p14="http://schemas.microsoft.com/office/powerpoint/2010/main" val="710711739"/>
+      </p:ext>
+    </p:extLst>
+  </p:cSld>
+  <p:clrMapOvr>
+    <a:masterClrMapping/>
+  </p:clrMapOvr>
+</p:notes>
+</file>
+
 <file path=ppt/slideLayouts/slideLayout1.xml><?xml version="1.0" encoding="utf-8"?>
-<p:sldLayout xmlns:a="http://schemas.openxmlformats.org/drawingml/2006/main" xmlns:r="http://schemas.openxmlformats.org/officeDocument/2006/relationships" xmlns:p="http://schemas.openxmlformats.org/presentationml/2006/main" showMasterSp="0" type="title" preserve="1">
+<p:sldLayout xmlns:a="http://schemas.openxmlformats.org/drawingml/2006/main" xmlns:r="http://schemas.openxmlformats.org/officeDocument/2006/relationships" xmlns:p="http://schemas.openxmlformats.org/presentationml/2006/main" type="title" preserve="1">
   <p:cSld name="Title Slide">
     <p:spTree>
       <p:nvGrpSpPr>
@@ -132,185 +597,102 @@
       </p:grpSpPr>
       <p:sp>
         <p:nvSpPr>
-          <p:cNvPr id="7" name="Rectangle 6"/>
-          <p:cNvSpPr/>
-          <p:nvPr/>
+          <p:cNvPr id="2" name="Title 1">
+            <a:extLst>
+              <a:ext uri="{FF2B5EF4-FFF2-40B4-BE49-F238E27FC236}">
+                <a16:creationId xmlns:a16="http://schemas.microsoft.com/office/drawing/2014/main" id="{612FB659-5C72-46A4-B6DC-3F8ACF820C73}"/>
+              </a:ext>
+            </a:extLst>
+          </p:cNvPr>
+          <p:cNvSpPr>
+            <a:spLocks noGrp="1"/>
+          </p:cNvSpPr>
+          <p:nvPr>
+            <p:ph type="ctrTitle"/>
+          </p:nvPr>
         </p:nvSpPr>
         <p:spPr>
           <a:xfrm>
-            <a:off x="3175" y="6400800"/>
-            <a:ext cx="12188825" cy="457200"/>
+            <a:off x="1524000" y="1122363"/>
+            <a:ext cx="9144000" cy="2387600"/>
           </a:xfrm>
-          <a:prstGeom prst="rect">
-            <a:avLst/>
-          </a:prstGeom>
-          <a:solidFill>
-            <a:schemeClr val="accent2"/>
-          </a:solidFill>
-          <a:ln>
-            <a:noFill/>
-          </a:ln>
         </p:spPr>
-        <p:style>
-          <a:lnRef idx="2">
-            <a:schemeClr val="accent1">
-              <a:shade val="50000"/>
-            </a:schemeClr>
-          </a:lnRef>
-          <a:fillRef idx="1">
-            <a:schemeClr val="accent1"/>
-          </a:fillRef>
-          <a:effectRef idx="0">
-            <a:schemeClr val="accent1"/>
-          </a:effectRef>
-          <a:fontRef idx="minor">
-            <a:schemeClr val="lt1"/>
-          </a:fontRef>
-        </p:style>
-      </p:sp>
-      <p:sp>
-        <p:nvSpPr>
-          <p:cNvPr id="8" name="Rectangle 7"/>
-          <p:cNvSpPr/>
-          <p:nvPr/>
+        <p:txBody>
+          <a:bodyPr anchor="b"/>
+          <a:lstStyle>
+            <a:lvl1pPr algn="ctr">
+              <a:defRPr sz="6000"/>
+            </a:lvl1pPr>
+          </a:lstStyle>
+          <a:p>
+            <a:r>
+              <a:rPr lang="en-US"/>
+              <a:t>Click to edit Master title style</a:t>
+            </a:r>
+            <a:endParaRPr lang="en-IN"/>
+          </a:p>
+        </p:txBody>
+      </p:sp>
+      <p:sp>
+        <p:nvSpPr>
+          <p:cNvPr id="3" name="Subtitle 2">
+            <a:extLst>
+              <a:ext uri="{FF2B5EF4-FFF2-40B4-BE49-F238E27FC236}">
+                <a16:creationId xmlns:a16="http://schemas.microsoft.com/office/drawing/2014/main" id="{B220C850-7BE1-44FD-BBCF-9075FBD09B10}"/>
+              </a:ext>
+            </a:extLst>
+          </p:cNvPr>
+          <p:cNvSpPr>
+            <a:spLocks noGrp="1"/>
+          </p:cNvSpPr>
+          <p:nvPr>
+            <p:ph type="subTitle" idx="1"/>
+          </p:nvPr>
         </p:nvSpPr>
         <p:spPr>
           <a:xfrm>
-            <a:off x="15" y="6334316"/>
-            <a:ext cx="12188825" cy="64008"/>
-          </a:xfrm>
-          <a:prstGeom prst="rect">
-            <a:avLst/>
-          </a:prstGeom>
-          <a:solidFill>
-            <a:schemeClr val="accent1"/>
-          </a:solidFill>
-          <a:ln>
-            <a:noFill/>
-          </a:ln>
-        </p:spPr>
-        <p:style>
-          <a:lnRef idx="2">
-            <a:schemeClr val="accent1">
-              <a:shade val="50000"/>
-            </a:schemeClr>
-          </a:lnRef>
-          <a:fillRef idx="1">
-            <a:schemeClr val="accent1"/>
-          </a:fillRef>
-          <a:effectRef idx="0">
-            <a:schemeClr val="accent1"/>
-          </a:effectRef>
-          <a:fontRef idx="minor">
-            <a:schemeClr val="lt1"/>
-          </a:fontRef>
-        </p:style>
-      </p:sp>
-      <p:sp>
-        <p:nvSpPr>
-          <p:cNvPr id="2" name="Title 1"/>
-          <p:cNvSpPr>
-            <a:spLocks noGrp="1"/>
-          </p:cNvSpPr>
-          <p:nvPr>
-            <p:ph type="ctrTitle"/>
-          </p:nvPr>
-        </p:nvSpPr>
-        <p:spPr>
-          <a:xfrm>
-            <a:off x="1097280" y="758952"/>
-            <a:ext cx="10058400" cy="3566160"/>
+            <a:off x="1524000" y="3602038"/>
+            <a:ext cx="9144000" cy="1655762"/>
           </a:xfrm>
         </p:spPr>
         <p:txBody>
-          <a:bodyPr anchor="b">
-            <a:normAutofit/>
-          </a:bodyPr>
+          <a:bodyPr/>
           <a:lstStyle>
-            <a:lvl1pPr algn="l">
-              <a:lnSpc>
-                <a:spcPct val="85000"/>
-              </a:lnSpc>
-              <a:defRPr sz="8000" spc="-50" baseline="0">
-                <a:solidFill>
-                  <a:schemeClr val="tx1">
-                    <a:lumMod val="85000"/>
-                    <a:lumOff val="15000"/>
-                  </a:schemeClr>
-                </a:solidFill>
-              </a:defRPr>
-            </a:lvl1pPr>
-          </a:lstStyle>
-          <a:p>
-            <a:r>
-              <a:rPr lang="en-US"/>
-              <a:t>Click to edit Master title style</a:t>
-            </a:r>
-            <a:endParaRPr lang="en-US" dirty="0"/>
-          </a:p>
-        </p:txBody>
-      </p:sp>
-      <p:sp>
-        <p:nvSpPr>
-          <p:cNvPr id="3" name="Subtitle 2"/>
-          <p:cNvSpPr>
-            <a:spLocks noGrp="1"/>
-          </p:cNvSpPr>
-          <p:nvPr>
-            <p:ph type="subTitle" idx="1"/>
-          </p:nvPr>
-        </p:nvSpPr>
-        <p:spPr>
-          <a:xfrm>
-            <a:off x="1100051" y="4455620"/>
-            <a:ext cx="10058400" cy="1143000"/>
-          </a:xfrm>
-        </p:spPr>
-        <p:txBody>
-          <a:bodyPr lIns="91440" rIns="91440">
-            <a:normAutofit/>
-          </a:bodyPr>
-          <a:lstStyle>
-            <a:lvl1pPr marL="0" indent="0" algn="l">
-              <a:buNone/>
-              <a:defRPr sz="2400" cap="all" spc="200" baseline="0">
-                <a:solidFill>
-                  <a:schemeClr val="tx2"/>
-                </a:solidFill>
-                <a:latin typeface="+mj-lt"/>
-              </a:defRPr>
+            <a:lvl1pPr marL="0" indent="0" algn="ctr">
+              <a:buNone/>
+              <a:defRPr sz="2400"/>
             </a:lvl1pPr>
             <a:lvl2pPr marL="457200" indent="0" algn="ctr">
               <a:buNone/>
-              <a:defRPr sz="2400"/>
+              <a:defRPr sz="2000"/>
             </a:lvl2pPr>
             <a:lvl3pPr marL="914400" indent="0" algn="ctr">
               <a:buNone/>
-              <a:defRPr sz="2400"/>
+              <a:defRPr sz="1800"/>
             </a:lvl3pPr>
             <a:lvl4pPr marL="1371600" indent="0" algn="ctr">
               <a:buNone/>
-              <a:defRPr sz="2000"/>
+              <a:defRPr sz="1600"/>
             </a:lvl4pPr>
             <a:lvl5pPr marL="1828800" indent="0" algn="ctr">
               <a:buNone/>
-              <a:defRPr sz="2000"/>
+              <a:defRPr sz="1600"/>
             </a:lvl5pPr>
             <a:lvl6pPr marL="2286000" indent="0" algn="ctr">
               <a:buNone/>
-              <a:defRPr sz="2000"/>
+              <a:defRPr sz="1600"/>
             </a:lvl6pPr>
             <a:lvl7pPr marL="2743200" indent="0" algn="ctr">
               <a:buNone/>
-              <a:defRPr sz="2000"/>
+              <a:defRPr sz="1600"/>
             </a:lvl7pPr>
             <a:lvl8pPr marL="3200400" indent="0" algn="ctr">
               <a:buNone/>
-              <a:defRPr sz="2000"/>
+              <a:defRPr sz="1600"/>
             </a:lvl8pPr>
             <a:lvl9pPr marL="3657600" indent="0" algn="ctr">
               <a:buNone/>
-              <a:defRPr sz="2000"/>
+              <a:defRPr sz="1600"/>
             </a:lvl9pPr>
           </a:lstStyle>
           <a:p>
@@ -318,13 +700,19 @@
               <a:rPr lang="en-US"/>
               <a:t>Click to edit Master subtitle style</a:t>
             </a:r>
-            <a:endParaRPr lang="en-US" dirty="0"/>
-          </a:p>
-        </p:txBody>
-      </p:sp>
-      <p:sp>
-        <p:nvSpPr>
-          <p:cNvPr id="4" name="Date Placeholder 3"/>
+            <a:endParaRPr lang="en-IN"/>
+          </a:p>
+        </p:txBody>
+      </p:sp>
+      <p:sp>
+        <p:nvSpPr>
+          <p:cNvPr id="4" name="Date Placeholder 3">
+            <a:extLst>
+              <a:ext uri="{FF2B5EF4-FFF2-40B4-BE49-F238E27FC236}">
+                <a16:creationId xmlns:a16="http://schemas.microsoft.com/office/drawing/2014/main" id="{4C2D91B1-602E-4430-810B-56392424B6FE}"/>
+              </a:ext>
+            </a:extLst>
+          </p:cNvPr>
           <p:cNvSpPr>
             <a:spLocks noGrp="1"/>
           </p:cNvSpPr>
@@ -348,7 +736,13 @@
       </p:sp>
       <p:sp>
         <p:nvSpPr>
-          <p:cNvPr id="5" name="Footer Placeholder 4"/>
+          <p:cNvPr id="5" name="Footer Placeholder 4">
+            <a:extLst>
+              <a:ext uri="{FF2B5EF4-FFF2-40B4-BE49-F238E27FC236}">
+                <a16:creationId xmlns:a16="http://schemas.microsoft.com/office/drawing/2014/main" id="{31633BF2-29F7-467D-A14B-FEAD7E0AE25C}"/>
+              </a:ext>
+            </a:extLst>
+          </p:cNvPr>
           <p:cNvSpPr>
             <a:spLocks noGrp="1"/>
           </p:cNvSpPr>
@@ -367,7 +761,13 @@
       </p:sp>
       <p:sp>
         <p:nvSpPr>
-          <p:cNvPr id="6" name="Slide Number Placeholder 5"/>
+          <p:cNvPr id="6" name="Slide Number Placeholder 5">
+            <a:extLst>
+              <a:ext uri="{FF2B5EF4-FFF2-40B4-BE49-F238E27FC236}">
+                <a16:creationId xmlns:a16="http://schemas.microsoft.com/office/drawing/2014/main" id="{DDB932E0-D790-47D5-BC30-13B68F15D455}"/>
+              </a:ext>
+            </a:extLst>
+          </p:cNvPr>
           <p:cNvSpPr>
             <a:spLocks noGrp="1"/>
           </p:cNvSpPr>
@@ -389,48 +789,10 @@
           </a:p>
         </p:txBody>
       </p:sp>
-      <p:cxnSp>
-        <p:nvCxnSpPr>
-          <p:cNvPr id="9" name="Straight Connector 8"/>
-          <p:cNvCxnSpPr/>
-          <p:nvPr/>
-        </p:nvCxnSpPr>
-        <p:spPr>
-          <a:xfrm>
-            <a:off x="1207658" y="4343400"/>
-            <a:ext cx="9875520" cy="0"/>
-          </a:xfrm>
-          <a:prstGeom prst="line">
-            <a:avLst/>
-          </a:prstGeom>
-          <a:ln w="6350">
-            <a:solidFill>
-              <a:schemeClr val="tx1">
-                <a:lumMod val="50000"/>
-                <a:lumOff val="50000"/>
-              </a:schemeClr>
-            </a:solidFill>
-          </a:ln>
-        </p:spPr>
-        <p:style>
-          <a:lnRef idx="1">
-            <a:schemeClr val="accent1"/>
-          </a:lnRef>
-          <a:fillRef idx="0">
-            <a:schemeClr val="accent1"/>
-          </a:fillRef>
-          <a:effectRef idx="0">
-            <a:schemeClr val="accent1"/>
-          </a:effectRef>
-          <a:fontRef idx="minor">
-            <a:schemeClr val="tx1"/>
-          </a:fontRef>
-        </p:style>
-      </p:cxnSp>
     </p:spTree>
     <p:extLst>
       <p:ext uri="{BB962C8B-B14F-4D97-AF65-F5344CB8AC3E}">
-        <p14:creationId xmlns:p14="http://schemas.microsoft.com/office/powerpoint/2010/main" xmlns="" val="2767705860"/>
+        <p14:creationId xmlns:p14="http://schemas.microsoft.com/office/powerpoint/2010/main" val="3040949612"/>
       </p:ext>
     </p:extLst>
   </p:cSld>
@@ -459,7 +821,13 @@
       </p:grpSpPr>
       <p:sp>
         <p:nvSpPr>
-          <p:cNvPr id="2" name="Title 1"/>
+          <p:cNvPr id="2" name="Title 1">
+            <a:extLst>
+              <a:ext uri="{FF2B5EF4-FFF2-40B4-BE49-F238E27FC236}">
+                <a16:creationId xmlns:a16="http://schemas.microsoft.com/office/drawing/2014/main" id="{2B0E615C-47FA-4F39-AC8E-263D774AD6EE}"/>
+              </a:ext>
+            </a:extLst>
+          </p:cNvPr>
           <p:cNvSpPr>
             <a:spLocks noGrp="1"/>
           </p:cNvSpPr>
@@ -476,13 +844,19 @@
               <a:rPr lang="en-US"/>
               <a:t>Click to edit Master title style</a:t>
             </a:r>
-            <a:endParaRPr lang="en-US" dirty="0"/>
-          </a:p>
-        </p:txBody>
-      </p:sp>
-      <p:sp>
-        <p:nvSpPr>
-          <p:cNvPr id="3" name="Vertical Text Placeholder 2"/>
+            <a:endParaRPr lang="en-IN"/>
+          </a:p>
+        </p:txBody>
+      </p:sp>
+      <p:sp>
+        <p:nvSpPr>
+          <p:cNvPr id="3" name="Vertical Text Placeholder 2">
+            <a:extLst>
+              <a:ext uri="{FF2B5EF4-FFF2-40B4-BE49-F238E27FC236}">
+                <a16:creationId xmlns:a16="http://schemas.microsoft.com/office/drawing/2014/main" id="{367DEE6C-8209-4A66-AA16-FAB460CA7E31}"/>
+              </a:ext>
+            </a:extLst>
+          </p:cNvPr>
           <p:cNvSpPr>
             <a:spLocks noGrp="1"/>
           </p:cNvSpPr>
@@ -492,7 +866,7 @@
         </p:nvSpPr>
         <p:spPr/>
         <p:txBody>
-          <a:bodyPr vert="eaVert" lIns="45720" tIns="0" rIns="45720" bIns="0"/>
+          <a:bodyPr vert="eaVert"/>
           <a:lstStyle/>
           <a:p>
             <a:pPr lvl="0"/>
@@ -528,13 +902,19 @@
               <a:rPr lang="en-US"/>
               <a:t>Fifth level</a:t>
             </a:r>
-            <a:endParaRPr lang="en-US" dirty="0"/>
-          </a:p>
-        </p:txBody>
-      </p:sp>
-      <p:sp>
-        <p:nvSpPr>
-          <p:cNvPr id="4" name="Date Placeholder 3"/>
+            <a:endParaRPr lang="en-IN"/>
+          </a:p>
+        </p:txBody>
+      </p:sp>
+      <p:sp>
+        <p:nvSpPr>
+          <p:cNvPr id="4" name="Date Placeholder 3">
+            <a:extLst>
+              <a:ext uri="{FF2B5EF4-FFF2-40B4-BE49-F238E27FC236}">
+                <a16:creationId xmlns:a16="http://schemas.microsoft.com/office/drawing/2014/main" id="{66B438C2-157C-4419-8B7F-41590FB246CF}"/>
+              </a:ext>
+            </a:extLst>
+          </p:cNvPr>
           <p:cNvSpPr>
             <a:spLocks noGrp="1"/>
           </p:cNvSpPr>
@@ -558,7 +938,13 @@
       </p:sp>
       <p:sp>
         <p:nvSpPr>
-          <p:cNvPr id="5" name="Footer Placeholder 4"/>
+          <p:cNvPr id="5" name="Footer Placeholder 4">
+            <a:extLst>
+              <a:ext uri="{FF2B5EF4-FFF2-40B4-BE49-F238E27FC236}">
+                <a16:creationId xmlns:a16="http://schemas.microsoft.com/office/drawing/2014/main" id="{9C4FB72F-7837-4726-975B-CD11DCB2E7C1}"/>
+              </a:ext>
+            </a:extLst>
+          </p:cNvPr>
           <p:cNvSpPr>
             <a:spLocks noGrp="1"/>
           </p:cNvSpPr>
@@ -577,7 +963,13 @@
       </p:sp>
       <p:sp>
         <p:nvSpPr>
-          <p:cNvPr id="6" name="Slide Number Placeholder 5"/>
+          <p:cNvPr id="6" name="Slide Number Placeholder 5">
+            <a:extLst>
+              <a:ext uri="{FF2B5EF4-FFF2-40B4-BE49-F238E27FC236}">
+                <a16:creationId xmlns:a16="http://schemas.microsoft.com/office/drawing/2014/main" id="{26F56CB3-3EF6-4B49-9AF5-D85C60730F06}"/>
+              </a:ext>
+            </a:extLst>
+          </p:cNvPr>
           <p:cNvSpPr>
             <a:spLocks noGrp="1"/>
           </p:cNvSpPr>
@@ -602,7 +994,7 @@
     </p:spTree>
     <p:extLst>
       <p:ext uri="{BB962C8B-B14F-4D97-AF65-F5344CB8AC3E}">
-        <p14:creationId xmlns:p14="http://schemas.microsoft.com/office/powerpoint/2010/main" xmlns="" val="1089185033"/>
+        <p14:creationId xmlns:p14="http://schemas.microsoft.com/office/powerpoint/2010/main" val="2775667080"/>
       </p:ext>
     </p:extLst>
   </p:cSld>
@@ -613,7 +1005,7 @@
 </file>
 
 <file path=ppt/slideLayouts/slideLayout11.xml><?xml version="1.0" encoding="utf-8"?>
-<p:sldLayout xmlns:a="http://schemas.openxmlformats.org/drawingml/2006/main" xmlns:r="http://schemas.openxmlformats.org/officeDocument/2006/relationships" xmlns:p="http://schemas.openxmlformats.org/presentationml/2006/main" showMasterSp="0" type="vertTitleAndTx" preserve="1">
+<p:sldLayout xmlns:a="http://schemas.openxmlformats.org/drawingml/2006/main" xmlns:r="http://schemas.openxmlformats.org/officeDocument/2006/relationships" xmlns:p="http://schemas.openxmlformats.org/presentationml/2006/main" type="vertTitleAndTx" preserve="1">
   <p:cSld name="Vertical Title and Text">
     <p:spTree>
       <p:nvGrpSpPr>
@@ -631,128 +1023,64 @@
       </p:grpSpPr>
       <p:sp>
         <p:nvSpPr>
-          <p:cNvPr id="7" name="Rectangle 6"/>
-          <p:cNvSpPr/>
-          <p:nvPr/>
+          <p:cNvPr id="2" name="Vertical Title 1">
+            <a:extLst>
+              <a:ext uri="{FF2B5EF4-FFF2-40B4-BE49-F238E27FC236}">
+                <a16:creationId xmlns:a16="http://schemas.microsoft.com/office/drawing/2014/main" id="{69C2D83F-CCAD-43EC-98A3-2804B0D03285}"/>
+              </a:ext>
+            </a:extLst>
+          </p:cNvPr>
+          <p:cNvSpPr>
+            <a:spLocks noGrp="1"/>
+          </p:cNvSpPr>
+          <p:nvPr>
+            <p:ph type="title" orient="vert"/>
+          </p:nvPr>
         </p:nvSpPr>
         <p:spPr>
           <a:xfrm>
-            <a:off x="3175" y="6400800"/>
-            <a:ext cx="12188825" cy="457200"/>
+            <a:off x="8724900" y="365125"/>
+            <a:ext cx="2628900" cy="5811838"/>
           </a:xfrm>
-          <a:prstGeom prst="rect">
-            <a:avLst/>
-          </a:prstGeom>
-          <a:solidFill>
-            <a:schemeClr val="accent2"/>
-          </a:solidFill>
-          <a:ln>
-            <a:noFill/>
-          </a:ln>
         </p:spPr>
-        <p:style>
-          <a:lnRef idx="2">
-            <a:schemeClr val="accent1">
-              <a:shade val="50000"/>
-            </a:schemeClr>
-          </a:lnRef>
-          <a:fillRef idx="1">
-            <a:schemeClr val="accent1"/>
-          </a:fillRef>
-          <a:effectRef idx="0">
-            <a:schemeClr val="accent1"/>
-          </a:effectRef>
-          <a:fontRef idx="minor">
-            <a:schemeClr val="lt1"/>
-          </a:fontRef>
-        </p:style>
-      </p:sp>
-      <p:sp>
-        <p:nvSpPr>
-          <p:cNvPr id="8" name="Rectangle 7"/>
-          <p:cNvSpPr/>
-          <p:nvPr/>
+        <p:txBody>
+          <a:bodyPr vert="eaVert"/>
+          <a:lstStyle/>
+          <a:p>
+            <a:r>
+              <a:rPr lang="en-US"/>
+              <a:t>Click to edit Master title style</a:t>
+            </a:r>
+            <a:endParaRPr lang="en-IN"/>
+          </a:p>
+        </p:txBody>
+      </p:sp>
+      <p:sp>
+        <p:nvSpPr>
+          <p:cNvPr id="3" name="Vertical Text Placeholder 2">
+            <a:extLst>
+              <a:ext uri="{FF2B5EF4-FFF2-40B4-BE49-F238E27FC236}">
+                <a16:creationId xmlns:a16="http://schemas.microsoft.com/office/drawing/2014/main" id="{2BD219D0-0EF9-47C0-AF2B-130ED2FB8136}"/>
+              </a:ext>
+            </a:extLst>
+          </p:cNvPr>
+          <p:cNvSpPr>
+            <a:spLocks noGrp="1"/>
+          </p:cNvSpPr>
+          <p:nvPr>
+            <p:ph type="body" orient="vert" idx="1"/>
+          </p:nvPr>
         </p:nvSpPr>
         <p:spPr>
           <a:xfrm>
-            <a:off x="15" y="6334316"/>
-            <a:ext cx="12188825" cy="64008"/>
-          </a:xfrm>
-          <a:prstGeom prst="rect">
-            <a:avLst/>
-          </a:prstGeom>
-          <a:solidFill>
-            <a:schemeClr val="accent1"/>
-          </a:solidFill>
-          <a:ln>
-            <a:noFill/>
-          </a:ln>
-        </p:spPr>
-        <p:style>
-          <a:lnRef idx="2">
-            <a:schemeClr val="accent1">
-              <a:shade val="50000"/>
-            </a:schemeClr>
-          </a:lnRef>
-          <a:fillRef idx="1">
-            <a:schemeClr val="accent1"/>
-          </a:fillRef>
-          <a:effectRef idx="0">
-            <a:schemeClr val="accent1"/>
-          </a:effectRef>
-          <a:fontRef idx="minor">
-            <a:schemeClr val="lt1"/>
-          </a:fontRef>
-        </p:style>
-      </p:sp>
-      <p:sp>
-        <p:nvSpPr>
-          <p:cNvPr id="2" name="Vertical Title 1"/>
-          <p:cNvSpPr>
-            <a:spLocks noGrp="1"/>
-          </p:cNvSpPr>
-          <p:nvPr>
-            <p:ph type="title" orient="vert"/>
-          </p:nvPr>
-        </p:nvSpPr>
-        <p:spPr>
-          <a:xfrm>
-            <a:off x="8724900" y="414778"/>
-            <a:ext cx="2628900" cy="5757421"/>
+            <a:off x="838200" y="365125"/>
+            <a:ext cx="7734300" cy="5811838"/>
           </a:xfrm>
         </p:spPr>
         <p:txBody>
           <a:bodyPr vert="eaVert"/>
           <a:lstStyle/>
           <a:p>
-            <a:r>
-              <a:rPr lang="en-US"/>
-              <a:t>Click to edit Master title style</a:t>
-            </a:r>
-            <a:endParaRPr lang="en-US" dirty="0"/>
-          </a:p>
-        </p:txBody>
-      </p:sp>
-      <p:sp>
-        <p:nvSpPr>
-          <p:cNvPr id="3" name="Vertical Text Placeholder 2"/>
-          <p:cNvSpPr>
-            <a:spLocks noGrp="1"/>
-          </p:cNvSpPr>
-          <p:nvPr>
-            <p:ph type="body" orient="vert" idx="1"/>
-          </p:nvPr>
-        </p:nvSpPr>
-        <p:spPr>
-          <a:xfrm>
-            <a:off x="838200" y="414778"/>
-            <a:ext cx="7734300" cy="5757422"/>
-          </a:xfrm>
-        </p:spPr>
-        <p:txBody>
-          <a:bodyPr vert="eaVert" lIns="45720" tIns="0" rIns="45720" bIns="0"/>
-          <a:lstStyle/>
-          <a:p>
             <a:pPr lvl="0"/>
             <a:r>
               <a:rPr lang="en-US"/>
@@ -786,13 +1114,19 @@
               <a:rPr lang="en-US"/>
               <a:t>Fifth level</a:t>
             </a:r>
-            <a:endParaRPr lang="en-US" dirty="0"/>
-          </a:p>
-        </p:txBody>
-      </p:sp>
-      <p:sp>
-        <p:nvSpPr>
-          <p:cNvPr id="4" name="Date Placeholder 3"/>
+            <a:endParaRPr lang="en-IN"/>
+          </a:p>
+        </p:txBody>
+      </p:sp>
+      <p:sp>
+        <p:nvSpPr>
+          <p:cNvPr id="4" name="Date Placeholder 3">
+            <a:extLst>
+              <a:ext uri="{FF2B5EF4-FFF2-40B4-BE49-F238E27FC236}">
+                <a16:creationId xmlns:a16="http://schemas.microsoft.com/office/drawing/2014/main" id="{DD7CE395-85B9-47C5-9590-0DA5986924BC}"/>
+              </a:ext>
+            </a:extLst>
+          </p:cNvPr>
           <p:cNvSpPr>
             <a:spLocks noGrp="1"/>
           </p:cNvSpPr>
@@ -816,7 +1150,13 @@
       </p:sp>
       <p:sp>
         <p:nvSpPr>
-          <p:cNvPr id="5" name="Footer Placeholder 4"/>
+          <p:cNvPr id="5" name="Footer Placeholder 4">
+            <a:extLst>
+              <a:ext uri="{FF2B5EF4-FFF2-40B4-BE49-F238E27FC236}">
+                <a16:creationId xmlns:a16="http://schemas.microsoft.com/office/drawing/2014/main" id="{B143B62D-466E-4029-ADB4-3837B083CE32}"/>
+              </a:ext>
+            </a:extLst>
+          </p:cNvPr>
           <p:cNvSpPr>
             <a:spLocks noGrp="1"/>
           </p:cNvSpPr>
@@ -835,7 +1175,13 @@
       </p:sp>
       <p:sp>
         <p:nvSpPr>
-          <p:cNvPr id="6" name="Slide Number Placeholder 5"/>
+          <p:cNvPr id="6" name="Slide Number Placeholder 5">
+            <a:extLst>
+              <a:ext uri="{FF2B5EF4-FFF2-40B4-BE49-F238E27FC236}">
+                <a16:creationId xmlns:a16="http://schemas.microsoft.com/office/drawing/2014/main" id="{1DA3E642-0928-4C03-BAE7-6E183091ADA0}"/>
+              </a:ext>
+            </a:extLst>
+          </p:cNvPr>
           <p:cNvSpPr>
             <a:spLocks noGrp="1"/>
           </p:cNvSpPr>
@@ -860,7 +1206,7 @@
     </p:spTree>
     <p:extLst>
       <p:ext uri="{BB962C8B-B14F-4D97-AF65-F5344CB8AC3E}">
-        <p14:creationId xmlns:p14="http://schemas.microsoft.com/office/powerpoint/2010/main" xmlns="" val="1240622965"/>
+        <p14:creationId xmlns:p14="http://schemas.microsoft.com/office/powerpoint/2010/main" val="940476995"/>
       </p:ext>
     </p:extLst>
   </p:cSld>
@@ -889,7 +1235,13 @@
       </p:grpSpPr>
       <p:sp>
         <p:nvSpPr>
-          <p:cNvPr id="2" name="Title 1"/>
+          <p:cNvPr id="2" name="Title 1">
+            <a:extLst>
+              <a:ext uri="{FF2B5EF4-FFF2-40B4-BE49-F238E27FC236}">
+                <a16:creationId xmlns:a16="http://schemas.microsoft.com/office/drawing/2014/main" id="{0C3D979C-1DED-4A5E-8F4E-D4B5604241BC}"/>
+              </a:ext>
+            </a:extLst>
+          </p:cNvPr>
           <p:cNvSpPr>
             <a:spLocks noGrp="1"/>
           </p:cNvSpPr>
@@ -900,23 +1252,25 @@
         <p:spPr/>
         <p:txBody>
           <a:bodyPr/>
-          <a:lstStyle>
-            <a:lvl1pPr marL="0">
-              <a:defRPr/>
-            </a:lvl1pPr>
-          </a:lstStyle>
+          <a:lstStyle/>
           <a:p>
             <a:r>
               <a:rPr lang="en-US"/>
               <a:t>Click to edit Master title style</a:t>
             </a:r>
-            <a:endParaRPr lang="en-US" dirty="0"/>
-          </a:p>
-        </p:txBody>
-      </p:sp>
-      <p:sp>
-        <p:nvSpPr>
-          <p:cNvPr id="3" name="Content Placeholder 2"/>
+            <a:endParaRPr lang="en-IN"/>
+          </a:p>
+        </p:txBody>
+      </p:sp>
+      <p:sp>
+        <p:nvSpPr>
+          <p:cNvPr id="3" name="Content Placeholder 2">
+            <a:extLst>
+              <a:ext uri="{FF2B5EF4-FFF2-40B4-BE49-F238E27FC236}">
+                <a16:creationId xmlns:a16="http://schemas.microsoft.com/office/drawing/2014/main" id="{ECD8CCED-A680-4908-8A20-43CB88D3A305}"/>
+              </a:ext>
+            </a:extLst>
+          </p:cNvPr>
           <p:cNvSpPr>
             <a:spLocks noGrp="1"/>
           </p:cNvSpPr>
@@ -962,13 +1316,19 @@
               <a:rPr lang="en-US"/>
               <a:t>Fifth level</a:t>
             </a:r>
-            <a:endParaRPr lang="en-US" dirty="0"/>
-          </a:p>
-        </p:txBody>
-      </p:sp>
-      <p:sp>
-        <p:nvSpPr>
-          <p:cNvPr id="4" name="Date Placeholder 3"/>
+            <a:endParaRPr lang="en-IN"/>
+          </a:p>
+        </p:txBody>
+      </p:sp>
+      <p:sp>
+        <p:nvSpPr>
+          <p:cNvPr id="4" name="Date Placeholder 3">
+            <a:extLst>
+              <a:ext uri="{FF2B5EF4-FFF2-40B4-BE49-F238E27FC236}">
+                <a16:creationId xmlns:a16="http://schemas.microsoft.com/office/drawing/2014/main" id="{1298DE2B-6A0A-4DD6-BD42-309D81DCAEF3}"/>
+              </a:ext>
+            </a:extLst>
+          </p:cNvPr>
           <p:cNvSpPr>
             <a:spLocks noGrp="1"/>
           </p:cNvSpPr>
@@ -992,7 +1352,13 @@
       </p:sp>
       <p:sp>
         <p:nvSpPr>
-          <p:cNvPr id="5" name="Footer Placeholder 4"/>
+          <p:cNvPr id="5" name="Footer Placeholder 4">
+            <a:extLst>
+              <a:ext uri="{FF2B5EF4-FFF2-40B4-BE49-F238E27FC236}">
+                <a16:creationId xmlns:a16="http://schemas.microsoft.com/office/drawing/2014/main" id="{7D63C678-C4C3-4A8A-9306-83D088FE7973}"/>
+              </a:ext>
+            </a:extLst>
+          </p:cNvPr>
           <p:cNvSpPr>
             <a:spLocks noGrp="1"/>
           </p:cNvSpPr>
@@ -1011,7 +1377,13 @@
       </p:sp>
       <p:sp>
         <p:nvSpPr>
-          <p:cNvPr id="6" name="Slide Number Placeholder 5"/>
+          <p:cNvPr id="6" name="Slide Number Placeholder 5">
+            <a:extLst>
+              <a:ext uri="{FF2B5EF4-FFF2-40B4-BE49-F238E27FC236}">
+                <a16:creationId xmlns:a16="http://schemas.microsoft.com/office/drawing/2014/main" id="{09D16817-A1FF-42FA-9A40-9C71796E5E66}"/>
+              </a:ext>
+            </a:extLst>
+          </p:cNvPr>
           <p:cNvSpPr>
             <a:spLocks noGrp="1"/>
           </p:cNvSpPr>
@@ -1036,7 +1408,7 @@
     </p:spTree>
     <p:extLst>
       <p:ext uri="{BB962C8B-B14F-4D97-AF65-F5344CB8AC3E}">
-        <p14:creationId xmlns:p14="http://schemas.microsoft.com/office/powerpoint/2010/main" xmlns="" val="3998384044"/>
+        <p14:creationId xmlns:p14="http://schemas.microsoft.com/office/powerpoint/2010/main" val="2398975781"/>
       </p:ext>
     </p:extLst>
   </p:cSld>
@@ -1047,16 +1419,8 @@
 </file>
 
 <file path=ppt/slideLayouts/slideLayout3.xml><?xml version="1.0" encoding="utf-8"?>
-<p:sldLayout xmlns:a="http://schemas.openxmlformats.org/drawingml/2006/main" xmlns:r="http://schemas.openxmlformats.org/officeDocument/2006/relationships" xmlns:p="http://schemas.openxmlformats.org/presentationml/2006/main" showMasterSp="0" type="secHead" preserve="1">
+<p:sldLayout xmlns:a="http://schemas.openxmlformats.org/drawingml/2006/main" xmlns:r="http://schemas.openxmlformats.org/officeDocument/2006/relationships" xmlns:p="http://schemas.openxmlformats.org/presentationml/2006/main" type="secHead" preserve="1">
   <p:cSld name="Section Header">
-    <p:bg>
-      <p:bgPr>
-        <a:solidFill>
-          <a:schemeClr val="bg1"/>
-        </a:solidFill>
-        <a:effectLst/>
-      </p:bgPr>
-    </p:bg>
     <p:spTree>
       <p:nvGrpSpPr>
         <p:cNvPr id="1" name=""/>
@@ -1073,157 +1437,80 @@
       </p:grpSpPr>
       <p:sp>
         <p:nvSpPr>
-          <p:cNvPr id="7" name="Rectangle 6"/>
-          <p:cNvSpPr/>
-          <p:nvPr/>
+          <p:cNvPr id="2" name="Title 1">
+            <a:extLst>
+              <a:ext uri="{FF2B5EF4-FFF2-40B4-BE49-F238E27FC236}">
+                <a16:creationId xmlns:a16="http://schemas.microsoft.com/office/drawing/2014/main" id="{E41F66E2-F0BF-46BB-B5CD-F9E22AF1D6CD}"/>
+              </a:ext>
+            </a:extLst>
+          </p:cNvPr>
+          <p:cNvSpPr>
+            <a:spLocks noGrp="1"/>
+          </p:cNvSpPr>
+          <p:nvPr>
+            <p:ph type="title"/>
+          </p:nvPr>
         </p:nvSpPr>
         <p:spPr>
           <a:xfrm>
-            <a:off x="3175" y="6400800"/>
-            <a:ext cx="12188825" cy="457200"/>
+            <a:off x="831850" y="1709738"/>
+            <a:ext cx="10515600" cy="2852737"/>
           </a:xfrm>
-          <a:prstGeom prst="rect">
-            <a:avLst/>
-          </a:prstGeom>
-          <a:solidFill>
-            <a:schemeClr val="accent2"/>
-          </a:solidFill>
-          <a:ln>
-            <a:noFill/>
-          </a:ln>
         </p:spPr>
-        <p:style>
-          <a:lnRef idx="2">
-            <a:schemeClr val="accent1">
-              <a:shade val="50000"/>
-            </a:schemeClr>
-          </a:lnRef>
-          <a:fillRef idx="1">
-            <a:schemeClr val="accent1"/>
-          </a:fillRef>
-          <a:effectRef idx="0">
-            <a:schemeClr val="accent1"/>
-          </a:effectRef>
-          <a:fontRef idx="minor">
-            <a:schemeClr val="lt1"/>
-          </a:fontRef>
-        </p:style>
-      </p:sp>
-      <p:sp>
-        <p:nvSpPr>
-          <p:cNvPr id="8" name="Rectangle 7"/>
-          <p:cNvSpPr/>
-          <p:nvPr/>
+        <p:txBody>
+          <a:bodyPr anchor="b"/>
+          <a:lstStyle>
+            <a:lvl1pPr>
+              <a:defRPr sz="6000"/>
+            </a:lvl1pPr>
+          </a:lstStyle>
+          <a:p>
+            <a:r>
+              <a:rPr lang="en-US"/>
+              <a:t>Click to edit Master title style</a:t>
+            </a:r>
+            <a:endParaRPr lang="en-IN"/>
+          </a:p>
+        </p:txBody>
+      </p:sp>
+      <p:sp>
+        <p:nvSpPr>
+          <p:cNvPr id="3" name="Text Placeholder 2">
+            <a:extLst>
+              <a:ext uri="{FF2B5EF4-FFF2-40B4-BE49-F238E27FC236}">
+                <a16:creationId xmlns:a16="http://schemas.microsoft.com/office/drawing/2014/main" id="{BC4C86F2-7562-461D-91DB-1B1DCE29C2C8}"/>
+              </a:ext>
+            </a:extLst>
+          </p:cNvPr>
+          <p:cNvSpPr>
+            <a:spLocks noGrp="1"/>
+          </p:cNvSpPr>
+          <p:nvPr>
+            <p:ph type="body" idx="1"/>
+          </p:nvPr>
         </p:nvSpPr>
         <p:spPr>
           <a:xfrm>
-            <a:off x="15" y="6334316"/>
-            <a:ext cx="12188825" cy="64008"/>
-          </a:xfrm>
-          <a:prstGeom prst="rect">
-            <a:avLst/>
-          </a:prstGeom>
-          <a:solidFill>
-            <a:schemeClr val="accent1"/>
-          </a:solidFill>
-          <a:ln>
-            <a:noFill/>
-          </a:ln>
-        </p:spPr>
-        <p:style>
-          <a:lnRef idx="2">
-            <a:schemeClr val="accent1">
-              <a:shade val="50000"/>
-            </a:schemeClr>
-          </a:lnRef>
-          <a:fillRef idx="1">
-            <a:schemeClr val="accent1"/>
-          </a:fillRef>
-          <a:effectRef idx="0">
-            <a:schemeClr val="accent1"/>
-          </a:effectRef>
-          <a:fontRef idx="minor">
-            <a:schemeClr val="lt1"/>
-          </a:fontRef>
-        </p:style>
-      </p:sp>
-      <p:sp>
-        <p:nvSpPr>
-          <p:cNvPr id="2" name="Title 1"/>
-          <p:cNvSpPr>
-            <a:spLocks noGrp="1"/>
-          </p:cNvSpPr>
-          <p:nvPr>
-            <p:ph type="title"/>
-          </p:nvPr>
-        </p:nvSpPr>
-        <p:spPr>
-          <a:xfrm>
-            <a:off x="1097280" y="758952"/>
-            <a:ext cx="10058400" cy="3566160"/>
+            <a:off x="831850" y="4589463"/>
+            <a:ext cx="10515600" cy="1500187"/>
           </a:xfrm>
         </p:spPr>
         <p:txBody>
-          <a:bodyPr anchor="b" anchorCtr="0">
-            <a:normAutofit/>
-          </a:bodyPr>
+          <a:bodyPr/>
           <a:lstStyle>
-            <a:lvl1pPr>
-              <a:lnSpc>
-                <a:spcPct val="85000"/>
-              </a:lnSpc>
-              <a:defRPr sz="8000" b="0">
+            <a:lvl1pPr marL="0" indent="0">
+              <a:buNone/>
+              <a:defRPr sz="2400">
                 <a:solidFill>
                   <a:schemeClr val="tx1">
-                    <a:lumMod val="85000"/>
-                    <a:lumOff val="15000"/>
+                    <a:tint val="75000"/>
                   </a:schemeClr>
                 </a:solidFill>
               </a:defRPr>
             </a:lvl1pPr>
-          </a:lstStyle>
-          <a:p>
-            <a:r>
-              <a:rPr lang="en-US"/>
-              <a:t>Click to edit Master title style</a:t>
-            </a:r>
-            <a:endParaRPr lang="en-US" dirty="0"/>
-          </a:p>
-        </p:txBody>
-      </p:sp>
-      <p:sp>
-        <p:nvSpPr>
-          <p:cNvPr id="3" name="Text Placeholder 2"/>
-          <p:cNvSpPr>
-            <a:spLocks noGrp="1"/>
-          </p:cNvSpPr>
-          <p:nvPr>
-            <p:ph type="body" idx="1"/>
-          </p:nvPr>
-        </p:nvSpPr>
-        <p:spPr>
-          <a:xfrm>
-            <a:off x="1097280" y="4453128"/>
-            <a:ext cx="10058400" cy="1143000"/>
-          </a:xfrm>
-        </p:spPr>
-        <p:txBody>
-          <a:bodyPr lIns="91440" rIns="91440" anchor="t" anchorCtr="0">
-            <a:normAutofit/>
-          </a:bodyPr>
-          <a:lstStyle>
-            <a:lvl1pPr marL="0" indent="0">
-              <a:buNone/>
-              <a:defRPr sz="2400" cap="all" spc="200" baseline="0">
-                <a:solidFill>
-                  <a:schemeClr val="tx2"/>
-                </a:solidFill>
-                <a:latin typeface="+mj-lt"/>
-              </a:defRPr>
-            </a:lvl1pPr>
             <a:lvl2pPr marL="457200" indent="0">
               <a:buNone/>
-              <a:defRPr sz="1800">
+              <a:defRPr sz="2000">
                 <a:solidFill>
                   <a:schemeClr val="tx1">
                     <a:tint val="75000"/>
@@ -1233,7 +1520,7 @@
             </a:lvl2pPr>
             <a:lvl3pPr marL="914400" indent="0">
               <a:buNone/>
-              <a:defRPr sz="1600">
+              <a:defRPr sz="1800">
                 <a:solidFill>
                   <a:schemeClr val="tx1">
                     <a:tint val="75000"/>
@@ -1243,7 +1530,7 @@
             </a:lvl3pPr>
             <a:lvl4pPr marL="1371600" indent="0">
               <a:buNone/>
-              <a:defRPr sz="1400">
+              <a:defRPr sz="1600">
                 <a:solidFill>
                   <a:schemeClr val="tx1">
                     <a:tint val="75000"/>
@@ -1253,7 +1540,7 @@
             </a:lvl4pPr>
             <a:lvl5pPr marL="1828800" indent="0">
               <a:buNone/>
-              <a:defRPr sz="1400">
+              <a:defRPr sz="1600">
                 <a:solidFill>
                   <a:schemeClr val="tx1">
                     <a:tint val="75000"/>
@@ -1263,7 +1550,7 @@
             </a:lvl5pPr>
             <a:lvl6pPr marL="2286000" indent="0">
               <a:buNone/>
-              <a:defRPr sz="1400">
+              <a:defRPr sz="1600">
                 <a:solidFill>
                   <a:schemeClr val="tx1">
                     <a:tint val="75000"/>
@@ -1273,7 +1560,7 @@
             </a:lvl6pPr>
             <a:lvl7pPr marL="2743200" indent="0">
               <a:buNone/>
-              <a:defRPr sz="1400">
+              <a:defRPr sz="1600">
                 <a:solidFill>
                   <a:schemeClr val="tx1">
                     <a:tint val="75000"/>
@@ -1283,7 +1570,7 @@
             </a:lvl7pPr>
             <a:lvl8pPr marL="3200400" indent="0">
               <a:buNone/>
-              <a:defRPr sz="1400">
+              <a:defRPr sz="1600">
                 <a:solidFill>
                   <a:schemeClr val="tx1">
                     <a:tint val="75000"/>
@@ -1293,7 +1580,7 @@
             </a:lvl8pPr>
             <a:lvl9pPr marL="3657600" indent="0">
               <a:buNone/>
-              <a:defRPr sz="1400">
+              <a:defRPr sz="1600">
                 <a:solidFill>
                   <a:schemeClr val="tx1">
                     <a:tint val="75000"/>
@@ -1313,7 +1600,13 @@
       </p:sp>
       <p:sp>
         <p:nvSpPr>
-          <p:cNvPr id="4" name="Date Placeholder 3"/>
+          <p:cNvPr id="4" name="Date Placeholder 3">
+            <a:extLst>
+              <a:ext uri="{FF2B5EF4-FFF2-40B4-BE49-F238E27FC236}">
+                <a16:creationId xmlns:a16="http://schemas.microsoft.com/office/drawing/2014/main" id="{CCCF6DFB-E242-40E5-8672-90C8C76F41A3}"/>
+              </a:ext>
+            </a:extLst>
+          </p:cNvPr>
           <p:cNvSpPr>
             <a:spLocks noGrp="1"/>
           </p:cNvSpPr>
@@ -1337,7 +1630,13 @@
       </p:sp>
       <p:sp>
         <p:nvSpPr>
-          <p:cNvPr id="5" name="Footer Placeholder 4"/>
+          <p:cNvPr id="5" name="Footer Placeholder 4">
+            <a:extLst>
+              <a:ext uri="{FF2B5EF4-FFF2-40B4-BE49-F238E27FC236}">
+                <a16:creationId xmlns:a16="http://schemas.microsoft.com/office/drawing/2014/main" id="{423B78CF-6346-48F1-8898-B70D6F00AA9B}"/>
+              </a:ext>
+            </a:extLst>
+          </p:cNvPr>
           <p:cNvSpPr>
             <a:spLocks noGrp="1"/>
           </p:cNvSpPr>
@@ -1356,7 +1655,13 @@
       </p:sp>
       <p:sp>
         <p:nvSpPr>
-          <p:cNvPr id="6" name="Slide Number Placeholder 5"/>
+          <p:cNvPr id="6" name="Slide Number Placeholder 5">
+            <a:extLst>
+              <a:ext uri="{FF2B5EF4-FFF2-40B4-BE49-F238E27FC236}">
+                <a16:creationId xmlns:a16="http://schemas.microsoft.com/office/drawing/2014/main" id="{274C27FB-C3D0-42D3-9789-B7FD14547B6E}"/>
+              </a:ext>
+            </a:extLst>
+          </p:cNvPr>
           <p:cNvSpPr>
             <a:spLocks noGrp="1"/>
           </p:cNvSpPr>
@@ -1378,48 +1683,10 @@
           </a:p>
         </p:txBody>
       </p:sp>
-      <p:cxnSp>
-        <p:nvCxnSpPr>
-          <p:cNvPr id="9" name="Straight Connector 8"/>
-          <p:cNvCxnSpPr/>
-          <p:nvPr/>
-        </p:nvCxnSpPr>
-        <p:spPr>
-          <a:xfrm>
-            <a:off x="1207658" y="4343400"/>
-            <a:ext cx="9875520" cy="0"/>
-          </a:xfrm>
-          <a:prstGeom prst="line">
-            <a:avLst/>
-          </a:prstGeom>
-          <a:ln w="6350">
-            <a:solidFill>
-              <a:schemeClr val="tx1">
-                <a:lumMod val="50000"/>
-                <a:lumOff val="50000"/>
-              </a:schemeClr>
-            </a:solidFill>
-          </a:ln>
-        </p:spPr>
-        <p:style>
-          <a:lnRef idx="1">
-            <a:schemeClr val="accent1"/>
-          </a:lnRef>
-          <a:fillRef idx="0">
-            <a:schemeClr val="accent1"/>
-          </a:fillRef>
-          <a:effectRef idx="0">
-            <a:schemeClr val="accent1"/>
-          </a:effectRef>
-          <a:fontRef idx="minor">
-            <a:schemeClr val="tx1"/>
-          </a:fontRef>
-        </p:style>
-      </p:cxnSp>
     </p:spTree>
     <p:extLst>
       <p:ext uri="{BB962C8B-B14F-4D97-AF65-F5344CB8AC3E}">
-        <p14:creationId xmlns:p14="http://schemas.microsoft.com/office/powerpoint/2010/main" xmlns="" val="1367154091"/>
+        <p14:creationId xmlns:p14="http://schemas.microsoft.com/office/powerpoint/2010/main" val="2597249203"/>
       </p:ext>
     </p:extLst>
   </p:cSld>
@@ -1448,46 +1715,116 @@
       </p:grpSpPr>
       <p:sp>
         <p:nvSpPr>
-          <p:cNvPr id="8" name="Title 7"/>
+          <p:cNvPr id="2" name="Title 1">
+            <a:extLst>
+              <a:ext uri="{FF2B5EF4-FFF2-40B4-BE49-F238E27FC236}">
+                <a16:creationId xmlns:a16="http://schemas.microsoft.com/office/drawing/2014/main" id="{0CCFC4D6-C127-4E84-8A30-739C2271B0A1}"/>
+              </a:ext>
+            </a:extLst>
+          </p:cNvPr>
           <p:cNvSpPr>
             <a:spLocks noGrp="1"/>
           </p:cNvSpPr>
           <p:nvPr>
             <p:ph type="title"/>
+          </p:nvPr>
+        </p:nvSpPr>
+        <p:spPr/>
+        <p:txBody>
+          <a:bodyPr/>
+          <a:lstStyle/>
+          <a:p>
+            <a:r>
+              <a:rPr lang="en-US"/>
+              <a:t>Click to edit Master title style</a:t>
+            </a:r>
+            <a:endParaRPr lang="en-IN"/>
+          </a:p>
+        </p:txBody>
+      </p:sp>
+      <p:sp>
+        <p:nvSpPr>
+          <p:cNvPr id="3" name="Content Placeholder 2">
+            <a:extLst>
+              <a:ext uri="{FF2B5EF4-FFF2-40B4-BE49-F238E27FC236}">
+                <a16:creationId xmlns:a16="http://schemas.microsoft.com/office/drawing/2014/main" id="{EDF77C35-2599-46AF-9A44-73EB1AA23CEC}"/>
+              </a:ext>
+            </a:extLst>
+          </p:cNvPr>
+          <p:cNvSpPr>
+            <a:spLocks noGrp="1"/>
+          </p:cNvSpPr>
+          <p:nvPr>
+            <p:ph sz="half" idx="1"/>
           </p:nvPr>
         </p:nvSpPr>
         <p:spPr>
           <a:xfrm>
-            <a:off x="1097280" y="286603"/>
-            <a:ext cx="10058400" cy="1450757"/>
+            <a:off x="838200" y="1825625"/>
+            <a:ext cx="5181600" cy="4351338"/>
           </a:xfrm>
         </p:spPr>
         <p:txBody>
           <a:bodyPr/>
           <a:lstStyle/>
           <a:p>
+            <a:pPr lvl="0"/>
             <a:r>
               <a:rPr lang="en-US"/>
-              <a:t>Click to edit Master title style</a:t>
-            </a:r>
-            <a:endParaRPr lang="en-US" dirty="0"/>
-          </a:p>
-        </p:txBody>
-      </p:sp>
-      <p:sp>
-        <p:nvSpPr>
-          <p:cNvPr id="3" name="Content Placeholder 2"/>
+              <a:t>Click to edit Master text styles</a:t>
+            </a:r>
+          </a:p>
+          <a:p>
+            <a:pPr lvl="1"/>
+            <a:r>
+              <a:rPr lang="en-US"/>
+              <a:t>Second level</a:t>
+            </a:r>
+          </a:p>
+          <a:p>
+            <a:pPr lvl="2"/>
+            <a:r>
+              <a:rPr lang="en-US"/>
+              <a:t>Third level</a:t>
+            </a:r>
+          </a:p>
+          <a:p>
+            <a:pPr lvl="3"/>
+            <a:r>
+              <a:rPr lang="en-US"/>
+              <a:t>Fourth level</a:t>
+            </a:r>
+          </a:p>
+          <a:p>
+            <a:pPr lvl="4"/>
+            <a:r>
+              <a:rPr lang="en-US"/>
+              <a:t>Fifth level</a:t>
+            </a:r>
+            <a:endParaRPr lang="en-IN"/>
+          </a:p>
+        </p:txBody>
+      </p:sp>
+      <p:sp>
+        <p:nvSpPr>
+          <p:cNvPr id="4" name="Content Placeholder 3">
+            <a:extLst>
+              <a:ext uri="{FF2B5EF4-FFF2-40B4-BE49-F238E27FC236}">
+                <a16:creationId xmlns:a16="http://schemas.microsoft.com/office/drawing/2014/main" id="{A6882925-F1E9-4F87-A53F-0D2157817986}"/>
+              </a:ext>
+            </a:extLst>
+          </p:cNvPr>
           <p:cNvSpPr>
             <a:spLocks noGrp="1"/>
           </p:cNvSpPr>
           <p:nvPr>
-            <p:ph sz="half" idx="1"/>
+            <p:ph sz="half" idx="2"/>
           </p:nvPr>
         </p:nvSpPr>
         <p:spPr>
           <a:xfrm>
-            <a:off x="1097279" y="1845734"/>
-            <a:ext cx="4937760" cy="4023360"/>
+            <a:off x="6172200" y="1825625"/>
+            <a:ext cx="5181600" cy="4351338"/>
           </a:xfrm>
         </p:spPr>
         <p:txBody>
@@ -1527,70 +1864,19 @@
               <a:rPr lang="en-US"/>
               <a:t>Fifth level</a:t>
             </a:r>
-            <a:endParaRPr lang="en-US" dirty="0"/>
-          </a:p>
-        </p:txBody>
-      </p:sp>
-      <p:sp>
-        <p:nvSpPr>
-          <p:cNvPr id="4" name="Content Placeholder 3"/>
-          <p:cNvSpPr>
-            <a:spLocks noGrp="1"/>
-          </p:cNvSpPr>
-          <p:nvPr>
-            <p:ph sz="half" idx="2"/>
-          </p:nvPr>
-        </p:nvSpPr>
-        <p:spPr>
-          <a:xfrm>
-            <a:off x="6217920" y="1845735"/>
-            <a:ext cx="4937760" cy="4023360"/>
-          </a:xfrm>
-        </p:spPr>
-        <p:txBody>
-          <a:bodyPr/>
-          <a:lstStyle/>
-          <a:p>
-            <a:pPr lvl="0"/>
-            <a:r>
-              <a:rPr lang="en-US"/>
-              <a:t>Click to edit Master text styles</a:t>
-            </a:r>
-          </a:p>
-          <a:p>
-            <a:pPr lvl="1"/>
-            <a:r>
-              <a:rPr lang="en-US"/>
-              <a:t>Second level</a:t>
-            </a:r>
-          </a:p>
-          <a:p>
-            <a:pPr lvl="2"/>
-            <a:r>
-              <a:rPr lang="en-US"/>
-              <a:t>Third level</a:t>
-            </a:r>
-          </a:p>
-          <a:p>
-            <a:pPr lvl="3"/>
-            <a:r>
-              <a:rPr lang="en-US"/>
-              <a:t>Fourth level</a:t>
-            </a:r>
-          </a:p>
-          <a:p>
-            <a:pPr lvl="4"/>
-            <a:r>
-              <a:rPr lang="en-US"/>
-              <a:t>Fifth level</a:t>
-            </a:r>
-            <a:endParaRPr lang="en-US" dirty="0"/>
-          </a:p>
-        </p:txBody>
-      </p:sp>
-      <p:sp>
-        <p:nvSpPr>
-          <p:cNvPr id="5" name="Date Placeholder 4"/>
+            <a:endParaRPr lang="en-IN"/>
+          </a:p>
+        </p:txBody>
+      </p:sp>
+      <p:sp>
+        <p:nvSpPr>
+          <p:cNvPr id="5" name="Date Placeholder 4">
+            <a:extLst>
+              <a:ext uri="{FF2B5EF4-FFF2-40B4-BE49-F238E27FC236}">
+                <a16:creationId xmlns:a16="http://schemas.microsoft.com/office/drawing/2014/main" id="{933D5028-0D5C-4E47-9884-7297E72E6B06}"/>
+              </a:ext>
+            </a:extLst>
+          </p:cNvPr>
           <p:cNvSpPr>
             <a:spLocks noGrp="1"/>
           </p:cNvSpPr>
@@ -1614,7 +1900,13 @@
       </p:sp>
       <p:sp>
         <p:nvSpPr>
-          <p:cNvPr id="6" name="Footer Placeholder 5"/>
+          <p:cNvPr id="6" name="Footer Placeholder 5">
+            <a:extLst>
+              <a:ext uri="{FF2B5EF4-FFF2-40B4-BE49-F238E27FC236}">
+                <a16:creationId xmlns:a16="http://schemas.microsoft.com/office/drawing/2014/main" id="{8465E511-42AF-44EC-82C5-BEBA23815C62}"/>
+              </a:ext>
+            </a:extLst>
+          </p:cNvPr>
           <p:cNvSpPr>
             <a:spLocks noGrp="1"/>
           </p:cNvSpPr>
@@ -1633,7 +1925,13 @@
       </p:sp>
       <p:sp>
         <p:nvSpPr>
-          <p:cNvPr id="7" name="Slide Number Placeholder 6"/>
+          <p:cNvPr id="7" name="Slide Number Placeholder 6">
+            <a:extLst>
+              <a:ext uri="{FF2B5EF4-FFF2-40B4-BE49-F238E27FC236}">
+                <a16:creationId xmlns:a16="http://schemas.microsoft.com/office/drawing/2014/main" id="{C857F1EA-3CA7-4B26-94E4-8BA344B90D90}"/>
+              </a:ext>
+            </a:extLst>
+          </p:cNvPr>
           <p:cNvSpPr>
             <a:spLocks noGrp="1"/>
           </p:cNvSpPr>
@@ -1658,7 +1956,7 @@
     </p:spTree>
     <p:extLst>
       <p:ext uri="{BB962C8B-B14F-4D97-AF65-F5344CB8AC3E}">
-        <p14:creationId xmlns:p14="http://schemas.microsoft.com/office/powerpoint/2010/main" xmlns="" val="255809254"/>
+        <p14:creationId xmlns:p14="http://schemas.microsoft.com/office/powerpoint/2010/main" val="3863666162"/>
       </p:ext>
     </p:extLst>
   </p:cSld>
@@ -1687,7 +1985,13 @@
       </p:grpSpPr>
       <p:sp>
         <p:nvSpPr>
-          <p:cNvPr id="10" name="Title 9"/>
+          <p:cNvPr id="2" name="Title 1">
+            <a:extLst>
+              <a:ext uri="{FF2B5EF4-FFF2-40B4-BE49-F238E27FC236}">
+                <a16:creationId xmlns:a16="http://schemas.microsoft.com/office/drawing/2014/main" id="{CCFA98AE-50D6-4204-BA8A-4F4627CD6DB1}"/>
+              </a:ext>
+            </a:extLst>
+          </p:cNvPr>
           <p:cNvSpPr>
             <a:spLocks noGrp="1"/>
           </p:cNvSpPr>
@@ -1697,8 +2001,8 @@
         </p:nvSpPr>
         <p:spPr>
           <a:xfrm>
-            <a:off x="1097280" y="286603"/>
-            <a:ext cx="10058400" cy="1450757"/>
+            <a:off x="839788" y="365125"/>
+            <a:ext cx="10515600" cy="1325563"/>
           </a:xfrm>
         </p:spPr>
         <p:txBody>
@@ -1709,13 +2013,19 @@
               <a:rPr lang="en-US"/>
               <a:t>Click to edit Master title style</a:t>
             </a:r>
-            <a:endParaRPr lang="en-US" dirty="0"/>
-          </a:p>
-        </p:txBody>
-      </p:sp>
-      <p:sp>
-        <p:nvSpPr>
-          <p:cNvPr id="3" name="Text Placeholder 2"/>
+            <a:endParaRPr lang="en-IN"/>
+          </a:p>
+        </p:txBody>
+      </p:sp>
+      <p:sp>
+        <p:nvSpPr>
+          <p:cNvPr id="3" name="Text Placeholder 2">
+            <a:extLst>
+              <a:ext uri="{FF2B5EF4-FFF2-40B4-BE49-F238E27FC236}">
+                <a16:creationId xmlns:a16="http://schemas.microsoft.com/office/drawing/2014/main" id="{63F06B8C-529D-4F3A-90DE-54E0E79B12E1}"/>
+              </a:ext>
+            </a:extLst>
+          </p:cNvPr>
           <p:cNvSpPr>
             <a:spLocks noGrp="1"/>
           </p:cNvSpPr>
@@ -1725,22 +2035,16 @@
         </p:nvSpPr>
         <p:spPr>
           <a:xfrm>
-            <a:off x="1097280" y="1846052"/>
-            <a:ext cx="4937760" cy="736282"/>
+            <a:off x="839788" y="1681163"/>
+            <a:ext cx="5157787" cy="823912"/>
           </a:xfrm>
         </p:spPr>
         <p:txBody>
-          <a:bodyPr lIns="91440" rIns="91440" anchor="ctr">
-            <a:normAutofit/>
-          </a:bodyPr>
+          <a:bodyPr anchor="b"/>
           <a:lstStyle>
             <a:lvl1pPr marL="0" indent="0">
               <a:buNone/>
-              <a:defRPr sz="2000" b="0" cap="all" baseline="0">
-                <a:solidFill>
-                  <a:schemeClr val="tx2"/>
-                </a:solidFill>
-              </a:defRPr>
+              <a:defRPr sz="2400" b="1"/>
             </a:lvl1pPr>
             <a:lvl2pPr marL="457200" indent="0">
               <a:buNone/>
@@ -1786,7 +2090,13 @@
       </p:sp>
       <p:sp>
         <p:nvSpPr>
-          <p:cNvPr id="4" name="Content Placeholder 3"/>
+          <p:cNvPr id="4" name="Content Placeholder 3">
+            <a:extLst>
+              <a:ext uri="{FF2B5EF4-FFF2-40B4-BE49-F238E27FC236}">
+                <a16:creationId xmlns:a16="http://schemas.microsoft.com/office/drawing/2014/main" id="{808717F7-FEE5-436F-B95B-72C924219365}"/>
+              </a:ext>
+            </a:extLst>
+          </p:cNvPr>
           <p:cNvSpPr>
             <a:spLocks noGrp="1"/>
           </p:cNvSpPr>
@@ -1796,8 +2106,8 @@
         </p:nvSpPr>
         <p:spPr>
           <a:xfrm>
-            <a:off x="1097280" y="2582334"/>
-            <a:ext cx="4937760" cy="3378200"/>
+            <a:off x="839788" y="2505075"/>
+            <a:ext cx="5157787" cy="3684588"/>
           </a:xfrm>
         </p:spPr>
         <p:txBody>
@@ -1837,13 +2147,19 @@
               <a:rPr lang="en-US"/>
               <a:t>Fifth level</a:t>
             </a:r>
-            <a:endParaRPr lang="en-US" dirty="0"/>
-          </a:p>
-        </p:txBody>
-      </p:sp>
-      <p:sp>
-        <p:nvSpPr>
-          <p:cNvPr id="5" name="Text Placeholder 4"/>
+            <a:endParaRPr lang="en-IN"/>
+          </a:p>
+        </p:txBody>
+      </p:sp>
+      <p:sp>
+        <p:nvSpPr>
+          <p:cNvPr id="5" name="Text Placeholder 4">
+            <a:extLst>
+              <a:ext uri="{FF2B5EF4-FFF2-40B4-BE49-F238E27FC236}">
+                <a16:creationId xmlns:a16="http://schemas.microsoft.com/office/drawing/2014/main" id="{B540953B-611D-46FD-9898-6921608EBD66}"/>
+              </a:ext>
+            </a:extLst>
+          </p:cNvPr>
           <p:cNvSpPr>
             <a:spLocks noGrp="1"/>
           </p:cNvSpPr>
@@ -1853,22 +2169,16 @@
         </p:nvSpPr>
         <p:spPr>
           <a:xfrm>
-            <a:off x="6217920" y="1846052"/>
-            <a:ext cx="4937760" cy="736282"/>
+            <a:off x="6172200" y="1681163"/>
+            <a:ext cx="5183188" cy="823912"/>
           </a:xfrm>
         </p:spPr>
         <p:txBody>
-          <a:bodyPr lIns="91440" rIns="91440" anchor="ctr">
-            <a:normAutofit/>
-          </a:bodyPr>
+          <a:bodyPr anchor="b"/>
           <a:lstStyle>
             <a:lvl1pPr marL="0" indent="0">
               <a:buNone/>
-              <a:defRPr sz="2000" b="0" cap="all" baseline="0">
-                <a:solidFill>
-                  <a:schemeClr val="tx2"/>
-                </a:solidFill>
-              </a:defRPr>
+              <a:defRPr sz="2400" b="1"/>
             </a:lvl1pPr>
             <a:lvl2pPr marL="457200" indent="0">
               <a:buNone/>
@@ -1914,7 +2224,13 @@
       </p:sp>
       <p:sp>
         <p:nvSpPr>
-          <p:cNvPr id="6" name="Content Placeholder 5"/>
+          <p:cNvPr id="6" name="Content Placeholder 5">
+            <a:extLst>
+              <a:ext uri="{FF2B5EF4-FFF2-40B4-BE49-F238E27FC236}">
+                <a16:creationId xmlns:a16="http://schemas.microsoft.com/office/drawing/2014/main" id="{B7FB7D19-5E0E-4B96-93F9-D74518B8BA9D}"/>
+              </a:ext>
+            </a:extLst>
+          </p:cNvPr>
           <p:cNvSpPr>
             <a:spLocks noGrp="1"/>
           </p:cNvSpPr>
@@ -1924,8 +2240,8 @@
         </p:nvSpPr>
         <p:spPr>
           <a:xfrm>
-            <a:off x="6217920" y="2582334"/>
-            <a:ext cx="4937760" cy="3378200"/>
+            <a:off x="6172200" y="2505075"/>
+            <a:ext cx="5183188" cy="3684588"/>
           </a:xfrm>
         </p:spPr>
         <p:txBody>
@@ -1965,13 +2281,19 @@
               <a:rPr lang="en-US"/>
               <a:t>Fifth level</a:t>
             </a:r>
-            <a:endParaRPr lang="en-US" dirty="0"/>
-          </a:p>
-        </p:txBody>
-      </p:sp>
-      <p:sp>
-        <p:nvSpPr>
-          <p:cNvPr id="7" name="Date Placeholder 6"/>
+            <a:endParaRPr lang="en-IN"/>
+          </a:p>
+        </p:txBody>
+      </p:sp>
+      <p:sp>
+        <p:nvSpPr>
+          <p:cNvPr id="7" name="Date Placeholder 6">
+            <a:extLst>
+              <a:ext uri="{FF2B5EF4-FFF2-40B4-BE49-F238E27FC236}">
+                <a16:creationId xmlns:a16="http://schemas.microsoft.com/office/drawing/2014/main" id="{5F881197-AC15-4066-B770-E3B61B28DF74}"/>
+              </a:ext>
+            </a:extLst>
+          </p:cNvPr>
           <p:cNvSpPr>
             <a:spLocks noGrp="1"/>
           </p:cNvSpPr>
@@ -1995,7 +2317,13 @@
       </p:sp>
       <p:sp>
         <p:nvSpPr>
-          <p:cNvPr id="8" name="Footer Placeholder 7"/>
+          <p:cNvPr id="8" name="Footer Placeholder 7">
+            <a:extLst>
+              <a:ext uri="{FF2B5EF4-FFF2-40B4-BE49-F238E27FC236}">
+                <a16:creationId xmlns:a16="http://schemas.microsoft.com/office/drawing/2014/main" id="{2D3483F2-C46F-4752-8FD4-5C8BFCECB961}"/>
+              </a:ext>
+            </a:extLst>
+          </p:cNvPr>
           <p:cNvSpPr>
             <a:spLocks noGrp="1"/>
           </p:cNvSpPr>
@@ -2014,7 +2342,13 @@
       </p:sp>
       <p:sp>
         <p:nvSpPr>
-          <p:cNvPr id="9" name="Slide Number Placeholder 8"/>
+          <p:cNvPr id="9" name="Slide Number Placeholder 8">
+            <a:extLst>
+              <a:ext uri="{FF2B5EF4-FFF2-40B4-BE49-F238E27FC236}">
+                <a16:creationId xmlns:a16="http://schemas.microsoft.com/office/drawing/2014/main" id="{B5CD4DFD-7CE2-4B20-8817-8F3BAC5B4B33}"/>
+              </a:ext>
+            </a:extLst>
+          </p:cNvPr>
           <p:cNvSpPr>
             <a:spLocks noGrp="1"/>
           </p:cNvSpPr>
@@ -2039,7 +2373,7 @@
     </p:spTree>
     <p:extLst>
       <p:ext uri="{BB962C8B-B14F-4D97-AF65-F5344CB8AC3E}">
-        <p14:creationId xmlns:p14="http://schemas.microsoft.com/office/powerpoint/2010/main" xmlns="" val="208432005"/>
+        <p14:creationId xmlns:p14="http://schemas.microsoft.com/office/powerpoint/2010/main" val="16042255"/>
       </p:ext>
     </p:extLst>
   </p:cSld>
@@ -2068,7 +2402,13 @@
       </p:grpSpPr>
       <p:sp>
         <p:nvSpPr>
-          <p:cNvPr id="2" name="Title 1"/>
+          <p:cNvPr id="2" name="Title 1">
+            <a:extLst>
+              <a:ext uri="{FF2B5EF4-FFF2-40B4-BE49-F238E27FC236}">
+                <a16:creationId xmlns:a16="http://schemas.microsoft.com/office/drawing/2014/main" id="{73042478-EBEF-4C33-B9D9-3BC5BC2F3C21}"/>
+              </a:ext>
+            </a:extLst>
+          </p:cNvPr>
           <p:cNvSpPr>
             <a:spLocks noGrp="1"/>
           </p:cNvSpPr>
@@ -2085,13 +2425,19 @@
               <a:rPr lang="en-US"/>
               <a:t>Click to edit Master title style</a:t>
             </a:r>
-            <a:endParaRPr lang="en-US" dirty="0"/>
-          </a:p>
-        </p:txBody>
-      </p:sp>
-      <p:sp>
-        <p:nvSpPr>
-          <p:cNvPr id="3" name="Date Placeholder 2"/>
+            <a:endParaRPr lang="en-IN"/>
+          </a:p>
+        </p:txBody>
+      </p:sp>
+      <p:sp>
+        <p:nvSpPr>
+          <p:cNvPr id="3" name="Date Placeholder 2">
+            <a:extLst>
+              <a:ext uri="{FF2B5EF4-FFF2-40B4-BE49-F238E27FC236}">
+                <a16:creationId xmlns:a16="http://schemas.microsoft.com/office/drawing/2014/main" id="{ED211303-1193-4C16-B360-675A1BA94409}"/>
+              </a:ext>
+            </a:extLst>
+          </p:cNvPr>
           <p:cNvSpPr>
             <a:spLocks noGrp="1"/>
           </p:cNvSpPr>
@@ -2115,7 +2461,13 @@
       </p:sp>
       <p:sp>
         <p:nvSpPr>
-          <p:cNvPr id="4" name="Footer Placeholder 3"/>
+          <p:cNvPr id="4" name="Footer Placeholder 3">
+            <a:extLst>
+              <a:ext uri="{FF2B5EF4-FFF2-40B4-BE49-F238E27FC236}">
+                <a16:creationId xmlns:a16="http://schemas.microsoft.com/office/drawing/2014/main" id="{09FFDB76-14BE-47A5-85CC-AD13045C065E}"/>
+              </a:ext>
+            </a:extLst>
+          </p:cNvPr>
           <p:cNvSpPr>
             <a:spLocks noGrp="1"/>
           </p:cNvSpPr>
@@ -2134,7 +2486,13 @@
       </p:sp>
       <p:sp>
         <p:nvSpPr>
-          <p:cNvPr id="5" name="Slide Number Placeholder 4"/>
+          <p:cNvPr id="5" name="Slide Number Placeholder 4">
+            <a:extLst>
+              <a:ext uri="{FF2B5EF4-FFF2-40B4-BE49-F238E27FC236}">
+                <a16:creationId xmlns:a16="http://schemas.microsoft.com/office/drawing/2014/main" id="{56A478CC-77D4-473C-ABB9-8887ABAFED2C}"/>
+              </a:ext>
+            </a:extLst>
+          </p:cNvPr>
           <p:cNvSpPr>
             <a:spLocks noGrp="1"/>
           </p:cNvSpPr>
@@ -2159,7 +2517,7 @@
     </p:spTree>
     <p:extLst>
       <p:ext uri="{BB962C8B-B14F-4D97-AF65-F5344CB8AC3E}">
-        <p14:creationId xmlns:p14="http://schemas.microsoft.com/office/powerpoint/2010/main" xmlns="" val="2348883450"/>
+        <p14:creationId xmlns:p14="http://schemas.microsoft.com/office/powerpoint/2010/main" val="3264400445"/>
       </p:ext>
     </p:extLst>
   </p:cSld>
@@ -2170,7 +2528,7 @@
 </file>
 
 <file path=ppt/slideLayouts/slideLayout7.xml><?xml version="1.0" encoding="utf-8"?>
-<p:sldLayout xmlns:a="http://schemas.openxmlformats.org/drawingml/2006/main" xmlns:r="http://schemas.openxmlformats.org/officeDocument/2006/relationships" xmlns:p="http://schemas.openxmlformats.org/presentationml/2006/main" showMasterSp="0" type="blank" preserve="1">
+<p:sldLayout xmlns:a="http://schemas.openxmlformats.org/drawingml/2006/main" xmlns:r="http://schemas.openxmlformats.org/officeDocument/2006/relationships" xmlns:p="http://schemas.openxmlformats.org/presentationml/2006/main" type="blank" preserve="1">
   <p:cSld name="Blank">
     <p:spTree>
       <p:nvGrpSpPr>
@@ -2188,83 +2546,13 @@
       </p:grpSpPr>
       <p:sp>
         <p:nvSpPr>
-          <p:cNvPr id="5" name="Rectangle 4"/>
-          <p:cNvSpPr/>
-          <p:nvPr/>
-        </p:nvSpPr>
-        <p:spPr>
-          <a:xfrm>
-            <a:off x="3175" y="6400800"/>
-            <a:ext cx="12188825" cy="457200"/>
-          </a:xfrm>
-          <a:prstGeom prst="rect">
-            <a:avLst/>
-          </a:prstGeom>
-          <a:solidFill>
-            <a:schemeClr val="accent2"/>
-          </a:solidFill>
-          <a:ln>
-            <a:noFill/>
-          </a:ln>
-        </p:spPr>
-        <p:style>
-          <a:lnRef idx="2">
-            <a:schemeClr val="accent1">
-              <a:shade val="50000"/>
-            </a:schemeClr>
-          </a:lnRef>
-          <a:fillRef idx="1">
-            <a:schemeClr val="accent1"/>
-          </a:fillRef>
-          <a:effectRef idx="0">
-            <a:schemeClr val="accent1"/>
-          </a:effectRef>
-          <a:fontRef idx="minor">
-            <a:schemeClr val="lt1"/>
-          </a:fontRef>
-        </p:style>
-      </p:sp>
-      <p:sp>
-        <p:nvSpPr>
-          <p:cNvPr id="6" name="Rectangle 5"/>
-          <p:cNvSpPr/>
-          <p:nvPr/>
-        </p:nvSpPr>
-        <p:spPr>
-          <a:xfrm>
-            <a:off x="15" y="6334316"/>
-            <a:ext cx="12188825" cy="64008"/>
-          </a:xfrm>
-          <a:prstGeom prst="rect">
-            <a:avLst/>
-          </a:prstGeom>
-          <a:solidFill>
-            <a:schemeClr val="accent1"/>
-          </a:solidFill>
-          <a:ln>
-            <a:noFill/>
-          </a:ln>
-        </p:spPr>
-        <p:style>
-          <a:lnRef idx="2">
-            <a:schemeClr val="accent1">
-              <a:shade val="50000"/>
-            </a:schemeClr>
-          </a:lnRef>
-          <a:fillRef idx="1">
-            <a:schemeClr val="accent1"/>
-          </a:fillRef>
-          <a:effectRef idx="0">
-            <a:schemeClr val="accent1"/>
-          </a:effectRef>
-          <a:fontRef idx="minor">
-            <a:schemeClr val="lt1"/>
-          </a:fontRef>
-        </p:style>
-      </p:sp>
-      <p:sp>
-        <p:nvSpPr>
-          <p:cNvPr id="7" name="Date Placeholder 6"/>
+          <p:cNvPr id="2" name="Date Placeholder 1">
+            <a:extLst>
+              <a:ext uri="{FF2B5EF4-FFF2-40B4-BE49-F238E27FC236}">
+                <a16:creationId xmlns:a16="http://schemas.microsoft.com/office/drawing/2014/main" id="{498CD462-02EA-4A41-BE3E-65D33EE78386}"/>
+              </a:ext>
+            </a:extLst>
+          </p:cNvPr>
           <p:cNvSpPr>
             <a:spLocks noGrp="1"/>
           </p:cNvSpPr>
@@ -2288,7 +2576,13 @@
       </p:sp>
       <p:sp>
         <p:nvSpPr>
-          <p:cNvPr id="8" name="Footer Placeholder 7"/>
+          <p:cNvPr id="3" name="Footer Placeholder 2">
+            <a:extLst>
+              <a:ext uri="{FF2B5EF4-FFF2-40B4-BE49-F238E27FC236}">
+                <a16:creationId xmlns:a16="http://schemas.microsoft.com/office/drawing/2014/main" id="{24F03091-C671-4C3B-BBEC-EB346678F22B}"/>
+              </a:ext>
+            </a:extLst>
+          </p:cNvPr>
           <p:cNvSpPr>
             <a:spLocks noGrp="1"/>
           </p:cNvSpPr>
@@ -2299,15 +2593,7 @@
         <p:spPr/>
         <p:txBody>
           <a:bodyPr/>
-          <a:lstStyle>
-            <a:lvl1pPr>
-              <a:defRPr>
-                <a:solidFill>
-                  <a:srgbClr val="FFFFFF"/>
-                </a:solidFill>
-              </a:defRPr>
-            </a:lvl1pPr>
-          </a:lstStyle>
+          <a:lstStyle/>
           <a:p>
             <a:endParaRPr lang="en-IN"/>
           </a:p>
@@ -2315,7 +2601,13 @@
       </p:sp>
       <p:sp>
         <p:nvSpPr>
-          <p:cNvPr id="9" name="Slide Number Placeholder 8"/>
+          <p:cNvPr id="4" name="Slide Number Placeholder 3">
+            <a:extLst>
+              <a:ext uri="{FF2B5EF4-FFF2-40B4-BE49-F238E27FC236}">
+                <a16:creationId xmlns:a16="http://schemas.microsoft.com/office/drawing/2014/main" id="{0C2B739E-E5B8-4DB2-B66D-E489382D0FDD}"/>
+              </a:ext>
+            </a:extLst>
+          </p:cNvPr>
           <p:cNvSpPr>
             <a:spLocks noGrp="1"/>
           </p:cNvSpPr>
@@ -2340,7 +2632,7 @@
     </p:spTree>
     <p:extLst>
       <p:ext uri="{BB962C8B-B14F-4D97-AF65-F5344CB8AC3E}">
-        <p14:creationId xmlns:p14="http://schemas.microsoft.com/office/powerpoint/2010/main" xmlns="" val="2590641835"/>
+        <p14:creationId xmlns:p14="http://schemas.microsoft.com/office/powerpoint/2010/main" val="624992241"/>
       </p:ext>
     </p:extLst>
   </p:cSld>
@@ -2351,7 +2643,7 @@
 </file>
 
 <file path=ppt/slideLayouts/slideLayout8.xml><?xml version="1.0" encoding="utf-8"?>
-<p:sldLayout xmlns:a="http://schemas.openxmlformats.org/drawingml/2006/main" xmlns:r="http://schemas.openxmlformats.org/officeDocument/2006/relationships" xmlns:p="http://schemas.openxmlformats.org/presentationml/2006/main" showMasterSp="0" type="objTx" preserve="1">
+<p:sldLayout xmlns:a="http://schemas.openxmlformats.org/drawingml/2006/main" xmlns:r="http://schemas.openxmlformats.org/officeDocument/2006/relationships" xmlns:p="http://schemas.openxmlformats.org/presentationml/2006/main" type="objTx" preserve="1">
   <p:cSld name="Content with Caption">
     <p:spTree>
       <p:nvGrpSpPr>
@@ -2369,269 +2661,224 @@
       </p:grpSpPr>
       <p:sp>
         <p:nvSpPr>
-          <p:cNvPr id="8" name="Rectangle 7"/>
-          <p:cNvSpPr/>
-          <p:nvPr/>
+          <p:cNvPr id="2" name="Title 1">
+            <a:extLst>
+              <a:ext uri="{FF2B5EF4-FFF2-40B4-BE49-F238E27FC236}">
+                <a16:creationId xmlns:a16="http://schemas.microsoft.com/office/drawing/2014/main" id="{7FBCD732-BC38-4600-B988-3D3A3C84868E}"/>
+              </a:ext>
+            </a:extLst>
+          </p:cNvPr>
+          <p:cNvSpPr>
+            <a:spLocks noGrp="1"/>
+          </p:cNvSpPr>
+          <p:nvPr>
+            <p:ph type="title"/>
+          </p:nvPr>
         </p:nvSpPr>
         <p:spPr>
           <a:xfrm>
-            <a:off x="16" y="0"/>
-            <a:ext cx="4050791" cy="6858000"/>
+            <a:off x="839788" y="457200"/>
+            <a:ext cx="3932237" cy="1600200"/>
           </a:xfrm>
-          <a:prstGeom prst="rect">
-            <a:avLst/>
-          </a:prstGeom>
-          <a:solidFill>
-            <a:schemeClr val="accent2"/>
-          </a:solidFill>
-          <a:ln>
-            <a:noFill/>
-          </a:ln>
         </p:spPr>
-        <p:style>
-          <a:lnRef idx="2">
-            <a:schemeClr val="accent1">
-              <a:shade val="50000"/>
-            </a:schemeClr>
-          </a:lnRef>
-          <a:fillRef idx="1">
-            <a:schemeClr val="accent1"/>
-          </a:fillRef>
-          <a:effectRef idx="0">
-            <a:schemeClr val="accent1"/>
-          </a:effectRef>
-          <a:fontRef idx="minor">
-            <a:schemeClr val="lt1"/>
-          </a:fontRef>
-        </p:style>
-      </p:sp>
-      <p:sp>
-        <p:nvSpPr>
-          <p:cNvPr id="9" name="Rectangle 8"/>
-          <p:cNvSpPr/>
-          <p:nvPr/>
+        <p:txBody>
+          <a:bodyPr anchor="b"/>
+          <a:lstStyle>
+            <a:lvl1pPr>
+              <a:defRPr sz="3200"/>
+            </a:lvl1pPr>
+          </a:lstStyle>
+          <a:p>
+            <a:r>
+              <a:rPr lang="en-US"/>
+              <a:t>Click to edit Master title style</a:t>
+            </a:r>
+            <a:endParaRPr lang="en-IN"/>
+          </a:p>
+        </p:txBody>
+      </p:sp>
+      <p:sp>
+        <p:nvSpPr>
+          <p:cNvPr id="3" name="Content Placeholder 2">
+            <a:extLst>
+              <a:ext uri="{FF2B5EF4-FFF2-40B4-BE49-F238E27FC236}">
+                <a16:creationId xmlns:a16="http://schemas.microsoft.com/office/drawing/2014/main" id="{5E405438-4452-4A1B-8AB0-357CA8D8ED79}"/>
+              </a:ext>
+            </a:extLst>
+          </p:cNvPr>
+          <p:cNvSpPr>
+            <a:spLocks noGrp="1"/>
+          </p:cNvSpPr>
+          <p:nvPr>
+            <p:ph idx="1"/>
+          </p:nvPr>
         </p:nvSpPr>
         <p:spPr>
           <a:xfrm>
-            <a:off x="4040071" y="0"/>
-            <a:ext cx="64008" cy="6858000"/>
+            <a:off x="5183188" y="987425"/>
+            <a:ext cx="6172200" cy="4873625"/>
           </a:xfrm>
-          <a:prstGeom prst="rect">
-            <a:avLst/>
-          </a:prstGeom>
-          <a:solidFill>
-            <a:schemeClr val="accent1"/>
-          </a:solidFill>
-          <a:ln>
-            <a:noFill/>
-          </a:ln>
         </p:spPr>
-        <p:style>
-          <a:lnRef idx="2">
-            <a:schemeClr val="accent1">
-              <a:shade val="50000"/>
-            </a:schemeClr>
-          </a:lnRef>
-          <a:fillRef idx="1">
-            <a:schemeClr val="accent1"/>
-          </a:fillRef>
-          <a:effectRef idx="0">
-            <a:schemeClr val="accent1"/>
-          </a:effectRef>
-          <a:fontRef idx="minor">
-            <a:schemeClr val="lt1"/>
-          </a:fontRef>
-        </p:style>
-      </p:sp>
-      <p:sp>
-        <p:nvSpPr>
-          <p:cNvPr id="2" name="Title 1"/>
+        <p:txBody>
+          <a:bodyPr/>
+          <a:lstStyle>
+            <a:lvl1pPr>
+              <a:defRPr sz="3200"/>
+            </a:lvl1pPr>
+            <a:lvl2pPr>
+              <a:defRPr sz="2800"/>
+            </a:lvl2pPr>
+            <a:lvl3pPr>
+              <a:defRPr sz="2400"/>
+            </a:lvl3pPr>
+            <a:lvl4pPr>
+              <a:defRPr sz="2000"/>
+            </a:lvl4pPr>
+            <a:lvl5pPr>
+              <a:defRPr sz="2000"/>
+            </a:lvl5pPr>
+            <a:lvl6pPr>
+              <a:defRPr sz="2000"/>
+            </a:lvl6pPr>
+            <a:lvl7pPr>
+              <a:defRPr sz="2000"/>
+            </a:lvl7pPr>
+            <a:lvl8pPr>
+              <a:defRPr sz="2000"/>
+            </a:lvl8pPr>
+            <a:lvl9pPr>
+              <a:defRPr sz="2000"/>
+            </a:lvl9pPr>
+          </a:lstStyle>
+          <a:p>
+            <a:pPr lvl="0"/>
+            <a:r>
+              <a:rPr lang="en-US"/>
+              <a:t>Click to edit Master text styles</a:t>
+            </a:r>
+          </a:p>
+          <a:p>
+            <a:pPr lvl="1"/>
+            <a:r>
+              <a:rPr lang="en-US"/>
+              <a:t>Second level</a:t>
+            </a:r>
+          </a:p>
+          <a:p>
+            <a:pPr lvl="2"/>
+            <a:r>
+              <a:rPr lang="en-US"/>
+              <a:t>Third level</a:t>
+            </a:r>
+          </a:p>
+          <a:p>
+            <a:pPr lvl="3"/>
+            <a:r>
+              <a:rPr lang="en-US"/>
+              <a:t>Fourth level</a:t>
+            </a:r>
+          </a:p>
+          <a:p>
+            <a:pPr lvl="4"/>
+            <a:r>
+              <a:rPr lang="en-US"/>
+              <a:t>Fifth level</a:t>
+            </a:r>
+            <a:endParaRPr lang="en-IN"/>
+          </a:p>
+        </p:txBody>
+      </p:sp>
+      <p:sp>
+        <p:nvSpPr>
+          <p:cNvPr id="4" name="Text Placeholder 3">
+            <a:extLst>
+              <a:ext uri="{FF2B5EF4-FFF2-40B4-BE49-F238E27FC236}">
+                <a16:creationId xmlns:a16="http://schemas.microsoft.com/office/drawing/2014/main" id="{F7040C64-6DEA-416A-A668-11DA98225FF0}"/>
+              </a:ext>
+            </a:extLst>
+          </p:cNvPr>
           <p:cNvSpPr>
             <a:spLocks noGrp="1"/>
           </p:cNvSpPr>
           <p:nvPr>
-            <p:ph type="title"/>
+            <p:ph type="body" sz="half" idx="2"/>
           </p:nvPr>
         </p:nvSpPr>
         <p:spPr>
           <a:xfrm>
-            <a:off x="457200" y="594359"/>
-            <a:ext cx="3200400" cy="2286000"/>
+            <a:off x="839788" y="2057400"/>
+            <a:ext cx="3932237" cy="3811588"/>
           </a:xfrm>
         </p:spPr>
         <p:txBody>
-          <a:bodyPr anchor="b">
-            <a:normAutofit/>
-          </a:bodyPr>
+          <a:bodyPr/>
           <a:lstStyle>
-            <a:lvl1pPr>
-              <a:defRPr sz="3600" b="0">
-                <a:solidFill>
-                  <a:srgbClr val="FFFFFF"/>
-                </a:solidFill>
-              </a:defRPr>
+            <a:lvl1pPr marL="0" indent="0">
+              <a:buNone/>
+              <a:defRPr sz="1600"/>
             </a:lvl1pPr>
+            <a:lvl2pPr marL="457200" indent="0">
+              <a:buNone/>
+              <a:defRPr sz="1400"/>
+            </a:lvl2pPr>
+            <a:lvl3pPr marL="914400" indent="0">
+              <a:buNone/>
+              <a:defRPr sz="1200"/>
+            </a:lvl3pPr>
+            <a:lvl4pPr marL="1371600" indent="0">
+              <a:buNone/>
+              <a:defRPr sz="1000"/>
+            </a:lvl4pPr>
+            <a:lvl5pPr marL="1828800" indent="0">
+              <a:buNone/>
+              <a:defRPr sz="1000"/>
+            </a:lvl5pPr>
+            <a:lvl6pPr marL="2286000" indent="0">
+              <a:buNone/>
+              <a:defRPr sz="1000"/>
+            </a:lvl6pPr>
+            <a:lvl7pPr marL="2743200" indent="0">
+              <a:buNone/>
+              <a:defRPr sz="1000"/>
+            </a:lvl7pPr>
+            <a:lvl8pPr marL="3200400" indent="0">
+              <a:buNone/>
+              <a:defRPr sz="1000"/>
+            </a:lvl8pPr>
+            <a:lvl9pPr marL="3657600" indent="0">
+              <a:buNone/>
+              <a:defRPr sz="1000"/>
+            </a:lvl9pPr>
           </a:lstStyle>
           <a:p>
+            <a:pPr lvl="0"/>
             <a:r>
               <a:rPr lang="en-US"/>
-              <a:t>Click to edit Master title style</a:t>
-            </a:r>
-            <a:endParaRPr lang="en-US" dirty="0"/>
-          </a:p>
-        </p:txBody>
-      </p:sp>
-      <p:sp>
-        <p:nvSpPr>
-          <p:cNvPr id="3" name="Content Placeholder 2"/>
+              <a:t>Click to edit Master text styles</a:t>
+            </a:r>
+          </a:p>
+        </p:txBody>
+      </p:sp>
+      <p:sp>
+        <p:nvSpPr>
+          <p:cNvPr id="5" name="Date Placeholder 4">
+            <a:extLst>
+              <a:ext uri="{FF2B5EF4-FFF2-40B4-BE49-F238E27FC236}">
+                <a16:creationId xmlns:a16="http://schemas.microsoft.com/office/drawing/2014/main" id="{5A67B820-2522-4127-816F-B68BA7C9E405}"/>
+              </a:ext>
+            </a:extLst>
+          </p:cNvPr>
           <p:cNvSpPr>
             <a:spLocks noGrp="1"/>
           </p:cNvSpPr>
           <p:nvPr>
-            <p:ph idx="1"/>
-          </p:nvPr>
-        </p:nvSpPr>
-        <p:spPr>
-          <a:xfrm>
-            <a:off x="4800600" y="731520"/>
-            <a:ext cx="6492240" cy="5257800"/>
-          </a:xfrm>
-        </p:spPr>
+            <p:ph type="dt" sz="half" idx="10"/>
+          </p:nvPr>
+        </p:nvSpPr>
+        <p:spPr/>
         <p:txBody>
           <a:bodyPr/>
           <a:lstStyle/>
-          <a:p>
-            <a:pPr lvl="0"/>
-            <a:r>
-              <a:rPr lang="en-US"/>
-              <a:t>Click to edit Master text styles</a:t>
-            </a:r>
-          </a:p>
-          <a:p>
-            <a:pPr lvl="1"/>
-            <a:r>
-              <a:rPr lang="en-US"/>
-              <a:t>Second level</a:t>
-            </a:r>
-          </a:p>
-          <a:p>
-            <a:pPr lvl="2"/>
-            <a:r>
-              <a:rPr lang="en-US"/>
-              <a:t>Third level</a:t>
-            </a:r>
-          </a:p>
-          <a:p>
-            <a:pPr lvl="3"/>
-            <a:r>
-              <a:rPr lang="en-US"/>
-              <a:t>Fourth level</a:t>
-            </a:r>
-          </a:p>
-          <a:p>
-            <a:pPr lvl="4"/>
-            <a:r>
-              <a:rPr lang="en-US"/>
-              <a:t>Fifth level</a:t>
-            </a:r>
-            <a:endParaRPr lang="en-US" dirty="0"/>
-          </a:p>
-        </p:txBody>
-      </p:sp>
-      <p:sp>
-        <p:nvSpPr>
-          <p:cNvPr id="4" name="Text Placeholder 3"/>
-          <p:cNvSpPr>
-            <a:spLocks noGrp="1"/>
-          </p:cNvSpPr>
-          <p:nvPr>
-            <p:ph type="body" sz="half" idx="2"/>
-          </p:nvPr>
-        </p:nvSpPr>
-        <p:spPr>
-          <a:xfrm>
-            <a:off x="457200" y="2926080"/>
-            <a:ext cx="3200400" cy="3379124"/>
-          </a:xfrm>
-        </p:spPr>
-        <p:txBody>
-          <a:bodyPr lIns="91440" rIns="91440">
-            <a:normAutofit/>
-          </a:bodyPr>
-          <a:lstStyle>
-            <a:lvl1pPr marL="0" indent="0">
-              <a:buNone/>
-              <a:defRPr sz="1500">
-                <a:solidFill>
-                  <a:srgbClr val="FFFFFF"/>
-                </a:solidFill>
-              </a:defRPr>
-            </a:lvl1pPr>
-            <a:lvl2pPr marL="457200" indent="0">
-              <a:buNone/>
-              <a:defRPr sz="1200"/>
-            </a:lvl2pPr>
-            <a:lvl3pPr marL="914400" indent="0">
-              <a:buNone/>
-              <a:defRPr sz="1000"/>
-            </a:lvl3pPr>
-            <a:lvl4pPr marL="1371600" indent="0">
-              <a:buNone/>
-              <a:defRPr sz="900"/>
-            </a:lvl4pPr>
-            <a:lvl5pPr marL="1828800" indent="0">
-              <a:buNone/>
-              <a:defRPr sz="900"/>
-            </a:lvl5pPr>
-            <a:lvl6pPr marL="2286000" indent="0">
-              <a:buNone/>
-              <a:defRPr sz="900"/>
-            </a:lvl6pPr>
-            <a:lvl7pPr marL="2743200" indent="0">
-              <a:buNone/>
-              <a:defRPr sz="900"/>
-            </a:lvl7pPr>
-            <a:lvl8pPr marL="3200400" indent="0">
-              <a:buNone/>
-              <a:defRPr sz="900"/>
-            </a:lvl8pPr>
-            <a:lvl9pPr marL="3657600" indent="0">
-              <a:buNone/>
-              <a:defRPr sz="900"/>
-            </a:lvl9pPr>
-          </a:lstStyle>
-          <a:p>
-            <a:pPr lvl="0"/>
-            <a:r>
-              <a:rPr lang="en-US"/>
-              <a:t>Click to edit Master text styles</a:t>
-            </a:r>
-          </a:p>
-        </p:txBody>
-      </p:sp>
-      <p:sp>
-        <p:nvSpPr>
-          <p:cNvPr id="5" name="Date Placeholder 4"/>
-          <p:cNvSpPr>
-            <a:spLocks noGrp="1"/>
-          </p:cNvSpPr>
-          <p:nvPr>
-            <p:ph type="dt" sz="half" idx="10"/>
-          </p:nvPr>
-        </p:nvSpPr>
-        <p:spPr>
-          <a:xfrm>
-            <a:off x="465512" y="6459785"/>
-            <a:ext cx="2618510" cy="365125"/>
-          </a:xfrm>
-        </p:spPr>
-        <p:txBody>
-          <a:bodyPr/>
-          <a:lstStyle>
-            <a:lvl1pPr algn="l">
-              <a:defRPr/>
-            </a:lvl1pPr>
-          </a:lstStyle>
           <a:p>
             <a:fld id="{9EF69E87-21EE-4BF0-8847-205AB327FE1A}" type="datetimeFigureOut">
               <a:rPr lang="en-IN" smtClean="0"/>
@@ -2644,7 +2891,13 @@
       </p:sp>
       <p:sp>
         <p:nvSpPr>
-          <p:cNvPr id="6" name="Footer Placeholder 5"/>
+          <p:cNvPr id="6" name="Footer Placeholder 5">
+            <a:extLst>
+              <a:ext uri="{FF2B5EF4-FFF2-40B4-BE49-F238E27FC236}">
+                <a16:creationId xmlns:a16="http://schemas.microsoft.com/office/drawing/2014/main" id="{AD88AECC-47FE-44DA-96B2-B58EB6F7ED01}"/>
+              </a:ext>
+            </a:extLst>
+          </p:cNvPr>
           <p:cNvSpPr>
             <a:spLocks noGrp="1"/>
           </p:cNvSpPr>
@@ -2652,23 +2905,10 @@
             <p:ph type="ftr" sz="quarter" idx="11"/>
           </p:nvPr>
         </p:nvSpPr>
-        <p:spPr>
-          <a:xfrm>
-            <a:off x="4800600" y="6459785"/>
-            <a:ext cx="4648200" cy="365125"/>
-          </a:xfrm>
-        </p:spPr>
+        <p:spPr/>
         <p:txBody>
           <a:bodyPr/>
-          <a:lstStyle>
-            <a:lvl1pPr algn="l">
-              <a:defRPr>
-                <a:solidFill>
-                  <a:schemeClr val="tx2"/>
-                </a:solidFill>
-              </a:defRPr>
-            </a:lvl1pPr>
-          </a:lstStyle>
+          <a:lstStyle/>
           <a:p>
             <a:endParaRPr lang="en-IN"/>
           </a:p>
@@ -2676,7 +2916,13 @@
       </p:sp>
       <p:sp>
         <p:nvSpPr>
-          <p:cNvPr id="7" name="Slide Number Placeholder 6"/>
+          <p:cNvPr id="7" name="Slide Number Placeholder 6">
+            <a:extLst>
+              <a:ext uri="{FF2B5EF4-FFF2-40B4-BE49-F238E27FC236}">
+                <a16:creationId xmlns:a16="http://schemas.microsoft.com/office/drawing/2014/main" id="{FB923DB1-B609-4245-B60F-52AED48270BD}"/>
+              </a:ext>
+            </a:extLst>
+          </p:cNvPr>
           <p:cNvSpPr>
             <a:spLocks noGrp="1"/>
           </p:cNvSpPr>
@@ -2687,15 +2933,7 @@
         <p:spPr/>
         <p:txBody>
           <a:bodyPr/>
-          <a:lstStyle>
-            <a:lvl1pPr>
-              <a:defRPr>
-                <a:solidFill>
-                  <a:schemeClr val="tx2"/>
-                </a:solidFill>
-              </a:defRPr>
-            </a:lvl1pPr>
-          </a:lstStyle>
+          <a:lstStyle/>
           <a:p>
             <a:fld id="{F661CC13-527B-497F-A805-E8D6D10EC6BB}" type="slidenum">
               <a:rPr lang="en-IN" smtClean="0"/>
@@ -2709,7 +2947,7 @@
     </p:spTree>
     <p:extLst>
       <p:ext uri="{BB962C8B-B14F-4D97-AF65-F5344CB8AC3E}">
-        <p14:creationId xmlns:p14="http://schemas.microsoft.com/office/powerpoint/2010/main" xmlns="" val="3849450004"/>
+        <p14:creationId xmlns:p14="http://schemas.microsoft.com/office/powerpoint/2010/main" val="2896159546"/>
       </p:ext>
     </p:extLst>
   </p:cSld>
@@ -2720,7 +2958,7 @@
 </file>
 
 <file path=ppt/slideLayouts/slideLayout9.xml><?xml version="1.0" encoding="utf-8"?>
-<p:sldLayout xmlns:a="http://schemas.openxmlformats.org/drawingml/2006/main" xmlns:r="http://schemas.openxmlformats.org/officeDocument/2006/relationships" xmlns:p="http://schemas.openxmlformats.org/presentationml/2006/main" showMasterSp="0" type="picTx" preserve="1">
+<p:sldLayout xmlns:a="http://schemas.openxmlformats.org/drawingml/2006/main" xmlns:r="http://schemas.openxmlformats.org/officeDocument/2006/relationships" xmlns:p="http://schemas.openxmlformats.org/presentationml/2006/main" type="picTx" preserve="1">
   <p:cSld name="Picture with Caption">
     <p:spTree>
       <p:nvGrpSpPr>
@@ -2738,150 +2976,70 @@
       </p:grpSpPr>
       <p:sp>
         <p:nvSpPr>
-          <p:cNvPr id="8" name="Rectangle 7"/>
-          <p:cNvSpPr/>
-          <p:nvPr/>
+          <p:cNvPr id="2" name="Title 1">
+            <a:extLst>
+              <a:ext uri="{FF2B5EF4-FFF2-40B4-BE49-F238E27FC236}">
+                <a16:creationId xmlns:a16="http://schemas.microsoft.com/office/drawing/2014/main" id="{1EE570B5-BC68-4396-8494-7FFEABFF62AB}"/>
+              </a:ext>
+            </a:extLst>
+          </p:cNvPr>
+          <p:cNvSpPr>
+            <a:spLocks noGrp="1"/>
+          </p:cNvSpPr>
+          <p:nvPr>
+            <p:ph type="title"/>
+          </p:nvPr>
         </p:nvSpPr>
         <p:spPr>
           <a:xfrm>
-            <a:off x="0" y="4953000"/>
-            <a:ext cx="12188825" cy="1905000"/>
+            <a:off x="839788" y="457200"/>
+            <a:ext cx="3932237" cy="1600200"/>
           </a:xfrm>
-          <a:prstGeom prst="rect">
-            <a:avLst/>
-          </a:prstGeom>
-          <a:solidFill>
-            <a:schemeClr val="accent2"/>
-          </a:solidFill>
-          <a:ln>
-            <a:noFill/>
-          </a:ln>
         </p:spPr>
-        <p:style>
-          <a:lnRef idx="2">
-            <a:schemeClr val="accent1">
-              <a:shade val="50000"/>
-            </a:schemeClr>
-          </a:lnRef>
-          <a:fillRef idx="1">
-            <a:schemeClr val="accent1"/>
-          </a:fillRef>
-          <a:effectRef idx="0">
-            <a:schemeClr val="accent1"/>
-          </a:effectRef>
-          <a:fontRef idx="minor">
-            <a:schemeClr val="lt1"/>
-          </a:fontRef>
-        </p:style>
-      </p:sp>
-      <p:sp>
-        <p:nvSpPr>
-          <p:cNvPr id="9" name="Rectangle 8"/>
-          <p:cNvSpPr/>
-          <p:nvPr/>
+        <p:txBody>
+          <a:bodyPr anchor="b"/>
+          <a:lstStyle>
+            <a:lvl1pPr>
+              <a:defRPr sz="3200"/>
+            </a:lvl1pPr>
+          </a:lstStyle>
+          <a:p>
+            <a:r>
+              <a:rPr lang="en-US"/>
+              <a:t>Click to edit Master title style</a:t>
+            </a:r>
+            <a:endParaRPr lang="en-IN"/>
+          </a:p>
+        </p:txBody>
+      </p:sp>
+      <p:sp>
+        <p:nvSpPr>
+          <p:cNvPr id="3" name="Picture Placeholder 2">
+            <a:extLst>
+              <a:ext uri="{FF2B5EF4-FFF2-40B4-BE49-F238E27FC236}">
+                <a16:creationId xmlns:a16="http://schemas.microsoft.com/office/drawing/2014/main" id="{B609FD8D-525E-4A80-BA80-17A847F42138}"/>
+              </a:ext>
+            </a:extLst>
+          </p:cNvPr>
+          <p:cNvSpPr>
+            <a:spLocks noGrp="1"/>
+          </p:cNvSpPr>
+          <p:nvPr>
+            <p:ph type="pic" idx="1"/>
+          </p:nvPr>
         </p:nvSpPr>
         <p:spPr>
           <a:xfrm>
-            <a:off x="15" y="4915076"/>
-            <a:ext cx="12188825" cy="64008"/>
-          </a:xfrm>
-          <a:prstGeom prst="rect">
-            <a:avLst/>
-          </a:prstGeom>
-          <a:solidFill>
-            <a:schemeClr val="accent1"/>
-          </a:solidFill>
-          <a:ln>
-            <a:noFill/>
-          </a:ln>
-        </p:spPr>
-        <p:style>
-          <a:lnRef idx="2">
-            <a:schemeClr val="accent1">
-              <a:shade val="50000"/>
-            </a:schemeClr>
-          </a:lnRef>
-          <a:fillRef idx="1">
-            <a:schemeClr val="accent1"/>
-          </a:fillRef>
-          <a:effectRef idx="0">
-            <a:schemeClr val="accent1"/>
-          </a:effectRef>
-          <a:fontRef idx="minor">
-            <a:schemeClr val="lt1"/>
-          </a:fontRef>
-        </p:style>
-      </p:sp>
-      <p:sp>
-        <p:nvSpPr>
-          <p:cNvPr id="2" name="Title 1"/>
-          <p:cNvSpPr>
-            <a:spLocks noGrp="1"/>
-          </p:cNvSpPr>
-          <p:nvPr>
-            <p:ph type="title"/>
-          </p:nvPr>
-        </p:nvSpPr>
-        <p:spPr>
-          <a:xfrm>
-            <a:off x="1097280" y="5074920"/>
-            <a:ext cx="10113264" cy="822960"/>
+            <a:off x="5183188" y="987425"/>
+            <a:ext cx="6172200" cy="4873625"/>
           </a:xfrm>
         </p:spPr>
         <p:txBody>
-          <a:bodyPr lIns="91440" tIns="0" rIns="91440" bIns="0" anchor="b">
-            <a:noAutofit/>
-          </a:bodyPr>
-          <a:lstStyle>
-            <a:lvl1pPr>
-              <a:defRPr sz="3600" b="0">
-                <a:solidFill>
-                  <a:srgbClr val="FFFFFF"/>
-                </a:solidFill>
-              </a:defRPr>
-            </a:lvl1pPr>
-          </a:lstStyle>
-          <a:p>
-            <a:r>
-              <a:rPr lang="en-US"/>
-              <a:t>Click to edit Master title style</a:t>
-            </a:r>
-            <a:endParaRPr lang="en-US" dirty="0"/>
-          </a:p>
-        </p:txBody>
-      </p:sp>
-      <p:sp>
-        <p:nvSpPr>
-          <p:cNvPr id="3" name="Picture Placeholder 2"/>
-          <p:cNvSpPr>
-            <a:spLocks noGrp="1" noChangeAspect="1"/>
-          </p:cNvSpPr>
-          <p:nvPr>
-            <p:ph type="pic" idx="1"/>
-          </p:nvPr>
-        </p:nvSpPr>
-        <p:spPr>
-          <a:xfrm>
-            <a:off x="15" y="0"/>
-            <a:ext cx="12191985" cy="4915076"/>
-          </a:xfrm>
-          <a:blipFill>
-            <a:blip r:embed="rId2"/>
-            <a:stretch>
-              <a:fillRect/>
-            </a:stretch>
-          </a:blipFill>
-        </p:spPr>
-        <p:txBody>
-          <a:bodyPr lIns="457200" tIns="457200" anchor="t"/>
+          <a:bodyPr/>
           <a:lstStyle>
             <a:lvl1pPr marL="0" indent="0">
               <a:buNone/>
-              <a:defRPr sz="3200">
-                <a:solidFill>
-                  <a:schemeClr val="bg1"/>
-                </a:solidFill>
-              </a:defRPr>
+              <a:defRPr sz="3200"/>
             </a:lvl1pPr>
             <a:lvl2pPr marL="457200" indent="0">
               <a:buNone/>
@@ -2917,17 +3075,19 @@
             </a:lvl9pPr>
           </a:lstStyle>
           <a:p>
-            <a:r>
-              <a:rPr lang="en-US"/>
-              <a:t>Click icon to add picture</a:t>
-            </a:r>
-            <a:endParaRPr lang="en-US" dirty="0"/>
-          </a:p>
-        </p:txBody>
-      </p:sp>
-      <p:sp>
-        <p:nvSpPr>
-          <p:cNvPr id="4" name="Text Placeholder 3"/>
+            <a:endParaRPr lang="en-IN"/>
+          </a:p>
+        </p:txBody>
+      </p:sp>
+      <p:sp>
+        <p:nvSpPr>
+          <p:cNvPr id="4" name="Text Placeholder 3">
+            <a:extLst>
+              <a:ext uri="{FF2B5EF4-FFF2-40B4-BE49-F238E27FC236}">
+                <a16:creationId xmlns:a16="http://schemas.microsoft.com/office/drawing/2014/main" id="{B101886B-8F37-4F07-8456-F9C8EF7E18E0}"/>
+              </a:ext>
+            </a:extLst>
+          </p:cNvPr>
           <p:cNvSpPr>
             <a:spLocks noGrp="1"/>
           </p:cNvSpPr>
@@ -2937,60 +3097,48 @@
         </p:nvSpPr>
         <p:spPr>
           <a:xfrm>
-            <a:off x="1097280" y="5907023"/>
-            <a:ext cx="10113264" cy="594360"/>
+            <a:off x="839788" y="2057400"/>
+            <a:ext cx="3932237" cy="3811588"/>
           </a:xfrm>
         </p:spPr>
         <p:txBody>
-          <a:bodyPr lIns="91440" tIns="0" rIns="91440" bIns="0">
-            <a:normAutofit/>
-          </a:bodyPr>
+          <a:bodyPr/>
           <a:lstStyle>
             <a:lvl1pPr marL="0" indent="0">
-              <a:spcBef>
-                <a:spcPts val="0"/>
-              </a:spcBef>
-              <a:spcAft>
-                <a:spcPts val="600"/>
-              </a:spcAft>
-              <a:buNone/>
-              <a:defRPr sz="1500">
-                <a:solidFill>
-                  <a:srgbClr val="FFFFFF"/>
-                </a:solidFill>
-              </a:defRPr>
+              <a:buNone/>
+              <a:defRPr sz="1600"/>
             </a:lvl1pPr>
             <a:lvl2pPr marL="457200" indent="0">
               <a:buNone/>
-              <a:defRPr sz="1200"/>
+              <a:defRPr sz="1400"/>
             </a:lvl2pPr>
             <a:lvl3pPr marL="914400" indent="0">
               <a:buNone/>
-              <a:defRPr sz="1000"/>
+              <a:defRPr sz="1200"/>
             </a:lvl3pPr>
             <a:lvl4pPr marL="1371600" indent="0">
               <a:buNone/>
-              <a:defRPr sz="900"/>
+              <a:defRPr sz="1000"/>
             </a:lvl4pPr>
             <a:lvl5pPr marL="1828800" indent="0">
               <a:buNone/>
-              <a:defRPr sz="900"/>
+              <a:defRPr sz="1000"/>
             </a:lvl5pPr>
             <a:lvl6pPr marL="2286000" indent="0">
               <a:buNone/>
-              <a:defRPr sz="900"/>
+              <a:defRPr sz="1000"/>
             </a:lvl6pPr>
             <a:lvl7pPr marL="2743200" indent="0">
               <a:buNone/>
-              <a:defRPr sz="900"/>
+              <a:defRPr sz="1000"/>
             </a:lvl7pPr>
             <a:lvl8pPr marL="3200400" indent="0">
               <a:buNone/>
-              <a:defRPr sz="900"/>
+              <a:defRPr sz="1000"/>
             </a:lvl8pPr>
             <a:lvl9pPr marL="3657600" indent="0">
               <a:buNone/>
-              <a:defRPr sz="900"/>
+              <a:defRPr sz="1000"/>
             </a:lvl9pPr>
           </a:lstStyle>
           <a:p>
@@ -3004,7 +3152,13 @@
       </p:sp>
       <p:sp>
         <p:nvSpPr>
-          <p:cNvPr id="5" name="Date Placeholder 4"/>
+          <p:cNvPr id="5" name="Date Placeholder 4">
+            <a:extLst>
+              <a:ext uri="{FF2B5EF4-FFF2-40B4-BE49-F238E27FC236}">
+                <a16:creationId xmlns:a16="http://schemas.microsoft.com/office/drawing/2014/main" id="{50BBA420-B785-4D6E-9391-FBB3CB0963F1}"/>
+              </a:ext>
+            </a:extLst>
+          </p:cNvPr>
           <p:cNvSpPr>
             <a:spLocks noGrp="1"/>
           </p:cNvSpPr>
@@ -3028,7 +3182,13 @@
       </p:sp>
       <p:sp>
         <p:nvSpPr>
-          <p:cNvPr id="6" name="Footer Placeholder 5"/>
+          <p:cNvPr id="6" name="Footer Placeholder 5">
+            <a:extLst>
+              <a:ext uri="{FF2B5EF4-FFF2-40B4-BE49-F238E27FC236}">
+                <a16:creationId xmlns:a16="http://schemas.microsoft.com/office/drawing/2014/main" id="{791B3371-E980-40C9-886F-0486D67A8251}"/>
+              </a:ext>
+            </a:extLst>
+          </p:cNvPr>
           <p:cNvSpPr>
             <a:spLocks noGrp="1"/>
           </p:cNvSpPr>
@@ -3047,7 +3207,13 @@
       </p:sp>
       <p:sp>
         <p:nvSpPr>
-          <p:cNvPr id="7" name="Slide Number Placeholder 6"/>
+          <p:cNvPr id="7" name="Slide Number Placeholder 6">
+            <a:extLst>
+              <a:ext uri="{FF2B5EF4-FFF2-40B4-BE49-F238E27FC236}">
+                <a16:creationId xmlns:a16="http://schemas.microsoft.com/office/drawing/2014/main" id="{8BC12B94-37B8-4819-B2A4-7B9D9DB44E09}"/>
+              </a:ext>
+            </a:extLst>
+          </p:cNvPr>
           <p:cNvSpPr>
             <a:spLocks noGrp="1"/>
           </p:cNvSpPr>
@@ -3072,7 +3238,7 @@
     </p:spTree>
     <p:extLst>
       <p:ext uri="{BB962C8B-B14F-4D97-AF65-F5344CB8AC3E}">
-        <p14:creationId xmlns:p14="http://schemas.microsoft.com/office/powerpoint/2010/main" xmlns="" val="940792039"/>
+        <p14:creationId xmlns:p14="http://schemas.microsoft.com/office/powerpoint/2010/main" val="2479159671"/>
       </p:ext>
     </p:extLst>
   </p:cSld>
@@ -3106,101 +3272,31 @@
       </p:grpSpPr>
       <p:sp>
         <p:nvSpPr>
-          <p:cNvPr id="7" name="Rectangle 6"/>
-          <p:cNvSpPr/>
-          <p:nvPr/>
+          <p:cNvPr id="2" name="Title Placeholder 1">
+            <a:extLst>
+              <a:ext uri="{FF2B5EF4-FFF2-40B4-BE49-F238E27FC236}">
+                <a16:creationId xmlns:a16="http://schemas.microsoft.com/office/drawing/2014/main" id="{B48FA745-BB8D-4678-8D74-DC183E9963CC}"/>
+              </a:ext>
+            </a:extLst>
+          </p:cNvPr>
+          <p:cNvSpPr>
+            <a:spLocks noGrp="1"/>
+          </p:cNvSpPr>
+          <p:nvPr>
+            <p:ph type="title"/>
+          </p:nvPr>
         </p:nvSpPr>
         <p:spPr>
           <a:xfrm>
-            <a:off x="1" y="6400800"/>
-            <a:ext cx="12192000" cy="457200"/>
-          </a:xfrm>
-          <a:prstGeom prst="rect">
-            <a:avLst/>
-          </a:prstGeom>
-          <a:solidFill>
-            <a:schemeClr val="accent2"/>
-          </a:solidFill>
-          <a:ln>
-            <a:noFill/>
-          </a:ln>
-        </p:spPr>
-        <p:style>
-          <a:lnRef idx="2">
-            <a:schemeClr val="accent1">
-              <a:shade val="50000"/>
-            </a:schemeClr>
-          </a:lnRef>
-          <a:fillRef idx="1">
-            <a:schemeClr val="accent1"/>
-          </a:fillRef>
-          <a:effectRef idx="0">
-            <a:schemeClr val="accent1"/>
-          </a:effectRef>
-          <a:fontRef idx="minor">
-            <a:schemeClr val="lt1"/>
-          </a:fontRef>
-        </p:style>
-      </p:sp>
-      <p:sp>
-        <p:nvSpPr>
-          <p:cNvPr id="9" name="Rectangle 8"/>
-          <p:cNvSpPr/>
-          <p:nvPr/>
-        </p:nvSpPr>
-        <p:spPr>
-          <a:xfrm>
-            <a:off x="0" y="6334316"/>
-            <a:ext cx="12192001" cy="65998"/>
-          </a:xfrm>
-          <a:prstGeom prst="rect">
-            <a:avLst/>
-          </a:prstGeom>
-          <a:solidFill>
-            <a:schemeClr val="accent1"/>
-          </a:solidFill>
-          <a:ln>
-            <a:noFill/>
-          </a:ln>
-        </p:spPr>
-        <p:style>
-          <a:lnRef idx="2">
-            <a:schemeClr val="accent1">
-              <a:shade val="50000"/>
-            </a:schemeClr>
-          </a:lnRef>
-          <a:fillRef idx="1">
-            <a:schemeClr val="accent1"/>
-          </a:fillRef>
-          <a:effectRef idx="0">
-            <a:schemeClr val="accent1"/>
-          </a:effectRef>
-          <a:fontRef idx="minor">
-            <a:schemeClr val="lt1"/>
-          </a:fontRef>
-        </p:style>
-      </p:sp>
-      <p:sp>
-        <p:nvSpPr>
-          <p:cNvPr id="2" name="Title Placeholder 1"/>
-          <p:cNvSpPr>
-            <a:spLocks noGrp="1"/>
-          </p:cNvSpPr>
-          <p:nvPr>
-            <p:ph type="title"/>
-          </p:nvPr>
-        </p:nvSpPr>
-        <p:spPr>
-          <a:xfrm>
-            <a:off x="1097280" y="286603"/>
-            <a:ext cx="10058400" cy="1450757"/>
+            <a:off x="838200" y="365125"/>
+            <a:ext cx="10515600" cy="1325563"/>
           </a:xfrm>
           <a:prstGeom prst="rect">
             <a:avLst/>
           </a:prstGeom>
         </p:spPr>
         <p:txBody>
-          <a:bodyPr vert="horz" lIns="91440" tIns="45720" rIns="91440" bIns="45720" rtlCol="0" anchor="b">
+          <a:bodyPr vert="horz" lIns="91440" tIns="45720" rIns="91440" bIns="45720" rtlCol="0" anchor="ctr">
             <a:normAutofit/>
           </a:bodyPr>
           <a:lstStyle/>
@@ -3209,13 +3305,19 @@
               <a:rPr lang="en-US"/>
               <a:t>Click to edit Master title style</a:t>
             </a:r>
-            <a:endParaRPr lang="en-US" dirty="0"/>
-          </a:p>
-        </p:txBody>
-      </p:sp>
-      <p:sp>
-        <p:nvSpPr>
-          <p:cNvPr id="3" name="Text Placeholder 2"/>
+            <a:endParaRPr lang="en-IN"/>
+          </a:p>
+        </p:txBody>
+      </p:sp>
+      <p:sp>
+        <p:nvSpPr>
+          <p:cNvPr id="3" name="Text Placeholder 2">
+            <a:extLst>
+              <a:ext uri="{FF2B5EF4-FFF2-40B4-BE49-F238E27FC236}">
+                <a16:creationId xmlns:a16="http://schemas.microsoft.com/office/drawing/2014/main" id="{65D1C3ED-E6D6-41EF-AA7C-19941CC53BBF}"/>
+              </a:ext>
+            </a:extLst>
+          </p:cNvPr>
           <p:cNvSpPr>
             <a:spLocks noGrp="1"/>
           </p:cNvSpPr>
@@ -3225,15 +3327,15 @@
         </p:nvSpPr>
         <p:spPr>
           <a:xfrm>
-            <a:off x="1097280" y="1845734"/>
-            <a:ext cx="10058400" cy="4023360"/>
+            <a:off x="838200" y="1825625"/>
+            <a:ext cx="10515600" cy="4351338"/>
           </a:xfrm>
           <a:prstGeom prst="rect">
             <a:avLst/>
           </a:prstGeom>
         </p:spPr>
         <p:txBody>
-          <a:bodyPr vert="horz" lIns="0" tIns="45720" rIns="0" bIns="45720" rtlCol="0">
+          <a:bodyPr vert="horz" lIns="91440" tIns="45720" rIns="91440" bIns="45720" rtlCol="0">
             <a:normAutofit/>
           </a:bodyPr>
           <a:lstStyle/>
@@ -3271,13 +3373,19 @@
               <a:rPr lang="en-US"/>
               <a:t>Fifth level</a:t>
             </a:r>
-            <a:endParaRPr lang="en-US" dirty="0"/>
-          </a:p>
-        </p:txBody>
-      </p:sp>
-      <p:sp>
-        <p:nvSpPr>
-          <p:cNvPr id="4" name="Date Placeholder 3"/>
+            <a:endParaRPr lang="en-IN"/>
+          </a:p>
+        </p:txBody>
+      </p:sp>
+      <p:sp>
+        <p:nvSpPr>
+          <p:cNvPr id="4" name="Date Placeholder 3">
+            <a:extLst>
+              <a:ext uri="{FF2B5EF4-FFF2-40B4-BE49-F238E27FC236}">
+                <a16:creationId xmlns:a16="http://schemas.microsoft.com/office/drawing/2014/main" id="{3AF38A02-C0FE-4B3A-B02A-1FFF718C9592}"/>
+              </a:ext>
+            </a:extLst>
+          </p:cNvPr>
           <p:cNvSpPr>
             <a:spLocks noGrp="1"/>
           </p:cNvSpPr>
@@ -3287,8 +3395,8 @@
         </p:nvSpPr>
         <p:spPr>
           <a:xfrm>
-            <a:off x="1097280" y="6459785"/>
-            <a:ext cx="2472271" cy="365125"/>
+            <a:off x="838200" y="6356350"/>
+            <a:ext cx="2743200" cy="365125"/>
           </a:xfrm>
           <a:prstGeom prst="rect">
             <a:avLst/>
@@ -3298,9 +3406,11 @@
           <a:bodyPr vert="horz" lIns="91440" tIns="45720" rIns="91440" bIns="45720" rtlCol="0" anchor="ctr"/>
           <a:lstStyle>
             <a:lvl1pPr algn="l">
-              <a:defRPr sz="900">
+              <a:defRPr sz="1200">
                 <a:solidFill>
-                  <a:srgbClr val="FFFFFF"/>
+                  <a:schemeClr val="tx1">
+                    <a:tint val="75000"/>
+                  </a:schemeClr>
                 </a:solidFill>
               </a:defRPr>
             </a:lvl1pPr>
@@ -3317,7 +3427,13 @@
       </p:sp>
       <p:sp>
         <p:nvSpPr>
-          <p:cNvPr id="5" name="Footer Placeholder 4"/>
+          <p:cNvPr id="5" name="Footer Placeholder 4">
+            <a:extLst>
+              <a:ext uri="{FF2B5EF4-FFF2-40B4-BE49-F238E27FC236}">
+                <a16:creationId xmlns:a16="http://schemas.microsoft.com/office/drawing/2014/main" id="{D5647EC2-ABFC-43FE-BD73-74B33CDBC0CB}"/>
+              </a:ext>
+            </a:extLst>
+          </p:cNvPr>
           <p:cNvSpPr>
             <a:spLocks noGrp="1"/>
           </p:cNvSpPr>
@@ -3327,8 +3443,8 @@
         </p:nvSpPr>
         <p:spPr>
           <a:xfrm>
-            <a:off x="3686185" y="6459785"/>
-            <a:ext cx="4822804" cy="365125"/>
+            <a:off x="4038600" y="6356350"/>
+            <a:ext cx="4114800" cy="365125"/>
           </a:xfrm>
           <a:prstGeom prst="rect">
             <a:avLst/>
@@ -3338,9 +3454,11 @@
           <a:bodyPr vert="horz" lIns="91440" tIns="45720" rIns="91440" bIns="45720" rtlCol="0" anchor="ctr"/>
           <a:lstStyle>
             <a:lvl1pPr algn="ctr">
-              <a:defRPr sz="900" cap="all" baseline="0">
+              <a:defRPr sz="1200">
                 <a:solidFill>
-                  <a:srgbClr val="FFFFFF"/>
+                  <a:schemeClr val="tx1">
+                    <a:tint val="75000"/>
+                  </a:schemeClr>
                 </a:solidFill>
               </a:defRPr>
             </a:lvl1pPr>
@@ -3352,7 +3470,13 @@
       </p:sp>
       <p:sp>
         <p:nvSpPr>
-          <p:cNvPr id="6" name="Slide Number Placeholder 5"/>
+          <p:cNvPr id="6" name="Slide Number Placeholder 5">
+            <a:extLst>
+              <a:ext uri="{FF2B5EF4-FFF2-40B4-BE49-F238E27FC236}">
+                <a16:creationId xmlns:a16="http://schemas.microsoft.com/office/drawing/2014/main" id="{180111C6-A518-4AEE-9FB6-CF03B784547D}"/>
+              </a:ext>
+            </a:extLst>
+          </p:cNvPr>
           <p:cNvSpPr>
             <a:spLocks noGrp="1"/>
           </p:cNvSpPr>
@@ -3362,8 +3486,8 @@
         </p:nvSpPr>
         <p:spPr>
           <a:xfrm>
-            <a:off x="9900458" y="6459785"/>
-            <a:ext cx="1312025" cy="365125"/>
+            <a:off x="8610600" y="6356350"/>
+            <a:ext cx="2743200" cy="365125"/>
           </a:xfrm>
           <a:prstGeom prst="rect">
             <a:avLst/>
@@ -3373,9 +3497,11 @@
           <a:bodyPr vert="horz" lIns="91440" tIns="45720" rIns="91440" bIns="45720" rtlCol="0" anchor="ctr"/>
           <a:lstStyle>
             <a:lvl1pPr algn="r">
-              <a:defRPr sz="1050">
+              <a:defRPr sz="1200">
                 <a:solidFill>
-                  <a:srgbClr val="FFFFFF"/>
+                  <a:schemeClr val="tx1">
+                    <a:tint val="75000"/>
+                  </a:schemeClr>
                 </a:solidFill>
               </a:defRPr>
             </a:lvl1pPr>
@@ -3390,81 +3516,40 @@
           </a:p>
         </p:txBody>
       </p:sp>
-      <p:cxnSp>
-        <p:nvCxnSpPr>
-          <p:cNvPr id="10" name="Straight Connector 9"/>
-          <p:cNvCxnSpPr/>
-          <p:nvPr/>
-        </p:nvCxnSpPr>
-        <p:spPr>
-          <a:xfrm>
-            <a:off x="1193532" y="1737845"/>
-            <a:ext cx="9966960" cy="0"/>
-          </a:xfrm>
-          <a:prstGeom prst="line">
-            <a:avLst/>
-          </a:prstGeom>
-          <a:ln w="6350">
-            <a:solidFill>
-              <a:schemeClr val="tx1">
-                <a:lumMod val="50000"/>
-                <a:lumOff val="50000"/>
-              </a:schemeClr>
-            </a:solidFill>
-          </a:ln>
-        </p:spPr>
-        <p:style>
-          <a:lnRef idx="1">
-            <a:schemeClr val="accent1"/>
-          </a:lnRef>
-          <a:fillRef idx="0">
-            <a:schemeClr val="accent1"/>
-          </a:fillRef>
-          <a:effectRef idx="0">
-            <a:schemeClr val="accent1"/>
-          </a:effectRef>
-          <a:fontRef idx="minor">
-            <a:schemeClr val="tx1"/>
-          </a:fontRef>
-        </p:style>
-      </p:cxnSp>
     </p:spTree>
     <p:extLst>
       <p:ext uri="{BB962C8B-B14F-4D97-AF65-F5344CB8AC3E}">
-        <p14:creationId xmlns:p14="http://schemas.microsoft.com/office/powerpoint/2010/main" xmlns="" val="1160028170"/>
+        <p14:creationId xmlns:p14="http://schemas.microsoft.com/office/powerpoint/2010/main" val="575778013"/>
       </p:ext>
     </p:extLst>
   </p:cSld>
   <p:clrMap bg1="lt1" tx1="dk1" bg2="lt2" tx2="dk2" accent1="accent1" accent2="accent2" accent3="accent3" accent4="accent4" accent5="accent5" accent6="accent6" hlink="hlink" folHlink="folHlink"/>
   <p:sldLayoutIdLst>
-    <p:sldLayoutId id="2147483661" r:id="rId1"/>
-    <p:sldLayoutId id="2147483662" r:id="rId2"/>
-    <p:sldLayoutId id="2147483663" r:id="rId3"/>
-    <p:sldLayoutId id="2147483664" r:id="rId4"/>
-    <p:sldLayoutId id="2147483665" r:id="rId5"/>
-    <p:sldLayoutId id="2147483666" r:id="rId6"/>
-    <p:sldLayoutId id="2147483667" r:id="rId7"/>
-    <p:sldLayoutId id="2147483668" r:id="rId8"/>
-    <p:sldLayoutId id="2147483669" r:id="rId9"/>
-    <p:sldLayoutId id="2147483670" r:id="rId10"/>
-    <p:sldLayoutId id="2147483671" r:id="rId11"/>
+    <p:sldLayoutId id="2147483685" r:id="rId1"/>
+    <p:sldLayoutId id="2147483686" r:id="rId2"/>
+    <p:sldLayoutId id="2147483687" r:id="rId3"/>
+    <p:sldLayoutId id="2147483688" r:id="rId4"/>
+    <p:sldLayoutId id="2147483689" r:id="rId5"/>
+    <p:sldLayoutId id="2147483690" r:id="rId6"/>
+    <p:sldLayoutId id="2147483691" r:id="rId7"/>
+    <p:sldLayoutId id="2147483692" r:id="rId8"/>
+    <p:sldLayoutId id="2147483693" r:id="rId9"/>
+    <p:sldLayoutId id="2147483694" r:id="rId10"/>
+    <p:sldLayoutId id="2147483695" r:id="rId11"/>
   </p:sldLayoutIdLst>
   <p:txStyles>
     <p:titleStyle>
       <a:lvl1pPr algn="l" defTabSz="914400" rtl="0" eaLnBrk="1" latinLnBrk="0" hangingPunct="1">
         <a:lnSpc>
-          <a:spcPct val="85000"/>
+          <a:spcPct val="90000"/>
         </a:lnSpc>
         <a:spcBef>
           <a:spcPct val="0"/>
         </a:spcBef>
         <a:buNone/>
-        <a:defRPr sz="4800" kern="1200" spc="-50" baseline="0">
+        <a:defRPr sz="4400" kern="1200">
           <a:solidFill>
-            <a:schemeClr val="tx1">
-              <a:lumMod val="75000"/>
-              <a:lumOff val="25000"/>
-            </a:schemeClr>
+            <a:schemeClr val="tx1"/>
           </a:solidFill>
           <a:latin typeface="+mj-lt"/>
           <a:ea typeface="+mj-ea"/>
@@ -3473,244 +3558,162 @@
       </a:lvl1pPr>
     </p:titleStyle>
     <p:bodyStyle>
-      <a:lvl1pPr marL="91440" indent="-91440" algn="l" defTabSz="914400" rtl="0" eaLnBrk="1" latinLnBrk="0" hangingPunct="1">
+      <a:lvl1pPr marL="228600" indent="-228600" algn="l" defTabSz="914400" rtl="0" eaLnBrk="1" latinLnBrk="0" hangingPunct="1">
         <a:lnSpc>
           <a:spcPct val="90000"/>
         </a:lnSpc>
         <a:spcBef>
-          <a:spcPts val="1200"/>
+          <a:spcPts val="1000"/>
         </a:spcBef>
-        <a:spcAft>
-          <a:spcPts val="200"/>
-        </a:spcAft>
-        <a:buClr>
-          <a:schemeClr val="accent1"/>
-        </a:buClr>
-        <a:buSzPct val="100000"/>
-        <a:buFont typeface="Calibri" panose="020F0502020204030204" pitchFamily="34" charset="0"/>
-        <a:buChar char=" "/>
-        <a:defRPr sz="2000" kern="1200">
+        <a:buFont typeface="Arial" panose="020B0604020202020204" pitchFamily="34" charset="0"/>
+        <a:buChar char="•"/>
+        <a:defRPr sz="2800" kern="1200">
           <a:solidFill>
-            <a:schemeClr val="tx1">
-              <a:lumMod val="75000"/>
-              <a:lumOff val="25000"/>
-            </a:schemeClr>
+            <a:schemeClr val="tx1"/>
           </a:solidFill>
           <a:latin typeface="+mn-lt"/>
           <a:ea typeface="+mn-ea"/>
           <a:cs typeface="+mn-cs"/>
         </a:defRPr>
       </a:lvl1pPr>
-      <a:lvl2pPr marL="384048" indent="-182880" algn="l" defTabSz="914400" rtl="0" eaLnBrk="1" latinLnBrk="0" hangingPunct="1">
+      <a:lvl2pPr marL="685800" indent="-228600" algn="l" defTabSz="914400" rtl="0" eaLnBrk="1" latinLnBrk="0" hangingPunct="1">
         <a:lnSpc>
           <a:spcPct val="90000"/>
         </a:lnSpc>
         <a:spcBef>
-          <a:spcPts val="200"/>
+          <a:spcPts val="500"/>
         </a:spcBef>
-        <a:spcAft>
-          <a:spcPts val="400"/>
-        </a:spcAft>
-        <a:buClr>
-          <a:schemeClr val="accent1"/>
-        </a:buClr>
-        <a:buFont typeface="Calibri" pitchFamily="34" charset="0"/>
-        <a:buChar char="◦"/>
-        <a:defRPr sz="1800" kern="1200">
+        <a:buFont typeface="Arial" panose="020B0604020202020204" pitchFamily="34" charset="0"/>
+        <a:buChar char="•"/>
+        <a:defRPr sz="2400" kern="1200">
           <a:solidFill>
-            <a:schemeClr val="tx1">
-              <a:lumMod val="75000"/>
-              <a:lumOff val="25000"/>
-            </a:schemeClr>
+            <a:schemeClr val="tx1"/>
           </a:solidFill>
           <a:latin typeface="+mn-lt"/>
           <a:ea typeface="+mn-ea"/>
           <a:cs typeface="+mn-cs"/>
         </a:defRPr>
       </a:lvl2pPr>
-      <a:lvl3pPr marL="566928" indent="-182880" algn="l" defTabSz="914400" rtl="0" eaLnBrk="1" latinLnBrk="0" hangingPunct="1">
+      <a:lvl3pPr marL="1143000" indent="-228600" algn="l" defTabSz="914400" rtl="0" eaLnBrk="1" latinLnBrk="0" hangingPunct="1">
         <a:lnSpc>
           <a:spcPct val="90000"/>
         </a:lnSpc>
         <a:spcBef>
-          <a:spcPts val="200"/>
+          <a:spcPts val="500"/>
         </a:spcBef>
-        <a:spcAft>
-          <a:spcPts val="400"/>
-        </a:spcAft>
-        <a:buClr>
-          <a:schemeClr val="accent1"/>
-        </a:buClr>
-        <a:buFont typeface="Calibri" pitchFamily="34" charset="0"/>
-        <a:buChar char="◦"/>
-        <a:defRPr sz="1400" kern="1200">
+        <a:buFont typeface="Arial" panose="020B0604020202020204" pitchFamily="34" charset="0"/>
+        <a:buChar char="•"/>
+        <a:defRPr sz="2000" kern="1200">
           <a:solidFill>
-            <a:schemeClr val="tx1">
-              <a:lumMod val="75000"/>
-              <a:lumOff val="25000"/>
-            </a:schemeClr>
+            <a:schemeClr val="tx1"/>
           </a:solidFill>
           <a:latin typeface="+mn-lt"/>
           <a:ea typeface="+mn-ea"/>
           <a:cs typeface="+mn-cs"/>
         </a:defRPr>
       </a:lvl3pPr>
-      <a:lvl4pPr marL="749808" indent="-182880" algn="l" defTabSz="914400" rtl="0" eaLnBrk="1" latinLnBrk="0" hangingPunct="1">
+      <a:lvl4pPr marL="1600200" indent="-228600" algn="l" defTabSz="914400" rtl="0" eaLnBrk="1" latinLnBrk="0" hangingPunct="1">
         <a:lnSpc>
           <a:spcPct val="90000"/>
         </a:lnSpc>
         <a:spcBef>
-          <a:spcPts val="200"/>
+          <a:spcPts val="500"/>
         </a:spcBef>
-        <a:spcAft>
-          <a:spcPts val="400"/>
-        </a:spcAft>
-        <a:buClr>
-          <a:schemeClr val="accent1"/>
-        </a:buClr>
-        <a:buFont typeface="Calibri" pitchFamily="34" charset="0"/>
-        <a:buChar char="◦"/>
-        <a:defRPr sz="1400" kern="1200">
+        <a:buFont typeface="Arial" panose="020B0604020202020204" pitchFamily="34" charset="0"/>
+        <a:buChar char="•"/>
+        <a:defRPr sz="1800" kern="1200">
           <a:solidFill>
-            <a:schemeClr val="tx1">
-              <a:lumMod val="75000"/>
-              <a:lumOff val="25000"/>
-            </a:schemeClr>
+            <a:schemeClr val="tx1"/>
           </a:solidFill>
           <a:latin typeface="+mn-lt"/>
           <a:ea typeface="+mn-ea"/>
           <a:cs typeface="+mn-cs"/>
         </a:defRPr>
       </a:lvl4pPr>
-      <a:lvl5pPr marL="932688" indent="-182880" algn="l" defTabSz="914400" rtl="0" eaLnBrk="1" latinLnBrk="0" hangingPunct="1">
+      <a:lvl5pPr marL="2057400" indent="-228600" algn="l" defTabSz="914400" rtl="0" eaLnBrk="1" latinLnBrk="0" hangingPunct="1">
         <a:lnSpc>
           <a:spcPct val="90000"/>
         </a:lnSpc>
         <a:spcBef>
-          <a:spcPts val="200"/>
+          <a:spcPts val="500"/>
         </a:spcBef>
-        <a:spcAft>
-          <a:spcPts val="400"/>
-        </a:spcAft>
-        <a:buClr>
-          <a:schemeClr val="accent1"/>
-        </a:buClr>
-        <a:buFont typeface="Calibri" pitchFamily="34" charset="0"/>
-        <a:buChar char="◦"/>
-        <a:defRPr sz="1400" kern="1200">
+        <a:buFont typeface="Arial" panose="020B0604020202020204" pitchFamily="34" charset="0"/>
+        <a:buChar char="•"/>
+        <a:defRPr sz="1800" kern="1200">
           <a:solidFill>
-            <a:schemeClr val="tx1">
-              <a:lumMod val="75000"/>
-              <a:lumOff val="25000"/>
-            </a:schemeClr>
+            <a:schemeClr val="tx1"/>
           </a:solidFill>
           <a:latin typeface="+mn-lt"/>
           <a:ea typeface="+mn-ea"/>
           <a:cs typeface="+mn-cs"/>
         </a:defRPr>
       </a:lvl5pPr>
-      <a:lvl6pPr marL="1100000" indent="-228600" algn="l" defTabSz="914400" rtl="0" eaLnBrk="1" latinLnBrk="0" hangingPunct="1">
+      <a:lvl6pPr marL="2514600" indent="-228600" algn="l" defTabSz="914400" rtl="0" eaLnBrk="1" latinLnBrk="0" hangingPunct="1">
         <a:lnSpc>
           <a:spcPct val="90000"/>
         </a:lnSpc>
         <a:spcBef>
-          <a:spcPts val="200"/>
+          <a:spcPts val="500"/>
         </a:spcBef>
-        <a:spcAft>
-          <a:spcPts val="400"/>
-        </a:spcAft>
-        <a:buClr>
-          <a:schemeClr val="accent1"/>
-        </a:buClr>
-        <a:buFont typeface="Calibri" pitchFamily="34" charset="0"/>
-        <a:buChar char="◦"/>
-        <a:defRPr sz="1400" kern="1200">
+        <a:buFont typeface="Arial" panose="020B0604020202020204" pitchFamily="34" charset="0"/>
+        <a:buChar char="•"/>
+        <a:defRPr sz="1800" kern="1200">
           <a:solidFill>
-            <a:schemeClr val="tx1">
-              <a:lumMod val="75000"/>
-              <a:lumOff val="25000"/>
-            </a:schemeClr>
+            <a:schemeClr val="tx1"/>
           </a:solidFill>
           <a:latin typeface="+mn-lt"/>
           <a:ea typeface="+mn-ea"/>
           <a:cs typeface="+mn-cs"/>
         </a:defRPr>
       </a:lvl6pPr>
-      <a:lvl7pPr marL="1300000" indent="-228600" algn="l" defTabSz="914400" rtl="0" eaLnBrk="1" latinLnBrk="0" hangingPunct="1">
+      <a:lvl7pPr marL="2971800" indent="-228600" algn="l" defTabSz="914400" rtl="0" eaLnBrk="1" latinLnBrk="0" hangingPunct="1">
         <a:lnSpc>
           <a:spcPct val="90000"/>
         </a:lnSpc>
         <a:spcBef>
-          <a:spcPts val="200"/>
+          <a:spcPts val="500"/>
         </a:spcBef>
-        <a:spcAft>
-          <a:spcPts val="400"/>
-        </a:spcAft>
-        <a:buClr>
-          <a:schemeClr val="accent1"/>
-        </a:buClr>
-        <a:buFont typeface="Calibri" pitchFamily="34" charset="0"/>
-        <a:buChar char="◦"/>
-        <a:defRPr sz="1400" kern="1200">
+        <a:buFont typeface="Arial" panose="020B0604020202020204" pitchFamily="34" charset="0"/>
+        <a:buChar char="•"/>
+        <a:defRPr sz="1800" kern="1200">
           <a:solidFill>
-            <a:schemeClr val="tx1">
-              <a:lumMod val="75000"/>
-              <a:lumOff val="25000"/>
-            </a:schemeClr>
+            <a:schemeClr val="tx1"/>
           </a:solidFill>
           <a:latin typeface="+mn-lt"/>
           <a:ea typeface="+mn-ea"/>
           <a:cs typeface="+mn-cs"/>
         </a:defRPr>
       </a:lvl7pPr>
-      <a:lvl8pPr marL="1500000" indent="-228600" algn="l" defTabSz="914400" rtl="0" eaLnBrk="1" latinLnBrk="0" hangingPunct="1">
+      <a:lvl8pPr marL="3429000" indent="-228600" algn="l" defTabSz="914400" rtl="0" eaLnBrk="1" latinLnBrk="0" hangingPunct="1">
         <a:lnSpc>
           <a:spcPct val="90000"/>
         </a:lnSpc>
         <a:spcBef>
-          <a:spcPts val="200"/>
+          <a:spcPts val="500"/>
         </a:spcBef>
-        <a:spcAft>
-          <a:spcPts val="400"/>
-        </a:spcAft>
-        <a:buClr>
-          <a:schemeClr val="accent1"/>
-        </a:buClr>
-        <a:buFont typeface="Calibri" pitchFamily="34" charset="0"/>
-        <a:buChar char="◦"/>
-        <a:defRPr sz="1400" kern="1200">
+        <a:buFont typeface="Arial" panose="020B0604020202020204" pitchFamily="34" charset="0"/>
+        <a:buChar char="•"/>
+        <a:defRPr sz="1800" kern="1200">
           <a:solidFill>
-            <a:schemeClr val="tx1">
-              <a:lumMod val="75000"/>
-              <a:lumOff val="25000"/>
-            </a:schemeClr>
+            <a:schemeClr val="tx1"/>
           </a:solidFill>
           <a:latin typeface="+mn-lt"/>
           <a:ea typeface="+mn-ea"/>
           <a:cs typeface="+mn-cs"/>
         </a:defRPr>
       </a:lvl8pPr>
-      <a:lvl9pPr marL="1700000" indent="-228600" algn="l" defTabSz="914400" rtl="0" eaLnBrk="1" latinLnBrk="0" hangingPunct="1">
+      <a:lvl9pPr marL="3886200" indent="-228600" algn="l" defTabSz="914400" rtl="0" eaLnBrk="1" latinLnBrk="0" hangingPunct="1">
         <a:lnSpc>
           <a:spcPct val="90000"/>
         </a:lnSpc>
         <a:spcBef>
-          <a:spcPts val="200"/>
+          <a:spcPts val="500"/>
         </a:spcBef>
-        <a:spcAft>
-          <a:spcPts val="400"/>
-        </a:spcAft>
-        <a:buClr>
-          <a:schemeClr val="accent1"/>
-        </a:buClr>
-        <a:buFont typeface="Calibri" pitchFamily="34" charset="0"/>
-        <a:buChar char="◦"/>
-        <a:defRPr sz="1400" kern="1200">
+        <a:buFont typeface="Arial" panose="020B0604020202020204" pitchFamily="34" charset="0"/>
+        <a:buChar char="•"/>
+        <a:defRPr sz="1800" kern="1200">
           <a:solidFill>
-            <a:schemeClr val="tx1">
-              <a:lumMod val="75000"/>
-              <a:lumOff val="25000"/>
-            </a:schemeClr>
+            <a:schemeClr val="tx1"/>
           </a:solidFill>
           <a:latin typeface="+mn-lt"/>
           <a:ea typeface="+mn-ea"/>
@@ -3839,7 +3842,7 @@
           <p:cNvPr id="2" name="Title 1">
             <a:extLst>
               <a:ext uri="{FF2B5EF4-FFF2-40B4-BE49-F238E27FC236}">
-                <a16:creationId xmlns:a16="http://schemas.microsoft.com/office/drawing/2014/main" xmlns="" id="{EB4047B3-FA6F-40D3-8643-6BAD6F314E1B}"/>
+                <a16:creationId xmlns:a16="http://schemas.microsoft.com/office/drawing/2014/main" id="{EB4047B3-FA6F-40D3-8643-6BAD6F314E1B}"/>
               </a:ext>
             </a:extLst>
           </p:cNvPr>
@@ -3865,7 +3868,2826 @@
     </p:spTree>
     <p:extLst>
       <p:ext uri="{BB962C8B-B14F-4D97-AF65-F5344CB8AC3E}">
-        <p14:creationId xmlns:p14="http://schemas.microsoft.com/office/powerpoint/2010/main" xmlns="" val="401446999"/>
+        <p14:creationId xmlns:p14="http://schemas.microsoft.com/office/powerpoint/2010/main" val="401446999"/>
+      </p:ext>
+    </p:extLst>
+  </p:cSld>
+  <p:clrMapOvr>
+    <a:masterClrMapping/>
+  </p:clrMapOvr>
+</p:sld>
+</file>
+
+<file path=ppt/slides/slide10.xml><?xml version="1.0" encoding="utf-8"?>
+<p:sld xmlns:a="http://schemas.openxmlformats.org/drawingml/2006/main" xmlns:r="http://schemas.openxmlformats.org/officeDocument/2006/relationships" xmlns:p="http://schemas.openxmlformats.org/presentationml/2006/main">
+  <p:cSld>
+    <p:spTree>
+      <p:nvGrpSpPr>
+        <p:cNvPr id="1" name=""/>
+        <p:cNvGrpSpPr/>
+        <p:nvPr/>
+      </p:nvGrpSpPr>
+      <p:grpSpPr>
+        <a:xfrm>
+          <a:off x="0" y="0"/>
+          <a:ext cx="0" cy="0"/>
+          <a:chOff x="0" y="0"/>
+          <a:chExt cx="0" cy="0"/>
+        </a:xfrm>
+      </p:grpSpPr>
+      <p:sp>
+        <p:nvSpPr>
+          <p:cNvPr id="3" name="Content Placeholder 2">
+            <a:extLst>
+              <a:ext uri="{FF2B5EF4-FFF2-40B4-BE49-F238E27FC236}">
+                <a16:creationId xmlns:a16="http://schemas.microsoft.com/office/drawing/2014/main" id="{0D93B593-BDA5-45CD-983D-E028A8F313B9}"/>
+              </a:ext>
+            </a:extLst>
+          </p:cNvPr>
+          <p:cNvSpPr>
+            <a:spLocks noGrp="1"/>
+          </p:cNvSpPr>
+          <p:nvPr>
+            <p:ph idx="1"/>
+          </p:nvPr>
+        </p:nvSpPr>
+        <p:spPr>
+          <a:xfrm>
+            <a:off x="838200" y="506777"/>
+            <a:ext cx="10515600" cy="6276975"/>
+          </a:xfrm>
+        </p:spPr>
+        <p:txBody>
+          <a:bodyPr>
+            <a:normAutofit/>
+          </a:bodyPr>
+          <a:lstStyle/>
+          <a:p>
+            <a:pPr marL="0" indent="0" algn="just">
+              <a:lnSpc>
+                <a:spcPct val="107000"/>
+              </a:lnSpc>
+              <a:spcAft>
+                <a:spcPts val="800"/>
+              </a:spcAft>
+              <a:buNone/>
+              <a:tabLst>
+                <a:tab pos="3589020" algn="l"/>
+              </a:tabLst>
+            </a:pPr>
+            <a:endParaRPr lang="en-IN" sz="1400" dirty="0">
+              <a:effectLst/>
+              <a:latin typeface="Times New Roman" panose="02020603050405020304" pitchFamily="18" charset="0"/>
+              <a:ea typeface="Calibri" panose="020F0502020204030204" pitchFamily="34" charset="0"/>
+            </a:endParaRPr>
+          </a:p>
+          <a:p>
+            <a:pPr algn="just">
+              <a:lnSpc>
+                <a:spcPct val="107000"/>
+              </a:lnSpc>
+              <a:spcAft>
+                <a:spcPts val="800"/>
+              </a:spcAft>
+              <a:buFont typeface="Wingdings" panose="05000000000000000000" pitchFamily="2" charset="2"/>
+              <a:buChar char="q"/>
+              <a:tabLst>
+                <a:tab pos="3589020" algn="l"/>
+              </a:tabLst>
+            </a:pPr>
+            <a:r>
+              <a:rPr lang="en-IN" sz="2000" b="1" dirty="0">
+                <a:effectLst/>
+                <a:latin typeface="Times New Roman" panose="02020603050405020304" pitchFamily="18" charset="0"/>
+                <a:ea typeface="Calibri" panose="020F0502020204030204" pitchFamily="34" charset="0"/>
+              </a:rPr>
+              <a:t> </a:t>
+            </a:r>
+            <a:r>
+              <a:rPr lang="en-IN" sz="1800" b="1" dirty="0">
+                <a:effectLst/>
+                <a:latin typeface="Times New Roman" panose="02020603050405020304" pitchFamily="18" charset="0"/>
+                <a:ea typeface="Calibri" panose="020F0502020204030204" pitchFamily="34" charset="0"/>
+              </a:rPr>
+              <a:t>Experiments </a:t>
+            </a:r>
+            <a:r>
+              <a:rPr lang="en-IN" sz="1800" dirty="0">
+                <a:effectLst/>
+                <a:latin typeface="Times New Roman" panose="02020603050405020304" pitchFamily="18" charset="0"/>
+                <a:ea typeface="Calibri" panose="020F0502020204030204" pitchFamily="34" charset="0"/>
+              </a:rPr>
+              <a:t>: </a:t>
+            </a:r>
+          </a:p>
+          <a:p>
+            <a:pPr marL="800100" lvl="1" indent="-342900" algn="just">
+              <a:lnSpc>
+                <a:spcPct val="107000"/>
+              </a:lnSpc>
+              <a:buFont typeface="Wingdings" panose="05000000000000000000" pitchFamily="2" charset="2"/>
+              <a:buChar char=""/>
+              <a:tabLst>
+                <a:tab pos="3589020" algn="l"/>
+              </a:tabLst>
+            </a:pPr>
+            <a:r>
+              <a:rPr lang="en-IN" sz="1800" dirty="0">
+                <a:effectLst/>
+                <a:latin typeface="Times New Roman" panose="02020603050405020304" pitchFamily="18" charset="0"/>
+                <a:ea typeface="Calibri" panose="020F0502020204030204" pitchFamily="34" charset="0"/>
+              </a:rPr>
+              <a:t>Text descriptors : VGG-16 and BERT</a:t>
+            </a:r>
+          </a:p>
+          <a:p>
+            <a:pPr marL="800100" lvl="1" indent="-342900" algn="just">
+              <a:lnSpc>
+                <a:spcPct val="107000"/>
+              </a:lnSpc>
+              <a:buFont typeface="Wingdings" panose="05000000000000000000" pitchFamily="2" charset="2"/>
+              <a:buChar char=""/>
+              <a:tabLst>
+                <a:tab pos="3589020" algn="l"/>
+              </a:tabLst>
+            </a:pPr>
+            <a:r>
+              <a:rPr lang="en-IN" sz="1800" dirty="0">
+                <a:effectLst/>
+                <a:latin typeface="Times New Roman" panose="02020603050405020304" pitchFamily="18" charset="0"/>
+                <a:ea typeface="Calibri" panose="020F0502020204030204" pitchFamily="34" charset="0"/>
+              </a:rPr>
+              <a:t>Classifier : A Multi-Layer Perceptron (MLP) with two Hidden Layers, Hidden size = 100</a:t>
+            </a:r>
+          </a:p>
+          <a:p>
+            <a:pPr marL="800100" lvl="1" indent="-342900" algn="just">
+              <a:lnSpc>
+                <a:spcPct val="107000"/>
+              </a:lnSpc>
+              <a:buFont typeface="Wingdings" panose="05000000000000000000" pitchFamily="2" charset="2"/>
+              <a:buChar char=""/>
+              <a:tabLst>
+                <a:tab pos="3589020" algn="l"/>
+              </a:tabLst>
+            </a:pPr>
+            <a:r>
+              <a:rPr lang="en-IN" sz="1800" dirty="0">
+                <a:effectLst/>
+                <a:latin typeface="Times New Roman" panose="02020603050405020304" pitchFamily="18" charset="0"/>
+                <a:ea typeface="Calibri" panose="020F0502020204030204" pitchFamily="34" charset="0"/>
+              </a:rPr>
+              <a:t>Optimizer: SGD with momentum, learning rate = 0.01, momentum = 0.9, Batch size = 30.</a:t>
+            </a:r>
+          </a:p>
+          <a:p>
+            <a:pPr marL="800100" lvl="1" indent="-342900" algn="just">
+              <a:lnSpc>
+                <a:spcPct val="107000"/>
+              </a:lnSpc>
+              <a:spcAft>
+                <a:spcPts val="800"/>
+              </a:spcAft>
+              <a:buFont typeface="Wingdings" panose="05000000000000000000" pitchFamily="2" charset="2"/>
+              <a:buChar char=""/>
+              <a:tabLst>
+                <a:tab pos="3589020" algn="l"/>
+              </a:tabLst>
+            </a:pPr>
+            <a:r>
+              <a:rPr lang="en-IN" sz="1800" dirty="0">
+                <a:effectLst/>
+                <a:latin typeface="Times New Roman" panose="02020603050405020304" pitchFamily="18" charset="0"/>
+                <a:ea typeface="Calibri" panose="020F0502020204030204" pitchFamily="34" charset="0"/>
+              </a:rPr>
+              <a:t>Result : Large loss functions.</a:t>
+            </a:r>
+          </a:p>
+          <a:p>
+            <a:pPr marL="0" indent="0" algn="just">
+              <a:lnSpc>
+                <a:spcPct val="107000"/>
+              </a:lnSpc>
+              <a:spcAft>
+                <a:spcPts val="800"/>
+              </a:spcAft>
+              <a:buNone/>
+              <a:tabLst>
+                <a:tab pos="3589020" algn="l"/>
+              </a:tabLst>
+            </a:pPr>
+            <a:r>
+              <a:rPr lang="en-IN" sz="1800" dirty="0">
+                <a:effectLst/>
+                <a:latin typeface="Times New Roman" panose="02020603050405020304" pitchFamily="18" charset="0"/>
+                <a:ea typeface="Calibri" panose="020F0502020204030204" pitchFamily="34" charset="0"/>
+              </a:rPr>
+              <a:t> </a:t>
+            </a:r>
+          </a:p>
+          <a:p>
+            <a:pPr marL="800100" lvl="1" indent="-342900" algn="just">
+              <a:lnSpc>
+                <a:spcPct val="107000"/>
+              </a:lnSpc>
+              <a:buFont typeface="Wingdings" panose="05000000000000000000" pitchFamily="2" charset="2"/>
+              <a:buChar char=""/>
+              <a:tabLst>
+                <a:tab pos="3589020" algn="l"/>
+              </a:tabLst>
+            </a:pPr>
+            <a:r>
+              <a:rPr lang="en-IN" sz="1800" dirty="0">
+                <a:effectLst/>
+                <a:latin typeface="Times New Roman" panose="02020603050405020304" pitchFamily="18" charset="0"/>
+                <a:ea typeface="Calibri" panose="020F0502020204030204" pitchFamily="34" charset="0"/>
+              </a:rPr>
+              <a:t>Optimizer : Adam with β1 = 0.9 and β2 = 0.999.</a:t>
+            </a:r>
+          </a:p>
+          <a:p>
+            <a:pPr lvl="3" algn="just">
+              <a:lnSpc>
+                <a:spcPct val="107000"/>
+              </a:lnSpc>
+              <a:spcAft>
+                <a:spcPts val="800"/>
+              </a:spcAft>
+              <a:buFont typeface="+mj-lt"/>
+              <a:buAutoNum type="romanLcPeriod"/>
+              <a:tabLst>
+                <a:tab pos="3589020" algn="l"/>
+              </a:tabLst>
+            </a:pPr>
+            <a:r>
+              <a:rPr lang="en-IN" dirty="0">
+                <a:effectLst/>
+                <a:latin typeface="Times New Roman" panose="02020603050405020304" pitchFamily="18" charset="0"/>
+                <a:ea typeface="Calibri" panose="020F0502020204030204" pitchFamily="34" charset="0"/>
+              </a:rPr>
+              <a:t>Improved accuracy (84%)</a:t>
+            </a:r>
+          </a:p>
+          <a:p>
+            <a:pPr marL="1371600" lvl="3" indent="0" algn="just">
+              <a:lnSpc>
+                <a:spcPct val="107000"/>
+              </a:lnSpc>
+              <a:spcAft>
+                <a:spcPts val="800"/>
+              </a:spcAft>
+              <a:buNone/>
+              <a:tabLst>
+                <a:tab pos="3589020" algn="l"/>
+              </a:tabLst>
+            </a:pPr>
+            <a:endParaRPr lang="en-IN" dirty="0">
+              <a:effectLst/>
+              <a:latin typeface="Times New Roman" panose="02020603050405020304" pitchFamily="18" charset="0"/>
+              <a:ea typeface="Calibri" panose="020F0502020204030204" pitchFamily="34" charset="0"/>
+            </a:endParaRPr>
+          </a:p>
+          <a:p>
+            <a:pPr algn="just">
+              <a:lnSpc>
+                <a:spcPct val="107000"/>
+              </a:lnSpc>
+              <a:spcAft>
+                <a:spcPts val="800"/>
+              </a:spcAft>
+              <a:tabLst>
+                <a:tab pos="3589020" algn="l"/>
+              </a:tabLst>
+            </a:pPr>
+            <a:r>
+              <a:rPr lang="en-IN" sz="1800" dirty="0">
+                <a:effectLst/>
+                <a:latin typeface="Times New Roman" panose="02020603050405020304" pitchFamily="18" charset="0"/>
+                <a:ea typeface="Calibri" panose="020F0502020204030204" pitchFamily="34" charset="0"/>
+              </a:rPr>
+              <a:t>Possible Other Descriptor : XLNET model which has been proved to outperform BERT.</a:t>
+            </a:r>
+          </a:p>
+          <a:p>
+            <a:pPr marL="0" indent="0">
+              <a:buNone/>
+            </a:pPr>
+            <a:endParaRPr lang="en-IN" dirty="0"/>
+          </a:p>
+        </p:txBody>
+      </p:sp>
+    </p:spTree>
+    <p:extLst>
+      <p:ext uri="{BB962C8B-B14F-4D97-AF65-F5344CB8AC3E}">
+        <p14:creationId xmlns:p14="http://schemas.microsoft.com/office/powerpoint/2010/main" val="2021721331"/>
+      </p:ext>
+    </p:extLst>
+  </p:cSld>
+  <p:clrMapOvr>
+    <a:masterClrMapping/>
+  </p:clrMapOvr>
+</p:sld>
+</file>
+
+<file path=ppt/slides/slide11.xml><?xml version="1.0" encoding="utf-8"?>
+<p:sld xmlns:a="http://schemas.openxmlformats.org/drawingml/2006/main" xmlns:r="http://schemas.openxmlformats.org/officeDocument/2006/relationships" xmlns:p="http://schemas.openxmlformats.org/presentationml/2006/main">
+  <p:cSld>
+    <p:spTree>
+      <p:nvGrpSpPr>
+        <p:cNvPr id="1" name=""/>
+        <p:cNvGrpSpPr/>
+        <p:nvPr/>
+      </p:nvGrpSpPr>
+      <p:grpSpPr>
+        <a:xfrm>
+          <a:off x="0" y="0"/>
+          <a:ext cx="0" cy="0"/>
+          <a:chOff x="0" y="0"/>
+          <a:chExt cx="0" cy="0"/>
+        </a:xfrm>
+      </p:grpSpPr>
+      <p:sp>
+        <p:nvSpPr>
+          <p:cNvPr id="2" name="Title 1"/>
+          <p:cNvSpPr>
+            <a:spLocks noGrp="1"/>
+          </p:cNvSpPr>
+          <p:nvPr>
+            <p:ph type="title"/>
+          </p:nvPr>
+        </p:nvSpPr>
+        <p:spPr>
+          <a:xfrm>
+            <a:off x="761218" y="855394"/>
+            <a:ext cx="10515600" cy="1356360"/>
+          </a:xfrm>
+        </p:spPr>
+        <p:txBody>
+          <a:bodyPr>
+            <a:normAutofit/>
+          </a:bodyPr>
+          <a:lstStyle/>
+          <a:p>
+            <a:pPr marL="342900" indent="-342900">
+              <a:buFont typeface="Wingdings" panose="05000000000000000000" pitchFamily="2" charset="2"/>
+              <a:buChar char="q"/>
+            </a:pPr>
+            <a:r>
+              <a:rPr lang="en-US" sz="2200" dirty="0">
+                <a:latin typeface="Times New Roman" panose="02020603050405020304" pitchFamily="18" charset="0"/>
+                <a:cs typeface="Times New Roman" panose="02020603050405020304" pitchFamily="18" charset="0"/>
+              </a:rPr>
+              <a:t>Conclusion : </a:t>
+            </a:r>
+            <a:br>
+              <a:rPr lang="en-US" sz="2200" dirty="0">
+                <a:latin typeface="Times New Roman" panose="02020603050405020304" pitchFamily="18" charset="0"/>
+                <a:cs typeface="Times New Roman" panose="02020603050405020304" pitchFamily="18" charset="0"/>
+              </a:rPr>
+            </a:br>
+            <a:br>
+              <a:rPr lang="en-US" sz="2200" dirty="0">
+                <a:latin typeface="Times New Roman" panose="02020603050405020304" pitchFamily="18" charset="0"/>
+                <a:cs typeface="Times New Roman" panose="02020603050405020304" pitchFamily="18" charset="0"/>
+              </a:rPr>
+            </a:br>
+            <a:r>
+              <a:rPr lang="en-IN" sz="2000" dirty="0">
+                <a:effectLst/>
+                <a:latin typeface="Times New Roman" panose="02020603050405020304" pitchFamily="18" charset="0"/>
+                <a:ea typeface="Calibri" panose="020F0502020204030204" pitchFamily="34" charset="0"/>
+              </a:rPr>
+              <a:t>The quality of the annotations </a:t>
+            </a:r>
+            <a:r>
+              <a:rPr lang="en-IN" sz="2000" dirty="0">
+                <a:latin typeface="Times New Roman" panose="02020603050405020304" pitchFamily="18" charset="0"/>
+                <a:ea typeface="Calibri" panose="020F0502020204030204" pitchFamily="34" charset="0"/>
+              </a:rPr>
+              <a:t>was </a:t>
+            </a:r>
+            <a:r>
+              <a:rPr lang="en-IN" sz="2000" dirty="0">
+                <a:effectLst/>
+                <a:latin typeface="Times New Roman" panose="02020603050405020304" pitchFamily="18" charset="0"/>
+                <a:ea typeface="Calibri" panose="020F0502020204030204" pitchFamily="34" charset="0"/>
+              </a:rPr>
+              <a:t>very bad, and this has probably been one of the main limitation of the project and reasons to get much worse training and evaluation of the model.</a:t>
+            </a:r>
+            <a:endParaRPr lang="en-IN" sz="2200" dirty="0">
+              <a:latin typeface="Times New Roman" panose="02020603050405020304" pitchFamily="18" charset="0"/>
+              <a:cs typeface="Times New Roman" panose="02020603050405020304" pitchFamily="18" charset="0"/>
+            </a:endParaRPr>
+          </a:p>
+        </p:txBody>
+      </p:sp>
+    </p:spTree>
+  </p:cSld>
+  <p:clrMapOvr>
+    <a:masterClrMapping/>
+  </p:clrMapOvr>
+</p:sld>
+</file>
+
+<file path=ppt/slides/slide12.xml><?xml version="1.0" encoding="utf-8"?>
+<p:sld xmlns:a="http://schemas.openxmlformats.org/drawingml/2006/main" xmlns:r="http://schemas.openxmlformats.org/officeDocument/2006/relationships" xmlns:p="http://schemas.openxmlformats.org/presentationml/2006/main">
+  <p:cSld>
+    <p:spTree>
+      <p:nvGrpSpPr>
+        <p:cNvPr id="1" name=""/>
+        <p:cNvGrpSpPr/>
+        <p:nvPr/>
+      </p:nvGrpSpPr>
+      <p:grpSpPr>
+        <a:xfrm>
+          <a:off x="0" y="0"/>
+          <a:ext cx="0" cy="0"/>
+          <a:chOff x="0" y="0"/>
+          <a:chExt cx="0" cy="0"/>
+        </a:xfrm>
+      </p:grpSpPr>
+      <p:sp>
+        <p:nvSpPr>
+          <p:cNvPr id="3" name="Content Placeholder 2">
+            <a:extLst>
+              <a:ext uri="{FF2B5EF4-FFF2-40B4-BE49-F238E27FC236}">
+                <a16:creationId xmlns:a16="http://schemas.microsoft.com/office/drawing/2014/main" id="{99E366F7-220A-477A-874E-156994C8FFAE}"/>
+              </a:ext>
+            </a:extLst>
+          </p:cNvPr>
+          <p:cNvSpPr>
+            <a:spLocks noGrp="1"/>
+          </p:cNvSpPr>
+          <p:nvPr>
+            <p:ph idx="1"/>
+          </p:nvPr>
+        </p:nvSpPr>
+        <p:spPr>
+          <a:xfrm>
+            <a:off x="838200" y="942486"/>
+            <a:ext cx="10515600" cy="5223852"/>
+          </a:xfrm>
+        </p:spPr>
+        <p:txBody>
+          <a:bodyPr/>
+          <a:lstStyle/>
+          <a:p>
+            <a:pPr>
+              <a:lnSpc>
+                <a:spcPct val="107000"/>
+              </a:lnSpc>
+              <a:spcAft>
+                <a:spcPts val="800"/>
+              </a:spcAft>
+              <a:tabLst>
+                <a:tab pos="3589020" algn="l"/>
+              </a:tabLst>
+            </a:pPr>
+            <a:r>
+              <a:rPr lang="en-IN" sz="1800" b="1" dirty="0">
+                <a:effectLst/>
+                <a:latin typeface="Times New Roman" panose="02020603050405020304" pitchFamily="18" charset="0"/>
+                <a:ea typeface="Calibri" panose="020F0502020204030204" pitchFamily="34" charset="0"/>
+              </a:rPr>
+              <a:t>Reference  Paper 2 : “</a:t>
+            </a:r>
+            <a:r>
+              <a:rPr lang="en-IN" sz="1800" dirty="0">
+                <a:effectLst/>
+                <a:latin typeface="Times New Roman" panose="02020603050405020304" pitchFamily="18" charset="0"/>
+                <a:ea typeface="Calibri" panose="020F0502020204030204" pitchFamily="34" charset="0"/>
+              </a:rPr>
+              <a:t>VISUALBERT: A SIMPLE AND PERFORMANT BASELINE FOR VISION AND LANGUAGE”</a:t>
+            </a:r>
+          </a:p>
+          <a:p>
+            <a:pPr algn="just">
+              <a:lnSpc>
+                <a:spcPct val="107000"/>
+              </a:lnSpc>
+              <a:spcAft>
+                <a:spcPts val="800"/>
+              </a:spcAft>
+              <a:tabLst>
+                <a:tab pos="3589020" algn="l"/>
+              </a:tabLst>
+            </a:pPr>
+            <a:r>
+              <a:rPr lang="en-IN" sz="1800" dirty="0">
+                <a:effectLst/>
+                <a:latin typeface="Times New Roman" panose="02020603050405020304" pitchFamily="18" charset="0"/>
+                <a:ea typeface="Calibri" panose="020F0502020204030204" pitchFamily="34" charset="0"/>
+              </a:rPr>
+              <a:t>Authors: Liunian Harold Li, Mark Yatskar, Da Yin , Cho-</a:t>
+            </a:r>
+            <a:r>
+              <a:rPr lang="en-IN" sz="1800" dirty="0" err="1">
+                <a:effectLst/>
+                <a:latin typeface="Times New Roman" panose="02020603050405020304" pitchFamily="18" charset="0"/>
+                <a:ea typeface="Calibri" panose="020F0502020204030204" pitchFamily="34" charset="0"/>
+              </a:rPr>
+              <a:t>Jui</a:t>
+            </a:r>
+            <a:r>
+              <a:rPr lang="en-IN" sz="1800" dirty="0">
+                <a:effectLst/>
+                <a:latin typeface="Times New Roman" panose="02020603050405020304" pitchFamily="18" charset="0"/>
+                <a:ea typeface="Calibri" panose="020F0502020204030204" pitchFamily="34" charset="0"/>
+              </a:rPr>
+              <a:t> Hsieh &amp;   Kai-Wei Chang</a:t>
+            </a:r>
+          </a:p>
+          <a:p>
+            <a:pPr algn="just">
+              <a:lnSpc>
+                <a:spcPct val="107000"/>
+              </a:lnSpc>
+              <a:spcAft>
+                <a:spcPts val="800"/>
+              </a:spcAft>
+              <a:tabLst>
+                <a:tab pos="3589020" algn="l"/>
+              </a:tabLst>
+            </a:pPr>
+            <a:r>
+              <a:rPr lang="en-IN" sz="1800" dirty="0">
+                <a:effectLst/>
+                <a:latin typeface="Times New Roman" panose="02020603050405020304" pitchFamily="18" charset="0"/>
+                <a:ea typeface="Calibri" panose="020F0502020204030204" pitchFamily="34" charset="0"/>
+              </a:rPr>
+              <a:t>Credential: University of California, Los Angeles, Allen Institute for Artificial Intelligence, Peking University.</a:t>
+            </a:r>
+          </a:p>
+          <a:p>
+            <a:pPr marL="0" indent="0">
+              <a:lnSpc>
+                <a:spcPct val="107000"/>
+              </a:lnSpc>
+              <a:spcAft>
+                <a:spcPts val="800"/>
+              </a:spcAft>
+              <a:buNone/>
+              <a:tabLst>
+                <a:tab pos="3589020" algn="l"/>
+              </a:tabLst>
+            </a:pPr>
+            <a:r>
+              <a:rPr lang="en-IN" sz="1800" dirty="0">
+                <a:effectLst/>
+                <a:latin typeface="Times New Roman" panose="02020603050405020304" pitchFamily="18" charset="0"/>
+                <a:ea typeface="Calibri" panose="020F0502020204030204" pitchFamily="34" charset="0"/>
+              </a:rPr>
+              <a:t> </a:t>
+            </a:r>
+          </a:p>
+          <a:p>
+            <a:pPr>
+              <a:lnSpc>
+                <a:spcPct val="107000"/>
+              </a:lnSpc>
+              <a:spcAft>
+                <a:spcPts val="800"/>
+              </a:spcAft>
+              <a:buFont typeface="Wingdings" panose="05000000000000000000" pitchFamily="2" charset="2"/>
+              <a:buChar char="q"/>
+              <a:tabLst>
+                <a:tab pos="3589020" algn="l"/>
+              </a:tabLst>
+            </a:pPr>
+            <a:r>
+              <a:rPr lang="en-IN" sz="1800" b="1" dirty="0">
+                <a:effectLst/>
+                <a:latin typeface="Times New Roman" panose="02020603050405020304" pitchFamily="18" charset="0"/>
+                <a:ea typeface="Calibri" panose="020F0502020204030204" pitchFamily="34" charset="0"/>
+              </a:rPr>
+              <a:t>Work Summary</a:t>
+            </a:r>
+            <a:r>
+              <a:rPr lang="en-IN" sz="1800" dirty="0">
+                <a:effectLst/>
+                <a:latin typeface="Times New Roman" panose="02020603050405020304" pitchFamily="18" charset="0"/>
+                <a:ea typeface="Calibri" panose="020F0502020204030204" pitchFamily="34" charset="0"/>
+              </a:rPr>
+              <a:t> : They propose VisualBERT, a simple and flexible framework for modeling a broad range of vision-and-language tasks.</a:t>
+            </a:r>
+          </a:p>
+          <a:p>
+            <a:pPr lvl="1">
+              <a:lnSpc>
+                <a:spcPct val="107000"/>
+              </a:lnSpc>
+              <a:spcAft>
+                <a:spcPts val="800"/>
+              </a:spcAft>
+              <a:tabLst>
+                <a:tab pos="3589020" algn="l"/>
+              </a:tabLst>
+            </a:pPr>
+            <a:r>
+              <a:rPr lang="en-IN" sz="1800" dirty="0">
+                <a:effectLst/>
+                <a:latin typeface="Times New Roman" panose="02020603050405020304" pitchFamily="18" charset="0"/>
+                <a:ea typeface="Calibri" panose="020F0502020204030204" pitchFamily="34" charset="0"/>
+              </a:rPr>
+              <a:t>Further they propose two visually-grounded language model objectives for pre-training VisualBERT on image caption data.</a:t>
+            </a:r>
+          </a:p>
+          <a:p>
+            <a:pPr marL="0" indent="0">
+              <a:buNone/>
+            </a:pPr>
+            <a:endParaRPr lang="en-IN" dirty="0"/>
+          </a:p>
+        </p:txBody>
+      </p:sp>
+    </p:spTree>
+    <p:extLst>
+      <p:ext uri="{BB962C8B-B14F-4D97-AF65-F5344CB8AC3E}">
+        <p14:creationId xmlns:p14="http://schemas.microsoft.com/office/powerpoint/2010/main" val="2749569076"/>
+      </p:ext>
+    </p:extLst>
+  </p:cSld>
+  <p:clrMapOvr>
+    <a:masterClrMapping/>
+  </p:clrMapOvr>
+</p:sld>
+</file>
+
+<file path=ppt/slides/slide13.xml><?xml version="1.0" encoding="utf-8"?>
+<p:sld xmlns:a="http://schemas.openxmlformats.org/drawingml/2006/main" xmlns:r="http://schemas.openxmlformats.org/officeDocument/2006/relationships" xmlns:p="http://schemas.openxmlformats.org/presentationml/2006/main">
+  <p:cSld>
+    <p:spTree>
+      <p:nvGrpSpPr>
+        <p:cNvPr id="1" name=""/>
+        <p:cNvGrpSpPr/>
+        <p:nvPr/>
+      </p:nvGrpSpPr>
+      <p:grpSpPr>
+        <a:xfrm>
+          <a:off x="0" y="0"/>
+          <a:ext cx="0" cy="0"/>
+          <a:chOff x="0" y="0"/>
+          <a:chExt cx="0" cy="0"/>
+        </a:xfrm>
+      </p:grpSpPr>
+      <p:sp>
+        <p:nvSpPr>
+          <p:cNvPr id="6" name="Title 4">
+            <a:extLst>
+              <a:ext uri="{FF2B5EF4-FFF2-40B4-BE49-F238E27FC236}">
+                <a16:creationId xmlns:a16="http://schemas.microsoft.com/office/drawing/2014/main" id="{4AD59CED-324C-44C4-A86B-74BE3D858539}"/>
+              </a:ext>
+            </a:extLst>
+          </p:cNvPr>
+          <p:cNvSpPr>
+            <a:spLocks noGrp="1"/>
+          </p:cNvSpPr>
+          <p:nvPr>
+            <p:ph idx="1"/>
+          </p:nvPr>
+        </p:nvSpPr>
+        <p:spPr>
+          <a:xfrm>
+            <a:off x="765908" y="424974"/>
+            <a:ext cx="11254154" cy="6433026"/>
+          </a:xfrm>
+        </p:spPr>
+        <p:txBody>
+          <a:bodyPr>
+            <a:normAutofit fontScale="25000" lnSpcReduction="20000"/>
+          </a:bodyPr>
+          <a:lstStyle/>
+          <a:p>
+            <a:pPr>
+              <a:lnSpc>
+                <a:spcPct val="107000"/>
+              </a:lnSpc>
+              <a:spcAft>
+                <a:spcPts val="800"/>
+              </a:spcAft>
+              <a:buFont typeface="Wingdings" panose="05000000000000000000" pitchFamily="2" charset="2"/>
+              <a:buChar char="q"/>
+              <a:tabLst>
+                <a:tab pos="3589020" algn="l"/>
+              </a:tabLst>
+            </a:pPr>
+            <a:r>
+              <a:rPr lang="en-IN" sz="6400" b="1" dirty="0">
+                <a:effectLst/>
+                <a:latin typeface="Times New Roman" panose="02020603050405020304" pitchFamily="18" charset="0"/>
+                <a:ea typeface="Calibri" panose="020F0502020204030204" pitchFamily="34" charset="0"/>
+              </a:rPr>
+              <a:t>Introduction : </a:t>
+            </a:r>
+            <a:endParaRPr lang="en-IN" sz="6400" dirty="0">
+              <a:effectLst/>
+              <a:latin typeface="Times New Roman" panose="02020603050405020304" pitchFamily="18" charset="0"/>
+              <a:ea typeface="Calibri" panose="020F0502020204030204" pitchFamily="34" charset="0"/>
+            </a:endParaRPr>
+          </a:p>
+          <a:p>
+            <a:pPr>
+              <a:lnSpc>
+                <a:spcPct val="107000"/>
+              </a:lnSpc>
+              <a:spcAft>
+                <a:spcPts val="800"/>
+              </a:spcAft>
+              <a:tabLst>
+                <a:tab pos="3589020" algn="l"/>
+              </a:tabLst>
+            </a:pPr>
+            <a:r>
+              <a:rPr lang="en-IN" sz="6400" dirty="0">
+                <a:effectLst/>
+                <a:latin typeface="Times New Roman" panose="02020603050405020304" pitchFamily="18" charset="0"/>
+                <a:ea typeface="Calibri" panose="020F0502020204030204" pitchFamily="34" charset="0"/>
+              </a:rPr>
+              <a:t>VisualBERT, a simple and flexible model designed for capturing rich semantics in the image and associated text.	</a:t>
+            </a:r>
+          </a:p>
+          <a:p>
+            <a:pPr marL="0" indent="0">
+              <a:lnSpc>
+                <a:spcPct val="107000"/>
+              </a:lnSpc>
+              <a:spcAft>
+                <a:spcPts val="800"/>
+              </a:spcAft>
+              <a:buNone/>
+              <a:tabLst>
+                <a:tab pos="3589020" algn="l"/>
+              </a:tabLst>
+            </a:pPr>
+            <a:r>
+              <a:rPr lang="en-IN" sz="6400" dirty="0">
+                <a:effectLst/>
+                <a:latin typeface="Times New Roman" panose="02020603050405020304" pitchFamily="18" charset="0"/>
+                <a:ea typeface="Calibri" panose="020F0502020204030204" pitchFamily="34" charset="0"/>
+              </a:rPr>
+              <a:t>          1. VisualBERT : Integration of  “BERT” a recent Transformer-based model for natural language processing, and pretrained object proposals systems such as “Faster-RCNN”.</a:t>
+            </a:r>
+          </a:p>
+          <a:p>
+            <a:pPr marL="0" indent="0">
+              <a:lnSpc>
+                <a:spcPct val="107000"/>
+              </a:lnSpc>
+              <a:spcAft>
+                <a:spcPts val="800"/>
+              </a:spcAft>
+              <a:buNone/>
+              <a:tabLst>
+                <a:tab pos="3589020" algn="l"/>
+              </a:tabLst>
+            </a:pPr>
+            <a:r>
+              <a:rPr lang="en-IN" sz="6400" dirty="0">
+                <a:effectLst/>
+                <a:latin typeface="Times New Roman" panose="02020603050405020304" pitchFamily="18" charset="0"/>
+                <a:ea typeface="Calibri" panose="020F0502020204030204" pitchFamily="34" charset="0"/>
+              </a:rPr>
+              <a:t>          2. In particular, image features extracted from object proposals are treated as unordered input tokens and fed into VisualBERT along with text. The text and image inputs are “jointly processed” by multiple Transformer layers in VisualBERT. The rich interaction among words and object proposals allows the model to capture the intricate associations between text and image.</a:t>
+            </a:r>
+          </a:p>
+          <a:p>
+            <a:pPr marL="0" indent="0">
+              <a:lnSpc>
+                <a:spcPct val="107000"/>
+              </a:lnSpc>
+              <a:spcAft>
+                <a:spcPts val="800"/>
+              </a:spcAft>
+              <a:buNone/>
+              <a:tabLst>
+                <a:tab pos="3589020" algn="l"/>
+              </a:tabLst>
+            </a:pPr>
+            <a:r>
+              <a:rPr lang="en-IN" sz="6400" dirty="0">
+                <a:effectLst/>
+                <a:latin typeface="Times New Roman" panose="02020603050405020304" pitchFamily="18" charset="0"/>
+                <a:ea typeface="Calibri" panose="020F0502020204030204" pitchFamily="34" charset="0"/>
+              </a:rPr>
+              <a:t>           3. Pre-training VisualBERT on image caption data(COCO), where  detailed semantics of an image are expressed in natural language. </a:t>
+            </a:r>
+          </a:p>
+          <a:p>
+            <a:pPr marL="742950" lvl="1" indent="-285750">
+              <a:lnSpc>
+                <a:spcPct val="107000"/>
+              </a:lnSpc>
+              <a:buFont typeface="Symbol" panose="05050102010706020507" pitchFamily="18" charset="2"/>
+              <a:buChar char=""/>
+              <a:tabLst>
+                <a:tab pos="3589020" algn="l"/>
+              </a:tabLst>
+            </a:pPr>
+            <a:r>
+              <a:rPr lang="en-IN" sz="6400" dirty="0">
+                <a:effectLst/>
+                <a:latin typeface="Times New Roman" panose="02020603050405020304" pitchFamily="18" charset="0"/>
+                <a:ea typeface="Calibri" panose="020F0502020204030204" pitchFamily="34" charset="0"/>
+              </a:rPr>
+              <a:t>Two Reasons for pre-training:</a:t>
+            </a:r>
+          </a:p>
+          <a:p>
+            <a:pPr marL="1143000" lvl="2" indent="-228600">
+              <a:lnSpc>
+                <a:spcPct val="107000"/>
+              </a:lnSpc>
+              <a:buFont typeface="Wingdings" panose="05000000000000000000" pitchFamily="2" charset="2"/>
+              <a:buChar char=""/>
+              <a:tabLst>
+                <a:tab pos="3589020" algn="l"/>
+              </a:tabLst>
+            </a:pPr>
+            <a:r>
+              <a:rPr lang="en-IN" sz="6400" dirty="0">
+                <a:effectLst/>
+                <a:latin typeface="Times New Roman" panose="02020603050405020304" pitchFamily="18" charset="0"/>
+                <a:ea typeface="Calibri" panose="020F0502020204030204" pitchFamily="34" charset="0"/>
+              </a:rPr>
+              <a:t> Part of the text is masked and the model learns to predict the masked words based on the remaining text and visual context; </a:t>
+            </a:r>
+          </a:p>
+          <a:p>
+            <a:pPr marL="1143000" lvl="2" indent="-228600">
+              <a:lnSpc>
+                <a:spcPct val="107000"/>
+              </a:lnSpc>
+              <a:spcAft>
+                <a:spcPts val="800"/>
+              </a:spcAft>
+              <a:buFont typeface="Wingdings" panose="05000000000000000000" pitchFamily="2" charset="2"/>
+              <a:buChar char=""/>
+              <a:tabLst>
+                <a:tab pos="3589020" algn="l"/>
+              </a:tabLst>
+            </a:pPr>
+            <a:r>
+              <a:rPr lang="en-IN" sz="6400" dirty="0">
+                <a:effectLst/>
+                <a:latin typeface="Times New Roman" panose="02020603050405020304" pitchFamily="18" charset="0"/>
+                <a:ea typeface="Calibri" panose="020F0502020204030204" pitchFamily="34" charset="0"/>
+              </a:rPr>
+              <a:t> The model is trained to determine whether the provided text matches the image. </a:t>
+            </a:r>
+          </a:p>
+          <a:p>
+            <a:pPr marL="0" indent="0">
+              <a:lnSpc>
+                <a:spcPct val="107000"/>
+              </a:lnSpc>
+              <a:spcAft>
+                <a:spcPts val="800"/>
+              </a:spcAft>
+              <a:buNone/>
+              <a:tabLst>
+                <a:tab pos="3589020" algn="l"/>
+              </a:tabLst>
+            </a:pPr>
+            <a:r>
+              <a:rPr lang="en-IN" sz="6400" dirty="0">
+                <a:effectLst/>
+                <a:latin typeface="Times New Roman" panose="02020603050405020304" pitchFamily="18" charset="0"/>
+                <a:ea typeface="Calibri" panose="020F0502020204030204" pitchFamily="34" charset="0"/>
+              </a:rPr>
+              <a:t>This shows that such pre-training on image caption data is important  for VisualBERT to learn transferable text and visual representations.</a:t>
+            </a:r>
+          </a:p>
+          <a:p>
+            <a:pPr marL="0" indent="0">
+              <a:lnSpc>
+                <a:spcPct val="107000"/>
+              </a:lnSpc>
+              <a:spcAft>
+                <a:spcPts val="800"/>
+              </a:spcAft>
+              <a:buNone/>
+              <a:tabLst>
+                <a:tab pos="3589020" algn="l"/>
+              </a:tabLst>
+            </a:pPr>
+            <a:r>
+              <a:rPr lang="en-IN" sz="6400" dirty="0">
+                <a:latin typeface="Times New Roman" panose="02020603050405020304" pitchFamily="18" charset="0"/>
+                <a:ea typeface="Calibri" panose="020F0502020204030204" pitchFamily="34" charset="0"/>
+              </a:rPr>
+              <a:t>Additionally,</a:t>
+            </a:r>
+            <a:endParaRPr lang="en-IN" sz="6400" dirty="0">
+              <a:effectLst/>
+              <a:latin typeface="Times New Roman" panose="02020603050405020304" pitchFamily="18" charset="0"/>
+              <a:ea typeface="Calibri" panose="020F0502020204030204" pitchFamily="34" charset="0"/>
+            </a:endParaRPr>
+          </a:p>
+          <a:p>
+            <a:pPr marL="342900" lvl="0" indent="-342900">
+              <a:lnSpc>
+                <a:spcPct val="107000"/>
+              </a:lnSpc>
+              <a:buFont typeface="Symbol" panose="05050102010706020507" pitchFamily="18" charset="2"/>
+              <a:buChar char=""/>
+              <a:tabLst>
+                <a:tab pos="3589020" algn="l"/>
+              </a:tabLst>
+            </a:pPr>
+            <a:r>
+              <a:rPr lang="en-IN" sz="6400" dirty="0">
+                <a:effectLst/>
+                <a:latin typeface="Times New Roman" panose="02020603050405020304" pitchFamily="18" charset="0"/>
+                <a:ea typeface="Calibri" panose="020F0502020204030204" pitchFamily="34" charset="0"/>
+              </a:rPr>
+              <a:t>VisualBERT learns to ground entities and encode certain dependency relationships between words and image regions, which helps model understand the detailed semantics of an image . In VisualBERT, the self-attention mechanism allows the model to capture the implicit relations between objects. </a:t>
+            </a:r>
+          </a:p>
+          <a:p>
+            <a:pPr marL="742950" lvl="1" indent="-285750">
+              <a:lnSpc>
+                <a:spcPct val="107000"/>
+              </a:lnSpc>
+              <a:spcAft>
+                <a:spcPts val="800"/>
+              </a:spcAft>
+              <a:buFont typeface="Symbol" panose="05050102010706020507" pitchFamily="18" charset="2"/>
+              <a:buChar char=""/>
+              <a:tabLst>
+                <a:tab pos="3589020" algn="l"/>
+              </a:tabLst>
+            </a:pPr>
+            <a:r>
+              <a:rPr lang="en-IN" sz="6400" dirty="0">
+                <a:effectLst/>
+                <a:latin typeface="Times New Roman" panose="02020603050405020304" pitchFamily="18" charset="0"/>
+                <a:ea typeface="Calibri" panose="020F0502020204030204" pitchFamily="34" charset="0"/>
+              </a:rPr>
+              <a:t>Furthermore,  pre-training on image caption data is an effective way to teach the model how to capture such relations</a:t>
+            </a:r>
+            <a:r>
+              <a:rPr lang="en-IN" sz="1600" dirty="0">
+                <a:effectLst/>
+                <a:latin typeface="Times New Roman" panose="02020603050405020304" pitchFamily="18" charset="0"/>
+                <a:ea typeface="Calibri" panose="020F0502020204030204" pitchFamily="34" charset="0"/>
+              </a:rPr>
+              <a:t>.</a:t>
+            </a:r>
+          </a:p>
+          <a:p>
+            <a:endParaRPr lang="en-IN" dirty="0"/>
+          </a:p>
+        </p:txBody>
+      </p:sp>
+    </p:spTree>
+    <p:extLst>
+      <p:ext uri="{BB962C8B-B14F-4D97-AF65-F5344CB8AC3E}">
+        <p14:creationId xmlns:p14="http://schemas.microsoft.com/office/powerpoint/2010/main" val="3514053671"/>
+      </p:ext>
+    </p:extLst>
+  </p:cSld>
+  <p:clrMapOvr>
+    <a:masterClrMapping/>
+  </p:clrMapOvr>
+</p:sld>
+</file>
+
+<file path=ppt/slides/slide14.xml><?xml version="1.0" encoding="utf-8"?>
+<p:sld xmlns:a="http://schemas.openxmlformats.org/drawingml/2006/main" xmlns:r="http://schemas.openxmlformats.org/officeDocument/2006/relationships" xmlns:p="http://schemas.openxmlformats.org/presentationml/2006/main">
+  <p:cSld>
+    <p:spTree>
+      <p:nvGrpSpPr>
+        <p:cNvPr id="1" name=""/>
+        <p:cNvGrpSpPr/>
+        <p:nvPr/>
+      </p:nvGrpSpPr>
+      <p:grpSpPr>
+        <a:xfrm>
+          <a:off x="0" y="0"/>
+          <a:ext cx="0" cy="0"/>
+          <a:chOff x="0" y="0"/>
+          <a:chExt cx="0" cy="0"/>
+        </a:xfrm>
+      </p:grpSpPr>
+      <p:pic>
+        <p:nvPicPr>
+          <p:cNvPr id="5" name="Content Placeholder 4">
+            <a:extLst>
+              <a:ext uri="{FF2B5EF4-FFF2-40B4-BE49-F238E27FC236}">
+                <a16:creationId xmlns:a16="http://schemas.microsoft.com/office/drawing/2014/main" id="{A6E80A07-7529-4494-9236-E0B163355566}"/>
+              </a:ext>
+            </a:extLst>
+          </p:cNvPr>
+          <p:cNvPicPr>
+            <a:picLocks noGrp="1" noChangeAspect="1"/>
+          </p:cNvPicPr>
+          <p:nvPr>
+            <p:ph idx="1"/>
+          </p:nvPr>
+        </p:nvPicPr>
+        <p:blipFill>
+          <a:blip r:embed="rId2">
+            <a:extLst>
+              <a:ext uri="{28A0092B-C50C-407E-A947-70E740481C1C}">
+                <a14:useLocalDpi xmlns:a14="http://schemas.microsoft.com/office/drawing/2010/main" val="0"/>
+              </a:ext>
+            </a:extLst>
+          </a:blip>
+          <a:stretch>
+            <a:fillRect/>
+          </a:stretch>
+        </p:blipFill>
+        <p:spPr>
+          <a:xfrm>
+            <a:off x="619369" y="1171680"/>
+            <a:ext cx="10515600" cy="4030207"/>
+          </a:xfrm>
+        </p:spPr>
+      </p:pic>
+    </p:spTree>
+    <p:extLst>
+      <p:ext uri="{BB962C8B-B14F-4D97-AF65-F5344CB8AC3E}">
+        <p14:creationId xmlns:p14="http://schemas.microsoft.com/office/powerpoint/2010/main" val="1524261291"/>
+      </p:ext>
+    </p:extLst>
+  </p:cSld>
+  <p:clrMapOvr>
+    <a:masterClrMapping/>
+  </p:clrMapOvr>
+</p:sld>
+</file>
+
+<file path=ppt/slides/slide15.xml><?xml version="1.0" encoding="utf-8"?>
+<p:sld xmlns:a="http://schemas.openxmlformats.org/drawingml/2006/main" xmlns:r="http://schemas.openxmlformats.org/officeDocument/2006/relationships" xmlns:p="http://schemas.openxmlformats.org/presentationml/2006/main">
+  <p:cSld>
+    <p:spTree>
+      <p:nvGrpSpPr>
+        <p:cNvPr id="1" name=""/>
+        <p:cNvGrpSpPr/>
+        <p:nvPr/>
+      </p:nvGrpSpPr>
+      <p:grpSpPr>
+        <a:xfrm>
+          <a:off x="0" y="0"/>
+          <a:ext cx="0" cy="0"/>
+          <a:chOff x="0" y="0"/>
+          <a:chExt cx="0" cy="0"/>
+        </a:xfrm>
+      </p:grpSpPr>
+      <p:sp>
+        <p:nvSpPr>
+          <p:cNvPr id="3" name="Content Placeholder 2">
+            <a:extLst>
+              <a:ext uri="{FF2B5EF4-FFF2-40B4-BE49-F238E27FC236}">
+                <a16:creationId xmlns:a16="http://schemas.microsoft.com/office/drawing/2014/main" id="{1A9655A1-3C7E-4649-804F-DA2E329A2DC3}"/>
+              </a:ext>
+            </a:extLst>
+          </p:cNvPr>
+          <p:cNvSpPr>
+            <a:spLocks noGrp="1"/>
+          </p:cNvSpPr>
+          <p:nvPr>
+            <p:ph idx="1"/>
+          </p:nvPr>
+        </p:nvSpPr>
+        <p:spPr>
+          <a:xfrm>
+            <a:off x="838200" y="551716"/>
+            <a:ext cx="11197492" cy="5919421"/>
+          </a:xfrm>
+        </p:spPr>
+        <p:txBody>
+          <a:bodyPr/>
+          <a:lstStyle/>
+          <a:p>
+            <a:pPr algn="just">
+              <a:lnSpc>
+                <a:spcPct val="107000"/>
+              </a:lnSpc>
+              <a:spcAft>
+                <a:spcPts val="800"/>
+              </a:spcAft>
+              <a:tabLst>
+                <a:tab pos="3589020" algn="l"/>
+              </a:tabLst>
+            </a:pPr>
+            <a:r>
+              <a:rPr lang="en-IN" sz="1800" b="1" dirty="0">
+                <a:effectLst/>
+                <a:latin typeface="Times New Roman" panose="02020603050405020304" pitchFamily="18" charset="0"/>
+                <a:ea typeface="Calibri" panose="020F0502020204030204" pitchFamily="34" charset="0"/>
+              </a:rPr>
+              <a:t>Training VisualBERT </a:t>
+            </a:r>
+            <a:r>
+              <a:rPr lang="en-IN" sz="1400" b="1" dirty="0">
+                <a:effectLst/>
+                <a:latin typeface="Times New Roman" panose="02020603050405020304" pitchFamily="18" charset="0"/>
+                <a:ea typeface="Calibri" panose="020F0502020204030204" pitchFamily="34" charset="0"/>
+              </a:rPr>
+              <a:t>: </a:t>
+            </a:r>
+            <a:endParaRPr lang="en-IN" sz="1400" dirty="0">
+              <a:effectLst/>
+              <a:latin typeface="Times New Roman" panose="02020603050405020304" pitchFamily="18" charset="0"/>
+              <a:ea typeface="Calibri" panose="020F0502020204030204" pitchFamily="34" charset="0"/>
+            </a:endParaRPr>
+          </a:p>
+          <a:p>
+            <a:pPr lvl="1" algn="just">
+              <a:lnSpc>
+                <a:spcPct val="107000"/>
+              </a:lnSpc>
+              <a:spcAft>
+                <a:spcPts val="800"/>
+              </a:spcAft>
+              <a:tabLst>
+                <a:tab pos="3589020" algn="l"/>
+              </a:tabLst>
+            </a:pPr>
+            <a:r>
+              <a:rPr lang="en-IN" sz="1800" dirty="0">
+                <a:effectLst/>
+                <a:latin typeface="Times New Roman" panose="02020603050405020304" pitchFamily="18" charset="0"/>
+                <a:ea typeface="Calibri" panose="020F0502020204030204" pitchFamily="34" charset="0"/>
+              </a:rPr>
+              <a:t>Procedure : </a:t>
+            </a:r>
+          </a:p>
+          <a:p>
+            <a:pPr marL="457200" lvl="1" indent="0" algn="just">
+              <a:lnSpc>
+                <a:spcPct val="107000"/>
+              </a:lnSpc>
+              <a:spcAft>
+                <a:spcPts val="800"/>
+              </a:spcAft>
+              <a:buNone/>
+              <a:tabLst>
+                <a:tab pos="3589020" algn="l"/>
+              </a:tabLst>
+            </a:pPr>
+            <a:r>
+              <a:rPr lang="en-IN" sz="1600" dirty="0">
+                <a:latin typeface="Times New Roman" panose="02020603050405020304" pitchFamily="18" charset="0"/>
+                <a:ea typeface="Calibri" panose="020F0502020204030204" pitchFamily="34" charset="0"/>
+              </a:rPr>
+              <a:t>1</a:t>
+            </a:r>
+            <a:r>
+              <a:rPr lang="en-IN" sz="1000" dirty="0">
+                <a:latin typeface="Times New Roman" panose="02020603050405020304" pitchFamily="18" charset="0"/>
+                <a:ea typeface="Calibri" panose="020F0502020204030204" pitchFamily="34" charset="0"/>
+              </a:rPr>
+              <a:t>. </a:t>
+            </a:r>
+            <a:r>
+              <a:rPr lang="en-IN" sz="1600" b="1" dirty="0">
+                <a:effectLst/>
+                <a:latin typeface="Times New Roman" panose="02020603050405020304" pitchFamily="18" charset="0"/>
+                <a:ea typeface="Calibri" panose="020F0502020204030204" pitchFamily="34" charset="0"/>
+              </a:rPr>
+              <a:t>Task-Agnostic Pre-Training</a:t>
+            </a:r>
+            <a:r>
+              <a:rPr lang="en-IN" sz="1600" dirty="0">
+                <a:effectLst/>
+                <a:latin typeface="Times New Roman" panose="02020603050405020304" pitchFamily="18" charset="0"/>
+                <a:ea typeface="Calibri" panose="020F0502020204030204" pitchFamily="34" charset="0"/>
+              </a:rPr>
+              <a:t> </a:t>
+            </a:r>
+            <a:r>
+              <a:rPr lang="en-IN" sz="1000" dirty="0">
+                <a:effectLst/>
+                <a:latin typeface="Times New Roman" panose="02020603050405020304" pitchFamily="18" charset="0"/>
+                <a:ea typeface="Calibri" panose="020F0502020204030204" pitchFamily="34" charset="0"/>
+              </a:rPr>
+              <a:t>:</a:t>
+            </a:r>
+          </a:p>
+          <a:p>
+            <a:pPr marL="800100" lvl="1" indent="-342900" algn="just">
+              <a:lnSpc>
+                <a:spcPct val="107000"/>
+              </a:lnSpc>
+              <a:buFont typeface="Symbol" panose="05050102010706020507" pitchFamily="18" charset="2"/>
+              <a:buChar char=""/>
+              <a:tabLst>
+                <a:tab pos="3589020" algn="l"/>
+              </a:tabLst>
+            </a:pPr>
+            <a:r>
+              <a:rPr lang="en-IN" sz="1600" dirty="0">
+                <a:effectLst/>
+                <a:latin typeface="Times New Roman" panose="02020603050405020304" pitchFamily="18" charset="0"/>
+                <a:ea typeface="Calibri" panose="020F0502020204030204" pitchFamily="34" charset="0"/>
+              </a:rPr>
+              <a:t>Train VisualBERT: Using COCO image caption dataset using two visually-grounded language model objectives.</a:t>
+            </a:r>
+          </a:p>
+          <a:p>
+            <a:pPr marL="1200150" lvl="2" indent="-285750">
+              <a:lnSpc>
+                <a:spcPct val="107000"/>
+              </a:lnSpc>
+              <a:buFont typeface="+mj-lt"/>
+              <a:buAutoNum type="alphaLcPeriod"/>
+              <a:tabLst>
+                <a:tab pos="3589020" algn="l"/>
+              </a:tabLst>
+            </a:pPr>
+            <a:r>
+              <a:rPr lang="en-IN" sz="1600" dirty="0">
+                <a:effectLst/>
+                <a:latin typeface="Times New Roman" panose="02020603050405020304" pitchFamily="18" charset="0"/>
+                <a:ea typeface="Calibri" panose="020F0502020204030204" pitchFamily="34" charset="0"/>
+              </a:rPr>
+              <a:t>Masked language modeling with the image. Some elements of text input are masked and must be predicted but vectors corresponding to image regions are not masked. </a:t>
+            </a:r>
+          </a:p>
+          <a:p>
+            <a:pPr marL="1200150" lvl="2" indent="-285750">
+              <a:lnSpc>
+                <a:spcPct val="107000"/>
+              </a:lnSpc>
+              <a:buFont typeface="+mj-lt"/>
+              <a:buAutoNum type="alphaLcPeriod"/>
+              <a:tabLst>
+                <a:tab pos="3589020" algn="l"/>
+              </a:tabLst>
+            </a:pPr>
+            <a:r>
+              <a:rPr lang="en-IN" sz="1600" dirty="0">
+                <a:effectLst/>
+                <a:latin typeface="Times New Roman" panose="02020603050405020304" pitchFamily="18" charset="0"/>
+                <a:ea typeface="Calibri" panose="020F0502020204030204" pitchFamily="34" charset="0"/>
+              </a:rPr>
+              <a:t>Sentence-image prediction: For COCO, where there are multiple captions corresponding to one image, we provide a text segment consisting of two captions. One of the caption is describing the image, while the other has a 50% chance to be another corresponding caption and a 50% chance to be a randomly drawn caption. The model is trained to distinguish these two situations. </a:t>
+            </a:r>
+          </a:p>
+          <a:p>
+            <a:pPr marL="457200" lvl="1" indent="0" algn="just">
+              <a:lnSpc>
+                <a:spcPct val="107000"/>
+              </a:lnSpc>
+              <a:buNone/>
+              <a:tabLst>
+                <a:tab pos="3589020" algn="l"/>
+              </a:tabLst>
+            </a:pPr>
+            <a:endParaRPr lang="en-IN" sz="1600" dirty="0">
+              <a:effectLst/>
+              <a:latin typeface="Times New Roman" panose="02020603050405020304" pitchFamily="18" charset="0"/>
+              <a:ea typeface="Calibri" panose="020F0502020204030204" pitchFamily="34" charset="0"/>
+            </a:endParaRPr>
+          </a:p>
+          <a:p>
+            <a:pPr marL="457200" lvl="1" indent="0" algn="just">
+              <a:lnSpc>
+                <a:spcPct val="107000"/>
+              </a:lnSpc>
+              <a:spcAft>
+                <a:spcPts val="800"/>
+              </a:spcAft>
+              <a:buNone/>
+              <a:tabLst>
+                <a:tab pos="3589020" algn="l"/>
+              </a:tabLst>
+            </a:pPr>
+            <a:r>
+              <a:rPr lang="en-IN" sz="1600" dirty="0">
+                <a:latin typeface="Times New Roman" panose="02020603050405020304" pitchFamily="18" charset="0"/>
+                <a:ea typeface="Calibri" panose="020F0502020204030204" pitchFamily="34" charset="0"/>
+              </a:rPr>
+              <a:t>2. </a:t>
+            </a:r>
+            <a:r>
+              <a:rPr lang="en-IN" sz="1600" b="1" dirty="0">
+                <a:effectLst/>
+                <a:latin typeface="Times New Roman" panose="02020603050405020304" pitchFamily="18" charset="0"/>
+                <a:ea typeface="Calibri" panose="020F0502020204030204" pitchFamily="34" charset="0"/>
+              </a:rPr>
+              <a:t>Task-Specific Pre-Training</a:t>
+            </a:r>
+            <a:r>
+              <a:rPr lang="en-IN" sz="1600" dirty="0">
+                <a:effectLst/>
+                <a:latin typeface="Times New Roman" panose="02020603050405020304" pitchFamily="18" charset="0"/>
+                <a:ea typeface="Calibri" panose="020F0502020204030204" pitchFamily="34" charset="0"/>
+              </a:rPr>
+              <a:t> : Before fine-tuning VisualBERT to a downstream task, they find it beneficial to train the model using the data of the task with the masked language modeling with the image objective. This step allows the model to adapt to the new target domain.</a:t>
+            </a:r>
+          </a:p>
+          <a:p>
+            <a:pPr marL="457200" lvl="1" indent="0" algn="just">
+              <a:lnSpc>
+                <a:spcPct val="107000"/>
+              </a:lnSpc>
+              <a:spcAft>
+                <a:spcPts val="800"/>
+              </a:spcAft>
+              <a:buNone/>
+              <a:tabLst>
+                <a:tab pos="3589020" algn="l"/>
+              </a:tabLst>
+            </a:pPr>
+            <a:r>
+              <a:rPr lang="en-IN" sz="1600" dirty="0">
+                <a:latin typeface="Times New Roman" panose="02020603050405020304" pitchFamily="18" charset="0"/>
+                <a:ea typeface="Calibri" panose="020F0502020204030204" pitchFamily="34" charset="0"/>
+              </a:rPr>
+              <a:t>3. </a:t>
+            </a:r>
+            <a:r>
+              <a:rPr lang="en-IN" sz="1600" b="1" dirty="0">
+                <a:effectLst/>
+                <a:latin typeface="Times New Roman" panose="02020603050405020304" pitchFamily="18" charset="0"/>
+                <a:ea typeface="Calibri" panose="020F0502020204030204" pitchFamily="34" charset="0"/>
+              </a:rPr>
+              <a:t>Fine-Tuning</a:t>
+            </a:r>
+            <a:r>
+              <a:rPr lang="en-IN" sz="1600" dirty="0">
+                <a:effectLst/>
+                <a:latin typeface="Times New Roman" panose="02020603050405020304" pitchFamily="18" charset="0"/>
+                <a:ea typeface="Calibri" panose="020F0502020204030204" pitchFamily="34" charset="0"/>
+              </a:rPr>
+              <a:t> : This step mirrors BERT fine-tuning, where a task-specific input, output, and objective are introduced, and the Transformer is trained to maximize performance on the task.</a:t>
+            </a:r>
+          </a:p>
+          <a:p>
+            <a:endParaRPr lang="en-IN" dirty="0"/>
+          </a:p>
+        </p:txBody>
+      </p:sp>
+    </p:spTree>
+    <p:extLst>
+      <p:ext uri="{BB962C8B-B14F-4D97-AF65-F5344CB8AC3E}">
+        <p14:creationId xmlns:p14="http://schemas.microsoft.com/office/powerpoint/2010/main" val="281115812"/>
+      </p:ext>
+    </p:extLst>
+  </p:cSld>
+  <p:clrMapOvr>
+    <a:masterClrMapping/>
+  </p:clrMapOvr>
+</p:sld>
+</file>
+
+<file path=ppt/slides/slide16.xml><?xml version="1.0" encoding="utf-8"?>
+<p:sld xmlns:a="http://schemas.openxmlformats.org/drawingml/2006/main" xmlns:r="http://schemas.openxmlformats.org/officeDocument/2006/relationships" xmlns:p="http://schemas.openxmlformats.org/presentationml/2006/main">
+  <p:cSld>
+    <p:spTree>
+      <p:nvGrpSpPr>
+        <p:cNvPr id="1" name=""/>
+        <p:cNvGrpSpPr/>
+        <p:nvPr/>
+      </p:nvGrpSpPr>
+      <p:grpSpPr>
+        <a:xfrm>
+          <a:off x="0" y="0"/>
+          <a:ext cx="0" cy="0"/>
+          <a:chOff x="0" y="0"/>
+          <a:chExt cx="0" cy="0"/>
+        </a:xfrm>
+      </p:grpSpPr>
+      <p:sp>
+        <p:nvSpPr>
+          <p:cNvPr id="3" name="Content Placeholder 2">
+            <a:extLst>
+              <a:ext uri="{FF2B5EF4-FFF2-40B4-BE49-F238E27FC236}">
+                <a16:creationId xmlns:a16="http://schemas.microsoft.com/office/drawing/2014/main" id="{5B91D02D-5B82-4675-BFC3-2AFB7C944E80}"/>
+              </a:ext>
+            </a:extLst>
+          </p:cNvPr>
+          <p:cNvSpPr>
+            <a:spLocks noGrp="1"/>
+          </p:cNvSpPr>
+          <p:nvPr>
+            <p:ph idx="1"/>
+          </p:nvPr>
+        </p:nvSpPr>
+        <p:spPr>
+          <a:xfrm>
+            <a:off x="767861" y="933939"/>
+            <a:ext cx="11056815" cy="5924061"/>
+          </a:xfrm>
+        </p:spPr>
+        <p:txBody>
+          <a:bodyPr>
+            <a:normAutofit/>
+          </a:bodyPr>
+          <a:lstStyle/>
+          <a:p>
+            <a:pPr algn="just">
+              <a:lnSpc>
+                <a:spcPct val="107000"/>
+              </a:lnSpc>
+              <a:spcAft>
+                <a:spcPts val="800"/>
+              </a:spcAft>
+              <a:buFont typeface="Wingdings" panose="05000000000000000000" pitchFamily="2" charset="2"/>
+              <a:buChar char="q"/>
+              <a:tabLst>
+                <a:tab pos="3589020" algn="l"/>
+              </a:tabLst>
+            </a:pPr>
+            <a:r>
+              <a:rPr lang="en-IN" sz="1800" b="1" dirty="0">
+                <a:effectLst/>
+                <a:latin typeface="Open Sans" panose="020B0606030504020204" pitchFamily="34" charset="0"/>
+                <a:ea typeface="Calibri" panose="020F0502020204030204" pitchFamily="34" charset="0"/>
+              </a:rPr>
+              <a:t>Experiment  : </a:t>
+            </a:r>
+            <a:endParaRPr lang="en-IN" sz="1800" dirty="0">
+              <a:effectLst/>
+              <a:latin typeface="Times New Roman" panose="02020603050405020304" pitchFamily="18" charset="0"/>
+              <a:ea typeface="Calibri" panose="020F0502020204030204" pitchFamily="34" charset="0"/>
+            </a:endParaRPr>
+          </a:p>
+          <a:p>
+            <a:pPr marL="457200" algn="just">
+              <a:lnSpc>
+                <a:spcPct val="107000"/>
+              </a:lnSpc>
+              <a:spcAft>
+                <a:spcPts val="800"/>
+              </a:spcAft>
+              <a:tabLst>
+                <a:tab pos="3589020" algn="l"/>
+              </a:tabLst>
+            </a:pPr>
+            <a:r>
+              <a:rPr lang="en-IN" sz="1800" dirty="0">
+                <a:effectLst/>
+                <a:latin typeface="Times New Roman" panose="02020603050405020304" pitchFamily="18" charset="0"/>
+                <a:ea typeface="Calibri" panose="020F0502020204030204" pitchFamily="34" charset="0"/>
+                <a:cs typeface="Times New Roman" panose="02020603050405020304" pitchFamily="18" charset="0"/>
+              </a:rPr>
+              <a:t>Evaluation of VisualBERT on </a:t>
+            </a:r>
+            <a:r>
+              <a:rPr lang="en-IN" sz="1800" dirty="0">
+                <a:latin typeface="Times New Roman" panose="02020603050405020304" pitchFamily="18" charset="0"/>
+                <a:ea typeface="Calibri" panose="020F0502020204030204" pitchFamily="34" charset="0"/>
+                <a:cs typeface="Times New Roman" panose="02020603050405020304" pitchFamily="18" charset="0"/>
+              </a:rPr>
+              <a:t>two </a:t>
+            </a:r>
+            <a:r>
+              <a:rPr lang="en-IN" sz="1800" dirty="0">
+                <a:effectLst/>
+                <a:latin typeface="Times New Roman" panose="02020603050405020304" pitchFamily="18" charset="0"/>
+                <a:ea typeface="Calibri" panose="020F0502020204030204" pitchFamily="34" charset="0"/>
+                <a:cs typeface="Times New Roman" panose="02020603050405020304" pitchFamily="18" charset="0"/>
+              </a:rPr>
+              <a:t>different types of vision-and-language applications </a:t>
+            </a:r>
+            <a:r>
+              <a:rPr lang="en-IN" sz="2400" dirty="0">
+                <a:effectLst/>
+                <a:latin typeface="Times New Roman" panose="02020603050405020304" pitchFamily="18" charset="0"/>
+                <a:ea typeface="Calibri" panose="020F0502020204030204" pitchFamily="34" charset="0"/>
+                <a:cs typeface="Times New Roman" panose="02020603050405020304" pitchFamily="18" charset="0"/>
+              </a:rPr>
+              <a:t>: </a:t>
+            </a:r>
+          </a:p>
+          <a:p>
+            <a:pPr marL="800100" lvl="1" indent="-342900">
+              <a:lnSpc>
+                <a:spcPct val="107000"/>
+              </a:lnSpc>
+              <a:buFont typeface="+mj-lt"/>
+              <a:buAutoNum type="arabicPeriod"/>
+              <a:tabLst>
+                <a:tab pos="548640" algn="l"/>
+                <a:tab pos="3589020" algn="l"/>
+              </a:tabLst>
+            </a:pPr>
+            <a:r>
+              <a:rPr lang="en-IN" sz="1800" dirty="0">
+                <a:effectLst/>
+                <a:latin typeface="Times New Roman" panose="02020603050405020304" pitchFamily="18" charset="0"/>
+                <a:ea typeface="Calibri" panose="020F0502020204030204" pitchFamily="34" charset="0"/>
+                <a:cs typeface="Times New Roman" panose="02020603050405020304" pitchFamily="18" charset="0"/>
+              </a:rPr>
+              <a:t> Visual Question Answering (VQA 2.0)</a:t>
+            </a:r>
+          </a:p>
+          <a:p>
+            <a:pPr marL="800100" lvl="1" indent="-342900">
+              <a:lnSpc>
+                <a:spcPct val="107000"/>
+              </a:lnSpc>
+              <a:buFont typeface="+mj-lt"/>
+              <a:buAutoNum type="arabicPeriod"/>
+              <a:tabLst>
+                <a:tab pos="548640" algn="l"/>
+                <a:tab pos="3589020" algn="l"/>
+              </a:tabLst>
+            </a:pPr>
+            <a:r>
+              <a:rPr lang="en-IN" sz="1800" dirty="0">
+                <a:effectLst/>
+                <a:latin typeface="Times New Roman" panose="02020603050405020304" pitchFamily="18" charset="0"/>
+                <a:ea typeface="Calibri" panose="020F0502020204030204" pitchFamily="34" charset="0"/>
+                <a:cs typeface="Times New Roman" panose="02020603050405020304" pitchFamily="18" charset="0"/>
+              </a:rPr>
+              <a:t> Visual Commonsense Reasoning (VCR) </a:t>
+            </a:r>
+          </a:p>
+          <a:p>
+            <a:pPr marL="693420">
+              <a:lnSpc>
+                <a:spcPct val="107000"/>
+              </a:lnSpc>
+              <a:spcAft>
+                <a:spcPts val="800"/>
+              </a:spcAft>
+              <a:tabLst>
+                <a:tab pos="548640" algn="l"/>
+                <a:tab pos="3589020" algn="l"/>
+              </a:tabLst>
+            </a:pPr>
+            <a:r>
+              <a:rPr lang="en-IN" sz="1800" dirty="0">
+                <a:effectLst/>
+                <a:latin typeface="Times New Roman" panose="02020603050405020304" pitchFamily="18" charset="0"/>
+                <a:ea typeface="Calibri" panose="020F0502020204030204" pitchFamily="34" charset="0"/>
+                <a:cs typeface="Times New Roman" panose="02020603050405020304" pitchFamily="18" charset="0"/>
+              </a:rPr>
+              <a:t>Optimizer</a:t>
+            </a:r>
+            <a:r>
+              <a:rPr lang="en-IN" sz="2400" dirty="0">
+                <a:effectLst/>
+                <a:latin typeface="Times New Roman" panose="02020603050405020304" pitchFamily="18" charset="0"/>
+                <a:ea typeface="Calibri" panose="020F0502020204030204" pitchFamily="34" charset="0"/>
+                <a:cs typeface="Times New Roman" panose="02020603050405020304" pitchFamily="18" charset="0"/>
+              </a:rPr>
+              <a:t> </a:t>
+            </a:r>
+            <a:r>
+              <a:rPr lang="en-IN" sz="1800" dirty="0">
+                <a:effectLst/>
+                <a:latin typeface="Times New Roman" panose="02020603050405020304" pitchFamily="18" charset="0"/>
+                <a:ea typeface="Calibri" panose="020F0502020204030204" pitchFamily="34" charset="0"/>
+                <a:cs typeface="Times New Roman" panose="02020603050405020304" pitchFamily="18" charset="0"/>
+              </a:rPr>
+              <a:t>for all Models : SGD with Adam</a:t>
+            </a:r>
+            <a:r>
+              <a:rPr lang="en-IN" sz="2400" dirty="0">
+                <a:effectLst/>
+                <a:latin typeface="Times New Roman" panose="02020603050405020304" pitchFamily="18" charset="0"/>
+                <a:ea typeface="Calibri" panose="020F0502020204030204" pitchFamily="34" charset="0"/>
+                <a:cs typeface="Times New Roman" panose="02020603050405020304" pitchFamily="18" charset="0"/>
+              </a:rPr>
+              <a:t>.</a:t>
+            </a:r>
+          </a:p>
+          <a:p>
+            <a:pPr marL="342900" lvl="0" indent="-342900" algn="just">
+              <a:lnSpc>
+                <a:spcPct val="107000"/>
+              </a:lnSpc>
+              <a:buFont typeface="Symbol" panose="05050102010706020507" pitchFamily="18" charset="2"/>
+              <a:buChar char=""/>
+              <a:tabLst>
+                <a:tab pos="3589020" algn="l"/>
+              </a:tabLst>
+            </a:pPr>
+            <a:r>
+              <a:rPr lang="en-IN" sz="1800" b="1" dirty="0">
+                <a:effectLst/>
+                <a:latin typeface="Times New Roman" panose="02020603050405020304" pitchFamily="18" charset="0"/>
+                <a:ea typeface="Calibri" panose="020F0502020204030204" pitchFamily="34" charset="0"/>
+                <a:cs typeface="Times New Roman" panose="02020603050405020304" pitchFamily="18" charset="0"/>
+              </a:rPr>
+              <a:t>VisualBERT</a:t>
+            </a:r>
+            <a:r>
+              <a:rPr lang="en-IN" sz="1800" dirty="0">
+                <a:effectLst/>
+                <a:latin typeface="Times New Roman" panose="02020603050405020304" pitchFamily="18" charset="0"/>
+                <a:ea typeface="Calibri" panose="020F0502020204030204" pitchFamily="34" charset="0"/>
+                <a:cs typeface="Times New Roman" panose="02020603050405020304" pitchFamily="18" charset="0"/>
+              </a:rPr>
+              <a:t>: The full model with parameter initialization from BERT that undergoes pre-training on COCO, pre-training on the task data, and fine-tuning for the task. </a:t>
+            </a:r>
+          </a:p>
+          <a:p>
+            <a:pPr marL="342900" lvl="0" indent="-342900" algn="just">
+              <a:lnSpc>
+                <a:spcPct val="107000"/>
+              </a:lnSpc>
+              <a:buFont typeface="Symbol" panose="05050102010706020507" pitchFamily="18" charset="2"/>
+              <a:buChar char=""/>
+              <a:tabLst>
+                <a:tab pos="3589020" algn="l"/>
+              </a:tabLst>
+            </a:pPr>
+            <a:r>
+              <a:rPr lang="en-IN" sz="1800" b="1" dirty="0">
+                <a:effectLst/>
+                <a:latin typeface="Times New Roman" panose="02020603050405020304" pitchFamily="18" charset="0"/>
+                <a:ea typeface="Calibri" panose="020F0502020204030204" pitchFamily="34" charset="0"/>
+                <a:cs typeface="Times New Roman" panose="02020603050405020304" pitchFamily="18" charset="0"/>
+              </a:rPr>
+              <a:t>VisualBERT w/o Early Fusion</a:t>
+            </a:r>
+            <a:r>
+              <a:rPr lang="en-IN" sz="1800" dirty="0">
+                <a:effectLst/>
+                <a:latin typeface="Times New Roman" panose="02020603050405020304" pitchFamily="18" charset="0"/>
+                <a:ea typeface="Calibri" panose="020F0502020204030204" pitchFamily="34" charset="0"/>
+                <a:cs typeface="Times New Roman" panose="02020603050405020304" pitchFamily="18" charset="0"/>
+              </a:rPr>
+              <a:t>: VisualBERT but where image representations are not combined with the text in the initial Transformer layer but instead at the very end with a new Transformer layer. This allows us to test whether interaction between language and vision throughout the whole Transformer stack is important to performance. </a:t>
+            </a:r>
+          </a:p>
+          <a:p>
+            <a:pPr marL="342900" lvl="0" indent="-342900" algn="just">
+              <a:lnSpc>
+                <a:spcPct val="107000"/>
+              </a:lnSpc>
+              <a:spcAft>
+                <a:spcPts val="800"/>
+              </a:spcAft>
+              <a:buFont typeface="Symbol" panose="05050102010706020507" pitchFamily="18" charset="2"/>
+              <a:buChar char=""/>
+              <a:tabLst>
+                <a:tab pos="3589020" algn="l"/>
+              </a:tabLst>
+            </a:pPr>
+            <a:r>
+              <a:rPr lang="en-IN" sz="1800" b="1" dirty="0">
+                <a:effectLst/>
+                <a:latin typeface="Times New Roman" panose="02020603050405020304" pitchFamily="18" charset="0"/>
+                <a:ea typeface="Calibri" panose="020F0502020204030204" pitchFamily="34" charset="0"/>
+                <a:cs typeface="Times New Roman" panose="02020603050405020304" pitchFamily="18" charset="0"/>
+              </a:rPr>
+              <a:t>VisualBERT w/o COCO Pre-training</a:t>
+            </a:r>
+            <a:r>
+              <a:rPr lang="en-IN" sz="1800" dirty="0">
+                <a:effectLst/>
+                <a:latin typeface="Times New Roman" panose="02020603050405020304" pitchFamily="18" charset="0"/>
+                <a:ea typeface="Calibri" panose="020F0502020204030204" pitchFamily="34" charset="0"/>
+                <a:cs typeface="Times New Roman" panose="02020603050405020304" pitchFamily="18" charset="0"/>
+              </a:rPr>
+              <a:t>: VisualBERT but where they skip task-agnostic pre-training on COCO captions. This allows to validate the importance of this step.</a:t>
+            </a:r>
+          </a:p>
+          <a:p>
+            <a:pPr marL="0" indent="0">
+              <a:buNone/>
+            </a:pPr>
+            <a:endParaRPr lang="en-IN" dirty="0"/>
+          </a:p>
+        </p:txBody>
+      </p:sp>
+    </p:spTree>
+    <p:extLst>
+      <p:ext uri="{BB962C8B-B14F-4D97-AF65-F5344CB8AC3E}">
+        <p14:creationId xmlns:p14="http://schemas.microsoft.com/office/powerpoint/2010/main" val="1333497965"/>
+      </p:ext>
+    </p:extLst>
+  </p:cSld>
+  <p:clrMapOvr>
+    <a:masterClrMapping/>
+  </p:clrMapOvr>
+</p:sld>
+</file>
+
+<file path=ppt/slides/slide17.xml><?xml version="1.0" encoding="utf-8"?>
+<p:sld xmlns:a="http://schemas.openxmlformats.org/drawingml/2006/main" xmlns:r="http://schemas.openxmlformats.org/officeDocument/2006/relationships" xmlns:p="http://schemas.openxmlformats.org/presentationml/2006/main">
+  <p:cSld>
+    <p:spTree>
+      <p:nvGrpSpPr>
+        <p:cNvPr id="1" name=""/>
+        <p:cNvGrpSpPr/>
+        <p:nvPr/>
+      </p:nvGrpSpPr>
+      <p:grpSpPr>
+        <a:xfrm>
+          <a:off x="0" y="0"/>
+          <a:ext cx="0" cy="0"/>
+          <a:chOff x="0" y="0"/>
+          <a:chExt cx="0" cy="0"/>
+        </a:xfrm>
+      </p:grpSpPr>
+      <p:sp>
+        <p:nvSpPr>
+          <p:cNvPr id="3" name="Content Placeholder 2">
+            <a:extLst>
+              <a:ext uri="{FF2B5EF4-FFF2-40B4-BE49-F238E27FC236}">
+                <a16:creationId xmlns:a16="http://schemas.microsoft.com/office/drawing/2014/main" id="{0CEDA65A-3AFB-4FCF-9FB4-B2137DB876DB}"/>
+              </a:ext>
+            </a:extLst>
+          </p:cNvPr>
+          <p:cNvSpPr>
+            <a:spLocks noGrp="1"/>
+          </p:cNvSpPr>
+          <p:nvPr>
+            <p:ph idx="1"/>
+          </p:nvPr>
+        </p:nvSpPr>
+        <p:spPr>
+          <a:xfrm>
+            <a:off x="627185" y="100037"/>
+            <a:ext cx="10668000" cy="6278880"/>
+          </a:xfrm>
+        </p:spPr>
+        <p:txBody>
+          <a:bodyPr>
+            <a:normAutofit/>
+          </a:bodyPr>
+          <a:lstStyle/>
+          <a:p>
+            <a:pPr indent="0" algn="just">
+              <a:lnSpc>
+                <a:spcPct val="107000"/>
+              </a:lnSpc>
+              <a:spcAft>
+                <a:spcPts val="800"/>
+              </a:spcAft>
+              <a:buNone/>
+              <a:tabLst>
+                <a:tab pos="3589020" algn="l"/>
+              </a:tabLst>
+            </a:pPr>
+            <a:endParaRPr lang="en-IN" sz="1800" dirty="0">
+              <a:effectLst/>
+              <a:latin typeface="Times New Roman" panose="02020603050405020304" pitchFamily="18" charset="0"/>
+              <a:ea typeface="Calibri" panose="020F0502020204030204" pitchFamily="34" charset="0"/>
+            </a:endParaRPr>
+          </a:p>
+          <a:p>
+            <a:pPr marL="0" lvl="0" indent="0" algn="just">
+              <a:lnSpc>
+                <a:spcPct val="107000"/>
+              </a:lnSpc>
+              <a:spcAft>
+                <a:spcPts val="800"/>
+              </a:spcAft>
+              <a:buNone/>
+              <a:tabLst>
+                <a:tab pos="3589020" algn="l"/>
+              </a:tabLst>
+            </a:pPr>
+            <a:r>
+              <a:rPr lang="en-IN" sz="1800" b="1" dirty="0">
+                <a:effectLst/>
+                <a:latin typeface="Times New Roman" panose="02020603050405020304" pitchFamily="18" charset="0"/>
+                <a:ea typeface="Calibri" panose="020F0502020204030204" pitchFamily="34" charset="0"/>
+              </a:rPr>
+              <a:t>1</a:t>
+            </a:r>
+            <a:r>
+              <a:rPr lang="en-IN" sz="1200" b="1" dirty="0">
+                <a:effectLst/>
+                <a:latin typeface="Times New Roman" panose="02020603050405020304" pitchFamily="18" charset="0"/>
+                <a:ea typeface="Calibri" panose="020F0502020204030204" pitchFamily="34" charset="0"/>
+              </a:rPr>
+              <a:t>. </a:t>
+            </a:r>
+            <a:r>
+              <a:rPr lang="en-IN" sz="2000" b="1" dirty="0">
+                <a:effectLst/>
+                <a:latin typeface="Times New Roman" panose="02020603050405020304" pitchFamily="18" charset="0"/>
+                <a:ea typeface="Calibri" panose="020F0502020204030204" pitchFamily="34" charset="0"/>
+              </a:rPr>
+              <a:t>VQA</a:t>
+            </a:r>
+            <a:r>
+              <a:rPr lang="en-IN" b="1" dirty="0">
+                <a:effectLst/>
+                <a:latin typeface="Times New Roman" panose="02020603050405020304" pitchFamily="18" charset="0"/>
+                <a:ea typeface="Calibri" panose="020F0502020204030204" pitchFamily="34" charset="0"/>
+              </a:rPr>
+              <a:t> </a:t>
+            </a:r>
+            <a:r>
+              <a:rPr lang="en-IN" sz="2000" b="1" dirty="0">
+                <a:effectLst/>
+                <a:latin typeface="Times New Roman" panose="02020603050405020304" pitchFamily="18" charset="0"/>
+                <a:ea typeface="Calibri" panose="020F0502020204030204" pitchFamily="34" charset="0"/>
+              </a:rPr>
+              <a:t>:</a:t>
+            </a:r>
+            <a:endParaRPr lang="en-IN" sz="1400" b="1" dirty="0">
+              <a:effectLst/>
+              <a:latin typeface="Times New Roman" panose="02020603050405020304" pitchFamily="18" charset="0"/>
+              <a:ea typeface="Calibri" panose="020F0502020204030204" pitchFamily="34" charset="0"/>
+            </a:endParaRPr>
+          </a:p>
+          <a:p>
+            <a:pPr marL="457200" lvl="1" indent="0" algn="just">
+              <a:lnSpc>
+                <a:spcPct val="107000"/>
+              </a:lnSpc>
+              <a:spcAft>
+                <a:spcPts val="800"/>
+              </a:spcAft>
+              <a:buNone/>
+              <a:tabLst>
+                <a:tab pos="3589020" algn="l"/>
+              </a:tabLst>
+            </a:pPr>
+            <a:r>
+              <a:rPr lang="en-IN" sz="2000" dirty="0">
+                <a:effectLst/>
+                <a:latin typeface="Times New Roman" panose="02020603050405020304" pitchFamily="18" charset="0"/>
+                <a:ea typeface="Calibri" panose="020F0502020204030204" pitchFamily="34" charset="0"/>
+              </a:rPr>
+              <a:t>Dataset :  VQA (2.0) </a:t>
+            </a:r>
+            <a:r>
+              <a:rPr lang="en-IN" sz="1600" dirty="0">
+                <a:effectLst/>
+                <a:latin typeface="Times New Roman" panose="02020603050405020304" pitchFamily="18" charset="0"/>
+                <a:ea typeface="Calibri" panose="020F0502020204030204" pitchFamily="34" charset="0"/>
+              </a:rPr>
+              <a:t>: </a:t>
+            </a:r>
+          </a:p>
+          <a:p>
+            <a:pPr lvl="1">
+              <a:lnSpc>
+                <a:spcPct val="107000"/>
+              </a:lnSpc>
+              <a:spcAft>
+                <a:spcPts val="800"/>
+              </a:spcAft>
+              <a:buSzPts val="1000"/>
+              <a:tabLst>
+                <a:tab pos="914400" algn="l"/>
+              </a:tabLst>
+            </a:pPr>
+            <a:r>
+              <a:rPr lang="en-IN" sz="1800" dirty="0">
+                <a:solidFill>
+                  <a:srgbClr val="222222"/>
+                </a:solidFill>
+                <a:effectLst/>
+                <a:latin typeface="Times New Roman" panose="02020603050405020304" pitchFamily="18" charset="0"/>
+                <a:ea typeface="Times New Roman" panose="02020603050405020304" pitchFamily="18" charset="0"/>
+              </a:rPr>
+              <a:t>COCO images</a:t>
+            </a:r>
+            <a:br>
+              <a:rPr lang="en-IN" sz="1800" dirty="0">
+                <a:solidFill>
+                  <a:srgbClr val="222222"/>
+                </a:solidFill>
+                <a:effectLst/>
+                <a:latin typeface="Times New Roman" panose="02020603050405020304" pitchFamily="18" charset="0"/>
+                <a:ea typeface="Times New Roman" panose="02020603050405020304" pitchFamily="18" charset="0"/>
+              </a:rPr>
+            </a:br>
+            <a:r>
+              <a:rPr lang="en-IN" sz="1800" dirty="0">
+                <a:solidFill>
+                  <a:srgbClr val="222222"/>
+                </a:solidFill>
+                <a:effectLst/>
+                <a:latin typeface="Times New Roman" panose="02020603050405020304" pitchFamily="18" charset="0"/>
+                <a:ea typeface="Times New Roman" panose="02020603050405020304" pitchFamily="18" charset="0"/>
+              </a:rPr>
+              <a:t>(all of current train/</a:t>
+            </a:r>
+            <a:r>
+              <a:rPr lang="en-IN" sz="1800" dirty="0" err="1">
+                <a:solidFill>
+                  <a:srgbClr val="222222"/>
+                </a:solidFill>
+                <a:effectLst/>
+                <a:latin typeface="Times New Roman" panose="02020603050405020304" pitchFamily="18" charset="0"/>
+                <a:ea typeface="Times New Roman" panose="02020603050405020304" pitchFamily="18" charset="0"/>
+              </a:rPr>
+              <a:t>val</a:t>
+            </a:r>
+            <a:r>
+              <a:rPr lang="en-IN" sz="1800" dirty="0">
+                <a:solidFill>
+                  <a:srgbClr val="222222"/>
+                </a:solidFill>
+                <a:effectLst/>
+                <a:latin typeface="Times New Roman" panose="02020603050405020304" pitchFamily="18" charset="0"/>
+                <a:ea typeface="Times New Roman" panose="02020603050405020304" pitchFamily="18" charset="0"/>
+              </a:rPr>
+              <a:t>/test)</a:t>
+            </a:r>
+            <a:r>
+              <a:rPr lang="en-IN" sz="1800" dirty="0">
+                <a:latin typeface="Times New Roman" panose="02020603050405020304" pitchFamily="18" charset="0"/>
+                <a:ea typeface="Times New Roman" panose="02020603050405020304" pitchFamily="18" charset="0"/>
+              </a:rPr>
+              <a:t>,</a:t>
+            </a:r>
+            <a:r>
+              <a:rPr lang="en-IN" sz="1800" dirty="0">
+                <a:solidFill>
+                  <a:srgbClr val="222222"/>
+                </a:solidFill>
+                <a:effectLst/>
+                <a:latin typeface="Times New Roman" panose="02020603050405020304" pitchFamily="18" charset="0"/>
+                <a:ea typeface="Times New Roman" panose="02020603050405020304" pitchFamily="18" charset="0"/>
+              </a:rPr>
+              <a:t> Questions ,ground truth answers </a:t>
+            </a:r>
+            <a:endParaRPr lang="en-IN" sz="1800" dirty="0">
+              <a:effectLst/>
+              <a:latin typeface="Times New Roman" panose="02020603050405020304" pitchFamily="18" charset="0"/>
+              <a:ea typeface="Calibri" panose="020F0502020204030204" pitchFamily="34" charset="0"/>
+            </a:endParaRPr>
+          </a:p>
+          <a:p>
+            <a:pPr marL="685800">
+              <a:lnSpc>
+                <a:spcPct val="107000"/>
+              </a:lnSpc>
+              <a:spcAft>
+                <a:spcPts val="800"/>
+              </a:spcAft>
+            </a:pPr>
+            <a:r>
+              <a:rPr lang="en-IN" sz="1800" dirty="0">
+                <a:solidFill>
+                  <a:srgbClr val="222222"/>
+                </a:solidFill>
+                <a:effectLst/>
+                <a:latin typeface="Times New Roman" panose="02020603050405020304" pitchFamily="18" charset="0"/>
+                <a:ea typeface="Times New Roman" panose="02020603050405020304" pitchFamily="18" charset="0"/>
+              </a:rPr>
+              <a:t>Training :  Faster RCNN for image features</a:t>
+            </a:r>
+            <a:r>
+              <a:rPr lang="en-IN" sz="2000" dirty="0">
+                <a:solidFill>
+                  <a:srgbClr val="222222"/>
+                </a:solidFill>
+                <a:effectLst/>
+                <a:latin typeface="Times New Roman" panose="02020603050405020304" pitchFamily="18" charset="0"/>
+                <a:ea typeface="Times New Roman" panose="02020603050405020304" pitchFamily="18" charset="0"/>
+              </a:rPr>
+              <a:t>.</a:t>
+            </a:r>
+            <a:endParaRPr lang="en-IN" sz="2000" dirty="0">
+              <a:effectLst/>
+              <a:latin typeface="Times New Roman" panose="02020603050405020304" pitchFamily="18" charset="0"/>
+              <a:ea typeface="Calibri" panose="020F0502020204030204" pitchFamily="34" charset="0"/>
+            </a:endParaRPr>
+          </a:p>
+          <a:p>
+            <a:pPr marL="685800">
+              <a:lnSpc>
+                <a:spcPct val="107000"/>
+              </a:lnSpc>
+              <a:spcAft>
+                <a:spcPts val="800"/>
+              </a:spcAft>
+            </a:pPr>
+            <a:r>
+              <a:rPr lang="en-IN" sz="1800" dirty="0">
+                <a:solidFill>
+                  <a:srgbClr val="222222"/>
+                </a:solidFill>
+                <a:effectLst/>
+                <a:latin typeface="Times New Roman" panose="02020603050405020304" pitchFamily="18" charset="0"/>
+                <a:ea typeface="Times New Roman" panose="02020603050405020304" pitchFamily="18" charset="0"/>
+              </a:rPr>
+              <a:t>Model Performance :</a:t>
+            </a:r>
+            <a:endParaRPr lang="en-IN" sz="1800" dirty="0">
+              <a:effectLst/>
+              <a:latin typeface="Times New Roman" panose="02020603050405020304" pitchFamily="18" charset="0"/>
+              <a:ea typeface="Calibri" panose="020F0502020204030204" pitchFamily="34" charset="0"/>
+            </a:endParaRPr>
+          </a:p>
+          <a:p>
+            <a:pPr marL="0" indent="0">
+              <a:buNone/>
+            </a:pPr>
+            <a:endParaRPr lang="en-IN" dirty="0"/>
+          </a:p>
+        </p:txBody>
+      </p:sp>
+      <p:pic>
+        <p:nvPicPr>
+          <p:cNvPr id="6" name="Picture 5">
+            <a:extLst>
+              <a:ext uri="{FF2B5EF4-FFF2-40B4-BE49-F238E27FC236}">
+                <a16:creationId xmlns:a16="http://schemas.microsoft.com/office/drawing/2014/main" id="{FF5A28F3-882B-4157-AD2D-0079E17ED11D}"/>
+              </a:ext>
+            </a:extLst>
+          </p:cNvPr>
+          <p:cNvPicPr>
+            <a:picLocks noChangeAspect="1"/>
+          </p:cNvPicPr>
+          <p:nvPr/>
+        </p:nvPicPr>
+        <p:blipFill>
+          <a:blip r:embed="rId2">
+            <a:extLst>
+              <a:ext uri="{28A0092B-C50C-407E-A947-70E740481C1C}">
+                <a14:useLocalDpi xmlns:a14="http://schemas.microsoft.com/office/drawing/2010/main" val="0"/>
+              </a:ext>
+            </a:extLst>
+          </a:blip>
+          <a:stretch>
+            <a:fillRect/>
+          </a:stretch>
+        </p:blipFill>
+        <p:spPr>
+          <a:xfrm>
+            <a:off x="1416468" y="4042610"/>
+            <a:ext cx="8809146" cy="1764631"/>
+          </a:xfrm>
+          <a:prstGeom prst="rect">
+            <a:avLst/>
+          </a:prstGeom>
+        </p:spPr>
+      </p:pic>
+    </p:spTree>
+    <p:extLst>
+      <p:ext uri="{BB962C8B-B14F-4D97-AF65-F5344CB8AC3E}">
+        <p14:creationId xmlns:p14="http://schemas.microsoft.com/office/powerpoint/2010/main" val="2192309997"/>
+      </p:ext>
+    </p:extLst>
+  </p:cSld>
+  <p:clrMapOvr>
+    <a:masterClrMapping/>
+  </p:clrMapOvr>
+</p:sld>
+</file>
+
+<file path=ppt/slides/slide18.xml><?xml version="1.0" encoding="utf-8"?>
+<p:sld xmlns:a="http://schemas.openxmlformats.org/drawingml/2006/main" xmlns:r="http://schemas.openxmlformats.org/officeDocument/2006/relationships" xmlns:p="http://schemas.openxmlformats.org/presentationml/2006/main">
+  <p:cSld>
+    <p:spTree>
+      <p:nvGrpSpPr>
+        <p:cNvPr id="1" name=""/>
+        <p:cNvGrpSpPr/>
+        <p:nvPr/>
+      </p:nvGrpSpPr>
+      <p:grpSpPr>
+        <a:xfrm>
+          <a:off x="0" y="0"/>
+          <a:ext cx="0" cy="0"/>
+          <a:chOff x="0" y="0"/>
+          <a:chExt cx="0" cy="0"/>
+        </a:xfrm>
+      </p:grpSpPr>
+      <p:sp>
+        <p:nvSpPr>
+          <p:cNvPr id="3" name="Content Placeholder 2">
+            <a:extLst>
+              <a:ext uri="{FF2B5EF4-FFF2-40B4-BE49-F238E27FC236}">
+                <a16:creationId xmlns:a16="http://schemas.microsoft.com/office/drawing/2014/main" id="{F63F1EAB-6064-44B1-BAFC-326DE7F83C0D}"/>
+              </a:ext>
+            </a:extLst>
+          </p:cNvPr>
+          <p:cNvSpPr>
+            <a:spLocks noGrp="1"/>
+          </p:cNvSpPr>
+          <p:nvPr>
+            <p:ph idx="1"/>
+          </p:nvPr>
+        </p:nvSpPr>
+        <p:spPr>
+          <a:xfrm>
+            <a:off x="599214" y="962231"/>
+            <a:ext cx="10515600" cy="6002922"/>
+          </a:xfrm>
+        </p:spPr>
+        <p:txBody>
+          <a:bodyPr/>
+          <a:lstStyle/>
+          <a:p>
+            <a:pPr marL="0" lvl="0" indent="0">
+              <a:lnSpc>
+                <a:spcPct val="107000"/>
+              </a:lnSpc>
+              <a:buNone/>
+            </a:pPr>
+            <a:r>
+              <a:rPr lang="en-IN" sz="1800" dirty="0">
+                <a:solidFill>
+                  <a:srgbClr val="222222"/>
+                </a:solidFill>
+                <a:effectLst/>
+                <a:latin typeface="Times New Roman" panose="02020603050405020304" pitchFamily="18" charset="0"/>
+                <a:ea typeface="Times New Roman" panose="02020603050405020304" pitchFamily="18" charset="0"/>
+              </a:rPr>
+              <a:t>2. </a:t>
+            </a:r>
+            <a:r>
+              <a:rPr lang="en-IN" sz="1800" b="1" dirty="0">
+                <a:solidFill>
+                  <a:srgbClr val="222222"/>
+                </a:solidFill>
+                <a:effectLst/>
+                <a:latin typeface="Times New Roman" panose="02020603050405020304" pitchFamily="18" charset="0"/>
+                <a:ea typeface="Times New Roman" panose="02020603050405020304" pitchFamily="18" charset="0"/>
+                <a:cs typeface="Times New Roman" panose="02020603050405020304" pitchFamily="18" charset="0"/>
+              </a:rPr>
+              <a:t>VCR </a:t>
+            </a:r>
+            <a:r>
+              <a:rPr lang="en-IN" sz="1800" dirty="0">
+                <a:solidFill>
+                  <a:srgbClr val="222222"/>
+                </a:solidFill>
+                <a:effectLst/>
+                <a:latin typeface="Times New Roman" panose="02020603050405020304" pitchFamily="18" charset="0"/>
+                <a:ea typeface="Times New Roman" panose="02020603050405020304" pitchFamily="18" charset="0"/>
+                <a:cs typeface="Times New Roman" panose="02020603050405020304" pitchFamily="18" charset="0"/>
+              </a:rPr>
+              <a:t>:</a:t>
+            </a:r>
+            <a:endParaRPr lang="en-IN" sz="1800" dirty="0">
+              <a:effectLst/>
+              <a:latin typeface="Times New Roman" panose="02020603050405020304" pitchFamily="18" charset="0"/>
+              <a:ea typeface="Calibri" panose="020F0502020204030204" pitchFamily="34" charset="0"/>
+              <a:cs typeface="Times New Roman" panose="02020603050405020304" pitchFamily="18" charset="0"/>
+            </a:endParaRPr>
+          </a:p>
+          <a:p>
+            <a:pPr marL="685800">
+              <a:lnSpc>
+                <a:spcPct val="107000"/>
+              </a:lnSpc>
+              <a:spcAft>
+                <a:spcPts val="800"/>
+              </a:spcAft>
+            </a:pPr>
+            <a:r>
+              <a:rPr lang="en-IN" sz="1800" dirty="0">
+                <a:solidFill>
+                  <a:srgbClr val="222222"/>
+                </a:solidFill>
+                <a:effectLst/>
+                <a:latin typeface="Times New Roman" panose="02020603050405020304" pitchFamily="18" charset="0"/>
+                <a:ea typeface="Times New Roman" panose="02020603050405020304" pitchFamily="18" charset="0"/>
+                <a:cs typeface="Times New Roman" panose="02020603050405020304" pitchFamily="18" charset="0"/>
+              </a:rPr>
+              <a:t>Dataset : VCR</a:t>
+            </a:r>
+            <a:endParaRPr lang="en-IN" sz="1800" dirty="0">
+              <a:effectLst/>
+              <a:latin typeface="Times New Roman" panose="02020603050405020304" pitchFamily="18" charset="0"/>
+              <a:ea typeface="Calibri" panose="020F0502020204030204" pitchFamily="34" charset="0"/>
+              <a:cs typeface="Times New Roman" panose="02020603050405020304" pitchFamily="18" charset="0"/>
+            </a:endParaRPr>
+          </a:p>
+          <a:p>
+            <a:pPr marL="342900" lvl="0" indent="-342900">
+              <a:lnSpc>
+                <a:spcPct val="107000"/>
+              </a:lnSpc>
+              <a:spcAft>
+                <a:spcPts val="800"/>
+              </a:spcAft>
+              <a:buFont typeface="Symbol" panose="05050102010706020507" pitchFamily="18" charset="2"/>
+              <a:buChar char=""/>
+            </a:pPr>
+            <a:r>
+              <a:rPr lang="en-IN" sz="1800" dirty="0">
+                <a:solidFill>
+                  <a:srgbClr val="E83E8C"/>
+                </a:solidFill>
+                <a:effectLst/>
+                <a:latin typeface="Times New Roman" panose="02020603050405020304" pitchFamily="18" charset="0"/>
+                <a:ea typeface="Times New Roman" panose="02020603050405020304" pitchFamily="18" charset="0"/>
+                <a:cs typeface="Times New Roman" panose="02020603050405020304" pitchFamily="18" charset="0"/>
+              </a:rPr>
+              <a:t>objects</a:t>
+            </a:r>
+            <a:r>
+              <a:rPr lang="en-IN" sz="1800" dirty="0">
+                <a:solidFill>
+                  <a:srgbClr val="212529"/>
+                </a:solidFill>
+                <a:effectLst/>
+                <a:latin typeface="Times New Roman" panose="02020603050405020304" pitchFamily="18" charset="0"/>
+                <a:ea typeface="Times New Roman" panose="02020603050405020304" pitchFamily="18" charset="0"/>
+                <a:cs typeface="Times New Roman" panose="02020603050405020304" pitchFamily="18" charset="0"/>
+              </a:rPr>
+              <a:t>: a list of objects detected, for instance, ["person", "person", "horse", "horse", "horse", "horse"]</a:t>
+            </a:r>
+            <a:endParaRPr lang="en-IN" sz="1800" dirty="0">
+              <a:effectLst/>
+              <a:latin typeface="Times New Roman" panose="02020603050405020304" pitchFamily="18" charset="0"/>
+              <a:ea typeface="Calibri" panose="020F0502020204030204" pitchFamily="34" charset="0"/>
+              <a:cs typeface="Times New Roman" panose="02020603050405020304" pitchFamily="18" charset="0"/>
+            </a:endParaRPr>
+          </a:p>
+          <a:p>
+            <a:pPr marL="342900" lvl="0" indent="-342900">
+              <a:lnSpc>
+                <a:spcPct val="107000"/>
+              </a:lnSpc>
+              <a:spcAft>
+                <a:spcPts val="800"/>
+              </a:spcAft>
+              <a:buFont typeface="Symbol" panose="05050102010706020507" pitchFamily="18" charset="2"/>
+              <a:buChar char=""/>
+            </a:pPr>
+            <a:r>
+              <a:rPr lang="en-IN" sz="1800" dirty="0" err="1">
+                <a:solidFill>
+                  <a:srgbClr val="E83E8C"/>
+                </a:solidFill>
+                <a:effectLst/>
+                <a:latin typeface="Times New Roman" panose="02020603050405020304" pitchFamily="18" charset="0"/>
+                <a:ea typeface="Times New Roman" panose="02020603050405020304" pitchFamily="18" charset="0"/>
+                <a:cs typeface="Times New Roman" panose="02020603050405020304" pitchFamily="18" charset="0"/>
+              </a:rPr>
+              <a:t>img_fn</a:t>
+            </a:r>
+            <a:r>
+              <a:rPr lang="en-IN" sz="1800" dirty="0">
+                <a:solidFill>
+                  <a:srgbClr val="212529"/>
+                </a:solidFill>
+                <a:effectLst/>
+                <a:latin typeface="Times New Roman" panose="02020603050405020304" pitchFamily="18" charset="0"/>
+                <a:ea typeface="Times New Roman" panose="02020603050405020304" pitchFamily="18" charset="0"/>
+                <a:cs typeface="Times New Roman" panose="02020603050405020304" pitchFamily="18" charset="0"/>
+              </a:rPr>
+              <a:t>: the filename of the image, within the </a:t>
+            </a:r>
+            <a:r>
+              <a:rPr lang="en-IN" sz="1800" dirty="0">
+                <a:solidFill>
+                  <a:srgbClr val="E83E8C"/>
+                </a:solidFill>
+                <a:effectLst/>
+                <a:latin typeface="Times New Roman" panose="02020603050405020304" pitchFamily="18" charset="0"/>
+                <a:ea typeface="Times New Roman" panose="02020603050405020304" pitchFamily="18" charset="0"/>
+                <a:cs typeface="Times New Roman" panose="02020603050405020304" pitchFamily="18" charset="0"/>
+              </a:rPr>
+              <a:t>vcr1images</a:t>
+            </a:r>
+            <a:r>
+              <a:rPr lang="en-IN" sz="1800" dirty="0">
+                <a:solidFill>
+                  <a:srgbClr val="212529"/>
+                </a:solidFill>
+                <a:effectLst/>
+                <a:latin typeface="Times New Roman" panose="02020603050405020304" pitchFamily="18" charset="0"/>
+                <a:ea typeface="Times New Roman" panose="02020603050405020304" pitchFamily="18" charset="0"/>
+                <a:cs typeface="Times New Roman" panose="02020603050405020304" pitchFamily="18" charset="0"/>
+              </a:rPr>
+              <a:t> directory.</a:t>
+            </a:r>
+            <a:endParaRPr lang="en-IN" sz="1800" dirty="0">
+              <a:effectLst/>
+              <a:latin typeface="Times New Roman" panose="02020603050405020304" pitchFamily="18" charset="0"/>
+              <a:ea typeface="Calibri" panose="020F0502020204030204" pitchFamily="34" charset="0"/>
+              <a:cs typeface="Times New Roman" panose="02020603050405020304" pitchFamily="18" charset="0"/>
+            </a:endParaRPr>
+          </a:p>
+          <a:p>
+            <a:pPr marL="342900" lvl="0" indent="-342900">
+              <a:lnSpc>
+                <a:spcPct val="107000"/>
+              </a:lnSpc>
+              <a:spcAft>
+                <a:spcPts val="800"/>
+              </a:spcAft>
+              <a:buFont typeface="Symbol" panose="05050102010706020507" pitchFamily="18" charset="2"/>
+              <a:buChar char=""/>
+            </a:pPr>
+            <a:r>
+              <a:rPr lang="en-IN" sz="1800" dirty="0" err="1">
+                <a:solidFill>
+                  <a:srgbClr val="E83E8C"/>
+                </a:solidFill>
+                <a:effectLst/>
+                <a:latin typeface="Times New Roman" panose="02020603050405020304" pitchFamily="18" charset="0"/>
+                <a:ea typeface="Times New Roman" panose="02020603050405020304" pitchFamily="18" charset="0"/>
+                <a:cs typeface="Times New Roman" panose="02020603050405020304" pitchFamily="18" charset="0"/>
+              </a:rPr>
+              <a:t>metadata_fn</a:t>
+            </a:r>
+            <a:r>
+              <a:rPr lang="en-IN" sz="1800" dirty="0">
+                <a:solidFill>
+                  <a:srgbClr val="212529"/>
+                </a:solidFill>
+                <a:effectLst/>
+                <a:latin typeface="Times New Roman" panose="02020603050405020304" pitchFamily="18" charset="0"/>
+                <a:ea typeface="Times New Roman" panose="02020603050405020304" pitchFamily="18" charset="0"/>
+                <a:cs typeface="Times New Roman" panose="02020603050405020304" pitchFamily="18" charset="0"/>
+              </a:rPr>
+              <a:t>: the json metadata file for the image, within the </a:t>
+            </a:r>
+            <a:r>
+              <a:rPr lang="en-IN" sz="1800" dirty="0">
+                <a:solidFill>
+                  <a:srgbClr val="E83E8C"/>
+                </a:solidFill>
+                <a:effectLst/>
+                <a:latin typeface="Times New Roman" panose="02020603050405020304" pitchFamily="18" charset="0"/>
+                <a:ea typeface="Times New Roman" panose="02020603050405020304" pitchFamily="18" charset="0"/>
+                <a:cs typeface="Times New Roman" panose="02020603050405020304" pitchFamily="18" charset="0"/>
+              </a:rPr>
+              <a:t>vcr1images</a:t>
+            </a:r>
+            <a:r>
+              <a:rPr lang="en-IN" sz="1800" dirty="0">
+                <a:solidFill>
+                  <a:srgbClr val="212529"/>
+                </a:solidFill>
+                <a:effectLst/>
+                <a:latin typeface="Times New Roman" panose="02020603050405020304" pitchFamily="18" charset="0"/>
+                <a:ea typeface="Times New Roman" panose="02020603050405020304" pitchFamily="18" charset="0"/>
+                <a:cs typeface="Times New Roman" panose="02020603050405020304" pitchFamily="18" charset="0"/>
+              </a:rPr>
+              <a:t> directory.</a:t>
+            </a:r>
+            <a:endParaRPr lang="en-IN" sz="1800" dirty="0">
+              <a:effectLst/>
+              <a:latin typeface="Times New Roman" panose="02020603050405020304" pitchFamily="18" charset="0"/>
+              <a:ea typeface="Calibri" panose="020F0502020204030204" pitchFamily="34" charset="0"/>
+              <a:cs typeface="Times New Roman" panose="02020603050405020304" pitchFamily="18" charset="0"/>
+            </a:endParaRPr>
+          </a:p>
+          <a:p>
+            <a:pPr marL="342900" lvl="0" indent="-342900">
+              <a:lnSpc>
+                <a:spcPct val="107000"/>
+              </a:lnSpc>
+              <a:spcAft>
+                <a:spcPts val="800"/>
+              </a:spcAft>
+              <a:buFont typeface="Symbol" panose="05050102010706020507" pitchFamily="18" charset="2"/>
+              <a:buChar char=""/>
+            </a:pPr>
+            <a:r>
+              <a:rPr lang="en-IN" sz="1800" dirty="0">
+                <a:solidFill>
+                  <a:srgbClr val="E83E8C"/>
+                </a:solidFill>
+                <a:effectLst/>
+                <a:latin typeface="Times New Roman" panose="02020603050405020304" pitchFamily="18" charset="0"/>
+                <a:ea typeface="Times New Roman" panose="02020603050405020304" pitchFamily="18" charset="0"/>
+                <a:cs typeface="Times New Roman" panose="02020603050405020304" pitchFamily="18" charset="0"/>
+              </a:rPr>
+              <a:t>question</a:t>
+            </a:r>
+            <a:r>
+              <a:rPr lang="en-IN" sz="1800" dirty="0">
+                <a:solidFill>
+                  <a:srgbClr val="212529"/>
+                </a:solidFill>
+                <a:effectLst/>
+                <a:latin typeface="Times New Roman" panose="02020603050405020304" pitchFamily="18" charset="0"/>
+                <a:ea typeface="Times New Roman" panose="02020603050405020304" pitchFamily="18" charset="0"/>
+                <a:cs typeface="Times New Roman" panose="02020603050405020304" pitchFamily="18" charset="0"/>
+              </a:rPr>
+              <a:t>: Tokenized version of the question. Detection tags are represented as lists, so one example might be </a:t>
+            </a:r>
+            <a:r>
+              <a:rPr lang="en-IN" sz="1800" dirty="0">
+                <a:solidFill>
+                  <a:srgbClr val="E83E8C"/>
+                </a:solidFill>
+                <a:effectLst/>
+                <a:latin typeface="Times New Roman" panose="02020603050405020304" pitchFamily="18" charset="0"/>
+                <a:ea typeface="Times New Roman" panose="02020603050405020304" pitchFamily="18" charset="0"/>
+                <a:cs typeface="Times New Roman" panose="02020603050405020304" pitchFamily="18" charset="0"/>
+              </a:rPr>
+              <a:t>["What", "are", [0,1], "doing", "?"]</a:t>
+            </a:r>
+            <a:r>
+              <a:rPr lang="en-IN" sz="1800" dirty="0">
+                <a:solidFill>
+                  <a:srgbClr val="212529"/>
+                </a:solidFill>
+                <a:effectLst/>
+                <a:latin typeface="Times New Roman" panose="02020603050405020304" pitchFamily="18" charset="0"/>
+                <a:ea typeface="Times New Roman" panose="02020603050405020304" pitchFamily="18" charset="0"/>
+                <a:cs typeface="Times New Roman" panose="02020603050405020304" pitchFamily="18" charset="0"/>
+              </a:rPr>
+              <a:t> which corresponds to </a:t>
+            </a:r>
+            <a:r>
+              <a:rPr lang="en-IN" sz="1800" dirty="0">
+                <a:solidFill>
+                  <a:srgbClr val="E83E8C"/>
+                </a:solidFill>
+                <a:effectLst/>
+                <a:latin typeface="Times New Roman" panose="02020603050405020304" pitchFamily="18" charset="0"/>
+                <a:ea typeface="Times New Roman" panose="02020603050405020304" pitchFamily="18" charset="0"/>
+                <a:cs typeface="Times New Roman" panose="02020603050405020304" pitchFamily="18" charset="0"/>
+              </a:rPr>
+              <a:t>What are 0 and 1 doing?</a:t>
+            </a:r>
+            <a:r>
+              <a:rPr lang="en-IN" sz="1800" dirty="0">
+                <a:solidFill>
+                  <a:srgbClr val="212529"/>
+                </a:solidFill>
+                <a:effectLst/>
+                <a:latin typeface="Times New Roman" panose="02020603050405020304" pitchFamily="18" charset="0"/>
+                <a:ea typeface="Times New Roman" panose="02020603050405020304" pitchFamily="18" charset="0"/>
+                <a:cs typeface="Times New Roman" panose="02020603050405020304" pitchFamily="18" charset="0"/>
+              </a:rPr>
+              <a:t>, where 0 and 1 are indexes (starting at 0) into </a:t>
+            </a:r>
+            <a:r>
+              <a:rPr lang="en-IN" sz="1800" dirty="0">
+                <a:solidFill>
+                  <a:srgbClr val="E83E8C"/>
+                </a:solidFill>
+                <a:effectLst/>
+                <a:latin typeface="Times New Roman" panose="02020603050405020304" pitchFamily="18" charset="0"/>
+                <a:ea typeface="Times New Roman" panose="02020603050405020304" pitchFamily="18" charset="0"/>
+                <a:cs typeface="Times New Roman" panose="02020603050405020304" pitchFamily="18" charset="0"/>
+              </a:rPr>
+              <a:t>objects</a:t>
+            </a:r>
+            <a:r>
+              <a:rPr lang="en-IN" sz="1800" dirty="0">
+                <a:solidFill>
+                  <a:srgbClr val="212529"/>
+                </a:solidFill>
+                <a:effectLst/>
+                <a:latin typeface="Times New Roman" panose="02020603050405020304" pitchFamily="18" charset="0"/>
+                <a:ea typeface="Times New Roman" panose="02020603050405020304" pitchFamily="18" charset="0"/>
+                <a:cs typeface="Times New Roman" panose="02020603050405020304" pitchFamily="18" charset="0"/>
+              </a:rPr>
+              <a:t>.</a:t>
+            </a:r>
+            <a:endParaRPr lang="en-IN" sz="1800" dirty="0">
+              <a:effectLst/>
+              <a:latin typeface="Times New Roman" panose="02020603050405020304" pitchFamily="18" charset="0"/>
+              <a:ea typeface="Calibri" panose="020F0502020204030204" pitchFamily="34" charset="0"/>
+              <a:cs typeface="Times New Roman" panose="02020603050405020304" pitchFamily="18" charset="0"/>
+            </a:endParaRPr>
+          </a:p>
+          <a:p>
+            <a:pPr marL="342900" lvl="0" indent="-342900">
+              <a:lnSpc>
+                <a:spcPct val="107000"/>
+              </a:lnSpc>
+              <a:spcAft>
+                <a:spcPts val="800"/>
+              </a:spcAft>
+              <a:buFont typeface="Symbol" panose="05050102010706020507" pitchFamily="18" charset="2"/>
+              <a:buChar char=""/>
+            </a:pPr>
+            <a:r>
+              <a:rPr lang="en-IN" sz="1800" dirty="0" err="1">
+                <a:solidFill>
+                  <a:srgbClr val="E83E8C"/>
+                </a:solidFill>
+                <a:effectLst/>
+                <a:latin typeface="Times New Roman" panose="02020603050405020304" pitchFamily="18" charset="0"/>
+                <a:ea typeface="Times New Roman" panose="02020603050405020304" pitchFamily="18" charset="0"/>
+                <a:cs typeface="Times New Roman" panose="02020603050405020304" pitchFamily="18" charset="0"/>
+              </a:rPr>
+              <a:t>answer_choices</a:t>
+            </a:r>
+            <a:r>
+              <a:rPr lang="en-IN" sz="1800" dirty="0">
+                <a:solidFill>
+                  <a:srgbClr val="212529"/>
+                </a:solidFill>
+                <a:effectLst/>
+                <a:latin typeface="Times New Roman" panose="02020603050405020304" pitchFamily="18" charset="0"/>
+                <a:ea typeface="Times New Roman" panose="02020603050405020304" pitchFamily="18" charset="0"/>
+                <a:cs typeface="Times New Roman" panose="02020603050405020304" pitchFamily="18" charset="0"/>
+              </a:rPr>
+              <a:t>: A list of four answer choices, with the same format as </a:t>
+            </a:r>
+            <a:r>
+              <a:rPr lang="en-IN" sz="1800" dirty="0">
+                <a:solidFill>
+                  <a:srgbClr val="E83E8C"/>
+                </a:solidFill>
+                <a:effectLst/>
+                <a:latin typeface="Times New Roman" panose="02020603050405020304" pitchFamily="18" charset="0"/>
+                <a:ea typeface="Times New Roman" panose="02020603050405020304" pitchFamily="18" charset="0"/>
+                <a:cs typeface="Times New Roman" panose="02020603050405020304" pitchFamily="18" charset="0"/>
+              </a:rPr>
+              <a:t>question</a:t>
+            </a:r>
+            <a:r>
+              <a:rPr lang="en-IN" sz="1800" dirty="0">
+                <a:solidFill>
+                  <a:srgbClr val="212529"/>
+                </a:solidFill>
+                <a:effectLst/>
+                <a:latin typeface="Times New Roman" panose="02020603050405020304" pitchFamily="18" charset="0"/>
+                <a:ea typeface="Times New Roman" panose="02020603050405020304" pitchFamily="18" charset="0"/>
+                <a:cs typeface="Times New Roman" panose="02020603050405020304" pitchFamily="18" charset="0"/>
+              </a:rPr>
+              <a:t>.</a:t>
+            </a:r>
+            <a:endParaRPr lang="en-IN" sz="1800" dirty="0">
+              <a:effectLst/>
+              <a:latin typeface="Times New Roman" panose="02020603050405020304" pitchFamily="18" charset="0"/>
+              <a:ea typeface="Calibri" panose="020F0502020204030204" pitchFamily="34" charset="0"/>
+              <a:cs typeface="Times New Roman" panose="02020603050405020304" pitchFamily="18" charset="0"/>
+            </a:endParaRPr>
+          </a:p>
+          <a:p>
+            <a:pPr marL="342900" lvl="0" indent="-342900">
+              <a:lnSpc>
+                <a:spcPct val="107000"/>
+              </a:lnSpc>
+              <a:spcAft>
+                <a:spcPts val="800"/>
+              </a:spcAft>
+              <a:buFont typeface="Symbol" panose="05050102010706020507" pitchFamily="18" charset="2"/>
+              <a:buChar char=""/>
+            </a:pPr>
+            <a:r>
+              <a:rPr lang="en-IN" sz="1800" dirty="0" err="1">
+                <a:solidFill>
+                  <a:srgbClr val="E83E8C"/>
+                </a:solidFill>
+                <a:effectLst/>
+                <a:latin typeface="Times New Roman" panose="02020603050405020304" pitchFamily="18" charset="0"/>
+                <a:ea typeface="Times New Roman" panose="02020603050405020304" pitchFamily="18" charset="0"/>
+                <a:cs typeface="Times New Roman" panose="02020603050405020304" pitchFamily="18" charset="0"/>
+              </a:rPr>
+              <a:t>answer_label</a:t>
+            </a:r>
+            <a:r>
+              <a:rPr lang="en-IN" sz="1800" dirty="0">
+                <a:solidFill>
+                  <a:srgbClr val="212529"/>
+                </a:solidFill>
+                <a:effectLst/>
+                <a:latin typeface="Times New Roman" panose="02020603050405020304" pitchFamily="18" charset="0"/>
+                <a:ea typeface="Times New Roman" panose="02020603050405020304" pitchFamily="18" charset="0"/>
+                <a:cs typeface="Times New Roman" panose="02020603050405020304" pitchFamily="18" charset="0"/>
+              </a:rPr>
+              <a:t>: Which answer (0 to 3) is right in </a:t>
+            </a:r>
+            <a:r>
+              <a:rPr lang="en-IN" sz="1800" dirty="0" err="1">
+                <a:solidFill>
+                  <a:srgbClr val="E83E8C"/>
+                </a:solidFill>
+                <a:effectLst/>
+                <a:latin typeface="Times New Roman" panose="02020603050405020304" pitchFamily="18" charset="0"/>
+                <a:ea typeface="Times New Roman" panose="02020603050405020304" pitchFamily="18" charset="0"/>
+                <a:cs typeface="Times New Roman" panose="02020603050405020304" pitchFamily="18" charset="0"/>
+              </a:rPr>
+              <a:t>answer_choices</a:t>
+            </a:r>
+            <a:r>
+              <a:rPr lang="en-IN" sz="1800" dirty="0">
+                <a:solidFill>
+                  <a:srgbClr val="212529"/>
+                </a:solidFill>
+                <a:effectLst/>
+                <a:latin typeface="Times New Roman" panose="02020603050405020304" pitchFamily="18" charset="0"/>
+                <a:ea typeface="Times New Roman" panose="02020603050405020304" pitchFamily="18" charset="0"/>
+                <a:cs typeface="Times New Roman" panose="02020603050405020304" pitchFamily="18" charset="0"/>
+              </a:rPr>
+              <a:t>.</a:t>
+            </a:r>
+            <a:endParaRPr lang="en-IN" sz="1800" dirty="0">
+              <a:effectLst/>
+              <a:latin typeface="Times New Roman" panose="02020603050405020304" pitchFamily="18" charset="0"/>
+              <a:ea typeface="Calibri" panose="020F0502020204030204" pitchFamily="34" charset="0"/>
+              <a:cs typeface="Times New Roman" panose="02020603050405020304" pitchFamily="18" charset="0"/>
+            </a:endParaRPr>
+          </a:p>
+          <a:p>
+            <a:pPr marL="0" indent="0">
+              <a:buNone/>
+            </a:pPr>
+            <a:endParaRPr lang="en-IN" dirty="0"/>
+          </a:p>
+        </p:txBody>
+      </p:sp>
+    </p:spTree>
+    <p:extLst>
+      <p:ext uri="{BB962C8B-B14F-4D97-AF65-F5344CB8AC3E}">
+        <p14:creationId xmlns:p14="http://schemas.microsoft.com/office/powerpoint/2010/main" val="3339687272"/>
+      </p:ext>
+    </p:extLst>
+  </p:cSld>
+  <p:clrMapOvr>
+    <a:masterClrMapping/>
+  </p:clrMapOvr>
+</p:sld>
+</file>
+
+<file path=ppt/slides/slide19.xml><?xml version="1.0" encoding="utf-8"?>
+<p:sld xmlns:a="http://schemas.openxmlformats.org/drawingml/2006/main" xmlns:r="http://schemas.openxmlformats.org/officeDocument/2006/relationships" xmlns:p="http://schemas.openxmlformats.org/presentationml/2006/main">
+  <p:cSld>
+    <p:spTree>
+      <p:nvGrpSpPr>
+        <p:cNvPr id="1" name=""/>
+        <p:cNvGrpSpPr/>
+        <p:nvPr/>
+      </p:nvGrpSpPr>
+      <p:grpSpPr>
+        <a:xfrm>
+          <a:off x="0" y="0"/>
+          <a:ext cx="0" cy="0"/>
+          <a:chOff x="0" y="0"/>
+          <a:chExt cx="0" cy="0"/>
+        </a:xfrm>
+      </p:grpSpPr>
+      <p:sp>
+        <p:nvSpPr>
+          <p:cNvPr id="3" name="Content Placeholder 2">
+            <a:extLst>
+              <a:ext uri="{FF2B5EF4-FFF2-40B4-BE49-F238E27FC236}">
+                <a16:creationId xmlns:a16="http://schemas.microsoft.com/office/drawing/2014/main" id="{F1200E3C-8939-4A98-9B18-D45EDFB728A4}"/>
+              </a:ext>
+            </a:extLst>
+          </p:cNvPr>
+          <p:cNvSpPr>
+            <a:spLocks noGrp="1"/>
+          </p:cNvSpPr>
+          <p:nvPr>
+            <p:ph idx="1"/>
+          </p:nvPr>
+        </p:nvSpPr>
+        <p:spPr>
+          <a:xfrm>
+            <a:off x="728784" y="813533"/>
+            <a:ext cx="10515600" cy="6044467"/>
+          </a:xfrm>
+        </p:spPr>
+        <p:txBody>
+          <a:bodyPr/>
+          <a:lstStyle/>
+          <a:p>
+            <a:pPr marL="0" indent="0">
+              <a:buNone/>
+            </a:pPr>
+            <a:r>
+              <a:rPr lang="en-IN" sz="1800" dirty="0">
+                <a:solidFill>
+                  <a:srgbClr val="222222"/>
+                </a:solidFill>
+                <a:effectLst/>
+                <a:latin typeface="Times New Roman" panose="02020603050405020304" pitchFamily="18" charset="0"/>
+                <a:ea typeface="Times New Roman" panose="02020603050405020304" pitchFamily="18" charset="0"/>
+              </a:rPr>
+              <a:t>Model Performance : </a:t>
+            </a:r>
+            <a:endParaRPr lang="en-IN" sz="1800" dirty="0">
+              <a:effectLst/>
+              <a:latin typeface="Times New Roman" panose="02020603050405020304" pitchFamily="18" charset="0"/>
+              <a:ea typeface="Calibri" panose="020F0502020204030204" pitchFamily="34" charset="0"/>
+            </a:endParaRPr>
+          </a:p>
+          <a:p>
+            <a:pPr marL="0" indent="0">
+              <a:buNone/>
+            </a:pPr>
+            <a:endParaRPr lang="en-IN" dirty="0"/>
+          </a:p>
+          <a:p>
+            <a:pPr marL="0" indent="0">
+              <a:buNone/>
+            </a:pPr>
+            <a:endParaRPr lang="en-IN" dirty="0"/>
+          </a:p>
+          <a:p>
+            <a:pPr marL="0" indent="0">
+              <a:buNone/>
+            </a:pPr>
+            <a:endParaRPr lang="en-IN" dirty="0"/>
+          </a:p>
+          <a:p>
+            <a:pPr marL="0" indent="0">
+              <a:buNone/>
+            </a:pPr>
+            <a:endParaRPr lang="en-IN" dirty="0"/>
+          </a:p>
+          <a:p>
+            <a:pPr marL="0" indent="0">
+              <a:buNone/>
+            </a:pPr>
+            <a:endParaRPr lang="en-IN" dirty="0"/>
+          </a:p>
+          <a:p>
+            <a:pPr marL="0" indent="0">
+              <a:buNone/>
+            </a:pPr>
+            <a:endParaRPr lang="en-IN" dirty="0"/>
+          </a:p>
+          <a:p>
+            <a:pPr marL="0" indent="0">
+              <a:buNone/>
+            </a:pPr>
+            <a:endParaRPr lang="en-IN" sz="1800" b="1" dirty="0">
+              <a:solidFill>
+                <a:srgbClr val="222222"/>
+              </a:solidFill>
+              <a:effectLst/>
+              <a:latin typeface="Times New Roman" panose="02020603050405020304" pitchFamily="18" charset="0"/>
+              <a:ea typeface="Times New Roman" panose="02020603050405020304" pitchFamily="18" charset="0"/>
+            </a:endParaRPr>
+          </a:p>
+          <a:p>
+            <a:pPr marL="0" indent="0">
+              <a:buNone/>
+            </a:pPr>
+            <a:r>
+              <a:rPr lang="en-IN" sz="1800" b="1" dirty="0">
+                <a:solidFill>
+                  <a:srgbClr val="222222"/>
+                </a:solidFill>
+                <a:effectLst/>
+                <a:latin typeface="Times New Roman" panose="02020603050405020304" pitchFamily="18" charset="0"/>
+                <a:ea typeface="Times New Roman" panose="02020603050405020304" pitchFamily="18" charset="0"/>
+              </a:rPr>
+              <a:t>Conclusion </a:t>
+            </a:r>
+            <a:r>
+              <a:rPr lang="en-IN" sz="1800" dirty="0">
+                <a:solidFill>
+                  <a:srgbClr val="222222"/>
+                </a:solidFill>
+                <a:effectLst/>
+                <a:latin typeface="Times New Roman" panose="02020603050405020304" pitchFamily="18" charset="0"/>
+                <a:ea typeface="Times New Roman" panose="02020603050405020304" pitchFamily="18" charset="0"/>
+              </a:rPr>
+              <a:t>: </a:t>
+            </a:r>
+            <a:r>
+              <a:rPr lang="en-IN" sz="1800" dirty="0">
+                <a:solidFill>
+                  <a:srgbClr val="000000"/>
+                </a:solidFill>
+                <a:effectLst/>
+                <a:latin typeface="Times New Roman" panose="02020603050405020304" pitchFamily="18" charset="0"/>
+                <a:ea typeface="Calibri" panose="020F0502020204030204" pitchFamily="34" charset="0"/>
+              </a:rPr>
+              <a:t>Despite VisualBERT is simple, it achieves strong performance on these above evaluation tasks.</a:t>
+            </a:r>
+            <a:endParaRPr lang="en-IN" sz="1800" dirty="0">
+              <a:effectLst/>
+              <a:latin typeface="Times New Roman" panose="02020603050405020304" pitchFamily="18" charset="0"/>
+              <a:ea typeface="Calibri" panose="020F0502020204030204" pitchFamily="34" charset="0"/>
+            </a:endParaRPr>
+          </a:p>
+          <a:p>
+            <a:pPr marL="0" indent="0">
+              <a:buNone/>
+            </a:pPr>
+            <a:endParaRPr lang="en-IN" dirty="0"/>
+          </a:p>
+        </p:txBody>
+      </p:sp>
+      <p:pic>
+        <p:nvPicPr>
+          <p:cNvPr id="6" name="Picture 5">
+            <a:extLst>
+              <a:ext uri="{FF2B5EF4-FFF2-40B4-BE49-F238E27FC236}">
+                <a16:creationId xmlns:a16="http://schemas.microsoft.com/office/drawing/2014/main" id="{73D8091B-D739-41AD-A713-052A4CED4246}"/>
+              </a:ext>
+            </a:extLst>
+          </p:cNvPr>
+          <p:cNvPicPr>
+            <a:picLocks noChangeAspect="1"/>
+          </p:cNvPicPr>
+          <p:nvPr/>
+        </p:nvPicPr>
+        <p:blipFill>
+          <a:blip r:embed="rId2">
+            <a:extLst>
+              <a:ext uri="{28A0092B-C50C-407E-A947-70E740481C1C}">
+                <a14:useLocalDpi xmlns:a14="http://schemas.microsoft.com/office/drawing/2010/main" val="0"/>
+              </a:ext>
+            </a:extLst>
+          </a:blip>
+          <a:stretch>
+            <a:fillRect/>
+          </a:stretch>
+        </p:blipFill>
+        <p:spPr>
+          <a:xfrm>
+            <a:off x="1494086" y="1588168"/>
+            <a:ext cx="8754487" cy="1840831"/>
+          </a:xfrm>
+          <a:prstGeom prst="rect">
+            <a:avLst/>
+          </a:prstGeom>
+        </p:spPr>
+      </p:pic>
+    </p:spTree>
+    <p:extLst>
+      <p:ext uri="{BB962C8B-B14F-4D97-AF65-F5344CB8AC3E}">
+        <p14:creationId xmlns:p14="http://schemas.microsoft.com/office/powerpoint/2010/main" val="3642485564"/>
       </p:ext>
     </p:extLst>
   </p:cSld>
@@ -3897,7 +6719,7 @@
           <p:cNvPr id="2" name="Title 1">
             <a:extLst>
               <a:ext uri="{FF2B5EF4-FFF2-40B4-BE49-F238E27FC236}">
-                <a16:creationId xmlns:a16="http://schemas.microsoft.com/office/drawing/2014/main" xmlns="" id="{41DADCA5-95FA-4757-BB98-C99F818596B4}"/>
+                <a16:creationId xmlns:a16="http://schemas.microsoft.com/office/drawing/2014/main" id="{41DADCA5-95FA-4757-BB98-C99F818596B4}"/>
               </a:ext>
             </a:extLst>
           </p:cNvPr>
@@ -3914,7 +6736,7 @@
           <a:lstStyle/>
           <a:p>
             <a:r>
-              <a:rPr lang="en-US" dirty="0" smtClean="0"/>
+              <a:rPr lang="en-US" dirty="0"/>
               <a:t>Hateful Memes</a:t>
             </a:r>
             <a:endParaRPr lang="en-IN" dirty="0"/>
@@ -3926,7 +6748,7 @@
           <p:cNvPr id="3" name="Content Placeholder 2">
             <a:extLst>
               <a:ext uri="{FF2B5EF4-FFF2-40B4-BE49-F238E27FC236}">
-                <a16:creationId xmlns:a16="http://schemas.microsoft.com/office/drawing/2014/main" xmlns="" id="{47E405DD-0DA4-448A-BC5C-D96CD6E2FFF6}"/>
+                <a16:creationId xmlns:a16="http://schemas.microsoft.com/office/drawing/2014/main" id="{47E405DD-0DA4-448A-BC5C-D96CD6E2FFF6}"/>
               </a:ext>
             </a:extLst>
           </p:cNvPr>
@@ -3943,7 +6765,7 @@
           <a:lstStyle/>
           <a:p>
             <a:r>
-              <a:rPr lang="en-US" dirty="0" smtClean="0"/>
+              <a:rPr lang="en-US" dirty="0"/>
               <a:t>Non Hateful Memes</a:t>
             </a:r>
           </a:p>
@@ -4063,7 +6885,7 @@
           <a:lstStyle/>
           <a:p>
             <a:r>
-              <a:rPr lang="en-US" sz="2000" dirty="0" smtClean="0"/>
+              <a:rPr lang="en-US" sz="2000" dirty="0"/>
               <a:t>Hateful Memes</a:t>
             </a:r>
             <a:endParaRPr lang="en-IN" sz="2000" dirty="0"/>
@@ -4093,7 +6915,7 @@
           <a:lstStyle/>
           <a:p>
             <a:r>
-              <a:rPr lang="en-US" sz="2000" dirty="0" err="1" smtClean="0"/>
+              <a:rPr lang="en-US" sz="2000" dirty="0" err="1"/>
               <a:t>vs</a:t>
             </a:r>
             <a:endParaRPr lang="en-IN" sz="2000" dirty="0"/>
@@ -4103,7 +6925,7 @@
     </p:spTree>
     <p:extLst>
       <p:ext uri="{BB962C8B-B14F-4D97-AF65-F5344CB8AC3E}">
-        <p14:creationId xmlns:p14="http://schemas.microsoft.com/office/powerpoint/2010/main" xmlns="" val="1993663107"/>
+        <p14:creationId xmlns:p14="http://schemas.microsoft.com/office/powerpoint/2010/main" val="1993663107"/>
       </p:ext>
     </p:extLst>
   </p:cSld>
@@ -4153,7 +6975,7 @@
           <a:lstStyle/>
           <a:p>
             <a:r>
-              <a:rPr lang="en-US" sz="2800" dirty="0" smtClean="0"/>
+              <a:rPr lang="en-US" sz="2800" dirty="0"/>
               <a:t>Rise of memes</a:t>
             </a:r>
             <a:endParaRPr lang="en-IN" sz="2800" dirty="0"/>
@@ -4232,7 +7054,7 @@
           <a:lstStyle/>
           <a:p>
             <a:r>
-              <a:rPr lang="en-US" dirty="0" smtClean="0"/>
+              <a:rPr lang="en-US" dirty="0"/>
               <a:t>Why to classify between hateful memes and fine memes?</a:t>
             </a:r>
           </a:p>
@@ -4261,27 +7083,27 @@
           <a:lstStyle/>
           <a:p>
             <a:r>
-              <a:rPr lang="en-US" dirty="0" smtClean="0">
+              <a:rPr lang="en-US" dirty="0">
                 <a:hlinkClick r:id="rId2"/>
               </a:rPr>
               <a:t>How memes have made it easier to spread anger and hate?</a:t>
             </a:r>
-            <a:endParaRPr lang="en-US" dirty="0" smtClean="0"/>
-          </a:p>
-          <a:p>
-            <a:endParaRPr lang="en-US" dirty="0" smtClean="0"/>
-          </a:p>
-          <a:p>
-            <a:endParaRPr lang="en-US" dirty="0" smtClean="0"/>
-          </a:p>
-          <a:p>
-            <a:endParaRPr lang="en-US" dirty="0" smtClean="0"/>
-          </a:p>
-          <a:p>
-            <a:endParaRPr lang="en-US" dirty="0" smtClean="0"/>
-          </a:p>
-          <a:p>
-            <a:endParaRPr lang="en-US" dirty="0" smtClean="0"/>
+            <a:endParaRPr lang="en-US" dirty="0"/>
+          </a:p>
+          <a:p>
+            <a:endParaRPr lang="en-US" dirty="0"/>
+          </a:p>
+          <a:p>
+            <a:endParaRPr lang="en-US" dirty="0"/>
+          </a:p>
+          <a:p>
+            <a:endParaRPr lang="en-US" dirty="0"/>
+          </a:p>
+          <a:p>
+            <a:endParaRPr lang="en-US" dirty="0"/>
+          </a:p>
+          <a:p>
+            <a:endParaRPr lang="en-US" dirty="0"/>
           </a:p>
           <a:p>
             <a:endParaRPr lang="en-IN" dirty="0"/>
@@ -4318,7 +7140,7 @@
           <p:cNvPr id="2" name="Title 1">
             <a:extLst>
               <a:ext uri="{FF2B5EF4-FFF2-40B4-BE49-F238E27FC236}">
-                <a16:creationId xmlns:a16="http://schemas.microsoft.com/office/drawing/2014/main" xmlns="" id="{F0647375-2A83-4CFE-BA92-82A5B8D8E256}"/>
+                <a16:creationId xmlns:a16="http://schemas.microsoft.com/office/drawing/2014/main" id="{F0647375-2A83-4CFE-BA92-82A5B8D8E256}"/>
               </a:ext>
             </a:extLst>
           </p:cNvPr>
@@ -4335,7 +7157,7 @@
           <a:lstStyle/>
           <a:p>
             <a:r>
-              <a:rPr lang="en-US" dirty="0" smtClean="0"/>
+              <a:rPr lang="en-US" dirty="0"/>
               <a:t>Datasets Available</a:t>
             </a:r>
             <a:endParaRPr lang="en-IN" dirty="0"/>
@@ -4347,7 +7169,7 @@
           <p:cNvPr id="3" name="Content Placeholder 2">
             <a:extLst>
               <a:ext uri="{FF2B5EF4-FFF2-40B4-BE49-F238E27FC236}">
-                <a16:creationId xmlns:a16="http://schemas.microsoft.com/office/drawing/2014/main" xmlns="" id="{D2BBF42C-ACEE-434B-AE68-D4BF8BE18863}"/>
+                <a16:creationId xmlns:a16="http://schemas.microsoft.com/office/drawing/2014/main" id="{D2BBF42C-ACEE-434B-AE68-D4BF8BE18863}"/>
               </a:ext>
             </a:extLst>
           </p:cNvPr>
@@ -4370,7 +7192,7 @@
     </p:spTree>
     <p:extLst>
       <p:ext uri="{BB962C8B-B14F-4D97-AF65-F5344CB8AC3E}">
-        <p14:creationId xmlns:p14="http://schemas.microsoft.com/office/powerpoint/2010/main" xmlns="" val="530203166"/>
+        <p14:creationId xmlns:p14="http://schemas.microsoft.com/office/powerpoint/2010/main" val="530203166"/>
       </p:ext>
     </p:extLst>
   </p:cSld>
@@ -4407,35 +7229,271 @@
             <p:ph type="title"/>
           </p:nvPr>
         </p:nvSpPr>
-        <p:spPr/>
-        <p:txBody>
-          <a:bodyPr/>
+        <p:spPr>
+          <a:xfrm>
+            <a:off x="1097280" y="0"/>
+            <a:ext cx="2833036" cy="1411705"/>
+          </a:xfrm>
+        </p:spPr>
+        <p:txBody>
+          <a:bodyPr>
+            <a:normAutofit/>
+          </a:bodyPr>
           <a:lstStyle/>
           <a:p>
             <a:r>
-              <a:rPr lang="en-US" dirty="0" smtClean="0"/>
-              <a:t>Works done</a:t>
-            </a:r>
+              <a:rPr lang="en-US" sz="3600" b="1" dirty="0"/>
+              <a:t>Works done : </a:t>
+            </a:r>
+            <a:endParaRPr lang="en-IN" sz="3600" b="1" dirty="0"/>
+          </a:p>
+        </p:txBody>
+      </p:sp>
+      <p:sp>
+        <p:nvSpPr>
+          <p:cNvPr id="3" name="Content Placeholder 2"/>
+          <p:cNvSpPr>
+            <a:spLocks noGrp="1"/>
+          </p:cNvSpPr>
+          <p:nvPr>
+            <p:ph idx="1"/>
+          </p:nvPr>
+        </p:nvSpPr>
+        <p:spPr>
+          <a:xfrm>
+            <a:off x="838200" y="1638351"/>
+            <a:ext cx="10515600" cy="4351338"/>
+          </a:xfrm>
+        </p:spPr>
+        <p:txBody>
+          <a:bodyPr>
+            <a:normAutofit/>
+          </a:bodyPr>
+          <a:lstStyle/>
+          <a:p>
+            <a:pPr indent="0" algn="just">
+              <a:lnSpc>
+                <a:spcPct val="107000"/>
+              </a:lnSpc>
+              <a:spcAft>
+                <a:spcPts val="800"/>
+              </a:spcAft>
+              <a:buNone/>
+              <a:tabLst>
+                <a:tab pos="3589020" algn="l"/>
+              </a:tabLst>
+            </a:pPr>
+            <a:r>
+              <a:rPr lang="en-IN" sz="1600" b="1" dirty="0">
+                <a:effectLst/>
+                <a:latin typeface="Times New Roman" panose="02020603050405020304" pitchFamily="18" charset="0"/>
+                <a:ea typeface="Calibri" panose="020F0502020204030204" pitchFamily="34" charset="0"/>
+              </a:rPr>
+              <a:t>Reference  Paper 1 : “</a:t>
+            </a:r>
+            <a:r>
+              <a:rPr lang="en-IN" sz="1600" dirty="0">
+                <a:effectLst/>
+                <a:latin typeface="Times New Roman" panose="02020603050405020304" pitchFamily="18" charset="0"/>
+                <a:ea typeface="Calibri" panose="020F0502020204030204" pitchFamily="34" charset="0"/>
+              </a:rPr>
+              <a:t>Multimodal Hate Speech Detection in Memes.”</a:t>
+            </a:r>
+          </a:p>
+          <a:p>
+            <a:pPr marL="457200" algn="just">
+              <a:lnSpc>
+                <a:spcPct val="107000"/>
+              </a:lnSpc>
+              <a:spcAft>
+                <a:spcPts val="800"/>
+              </a:spcAft>
+              <a:tabLst>
+                <a:tab pos="3589020" algn="l"/>
+              </a:tabLst>
+            </a:pPr>
+            <a:r>
+              <a:rPr lang="en-IN" sz="1600" dirty="0">
+                <a:effectLst/>
+                <a:latin typeface="Times New Roman" panose="02020603050405020304" pitchFamily="18" charset="0"/>
+                <a:ea typeface="Calibri" panose="020F0502020204030204" pitchFamily="34" charset="0"/>
+              </a:rPr>
+              <a:t>Author: Benet Oriol </a:t>
+            </a:r>
+            <a:r>
+              <a:rPr lang="en-IN" sz="1600" dirty="0" err="1">
+                <a:effectLst/>
+                <a:latin typeface="Times New Roman" panose="02020603050405020304" pitchFamily="18" charset="0"/>
+                <a:ea typeface="Calibri" panose="020F0502020204030204" pitchFamily="34" charset="0"/>
+              </a:rPr>
+              <a:t>Sabat</a:t>
+            </a:r>
+            <a:endParaRPr lang="en-IN" sz="1600" dirty="0">
+              <a:effectLst/>
+              <a:latin typeface="Times New Roman" panose="02020603050405020304" pitchFamily="18" charset="0"/>
+              <a:ea typeface="Calibri" panose="020F0502020204030204" pitchFamily="34" charset="0"/>
+            </a:endParaRPr>
+          </a:p>
+          <a:p>
+            <a:pPr marL="457200" algn="just">
+              <a:lnSpc>
+                <a:spcPct val="107000"/>
+              </a:lnSpc>
+              <a:spcAft>
+                <a:spcPts val="800"/>
+              </a:spcAft>
+              <a:tabLst>
+                <a:tab pos="3589020" algn="l"/>
+              </a:tabLst>
+            </a:pPr>
+            <a:r>
+              <a:rPr lang="en-IN" sz="1600" dirty="0">
+                <a:effectLst/>
+                <a:latin typeface="Times New Roman" panose="02020603050405020304" pitchFamily="18" charset="0"/>
+                <a:ea typeface="Calibri" panose="020F0502020204030204" pitchFamily="34" charset="0"/>
+              </a:rPr>
+              <a:t>Credential  : </a:t>
+            </a:r>
+            <a:r>
+              <a:rPr lang="en-IN" sz="1600" dirty="0" err="1">
+                <a:effectLst/>
+                <a:latin typeface="Times New Roman" panose="02020603050405020304" pitchFamily="18" charset="0"/>
+                <a:ea typeface="Calibri" panose="020F0502020204030204" pitchFamily="34" charset="0"/>
+              </a:rPr>
+              <a:t>Universitat</a:t>
+            </a:r>
+            <a:r>
+              <a:rPr lang="en-IN" sz="1600" dirty="0">
+                <a:effectLst/>
+                <a:latin typeface="Times New Roman" panose="02020603050405020304" pitchFamily="18" charset="0"/>
+                <a:ea typeface="Calibri" panose="020F0502020204030204" pitchFamily="34" charset="0"/>
+              </a:rPr>
+              <a:t> </a:t>
+            </a:r>
+            <a:r>
+              <a:rPr lang="en-IN" sz="1600" dirty="0" err="1">
+                <a:effectLst/>
+                <a:latin typeface="Times New Roman" panose="02020603050405020304" pitchFamily="18" charset="0"/>
+                <a:ea typeface="Calibri" panose="020F0502020204030204" pitchFamily="34" charset="0"/>
+              </a:rPr>
+              <a:t>Plitechnica</a:t>
+            </a:r>
+            <a:r>
+              <a:rPr lang="en-IN" sz="1600" dirty="0">
+                <a:effectLst/>
+                <a:latin typeface="Times New Roman" panose="02020603050405020304" pitchFamily="18" charset="0"/>
+                <a:ea typeface="Calibri" panose="020F0502020204030204" pitchFamily="34" charset="0"/>
+              </a:rPr>
+              <a:t> De Catalunya.</a:t>
+            </a:r>
+          </a:p>
+          <a:p>
+            <a:pPr marL="457200" algn="just">
+              <a:lnSpc>
+                <a:spcPct val="107000"/>
+              </a:lnSpc>
+              <a:spcAft>
+                <a:spcPts val="800"/>
+              </a:spcAft>
+              <a:tabLst>
+                <a:tab pos="3589020" algn="l"/>
+              </a:tabLst>
+            </a:pPr>
+            <a:r>
+              <a:rPr lang="en-IN" sz="1600" dirty="0">
+                <a:effectLst/>
+                <a:latin typeface="Times New Roman" panose="02020603050405020304" pitchFamily="18" charset="0"/>
+                <a:ea typeface="Calibri" panose="020F0502020204030204" pitchFamily="34" charset="0"/>
+              </a:rPr>
+              <a:t>Publication : </a:t>
+            </a:r>
+            <a:r>
+              <a:rPr lang="en-IN" sz="1600" dirty="0" err="1">
+                <a:effectLst/>
+                <a:latin typeface="Times New Roman" panose="02020603050405020304" pitchFamily="18" charset="0"/>
+                <a:ea typeface="Calibri" panose="020F0502020204030204" pitchFamily="34" charset="0"/>
+              </a:rPr>
+              <a:t>Universitat</a:t>
+            </a:r>
+            <a:r>
+              <a:rPr lang="en-IN" sz="1600" dirty="0">
+                <a:effectLst/>
+                <a:latin typeface="Times New Roman" panose="02020603050405020304" pitchFamily="18" charset="0"/>
+                <a:ea typeface="Calibri" panose="020F0502020204030204" pitchFamily="34" charset="0"/>
+              </a:rPr>
+              <a:t> </a:t>
+            </a:r>
+            <a:r>
+              <a:rPr lang="en-IN" sz="1600" dirty="0" err="1">
+                <a:effectLst/>
+                <a:latin typeface="Times New Roman" panose="02020603050405020304" pitchFamily="18" charset="0"/>
+                <a:ea typeface="Calibri" panose="020F0502020204030204" pitchFamily="34" charset="0"/>
+              </a:rPr>
+              <a:t>Polit`ecnica</a:t>
+            </a:r>
+            <a:r>
+              <a:rPr lang="en-IN" sz="1600" dirty="0">
+                <a:effectLst/>
+                <a:latin typeface="Times New Roman" panose="02020603050405020304" pitchFamily="18" charset="0"/>
+                <a:ea typeface="Calibri" panose="020F0502020204030204" pitchFamily="34" charset="0"/>
+              </a:rPr>
+              <a:t> de Catalunya (UPC) 2019</a:t>
+            </a:r>
+          </a:p>
+          <a:p>
+            <a:pPr marL="457200" algn="just">
+              <a:lnSpc>
+                <a:spcPct val="107000"/>
+              </a:lnSpc>
+              <a:spcAft>
+                <a:spcPts val="800"/>
+              </a:spcAft>
+              <a:tabLst>
+                <a:tab pos="3589020" algn="l"/>
+              </a:tabLst>
+            </a:pPr>
+            <a:endParaRPr lang="en-IN" sz="1600" dirty="0">
+              <a:effectLst/>
+              <a:latin typeface="Times New Roman" panose="02020603050405020304" pitchFamily="18" charset="0"/>
+              <a:ea typeface="Calibri" panose="020F0502020204030204" pitchFamily="34" charset="0"/>
+            </a:endParaRPr>
+          </a:p>
+          <a:p>
+            <a:pPr marL="514350" indent="-285750" algn="just">
+              <a:lnSpc>
+                <a:spcPct val="107000"/>
+              </a:lnSpc>
+              <a:spcAft>
+                <a:spcPts val="800"/>
+              </a:spcAft>
+              <a:buFont typeface="Wingdings" panose="05000000000000000000" pitchFamily="2" charset="2"/>
+              <a:buChar char="q"/>
+              <a:tabLst>
+                <a:tab pos="3589020" algn="l"/>
+              </a:tabLst>
+            </a:pPr>
+            <a:r>
+              <a:rPr lang="en-IN" sz="1600" b="1" dirty="0">
+                <a:effectLst/>
+                <a:latin typeface="Times New Roman" panose="02020603050405020304" pitchFamily="18" charset="0"/>
+                <a:ea typeface="Calibri" panose="020F0502020204030204" pitchFamily="34" charset="0"/>
+              </a:rPr>
+              <a:t>Work Summary</a:t>
+            </a:r>
+            <a:r>
+              <a:rPr lang="en-IN" sz="1600" dirty="0">
+                <a:effectLst/>
+                <a:latin typeface="Times New Roman" panose="02020603050405020304" pitchFamily="18" charset="0"/>
+                <a:ea typeface="Calibri" panose="020F0502020204030204" pitchFamily="34" charset="0"/>
+              </a:rPr>
+              <a:t>  :  This thesis explores a multimodal approach to Hate Speech detection, involving vision and language (text). More specifically, we deal with the context of memes, a form of internet humour which will present additional challenges. Also study different ways to fine-tune pretrained descriptors for their specific task.</a:t>
+            </a:r>
+          </a:p>
+          <a:p>
+            <a:pPr marL="0" indent="0">
+              <a:buNone/>
+            </a:pPr>
             <a:endParaRPr lang="en-IN" dirty="0"/>
-          </a:p>
-        </p:txBody>
-      </p:sp>
-      <p:sp>
-        <p:nvSpPr>
-          <p:cNvPr id="3" name="Content Placeholder 2"/>
-          <p:cNvSpPr>
-            <a:spLocks noGrp="1"/>
-          </p:cNvSpPr>
-          <p:nvPr>
-            <p:ph idx="1"/>
-          </p:nvPr>
-        </p:nvSpPr>
-        <p:spPr/>
-        <p:txBody>
-          <a:bodyPr/>
-          <a:lstStyle/>
-          <a:p>
-            <a:endParaRPr lang="en-IN"/>
           </a:p>
         </p:txBody>
       </p:sp>
@@ -4466,47 +7524,841 @@
       </p:grpSpPr>
       <p:sp>
         <p:nvSpPr>
-          <p:cNvPr id="2" name="Title 1"/>
+          <p:cNvPr id="3" name="Content Placeholder 2">
+            <a:extLst>
+              <a:ext uri="{FF2B5EF4-FFF2-40B4-BE49-F238E27FC236}">
+                <a16:creationId xmlns:a16="http://schemas.microsoft.com/office/drawing/2014/main" id="{04F01B27-E8D7-469C-B8B8-E22F09C78F70}"/>
+              </a:ext>
+            </a:extLst>
+          </p:cNvPr>
           <p:cNvSpPr>
             <a:spLocks noGrp="1"/>
           </p:cNvSpPr>
           <p:nvPr>
-            <p:ph type="title"/>
-          </p:nvPr>
-        </p:nvSpPr>
-        <p:spPr/>
+            <p:ph idx="1"/>
+          </p:nvPr>
+        </p:nvSpPr>
+        <p:spPr>
+          <a:xfrm>
+            <a:off x="343877" y="573991"/>
+            <a:ext cx="11353800" cy="6284009"/>
+          </a:xfrm>
+        </p:spPr>
+        <p:txBody>
+          <a:bodyPr>
+            <a:normAutofit/>
+          </a:bodyPr>
+          <a:lstStyle/>
+          <a:p>
+            <a:pPr marL="514350" indent="-285750">
+              <a:lnSpc>
+                <a:spcPct val="107000"/>
+              </a:lnSpc>
+              <a:spcAft>
+                <a:spcPts val="800"/>
+              </a:spcAft>
+              <a:buFont typeface="Wingdings" panose="05000000000000000000" pitchFamily="2" charset="2"/>
+              <a:buChar char="q"/>
+              <a:tabLst>
+                <a:tab pos="3589020" algn="l"/>
+              </a:tabLst>
+            </a:pPr>
+            <a:r>
+              <a:rPr lang="en-IN" sz="1800" b="1" dirty="0">
+                <a:effectLst/>
+                <a:latin typeface="Times New Roman" panose="02020603050405020304" pitchFamily="18" charset="0"/>
+                <a:ea typeface="Calibri" panose="020F0502020204030204" pitchFamily="34" charset="0"/>
+              </a:rPr>
+              <a:t>Introduction</a:t>
+            </a:r>
+            <a:r>
+              <a:rPr lang="en-IN" sz="2000" b="1" dirty="0">
+                <a:effectLst/>
+                <a:latin typeface="Times New Roman" panose="02020603050405020304" pitchFamily="18" charset="0"/>
+                <a:ea typeface="Calibri" panose="020F0502020204030204" pitchFamily="34" charset="0"/>
+              </a:rPr>
+              <a:t> </a:t>
+            </a:r>
+            <a:r>
+              <a:rPr lang="en-IN" sz="600" b="1" dirty="0">
+                <a:effectLst/>
+                <a:latin typeface="Times New Roman" panose="02020603050405020304" pitchFamily="18" charset="0"/>
+                <a:ea typeface="Calibri" panose="020F0502020204030204" pitchFamily="34" charset="0"/>
+              </a:rPr>
+              <a:t> </a:t>
+            </a:r>
+            <a:r>
+              <a:rPr lang="en-IN" sz="1800" b="1" dirty="0">
+                <a:effectLst/>
+                <a:latin typeface="Times New Roman" panose="02020603050405020304" pitchFamily="18" charset="0"/>
+                <a:ea typeface="Calibri" panose="020F0502020204030204" pitchFamily="34" charset="0"/>
+              </a:rPr>
+              <a:t>:</a:t>
+            </a:r>
+            <a:endParaRPr lang="en-IN" sz="1800" dirty="0">
+              <a:effectLst/>
+              <a:latin typeface="Times New Roman" panose="02020603050405020304" pitchFamily="18" charset="0"/>
+              <a:ea typeface="Calibri" panose="020F0502020204030204" pitchFamily="34" charset="0"/>
+            </a:endParaRPr>
+          </a:p>
+          <a:p>
+            <a:pPr marL="342900" lvl="0" indent="-342900" algn="just">
+              <a:lnSpc>
+                <a:spcPct val="107000"/>
+              </a:lnSpc>
+              <a:buFont typeface="Times New Roman" panose="02020603050405020304" pitchFamily="18" charset="0"/>
+              <a:buAutoNum type="arabicPeriod"/>
+              <a:tabLst>
+                <a:tab pos="3589020" algn="l"/>
+              </a:tabLst>
+            </a:pPr>
+            <a:r>
+              <a:rPr lang="en-IN" sz="1600" dirty="0">
+                <a:effectLst/>
+                <a:latin typeface="Times New Roman" panose="02020603050405020304" pitchFamily="18" charset="0"/>
+                <a:ea typeface="Calibri" panose="020F0502020204030204" pitchFamily="34" charset="0"/>
+              </a:rPr>
+              <a:t>Memes are a form of humorist content which is normally based on an image, and most of the time some sort of text such as a caption.</a:t>
+            </a:r>
+          </a:p>
+          <a:p>
+            <a:pPr marL="342900" lvl="0" indent="-342900" algn="just">
+              <a:lnSpc>
+                <a:spcPct val="107000"/>
+              </a:lnSpc>
+              <a:buFont typeface="Times New Roman" panose="02020603050405020304" pitchFamily="18" charset="0"/>
+              <a:buAutoNum type="arabicPeriod"/>
+              <a:tabLst>
+                <a:tab pos="3589020" algn="l"/>
+              </a:tabLst>
+            </a:pPr>
+            <a:r>
+              <a:rPr lang="en-IN" sz="1600" dirty="0">
+                <a:effectLst/>
+                <a:latin typeface="Times New Roman" panose="02020603050405020304" pitchFamily="18" charset="0"/>
+                <a:ea typeface="Calibri" panose="020F0502020204030204" pitchFamily="34" charset="0"/>
+              </a:rPr>
+              <a:t>This format has also been used to produce hate speech in the form of dark humour.</a:t>
+            </a:r>
+          </a:p>
+          <a:p>
+            <a:pPr marL="342900" lvl="0" indent="-342900" algn="just">
+              <a:lnSpc>
+                <a:spcPct val="107000"/>
+              </a:lnSpc>
+              <a:spcAft>
+                <a:spcPts val="800"/>
+              </a:spcAft>
+              <a:buFont typeface="Times New Roman" panose="02020603050405020304" pitchFamily="18" charset="0"/>
+              <a:buAutoNum type="arabicPeriod"/>
+              <a:tabLst>
+                <a:tab pos="3589020" algn="l"/>
+              </a:tabLst>
+            </a:pPr>
+            <a:r>
+              <a:rPr lang="en-IN" sz="1600" dirty="0">
+                <a:effectLst/>
+                <a:latin typeface="Times New Roman" panose="02020603050405020304" pitchFamily="18" charset="0"/>
+                <a:ea typeface="Calibri" panose="020F0502020204030204" pitchFamily="34" charset="0"/>
+              </a:rPr>
+              <a:t>The multimodal (combined) analysis of image and text for hate speech has been a limitedly explored task, and can be used to tackle the hate memes problem.</a:t>
+            </a:r>
+          </a:p>
+          <a:p>
+            <a:pPr marL="0" lvl="0" indent="0" algn="just">
+              <a:lnSpc>
+                <a:spcPct val="107000"/>
+              </a:lnSpc>
+              <a:spcAft>
+                <a:spcPts val="800"/>
+              </a:spcAft>
+              <a:buNone/>
+              <a:tabLst>
+                <a:tab pos="3589020" algn="l"/>
+              </a:tabLst>
+            </a:pPr>
+            <a:endParaRPr lang="en-IN" sz="1600" dirty="0">
+              <a:effectLst/>
+              <a:latin typeface="Times New Roman" panose="02020603050405020304" pitchFamily="18" charset="0"/>
+              <a:ea typeface="Calibri" panose="020F0502020204030204" pitchFamily="34" charset="0"/>
+            </a:endParaRPr>
+          </a:p>
+          <a:p>
+            <a:pPr marL="457200" lvl="1" indent="0" algn="just">
+              <a:lnSpc>
+                <a:spcPct val="107000"/>
+              </a:lnSpc>
+              <a:spcAft>
+                <a:spcPts val="800"/>
+              </a:spcAft>
+              <a:buNone/>
+              <a:tabLst>
+                <a:tab pos="3589020" algn="l"/>
+              </a:tabLst>
+            </a:pPr>
+            <a:r>
+              <a:rPr lang="en-IN" sz="1600" dirty="0">
+                <a:effectLst/>
+                <a:latin typeface="Times New Roman" panose="02020603050405020304" pitchFamily="18" charset="0"/>
+                <a:ea typeface="Calibri" panose="020F0502020204030204" pitchFamily="34" charset="0"/>
+              </a:rPr>
+              <a:t>Purpose</a:t>
+            </a:r>
+            <a:r>
+              <a:rPr lang="en-IN" sz="1200" dirty="0">
+                <a:effectLst/>
+                <a:latin typeface="Times New Roman" panose="02020603050405020304" pitchFamily="18" charset="0"/>
+                <a:ea typeface="Calibri" panose="020F0502020204030204" pitchFamily="34" charset="0"/>
+              </a:rPr>
+              <a:t> : </a:t>
+            </a:r>
+          </a:p>
+          <a:p>
+            <a:pPr marL="457200" algn="just">
+              <a:lnSpc>
+                <a:spcPct val="107000"/>
+              </a:lnSpc>
+              <a:spcAft>
+                <a:spcPts val="800"/>
+              </a:spcAft>
+              <a:tabLst>
+                <a:tab pos="3589020" algn="l"/>
+              </a:tabLst>
+            </a:pPr>
+            <a:r>
+              <a:rPr lang="en-IN" sz="1600" dirty="0">
+                <a:effectLst/>
+                <a:latin typeface="Times New Roman" panose="02020603050405020304" pitchFamily="18" charset="0"/>
+                <a:ea typeface="Calibri" panose="020F0502020204030204" pitchFamily="34" charset="0"/>
+              </a:rPr>
+              <a:t>To create a tool to automatically predict hate speech on memes,  using both image and text modalities.</a:t>
+            </a:r>
+          </a:p>
+          <a:p>
+            <a:pPr marL="457200" algn="just">
+              <a:lnSpc>
+                <a:spcPct val="107000"/>
+              </a:lnSpc>
+              <a:spcAft>
+                <a:spcPts val="800"/>
+              </a:spcAft>
+              <a:tabLst>
+                <a:tab pos="3589020" algn="l"/>
+              </a:tabLst>
+            </a:pPr>
+            <a:endParaRPr lang="en-IN" sz="1600" b="1" dirty="0">
+              <a:effectLst/>
+              <a:latin typeface="Times New Roman" panose="02020603050405020304" pitchFamily="18" charset="0"/>
+              <a:ea typeface="Calibri" panose="020F0502020204030204" pitchFamily="34" charset="0"/>
+            </a:endParaRPr>
+          </a:p>
+          <a:p>
+            <a:pPr marL="514350" indent="-285750" algn="just">
+              <a:lnSpc>
+                <a:spcPct val="107000"/>
+              </a:lnSpc>
+              <a:spcAft>
+                <a:spcPts val="800"/>
+              </a:spcAft>
+              <a:buFont typeface="Wingdings" panose="05000000000000000000" pitchFamily="2" charset="2"/>
+              <a:buChar char="q"/>
+              <a:tabLst>
+                <a:tab pos="3589020" algn="l"/>
+              </a:tabLst>
+            </a:pPr>
+            <a:r>
+              <a:rPr lang="en-IN" sz="1600" b="1" dirty="0">
+                <a:effectLst/>
+                <a:latin typeface="Times New Roman" panose="02020603050405020304" pitchFamily="18" charset="0"/>
+                <a:ea typeface="Calibri" panose="020F0502020204030204" pitchFamily="34" charset="0"/>
+              </a:rPr>
+              <a:t>Specifications : </a:t>
+            </a:r>
+            <a:endParaRPr lang="en-IN" sz="1600" dirty="0">
+              <a:effectLst/>
+              <a:latin typeface="Times New Roman" panose="02020603050405020304" pitchFamily="18" charset="0"/>
+              <a:ea typeface="Calibri" panose="020F0502020204030204" pitchFamily="34" charset="0"/>
+            </a:endParaRPr>
+          </a:p>
+          <a:p>
+            <a:pPr marL="342900" lvl="0" indent="-342900" algn="just">
+              <a:lnSpc>
+                <a:spcPct val="107000"/>
+              </a:lnSpc>
+              <a:buFont typeface="+mj-lt"/>
+              <a:buAutoNum type="arabicPeriod"/>
+              <a:tabLst>
+                <a:tab pos="3589020" algn="l"/>
+              </a:tabLst>
+            </a:pPr>
+            <a:r>
+              <a:rPr lang="en-IN" sz="1600" dirty="0">
+                <a:effectLst/>
+                <a:latin typeface="Times New Roman" panose="02020603050405020304" pitchFamily="18" charset="0"/>
+                <a:ea typeface="Calibri" panose="020F0502020204030204" pitchFamily="34" charset="0"/>
+              </a:rPr>
+              <a:t>Pytorch API as the basic deep learning framework for development</a:t>
+            </a:r>
+          </a:p>
+          <a:p>
+            <a:pPr marL="342900" lvl="0" indent="-342900" algn="just">
+              <a:lnSpc>
+                <a:spcPct val="107000"/>
+              </a:lnSpc>
+              <a:spcAft>
+                <a:spcPts val="800"/>
+              </a:spcAft>
+              <a:buFont typeface="+mj-lt"/>
+              <a:buAutoNum type="arabicPeriod"/>
+              <a:tabLst>
+                <a:tab pos="3589020" algn="l"/>
+              </a:tabLst>
+            </a:pPr>
+            <a:r>
+              <a:rPr lang="en-IN" sz="1600" dirty="0">
+                <a:effectLst/>
+                <a:latin typeface="Times New Roman" panose="02020603050405020304" pitchFamily="18" charset="0"/>
+                <a:ea typeface="Calibri" panose="020F0502020204030204" pitchFamily="34" charset="0"/>
+              </a:rPr>
+              <a:t>Python language.</a:t>
+            </a:r>
+          </a:p>
+          <a:p>
+            <a:endParaRPr lang="en-IN" dirty="0"/>
+          </a:p>
+        </p:txBody>
+      </p:sp>
+    </p:spTree>
+    <p:extLst>
+      <p:ext uri="{BB962C8B-B14F-4D97-AF65-F5344CB8AC3E}">
+        <p14:creationId xmlns:p14="http://schemas.microsoft.com/office/powerpoint/2010/main" val="2894896997"/>
+      </p:ext>
+    </p:extLst>
+  </p:cSld>
+  <p:clrMapOvr>
+    <a:masterClrMapping/>
+  </p:clrMapOvr>
+</p:sld>
+</file>
+
+<file path=ppt/slides/slide8.xml><?xml version="1.0" encoding="utf-8"?>
+<p:sld xmlns:a="http://schemas.openxmlformats.org/drawingml/2006/main" xmlns:r="http://schemas.openxmlformats.org/officeDocument/2006/relationships" xmlns:p="http://schemas.openxmlformats.org/presentationml/2006/main">
+  <p:cSld>
+    <p:spTree>
+      <p:nvGrpSpPr>
+        <p:cNvPr id="1" name=""/>
+        <p:cNvGrpSpPr/>
+        <p:nvPr/>
+      </p:nvGrpSpPr>
+      <p:grpSpPr>
+        <a:xfrm>
+          <a:off x="0" y="0"/>
+          <a:ext cx="0" cy="0"/>
+          <a:chOff x="0" y="0"/>
+          <a:chExt cx="0" cy="0"/>
+        </a:xfrm>
+      </p:grpSpPr>
+      <p:sp>
+        <p:nvSpPr>
+          <p:cNvPr id="5" name="Title 1">
+            <a:extLst>
+              <a:ext uri="{FF2B5EF4-FFF2-40B4-BE49-F238E27FC236}">
+                <a16:creationId xmlns:a16="http://schemas.microsoft.com/office/drawing/2014/main" id="{BDFBF90A-6582-4D8F-89C7-77280F708183}"/>
+              </a:ext>
+            </a:extLst>
+          </p:cNvPr>
+          <p:cNvSpPr>
+            <a:spLocks noGrp="1"/>
+          </p:cNvSpPr>
+          <p:nvPr>
+            <p:ph idx="1"/>
+          </p:nvPr>
+        </p:nvSpPr>
+        <p:spPr>
+          <a:xfrm>
+            <a:off x="693371" y="999393"/>
+            <a:ext cx="10515600" cy="6190762"/>
+          </a:xfrm>
+        </p:spPr>
+        <p:txBody>
+          <a:bodyPr>
+            <a:normAutofit fontScale="85000" lnSpcReduction="20000"/>
+          </a:bodyPr>
+          <a:lstStyle/>
+          <a:p>
+            <a:pPr algn="just">
+              <a:lnSpc>
+                <a:spcPct val="107000"/>
+              </a:lnSpc>
+              <a:spcAft>
+                <a:spcPts val="800"/>
+              </a:spcAft>
+              <a:buFont typeface="Wingdings" panose="05000000000000000000" pitchFamily="2" charset="2"/>
+              <a:buChar char="q"/>
+              <a:tabLst>
+                <a:tab pos="3589020" algn="l"/>
+              </a:tabLst>
+            </a:pPr>
+            <a:r>
+              <a:rPr lang="en-IN" sz="1900" b="1" dirty="0">
+                <a:effectLst/>
+                <a:latin typeface="Times New Roman" panose="02020603050405020304" pitchFamily="18" charset="0"/>
+                <a:ea typeface="Calibri" panose="020F0502020204030204" pitchFamily="34" charset="0"/>
+              </a:rPr>
+              <a:t>Methods : </a:t>
+            </a:r>
+            <a:r>
+              <a:rPr lang="en-IN" sz="1900" dirty="0">
+                <a:effectLst/>
+                <a:latin typeface="Times New Roman" panose="02020603050405020304" pitchFamily="18" charset="0"/>
+                <a:ea typeface="Calibri" panose="020F0502020204030204" pitchFamily="34" charset="0"/>
+              </a:rPr>
+              <a:t> </a:t>
+            </a:r>
+          </a:p>
+          <a:p>
+            <a:pPr marL="342900" lvl="0" indent="-342900" algn="just">
+              <a:lnSpc>
+                <a:spcPct val="107000"/>
+              </a:lnSpc>
+              <a:buFont typeface="+mj-lt"/>
+              <a:buAutoNum type="arabicPeriod"/>
+              <a:tabLst>
+                <a:tab pos="3589020" algn="l"/>
+              </a:tabLst>
+            </a:pPr>
+            <a:r>
+              <a:rPr lang="en-IN" sz="1900" dirty="0">
+                <a:effectLst/>
+                <a:latin typeface="Times New Roman" panose="02020603050405020304" pitchFamily="18" charset="0"/>
+                <a:ea typeface="Calibri" panose="020F0502020204030204" pitchFamily="34" charset="0"/>
+              </a:rPr>
+              <a:t>Pretrained embedding for text and images and train a classifier with these embeddings </a:t>
+            </a:r>
+          </a:p>
+          <a:p>
+            <a:pPr marL="342900" lvl="0" indent="-342900" algn="just">
+              <a:lnSpc>
+                <a:spcPct val="107000"/>
+              </a:lnSpc>
+              <a:spcAft>
+                <a:spcPts val="800"/>
+              </a:spcAft>
+              <a:buFont typeface="+mj-lt"/>
+              <a:buAutoNum type="arabicPeriod"/>
+              <a:tabLst>
+                <a:tab pos="3589020" algn="l"/>
+              </a:tabLst>
+            </a:pPr>
+            <a:r>
+              <a:rPr lang="en-IN" sz="1900" dirty="0">
+                <a:effectLst/>
+                <a:latin typeface="Times New Roman" panose="02020603050405020304" pitchFamily="18" charset="0"/>
+                <a:ea typeface="Calibri" panose="020F0502020204030204" pitchFamily="34" charset="0"/>
+              </a:rPr>
+              <a:t>Implementations of BERT and VGG-16 features.</a:t>
+            </a:r>
+          </a:p>
+          <a:p>
+            <a:pPr marL="0" indent="0" algn="just">
+              <a:lnSpc>
+                <a:spcPct val="107000"/>
+              </a:lnSpc>
+              <a:spcAft>
+                <a:spcPts val="800"/>
+              </a:spcAft>
+              <a:buNone/>
+              <a:tabLst>
+                <a:tab pos="3589020" algn="l"/>
+              </a:tabLst>
+            </a:pPr>
+            <a:endParaRPr lang="en-IN" sz="1900" dirty="0">
+              <a:effectLst/>
+              <a:latin typeface="Times New Roman" panose="02020603050405020304" pitchFamily="18" charset="0"/>
+              <a:ea typeface="Calibri" panose="020F0502020204030204" pitchFamily="34" charset="0"/>
+            </a:endParaRPr>
+          </a:p>
+          <a:p>
+            <a:pPr algn="just">
+              <a:lnSpc>
+                <a:spcPct val="107000"/>
+              </a:lnSpc>
+              <a:spcAft>
+                <a:spcPts val="800"/>
+              </a:spcAft>
+              <a:buFont typeface="Wingdings" panose="05000000000000000000" pitchFamily="2" charset="2"/>
+              <a:buChar char="q"/>
+              <a:tabLst>
+                <a:tab pos="3589020" algn="l"/>
+              </a:tabLst>
+            </a:pPr>
+            <a:r>
+              <a:rPr lang="en-IN" sz="1900" b="1" dirty="0">
+                <a:effectLst/>
+                <a:latin typeface="Times New Roman" panose="02020603050405020304" pitchFamily="18" charset="0"/>
+                <a:ea typeface="Calibri" panose="020F0502020204030204" pitchFamily="34" charset="0"/>
+              </a:rPr>
+              <a:t>Hate speech detection</a:t>
+            </a:r>
+            <a:r>
+              <a:rPr lang="en-IN" sz="1900" dirty="0">
+                <a:effectLst/>
+                <a:latin typeface="Times New Roman" panose="02020603050405020304" pitchFamily="18" charset="0"/>
+                <a:ea typeface="Calibri" panose="020F0502020204030204" pitchFamily="34" charset="0"/>
+              </a:rPr>
+              <a:t> : </a:t>
+            </a:r>
+          </a:p>
+          <a:p>
+            <a:pPr marL="742950" lvl="1" indent="-285750" algn="just">
+              <a:lnSpc>
+                <a:spcPct val="107000"/>
+              </a:lnSpc>
+              <a:buFont typeface="Symbol" panose="05050102010706020507" pitchFamily="18" charset="2"/>
+              <a:buChar char=""/>
+              <a:tabLst>
+                <a:tab pos="3589020" algn="l"/>
+              </a:tabLst>
+            </a:pPr>
+            <a:r>
+              <a:rPr lang="en-IN" sz="1900" dirty="0">
+                <a:effectLst/>
+                <a:latin typeface="Times New Roman" panose="02020603050405020304" pitchFamily="18" charset="0"/>
+                <a:ea typeface="Calibri" panose="020F0502020204030204" pitchFamily="34" charset="0"/>
+              </a:rPr>
+              <a:t>Dataset : </a:t>
+            </a:r>
+          </a:p>
+          <a:p>
+            <a:pPr marL="800100" lvl="1" indent="-342900" algn="just">
+              <a:lnSpc>
+                <a:spcPct val="107000"/>
+              </a:lnSpc>
+              <a:buFont typeface="+mj-lt"/>
+              <a:buAutoNum type="arabicPeriod"/>
+              <a:tabLst>
+                <a:tab pos="3589020" algn="l"/>
+              </a:tabLst>
+            </a:pPr>
+            <a:r>
+              <a:rPr lang="en-IN" sz="1900" dirty="0">
+                <a:effectLst/>
+                <a:latin typeface="Times New Roman" panose="02020603050405020304" pitchFamily="18" charset="0"/>
+                <a:ea typeface="Calibri" panose="020F0502020204030204" pitchFamily="34" charset="0"/>
+              </a:rPr>
+              <a:t>Memes from Google images.(Hate memes.)</a:t>
+            </a:r>
+          </a:p>
+          <a:p>
+            <a:pPr lvl="3" algn="just">
+              <a:lnSpc>
+                <a:spcPct val="107000"/>
+              </a:lnSpc>
+              <a:buFont typeface="Wingdings" panose="05000000000000000000" pitchFamily="2" charset="2"/>
+              <a:buChar char=""/>
+              <a:tabLst>
+                <a:tab pos="3589020" algn="l"/>
+              </a:tabLst>
+            </a:pPr>
+            <a:r>
+              <a:rPr lang="en-IN" sz="1900" dirty="0">
+                <a:effectLst/>
+                <a:latin typeface="Times New Roman" panose="02020603050405020304" pitchFamily="18" charset="0"/>
+                <a:ea typeface="Calibri" panose="020F0502020204030204" pitchFamily="34" charset="0"/>
+              </a:rPr>
+              <a:t>racist meme, jew meme, muslim meme</a:t>
+            </a:r>
+            <a:r>
+              <a:rPr lang="en-IN" sz="2100" dirty="0">
+                <a:effectLst/>
+                <a:latin typeface="Times New Roman" panose="02020603050405020304" pitchFamily="18" charset="0"/>
+                <a:ea typeface="Calibri" panose="020F0502020204030204" pitchFamily="34" charset="0"/>
+              </a:rPr>
+              <a:t>.</a:t>
+            </a:r>
+          </a:p>
+          <a:p>
+            <a:pPr marL="457200" lvl="1" indent="0" algn="just">
+              <a:lnSpc>
+                <a:spcPct val="107000"/>
+              </a:lnSpc>
+              <a:buNone/>
+              <a:tabLst>
+                <a:tab pos="3589020" algn="l"/>
+              </a:tabLst>
+            </a:pPr>
+            <a:r>
+              <a:rPr lang="en-IN" sz="1900" dirty="0">
+                <a:effectLst/>
+                <a:latin typeface="Times New Roman" panose="02020603050405020304" pitchFamily="18" charset="0"/>
+                <a:ea typeface="Calibri" panose="020F0502020204030204" pitchFamily="34" charset="0"/>
+              </a:rPr>
+              <a:t>2. Memes from Reddit Memes dataset(Non-Hateful Memes</a:t>
+            </a:r>
+            <a:r>
+              <a:rPr lang="en-IN" sz="1600" dirty="0">
+                <a:effectLst/>
+                <a:latin typeface="Times New Roman" panose="02020603050405020304" pitchFamily="18" charset="0"/>
+                <a:ea typeface="Calibri" panose="020F0502020204030204" pitchFamily="34" charset="0"/>
+              </a:rPr>
+              <a:t>)</a:t>
+            </a:r>
+          </a:p>
+          <a:p>
+            <a:pPr marL="457200" lvl="1" indent="0" algn="just">
+              <a:lnSpc>
+                <a:spcPct val="107000"/>
+              </a:lnSpc>
+              <a:buNone/>
+              <a:tabLst>
+                <a:tab pos="3589020" algn="l"/>
+              </a:tabLst>
+            </a:pPr>
+            <a:endParaRPr lang="en-IN" sz="1500" dirty="0">
+              <a:effectLst/>
+              <a:latin typeface="Times New Roman" panose="02020603050405020304" pitchFamily="18" charset="0"/>
+              <a:ea typeface="Calibri" panose="020F0502020204030204" pitchFamily="34" charset="0"/>
+            </a:endParaRPr>
+          </a:p>
+          <a:p>
+            <a:pPr marL="742950" lvl="1" indent="-285750" algn="just">
+              <a:lnSpc>
+                <a:spcPct val="107000"/>
+              </a:lnSpc>
+              <a:buFont typeface="Symbol" panose="05050102010706020507" pitchFamily="18" charset="2"/>
+              <a:buChar char=""/>
+              <a:tabLst>
+                <a:tab pos="3589020" algn="l"/>
+              </a:tabLst>
+            </a:pPr>
+            <a:r>
+              <a:rPr lang="en-IN" sz="1900" dirty="0">
+                <a:effectLst/>
+                <a:latin typeface="Times New Roman" panose="02020603050405020304" pitchFamily="18" charset="0"/>
+                <a:ea typeface="Calibri" panose="020F0502020204030204" pitchFamily="34" charset="0"/>
+              </a:rPr>
+              <a:t>Architecture : </a:t>
+            </a:r>
+          </a:p>
+          <a:p>
+            <a:pPr marL="1143000" lvl="2" indent="-228600" algn="just">
+              <a:lnSpc>
+                <a:spcPct val="107000"/>
+              </a:lnSpc>
+              <a:buFont typeface="Wingdings" panose="05000000000000000000" pitchFamily="2" charset="2"/>
+              <a:buChar char=""/>
+              <a:tabLst>
+                <a:tab pos="3589020" algn="l"/>
+              </a:tabLst>
+            </a:pPr>
+            <a:r>
+              <a:rPr lang="en-IN" sz="1900" dirty="0">
+                <a:effectLst/>
+                <a:latin typeface="Times New Roman" panose="02020603050405020304" pitchFamily="18" charset="0"/>
+                <a:ea typeface="Calibri" panose="020F0502020204030204" pitchFamily="34" charset="0"/>
+              </a:rPr>
+              <a:t>Using OCR – Extract the text of the image(pytesseract)</a:t>
+            </a:r>
+          </a:p>
+          <a:p>
+            <a:pPr marL="1143000" lvl="2" indent="-228600" algn="just">
+              <a:lnSpc>
+                <a:spcPct val="107000"/>
+              </a:lnSpc>
+              <a:buFont typeface="Wingdings" panose="05000000000000000000" pitchFamily="2" charset="2"/>
+              <a:buChar char=""/>
+              <a:tabLst>
+                <a:tab pos="3589020" algn="l"/>
+              </a:tabLst>
+            </a:pPr>
+            <a:r>
+              <a:rPr lang="en-IN" sz="1900" dirty="0">
+                <a:effectLst/>
+                <a:latin typeface="Times New Roman" panose="02020603050405020304" pitchFamily="18" charset="0"/>
+                <a:ea typeface="Calibri" panose="020F0502020204030204" pitchFamily="34" charset="0"/>
+              </a:rPr>
+              <a:t>Text Embeddings – BERT (bert-base-multilingual-cased.)</a:t>
+            </a:r>
+          </a:p>
+          <a:p>
+            <a:pPr marL="1143000" lvl="2" indent="-228600">
+              <a:lnSpc>
+                <a:spcPct val="107000"/>
+              </a:lnSpc>
+              <a:buFont typeface="Wingdings" panose="05000000000000000000" pitchFamily="2" charset="2"/>
+              <a:buChar char=""/>
+              <a:tabLst>
+                <a:tab pos="3589020" algn="l"/>
+              </a:tabLst>
+            </a:pPr>
+            <a:r>
+              <a:rPr lang="en-IN" sz="1900" dirty="0">
+                <a:effectLst/>
+                <a:latin typeface="Times New Roman" panose="02020603050405020304" pitchFamily="18" charset="0"/>
+                <a:ea typeface="Calibri" panose="020F0502020204030204" pitchFamily="34" charset="0"/>
+              </a:rPr>
+              <a:t>Image Embeddings – VGG-16 (Pre-trained on ImageNet) </a:t>
+            </a:r>
+          </a:p>
+          <a:p>
+            <a:pPr marL="0" indent="0">
+              <a:lnSpc>
+                <a:spcPct val="107000"/>
+              </a:lnSpc>
+              <a:spcAft>
+                <a:spcPts val="800"/>
+              </a:spcAft>
+              <a:buNone/>
+              <a:tabLst>
+                <a:tab pos="3589020" algn="l"/>
+              </a:tabLst>
+            </a:pPr>
+            <a:endParaRPr lang="en-IN" sz="8000" dirty="0">
+              <a:effectLst/>
+              <a:latin typeface="Times New Roman" panose="02020603050405020304" pitchFamily="18" charset="0"/>
+              <a:ea typeface="Calibri" panose="020F0502020204030204" pitchFamily="34" charset="0"/>
+            </a:endParaRPr>
+          </a:p>
+          <a:p>
+            <a:pPr algn="just">
+              <a:lnSpc>
+                <a:spcPct val="107000"/>
+              </a:lnSpc>
+              <a:spcAft>
+                <a:spcPts val="800"/>
+              </a:spcAft>
+              <a:tabLst>
+                <a:tab pos="3589020" algn="l"/>
+              </a:tabLst>
+            </a:pPr>
+            <a:r>
+              <a:rPr lang="en-IN" sz="1600" dirty="0">
+                <a:effectLst/>
+                <a:latin typeface="Times New Roman" panose="02020603050405020304" pitchFamily="18" charset="0"/>
+                <a:ea typeface="Calibri" panose="020F0502020204030204" pitchFamily="34" charset="0"/>
+              </a:rPr>
+              <a:t> </a:t>
+            </a:r>
+            <a:endParaRPr lang="en-IN" dirty="0"/>
+          </a:p>
+        </p:txBody>
+      </p:sp>
+    </p:spTree>
+    <p:extLst>
+      <p:ext uri="{BB962C8B-B14F-4D97-AF65-F5344CB8AC3E}">
+        <p14:creationId xmlns:p14="http://schemas.microsoft.com/office/powerpoint/2010/main" val="990233379"/>
+      </p:ext>
+    </p:extLst>
+  </p:cSld>
+  <p:clrMapOvr>
+    <a:masterClrMapping/>
+  </p:clrMapOvr>
+</p:sld>
+</file>
+
+<file path=ppt/slides/slide9.xml><?xml version="1.0" encoding="utf-8"?>
+<p:sld xmlns:a="http://schemas.openxmlformats.org/drawingml/2006/main" xmlns:r="http://schemas.openxmlformats.org/officeDocument/2006/relationships" xmlns:p="http://schemas.openxmlformats.org/presentationml/2006/main">
+  <p:cSld>
+    <p:spTree>
+      <p:nvGrpSpPr>
+        <p:cNvPr id="1" name=""/>
+        <p:cNvGrpSpPr/>
+        <p:nvPr/>
+      </p:nvGrpSpPr>
+      <p:grpSpPr>
+        <a:xfrm>
+          <a:off x="0" y="0"/>
+          <a:ext cx="0" cy="0"/>
+          <a:chOff x="0" y="0"/>
+          <a:chExt cx="0" cy="0"/>
+        </a:xfrm>
+      </p:grpSpPr>
+      <p:sp>
+        <p:nvSpPr>
+          <p:cNvPr id="3" name="Content Placeholder 2">
+            <a:extLst>
+              <a:ext uri="{FF2B5EF4-FFF2-40B4-BE49-F238E27FC236}">
+                <a16:creationId xmlns:a16="http://schemas.microsoft.com/office/drawing/2014/main" id="{B5874D6B-78BB-4348-AD8F-8051D19016B5}"/>
+              </a:ext>
+            </a:extLst>
+          </p:cNvPr>
+          <p:cNvSpPr>
+            <a:spLocks noGrp="1"/>
+          </p:cNvSpPr>
+          <p:nvPr>
+            <p:ph idx="1"/>
+          </p:nvPr>
+        </p:nvSpPr>
+        <p:spPr>
+          <a:xfrm>
+            <a:off x="838200" y="958119"/>
+            <a:ext cx="10515600" cy="4351338"/>
+          </a:xfrm>
+        </p:spPr>
         <p:txBody>
           <a:bodyPr/>
           <a:lstStyle/>
           <a:p>
-            <a:r>
-              <a:rPr lang="en-US" dirty="0" smtClean="0"/>
-              <a:t>Conclusion</a:t>
-            </a:r>
+            <a:pPr>
+              <a:buFont typeface="Wingdings" panose="05000000000000000000" pitchFamily="2" charset="2"/>
+              <a:buChar char="§"/>
+            </a:pPr>
+            <a:r>
+              <a:rPr lang="en-IN" sz="2000" dirty="0">
+                <a:effectLst/>
+                <a:latin typeface="Times New Roman" panose="02020603050405020304" pitchFamily="18" charset="0"/>
+                <a:ea typeface="Calibri" panose="020F0502020204030204" pitchFamily="34" charset="0"/>
+              </a:rPr>
+              <a:t>Fusion and the classifier  - </a:t>
+            </a:r>
+          </a:p>
+          <a:p>
             <a:endParaRPr lang="en-IN" dirty="0"/>
           </a:p>
         </p:txBody>
       </p:sp>
-      <p:sp>
-        <p:nvSpPr>
-          <p:cNvPr id="3" name="Content Placeholder 2"/>
-          <p:cNvSpPr>
-            <a:spLocks noGrp="1"/>
-          </p:cNvSpPr>
-          <p:nvPr>
-            <p:ph idx="1"/>
-          </p:nvPr>
-        </p:nvSpPr>
-        <p:spPr/>
-        <p:txBody>
-          <a:bodyPr/>
-          <a:lstStyle/>
-          <a:p>
-            <a:endParaRPr lang="en-IN"/>
-          </a:p>
-        </p:txBody>
-      </p:sp>
+      <p:pic>
+        <p:nvPicPr>
+          <p:cNvPr id="5" name="Picture 4">
+            <a:extLst>
+              <a:ext uri="{FF2B5EF4-FFF2-40B4-BE49-F238E27FC236}">
+                <a16:creationId xmlns:a16="http://schemas.microsoft.com/office/drawing/2014/main" id="{2D5A773B-A107-4984-97BC-F951F4D488B5}"/>
+              </a:ext>
+            </a:extLst>
+          </p:cNvPr>
+          <p:cNvPicPr>
+            <a:picLocks noChangeAspect="1"/>
+          </p:cNvPicPr>
+          <p:nvPr/>
+        </p:nvPicPr>
+        <p:blipFill>
+          <a:blip r:embed="rId2">
+            <a:extLst>
+              <a:ext uri="{28A0092B-C50C-407E-A947-70E740481C1C}">
+                <a14:useLocalDpi xmlns:a14="http://schemas.microsoft.com/office/drawing/2010/main" val="0"/>
+              </a:ext>
+            </a:extLst>
+          </a:blip>
+          <a:stretch>
+            <a:fillRect/>
+          </a:stretch>
+        </p:blipFill>
+        <p:spPr>
+          <a:xfrm>
+            <a:off x="1021245" y="2134551"/>
+            <a:ext cx="10149509" cy="2131267"/>
+          </a:xfrm>
+          <a:prstGeom prst="rect">
+            <a:avLst/>
+          </a:prstGeom>
+        </p:spPr>
+      </p:pic>
     </p:spTree>
+    <p:extLst>
+      <p:ext uri="{BB962C8B-B14F-4D97-AF65-F5344CB8AC3E}">
+        <p14:creationId xmlns:p14="http://schemas.microsoft.com/office/powerpoint/2010/main" val="3779621528"/>
+      </p:ext>
+    </p:extLst>
   </p:cSld>
   <p:clrMapOvr>
     <a:masterClrMapping/>
@@ -4515,54 +8367,54 @@
 </file>
 
 <file path=ppt/theme/theme1.xml><?xml version="1.0" encoding="utf-8"?>
-<a:theme xmlns:a="http://schemas.openxmlformats.org/drawingml/2006/main" name="Retrospect">
+<a:theme xmlns:a="http://schemas.openxmlformats.org/drawingml/2006/main" name="Office Theme">
   <a:themeElements>
-    <a:clrScheme name="Retrospect">
+    <a:clrScheme name="Office">
       <a:dk1>
-        <a:srgbClr val="000000"/>
+        <a:sysClr val="windowText" lastClr="000000"/>
       </a:dk1>
       <a:lt1>
         <a:sysClr val="window" lastClr="FFFFFF"/>
       </a:lt1>
       <a:dk2>
-        <a:srgbClr val="637052"/>
+        <a:srgbClr val="44546A"/>
       </a:dk2>
       <a:lt2>
-        <a:srgbClr val="CCDDEA"/>
+        <a:srgbClr val="E7E6E6"/>
       </a:lt2>
       <a:accent1>
-        <a:srgbClr val="E48312"/>
+        <a:srgbClr val="4472C4"/>
       </a:accent1>
       <a:accent2>
-        <a:srgbClr val="BD582C"/>
+        <a:srgbClr val="ED7D31"/>
       </a:accent2>
       <a:accent3>
-        <a:srgbClr val="865640"/>
+        <a:srgbClr val="A5A5A5"/>
       </a:accent3>
       <a:accent4>
-        <a:srgbClr val="9B8357"/>
+        <a:srgbClr val="FFC000"/>
       </a:accent4>
       <a:accent5>
-        <a:srgbClr val="C2BC80"/>
+        <a:srgbClr val="5B9BD5"/>
       </a:accent5>
       <a:accent6>
-        <a:srgbClr val="94A088"/>
+        <a:srgbClr val="70AD47"/>
       </a:accent6>
       <a:hlink>
-        <a:srgbClr val="2998E3"/>
+        <a:srgbClr val="0563C1"/>
       </a:hlink>
       <a:folHlink>
-        <a:srgbClr val="8C8C8C"/>
+        <a:srgbClr val="954F72"/>
       </a:folHlink>
     </a:clrScheme>
-    <a:fontScheme name="Retrospect">
+    <a:fontScheme name="Office">
       <a:majorFont>
-        <a:latin typeface="Calibri Light"/>
+        <a:latin typeface="Calibri Light" panose="020F0302020204030204"/>
         <a:ea typeface=""/>
         <a:cs typeface=""/>
-        <a:font script="Jpan" typeface="ＭＳ Ｐゴシック"/>
+        <a:font script="Jpan" typeface="游ゴシック Light"/>
         <a:font script="Hang" typeface="맑은 고딕"/>
-        <a:font script="Hans" typeface="宋体"/>
+        <a:font script="Hans" typeface="等线 Light"/>
         <a:font script="Hant" typeface="新細明體"/>
         <a:font script="Arab" typeface="Times New Roman"/>
         <a:font script="Hebr" typeface="Times New Roman"/>
@@ -4590,14 +8442,31 @@
         <a:font script="Viet" typeface="Times New Roman"/>
         <a:font script="Uigh" typeface="Microsoft Uighur"/>
         <a:font script="Geor" typeface="Sylfaen"/>
+        <a:font script="Armn" typeface="Arial"/>
+        <a:font script="Bugi" typeface="Leelawadee UI"/>
+        <a:font script="Bopo" typeface="Microsoft JhengHei"/>
+        <a:font script="Java" typeface="Javanese Text"/>
+        <a:font script="Lisu" typeface="Segoe UI"/>
+        <a:font script="Mymr" typeface="Myanmar Text"/>
+        <a:font script="Nkoo" typeface="Ebrima"/>
+        <a:font script="Olck" typeface="Nirmala UI"/>
+        <a:font script="Osma" typeface="Ebrima"/>
+        <a:font script="Phag" typeface="Phagspa"/>
+        <a:font script="Syrn" typeface="Estrangelo Edessa"/>
+        <a:font script="Syrj" typeface="Estrangelo Edessa"/>
+        <a:font script="Syre" typeface="Estrangelo Edessa"/>
+        <a:font script="Sora" typeface="Nirmala UI"/>
+        <a:font script="Tale" typeface="Microsoft Tai Le"/>
+        <a:font script="Talu" typeface="Microsoft New Tai Lue"/>
+        <a:font script="Tfng" typeface="Ebrima"/>
       </a:majorFont>
       <a:minorFont>
-        <a:latin typeface="Calibri"/>
+        <a:latin typeface="Calibri" panose="020F0502020204030204"/>
         <a:ea typeface=""/>
         <a:cs typeface=""/>
-        <a:font script="Jpan" typeface="ＭＳ Ｐゴシック"/>
+        <a:font script="Jpan" typeface="游ゴシック"/>
         <a:font script="Hang" typeface="맑은 고딕"/>
-        <a:font script="Hans" typeface="宋体"/>
+        <a:font script="Hans" typeface="等线"/>
         <a:font script="Hant" typeface="新細明體"/>
         <a:font script="Arab" typeface="Arial"/>
         <a:font script="Hebr" typeface="Arial"/>
@@ -4625,9 +8494,26 @@
         <a:font script="Viet" typeface="Arial"/>
         <a:font script="Uigh" typeface="Microsoft Uighur"/>
         <a:font script="Geor" typeface="Sylfaen"/>
+        <a:font script="Armn" typeface="Arial"/>
+        <a:font script="Bugi" typeface="Leelawadee UI"/>
+        <a:font script="Bopo" typeface="Microsoft JhengHei"/>
+        <a:font script="Java" typeface="Javanese Text"/>
+        <a:font script="Lisu" typeface="Segoe UI"/>
+        <a:font script="Mymr" typeface="Myanmar Text"/>
+        <a:font script="Nkoo" typeface="Ebrima"/>
+        <a:font script="Olck" typeface="Nirmala UI"/>
+        <a:font script="Osma" typeface="Ebrima"/>
+        <a:font script="Phag" typeface="Phagspa"/>
+        <a:font script="Syrn" typeface="Estrangelo Edessa"/>
+        <a:font script="Syrj" typeface="Estrangelo Edessa"/>
+        <a:font script="Syre" typeface="Estrangelo Edessa"/>
+        <a:font script="Sora" typeface="Nirmala UI"/>
+        <a:font script="Tale" typeface="Microsoft Tai Le"/>
+        <a:font script="Talu" typeface="Microsoft New Tai Lue"/>
+        <a:font script="Tfng" typeface="Ebrima"/>
       </a:minorFont>
     </a:fontScheme>
-    <a:fmtScheme name="Retrospect">
+    <a:fmtScheme name="Office">
       <a:fillStyleLst>
         <a:solidFill>
           <a:schemeClr val="phClr"/>
@@ -4636,81 +8522,76 @@
           <a:gsLst>
             <a:gs pos="0">
               <a:schemeClr val="phClr">
-                <a:tint val="65000"/>
-                <a:shade val="92000"/>
-                <a:satMod val="130000"/>
+                <a:lumMod val="110000"/>
+                <a:satMod val="105000"/>
+                <a:tint val="67000"/>
               </a:schemeClr>
             </a:gs>
-            <a:gs pos="45000">
+            <a:gs pos="50000">
               <a:schemeClr val="phClr">
-                <a:tint val="60000"/>
-                <a:shade val="99000"/>
-                <a:satMod val="120000"/>
+                <a:lumMod val="105000"/>
+                <a:satMod val="103000"/>
+                <a:tint val="73000"/>
               </a:schemeClr>
             </a:gs>
             <a:gs pos="100000">
               <a:schemeClr val="phClr">
-                <a:tint val="55000"/>
-                <a:satMod val="140000"/>
+                <a:lumMod val="105000"/>
+                <a:satMod val="109000"/>
+                <a:tint val="81000"/>
               </a:schemeClr>
             </a:gs>
           </a:gsLst>
-          <a:path path="circle">
-            <a:fillToRect l="100000" t="100000" r="100000" b="100000"/>
-          </a:path>
+          <a:lin ang="5400000" scaled="0"/>
         </a:gradFill>
         <a:gradFill rotWithShape="1">
           <a:gsLst>
             <a:gs pos="0">
               <a:schemeClr val="phClr">
-                <a:shade val="85000"/>
-                <a:satMod val="130000"/>
+                <a:satMod val="103000"/>
+                <a:lumMod val="102000"/>
+                <a:tint val="94000"/>
               </a:schemeClr>
             </a:gs>
-            <a:gs pos="34000">
+            <a:gs pos="50000">
               <a:schemeClr val="phClr">
-                <a:shade val="87000"/>
-                <a:satMod val="125000"/>
-              </a:schemeClr>
-            </a:gs>
-            <a:gs pos="70000">
-              <a:schemeClr val="phClr">
-                <a:tint val="100000"/>
-                <a:shade val="90000"/>
-                <a:satMod val="130000"/>
+                <a:satMod val="110000"/>
+                <a:lumMod val="100000"/>
+                <a:shade val="100000"/>
               </a:schemeClr>
             </a:gs>
             <a:gs pos="100000">
               <a:schemeClr val="phClr">
-                <a:tint val="100000"/>
-                <a:shade val="100000"/>
-                <a:satMod val="110000"/>
+                <a:lumMod val="99000"/>
+                <a:satMod val="120000"/>
+                <a:shade val="78000"/>
               </a:schemeClr>
             </a:gs>
           </a:gsLst>
-          <a:path path="circle">
-            <a:fillToRect l="100000" t="100000" r="100000" b="100000"/>
-          </a:path>
+          <a:lin ang="5400000" scaled="0"/>
         </a:gradFill>
       </a:fillStyleLst>
       <a:lnStyleLst>
+        <a:ln w="6350" cap="flat" cmpd="sng" algn="ctr">
+          <a:solidFill>
+            <a:schemeClr val="phClr"/>
+          </a:solidFill>
+          <a:prstDash val="solid"/>
+          <a:miter lim="800000"/>
+        </a:ln>
         <a:ln w="12700" cap="flat" cmpd="sng" algn="ctr">
           <a:solidFill>
             <a:schemeClr val="phClr"/>
           </a:solidFill>
           <a:prstDash val="solid"/>
+          <a:miter lim="800000"/>
         </a:ln>
-        <a:ln w="15875" cap="flat" cmpd="sng" algn="ctr">
+        <a:ln w="19050" cap="flat" cmpd="sng" algn="ctr">
           <a:solidFill>
             <a:schemeClr val="phClr"/>
           </a:solidFill>
           <a:prstDash val="solid"/>
-        </a:ln>
-        <a:ln w="25400" cap="flat" cmpd="sng" algn="ctr">
-          <a:solidFill>
-            <a:schemeClr val="phClr"/>
-          </a:solidFill>
-          <a:prstDash val="solid"/>
+          <a:miter lim="800000"/>
         </a:ln>
       </a:lnStyleLst>
       <a:effectStyleLst>
@@ -4718,33 +8599,16 @@
           <a:effectLst/>
         </a:effectStyle>
         <a:effectStyle>
+          <a:effectLst/>
+        </a:effectStyle>
+        <a:effectStyle>
           <a:effectLst>
-            <a:outerShdw blurRad="38100" dist="25400" dir="2700000" algn="br" rotWithShape="0">
+            <a:outerShdw blurRad="57150" dist="19050" dir="5400000" algn="ctr" rotWithShape="0">
               <a:srgbClr val="000000">
-                <a:alpha val="60000"/>
+                <a:alpha val="63000"/>
               </a:srgbClr>
             </a:outerShdw>
           </a:effectLst>
-        </a:effectStyle>
-        <a:effectStyle>
-          <a:effectLst>
-            <a:outerShdw blurRad="44450" dist="25400" dir="2700000" algn="br" rotWithShape="0">
-              <a:srgbClr val="000000">
-                <a:alpha val="60000"/>
-              </a:srgbClr>
-            </a:outerShdw>
-          </a:effectLst>
-          <a:scene3d>
-            <a:camera prst="orthographicFront">
-              <a:rot lat="0" lon="0" rev="0"/>
-            </a:camera>
-            <a:lightRig rig="threePt" dir="t">
-              <a:rot lat="0" lon="0" rev="19800000"/>
-            </a:lightRig>
-          </a:scene3d>
-          <a:sp3d prstMaterial="flat">
-            <a:bevelT w="25400" h="31750"/>
-          </a:sp3d>
         </a:effectStyle>
       </a:effectStyleLst>
       <a:bgFillStyleLst>
@@ -4753,36 +8617,36 @@
         </a:solidFill>
         <a:solidFill>
           <a:schemeClr val="phClr">
-            <a:tint val="90000"/>
-            <a:shade val="97000"/>
-            <a:satMod val="130000"/>
+            <a:tint val="95000"/>
+            <a:satMod val="170000"/>
           </a:schemeClr>
         </a:solidFill>
         <a:gradFill rotWithShape="1">
           <a:gsLst>
             <a:gs pos="0">
               <a:schemeClr val="phClr">
-                <a:tint val="96000"/>
-                <a:shade val="99000"/>
-                <a:satMod val="140000"/>
+                <a:tint val="93000"/>
+                <a:satMod val="150000"/>
+                <a:shade val="98000"/>
+                <a:lumMod val="102000"/>
               </a:schemeClr>
             </a:gs>
-            <a:gs pos="65000">
+            <a:gs pos="50000">
               <a:schemeClr val="phClr">
-                <a:tint val="100000"/>
-                <a:shade val="80000"/>
+                <a:tint val="98000"/>
                 <a:satMod val="130000"/>
+                <a:shade val="90000"/>
+                <a:lumMod val="103000"/>
               </a:schemeClr>
             </a:gs>
             <a:gs pos="100000">
               <a:schemeClr val="phClr">
-                <a:tint val="100000"/>
-                <a:shade val="48000"/>
+                <a:shade val="63000"/>
                 <a:satMod val="120000"/>
               </a:schemeClr>
             </a:gs>
           </a:gsLst>
-          <a:lin ang="16200000" scaled="0"/>
+          <a:lin ang="5400000" scaled="0"/>
         </a:gradFill>
       </a:bgFillStyleLst>
     </a:fmtScheme>
@@ -4791,7 +8655,302 @@
   <a:extraClrSchemeLst/>
   <a:extLst>
     <a:ext uri="{05A4C25C-085E-4340-85A3-A5531E510DB2}">
-      <thm15:themeFamily xmlns:thm15="http://schemas.microsoft.com/office/thememl/2012/main" xmlns="" name="Retrospect" id="{5F128B03-DCCA-4EEB-AB3B-CF2899314A46}" vid="{3F1AAB62-24C6-49D2-8E01-B56FAC9A3DCD}"/>
+      <thm15:themeFamily xmlns:thm15="http://schemas.microsoft.com/office/thememl/2012/main" name="Office Theme" id="{62F939B6-93AF-4DB8-9C6B-D6C7DFDC589F}" vid="{4A3C46E8-61CC-4603-A589-7422A47A8E4A}"/>
+    </a:ext>
+  </a:extLst>
+</a:theme>
+</file>
+
+<file path=ppt/theme/theme2.xml><?xml version="1.0" encoding="utf-8"?>
+<a:theme xmlns:a="http://schemas.openxmlformats.org/drawingml/2006/main" name="Office Theme">
+  <a:themeElements>
+    <a:clrScheme name="Office">
+      <a:dk1>
+        <a:sysClr val="windowText" lastClr="000000"/>
+      </a:dk1>
+      <a:lt1>
+        <a:sysClr val="window" lastClr="FFFFFF"/>
+      </a:lt1>
+      <a:dk2>
+        <a:srgbClr val="44546A"/>
+      </a:dk2>
+      <a:lt2>
+        <a:srgbClr val="E7E6E6"/>
+      </a:lt2>
+      <a:accent1>
+        <a:srgbClr val="4472C4"/>
+      </a:accent1>
+      <a:accent2>
+        <a:srgbClr val="ED7D31"/>
+      </a:accent2>
+      <a:accent3>
+        <a:srgbClr val="A5A5A5"/>
+      </a:accent3>
+      <a:accent4>
+        <a:srgbClr val="FFC000"/>
+      </a:accent4>
+      <a:accent5>
+        <a:srgbClr val="5B9BD5"/>
+      </a:accent5>
+      <a:accent6>
+        <a:srgbClr val="70AD47"/>
+      </a:accent6>
+      <a:hlink>
+        <a:srgbClr val="0563C1"/>
+      </a:hlink>
+      <a:folHlink>
+        <a:srgbClr val="954F72"/>
+      </a:folHlink>
+    </a:clrScheme>
+    <a:fontScheme name="Office">
+      <a:majorFont>
+        <a:latin typeface="Calibri Light" panose="020F0302020204030204"/>
+        <a:ea typeface=""/>
+        <a:cs typeface=""/>
+        <a:font script="Jpan" typeface="游ゴシック Light"/>
+        <a:font script="Hang" typeface="맑은 고딕"/>
+        <a:font script="Hans" typeface="等线 Light"/>
+        <a:font script="Hant" typeface="新細明體"/>
+        <a:font script="Arab" typeface="Times New Roman"/>
+        <a:font script="Hebr" typeface="Times New Roman"/>
+        <a:font script="Thai" typeface="Angsana New"/>
+        <a:font script="Ethi" typeface="Nyala"/>
+        <a:font script="Beng" typeface="Vrinda"/>
+        <a:font script="Gujr" typeface="Shruti"/>
+        <a:font script="Khmr" typeface="MoolBoran"/>
+        <a:font script="Knda" typeface="Tunga"/>
+        <a:font script="Guru" typeface="Raavi"/>
+        <a:font script="Cans" typeface="Euphemia"/>
+        <a:font script="Cher" typeface="Plantagenet Cherokee"/>
+        <a:font script="Yiii" typeface="Microsoft Yi Baiti"/>
+        <a:font script="Tibt" typeface="Microsoft Himalaya"/>
+        <a:font script="Thaa" typeface="MV Boli"/>
+        <a:font script="Deva" typeface="Mangal"/>
+        <a:font script="Telu" typeface="Gautami"/>
+        <a:font script="Taml" typeface="Latha"/>
+        <a:font script="Syrc" typeface="Estrangelo Edessa"/>
+        <a:font script="Orya" typeface="Kalinga"/>
+        <a:font script="Mlym" typeface="Kartika"/>
+        <a:font script="Laoo" typeface="DokChampa"/>
+        <a:font script="Sinh" typeface="Iskoola Pota"/>
+        <a:font script="Mong" typeface="Mongolian Baiti"/>
+        <a:font script="Viet" typeface="Times New Roman"/>
+        <a:font script="Uigh" typeface="Microsoft Uighur"/>
+        <a:font script="Geor" typeface="Sylfaen"/>
+        <a:font script="Armn" typeface="Arial"/>
+        <a:font script="Bugi" typeface="Leelawadee UI"/>
+        <a:font script="Bopo" typeface="Microsoft JhengHei"/>
+        <a:font script="Java" typeface="Javanese Text"/>
+        <a:font script="Lisu" typeface="Segoe UI"/>
+        <a:font script="Mymr" typeface="Myanmar Text"/>
+        <a:font script="Nkoo" typeface="Ebrima"/>
+        <a:font script="Olck" typeface="Nirmala UI"/>
+        <a:font script="Osma" typeface="Ebrima"/>
+        <a:font script="Phag" typeface="Phagspa"/>
+        <a:font script="Syrn" typeface="Estrangelo Edessa"/>
+        <a:font script="Syrj" typeface="Estrangelo Edessa"/>
+        <a:font script="Syre" typeface="Estrangelo Edessa"/>
+        <a:font script="Sora" typeface="Nirmala UI"/>
+        <a:font script="Tale" typeface="Microsoft Tai Le"/>
+        <a:font script="Talu" typeface="Microsoft New Tai Lue"/>
+        <a:font script="Tfng" typeface="Ebrima"/>
+      </a:majorFont>
+      <a:minorFont>
+        <a:latin typeface="Calibri" panose="020F0502020204030204"/>
+        <a:ea typeface=""/>
+        <a:cs typeface=""/>
+        <a:font script="Jpan" typeface="游ゴシック"/>
+        <a:font script="Hang" typeface="맑은 고딕"/>
+        <a:font script="Hans" typeface="等线"/>
+        <a:font script="Hant" typeface="新細明體"/>
+        <a:font script="Arab" typeface="Arial"/>
+        <a:font script="Hebr" typeface="Arial"/>
+        <a:font script="Thai" typeface="Cordia New"/>
+        <a:font script="Ethi" typeface="Nyala"/>
+        <a:font script="Beng" typeface="Vrinda"/>
+        <a:font script="Gujr" typeface="Shruti"/>
+        <a:font script="Khmr" typeface="DaunPenh"/>
+        <a:font script="Knda" typeface="Tunga"/>
+        <a:font script="Guru" typeface="Raavi"/>
+        <a:font script="Cans" typeface="Euphemia"/>
+        <a:font script="Cher" typeface="Plantagenet Cherokee"/>
+        <a:font script="Yiii" typeface="Microsoft Yi Baiti"/>
+        <a:font script="Tibt" typeface="Microsoft Himalaya"/>
+        <a:font script="Thaa" typeface="MV Boli"/>
+        <a:font script="Deva" typeface="Mangal"/>
+        <a:font script="Telu" typeface="Gautami"/>
+        <a:font script="Taml" typeface="Latha"/>
+        <a:font script="Syrc" typeface="Estrangelo Edessa"/>
+        <a:font script="Orya" typeface="Kalinga"/>
+        <a:font script="Mlym" typeface="Kartika"/>
+        <a:font script="Laoo" typeface="DokChampa"/>
+        <a:font script="Sinh" typeface="Iskoola Pota"/>
+        <a:font script="Mong" typeface="Mongolian Baiti"/>
+        <a:font script="Viet" typeface="Arial"/>
+        <a:font script="Uigh" typeface="Microsoft Uighur"/>
+        <a:font script="Geor" typeface="Sylfaen"/>
+        <a:font script="Armn" typeface="Arial"/>
+        <a:font script="Bugi" typeface="Leelawadee UI"/>
+        <a:font script="Bopo" typeface="Microsoft JhengHei"/>
+        <a:font script="Java" typeface="Javanese Text"/>
+        <a:font script="Lisu" typeface="Segoe UI"/>
+        <a:font script="Mymr" typeface="Myanmar Text"/>
+        <a:font script="Nkoo" typeface="Ebrima"/>
+        <a:font script="Olck" typeface="Nirmala UI"/>
+        <a:font script="Osma" typeface="Ebrima"/>
+        <a:font script="Phag" typeface="Phagspa"/>
+        <a:font script="Syrn" typeface="Estrangelo Edessa"/>
+        <a:font script="Syrj" typeface="Estrangelo Edessa"/>
+        <a:font script="Syre" typeface="Estrangelo Edessa"/>
+        <a:font script="Sora" typeface="Nirmala UI"/>
+        <a:font script="Tale" typeface="Microsoft Tai Le"/>
+        <a:font script="Talu" typeface="Microsoft New Tai Lue"/>
+        <a:font script="Tfng" typeface="Ebrima"/>
+      </a:minorFont>
+    </a:fontScheme>
+    <a:fmtScheme name="Office">
+      <a:fillStyleLst>
+        <a:solidFill>
+          <a:schemeClr val="phClr"/>
+        </a:solidFill>
+        <a:gradFill rotWithShape="1">
+          <a:gsLst>
+            <a:gs pos="0">
+              <a:schemeClr val="phClr">
+                <a:lumMod val="110000"/>
+                <a:satMod val="105000"/>
+                <a:tint val="67000"/>
+              </a:schemeClr>
+            </a:gs>
+            <a:gs pos="50000">
+              <a:schemeClr val="phClr">
+                <a:lumMod val="105000"/>
+                <a:satMod val="103000"/>
+                <a:tint val="73000"/>
+              </a:schemeClr>
+            </a:gs>
+            <a:gs pos="100000">
+              <a:schemeClr val="phClr">
+                <a:lumMod val="105000"/>
+                <a:satMod val="109000"/>
+                <a:tint val="81000"/>
+              </a:schemeClr>
+            </a:gs>
+          </a:gsLst>
+          <a:lin ang="5400000" scaled="0"/>
+        </a:gradFill>
+        <a:gradFill rotWithShape="1">
+          <a:gsLst>
+            <a:gs pos="0">
+              <a:schemeClr val="phClr">
+                <a:satMod val="103000"/>
+                <a:lumMod val="102000"/>
+                <a:tint val="94000"/>
+              </a:schemeClr>
+            </a:gs>
+            <a:gs pos="50000">
+              <a:schemeClr val="phClr">
+                <a:satMod val="110000"/>
+                <a:lumMod val="100000"/>
+                <a:shade val="100000"/>
+              </a:schemeClr>
+            </a:gs>
+            <a:gs pos="100000">
+              <a:schemeClr val="phClr">
+                <a:lumMod val="99000"/>
+                <a:satMod val="120000"/>
+                <a:shade val="78000"/>
+              </a:schemeClr>
+            </a:gs>
+          </a:gsLst>
+          <a:lin ang="5400000" scaled="0"/>
+        </a:gradFill>
+      </a:fillStyleLst>
+      <a:lnStyleLst>
+        <a:ln w="6350" cap="flat" cmpd="sng" algn="ctr">
+          <a:solidFill>
+            <a:schemeClr val="phClr"/>
+          </a:solidFill>
+          <a:prstDash val="solid"/>
+          <a:miter lim="800000"/>
+        </a:ln>
+        <a:ln w="12700" cap="flat" cmpd="sng" algn="ctr">
+          <a:solidFill>
+            <a:schemeClr val="phClr"/>
+          </a:solidFill>
+          <a:prstDash val="solid"/>
+          <a:miter lim="800000"/>
+        </a:ln>
+        <a:ln w="19050" cap="flat" cmpd="sng" algn="ctr">
+          <a:solidFill>
+            <a:schemeClr val="phClr"/>
+          </a:solidFill>
+          <a:prstDash val="solid"/>
+          <a:miter lim="800000"/>
+        </a:ln>
+      </a:lnStyleLst>
+      <a:effectStyleLst>
+        <a:effectStyle>
+          <a:effectLst/>
+        </a:effectStyle>
+        <a:effectStyle>
+          <a:effectLst/>
+        </a:effectStyle>
+        <a:effectStyle>
+          <a:effectLst>
+            <a:outerShdw blurRad="57150" dist="19050" dir="5400000" algn="ctr" rotWithShape="0">
+              <a:srgbClr val="000000">
+                <a:alpha val="63000"/>
+              </a:srgbClr>
+            </a:outerShdw>
+          </a:effectLst>
+        </a:effectStyle>
+      </a:effectStyleLst>
+      <a:bgFillStyleLst>
+        <a:solidFill>
+          <a:schemeClr val="phClr"/>
+        </a:solidFill>
+        <a:solidFill>
+          <a:schemeClr val="phClr">
+            <a:tint val="95000"/>
+            <a:satMod val="170000"/>
+          </a:schemeClr>
+        </a:solidFill>
+        <a:gradFill rotWithShape="1">
+          <a:gsLst>
+            <a:gs pos="0">
+              <a:schemeClr val="phClr">
+                <a:tint val="93000"/>
+                <a:satMod val="150000"/>
+                <a:shade val="98000"/>
+                <a:lumMod val="102000"/>
+              </a:schemeClr>
+            </a:gs>
+            <a:gs pos="50000">
+              <a:schemeClr val="phClr">
+                <a:tint val="98000"/>
+                <a:satMod val="130000"/>
+                <a:shade val="90000"/>
+                <a:lumMod val="103000"/>
+              </a:schemeClr>
+            </a:gs>
+            <a:gs pos="100000">
+              <a:schemeClr val="phClr">
+                <a:shade val="63000"/>
+                <a:satMod val="120000"/>
+              </a:schemeClr>
+            </a:gs>
+          </a:gsLst>
+          <a:lin ang="5400000" scaled="0"/>
+        </a:gradFill>
+      </a:bgFillStyleLst>
+    </a:fmtScheme>
+  </a:themeElements>
+  <a:objectDefaults/>
+  <a:extraClrSchemeLst/>
+  <a:extLst>
+    <a:ext uri="{05A4C25C-085E-4340-85A3-A5531E510DB2}">
+      <thm15:themeFamily xmlns:thm15="http://schemas.microsoft.com/office/thememl/2012/main" name="Office Theme" id="{62F939B6-93AF-4DB8-9C6B-D6C7DFDC589F}" vid="{4A3C46E8-61CC-4603-A589-7422A47A8E4A}"/>
     </a:ext>
   </a:extLst>
 </a:theme>

--- a/Literature Survey.pptx
+++ b/Literature Survey.pptx
@@ -9,9 +9,9 @@
   </p:notesMasterIdLst>
   <p:sldIdLst>
     <p:sldId id="256" r:id="rId2"/>
-    <p:sldId id="257" r:id="rId3"/>
-    <p:sldId id="260" r:id="rId4"/>
-    <p:sldId id="261" r:id="rId5"/>
+    <p:sldId id="276" r:id="rId3"/>
+    <p:sldId id="277" r:id="rId4"/>
+    <p:sldId id="278" r:id="rId5"/>
     <p:sldId id="259" r:id="rId6"/>
     <p:sldId id="262" r:id="rId7"/>
     <p:sldId id="264" r:id="rId8"/>
@@ -127,7 +127,7 @@
   </p:defaultTextStyle>
   <p:extLst>
     <p:ext uri="{EFAFB233-063F-42B5-8137-9DF3F51BA10A}">
-      <p15:sldGuideLst xmlns:p15="http://schemas.microsoft.com/office/powerpoint/2012/main">
+      <p15:sldGuideLst xmlns:p15="http://schemas.microsoft.com/office/powerpoint/2012/main" xmlns="">
         <p15:guide id="1" orient="horz" pos="2160">
           <p15:clr>
             <a:srgbClr val="A4A3A4"/>
@@ -226,6 +226,7 @@
           <a:p>
             <a:fld id="{45415947-26B1-4FC8-8A19-6892E44568CA}" type="datetimeFigureOut">
               <a:rPr lang="en-IN" smtClean="0"/>
+              <a:pPr/>
               <a:t>24-10-2020</a:t>
             </a:fld>
             <a:endParaRPr lang="en-IN"/>
@@ -385,6 +386,7 @@
           <a:p>
             <a:fld id="{0253A58A-112C-4ED1-B08C-019BAF5A7330}" type="slidenum">
               <a:rPr lang="en-IN" smtClean="0"/>
+              <a:pPr/>
               <a:t>‹#›</a:t>
             </a:fld>
             <a:endParaRPr lang="en-IN"/>
@@ -394,7 +396,7 @@
     </p:spTree>
     <p:extLst>
       <p:ext uri="{BB962C8B-B14F-4D97-AF65-F5344CB8AC3E}">
-        <p14:creationId xmlns:p14="http://schemas.microsoft.com/office/powerpoint/2010/main" val="498509970"/>
+        <p14:creationId xmlns:p14="http://schemas.microsoft.com/office/powerpoint/2010/main" xmlns="" val="498509970"/>
       </p:ext>
     </p:extLst>
   </p:cSld>
@@ -559,6 +561,7 @@
           <a:p>
             <a:fld id="{0253A58A-112C-4ED1-B08C-019BAF5A7330}" type="slidenum">
               <a:rPr lang="en-IN" smtClean="0"/>
+              <a:pPr/>
               <a:t>13</a:t>
             </a:fld>
             <a:endParaRPr lang="en-IN"/>
@@ -568,7 +571,7 @@
     </p:spTree>
     <p:extLst>
       <p:ext uri="{BB962C8B-B14F-4D97-AF65-F5344CB8AC3E}">
-        <p14:creationId xmlns:p14="http://schemas.microsoft.com/office/powerpoint/2010/main" val="710711739"/>
+        <p14:creationId xmlns:p14="http://schemas.microsoft.com/office/powerpoint/2010/main" xmlns="" val="710711739"/>
       </p:ext>
     </p:extLst>
   </p:cSld>
@@ -600,7 +603,7 @@
           <p:cNvPr id="2" name="Title 1">
             <a:extLst>
               <a:ext uri="{FF2B5EF4-FFF2-40B4-BE49-F238E27FC236}">
-                <a16:creationId xmlns:a16="http://schemas.microsoft.com/office/drawing/2014/main" id="{612FB659-5C72-46A4-B6DC-3F8ACF820C73}"/>
+                <a16:creationId xmlns:a16="http://schemas.microsoft.com/office/drawing/2014/main" xmlns="" id="{612FB659-5C72-46A4-B6DC-3F8ACF820C73}"/>
               </a:ext>
             </a:extLst>
           </p:cNvPr>
@@ -638,7 +641,7 @@
           <p:cNvPr id="3" name="Subtitle 2">
             <a:extLst>
               <a:ext uri="{FF2B5EF4-FFF2-40B4-BE49-F238E27FC236}">
-                <a16:creationId xmlns:a16="http://schemas.microsoft.com/office/drawing/2014/main" id="{B220C850-7BE1-44FD-BBCF-9075FBD09B10}"/>
+                <a16:creationId xmlns:a16="http://schemas.microsoft.com/office/drawing/2014/main" xmlns="" id="{B220C850-7BE1-44FD-BBCF-9075FBD09B10}"/>
               </a:ext>
             </a:extLst>
           </p:cNvPr>
@@ -709,7 +712,7 @@
           <p:cNvPr id="4" name="Date Placeholder 3">
             <a:extLst>
               <a:ext uri="{FF2B5EF4-FFF2-40B4-BE49-F238E27FC236}">
-                <a16:creationId xmlns:a16="http://schemas.microsoft.com/office/drawing/2014/main" id="{4C2D91B1-602E-4430-810B-56392424B6FE}"/>
+                <a16:creationId xmlns:a16="http://schemas.microsoft.com/office/drawing/2014/main" xmlns="" id="{4C2D91B1-602E-4430-810B-56392424B6FE}"/>
               </a:ext>
             </a:extLst>
           </p:cNvPr>
@@ -739,7 +742,7 @@
           <p:cNvPr id="5" name="Footer Placeholder 4">
             <a:extLst>
               <a:ext uri="{FF2B5EF4-FFF2-40B4-BE49-F238E27FC236}">
-                <a16:creationId xmlns:a16="http://schemas.microsoft.com/office/drawing/2014/main" id="{31633BF2-29F7-467D-A14B-FEAD7E0AE25C}"/>
+                <a16:creationId xmlns:a16="http://schemas.microsoft.com/office/drawing/2014/main" xmlns="" id="{31633BF2-29F7-467D-A14B-FEAD7E0AE25C}"/>
               </a:ext>
             </a:extLst>
           </p:cNvPr>
@@ -764,7 +767,7 @@
           <p:cNvPr id="6" name="Slide Number Placeholder 5">
             <a:extLst>
               <a:ext uri="{FF2B5EF4-FFF2-40B4-BE49-F238E27FC236}">
-                <a16:creationId xmlns:a16="http://schemas.microsoft.com/office/drawing/2014/main" id="{DDB932E0-D790-47D5-BC30-13B68F15D455}"/>
+                <a16:creationId xmlns:a16="http://schemas.microsoft.com/office/drawing/2014/main" xmlns="" id="{DDB932E0-D790-47D5-BC30-13B68F15D455}"/>
               </a:ext>
             </a:extLst>
           </p:cNvPr>
@@ -792,7 +795,7 @@
     </p:spTree>
     <p:extLst>
       <p:ext uri="{BB962C8B-B14F-4D97-AF65-F5344CB8AC3E}">
-        <p14:creationId xmlns:p14="http://schemas.microsoft.com/office/powerpoint/2010/main" val="3040949612"/>
+        <p14:creationId xmlns:p14="http://schemas.microsoft.com/office/powerpoint/2010/main" xmlns="" val="3040949612"/>
       </p:ext>
     </p:extLst>
   </p:cSld>
@@ -824,7 +827,7 @@
           <p:cNvPr id="2" name="Title 1">
             <a:extLst>
               <a:ext uri="{FF2B5EF4-FFF2-40B4-BE49-F238E27FC236}">
-                <a16:creationId xmlns:a16="http://schemas.microsoft.com/office/drawing/2014/main" id="{2B0E615C-47FA-4F39-AC8E-263D774AD6EE}"/>
+                <a16:creationId xmlns:a16="http://schemas.microsoft.com/office/drawing/2014/main" xmlns="" id="{2B0E615C-47FA-4F39-AC8E-263D774AD6EE}"/>
               </a:ext>
             </a:extLst>
           </p:cNvPr>
@@ -853,7 +856,7 @@
           <p:cNvPr id="3" name="Vertical Text Placeholder 2">
             <a:extLst>
               <a:ext uri="{FF2B5EF4-FFF2-40B4-BE49-F238E27FC236}">
-                <a16:creationId xmlns:a16="http://schemas.microsoft.com/office/drawing/2014/main" id="{367DEE6C-8209-4A66-AA16-FAB460CA7E31}"/>
+                <a16:creationId xmlns:a16="http://schemas.microsoft.com/office/drawing/2014/main" xmlns="" id="{367DEE6C-8209-4A66-AA16-FAB460CA7E31}"/>
               </a:ext>
             </a:extLst>
           </p:cNvPr>
@@ -911,7 +914,7 @@
           <p:cNvPr id="4" name="Date Placeholder 3">
             <a:extLst>
               <a:ext uri="{FF2B5EF4-FFF2-40B4-BE49-F238E27FC236}">
-                <a16:creationId xmlns:a16="http://schemas.microsoft.com/office/drawing/2014/main" id="{66B438C2-157C-4419-8B7F-41590FB246CF}"/>
+                <a16:creationId xmlns:a16="http://schemas.microsoft.com/office/drawing/2014/main" xmlns="" id="{66B438C2-157C-4419-8B7F-41590FB246CF}"/>
               </a:ext>
             </a:extLst>
           </p:cNvPr>
@@ -941,7 +944,7 @@
           <p:cNvPr id="5" name="Footer Placeholder 4">
             <a:extLst>
               <a:ext uri="{FF2B5EF4-FFF2-40B4-BE49-F238E27FC236}">
-                <a16:creationId xmlns:a16="http://schemas.microsoft.com/office/drawing/2014/main" id="{9C4FB72F-7837-4726-975B-CD11DCB2E7C1}"/>
+                <a16:creationId xmlns:a16="http://schemas.microsoft.com/office/drawing/2014/main" xmlns="" id="{9C4FB72F-7837-4726-975B-CD11DCB2E7C1}"/>
               </a:ext>
             </a:extLst>
           </p:cNvPr>
@@ -966,7 +969,7 @@
           <p:cNvPr id="6" name="Slide Number Placeholder 5">
             <a:extLst>
               <a:ext uri="{FF2B5EF4-FFF2-40B4-BE49-F238E27FC236}">
-                <a16:creationId xmlns:a16="http://schemas.microsoft.com/office/drawing/2014/main" id="{26F56CB3-3EF6-4B49-9AF5-D85C60730F06}"/>
+                <a16:creationId xmlns:a16="http://schemas.microsoft.com/office/drawing/2014/main" xmlns="" id="{26F56CB3-3EF6-4B49-9AF5-D85C60730F06}"/>
               </a:ext>
             </a:extLst>
           </p:cNvPr>
@@ -994,7 +997,7 @@
     </p:spTree>
     <p:extLst>
       <p:ext uri="{BB962C8B-B14F-4D97-AF65-F5344CB8AC3E}">
-        <p14:creationId xmlns:p14="http://schemas.microsoft.com/office/powerpoint/2010/main" val="2775667080"/>
+        <p14:creationId xmlns:p14="http://schemas.microsoft.com/office/powerpoint/2010/main" xmlns="" val="2775667080"/>
       </p:ext>
     </p:extLst>
   </p:cSld>
@@ -1026,7 +1029,7 @@
           <p:cNvPr id="2" name="Vertical Title 1">
             <a:extLst>
               <a:ext uri="{FF2B5EF4-FFF2-40B4-BE49-F238E27FC236}">
-                <a16:creationId xmlns:a16="http://schemas.microsoft.com/office/drawing/2014/main" id="{69C2D83F-CCAD-43EC-98A3-2804B0D03285}"/>
+                <a16:creationId xmlns:a16="http://schemas.microsoft.com/office/drawing/2014/main" xmlns="" id="{69C2D83F-CCAD-43EC-98A3-2804B0D03285}"/>
               </a:ext>
             </a:extLst>
           </p:cNvPr>
@@ -1060,7 +1063,7 @@
           <p:cNvPr id="3" name="Vertical Text Placeholder 2">
             <a:extLst>
               <a:ext uri="{FF2B5EF4-FFF2-40B4-BE49-F238E27FC236}">
-                <a16:creationId xmlns:a16="http://schemas.microsoft.com/office/drawing/2014/main" id="{2BD219D0-0EF9-47C0-AF2B-130ED2FB8136}"/>
+                <a16:creationId xmlns:a16="http://schemas.microsoft.com/office/drawing/2014/main" xmlns="" id="{2BD219D0-0EF9-47C0-AF2B-130ED2FB8136}"/>
               </a:ext>
             </a:extLst>
           </p:cNvPr>
@@ -1123,7 +1126,7 @@
           <p:cNvPr id="4" name="Date Placeholder 3">
             <a:extLst>
               <a:ext uri="{FF2B5EF4-FFF2-40B4-BE49-F238E27FC236}">
-                <a16:creationId xmlns:a16="http://schemas.microsoft.com/office/drawing/2014/main" id="{DD7CE395-85B9-47C5-9590-0DA5986924BC}"/>
+                <a16:creationId xmlns:a16="http://schemas.microsoft.com/office/drawing/2014/main" xmlns="" id="{DD7CE395-85B9-47C5-9590-0DA5986924BC}"/>
               </a:ext>
             </a:extLst>
           </p:cNvPr>
@@ -1153,7 +1156,7 @@
           <p:cNvPr id="5" name="Footer Placeholder 4">
             <a:extLst>
               <a:ext uri="{FF2B5EF4-FFF2-40B4-BE49-F238E27FC236}">
-                <a16:creationId xmlns:a16="http://schemas.microsoft.com/office/drawing/2014/main" id="{B143B62D-466E-4029-ADB4-3837B083CE32}"/>
+                <a16:creationId xmlns:a16="http://schemas.microsoft.com/office/drawing/2014/main" xmlns="" id="{B143B62D-466E-4029-ADB4-3837B083CE32}"/>
               </a:ext>
             </a:extLst>
           </p:cNvPr>
@@ -1178,7 +1181,7 @@
           <p:cNvPr id="6" name="Slide Number Placeholder 5">
             <a:extLst>
               <a:ext uri="{FF2B5EF4-FFF2-40B4-BE49-F238E27FC236}">
-                <a16:creationId xmlns:a16="http://schemas.microsoft.com/office/drawing/2014/main" id="{1DA3E642-0928-4C03-BAE7-6E183091ADA0}"/>
+                <a16:creationId xmlns:a16="http://schemas.microsoft.com/office/drawing/2014/main" xmlns="" id="{1DA3E642-0928-4C03-BAE7-6E183091ADA0}"/>
               </a:ext>
             </a:extLst>
           </p:cNvPr>
@@ -1206,7 +1209,7 @@
     </p:spTree>
     <p:extLst>
       <p:ext uri="{BB962C8B-B14F-4D97-AF65-F5344CB8AC3E}">
-        <p14:creationId xmlns:p14="http://schemas.microsoft.com/office/powerpoint/2010/main" val="940476995"/>
+        <p14:creationId xmlns:p14="http://schemas.microsoft.com/office/powerpoint/2010/main" xmlns="" val="940476995"/>
       </p:ext>
     </p:extLst>
   </p:cSld>
@@ -1238,7 +1241,7 @@
           <p:cNvPr id="2" name="Title 1">
             <a:extLst>
               <a:ext uri="{FF2B5EF4-FFF2-40B4-BE49-F238E27FC236}">
-                <a16:creationId xmlns:a16="http://schemas.microsoft.com/office/drawing/2014/main" id="{0C3D979C-1DED-4A5E-8F4E-D4B5604241BC}"/>
+                <a16:creationId xmlns:a16="http://schemas.microsoft.com/office/drawing/2014/main" xmlns="" id="{0C3D979C-1DED-4A5E-8F4E-D4B5604241BC}"/>
               </a:ext>
             </a:extLst>
           </p:cNvPr>
@@ -1267,7 +1270,7 @@
           <p:cNvPr id="3" name="Content Placeholder 2">
             <a:extLst>
               <a:ext uri="{FF2B5EF4-FFF2-40B4-BE49-F238E27FC236}">
-                <a16:creationId xmlns:a16="http://schemas.microsoft.com/office/drawing/2014/main" id="{ECD8CCED-A680-4908-8A20-43CB88D3A305}"/>
+                <a16:creationId xmlns:a16="http://schemas.microsoft.com/office/drawing/2014/main" xmlns="" id="{ECD8CCED-A680-4908-8A20-43CB88D3A305}"/>
               </a:ext>
             </a:extLst>
           </p:cNvPr>
@@ -1325,7 +1328,7 @@
           <p:cNvPr id="4" name="Date Placeholder 3">
             <a:extLst>
               <a:ext uri="{FF2B5EF4-FFF2-40B4-BE49-F238E27FC236}">
-                <a16:creationId xmlns:a16="http://schemas.microsoft.com/office/drawing/2014/main" id="{1298DE2B-6A0A-4DD6-BD42-309D81DCAEF3}"/>
+                <a16:creationId xmlns:a16="http://schemas.microsoft.com/office/drawing/2014/main" xmlns="" id="{1298DE2B-6A0A-4DD6-BD42-309D81DCAEF3}"/>
               </a:ext>
             </a:extLst>
           </p:cNvPr>
@@ -1355,7 +1358,7 @@
           <p:cNvPr id="5" name="Footer Placeholder 4">
             <a:extLst>
               <a:ext uri="{FF2B5EF4-FFF2-40B4-BE49-F238E27FC236}">
-                <a16:creationId xmlns:a16="http://schemas.microsoft.com/office/drawing/2014/main" id="{7D63C678-C4C3-4A8A-9306-83D088FE7973}"/>
+                <a16:creationId xmlns:a16="http://schemas.microsoft.com/office/drawing/2014/main" xmlns="" id="{7D63C678-C4C3-4A8A-9306-83D088FE7973}"/>
               </a:ext>
             </a:extLst>
           </p:cNvPr>
@@ -1380,7 +1383,7 @@
           <p:cNvPr id="6" name="Slide Number Placeholder 5">
             <a:extLst>
               <a:ext uri="{FF2B5EF4-FFF2-40B4-BE49-F238E27FC236}">
-                <a16:creationId xmlns:a16="http://schemas.microsoft.com/office/drawing/2014/main" id="{09D16817-A1FF-42FA-9A40-9C71796E5E66}"/>
+                <a16:creationId xmlns:a16="http://schemas.microsoft.com/office/drawing/2014/main" xmlns="" id="{09D16817-A1FF-42FA-9A40-9C71796E5E66}"/>
               </a:ext>
             </a:extLst>
           </p:cNvPr>
@@ -1408,7 +1411,7 @@
     </p:spTree>
     <p:extLst>
       <p:ext uri="{BB962C8B-B14F-4D97-AF65-F5344CB8AC3E}">
-        <p14:creationId xmlns:p14="http://schemas.microsoft.com/office/powerpoint/2010/main" val="2398975781"/>
+        <p14:creationId xmlns:p14="http://schemas.microsoft.com/office/powerpoint/2010/main" xmlns="" val="2398975781"/>
       </p:ext>
     </p:extLst>
   </p:cSld>
@@ -1440,7 +1443,7 @@
           <p:cNvPr id="2" name="Title 1">
             <a:extLst>
               <a:ext uri="{FF2B5EF4-FFF2-40B4-BE49-F238E27FC236}">
-                <a16:creationId xmlns:a16="http://schemas.microsoft.com/office/drawing/2014/main" id="{E41F66E2-F0BF-46BB-B5CD-F9E22AF1D6CD}"/>
+                <a16:creationId xmlns:a16="http://schemas.microsoft.com/office/drawing/2014/main" xmlns="" id="{E41F66E2-F0BF-46BB-B5CD-F9E22AF1D6CD}"/>
               </a:ext>
             </a:extLst>
           </p:cNvPr>
@@ -1478,7 +1481,7 @@
           <p:cNvPr id="3" name="Text Placeholder 2">
             <a:extLst>
               <a:ext uri="{FF2B5EF4-FFF2-40B4-BE49-F238E27FC236}">
-                <a16:creationId xmlns:a16="http://schemas.microsoft.com/office/drawing/2014/main" id="{BC4C86F2-7562-461D-91DB-1B1DCE29C2C8}"/>
+                <a16:creationId xmlns:a16="http://schemas.microsoft.com/office/drawing/2014/main" xmlns="" id="{BC4C86F2-7562-461D-91DB-1B1DCE29C2C8}"/>
               </a:ext>
             </a:extLst>
           </p:cNvPr>
@@ -1603,7 +1606,7 @@
           <p:cNvPr id="4" name="Date Placeholder 3">
             <a:extLst>
               <a:ext uri="{FF2B5EF4-FFF2-40B4-BE49-F238E27FC236}">
-                <a16:creationId xmlns:a16="http://schemas.microsoft.com/office/drawing/2014/main" id="{CCCF6DFB-E242-40E5-8672-90C8C76F41A3}"/>
+                <a16:creationId xmlns:a16="http://schemas.microsoft.com/office/drawing/2014/main" xmlns="" id="{CCCF6DFB-E242-40E5-8672-90C8C76F41A3}"/>
               </a:ext>
             </a:extLst>
           </p:cNvPr>
@@ -1633,7 +1636,7 @@
           <p:cNvPr id="5" name="Footer Placeholder 4">
             <a:extLst>
               <a:ext uri="{FF2B5EF4-FFF2-40B4-BE49-F238E27FC236}">
-                <a16:creationId xmlns:a16="http://schemas.microsoft.com/office/drawing/2014/main" id="{423B78CF-6346-48F1-8898-B70D6F00AA9B}"/>
+                <a16:creationId xmlns:a16="http://schemas.microsoft.com/office/drawing/2014/main" xmlns="" id="{423B78CF-6346-48F1-8898-B70D6F00AA9B}"/>
               </a:ext>
             </a:extLst>
           </p:cNvPr>
@@ -1658,7 +1661,7 @@
           <p:cNvPr id="6" name="Slide Number Placeholder 5">
             <a:extLst>
               <a:ext uri="{FF2B5EF4-FFF2-40B4-BE49-F238E27FC236}">
-                <a16:creationId xmlns:a16="http://schemas.microsoft.com/office/drawing/2014/main" id="{274C27FB-C3D0-42D3-9789-B7FD14547B6E}"/>
+                <a16:creationId xmlns:a16="http://schemas.microsoft.com/office/drawing/2014/main" xmlns="" id="{274C27FB-C3D0-42D3-9789-B7FD14547B6E}"/>
               </a:ext>
             </a:extLst>
           </p:cNvPr>
@@ -1686,7 +1689,7 @@
     </p:spTree>
     <p:extLst>
       <p:ext uri="{BB962C8B-B14F-4D97-AF65-F5344CB8AC3E}">
-        <p14:creationId xmlns:p14="http://schemas.microsoft.com/office/powerpoint/2010/main" val="2597249203"/>
+        <p14:creationId xmlns:p14="http://schemas.microsoft.com/office/powerpoint/2010/main" xmlns="" val="2597249203"/>
       </p:ext>
     </p:extLst>
   </p:cSld>
@@ -1718,7 +1721,7 @@
           <p:cNvPr id="2" name="Title 1">
             <a:extLst>
               <a:ext uri="{FF2B5EF4-FFF2-40B4-BE49-F238E27FC236}">
-                <a16:creationId xmlns:a16="http://schemas.microsoft.com/office/drawing/2014/main" id="{0CCFC4D6-C127-4E84-8A30-739C2271B0A1}"/>
+                <a16:creationId xmlns:a16="http://schemas.microsoft.com/office/drawing/2014/main" xmlns="" id="{0CCFC4D6-C127-4E84-8A30-739C2271B0A1}"/>
               </a:ext>
             </a:extLst>
           </p:cNvPr>
@@ -1747,7 +1750,7 @@
           <p:cNvPr id="3" name="Content Placeholder 2">
             <a:extLst>
               <a:ext uri="{FF2B5EF4-FFF2-40B4-BE49-F238E27FC236}">
-                <a16:creationId xmlns:a16="http://schemas.microsoft.com/office/drawing/2014/main" id="{EDF77C35-2599-46AF-9A44-73EB1AA23CEC}"/>
+                <a16:creationId xmlns:a16="http://schemas.microsoft.com/office/drawing/2014/main" xmlns="" id="{EDF77C35-2599-46AF-9A44-73EB1AA23CEC}"/>
               </a:ext>
             </a:extLst>
           </p:cNvPr>
@@ -1810,7 +1813,7 @@
           <p:cNvPr id="4" name="Content Placeholder 3">
             <a:extLst>
               <a:ext uri="{FF2B5EF4-FFF2-40B4-BE49-F238E27FC236}">
-                <a16:creationId xmlns:a16="http://schemas.microsoft.com/office/drawing/2014/main" id="{A6882925-F1E9-4F87-A53F-0D2157817986}"/>
+                <a16:creationId xmlns:a16="http://schemas.microsoft.com/office/drawing/2014/main" xmlns="" id="{A6882925-F1E9-4F87-A53F-0D2157817986}"/>
               </a:ext>
             </a:extLst>
           </p:cNvPr>
@@ -1873,7 +1876,7 @@
           <p:cNvPr id="5" name="Date Placeholder 4">
             <a:extLst>
               <a:ext uri="{FF2B5EF4-FFF2-40B4-BE49-F238E27FC236}">
-                <a16:creationId xmlns:a16="http://schemas.microsoft.com/office/drawing/2014/main" id="{933D5028-0D5C-4E47-9884-7297E72E6B06}"/>
+                <a16:creationId xmlns:a16="http://schemas.microsoft.com/office/drawing/2014/main" xmlns="" id="{933D5028-0D5C-4E47-9884-7297E72E6B06}"/>
               </a:ext>
             </a:extLst>
           </p:cNvPr>
@@ -1903,7 +1906,7 @@
           <p:cNvPr id="6" name="Footer Placeholder 5">
             <a:extLst>
               <a:ext uri="{FF2B5EF4-FFF2-40B4-BE49-F238E27FC236}">
-                <a16:creationId xmlns:a16="http://schemas.microsoft.com/office/drawing/2014/main" id="{8465E511-42AF-44EC-82C5-BEBA23815C62}"/>
+                <a16:creationId xmlns:a16="http://schemas.microsoft.com/office/drawing/2014/main" xmlns="" id="{8465E511-42AF-44EC-82C5-BEBA23815C62}"/>
               </a:ext>
             </a:extLst>
           </p:cNvPr>
@@ -1928,7 +1931,7 @@
           <p:cNvPr id="7" name="Slide Number Placeholder 6">
             <a:extLst>
               <a:ext uri="{FF2B5EF4-FFF2-40B4-BE49-F238E27FC236}">
-                <a16:creationId xmlns:a16="http://schemas.microsoft.com/office/drawing/2014/main" id="{C857F1EA-3CA7-4B26-94E4-8BA344B90D90}"/>
+                <a16:creationId xmlns:a16="http://schemas.microsoft.com/office/drawing/2014/main" xmlns="" id="{C857F1EA-3CA7-4B26-94E4-8BA344B90D90}"/>
               </a:ext>
             </a:extLst>
           </p:cNvPr>
@@ -1956,7 +1959,7 @@
     </p:spTree>
     <p:extLst>
       <p:ext uri="{BB962C8B-B14F-4D97-AF65-F5344CB8AC3E}">
-        <p14:creationId xmlns:p14="http://schemas.microsoft.com/office/powerpoint/2010/main" val="3863666162"/>
+        <p14:creationId xmlns:p14="http://schemas.microsoft.com/office/powerpoint/2010/main" xmlns="" val="3863666162"/>
       </p:ext>
     </p:extLst>
   </p:cSld>
@@ -1988,7 +1991,7 @@
           <p:cNvPr id="2" name="Title 1">
             <a:extLst>
               <a:ext uri="{FF2B5EF4-FFF2-40B4-BE49-F238E27FC236}">
-                <a16:creationId xmlns:a16="http://schemas.microsoft.com/office/drawing/2014/main" id="{CCFA98AE-50D6-4204-BA8A-4F4627CD6DB1}"/>
+                <a16:creationId xmlns:a16="http://schemas.microsoft.com/office/drawing/2014/main" xmlns="" id="{CCFA98AE-50D6-4204-BA8A-4F4627CD6DB1}"/>
               </a:ext>
             </a:extLst>
           </p:cNvPr>
@@ -2022,7 +2025,7 @@
           <p:cNvPr id="3" name="Text Placeholder 2">
             <a:extLst>
               <a:ext uri="{FF2B5EF4-FFF2-40B4-BE49-F238E27FC236}">
-                <a16:creationId xmlns:a16="http://schemas.microsoft.com/office/drawing/2014/main" id="{63F06B8C-529D-4F3A-90DE-54E0E79B12E1}"/>
+                <a16:creationId xmlns:a16="http://schemas.microsoft.com/office/drawing/2014/main" xmlns="" id="{63F06B8C-529D-4F3A-90DE-54E0E79B12E1}"/>
               </a:ext>
             </a:extLst>
           </p:cNvPr>
@@ -2093,7 +2096,7 @@
           <p:cNvPr id="4" name="Content Placeholder 3">
             <a:extLst>
               <a:ext uri="{FF2B5EF4-FFF2-40B4-BE49-F238E27FC236}">
-                <a16:creationId xmlns:a16="http://schemas.microsoft.com/office/drawing/2014/main" id="{808717F7-FEE5-436F-B95B-72C924219365}"/>
+                <a16:creationId xmlns:a16="http://schemas.microsoft.com/office/drawing/2014/main" xmlns="" id="{808717F7-FEE5-436F-B95B-72C924219365}"/>
               </a:ext>
             </a:extLst>
           </p:cNvPr>
@@ -2156,7 +2159,7 @@
           <p:cNvPr id="5" name="Text Placeholder 4">
             <a:extLst>
               <a:ext uri="{FF2B5EF4-FFF2-40B4-BE49-F238E27FC236}">
-                <a16:creationId xmlns:a16="http://schemas.microsoft.com/office/drawing/2014/main" id="{B540953B-611D-46FD-9898-6921608EBD66}"/>
+                <a16:creationId xmlns:a16="http://schemas.microsoft.com/office/drawing/2014/main" xmlns="" id="{B540953B-611D-46FD-9898-6921608EBD66}"/>
               </a:ext>
             </a:extLst>
           </p:cNvPr>
@@ -2227,7 +2230,7 @@
           <p:cNvPr id="6" name="Content Placeholder 5">
             <a:extLst>
               <a:ext uri="{FF2B5EF4-FFF2-40B4-BE49-F238E27FC236}">
-                <a16:creationId xmlns:a16="http://schemas.microsoft.com/office/drawing/2014/main" id="{B7FB7D19-5E0E-4B96-93F9-D74518B8BA9D}"/>
+                <a16:creationId xmlns:a16="http://schemas.microsoft.com/office/drawing/2014/main" xmlns="" id="{B7FB7D19-5E0E-4B96-93F9-D74518B8BA9D}"/>
               </a:ext>
             </a:extLst>
           </p:cNvPr>
@@ -2290,7 +2293,7 @@
           <p:cNvPr id="7" name="Date Placeholder 6">
             <a:extLst>
               <a:ext uri="{FF2B5EF4-FFF2-40B4-BE49-F238E27FC236}">
-                <a16:creationId xmlns:a16="http://schemas.microsoft.com/office/drawing/2014/main" id="{5F881197-AC15-4066-B770-E3B61B28DF74}"/>
+                <a16:creationId xmlns:a16="http://schemas.microsoft.com/office/drawing/2014/main" xmlns="" id="{5F881197-AC15-4066-B770-E3B61B28DF74}"/>
               </a:ext>
             </a:extLst>
           </p:cNvPr>
@@ -2320,7 +2323,7 @@
           <p:cNvPr id="8" name="Footer Placeholder 7">
             <a:extLst>
               <a:ext uri="{FF2B5EF4-FFF2-40B4-BE49-F238E27FC236}">
-                <a16:creationId xmlns:a16="http://schemas.microsoft.com/office/drawing/2014/main" id="{2D3483F2-C46F-4752-8FD4-5C8BFCECB961}"/>
+                <a16:creationId xmlns:a16="http://schemas.microsoft.com/office/drawing/2014/main" xmlns="" id="{2D3483F2-C46F-4752-8FD4-5C8BFCECB961}"/>
               </a:ext>
             </a:extLst>
           </p:cNvPr>
@@ -2345,7 +2348,7 @@
           <p:cNvPr id="9" name="Slide Number Placeholder 8">
             <a:extLst>
               <a:ext uri="{FF2B5EF4-FFF2-40B4-BE49-F238E27FC236}">
-                <a16:creationId xmlns:a16="http://schemas.microsoft.com/office/drawing/2014/main" id="{B5CD4DFD-7CE2-4B20-8817-8F3BAC5B4B33}"/>
+                <a16:creationId xmlns:a16="http://schemas.microsoft.com/office/drawing/2014/main" xmlns="" id="{B5CD4DFD-7CE2-4B20-8817-8F3BAC5B4B33}"/>
               </a:ext>
             </a:extLst>
           </p:cNvPr>
@@ -2373,7 +2376,7 @@
     </p:spTree>
     <p:extLst>
       <p:ext uri="{BB962C8B-B14F-4D97-AF65-F5344CB8AC3E}">
-        <p14:creationId xmlns:p14="http://schemas.microsoft.com/office/powerpoint/2010/main" val="16042255"/>
+        <p14:creationId xmlns:p14="http://schemas.microsoft.com/office/powerpoint/2010/main" xmlns="" val="16042255"/>
       </p:ext>
     </p:extLst>
   </p:cSld>
@@ -2405,7 +2408,7 @@
           <p:cNvPr id="2" name="Title 1">
             <a:extLst>
               <a:ext uri="{FF2B5EF4-FFF2-40B4-BE49-F238E27FC236}">
-                <a16:creationId xmlns:a16="http://schemas.microsoft.com/office/drawing/2014/main" id="{73042478-EBEF-4C33-B9D9-3BC5BC2F3C21}"/>
+                <a16:creationId xmlns:a16="http://schemas.microsoft.com/office/drawing/2014/main" xmlns="" id="{73042478-EBEF-4C33-B9D9-3BC5BC2F3C21}"/>
               </a:ext>
             </a:extLst>
           </p:cNvPr>
@@ -2434,7 +2437,7 @@
           <p:cNvPr id="3" name="Date Placeholder 2">
             <a:extLst>
               <a:ext uri="{FF2B5EF4-FFF2-40B4-BE49-F238E27FC236}">
-                <a16:creationId xmlns:a16="http://schemas.microsoft.com/office/drawing/2014/main" id="{ED211303-1193-4C16-B360-675A1BA94409}"/>
+                <a16:creationId xmlns:a16="http://schemas.microsoft.com/office/drawing/2014/main" xmlns="" id="{ED211303-1193-4C16-B360-675A1BA94409}"/>
               </a:ext>
             </a:extLst>
           </p:cNvPr>
@@ -2464,7 +2467,7 @@
           <p:cNvPr id="4" name="Footer Placeholder 3">
             <a:extLst>
               <a:ext uri="{FF2B5EF4-FFF2-40B4-BE49-F238E27FC236}">
-                <a16:creationId xmlns:a16="http://schemas.microsoft.com/office/drawing/2014/main" id="{09FFDB76-14BE-47A5-85CC-AD13045C065E}"/>
+                <a16:creationId xmlns:a16="http://schemas.microsoft.com/office/drawing/2014/main" xmlns="" id="{09FFDB76-14BE-47A5-85CC-AD13045C065E}"/>
               </a:ext>
             </a:extLst>
           </p:cNvPr>
@@ -2489,7 +2492,7 @@
           <p:cNvPr id="5" name="Slide Number Placeholder 4">
             <a:extLst>
               <a:ext uri="{FF2B5EF4-FFF2-40B4-BE49-F238E27FC236}">
-                <a16:creationId xmlns:a16="http://schemas.microsoft.com/office/drawing/2014/main" id="{56A478CC-77D4-473C-ABB9-8887ABAFED2C}"/>
+                <a16:creationId xmlns:a16="http://schemas.microsoft.com/office/drawing/2014/main" xmlns="" id="{56A478CC-77D4-473C-ABB9-8887ABAFED2C}"/>
               </a:ext>
             </a:extLst>
           </p:cNvPr>
@@ -2517,7 +2520,7 @@
     </p:spTree>
     <p:extLst>
       <p:ext uri="{BB962C8B-B14F-4D97-AF65-F5344CB8AC3E}">
-        <p14:creationId xmlns:p14="http://schemas.microsoft.com/office/powerpoint/2010/main" val="3264400445"/>
+        <p14:creationId xmlns:p14="http://schemas.microsoft.com/office/powerpoint/2010/main" xmlns="" val="3264400445"/>
       </p:ext>
     </p:extLst>
   </p:cSld>
@@ -2549,7 +2552,7 @@
           <p:cNvPr id="2" name="Date Placeholder 1">
             <a:extLst>
               <a:ext uri="{FF2B5EF4-FFF2-40B4-BE49-F238E27FC236}">
-                <a16:creationId xmlns:a16="http://schemas.microsoft.com/office/drawing/2014/main" id="{498CD462-02EA-4A41-BE3E-65D33EE78386}"/>
+                <a16:creationId xmlns:a16="http://schemas.microsoft.com/office/drawing/2014/main" xmlns="" id="{498CD462-02EA-4A41-BE3E-65D33EE78386}"/>
               </a:ext>
             </a:extLst>
           </p:cNvPr>
@@ -2579,7 +2582,7 @@
           <p:cNvPr id="3" name="Footer Placeholder 2">
             <a:extLst>
               <a:ext uri="{FF2B5EF4-FFF2-40B4-BE49-F238E27FC236}">
-                <a16:creationId xmlns:a16="http://schemas.microsoft.com/office/drawing/2014/main" id="{24F03091-C671-4C3B-BBEC-EB346678F22B}"/>
+                <a16:creationId xmlns:a16="http://schemas.microsoft.com/office/drawing/2014/main" xmlns="" id="{24F03091-C671-4C3B-BBEC-EB346678F22B}"/>
               </a:ext>
             </a:extLst>
           </p:cNvPr>
@@ -2604,7 +2607,7 @@
           <p:cNvPr id="4" name="Slide Number Placeholder 3">
             <a:extLst>
               <a:ext uri="{FF2B5EF4-FFF2-40B4-BE49-F238E27FC236}">
-                <a16:creationId xmlns:a16="http://schemas.microsoft.com/office/drawing/2014/main" id="{0C2B739E-E5B8-4DB2-B66D-E489382D0FDD}"/>
+                <a16:creationId xmlns:a16="http://schemas.microsoft.com/office/drawing/2014/main" xmlns="" id="{0C2B739E-E5B8-4DB2-B66D-E489382D0FDD}"/>
               </a:ext>
             </a:extLst>
           </p:cNvPr>
@@ -2632,7 +2635,7 @@
     </p:spTree>
     <p:extLst>
       <p:ext uri="{BB962C8B-B14F-4D97-AF65-F5344CB8AC3E}">
-        <p14:creationId xmlns:p14="http://schemas.microsoft.com/office/powerpoint/2010/main" val="624992241"/>
+        <p14:creationId xmlns:p14="http://schemas.microsoft.com/office/powerpoint/2010/main" xmlns="" val="624992241"/>
       </p:ext>
     </p:extLst>
   </p:cSld>
@@ -2664,7 +2667,7 @@
           <p:cNvPr id="2" name="Title 1">
             <a:extLst>
               <a:ext uri="{FF2B5EF4-FFF2-40B4-BE49-F238E27FC236}">
-                <a16:creationId xmlns:a16="http://schemas.microsoft.com/office/drawing/2014/main" id="{7FBCD732-BC38-4600-B988-3D3A3C84868E}"/>
+                <a16:creationId xmlns:a16="http://schemas.microsoft.com/office/drawing/2014/main" xmlns="" id="{7FBCD732-BC38-4600-B988-3D3A3C84868E}"/>
               </a:ext>
             </a:extLst>
           </p:cNvPr>
@@ -2702,7 +2705,7 @@
           <p:cNvPr id="3" name="Content Placeholder 2">
             <a:extLst>
               <a:ext uri="{FF2B5EF4-FFF2-40B4-BE49-F238E27FC236}">
-                <a16:creationId xmlns:a16="http://schemas.microsoft.com/office/drawing/2014/main" id="{5E405438-4452-4A1B-8AB0-357CA8D8ED79}"/>
+                <a16:creationId xmlns:a16="http://schemas.microsoft.com/office/drawing/2014/main" xmlns="" id="{5E405438-4452-4A1B-8AB0-357CA8D8ED79}"/>
               </a:ext>
             </a:extLst>
           </p:cNvPr>
@@ -2793,7 +2796,7 @@
           <p:cNvPr id="4" name="Text Placeholder 3">
             <a:extLst>
               <a:ext uri="{FF2B5EF4-FFF2-40B4-BE49-F238E27FC236}">
-                <a16:creationId xmlns:a16="http://schemas.microsoft.com/office/drawing/2014/main" id="{F7040C64-6DEA-416A-A668-11DA98225FF0}"/>
+                <a16:creationId xmlns:a16="http://schemas.microsoft.com/office/drawing/2014/main" xmlns="" id="{F7040C64-6DEA-416A-A668-11DA98225FF0}"/>
               </a:ext>
             </a:extLst>
           </p:cNvPr>
@@ -2864,7 +2867,7 @@
           <p:cNvPr id="5" name="Date Placeholder 4">
             <a:extLst>
               <a:ext uri="{FF2B5EF4-FFF2-40B4-BE49-F238E27FC236}">
-                <a16:creationId xmlns:a16="http://schemas.microsoft.com/office/drawing/2014/main" id="{5A67B820-2522-4127-816F-B68BA7C9E405}"/>
+                <a16:creationId xmlns:a16="http://schemas.microsoft.com/office/drawing/2014/main" xmlns="" id="{5A67B820-2522-4127-816F-B68BA7C9E405}"/>
               </a:ext>
             </a:extLst>
           </p:cNvPr>
@@ -2894,7 +2897,7 @@
           <p:cNvPr id="6" name="Footer Placeholder 5">
             <a:extLst>
               <a:ext uri="{FF2B5EF4-FFF2-40B4-BE49-F238E27FC236}">
-                <a16:creationId xmlns:a16="http://schemas.microsoft.com/office/drawing/2014/main" id="{AD88AECC-47FE-44DA-96B2-B58EB6F7ED01}"/>
+                <a16:creationId xmlns:a16="http://schemas.microsoft.com/office/drawing/2014/main" xmlns="" id="{AD88AECC-47FE-44DA-96B2-B58EB6F7ED01}"/>
               </a:ext>
             </a:extLst>
           </p:cNvPr>
@@ -2919,7 +2922,7 @@
           <p:cNvPr id="7" name="Slide Number Placeholder 6">
             <a:extLst>
               <a:ext uri="{FF2B5EF4-FFF2-40B4-BE49-F238E27FC236}">
-                <a16:creationId xmlns:a16="http://schemas.microsoft.com/office/drawing/2014/main" id="{FB923DB1-B609-4245-B60F-52AED48270BD}"/>
+                <a16:creationId xmlns:a16="http://schemas.microsoft.com/office/drawing/2014/main" xmlns="" id="{FB923DB1-B609-4245-B60F-52AED48270BD}"/>
               </a:ext>
             </a:extLst>
           </p:cNvPr>
@@ -2947,7 +2950,7 @@
     </p:spTree>
     <p:extLst>
       <p:ext uri="{BB962C8B-B14F-4D97-AF65-F5344CB8AC3E}">
-        <p14:creationId xmlns:p14="http://schemas.microsoft.com/office/powerpoint/2010/main" val="2896159546"/>
+        <p14:creationId xmlns:p14="http://schemas.microsoft.com/office/powerpoint/2010/main" xmlns="" val="2896159546"/>
       </p:ext>
     </p:extLst>
   </p:cSld>
@@ -2979,7 +2982,7 @@
           <p:cNvPr id="2" name="Title 1">
             <a:extLst>
               <a:ext uri="{FF2B5EF4-FFF2-40B4-BE49-F238E27FC236}">
-                <a16:creationId xmlns:a16="http://schemas.microsoft.com/office/drawing/2014/main" id="{1EE570B5-BC68-4396-8494-7FFEABFF62AB}"/>
+                <a16:creationId xmlns:a16="http://schemas.microsoft.com/office/drawing/2014/main" xmlns="" id="{1EE570B5-BC68-4396-8494-7FFEABFF62AB}"/>
               </a:ext>
             </a:extLst>
           </p:cNvPr>
@@ -3017,7 +3020,7 @@
           <p:cNvPr id="3" name="Picture Placeholder 2">
             <a:extLst>
               <a:ext uri="{FF2B5EF4-FFF2-40B4-BE49-F238E27FC236}">
-                <a16:creationId xmlns:a16="http://schemas.microsoft.com/office/drawing/2014/main" id="{B609FD8D-525E-4A80-BA80-17A847F42138}"/>
+                <a16:creationId xmlns:a16="http://schemas.microsoft.com/office/drawing/2014/main" xmlns="" id="{B609FD8D-525E-4A80-BA80-17A847F42138}"/>
               </a:ext>
             </a:extLst>
           </p:cNvPr>
@@ -3084,7 +3087,7 @@
           <p:cNvPr id="4" name="Text Placeholder 3">
             <a:extLst>
               <a:ext uri="{FF2B5EF4-FFF2-40B4-BE49-F238E27FC236}">
-                <a16:creationId xmlns:a16="http://schemas.microsoft.com/office/drawing/2014/main" id="{B101886B-8F37-4F07-8456-F9C8EF7E18E0}"/>
+                <a16:creationId xmlns:a16="http://schemas.microsoft.com/office/drawing/2014/main" xmlns="" id="{B101886B-8F37-4F07-8456-F9C8EF7E18E0}"/>
               </a:ext>
             </a:extLst>
           </p:cNvPr>
@@ -3155,7 +3158,7 @@
           <p:cNvPr id="5" name="Date Placeholder 4">
             <a:extLst>
               <a:ext uri="{FF2B5EF4-FFF2-40B4-BE49-F238E27FC236}">
-                <a16:creationId xmlns:a16="http://schemas.microsoft.com/office/drawing/2014/main" id="{50BBA420-B785-4D6E-9391-FBB3CB0963F1}"/>
+                <a16:creationId xmlns:a16="http://schemas.microsoft.com/office/drawing/2014/main" xmlns="" id="{50BBA420-B785-4D6E-9391-FBB3CB0963F1}"/>
               </a:ext>
             </a:extLst>
           </p:cNvPr>
@@ -3185,7 +3188,7 @@
           <p:cNvPr id="6" name="Footer Placeholder 5">
             <a:extLst>
               <a:ext uri="{FF2B5EF4-FFF2-40B4-BE49-F238E27FC236}">
-                <a16:creationId xmlns:a16="http://schemas.microsoft.com/office/drawing/2014/main" id="{791B3371-E980-40C9-886F-0486D67A8251}"/>
+                <a16:creationId xmlns:a16="http://schemas.microsoft.com/office/drawing/2014/main" xmlns="" id="{791B3371-E980-40C9-886F-0486D67A8251}"/>
               </a:ext>
             </a:extLst>
           </p:cNvPr>
@@ -3210,7 +3213,7 @@
           <p:cNvPr id="7" name="Slide Number Placeholder 6">
             <a:extLst>
               <a:ext uri="{FF2B5EF4-FFF2-40B4-BE49-F238E27FC236}">
-                <a16:creationId xmlns:a16="http://schemas.microsoft.com/office/drawing/2014/main" id="{8BC12B94-37B8-4819-B2A4-7B9D9DB44E09}"/>
+                <a16:creationId xmlns:a16="http://schemas.microsoft.com/office/drawing/2014/main" xmlns="" id="{8BC12B94-37B8-4819-B2A4-7B9D9DB44E09}"/>
               </a:ext>
             </a:extLst>
           </p:cNvPr>
@@ -3238,7 +3241,7 @@
     </p:spTree>
     <p:extLst>
       <p:ext uri="{BB962C8B-B14F-4D97-AF65-F5344CB8AC3E}">
-        <p14:creationId xmlns:p14="http://schemas.microsoft.com/office/powerpoint/2010/main" val="2479159671"/>
+        <p14:creationId xmlns:p14="http://schemas.microsoft.com/office/powerpoint/2010/main" xmlns="" val="2479159671"/>
       </p:ext>
     </p:extLst>
   </p:cSld>
@@ -3275,7 +3278,7 @@
           <p:cNvPr id="2" name="Title Placeholder 1">
             <a:extLst>
               <a:ext uri="{FF2B5EF4-FFF2-40B4-BE49-F238E27FC236}">
-                <a16:creationId xmlns:a16="http://schemas.microsoft.com/office/drawing/2014/main" id="{B48FA745-BB8D-4678-8D74-DC183E9963CC}"/>
+                <a16:creationId xmlns:a16="http://schemas.microsoft.com/office/drawing/2014/main" xmlns="" id="{B48FA745-BB8D-4678-8D74-DC183E9963CC}"/>
               </a:ext>
             </a:extLst>
           </p:cNvPr>
@@ -3314,7 +3317,7 @@
           <p:cNvPr id="3" name="Text Placeholder 2">
             <a:extLst>
               <a:ext uri="{FF2B5EF4-FFF2-40B4-BE49-F238E27FC236}">
-                <a16:creationId xmlns:a16="http://schemas.microsoft.com/office/drawing/2014/main" id="{65D1C3ED-E6D6-41EF-AA7C-19941CC53BBF}"/>
+                <a16:creationId xmlns:a16="http://schemas.microsoft.com/office/drawing/2014/main" xmlns="" id="{65D1C3ED-E6D6-41EF-AA7C-19941CC53BBF}"/>
               </a:ext>
             </a:extLst>
           </p:cNvPr>
@@ -3382,7 +3385,7 @@
           <p:cNvPr id="4" name="Date Placeholder 3">
             <a:extLst>
               <a:ext uri="{FF2B5EF4-FFF2-40B4-BE49-F238E27FC236}">
-                <a16:creationId xmlns:a16="http://schemas.microsoft.com/office/drawing/2014/main" id="{3AF38A02-C0FE-4B3A-B02A-1FFF718C9592}"/>
+                <a16:creationId xmlns:a16="http://schemas.microsoft.com/office/drawing/2014/main" xmlns="" id="{3AF38A02-C0FE-4B3A-B02A-1FFF718C9592}"/>
               </a:ext>
             </a:extLst>
           </p:cNvPr>
@@ -3430,7 +3433,7 @@
           <p:cNvPr id="5" name="Footer Placeholder 4">
             <a:extLst>
               <a:ext uri="{FF2B5EF4-FFF2-40B4-BE49-F238E27FC236}">
-                <a16:creationId xmlns:a16="http://schemas.microsoft.com/office/drawing/2014/main" id="{D5647EC2-ABFC-43FE-BD73-74B33CDBC0CB}"/>
+                <a16:creationId xmlns:a16="http://schemas.microsoft.com/office/drawing/2014/main" xmlns="" id="{D5647EC2-ABFC-43FE-BD73-74B33CDBC0CB}"/>
               </a:ext>
             </a:extLst>
           </p:cNvPr>
@@ -3473,7 +3476,7 @@
           <p:cNvPr id="6" name="Slide Number Placeholder 5">
             <a:extLst>
               <a:ext uri="{FF2B5EF4-FFF2-40B4-BE49-F238E27FC236}">
-                <a16:creationId xmlns:a16="http://schemas.microsoft.com/office/drawing/2014/main" id="{180111C6-A518-4AEE-9FB6-CF03B784547D}"/>
+                <a16:creationId xmlns:a16="http://schemas.microsoft.com/office/drawing/2014/main" xmlns="" id="{180111C6-A518-4AEE-9FB6-CF03B784547D}"/>
               </a:ext>
             </a:extLst>
           </p:cNvPr>
@@ -3519,7 +3522,7 @@
     </p:spTree>
     <p:extLst>
       <p:ext uri="{BB962C8B-B14F-4D97-AF65-F5344CB8AC3E}">
-        <p14:creationId xmlns:p14="http://schemas.microsoft.com/office/powerpoint/2010/main" val="575778013"/>
+        <p14:creationId xmlns:p14="http://schemas.microsoft.com/office/powerpoint/2010/main" xmlns="" val="575778013"/>
       </p:ext>
     </p:extLst>
   </p:cSld>
@@ -3842,7 +3845,7 @@
           <p:cNvPr id="2" name="Title 1">
             <a:extLst>
               <a:ext uri="{FF2B5EF4-FFF2-40B4-BE49-F238E27FC236}">
-                <a16:creationId xmlns:a16="http://schemas.microsoft.com/office/drawing/2014/main" id="{EB4047B3-FA6F-40D3-8643-6BAD6F314E1B}"/>
+                <a16:creationId xmlns:a16="http://schemas.microsoft.com/office/drawing/2014/main" xmlns="" id="{EB4047B3-FA6F-40D3-8643-6BAD6F314E1B}"/>
               </a:ext>
             </a:extLst>
           </p:cNvPr>
@@ -3868,7 +3871,7 @@
     </p:spTree>
     <p:extLst>
       <p:ext uri="{BB962C8B-B14F-4D97-AF65-F5344CB8AC3E}">
-        <p14:creationId xmlns:p14="http://schemas.microsoft.com/office/powerpoint/2010/main" val="401446999"/>
+        <p14:creationId xmlns:p14="http://schemas.microsoft.com/office/powerpoint/2010/main" xmlns="" val="401446999"/>
       </p:ext>
     </p:extLst>
   </p:cSld>
@@ -3900,7 +3903,7 @@
           <p:cNvPr id="3" name="Content Placeholder 2">
             <a:extLst>
               <a:ext uri="{FF2B5EF4-FFF2-40B4-BE49-F238E27FC236}">
-                <a16:creationId xmlns:a16="http://schemas.microsoft.com/office/drawing/2014/main" id="{0D93B593-BDA5-45CD-983D-E028A8F313B9}"/>
+                <a16:creationId xmlns:a16="http://schemas.microsoft.com/office/drawing/2014/main" xmlns="" id="{0D93B593-BDA5-45CD-983D-E028A8F313B9}"/>
               </a:ext>
             </a:extLst>
           </p:cNvPr>
@@ -4179,7 +4182,7 @@
     </p:spTree>
     <p:extLst>
       <p:ext uri="{BB962C8B-B14F-4D97-AF65-F5344CB8AC3E}">
-        <p14:creationId xmlns:p14="http://schemas.microsoft.com/office/powerpoint/2010/main" val="2021721331"/>
+        <p14:creationId xmlns:p14="http://schemas.microsoft.com/office/powerpoint/2010/main" xmlns="" val="2021721331"/>
       </p:ext>
     </p:extLst>
   </p:cSld>
@@ -4245,6 +4248,13 @@
                 <a:cs typeface="Times New Roman" panose="02020603050405020304" pitchFamily="18" charset="0"/>
               </a:rPr>
             </a:br>
+            <a:r>
+              <a:rPr lang="en-US" sz="2200" dirty="0">
+                <a:latin typeface="Times New Roman" panose="02020603050405020304" pitchFamily="18" charset="0"/>
+                <a:cs typeface="Times New Roman" panose="02020603050405020304" pitchFamily="18" charset="0"/>
+              </a:rPr>
+              <a:t/>
+            </a:r>
             <a:br>
               <a:rPr lang="en-US" sz="2200" dirty="0">
                 <a:latin typeface="Times New Roman" panose="02020603050405020304" pitchFamily="18" charset="0"/>
@@ -4311,7 +4321,7 @@
           <p:cNvPr id="3" name="Content Placeholder 2">
             <a:extLst>
               <a:ext uri="{FF2B5EF4-FFF2-40B4-BE49-F238E27FC236}">
-                <a16:creationId xmlns:a16="http://schemas.microsoft.com/office/drawing/2014/main" id="{99E366F7-220A-477A-874E-156994C8FFAE}"/>
+                <a16:creationId xmlns:a16="http://schemas.microsoft.com/office/drawing/2014/main" xmlns="" id="{99E366F7-220A-477A-874E-156994C8FFAE}"/>
               </a:ext>
             </a:extLst>
           </p:cNvPr>
@@ -4503,7 +4513,7 @@
     </p:spTree>
     <p:extLst>
       <p:ext uri="{BB962C8B-B14F-4D97-AF65-F5344CB8AC3E}">
-        <p14:creationId xmlns:p14="http://schemas.microsoft.com/office/powerpoint/2010/main" val="2749569076"/>
+        <p14:creationId xmlns:p14="http://schemas.microsoft.com/office/powerpoint/2010/main" xmlns="" val="2749569076"/>
       </p:ext>
     </p:extLst>
   </p:cSld>
@@ -4535,7 +4545,7 @@
           <p:cNvPr id="6" name="Title 4">
             <a:extLst>
               <a:ext uri="{FF2B5EF4-FFF2-40B4-BE49-F238E27FC236}">
-                <a16:creationId xmlns:a16="http://schemas.microsoft.com/office/drawing/2014/main" id="{4AD59CED-324C-44C4-A86B-74BE3D858539}"/>
+                <a16:creationId xmlns:a16="http://schemas.microsoft.com/office/drawing/2014/main" xmlns="" id="{4AD59CED-324C-44C4-A86B-74BE3D858539}"/>
               </a:ext>
             </a:extLst>
           </p:cNvPr>
@@ -4842,7 +4852,7 @@
     </p:spTree>
     <p:extLst>
       <p:ext uri="{BB962C8B-B14F-4D97-AF65-F5344CB8AC3E}">
-        <p14:creationId xmlns:p14="http://schemas.microsoft.com/office/powerpoint/2010/main" val="3514053671"/>
+        <p14:creationId xmlns:p14="http://schemas.microsoft.com/office/powerpoint/2010/main" xmlns="" val="3514053671"/>
       </p:ext>
     </p:extLst>
   </p:cSld>
@@ -4874,7 +4884,7 @@
           <p:cNvPr id="5" name="Content Placeholder 4">
             <a:extLst>
               <a:ext uri="{FF2B5EF4-FFF2-40B4-BE49-F238E27FC236}">
-                <a16:creationId xmlns:a16="http://schemas.microsoft.com/office/drawing/2014/main" id="{A6E80A07-7529-4494-9236-E0B163355566}"/>
+                <a16:creationId xmlns:a16="http://schemas.microsoft.com/office/drawing/2014/main" xmlns="" id="{A6E80A07-7529-4494-9236-E0B163355566}"/>
               </a:ext>
             </a:extLst>
           </p:cNvPr>
@@ -4889,7 +4899,7 @@
           <a:blip r:embed="rId2">
             <a:extLst>
               <a:ext uri="{28A0092B-C50C-407E-A947-70E740481C1C}">
-                <a14:useLocalDpi xmlns:a14="http://schemas.microsoft.com/office/drawing/2010/main" val="0"/>
+                <a14:useLocalDpi xmlns:a14="http://schemas.microsoft.com/office/drawing/2010/main" xmlns="" val="0"/>
               </a:ext>
             </a:extLst>
           </a:blip>
@@ -4907,7 +4917,7 @@
     </p:spTree>
     <p:extLst>
       <p:ext uri="{BB962C8B-B14F-4D97-AF65-F5344CB8AC3E}">
-        <p14:creationId xmlns:p14="http://schemas.microsoft.com/office/powerpoint/2010/main" val="1524261291"/>
+        <p14:creationId xmlns:p14="http://schemas.microsoft.com/office/powerpoint/2010/main" xmlns="" val="1524261291"/>
       </p:ext>
     </p:extLst>
   </p:cSld>
@@ -4939,7 +4949,7 @@
           <p:cNvPr id="3" name="Content Placeholder 2">
             <a:extLst>
               <a:ext uri="{FF2B5EF4-FFF2-40B4-BE49-F238E27FC236}">
-                <a16:creationId xmlns:a16="http://schemas.microsoft.com/office/drawing/2014/main" id="{1A9655A1-3C7E-4649-804F-DA2E329A2DC3}"/>
+                <a16:creationId xmlns:a16="http://schemas.microsoft.com/office/drawing/2014/main" xmlns="" id="{1A9655A1-3C7E-4649-804F-DA2E329A2DC3}"/>
               </a:ext>
             </a:extLst>
           </p:cNvPr>
@@ -5224,7 +5234,7 @@
     </p:spTree>
     <p:extLst>
       <p:ext uri="{BB962C8B-B14F-4D97-AF65-F5344CB8AC3E}">
-        <p14:creationId xmlns:p14="http://schemas.microsoft.com/office/powerpoint/2010/main" val="281115812"/>
+        <p14:creationId xmlns:p14="http://schemas.microsoft.com/office/powerpoint/2010/main" xmlns="" val="281115812"/>
       </p:ext>
     </p:extLst>
   </p:cSld>
@@ -5256,7 +5266,7 @@
           <p:cNvPr id="3" name="Content Placeholder 2">
             <a:extLst>
               <a:ext uri="{FF2B5EF4-FFF2-40B4-BE49-F238E27FC236}">
-                <a16:creationId xmlns:a16="http://schemas.microsoft.com/office/drawing/2014/main" id="{5B91D02D-5B82-4675-BFC3-2AFB7C944E80}"/>
+                <a16:creationId xmlns:a16="http://schemas.microsoft.com/office/drawing/2014/main" xmlns="" id="{5B91D02D-5B82-4675-BFC3-2AFB7C944E80}"/>
               </a:ext>
             </a:extLst>
           </p:cNvPr>
@@ -5552,7 +5562,7 @@
     </p:spTree>
     <p:extLst>
       <p:ext uri="{BB962C8B-B14F-4D97-AF65-F5344CB8AC3E}">
-        <p14:creationId xmlns:p14="http://schemas.microsoft.com/office/powerpoint/2010/main" val="1333497965"/>
+        <p14:creationId xmlns:p14="http://schemas.microsoft.com/office/powerpoint/2010/main" xmlns="" val="1333497965"/>
       </p:ext>
     </p:extLst>
   </p:cSld>
@@ -5584,7 +5594,7 @@
           <p:cNvPr id="3" name="Content Placeholder 2">
             <a:extLst>
               <a:ext uri="{FF2B5EF4-FFF2-40B4-BE49-F238E27FC236}">
-                <a16:creationId xmlns:a16="http://schemas.microsoft.com/office/drawing/2014/main" id="{0CEDA65A-3AFB-4FCF-9FB4-B2137DB876DB}"/>
+                <a16:creationId xmlns:a16="http://schemas.microsoft.com/office/drawing/2014/main" xmlns="" id="{0CEDA65A-3AFB-4FCF-9FB4-B2137DB876DB}"/>
               </a:ext>
             </a:extLst>
           </p:cNvPr>
@@ -5881,7 +5891,7 @@
           <p:cNvPr id="6" name="Picture 5">
             <a:extLst>
               <a:ext uri="{FF2B5EF4-FFF2-40B4-BE49-F238E27FC236}">
-                <a16:creationId xmlns:a16="http://schemas.microsoft.com/office/drawing/2014/main" id="{FF5A28F3-882B-4157-AD2D-0079E17ED11D}"/>
+                <a16:creationId xmlns:a16="http://schemas.microsoft.com/office/drawing/2014/main" xmlns="" id="{FF5A28F3-882B-4157-AD2D-0079E17ED11D}"/>
               </a:ext>
             </a:extLst>
           </p:cNvPr>
@@ -5894,7 +5904,7 @@
           <a:blip r:embed="rId2">
             <a:extLst>
               <a:ext uri="{28A0092B-C50C-407E-A947-70E740481C1C}">
-                <a14:useLocalDpi xmlns:a14="http://schemas.microsoft.com/office/drawing/2010/main" val="0"/>
+                <a14:useLocalDpi xmlns:a14="http://schemas.microsoft.com/office/drawing/2010/main" xmlns="" val="0"/>
               </a:ext>
             </a:extLst>
           </a:blip>
@@ -5915,7 +5925,7 @@
     </p:spTree>
     <p:extLst>
       <p:ext uri="{BB962C8B-B14F-4D97-AF65-F5344CB8AC3E}">
-        <p14:creationId xmlns:p14="http://schemas.microsoft.com/office/powerpoint/2010/main" val="2192309997"/>
+        <p14:creationId xmlns:p14="http://schemas.microsoft.com/office/powerpoint/2010/main" xmlns="" val="2192309997"/>
       </p:ext>
     </p:extLst>
   </p:cSld>
@@ -5947,7 +5957,7 @@
           <p:cNvPr id="3" name="Content Placeholder 2">
             <a:extLst>
               <a:ext uri="{FF2B5EF4-FFF2-40B4-BE49-F238E27FC236}">
-                <a16:creationId xmlns:a16="http://schemas.microsoft.com/office/drawing/2014/main" id="{F63F1EAB-6064-44B1-BAFC-326DE7F83C0D}"/>
+                <a16:creationId xmlns:a16="http://schemas.microsoft.com/office/drawing/2014/main" xmlns="" id="{F63F1EAB-6064-44B1-BAFC-326DE7F83C0D}"/>
               </a:ext>
             </a:extLst>
           </p:cNvPr>
@@ -6475,7 +6485,7 @@
     </p:spTree>
     <p:extLst>
       <p:ext uri="{BB962C8B-B14F-4D97-AF65-F5344CB8AC3E}">
-        <p14:creationId xmlns:p14="http://schemas.microsoft.com/office/powerpoint/2010/main" val="3339687272"/>
+        <p14:creationId xmlns:p14="http://schemas.microsoft.com/office/powerpoint/2010/main" xmlns="" val="3339687272"/>
       </p:ext>
     </p:extLst>
   </p:cSld>
@@ -6507,7 +6517,7 @@
           <p:cNvPr id="3" name="Content Placeholder 2">
             <a:extLst>
               <a:ext uri="{FF2B5EF4-FFF2-40B4-BE49-F238E27FC236}">
-                <a16:creationId xmlns:a16="http://schemas.microsoft.com/office/drawing/2014/main" id="{F1200E3C-8939-4A98-9B18-D45EDFB728A4}"/>
+                <a16:creationId xmlns:a16="http://schemas.microsoft.com/office/drawing/2014/main" xmlns="" id="{F1200E3C-8939-4A98-9B18-D45EDFB728A4}"/>
               </a:ext>
             </a:extLst>
           </p:cNvPr>
@@ -6653,7 +6663,7 @@
           <p:cNvPr id="6" name="Picture 5">
             <a:extLst>
               <a:ext uri="{FF2B5EF4-FFF2-40B4-BE49-F238E27FC236}">
-                <a16:creationId xmlns:a16="http://schemas.microsoft.com/office/drawing/2014/main" id="{73D8091B-D739-41AD-A713-052A4CED4246}"/>
+                <a16:creationId xmlns:a16="http://schemas.microsoft.com/office/drawing/2014/main" xmlns="" id="{73D8091B-D739-41AD-A713-052A4CED4246}"/>
               </a:ext>
             </a:extLst>
           </p:cNvPr>
@@ -6666,7 +6676,7 @@
           <a:blip r:embed="rId2">
             <a:extLst>
               <a:ext uri="{28A0092B-C50C-407E-A947-70E740481C1C}">
-                <a14:useLocalDpi xmlns:a14="http://schemas.microsoft.com/office/drawing/2010/main" val="0"/>
+                <a14:useLocalDpi xmlns:a14="http://schemas.microsoft.com/office/drawing/2010/main" xmlns="" val="0"/>
               </a:ext>
             </a:extLst>
           </a:blip>
@@ -6687,7 +6697,7 @@
     </p:spTree>
     <p:extLst>
       <p:ext uri="{BB962C8B-B14F-4D97-AF65-F5344CB8AC3E}">
-        <p14:creationId xmlns:p14="http://schemas.microsoft.com/office/powerpoint/2010/main" val="3642485564"/>
+        <p14:creationId xmlns:p14="http://schemas.microsoft.com/office/powerpoint/2010/main" xmlns="" val="3642485564"/>
       </p:ext>
     </p:extLst>
   </p:cSld>
@@ -6716,10 +6726,256 @@
       </p:grpSpPr>
       <p:sp>
         <p:nvSpPr>
+          <p:cNvPr id="2" name="Title 1"/>
+          <p:cNvSpPr>
+            <a:spLocks noGrp="1"/>
+          </p:cNvSpPr>
+          <p:nvPr>
+            <p:ph type="title"/>
+          </p:nvPr>
+        </p:nvSpPr>
+        <p:spPr>
+          <a:xfrm>
+            <a:off x="984739" y="253218"/>
+            <a:ext cx="10058400" cy="1450757"/>
+          </a:xfrm>
+        </p:spPr>
+        <p:txBody>
+          <a:bodyPr>
+            <a:normAutofit/>
+          </a:bodyPr>
+          <a:lstStyle/>
+          <a:p>
+            <a:r>
+              <a:rPr lang="en-US" sz="3600" b="1" dirty="0" smtClean="0"/>
+              <a:t>Just a joke? A Social impact of Internet  memes</a:t>
+            </a:r>
+            <a:endParaRPr lang="en-IN" sz="3600" b="1" dirty="0"/>
+          </a:p>
+        </p:txBody>
+      </p:sp>
+      <p:sp>
+        <p:nvSpPr>
+          <p:cNvPr id="3" name="Content Placeholder 2"/>
+          <p:cNvSpPr>
+            <a:spLocks noGrp="1"/>
+          </p:cNvSpPr>
+          <p:nvPr>
+            <p:ph idx="1"/>
+          </p:nvPr>
+        </p:nvSpPr>
+        <p:spPr>
+          <a:xfrm>
+            <a:off x="956603" y="1944208"/>
+            <a:ext cx="10199077" cy="4203374"/>
+          </a:xfrm>
+        </p:spPr>
+        <p:txBody>
+          <a:bodyPr>
+            <a:normAutofit fontScale="92500" lnSpcReduction="10000"/>
+          </a:bodyPr>
+          <a:lstStyle/>
+          <a:p>
+            <a:r>
+              <a:rPr lang="en-US" sz="1400" dirty="0" smtClean="0"/>
+              <a:t>Source: </a:t>
+            </a:r>
+            <a:r>
+              <a:rPr lang="en-US" sz="1400" dirty="0" smtClean="0">
+                <a:hlinkClick r:id="rId2"/>
+              </a:rPr>
+              <a:t>https://www.researchgate.net/publication/341738736_Just_a_Joke_The_Social_Impact_of_Internet_Memes</a:t>
+            </a:r>
+            <a:endParaRPr lang="en-US" sz="1400" dirty="0" smtClean="0"/>
+          </a:p>
+          <a:p>
+            <a:r>
+              <a:rPr lang="en-US" sz="1400" dirty="0" smtClean="0"/>
+              <a:t>Date of publish: April,2020</a:t>
+            </a:r>
+          </a:p>
+          <a:p>
+            <a:r>
+              <a:rPr lang="en-US" sz="1400" dirty="0" smtClean="0"/>
+              <a:t>Highlights:</a:t>
+            </a:r>
+          </a:p>
+          <a:p>
+            <a:pPr>
+              <a:buFont typeface="Arial" pitchFamily="34" charset="0"/>
+              <a:buChar char="•"/>
+            </a:pPr>
+            <a:r>
+              <a:rPr lang="en-US" sz="1400" dirty="0" smtClean="0"/>
+              <a:t>The term 'meme' was coined by Richard Dawkins in 1976 to describe small  units of culture that spread from person to person by copying or imitation”.</a:t>
+            </a:r>
+          </a:p>
+          <a:p>
+            <a:pPr>
+              <a:buFont typeface="Arial" pitchFamily="34" charset="0"/>
+              <a:buChar char="•"/>
+            </a:pPr>
+            <a:r>
+              <a:rPr lang="en-US" sz="1400" dirty="0" smtClean="0"/>
+              <a:t>Whitney Phillips's This Is Why We Can't Have Nice Things is a book about the complexities of online communities, hate, and freedom of speech. Phillips discusses the act of Internet “trolling” – pranking, unsuspecting targets for personal entertainment.</a:t>
+            </a:r>
+          </a:p>
+          <a:p>
+            <a:pPr>
+              <a:buFont typeface="Arial" pitchFamily="34" charset="0"/>
+              <a:buChar char="•"/>
+            </a:pPr>
+            <a:r>
+              <a:rPr lang="en-US" sz="1400" dirty="0" smtClean="0"/>
+              <a:t> The Internet allows people to become both authors and consumers with extreme ease.</a:t>
+            </a:r>
+          </a:p>
+          <a:p>
+            <a:pPr>
+              <a:buFont typeface="Arial" pitchFamily="34" charset="0"/>
+              <a:buChar char="•"/>
+            </a:pPr>
+            <a:r>
+              <a:rPr lang="en-US" sz="1400" dirty="0" smtClean="0"/>
+              <a:t>The ability to publish anything, unfiltered, has generated an interesting tapestry of content. Any person with Internet access can post their thoughts online.</a:t>
+            </a:r>
+          </a:p>
+          <a:p>
+            <a:pPr>
+              <a:buFont typeface="Arial" pitchFamily="34" charset="0"/>
+              <a:buChar char="•"/>
+            </a:pPr>
+            <a:r>
+              <a:rPr lang="en-US" sz="1400" dirty="0" smtClean="0"/>
+              <a:t>“[Digital media] make it possible for the first time in history to produce, edit, process, store, copy, distribute, and retrieve knowledge [using a single] technical medium.”9 With these new advantages, the meme found a space to thrive: the Internet.</a:t>
+            </a:r>
+          </a:p>
+          <a:p>
+            <a:pPr>
+              <a:buFont typeface="Arial" pitchFamily="34" charset="0"/>
+              <a:buChar char="•"/>
+            </a:pPr>
+            <a:r>
+              <a:rPr lang="en-US" sz="1400" dirty="0" smtClean="0"/>
+              <a:t>Phillips notes, “trolls are widely regarded as the primary obstacle to a  kinder, gentler, and more equitable Internet”. As increasing numbers of people share content every day, the amount of imagery online is expanding. Users can customize memes to suit their own interests. This means that the same meme, once altered, can be shared across a range of web communities. With the Internet so socially divided ,thus quality is extremely important.</a:t>
+            </a:r>
+          </a:p>
+          <a:p>
+            <a:pPr>
+              <a:buFont typeface="Arial" pitchFamily="34" charset="0"/>
+              <a:buChar char="•"/>
+            </a:pPr>
+            <a:r>
+              <a:rPr lang="en-IN" sz="1400" dirty="0" smtClean="0"/>
+              <a:t>Memes to Process Trauma.</a:t>
+            </a:r>
+            <a:endParaRPr lang="en-US" sz="1400" dirty="0" smtClean="0"/>
+          </a:p>
+          <a:p>
+            <a:pPr>
+              <a:buFont typeface="Arial" pitchFamily="34" charset="0"/>
+              <a:buChar char="•"/>
+            </a:pPr>
+            <a:endParaRPr lang="en-US" sz="1200" dirty="0" smtClean="0"/>
+          </a:p>
+          <a:p>
+            <a:pPr>
+              <a:buFont typeface="Arial" pitchFamily="34" charset="0"/>
+              <a:buChar char="•"/>
+            </a:pPr>
+            <a:endParaRPr lang="en-US" sz="1200" dirty="0" smtClean="0"/>
+          </a:p>
+          <a:p>
+            <a:pPr>
+              <a:buFont typeface="Arial" pitchFamily="34" charset="0"/>
+              <a:buChar char="•"/>
+            </a:pPr>
+            <a:endParaRPr lang="en-US" sz="1200" dirty="0" smtClean="0"/>
+          </a:p>
+          <a:p>
+            <a:pPr>
+              <a:buFont typeface="Arial" pitchFamily="34" charset="0"/>
+              <a:buChar char="•"/>
+            </a:pPr>
+            <a:endParaRPr lang="en-US" sz="1200" dirty="0" smtClean="0"/>
+          </a:p>
+          <a:p>
+            <a:pPr>
+              <a:buFont typeface="Arial" pitchFamily="34" charset="0"/>
+              <a:buChar char="•"/>
+            </a:pPr>
+            <a:endParaRPr lang="en-US" sz="1200" dirty="0" smtClean="0"/>
+          </a:p>
+          <a:p>
+            <a:pPr>
+              <a:buFont typeface="Arial" pitchFamily="34" charset="0"/>
+              <a:buChar char="•"/>
+            </a:pPr>
+            <a:endParaRPr lang="en-US" sz="1200" dirty="0" smtClean="0"/>
+          </a:p>
+          <a:p>
+            <a:pPr>
+              <a:buFont typeface="Arial" pitchFamily="34" charset="0"/>
+              <a:buChar char="•"/>
+            </a:pPr>
+            <a:endParaRPr lang="en-US" sz="1200" dirty="0" smtClean="0"/>
+          </a:p>
+          <a:p>
+            <a:pPr>
+              <a:buFont typeface="Arial" pitchFamily="34" charset="0"/>
+              <a:buChar char="•"/>
+            </a:pPr>
+            <a:endParaRPr lang="en-US" sz="1200" dirty="0" smtClean="0"/>
+          </a:p>
+          <a:p>
+            <a:endParaRPr lang="en-US" sz="1200" dirty="0" smtClean="0"/>
+          </a:p>
+          <a:p>
+            <a:endParaRPr lang="en-US" sz="1200" dirty="0" smtClean="0"/>
+          </a:p>
+          <a:p>
+            <a:endParaRPr lang="en-IN" sz="1200" dirty="0"/>
+          </a:p>
+        </p:txBody>
+      </p:sp>
+    </p:spTree>
+  </p:cSld>
+  <p:clrMapOvr>
+    <a:masterClrMapping/>
+  </p:clrMapOvr>
+  <p:timing>
+    <p:tnLst>
+      <p:par>
+        <p:cTn id="1" dur="indefinite" restart="never" nodeType="tmRoot"/>
+      </p:par>
+    </p:tnLst>
+  </p:timing>
+</p:sld>
+</file>
+
+<file path=ppt/slides/slide3.xml><?xml version="1.0" encoding="utf-8"?>
+<p:sld xmlns:a="http://schemas.openxmlformats.org/drawingml/2006/main" xmlns:r="http://schemas.openxmlformats.org/officeDocument/2006/relationships" xmlns:p="http://schemas.openxmlformats.org/presentationml/2006/main">
+  <p:cSld>
+    <p:spTree>
+      <p:nvGrpSpPr>
+        <p:cNvPr id="1" name=""/>
+        <p:cNvGrpSpPr/>
+        <p:nvPr/>
+      </p:nvGrpSpPr>
+      <p:grpSpPr>
+        <a:xfrm>
+          <a:off x="0" y="0"/>
+          <a:ext cx="0" cy="0"/>
+          <a:chOff x="0" y="0"/>
+          <a:chExt cx="0" cy="0"/>
+        </a:xfrm>
+      </p:grpSpPr>
+      <p:sp>
+        <p:nvSpPr>
           <p:cNvPr id="2" name="Title 1">
             <a:extLst>
               <a:ext uri="{FF2B5EF4-FFF2-40B4-BE49-F238E27FC236}">
-                <a16:creationId xmlns:a16="http://schemas.microsoft.com/office/drawing/2014/main" id="{41DADCA5-95FA-4757-BB98-C99F818596B4}"/>
+                <a16:creationId xmlns:a16="http://schemas.microsoft.com/office/drawing/2014/main" xmlns="" id="{41DADCA5-95FA-4757-BB98-C99F818596B4}"/>
               </a:ext>
             </a:extLst>
           </p:cNvPr>
@@ -6732,14 +6988,16 @@
         </p:nvSpPr>
         <p:spPr/>
         <p:txBody>
-          <a:bodyPr/>
+          <a:bodyPr>
+            <a:normAutofit/>
+          </a:bodyPr>
           <a:lstStyle/>
           <a:p>
             <a:r>
-              <a:rPr lang="en-US" dirty="0"/>
+              <a:rPr lang="en-US" sz="3600" b="1" dirty="0" smtClean="0"/>
               <a:t>Hateful Memes</a:t>
             </a:r>
-            <a:endParaRPr lang="en-IN" dirty="0"/>
+            <a:endParaRPr lang="en-IN" sz="3600" b="1" dirty="0"/>
           </a:p>
         </p:txBody>
       </p:sp>
@@ -6748,7 +7006,7 @@
           <p:cNvPr id="3" name="Content Placeholder 2">
             <a:extLst>
               <a:ext uri="{FF2B5EF4-FFF2-40B4-BE49-F238E27FC236}">
-                <a16:creationId xmlns:a16="http://schemas.microsoft.com/office/drawing/2014/main" id="{47E405DD-0DA4-448A-BC5C-D96CD6E2FFF6}"/>
+                <a16:creationId xmlns:a16="http://schemas.microsoft.com/office/drawing/2014/main" xmlns="" id="{47E405DD-0DA4-448A-BC5C-D96CD6E2FFF6}"/>
               </a:ext>
             </a:extLst>
           </p:cNvPr>
@@ -6765,7 +7023,7 @@
           <a:lstStyle/>
           <a:p>
             <a:r>
-              <a:rPr lang="en-US" dirty="0"/>
+              <a:rPr lang="en-US" dirty="0" smtClean="0"/>
               <a:t>Non Hateful Memes</a:t>
             </a:r>
           </a:p>
@@ -6885,7 +7143,7 @@
           <a:lstStyle/>
           <a:p>
             <a:r>
-              <a:rPr lang="en-US" sz="2000" dirty="0"/>
+              <a:rPr lang="en-US" sz="2000" dirty="0" smtClean="0"/>
               <a:t>Hateful Memes</a:t>
             </a:r>
             <a:endParaRPr lang="en-IN" sz="2000" dirty="0"/>
@@ -6915,7 +7173,7 @@
           <a:lstStyle/>
           <a:p>
             <a:r>
-              <a:rPr lang="en-US" sz="2000" dirty="0" err="1"/>
+              <a:rPr lang="en-US" sz="2000" dirty="0" err="1" smtClean="0"/>
               <a:t>vs</a:t>
             </a:r>
             <a:endParaRPr lang="en-IN" sz="2000" dirty="0"/>
@@ -6925,92 +7183,20 @@
     </p:spTree>
     <p:extLst>
       <p:ext uri="{BB962C8B-B14F-4D97-AF65-F5344CB8AC3E}">
-        <p14:creationId xmlns:p14="http://schemas.microsoft.com/office/powerpoint/2010/main" val="1993663107"/>
+        <p14:creationId xmlns:p14="http://schemas.microsoft.com/office/powerpoint/2010/main" xmlns="" val="1993663107"/>
       </p:ext>
     </p:extLst>
   </p:cSld>
   <p:clrMapOvr>
     <a:masterClrMapping/>
   </p:clrMapOvr>
-</p:sld>
-</file>
-
-<file path=ppt/slides/slide3.xml><?xml version="1.0" encoding="utf-8"?>
-<p:sld xmlns:a="http://schemas.openxmlformats.org/drawingml/2006/main" xmlns:r="http://schemas.openxmlformats.org/officeDocument/2006/relationships" xmlns:p="http://schemas.openxmlformats.org/presentationml/2006/main">
-  <p:cSld>
-    <p:spTree>
-      <p:nvGrpSpPr>
-        <p:cNvPr id="1" name=""/>
-        <p:cNvGrpSpPr/>
-        <p:nvPr/>
-      </p:nvGrpSpPr>
-      <p:grpSpPr>
-        <a:xfrm>
-          <a:off x="0" y="0"/>
-          <a:ext cx="0" cy="0"/>
-          <a:chOff x="0" y="0"/>
-          <a:chExt cx="0" cy="0"/>
-        </a:xfrm>
-      </p:grpSpPr>
-      <p:sp>
-        <p:nvSpPr>
-          <p:cNvPr id="2" name="TextBox 1"/>
-          <p:cNvSpPr txBox="1"/>
-          <p:nvPr/>
-        </p:nvSpPr>
-        <p:spPr>
-          <a:xfrm>
-            <a:off x="4572000" y="281354"/>
-            <a:ext cx="2313454" cy="523220"/>
-          </a:xfrm>
-          <a:prstGeom prst="rect">
-            <a:avLst/>
-          </a:prstGeom>
-          <a:noFill/>
-        </p:spPr>
-        <p:txBody>
-          <a:bodyPr wrap="none" rtlCol="0">
-            <a:spAutoFit/>
-          </a:bodyPr>
-          <a:lstStyle/>
-          <a:p>
-            <a:r>
-              <a:rPr lang="en-US" sz="2800" dirty="0"/>
-              <a:t>Rise of memes</a:t>
-            </a:r>
-            <a:endParaRPr lang="en-IN" sz="2800" dirty="0"/>
-          </a:p>
-        </p:txBody>
-      </p:sp>
-      <p:pic>
-        <p:nvPicPr>
-          <p:cNvPr id="3" name="Picture 2" descr="meme2.png"/>
-          <p:cNvPicPr>
-            <a:picLocks noChangeAspect="1"/>
-          </p:cNvPicPr>
-          <p:nvPr/>
-        </p:nvPicPr>
-        <p:blipFill>
-          <a:blip r:embed="rId2"/>
-          <a:stretch>
-            <a:fillRect/>
-          </a:stretch>
-        </p:blipFill>
-        <p:spPr>
-          <a:xfrm>
-            <a:off x="956603" y="815627"/>
-            <a:ext cx="10818055" cy="5328106"/>
-          </a:xfrm>
-          <a:prstGeom prst="rect">
-            <a:avLst/>
-          </a:prstGeom>
-        </p:spPr>
-      </p:pic>
-    </p:spTree>
-  </p:cSld>
-  <p:clrMapOvr>
-    <a:masterClrMapping/>
-  </p:clrMapOvr>
+  <p:timing>
+    <p:tnLst>
+      <p:par>
+        <p:cTn id="1" dur="indefinite" restart="never" nodeType="tmRoot"/>
+      </p:par>
+    </p:tnLst>
+  </p:timing>
 </p:sld>
 </file>
 
@@ -7039,8 +7225,8 @@
         </p:nvSpPr>
         <p:spPr>
           <a:xfrm>
-            <a:off x="844061" y="562708"/>
-            <a:ext cx="5593904" cy="369332"/>
+            <a:off x="4164037" y="168812"/>
+            <a:ext cx="2920992" cy="646331"/>
           </a:xfrm>
           <a:prstGeom prst="rect">
             <a:avLst/>
@@ -7054,67 +7240,49 @@
           <a:lstStyle/>
           <a:p>
             <a:r>
-              <a:rPr lang="en-US" dirty="0"/>
-              <a:t>Why to classify between hateful memes and fine memes?</a:t>
-            </a:r>
-          </a:p>
-        </p:txBody>
-      </p:sp>
-      <p:sp>
-        <p:nvSpPr>
-          <p:cNvPr id="3" name="TextBox 2"/>
-          <p:cNvSpPr txBox="1"/>
+              <a:rPr lang="en-US" sz="3600" dirty="0" smtClean="0"/>
+              <a:t>Rise of memes</a:t>
+            </a:r>
+            <a:endParaRPr lang="en-IN" sz="3600" dirty="0"/>
+          </a:p>
+        </p:txBody>
+      </p:sp>
+      <p:pic>
+        <p:nvPicPr>
+          <p:cNvPr id="3" name="Picture 2" descr="meme2.png"/>
+          <p:cNvPicPr>
+            <a:picLocks noChangeAspect="1"/>
+          </p:cNvPicPr>
           <p:nvPr/>
-        </p:nvSpPr>
+        </p:nvPicPr>
+        <p:blipFill>
+          <a:blip r:embed="rId2"/>
+          <a:stretch>
+            <a:fillRect/>
+          </a:stretch>
+        </p:blipFill>
         <p:spPr>
           <a:xfrm>
-            <a:off x="731519" y="1322362"/>
-            <a:ext cx="7272997" cy="2031325"/>
+            <a:off x="253218" y="703085"/>
+            <a:ext cx="11676185" cy="5533655"/>
           </a:xfrm>
           <a:prstGeom prst="rect">
             <a:avLst/>
           </a:prstGeom>
-          <a:noFill/>
         </p:spPr>
-        <p:txBody>
-          <a:bodyPr wrap="square" rtlCol="0">
-            <a:spAutoFit/>
-          </a:bodyPr>
-          <a:lstStyle/>
-          <a:p>
-            <a:r>
-              <a:rPr lang="en-US" dirty="0">
-                <a:hlinkClick r:id="rId2"/>
-              </a:rPr>
-              <a:t>How memes have made it easier to spread anger and hate?</a:t>
-            </a:r>
-            <a:endParaRPr lang="en-US" dirty="0"/>
-          </a:p>
-          <a:p>
-            <a:endParaRPr lang="en-US" dirty="0"/>
-          </a:p>
-          <a:p>
-            <a:endParaRPr lang="en-US" dirty="0"/>
-          </a:p>
-          <a:p>
-            <a:endParaRPr lang="en-US" dirty="0"/>
-          </a:p>
-          <a:p>
-            <a:endParaRPr lang="en-US" dirty="0"/>
-          </a:p>
-          <a:p>
-            <a:endParaRPr lang="en-US" dirty="0"/>
-          </a:p>
-          <a:p>
-            <a:endParaRPr lang="en-IN" dirty="0"/>
-          </a:p>
-        </p:txBody>
-      </p:sp>
+      </p:pic>
     </p:spTree>
   </p:cSld>
   <p:clrMapOvr>
     <a:masterClrMapping/>
   </p:clrMapOvr>
+  <p:timing>
+    <p:tnLst>
+      <p:par>
+        <p:cTn id="1" dur="indefinite" restart="never" nodeType="tmRoot"/>
+      </p:par>
+    </p:tnLst>
+  </p:timing>
 </p:sld>
 </file>
 
@@ -7140,7 +7308,7 @@
           <p:cNvPr id="2" name="Title 1">
             <a:extLst>
               <a:ext uri="{FF2B5EF4-FFF2-40B4-BE49-F238E27FC236}">
-                <a16:creationId xmlns:a16="http://schemas.microsoft.com/office/drawing/2014/main" id="{F0647375-2A83-4CFE-BA92-82A5B8D8E256}"/>
+                <a16:creationId xmlns:a16="http://schemas.microsoft.com/office/drawing/2014/main" xmlns="" id="{F0647375-2A83-4CFE-BA92-82A5B8D8E256}"/>
               </a:ext>
             </a:extLst>
           </p:cNvPr>
@@ -7169,7 +7337,7 @@
           <p:cNvPr id="3" name="Content Placeholder 2">
             <a:extLst>
               <a:ext uri="{FF2B5EF4-FFF2-40B4-BE49-F238E27FC236}">
-                <a16:creationId xmlns:a16="http://schemas.microsoft.com/office/drawing/2014/main" id="{D2BBF42C-ACEE-434B-AE68-D4BF8BE18863}"/>
+                <a16:creationId xmlns:a16="http://schemas.microsoft.com/office/drawing/2014/main" xmlns="" id="{D2BBF42C-ACEE-434B-AE68-D4BF8BE18863}"/>
               </a:ext>
             </a:extLst>
           </p:cNvPr>
@@ -7192,7 +7360,7 @@
     </p:spTree>
     <p:extLst>
       <p:ext uri="{BB962C8B-B14F-4D97-AF65-F5344CB8AC3E}">
-        <p14:creationId xmlns:p14="http://schemas.microsoft.com/office/powerpoint/2010/main" val="530203166"/>
+        <p14:creationId xmlns:p14="http://schemas.microsoft.com/office/powerpoint/2010/main" xmlns="" val="530203166"/>
       </p:ext>
     </p:extLst>
   </p:cSld>
@@ -7527,7 +7695,7 @@
           <p:cNvPr id="3" name="Content Placeholder 2">
             <a:extLst>
               <a:ext uri="{FF2B5EF4-FFF2-40B4-BE49-F238E27FC236}">
-                <a16:creationId xmlns:a16="http://schemas.microsoft.com/office/drawing/2014/main" id="{04F01B27-E8D7-469C-B8B8-E22F09C78F70}"/>
+                <a16:creationId xmlns:a16="http://schemas.microsoft.com/office/drawing/2014/main" xmlns="" id="{04F01B27-E8D7-469C-B8B8-E22F09C78F70}"/>
               </a:ext>
             </a:extLst>
           </p:cNvPr>
@@ -7831,7 +7999,7 @@
     </p:spTree>
     <p:extLst>
       <p:ext uri="{BB962C8B-B14F-4D97-AF65-F5344CB8AC3E}">
-        <p14:creationId xmlns:p14="http://schemas.microsoft.com/office/powerpoint/2010/main" val="2894896997"/>
+        <p14:creationId xmlns:p14="http://schemas.microsoft.com/office/powerpoint/2010/main" xmlns="" val="2894896997"/>
       </p:ext>
     </p:extLst>
   </p:cSld>
@@ -7863,7 +8031,7 @@
           <p:cNvPr id="5" name="Title 1">
             <a:extLst>
               <a:ext uri="{FF2B5EF4-FFF2-40B4-BE49-F238E27FC236}">
-                <a16:creationId xmlns:a16="http://schemas.microsoft.com/office/drawing/2014/main" id="{BDFBF90A-6582-4D8F-89C7-77280F708183}"/>
+                <a16:creationId xmlns:a16="http://schemas.microsoft.com/office/drawing/2014/main" xmlns="" id="{BDFBF90A-6582-4D8F-89C7-77280F708183}"/>
               </a:ext>
             </a:extLst>
           </p:cNvPr>
@@ -8246,7 +8414,7 @@
     </p:spTree>
     <p:extLst>
       <p:ext uri="{BB962C8B-B14F-4D97-AF65-F5344CB8AC3E}">
-        <p14:creationId xmlns:p14="http://schemas.microsoft.com/office/powerpoint/2010/main" val="990233379"/>
+        <p14:creationId xmlns:p14="http://schemas.microsoft.com/office/powerpoint/2010/main" xmlns="" val="990233379"/>
       </p:ext>
     </p:extLst>
   </p:cSld>
@@ -8278,7 +8446,7 @@
           <p:cNvPr id="3" name="Content Placeholder 2">
             <a:extLst>
               <a:ext uri="{FF2B5EF4-FFF2-40B4-BE49-F238E27FC236}">
-                <a16:creationId xmlns:a16="http://schemas.microsoft.com/office/drawing/2014/main" id="{B5874D6B-78BB-4348-AD8F-8051D19016B5}"/>
+                <a16:creationId xmlns:a16="http://schemas.microsoft.com/office/drawing/2014/main" xmlns="" id="{B5874D6B-78BB-4348-AD8F-8051D19016B5}"/>
               </a:ext>
             </a:extLst>
           </p:cNvPr>
@@ -8322,7 +8490,7 @@
           <p:cNvPr id="5" name="Picture 4">
             <a:extLst>
               <a:ext uri="{FF2B5EF4-FFF2-40B4-BE49-F238E27FC236}">
-                <a16:creationId xmlns:a16="http://schemas.microsoft.com/office/drawing/2014/main" id="{2D5A773B-A107-4984-97BC-F951F4D488B5}"/>
+                <a16:creationId xmlns:a16="http://schemas.microsoft.com/office/drawing/2014/main" xmlns="" id="{2D5A773B-A107-4984-97BC-F951F4D488B5}"/>
               </a:ext>
             </a:extLst>
           </p:cNvPr>
@@ -8335,7 +8503,7 @@
           <a:blip r:embed="rId2">
             <a:extLst>
               <a:ext uri="{28A0092B-C50C-407E-A947-70E740481C1C}">
-                <a14:useLocalDpi xmlns:a14="http://schemas.microsoft.com/office/drawing/2010/main" val="0"/>
+                <a14:useLocalDpi xmlns:a14="http://schemas.microsoft.com/office/drawing/2010/main" xmlns="" val="0"/>
               </a:ext>
             </a:extLst>
           </a:blip>
@@ -8356,7 +8524,7 @@
     </p:spTree>
     <p:extLst>
       <p:ext uri="{BB962C8B-B14F-4D97-AF65-F5344CB8AC3E}">
-        <p14:creationId xmlns:p14="http://schemas.microsoft.com/office/powerpoint/2010/main" val="3779621528"/>
+        <p14:creationId xmlns:p14="http://schemas.microsoft.com/office/powerpoint/2010/main" xmlns="" val="3779621528"/>
       </p:ext>
     </p:extLst>
   </p:cSld>
@@ -8409,7 +8577,7 @@
     </a:clrScheme>
     <a:fontScheme name="Office">
       <a:majorFont>
-        <a:latin typeface="Calibri Light" panose="020F0302020204030204"/>
+        <a:latin typeface="Calibri Light"/>
         <a:ea typeface=""/>
         <a:cs typeface=""/>
         <a:font script="Jpan" typeface="游ゴシック Light"/>
@@ -8461,7 +8629,7 @@
         <a:font script="Tfng" typeface="Ebrima"/>
       </a:majorFont>
       <a:minorFont>
-        <a:latin typeface="Calibri" panose="020F0502020204030204"/>
+        <a:latin typeface="Calibri"/>
         <a:ea typeface=""/>
         <a:cs typeface=""/>
         <a:font script="Jpan" typeface="游ゴシック"/>
@@ -8655,7 +8823,7 @@
   <a:extraClrSchemeLst/>
   <a:extLst>
     <a:ext uri="{05A4C25C-085E-4340-85A3-A5531E510DB2}">
-      <thm15:themeFamily xmlns:thm15="http://schemas.microsoft.com/office/thememl/2012/main" name="Office Theme" id="{62F939B6-93AF-4DB8-9C6B-D6C7DFDC589F}" vid="{4A3C46E8-61CC-4603-A589-7422A47A8E4A}"/>
+      <thm15:themeFamily xmlns:thm15="http://schemas.microsoft.com/office/thememl/2012/main" xmlns="" name="Office Theme" id="{62F939B6-93AF-4DB8-9C6B-D6C7DFDC589F}" vid="{4A3C46E8-61CC-4603-A589-7422A47A8E4A}"/>
     </a:ext>
   </a:extLst>
 </a:theme>
@@ -8704,7 +8872,7 @@
     </a:clrScheme>
     <a:fontScheme name="Office">
       <a:majorFont>
-        <a:latin typeface="Calibri Light" panose="020F0302020204030204"/>
+        <a:latin typeface="Calibri Light"/>
         <a:ea typeface=""/>
         <a:cs typeface=""/>
         <a:font script="Jpan" typeface="游ゴシック Light"/>
@@ -8756,7 +8924,7 @@
         <a:font script="Tfng" typeface="Ebrima"/>
       </a:majorFont>
       <a:minorFont>
-        <a:latin typeface="Calibri" panose="020F0502020204030204"/>
+        <a:latin typeface="Calibri"/>
         <a:ea typeface=""/>
         <a:cs typeface=""/>
         <a:font script="Jpan" typeface="游ゴシック"/>
@@ -8950,7 +9118,7 @@
   <a:extraClrSchemeLst/>
   <a:extLst>
     <a:ext uri="{05A4C25C-085E-4340-85A3-A5531E510DB2}">
-      <thm15:themeFamily xmlns:thm15="http://schemas.microsoft.com/office/thememl/2012/main" name="Office Theme" id="{62F939B6-93AF-4DB8-9C6B-D6C7DFDC589F}" vid="{4A3C46E8-61CC-4603-A589-7422A47A8E4A}"/>
+      <thm15:themeFamily xmlns:thm15="http://schemas.microsoft.com/office/thememl/2012/main" xmlns="" name="Office Theme" id="{62F939B6-93AF-4DB8-9C6B-D6C7DFDC589F}" vid="{4A3C46E8-61CC-4603-A589-7422A47A8E4A}"/>
     </a:ext>
   </a:extLst>
 </a:theme>

--- a/Literature Survey.pptx
+++ b/Literature Survey.pptx
@@ -3980,7 +3980,7 @@
           <a:blip r:embed="rId2">
             <a:extLst>
               <a:ext uri="{28A0092B-C50C-407E-A947-70E740481C1C}">
-                <a14:useLocalDpi xmlns:a14="http://schemas.microsoft.com/office/drawing/2010/main" xmlns="" val="0"/>
+                <a14:useLocalDpi xmlns="" xmlns:a14="http://schemas.microsoft.com/office/drawing/2010/main" val="0"/>
               </a:ext>
             </a:extLst>
           </a:blip>
@@ -5070,7 +5070,7 @@
           <a:blip r:embed="rId2">
             <a:extLst>
               <a:ext uri="{28A0092B-C50C-407E-A947-70E740481C1C}">
-                <a14:useLocalDpi xmlns:a14="http://schemas.microsoft.com/office/drawing/2010/main" xmlns="" val="0"/>
+                <a14:useLocalDpi xmlns="" xmlns:a14="http://schemas.microsoft.com/office/drawing/2010/main" val="0"/>
               </a:ext>
             </a:extLst>
           </a:blip>
@@ -5100,7 +5100,7 @@
           <a:blip r:embed="rId3">
             <a:extLst>
               <a:ext uri="{28A0092B-C50C-407E-A947-70E740481C1C}">
-                <a14:useLocalDpi xmlns:a14="http://schemas.microsoft.com/office/drawing/2010/main" xmlns="" val="0"/>
+                <a14:useLocalDpi xmlns="" xmlns:a14="http://schemas.microsoft.com/office/drawing/2010/main" val="0"/>
               </a:ext>
             </a:extLst>
           </a:blip>
@@ -7152,7 +7152,7 @@
         <p:spPr>
           <a:xfrm>
             <a:off x="225083" y="-1"/>
-            <a:ext cx="11788726" cy="7232749"/>
+            <a:ext cx="11788726" cy="7540526"/>
           </a:xfrm>
           <a:prstGeom prst="rect">
             <a:avLst/>
@@ -7200,23 +7200,13 @@
             </a:r>
             <a:r>
               <a:rPr lang="en-US" sz="2000" dirty="0" smtClean="0"/>
-              <a:t> </a:t>
-            </a:r>
-            <a:r>
-              <a:rPr lang="en-US" sz="2000" dirty="0" smtClean="0"/>
-              <a:t>images: </a:t>
+              <a:t> images: </a:t>
             </a:r>
             <a:r>
               <a:rPr lang="en-US" sz="2000" dirty="0" smtClean="0">
                 <a:hlinkClick r:id="rId3"/>
               </a:rPr>
-              <a:t>http://</a:t>
-            </a:r>
-            <a:r>
-              <a:rPr lang="en-US" sz="2000" dirty="0" smtClean="0">
-                <a:hlinkClick r:id="rId3"/>
-              </a:rPr>
-              <a:t>graphics.cs.cmu.edu/projects/im2gps/flickr_code.html</a:t>
+              <a:t>http://graphics.cs.cmu.edu/projects/im2gps/flickr_code.html</a:t>
             </a:r>
             <a:endParaRPr lang="en-US" sz="2000" dirty="0" smtClean="0"/>
           </a:p>
@@ -7258,11 +7248,35 @@
           <a:p>
             <a:r>
               <a:rPr lang="en-US" sz="2000" dirty="0" smtClean="0"/>
-              <a:t>4</a:t>
+              <a:t>4. </a:t>
             </a:r>
             <a:r>
               <a:rPr lang="en-US" sz="2000" dirty="0" smtClean="0"/>
-              <a:t>. MHS150K_GT.json</a:t>
+              <a:t>Reference: Gomez, R., </a:t>
+            </a:r>
+            <a:r>
+              <a:rPr lang="en-US" sz="2000" dirty="0" err="1" smtClean="0"/>
+              <a:t>Gibert</a:t>
+            </a:r>
+            <a:r>
+              <a:rPr lang="en-US" sz="2000" dirty="0" smtClean="0"/>
+              <a:t>, J., Gomez, L. and </a:t>
+            </a:r>
+            <a:r>
+              <a:rPr lang="en-US" sz="2000" dirty="0" err="1" smtClean="0"/>
+              <a:t>Karatzas</a:t>
+            </a:r>
+            <a:r>
+              <a:rPr lang="en-US" sz="2000" dirty="0" smtClean="0"/>
+              <a:t>, D., 2019. Exploring Hate Speech Detection in Multimodal Publications. </a:t>
+            </a:r>
+            <a:r>
+              <a:rPr lang="en-US" sz="2000" dirty="0" err="1" smtClean="0"/>
+              <a:t>ArXiv</a:t>
+            </a:r>
+            <a:r>
+              <a:rPr lang="en-US" sz="2000" dirty="0" smtClean="0"/>
+              <a:t>,.</a:t>
             </a:r>
             <a:endParaRPr lang="en-US" sz="2000" dirty="0" smtClean="0"/>
           </a:p>
@@ -7278,61 +7292,36 @@
           <a:p>
             <a:r>
               <a:rPr lang="en-US" sz="2000" dirty="0" smtClean="0"/>
-              <a:t>L</a:t>
+              <a:t>Dataset </a:t>
+            </a:r>
+            <a:r>
+              <a:rPr lang="en-US" sz="2000" dirty="0" err="1" smtClean="0"/>
+              <a:t>containsLabels</a:t>
             </a:r>
             <a:r>
               <a:rPr lang="en-US" sz="2000" dirty="0" smtClean="0"/>
-              <a:t>abels(0-NotHate,1 -Racist</a:t>
+              <a:t>(0-NotHate,1 </a:t>
             </a:r>
             <a:r>
               <a:rPr lang="en-US" sz="2000" dirty="0" smtClean="0"/>
-              <a:t>, </a:t>
+              <a:t>-Racist, 2- Sexist,3 - Homophobe,4 - Religion, 5 –</a:t>
             </a:r>
             <a:r>
               <a:rPr lang="en-US" sz="2000" dirty="0" smtClean="0"/>
-              <a:t>2- Sexist,3 </a:t>
+              <a:t>Other Hate</a:t>
             </a:r>
             <a:r>
               <a:rPr lang="en-US" sz="2000" dirty="0" smtClean="0"/>
-              <a:t>- </a:t>
+              <a:t>), Text extracted from the images using OCR</a:t>
             </a:r>
             <a:r>
               <a:rPr lang="en-US" sz="2000" dirty="0" smtClean="0"/>
-              <a:t>Homophobe,4 </a:t>
-            </a:r>
-            <a:r>
-              <a:rPr lang="en-US" sz="2000" dirty="0" smtClean="0"/>
-              <a:t>- </a:t>
-            </a:r>
-            <a:r>
-              <a:rPr lang="en-US" sz="2000" dirty="0" smtClean="0"/>
-              <a:t>Religion, 5 –</a:t>
-            </a:r>
-            <a:r>
-              <a:rPr lang="en-US" sz="2000" dirty="0" err="1" smtClean="0"/>
-              <a:t>OtherHate</a:t>
-            </a:r>
-            <a:r>
-              <a:rPr lang="en-US" sz="2000" dirty="0" smtClean="0"/>
-              <a:t>), Text </a:t>
-            </a:r>
-            <a:r>
-              <a:rPr lang="en-US" sz="2000" dirty="0" smtClean="0"/>
-              <a:t>extracted from the images using </a:t>
-            </a:r>
-            <a:r>
-              <a:rPr lang="en-US" sz="2000" dirty="0" err="1" smtClean="0"/>
-              <a:t>OCR,Contain</a:t>
-            </a:r>
-            <a:r>
-              <a:rPr lang="en-US" sz="2000" dirty="0" smtClean="0"/>
-              <a:t> </a:t>
+              <a:t>, Contain </a:t>
             </a:r>
             <a:r>
               <a:rPr lang="en-US" sz="2000" dirty="0" smtClean="0"/>
               <a:t>the tweets IDs used in the 3 splits</a:t>
             </a:r>
-            <a:endParaRPr lang="en-US" sz="2000" dirty="0" smtClean="0"/>
           </a:p>
           <a:p>
             <a:endParaRPr lang="en-US" sz="2000" dirty="0" smtClean="0"/>
@@ -8348,7 +8337,7 @@
           <a:blip r:embed="rId2">
             <a:extLst>
               <a:ext uri="{28A0092B-C50C-407E-A947-70E740481C1C}">
-                <a14:useLocalDpi xmlns:a14="http://schemas.microsoft.com/office/drawing/2010/main" xmlns="" val="0"/>
+                <a14:useLocalDpi xmlns="" xmlns:a14="http://schemas.microsoft.com/office/drawing/2010/main" val="0"/>
               </a:ext>
             </a:extLst>
           </a:blip>
@@ -9272,7 +9261,7 @@
   <a:extraClrSchemeLst/>
   <a:extLst>
     <a:ext uri="{05A4C25C-085E-4340-85A3-A5531E510DB2}">
-      <thm15:themeFamily xmlns:thm15="http://schemas.microsoft.com/office/thememl/2012/main" xmlns="" name="Office Theme" id="{62F939B6-93AF-4DB8-9C6B-D6C7DFDC589F}" vid="{4A3C46E8-61CC-4603-A589-7422A47A8E4A}"/>
+      <thm15:themeFamily xmlns="" xmlns:thm15="http://schemas.microsoft.com/office/thememl/2012/main" name="Office Theme" id="{62F939B6-93AF-4DB8-9C6B-D6C7DFDC589F}" vid="{4A3C46E8-61CC-4603-A589-7422A47A8E4A}"/>
     </a:ext>
   </a:extLst>
 </a:theme>
@@ -9533,7 +9522,7 @@
   <a:extraClrSchemeLst/>
   <a:extLst>
     <a:ext uri="{05A4C25C-085E-4340-85A3-A5531E510DB2}">
-      <thm15:themeFamily xmlns:thm15="http://schemas.microsoft.com/office/thememl/2012/main" xmlns="" name="Office Theme" id="{62F939B6-93AF-4DB8-9C6B-D6C7DFDC589F}" vid="{4A3C46E8-61CC-4603-A589-7422A47A8E4A}"/>
+      <thm15:themeFamily xmlns="" xmlns:thm15="http://schemas.microsoft.com/office/thememl/2012/main" name="Office Theme" id="{62F939B6-93AF-4DB8-9C6B-D6C7DFDC589F}" vid="{4A3C46E8-61CC-4603-A589-7422A47A8E4A}"/>
     </a:ext>
   </a:extLst>
 </a:theme>

--- a/Literature Survey.pptx
+++ b/Literature Survey.pptx
@@ -5,27 +5,26 @@
     <p:sldMasterId id="2147483648" r:id="rId1"/>
   </p:sldMasterIdLst>
   <p:notesMasterIdLst>
-    <p:notesMasterId r:id="rId20"/>
+    <p:notesMasterId r:id="rId8"/>
   </p:notesMasterIdLst>
   <p:sldIdLst>
-    <p:sldId id="256" r:id="rId2"/>
-    <p:sldId id="276" r:id="rId3"/>
-    <p:sldId id="277" r:id="rId4"/>
-    <p:sldId id="278" r:id="rId5"/>
-    <p:sldId id="302" r:id="rId6"/>
-    <p:sldId id="262" r:id="rId7"/>
-    <p:sldId id="265" r:id="rId8"/>
-    <p:sldId id="266" r:id="rId9"/>
-    <p:sldId id="268" r:id="rId10"/>
-    <p:sldId id="271" r:id="rId11"/>
-    <p:sldId id="270" r:id="rId12"/>
-    <p:sldId id="273" r:id="rId13"/>
-    <p:sldId id="294" r:id="rId14"/>
-    <p:sldId id="297" r:id="rId15"/>
-    <p:sldId id="298" r:id="rId16"/>
-    <p:sldId id="299" r:id="rId17"/>
-    <p:sldId id="300" r:id="rId18"/>
-    <p:sldId id="301" r:id="rId19"/>
+    <p:sldId id="256" r:id="rId3"/>
+    <p:sldId id="276" r:id="rId4"/>
+    <p:sldId id="277" r:id="rId5"/>
+    <p:sldId id="278" r:id="rId6"/>
+    <p:sldId id="302" r:id="rId7"/>
+    <p:sldId id="262" r:id="rId9"/>
+    <p:sldId id="265" r:id="rId10"/>
+    <p:sldId id="266" r:id="rId11"/>
+    <p:sldId id="268" r:id="rId12"/>
+    <p:sldId id="271" r:id="rId13"/>
+    <p:sldId id="270" r:id="rId14"/>
+    <p:sldId id="273" r:id="rId15"/>
+    <p:sldId id="294" r:id="rId16"/>
+    <p:sldId id="297" r:id="rId17"/>
+    <p:sldId id="299" r:id="rId18"/>
+    <p:sldId id="300" r:id="rId19"/>
+    <p:sldId id="301" r:id="rId20"/>
   </p:sldIdLst>
   <p:sldSz cx="12192000" cy="6858000"/>
   <p:notesSz cx="6858000" cy="9144000"/>
@@ -215,8 +214,6 @@
           <a:p>
             <a:fld id="{45415947-26B1-4FC8-8A19-6892E44568CA}" type="datetimeFigureOut">
               <a:rPr lang="en-IN" smtClean="0"/>
-              <a:pPr/>
-              <a:t>24-10-2020</a:t>
             </a:fld>
             <a:endParaRPr lang="en-IN"/>
           </a:p>
@@ -283,6 +280,7 @@
               <a:rPr lang="en-US"/>
               <a:t>Click to edit Master text styles</a:t>
             </a:r>
+            <a:endParaRPr lang="en-US"/>
           </a:p>
           <a:p>
             <a:pPr lvl="1"/>
@@ -290,6 +288,7 @@
               <a:rPr lang="en-US"/>
               <a:t>Second level</a:t>
             </a:r>
+            <a:endParaRPr lang="en-US"/>
           </a:p>
           <a:p>
             <a:pPr lvl="2"/>
@@ -297,6 +296,7 @@
               <a:rPr lang="en-US"/>
               <a:t>Third level</a:t>
             </a:r>
+            <a:endParaRPr lang="en-US"/>
           </a:p>
           <a:p>
             <a:pPr lvl="3"/>
@@ -304,6 +304,7 @@
               <a:rPr lang="en-US"/>
               <a:t>Fourth level</a:t>
             </a:r>
+            <a:endParaRPr lang="en-US"/>
           </a:p>
           <a:p>
             <a:pPr lvl="4"/>
@@ -375,8 +376,6 @@
           <a:p>
             <a:fld id="{0253A58A-112C-4ED1-B08C-019BAF5A7330}" type="slidenum">
               <a:rPr lang="en-IN" smtClean="0"/>
-              <a:pPr/>
-              <a:t>‹#›</a:t>
             </a:fld>
             <a:endParaRPr lang="en-IN"/>
           </a:p>
@@ -584,6 +583,29 @@
           </a:p>
         </p:txBody>
       </p:sp>
+      <p:sp>
+        <p:nvSpPr>
+          <p:cNvPr id="4" name="Footer Placeholder 3"/>
+          <p:cNvSpPr>
+            <a:spLocks noGrp="1"/>
+          </p:cNvSpPr>
+          <p:nvPr>
+            <p:ph type="ftr" sz="quarter" idx="4"/>
+          </p:nvPr>
+        </p:nvSpPr>
+        <p:spPr/>
+        <p:txBody>
+          <a:bodyPr/>
+          <a:lstStyle/>
+          <a:p>
+            <a:r>
+              <a:rPr lang="en-US"/>
+              <a:t>Varun Bohara</a:t>
+            </a:r>
+            <a:endParaRPr lang="en-US"/>
+          </a:p>
+        </p:txBody>
+      </p:sp>
     </p:spTree>
   </p:cSld>
   <p:clrMapOvr>
@@ -659,6 +681,7 @@
               <a:rPr lang="en-US"/>
               <a:t>Varun Bohara</a:t>
             </a:r>
+            <a:endParaRPr lang="en-US"/>
           </a:p>
         </p:txBody>
       </p:sp>
@@ -737,84 +760,7 @@
               <a:rPr lang="en-US"/>
               <a:t>Varun Bohara</a:t>
             </a:r>
-          </a:p>
-        </p:txBody>
-      </p:sp>
-    </p:spTree>
-  </p:cSld>
-  <p:clrMapOvr>
-    <a:masterClrMapping/>
-  </p:clrMapOvr>
-</p:notes>
-</file>
-
-<file path=ppt/notesSlides/notesSlide5.xml><?xml version="1.0" encoding="utf-8"?>
-<p:notes xmlns:a="http://schemas.openxmlformats.org/drawingml/2006/main" xmlns:r="http://schemas.openxmlformats.org/officeDocument/2006/relationships" xmlns:p="http://schemas.openxmlformats.org/presentationml/2006/main">
-  <p:cSld>
-    <p:spTree>
-      <p:nvGrpSpPr>
-        <p:cNvPr id="1" name=""/>
-        <p:cNvGrpSpPr/>
-        <p:nvPr/>
-      </p:nvGrpSpPr>
-      <p:grpSpPr>
-        <a:xfrm>
-          <a:off x="0" y="0"/>
-          <a:ext cx="0" cy="0"/>
-          <a:chOff x="0" y="0"/>
-          <a:chExt cx="0" cy="0"/>
-        </a:xfrm>
-      </p:grpSpPr>
-      <p:sp>
-        <p:nvSpPr>
-          <p:cNvPr id="2" name="Slide Image Placeholder 1"/>
-          <p:cNvSpPr>
-            <a:spLocks noGrp="1" noRot="1" noChangeAspect="1"/>
-          </p:cNvSpPr>
-          <p:nvPr>
-            <p:ph type="sldImg" idx="2"/>
-          </p:nvPr>
-        </p:nvSpPr>
-        <p:spPr/>
-      </p:sp>
-      <p:sp>
-        <p:nvSpPr>
-          <p:cNvPr id="3" name="Text Placeholder 2"/>
-          <p:cNvSpPr>
-            <a:spLocks noGrp="1"/>
-          </p:cNvSpPr>
-          <p:nvPr>
-            <p:ph type="body" idx="3"/>
-          </p:nvPr>
-        </p:nvSpPr>
-        <p:spPr/>
-        <p:txBody>
-          <a:bodyPr/>
-          <a:lstStyle/>
-          <a:p>
             <a:endParaRPr lang="en-US"/>
-          </a:p>
-        </p:txBody>
-      </p:sp>
-      <p:sp>
-        <p:nvSpPr>
-          <p:cNvPr id="4" name="Footer Placeholder 3"/>
-          <p:cNvSpPr>
-            <a:spLocks noGrp="1"/>
-          </p:cNvSpPr>
-          <p:nvPr>
-            <p:ph type="ftr" sz="quarter" idx="4"/>
-          </p:nvPr>
-        </p:nvSpPr>
-        <p:spPr/>
-        <p:txBody>
-          <a:bodyPr/>
-          <a:lstStyle/>
-          <a:p>
-            <a:r>
-              <a:rPr lang="en-US"/>
-              <a:t>Varun Bohara</a:t>
-            </a:r>
           </a:p>
         </p:txBody>
       </p:sp>
@@ -957,8 +903,6 @@
           <a:p>
             <a:fld id="{9EF69E87-21EE-4BF0-8847-205AB327FE1A}" type="datetimeFigureOut">
               <a:rPr lang="en-IN" smtClean="0"/>
-              <a:pPr/>
-              <a:t>24-10-2020</a:t>
             </a:fld>
             <a:endParaRPr lang="en-IN"/>
           </a:p>
@@ -1000,8 +944,6 @@
           <a:p>
             <a:fld id="{F661CC13-527B-497F-A805-E8D6D10EC6BB}" type="slidenum">
               <a:rPr lang="en-IN" smtClean="0"/>
-              <a:pPr/>
-              <a:t>‹#›</a:t>
             </a:fld>
             <a:endParaRPr lang="en-IN"/>
           </a:p>
@@ -1075,6 +1017,7 @@
               <a:rPr lang="en-US"/>
               <a:t>Click to edit Master text styles</a:t>
             </a:r>
+            <a:endParaRPr lang="en-US"/>
           </a:p>
           <a:p>
             <a:pPr lvl="1"/>
@@ -1082,6 +1025,7 @@
               <a:rPr lang="en-US"/>
               <a:t>Second level</a:t>
             </a:r>
+            <a:endParaRPr lang="en-US"/>
           </a:p>
           <a:p>
             <a:pPr lvl="2"/>
@@ -1089,6 +1033,7 @@
               <a:rPr lang="en-US"/>
               <a:t>Third level</a:t>
             </a:r>
+            <a:endParaRPr lang="en-US"/>
           </a:p>
           <a:p>
             <a:pPr lvl="3"/>
@@ -1096,6 +1041,7 @@
               <a:rPr lang="en-US"/>
               <a:t>Fourth level</a:t>
             </a:r>
+            <a:endParaRPr lang="en-US"/>
           </a:p>
           <a:p>
             <a:pPr lvl="4"/>
@@ -1124,8 +1070,6 @@
           <a:p>
             <a:fld id="{9EF69E87-21EE-4BF0-8847-205AB327FE1A}" type="datetimeFigureOut">
               <a:rPr lang="en-IN" smtClean="0"/>
-              <a:pPr/>
-              <a:t>24-10-2020</a:t>
             </a:fld>
             <a:endParaRPr lang="en-IN"/>
           </a:p>
@@ -1167,8 +1111,6 @@
           <a:p>
             <a:fld id="{F661CC13-527B-497F-A805-E8D6D10EC6BB}" type="slidenum">
               <a:rPr lang="en-IN" smtClean="0"/>
-              <a:pPr/>
-              <a:t>‹#›</a:t>
             </a:fld>
             <a:endParaRPr lang="en-IN"/>
           </a:p>
@@ -1252,6 +1194,7 @@
               <a:rPr lang="en-US"/>
               <a:t>Click to edit Master text styles</a:t>
             </a:r>
+            <a:endParaRPr lang="en-US"/>
           </a:p>
           <a:p>
             <a:pPr lvl="1"/>
@@ -1259,6 +1202,7 @@
               <a:rPr lang="en-US"/>
               <a:t>Second level</a:t>
             </a:r>
+            <a:endParaRPr lang="en-US"/>
           </a:p>
           <a:p>
             <a:pPr lvl="2"/>
@@ -1266,6 +1210,7 @@
               <a:rPr lang="en-US"/>
               <a:t>Third level</a:t>
             </a:r>
+            <a:endParaRPr lang="en-US"/>
           </a:p>
           <a:p>
             <a:pPr lvl="3"/>
@@ -1273,6 +1218,7 @@
               <a:rPr lang="en-US"/>
               <a:t>Fourth level</a:t>
             </a:r>
+            <a:endParaRPr lang="en-US"/>
           </a:p>
           <a:p>
             <a:pPr lvl="4"/>
@@ -1301,8 +1247,6 @@
           <a:p>
             <a:fld id="{9EF69E87-21EE-4BF0-8847-205AB327FE1A}" type="datetimeFigureOut">
               <a:rPr lang="en-IN" smtClean="0"/>
-              <a:pPr/>
-              <a:t>24-10-2020</a:t>
             </a:fld>
             <a:endParaRPr lang="en-IN"/>
           </a:p>
@@ -1344,8 +1288,6 @@
           <a:p>
             <a:fld id="{F661CC13-527B-497F-A805-E8D6D10EC6BB}" type="slidenum">
               <a:rPr lang="en-IN" smtClean="0"/>
-              <a:pPr/>
-              <a:t>‹#›</a:t>
             </a:fld>
             <a:endParaRPr lang="en-IN"/>
           </a:p>
@@ -1419,6 +1361,7 @@
               <a:rPr lang="en-US"/>
               <a:t>Click to edit Master text styles</a:t>
             </a:r>
+            <a:endParaRPr lang="en-US"/>
           </a:p>
           <a:p>
             <a:pPr lvl="1"/>
@@ -1426,6 +1369,7 @@
               <a:rPr lang="en-US"/>
               <a:t>Second level</a:t>
             </a:r>
+            <a:endParaRPr lang="en-US"/>
           </a:p>
           <a:p>
             <a:pPr lvl="2"/>
@@ -1433,6 +1377,7 @@
               <a:rPr lang="en-US"/>
               <a:t>Third level</a:t>
             </a:r>
+            <a:endParaRPr lang="en-US"/>
           </a:p>
           <a:p>
             <a:pPr lvl="3"/>
@@ -1440,6 +1385,7 @@
               <a:rPr lang="en-US"/>
               <a:t>Fourth level</a:t>
             </a:r>
+            <a:endParaRPr lang="en-US"/>
           </a:p>
           <a:p>
             <a:pPr lvl="4"/>
@@ -1468,8 +1414,6 @@
           <a:p>
             <a:fld id="{9EF69E87-21EE-4BF0-8847-205AB327FE1A}" type="datetimeFigureOut">
               <a:rPr lang="en-IN" smtClean="0"/>
-              <a:pPr/>
-              <a:t>24-10-2020</a:t>
             </a:fld>
             <a:endParaRPr lang="en-IN"/>
           </a:p>
@@ -1511,8 +1455,6 @@
           <a:p>
             <a:fld id="{F661CC13-527B-497F-A805-E8D6D10EC6BB}" type="slidenum">
               <a:rPr lang="en-IN" smtClean="0"/>
-              <a:pPr/>
-              <a:t>‹#›</a:t>
             </a:fld>
             <a:endParaRPr lang="en-IN"/>
           </a:p>
@@ -1691,6 +1633,7 @@
               <a:rPr lang="en-US"/>
               <a:t>Click to edit Master text styles</a:t>
             </a:r>
+            <a:endParaRPr lang="en-US"/>
           </a:p>
         </p:txBody>
       </p:sp>
@@ -1711,8 +1654,6 @@
           <a:p>
             <a:fld id="{9EF69E87-21EE-4BF0-8847-205AB327FE1A}" type="datetimeFigureOut">
               <a:rPr lang="en-IN" smtClean="0"/>
-              <a:pPr/>
-              <a:t>24-10-2020</a:t>
             </a:fld>
             <a:endParaRPr lang="en-IN"/>
           </a:p>
@@ -1754,8 +1695,6 @@
           <a:p>
             <a:fld id="{F661CC13-527B-497F-A805-E8D6D10EC6BB}" type="slidenum">
               <a:rPr lang="en-IN" smtClean="0"/>
-              <a:pPr/>
-              <a:t>‹#›</a:t>
             </a:fld>
             <a:endParaRPr lang="en-IN"/>
           </a:p>
@@ -1834,6 +1773,7 @@
               <a:rPr lang="en-US"/>
               <a:t>Click to edit Master text styles</a:t>
             </a:r>
+            <a:endParaRPr lang="en-US"/>
           </a:p>
           <a:p>
             <a:pPr lvl="1"/>
@@ -1841,6 +1781,7 @@
               <a:rPr lang="en-US"/>
               <a:t>Second level</a:t>
             </a:r>
+            <a:endParaRPr lang="en-US"/>
           </a:p>
           <a:p>
             <a:pPr lvl="2"/>
@@ -1848,6 +1789,7 @@
               <a:rPr lang="en-US"/>
               <a:t>Third level</a:t>
             </a:r>
+            <a:endParaRPr lang="en-US"/>
           </a:p>
           <a:p>
             <a:pPr lvl="3"/>
@@ -1855,6 +1797,7 @@
               <a:rPr lang="en-US"/>
               <a:t>Fourth level</a:t>
             </a:r>
+            <a:endParaRPr lang="en-US"/>
           </a:p>
           <a:p>
             <a:pPr lvl="4"/>
@@ -1891,6 +1834,7 @@
               <a:rPr lang="en-US"/>
               <a:t>Click to edit Master text styles</a:t>
             </a:r>
+            <a:endParaRPr lang="en-US"/>
           </a:p>
           <a:p>
             <a:pPr lvl="1"/>
@@ -1898,6 +1842,7 @@
               <a:rPr lang="en-US"/>
               <a:t>Second level</a:t>
             </a:r>
+            <a:endParaRPr lang="en-US"/>
           </a:p>
           <a:p>
             <a:pPr lvl="2"/>
@@ -1905,6 +1850,7 @@
               <a:rPr lang="en-US"/>
               <a:t>Third level</a:t>
             </a:r>
+            <a:endParaRPr lang="en-US"/>
           </a:p>
           <a:p>
             <a:pPr lvl="3"/>
@@ -1912,6 +1858,7 @@
               <a:rPr lang="en-US"/>
               <a:t>Fourth level</a:t>
             </a:r>
+            <a:endParaRPr lang="en-US"/>
           </a:p>
           <a:p>
             <a:pPr lvl="4"/>
@@ -1940,8 +1887,6 @@
           <a:p>
             <a:fld id="{9EF69E87-21EE-4BF0-8847-205AB327FE1A}" type="datetimeFigureOut">
               <a:rPr lang="en-IN" smtClean="0"/>
-              <a:pPr/>
-              <a:t>24-10-2020</a:t>
             </a:fld>
             <a:endParaRPr lang="en-IN"/>
           </a:p>
@@ -1983,8 +1928,6 @@
           <a:p>
             <a:fld id="{F661CC13-527B-497F-A805-E8D6D10EC6BB}" type="slidenum">
               <a:rPr lang="en-IN" smtClean="0"/>
-              <a:pPr/>
-              <a:t>‹#›</a:t>
             </a:fld>
             <a:endParaRPr lang="en-IN"/>
           </a:p>
@@ -2105,6 +2048,7 @@
               <a:rPr lang="en-US"/>
               <a:t>Click to edit Master text styles</a:t>
             </a:r>
+            <a:endParaRPr lang="en-US"/>
           </a:p>
         </p:txBody>
       </p:sp>
@@ -2133,6 +2077,7 @@
               <a:rPr lang="en-US"/>
               <a:t>Click to edit Master text styles</a:t>
             </a:r>
+            <a:endParaRPr lang="en-US"/>
           </a:p>
           <a:p>
             <a:pPr lvl="1"/>
@@ -2140,6 +2085,7 @@
               <a:rPr lang="en-US"/>
               <a:t>Second level</a:t>
             </a:r>
+            <a:endParaRPr lang="en-US"/>
           </a:p>
           <a:p>
             <a:pPr lvl="2"/>
@@ -2147,6 +2093,7 @@
               <a:rPr lang="en-US"/>
               <a:t>Third level</a:t>
             </a:r>
+            <a:endParaRPr lang="en-US"/>
           </a:p>
           <a:p>
             <a:pPr lvl="3"/>
@@ -2154,6 +2101,7 @@
               <a:rPr lang="en-US"/>
               <a:t>Fourth level</a:t>
             </a:r>
+            <a:endParaRPr lang="en-US"/>
           </a:p>
           <a:p>
             <a:pPr lvl="4"/>
@@ -2227,6 +2175,7 @@
               <a:rPr lang="en-US"/>
               <a:t>Click to edit Master text styles</a:t>
             </a:r>
+            <a:endParaRPr lang="en-US"/>
           </a:p>
         </p:txBody>
       </p:sp>
@@ -2255,6 +2204,7 @@
               <a:rPr lang="en-US"/>
               <a:t>Click to edit Master text styles</a:t>
             </a:r>
+            <a:endParaRPr lang="en-US"/>
           </a:p>
           <a:p>
             <a:pPr lvl="1"/>
@@ -2262,6 +2212,7 @@
               <a:rPr lang="en-US"/>
               <a:t>Second level</a:t>
             </a:r>
+            <a:endParaRPr lang="en-US"/>
           </a:p>
           <a:p>
             <a:pPr lvl="2"/>
@@ -2269,6 +2220,7 @@
               <a:rPr lang="en-US"/>
               <a:t>Third level</a:t>
             </a:r>
+            <a:endParaRPr lang="en-US"/>
           </a:p>
           <a:p>
             <a:pPr lvl="3"/>
@@ -2276,6 +2228,7 @@
               <a:rPr lang="en-US"/>
               <a:t>Fourth level</a:t>
             </a:r>
+            <a:endParaRPr lang="en-US"/>
           </a:p>
           <a:p>
             <a:pPr lvl="4"/>
@@ -2304,8 +2257,6 @@
           <a:p>
             <a:fld id="{9EF69E87-21EE-4BF0-8847-205AB327FE1A}" type="datetimeFigureOut">
               <a:rPr lang="en-IN" smtClean="0"/>
-              <a:pPr/>
-              <a:t>24-10-2020</a:t>
             </a:fld>
             <a:endParaRPr lang="en-IN"/>
           </a:p>
@@ -2347,8 +2298,6 @@
           <a:p>
             <a:fld id="{F661CC13-527B-497F-A805-E8D6D10EC6BB}" type="slidenum">
               <a:rPr lang="en-IN" smtClean="0"/>
-              <a:pPr/>
-              <a:t>‹#›</a:t>
             </a:fld>
             <a:endParaRPr lang="en-IN"/>
           </a:p>
@@ -2419,8 +2368,6 @@
           <a:p>
             <a:fld id="{9EF69E87-21EE-4BF0-8847-205AB327FE1A}" type="datetimeFigureOut">
               <a:rPr lang="en-IN" smtClean="0"/>
-              <a:pPr/>
-              <a:t>24-10-2020</a:t>
             </a:fld>
             <a:endParaRPr lang="en-IN"/>
           </a:p>
@@ -2462,8 +2409,6 @@
           <a:p>
             <a:fld id="{F661CC13-527B-497F-A805-E8D6D10EC6BB}" type="slidenum">
               <a:rPr lang="en-IN" smtClean="0"/>
-              <a:pPr/>
-              <a:t>‹#›</a:t>
             </a:fld>
             <a:endParaRPr lang="en-IN"/>
           </a:p>
@@ -2511,8 +2456,6 @@
           <a:p>
             <a:fld id="{9EF69E87-21EE-4BF0-8847-205AB327FE1A}" type="datetimeFigureOut">
               <a:rPr lang="en-IN" smtClean="0"/>
-              <a:pPr/>
-              <a:t>24-10-2020</a:t>
             </a:fld>
             <a:endParaRPr lang="en-IN"/>
           </a:p>
@@ -2554,8 +2497,6 @@
           <a:p>
             <a:fld id="{F661CC13-527B-497F-A805-E8D6D10EC6BB}" type="slidenum">
               <a:rPr lang="en-IN" smtClean="0"/>
-              <a:pPr/>
-              <a:t>‹#›</a:t>
             </a:fld>
             <a:endParaRPr lang="en-IN"/>
           </a:p>
@@ -2671,6 +2612,7 @@
               <a:rPr lang="en-US"/>
               <a:t>Click to edit Master text styles</a:t>
             </a:r>
+            <a:endParaRPr lang="en-US"/>
           </a:p>
           <a:p>
             <a:pPr lvl="1"/>
@@ -2678,6 +2620,7 @@
               <a:rPr lang="en-US"/>
               <a:t>Second level</a:t>
             </a:r>
+            <a:endParaRPr lang="en-US"/>
           </a:p>
           <a:p>
             <a:pPr lvl="2"/>
@@ -2685,6 +2628,7 @@
               <a:rPr lang="en-US"/>
               <a:t>Third level</a:t>
             </a:r>
+            <a:endParaRPr lang="en-US"/>
           </a:p>
           <a:p>
             <a:pPr lvl="3"/>
@@ -2692,6 +2636,7 @@
               <a:rPr lang="en-US"/>
               <a:t>Fourth level</a:t>
             </a:r>
+            <a:endParaRPr lang="en-US"/>
           </a:p>
           <a:p>
             <a:pPr lvl="4"/>
@@ -2765,6 +2710,7 @@
               <a:rPr lang="en-US"/>
               <a:t>Click to edit Master text styles</a:t>
             </a:r>
+            <a:endParaRPr lang="en-US"/>
           </a:p>
         </p:txBody>
       </p:sp>
@@ -2785,8 +2731,6 @@
           <a:p>
             <a:fld id="{9EF69E87-21EE-4BF0-8847-205AB327FE1A}" type="datetimeFigureOut">
               <a:rPr lang="en-IN" smtClean="0"/>
-              <a:pPr/>
-              <a:t>24-10-2020</a:t>
             </a:fld>
             <a:endParaRPr lang="en-IN"/>
           </a:p>
@@ -2828,8 +2772,6 @@
           <a:p>
             <a:fld id="{F661CC13-527B-497F-A805-E8D6D10EC6BB}" type="slidenum">
               <a:rPr lang="en-IN" smtClean="0"/>
-              <a:pPr/>
-              <a:t>‹#›</a:t>
             </a:fld>
             <a:endParaRPr lang="en-IN"/>
           </a:p>
@@ -3015,6 +2957,7 @@
               <a:rPr lang="en-US"/>
               <a:t>Click to edit Master text styles</a:t>
             </a:r>
+            <a:endParaRPr lang="en-US"/>
           </a:p>
         </p:txBody>
       </p:sp>
@@ -3035,8 +2978,6 @@
           <a:p>
             <a:fld id="{9EF69E87-21EE-4BF0-8847-205AB327FE1A}" type="datetimeFigureOut">
               <a:rPr lang="en-IN" smtClean="0"/>
-              <a:pPr/>
-              <a:t>24-10-2020</a:t>
             </a:fld>
             <a:endParaRPr lang="en-IN"/>
           </a:p>
@@ -3078,8 +3019,6 @@
           <a:p>
             <a:fld id="{F661CC13-527B-497F-A805-E8D6D10EC6BB}" type="slidenum">
               <a:rPr lang="en-IN" smtClean="0"/>
-              <a:pPr/>
-              <a:t>‹#›</a:t>
             </a:fld>
             <a:endParaRPr lang="en-IN"/>
           </a:p>
@@ -3178,6 +3117,7 @@
               <a:rPr lang="en-US"/>
               <a:t>Click to edit Master text styles</a:t>
             </a:r>
+            <a:endParaRPr lang="en-US"/>
           </a:p>
           <a:p>
             <a:pPr lvl="1"/>
@@ -3185,6 +3125,7 @@
               <a:rPr lang="en-US"/>
               <a:t>Second level</a:t>
             </a:r>
+            <a:endParaRPr lang="en-US"/>
           </a:p>
           <a:p>
             <a:pPr lvl="2"/>
@@ -3192,6 +3133,7 @@
               <a:rPr lang="en-US"/>
               <a:t>Third level</a:t>
             </a:r>
+            <a:endParaRPr lang="en-US"/>
           </a:p>
           <a:p>
             <a:pPr lvl="3"/>
@@ -3199,6 +3141,7 @@
               <a:rPr lang="en-US"/>
               <a:t>Fourth level</a:t>
             </a:r>
+            <a:endParaRPr lang="en-US"/>
           </a:p>
           <a:p>
             <a:pPr lvl="4"/>
@@ -3245,8 +3188,6 @@
           <a:p>
             <a:fld id="{9EF69E87-21EE-4BF0-8847-205AB327FE1A}" type="datetimeFigureOut">
               <a:rPr lang="en-IN" smtClean="0"/>
-              <a:pPr/>
-              <a:t>24-10-2020</a:t>
             </a:fld>
             <a:endParaRPr lang="en-IN"/>
           </a:p>
@@ -3324,8 +3265,6 @@
           <a:p>
             <a:fld id="{F661CC13-527B-497F-A805-E8D6D10EC6BB}" type="slidenum">
               <a:rPr lang="en-IN" smtClean="0"/>
-              <a:pPr/>
-              <a:t>‹#›</a:t>
             </a:fld>
             <a:endParaRPr lang="en-IN"/>
           </a:p>
@@ -3663,9 +3602,16 @@
           <a:lstStyle/>
           <a:p>
             <a:r>
-              <a:rPr lang="en-IN" b="1" dirty="0"/>
+              <a:rPr lang="en-IN" b="1" dirty="0">
+                <a:latin typeface="Cambria" panose="02040503050406030204" charset="0"/>
+                <a:cs typeface="Cambria" panose="02040503050406030204" charset="0"/>
+              </a:rPr>
               <a:t>Literature Survey</a:t>
             </a:r>
+            <a:endParaRPr lang="en-IN" b="1" dirty="0">
+              <a:latin typeface="Cambria" panose="02040503050406030204" charset="0"/>
+              <a:cs typeface="Cambria" panose="02040503050406030204" charset="0"/>
+            </a:endParaRPr>
           </a:p>
         </p:txBody>
       </p:sp>
@@ -3706,34 +3652,13 @@
         </p:nvSpPr>
         <p:spPr>
           <a:xfrm>
-            <a:off x="838200" y="551716"/>
-            <a:ext cx="11197492" cy="5919421"/>
+            <a:off x="304800" y="969645"/>
+            <a:ext cx="11197590" cy="4466590"/>
           </a:xfrm>
         </p:spPr>
         <p:txBody>
           <a:bodyPr/>
           <a:lstStyle/>
-          <a:p>
-            <a:pPr lvl="1" algn="just">
-              <a:lnSpc>
-                <a:spcPct val="107000"/>
-              </a:lnSpc>
-              <a:spcAft>
-                <a:spcPts val="800"/>
-              </a:spcAft>
-              <a:tabLst>
-                <a:tab pos="3589020" algn="l"/>
-              </a:tabLst>
-            </a:pPr>
-            <a:r>
-              <a:rPr lang="en-IN" sz="1800" dirty="0">
-                <a:effectLst/>
-                <a:latin typeface="Times New Roman" panose="02020603050405020304" pitchFamily="18" charset="0"/>
-                <a:ea typeface="Calibri" panose="020F0502020204030204" pitchFamily="34" charset="0"/>
-              </a:rPr>
-              <a:t>Procedure : </a:t>
-            </a:r>
-          </a:p>
           <a:p>
             <a:pPr marL="457200" lvl="1" indent="0" algn="just">
               <a:lnSpc>
@@ -3747,47 +3672,78 @@
                 <a:tab pos="3589020" algn="l"/>
               </a:tabLst>
             </a:pPr>
-            <a:r>
-              <a:rPr lang="en-IN" sz="1600" dirty="0">
-                <a:latin typeface="Times New Roman" panose="02020603050405020304" pitchFamily="18" charset="0"/>
-                <a:ea typeface="Calibri" panose="020F0502020204030204" pitchFamily="34" charset="0"/>
-              </a:rPr>
-              <a:t>1</a:t>
-            </a:r>
-            <a:r>
-              <a:rPr lang="en-IN" sz="1000" dirty="0">
-                <a:latin typeface="Times New Roman" panose="02020603050405020304" pitchFamily="18" charset="0"/>
-                <a:ea typeface="Calibri" panose="020F0502020204030204" pitchFamily="34" charset="0"/>
-              </a:rPr>
-              <a:t>. </a:t>
-            </a:r>
-            <a:r>
-              <a:rPr lang="en-IN" sz="1600" b="1" dirty="0">
-                <a:effectLst/>
-                <a:latin typeface="Times New Roman" panose="02020603050405020304" pitchFamily="18" charset="0"/>
-                <a:ea typeface="Calibri" panose="020F0502020204030204" pitchFamily="34" charset="0"/>
+            <a:br>
+              <a:rPr lang="en-IN" sz="1800" b="1" dirty="0">
+                <a:effectLst/>
+                <a:latin typeface="Cambria" panose="02040503050406030204" charset="0"/>
+                <a:ea typeface="Calibri" panose="020F0502020204030204" pitchFamily="34" charset="0"/>
+                <a:cs typeface="Cambria" panose="02040503050406030204" charset="0"/>
+              </a:rPr>
+            </a:br>
+            <a:r>
+              <a:rPr lang="en-IN" sz="1800" b="1" dirty="0">
+                <a:effectLst/>
+                <a:latin typeface="Cambria" panose="02040503050406030204" charset="0"/>
+                <a:ea typeface="Calibri" panose="020F0502020204030204" pitchFamily="34" charset="0"/>
+                <a:cs typeface="Cambria" panose="02040503050406030204" charset="0"/>
+              </a:rPr>
+              <a:t>Procedure : </a:t>
+            </a:r>
+            <a:endParaRPr lang="en-IN" sz="1800" b="1" dirty="0">
+              <a:effectLst/>
+              <a:latin typeface="Cambria" panose="02040503050406030204" charset="0"/>
+              <a:ea typeface="Calibri" panose="020F0502020204030204" pitchFamily="34" charset="0"/>
+              <a:cs typeface="Cambria" panose="02040503050406030204" charset="0"/>
+            </a:endParaRPr>
+          </a:p>
+          <a:p>
+            <a:pPr marL="914400" lvl="2" indent="0" algn="just">
+              <a:lnSpc>
+                <a:spcPct val="107000"/>
+              </a:lnSpc>
+              <a:spcAft>
+                <a:spcPts val="800"/>
+              </a:spcAft>
+              <a:buNone/>
+              <a:tabLst>
+                <a:tab pos="3589020" algn="l"/>
+              </a:tabLst>
+            </a:pPr>
+            <a:r>
+              <a:rPr lang="en-IN" sz="1330" dirty="0">
+                <a:latin typeface="Cambria" panose="02040503050406030204" charset="0"/>
+                <a:ea typeface="Calibri" panose="020F0502020204030204" pitchFamily="34" charset="0"/>
+                <a:cs typeface="Cambria" panose="02040503050406030204" charset="0"/>
+              </a:rPr>
+              <a:t>1. </a:t>
+            </a:r>
+            <a:r>
+              <a:rPr lang="en-IN" sz="1330" b="1" dirty="0">
+                <a:effectLst/>
+                <a:latin typeface="Cambria" panose="02040503050406030204" charset="0"/>
+                <a:ea typeface="Calibri" panose="020F0502020204030204" pitchFamily="34" charset="0"/>
+                <a:cs typeface="Cambria" panose="02040503050406030204" charset="0"/>
               </a:rPr>
               <a:t>Task-Agnostic Pre-Training</a:t>
             </a:r>
             <a:r>
-              <a:rPr lang="en-IN" sz="1600" dirty="0">
-                <a:effectLst/>
-                <a:latin typeface="Times New Roman" panose="02020603050405020304" pitchFamily="18" charset="0"/>
-                <a:ea typeface="Calibri" panose="020F0502020204030204" pitchFamily="34" charset="0"/>
-              </a:rPr>
-              <a:t> </a:t>
-            </a:r>
-            <a:r>
-              <a:rPr lang="en-IN" sz="1000" dirty="0">
-                <a:effectLst/>
-                <a:latin typeface="Times New Roman" panose="02020603050405020304" pitchFamily="18" charset="0"/>
-                <a:ea typeface="Calibri" panose="020F0502020204030204" pitchFamily="34" charset="0"/>
-              </a:rPr>
-              <a:t>:</a:t>
-            </a:r>
-          </a:p>
-          <a:p>
-            <a:pPr marL="800100" lvl="1" indent="-342900" algn="just">
+              <a:rPr lang="en-IN" sz="1330" dirty="0">
+                <a:effectLst/>
+                <a:latin typeface="Cambria" panose="02040503050406030204" charset="0"/>
+                <a:ea typeface="Calibri" panose="020F0502020204030204" pitchFamily="34" charset="0"/>
+                <a:cs typeface="Cambria" panose="02040503050406030204" charset="0"/>
+              </a:rPr>
+              <a:t> :</a:t>
+            </a:r>
+            <a:endParaRPr lang="en-IN" sz="1330" dirty="0">
+              <a:effectLst/>
+              <a:latin typeface="Cambria" panose="02040503050406030204" charset="0"/>
+              <a:ea typeface="Calibri" panose="020F0502020204030204" pitchFamily="34" charset="0"/>
+              <a:cs typeface="Cambria" panose="02040503050406030204" charset="0"/>
+            </a:endParaRPr>
+          </a:p>
+          <a:p>
+            <a:pPr marL="1257300" lvl="2" indent="-342900" algn="just">
               <a:lnSpc>
                 <a:spcPct val="107000"/>
               </a:lnSpc>
@@ -3798,16 +3754,23 @@
               </a:tabLst>
             </a:pPr>
             <a:r>
-              <a:rPr lang="en-IN" sz="1600" dirty="0">
-                <a:effectLst/>
-                <a:latin typeface="Times New Roman" panose="02020603050405020304" pitchFamily="18" charset="0"/>
-                <a:ea typeface="Calibri" panose="020F0502020204030204" pitchFamily="34" charset="0"/>
+              <a:rPr lang="en-IN" sz="1165" dirty="0">
+                <a:effectLst/>
+                <a:latin typeface="Cambria" panose="02040503050406030204" charset="0"/>
+                <a:ea typeface="Calibri" panose="020F0502020204030204" pitchFamily="34" charset="0"/>
+                <a:cs typeface="Cambria" panose="02040503050406030204" charset="0"/>
               </a:rPr>
               <a:t>Train VisualBERT: Using COCO image caption dataset using two visually-grounded language model objectives.</a:t>
             </a:r>
-          </a:p>
-          <a:p>
-            <a:pPr marL="1200150" lvl="2" indent="-285750">
+            <a:endParaRPr lang="en-IN" sz="1165" dirty="0">
+              <a:effectLst/>
+              <a:latin typeface="Cambria" panose="02040503050406030204" charset="0"/>
+              <a:ea typeface="Calibri" panose="020F0502020204030204" pitchFamily="34" charset="0"/>
+              <a:cs typeface="Cambria" panose="02040503050406030204" charset="0"/>
+            </a:endParaRPr>
+          </a:p>
+          <a:p>
+            <a:pPr marL="1657350" lvl="3" indent="-285750">
               <a:lnSpc>
                 <a:spcPct val="107000"/>
               </a:lnSpc>
@@ -3818,16 +3781,23 @@
               </a:tabLst>
             </a:pPr>
             <a:r>
-              <a:rPr lang="en-IN" sz="1600" dirty="0">
-                <a:effectLst/>
-                <a:latin typeface="Times New Roman" panose="02020603050405020304" pitchFamily="18" charset="0"/>
-                <a:ea typeface="Calibri" panose="020F0502020204030204" pitchFamily="34" charset="0"/>
+              <a:rPr lang="en-IN" sz="1260" dirty="0">
+                <a:effectLst/>
+                <a:latin typeface="Cambria" panose="02040503050406030204" charset="0"/>
+                <a:ea typeface="Calibri" panose="020F0502020204030204" pitchFamily="34" charset="0"/>
+                <a:cs typeface="Cambria" panose="02040503050406030204" charset="0"/>
               </a:rPr>
               <a:t>Masked language modeling with the image. Some elements of text input are masked and must be predicted but vectors corresponding to image regions are not masked. </a:t>
             </a:r>
-          </a:p>
-          <a:p>
-            <a:pPr marL="1200150" lvl="2" indent="-285750">
+            <a:endParaRPr lang="en-IN" sz="1260" dirty="0">
+              <a:effectLst/>
+              <a:latin typeface="Cambria" panose="02040503050406030204" charset="0"/>
+              <a:ea typeface="Calibri" panose="020F0502020204030204" pitchFamily="34" charset="0"/>
+              <a:cs typeface="Cambria" panose="02040503050406030204" charset="0"/>
+            </a:endParaRPr>
+          </a:p>
+          <a:p>
+            <a:pPr marL="1657350" lvl="3" indent="-285750">
               <a:lnSpc>
                 <a:spcPct val="107000"/>
               </a:lnSpc>
@@ -3838,16 +3808,23 @@
               </a:tabLst>
             </a:pPr>
             <a:r>
-              <a:rPr lang="en-IN" sz="1600" dirty="0">
-                <a:effectLst/>
-                <a:latin typeface="Times New Roman" panose="02020603050405020304" pitchFamily="18" charset="0"/>
-                <a:ea typeface="Calibri" panose="020F0502020204030204" pitchFamily="34" charset="0"/>
+              <a:rPr lang="en-IN" sz="1260" dirty="0">
+                <a:effectLst/>
+                <a:latin typeface="Cambria" panose="02040503050406030204" charset="0"/>
+                <a:ea typeface="Calibri" panose="020F0502020204030204" pitchFamily="34" charset="0"/>
+                <a:cs typeface="Cambria" panose="02040503050406030204" charset="0"/>
               </a:rPr>
               <a:t>Sentence-image prediction: For COCO, where there are multiple captions corresponding to one image, we provide a text segment consisting of two captions. One of the caption is describing the image, while the other has a 50% chance to be another corresponding caption and a 50% chance to be a randomly drawn caption. The model is trained to distinguish these two situations. </a:t>
             </a:r>
-          </a:p>
-          <a:p>
-            <a:pPr marL="457200" lvl="1" indent="0" algn="just">
+            <a:endParaRPr lang="en-IN" sz="1260" dirty="0">
+              <a:effectLst/>
+              <a:latin typeface="Cambria" panose="02040503050406030204" charset="0"/>
+              <a:ea typeface="Calibri" panose="020F0502020204030204" pitchFamily="34" charset="0"/>
+              <a:cs typeface="Cambria" panose="02040503050406030204" charset="0"/>
+            </a:endParaRPr>
+          </a:p>
+          <a:p>
+            <a:pPr marL="914400" lvl="2" indent="0" algn="just">
               <a:lnSpc>
                 <a:spcPct val="107000"/>
               </a:lnSpc>
@@ -3856,14 +3833,15 @@
                 <a:tab pos="3589020" algn="l"/>
               </a:tabLst>
             </a:pPr>
-            <a:endParaRPr lang="en-IN" sz="1600" dirty="0">
+            <a:endParaRPr lang="en-IN" sz="1165" dirty="0">
               <a:effectLst/>
-              <a:latin typeface="Times New Roman" panose="02020603050405020304" pitchFamily="18" charset="0"/>
+              <a:latin typeface="Cambria" panose="02040503050406030204" charset="0"/>
               <a:ea typeface="Calibri" panose="020F0502020204030204" pitchFamily="34" charset="0"/>
-            </a:endParaRPr>
-          </a:p>
-          <a:p>
-            <a:pPr marL="457200" lvl="1" indent="0" algn="just">
+              <a:cs typeface="Cambria" panose="02040503050406030204" charset="0"/>
+            </a:endParaRPr>
+          </a:p>
+          <a:p>
+            <a:pPr marL="914400" lvl="2" indent="0" algn="just">
               <a:lnSpc>
                 <a:spcPct val="107000"/>
               </a:lnSpc>
@@ -3876,31 +3854,49 @@
               </a:tabLst>
             </a:pPr>
             <a:r>
-              <a:rPr lang="en-IN" sz="1600" dirty="0">
-                <a:latin typeface="Times New Roman" panose="02020603050405020304" pitchFamily="18" charset="0"/>
-                <a:ea typeface="Calibri" panose="020F0502020204030204" pitchFamily="34" charset="0"/>
+              <a:rPr lang="en-IN" sz="1330" dirty="0">
+                <a:latin typeface="Cambria" panose="02040503050406030204" charset="0"/>
+                <a:ea typeface="Calibri" panose="020F0502020204030204" pitchFamily="34" charset="0"/>
+                <a:cs typeface="Cambria" panose="02040503050406030204" charset="0"/>
               </a:rPr>
               <a:t>2. </a:t>
             </a:r>
             <a:r>
-              <a:rPr lang="en-IN" sz="1600" b="1" dirty="0">
-                <a:effectLst/>
-                <a:latin typeface="Times New Roman" panose="02020603050405020304" pitchFamily="18" charset="0"/>
-                <a:ea typeface="Calibri" panose="020F0502020204030204" pitchFamily="34" charset="0"/>
+              <a:rPr lang="en-IN" sz="1330" b="1" dirty="0">
+                <a:effectLst/>
+                <a:latin typeface="Cambria" panose="02040503050406030204" charset="0"/>
+                <a:ea typeface="Calibri" panose="020F0502020204030204" pitchFamily="34" charset="0"/>
+                <a:cs typeface="Cambria" panose="02040503050406030204" charset="0"/>
               </a:rPr>
               <a:t>Task-Specific Pre-Training</a:t>
             </a:r>
             <a:r>
-              <a:rPr lang="en-IN" sz="1600" dirty="0">
-                <a:effectLst/>
-                <a:latin typeface="Times New Roman" panose="02020603050405020304" pitchFamily="18" charset="0"/>
-                <a:ea typeface="Calibri" panose="020F0502020204030204" pitchFamily="34" charset="0"/>
-              </a:rPr>
-              <a:t> : Before fine-tuning VisualBERT to a downstream task, they find it beneficial to train the model using the data of the task with the masked language modeling with the image objective. This step allows the model to adapt to the new target domain.</a:t>
-            </a:r>
-          </a:p>
-          <a:p>
-            <a:pPr marL="457200" lvl="1" indent="0" algn="just">
+              <a:rPr lang="en-IN" sz="1330" dirty="0">
+                <a:effectLst/>
+                <a:latin typeface="Cambria" panose="02040503050406030204" charset="0"/>
+                <a:ea typeface="Calibri" panose="020F0502020204030204" pitchFamily="34" charset="0"/>
+                <a:cs typeface="Cambria" panose="02040503050406030204" charset="0"/>
+              </a:rPr>
+              <a:t> :</a:t>
+            </a:r>
+            <a:r>
+              <a:rPr lang="en-IN" sz="1165" dirty="0">
+                <a:effectLst/>
+                <a:latin typeface="Cambria" panose="02040503050406030204" charset="0"/>
+                <a:ea typeface="Calibri" panose="020F0502020204030204" pitchFamily="34" charset="0"/>
+                <a:cs typeface="Cambria" panose="02040503050406030204" charset="0"/>
+              </a:rPr>
+              <a:t> Before fine-tuning VisualBERT to a downstream task, they find it beneficial to train the model using the data of the task with the masked language modeling with the image objective. This step allows the model to adapt to the new target domain.</a:t>
+            </a:r>
+            <a:endParaRPr lang="en-IN" sz="1165" dirty="0">
+              <a:effectLst/>
+              <a:latin typeface="Cambria" panose="02040503050406030204" charset="0"/>
+              <a:ea typeface="Calibri" panose="020F0502020204030204" pitchFamily="34" charset="0"/>
+              <a:cs typeface="Cambria" panose="02040503050406030204" charset="0"/>
+            </a:endParaRPr>
+          </a:p>
+          <a:p>
+            <a:pPr marL="914400" lvl="2" indent="0" algn="just">
               <a:lnSpc>
                 <a:spcPct val="107000"/>
               </a:lnSpc>
@@ -3913,31 +3909,55 @@
               </a:tabLst>
             </a:pPr>
             <a:r>
-              <a:rPr lang="en-IN" sz="1600" dirty="0">
-                <a:latin typeface="Times New Roman" panose="02020603050405020304" pitchFamily="18" charset="0"/>
-                <a:ea typeface="Calibri" panose="020F0502020204030204" pitchFamily="34" charset="0"/>
+              <a:rPr lang="en-IN" sz="1330" dirty="0">
+                <a:latin typeface="Cambria" panose="02040503050406030204" charset="0"/>
+                <a:ea typeface="Calibri" panose="020F0502020204030204" pitchFamily="34" charset="0"/>
+                <a:cs typeface="Cambria" panose="02040503050406030204" charset="0"/>
               </a:rPr>
               <a:t>3. </a:t>
             </a:r>
             <a:r>
-              <a:rPr lang="en-IN" sz="1600" b="1" dirty="0">
-                <a:effectLst/>
-                <a:latin typeface="Times New Roman" panose="02020603050405020304" pitchFamily="18" charset="0"/>
-                <a:ea typeface="Calibri" panose="020F0502020204030204" pitchFamily="34" charset="0"/>
+              <a:rPr lang="en-IN" sz="1330" b="1" dirty="0">
+                <a:effectLst/>
+                <a:latin typeface="Cambria" panose="02040503050406030204" charset="0"/>
+                <a:ea typeface="Calibri" panose="020F0502020204030204" pitchFamily="34" charset="0"/>
+                <a:cs typeface="Cambria" panose="02040503050406030204" charset="0"/>
               </a:rPr>
               <a:t>Fine-Tuning</a:t>
             </a:r>
             <a:r>
-              <a:rPr lang="en-IN" sz="1600" dirty="0">
-                <a:effectLst/>
-                <a:latin typeface="Times New Roman" panose="02020603050405020304" pitchFamily="18" charset="0"/>
-                <a:ea typeface="Calibri" panose="020F0502020204030204" pitchFamily="34" charset="0"/>
-              </a:rPr>
-              <a:t> : This step mirrors BERT fine-tuning, where a task-specific input, output, and objective are introduced, and the Transformer is trained to maximize performance on the task.</a:t>
-            </a:r>
-          </a:p>
-          <a:p>
-            <a:endParaRPr lang="en-IN" dirty="0"/>
+              <a:rPr lang="en-IN" sz="1330" dirty="0">
+                <a:effectLst/>
+                <a:latin typeface="Cambria" panose="02040503050406030204" charset="0"/>
+                <a:ea typeface="Calibri" panose="020F0502020204030204" pitchFamily="34" charset="0"/>
+                <a:cs typeface="Cambria" panose="02040503050406030204" charset="0"/>
+              </a:rPr>
+              <a:t> :</a:t>
+            </a:r>
+            <a:r>
+              <a:rPr lang="en-IN" sz="1165" dirty="0">
+                <a:effectLst/>
+                <a:latin typeface="Cambria" panose="02040503050406030204" charset="0"/>
+                <a:ea typeface="Calibri" panose="020F0502020204030204" pitchFamily="34" charset="0"/>
+                <a:cs typeface="Cambria" panose="02040503050406030204" charset="0"/>
+              </a:rPr>
+              <a:t> This step mirrors BERT fine-tuning, where a task-specific input, output, and objective are introduced, and the Transformer is trained to maximize performance on the task.</a:t>
+            </a:r>
+            <a:endParaRPr lang="en-IN" sz="1165" dirty="0">
+              <a:effectLst/>
+              <a:latin typeface="Cambria" panose="02040503050406030204" charset="0"/>
+              <a:ea typeface="Calibri" panose="020F0502020204030204" pitchFamily="34" charset="0"/>
+              <a:cs typeface="Cambria" panose="02040503050406030204" charset="0"/>
+            </a:endParaRPr>
+          </a:p>
+          <a:p>
+            <a:pPr lvl="1"/>
+            <a:endParaRPr lang="en-IN" sz="1200" dirty="0">
+              <a:effectLst/>
+              <a:latin typeface="Cambria" panose="02040503050406030204" charset="0"/>
+              <a:ea typeface="Calibri" panose="020F0502020204030204" pitchFamily="34" charset="0"/>
+              <a:cs typeface="Cambria" panose="02040503050406030204" charset="0"/>
+            </a:endParaRPr>
           </a:p>
         </p:txBody>
       </p:sp>
@@ -3977,10 +3997,10 @@
           </p:nvPr>
         </p:nvPicPr>
         <p:blipFill>
-          <a:blip r:embed="rId2">
+          <a:blip r:embed="rId1">
             <a:extLst>
               <a:ext uri="{28A0092B-C50C-407E-A947-70E740481C1C}">
-                <a14:useLocalDpi xmlns="" xmlns:a14="http://schemas.microsoft.com/office/drawing/2010/main" val="0"/>
+                <a14:useLocalDpi xmlns:a14="http://schemas.microsoft.com/office/drawing/2010/main" val="0"/>
               </a:ext>
             </a:extLst>
           </a:blip>
@@ -3990,8 +4010,8 @@
         </p:blipFill>
         <p:spPr>
           <a:xfrm>
-            <a:off x="2994524" y="263698"/>
-            <a:ext cx="5563322" cy="1979314"/>
+            <a:off x="2586990" y="118745"/>
+            <a:ext cx="5970905" cy="2124075"/>
           </a:xfrm>
         </p:spPr>
       </p:pic>
@@ -4004,7 +4024,7 @@
         <p:spPr>
           <a:xfrm>
             <a:off x="312616" y="2477478"/>
-            <a:ext cx="11676184" cy="5606791"/>
+            <a:ext cx="11676184" cy="4398645"/>
           </a:xfrm>
           <a:prstGeom prst="rect">
             <a:avLst/>
@@ -4016,6 +4036,295 @@
             <a:spAutoFit/>
           </a:bodyPr>
           <a:lstStyle/>
+          <a:p>
+            <a:pPr indent="0" algn="just">
+              <a:lnSpc>
+                <a:spcPct val="107000"/>
+              </a:lnSpc>
+              <a:spcAft>
+                <a:spcPts val="800"/>
+              </a:spcAft>
+              <a:buFont typeface="Wingdings" panose="05000000000000000000" pitchFamily="2" charset="2"/>
+              <a:buNone/>
+              <a:tabLst>
+                <a:tab pos="3589020" algn="l"/>
+              </a:tabLst>
+            </a:pPr>
+            <a:r>
+              <a:rPr lang="en-IN" sz="1400" b="1" dirty="0">
+                <a:effectLst/>
+                <a:latin typeface="Cambria" panose="02040503050406030204" charset="0"/>
+                <a:ea typeface="Calibri" panose="020F0502020204030204" pitchFamily="34" charset="0"/>
+                <a:cs typeface="Cambria" panose="02040503050406030204" charset="0"/>
+              </a:rPr>
+              <a:t>Experiment  :</a:t>
+            </a:r>
+            <a:endParaRPr lang="en-IN" sz="1400" b="1" dirty="0">
+              <a:effectLst/>
+              <a:latin typeface="Cambria" panose="02040503050406030204" charset="0"/>
+              <a:ea typeface="Calibri" panose="020F0502020204030204" pitchFamily="34" charset="0"/>
+              <a:cs typeface="Cambria" panose="02040503050406030204" charset="0"/>
+            </a:endParaRPr>
+          </a:p>
+          <a:p>
+            <a:pPr marL="800100" lvl="1" indent="-342900">
+              <a:lnSpc>
+                <a:spcPct val="107000"/>
+              </a:lnSpc>
+              <a:buFont typeface="+mj-lt"/>
+              <a:buAutoNum type="arabicPeriod"/>
+              <a:tabLst>
+                <a:tab pos="548640" algn="l"/>
+                <a:tab pos="3589020" algn="l"/>
+              </a:tabLst>
+            </a:pPr>
+            <a:r>
+              <a:rPr lang="en-IN" sz="1400" dirty="0">
+                <a:effectLst/>
+                <a:latin typeface="Cambria" panose="02040503050406030204" charset="0"/>
+                <a:ea typeface="Calibri" panose="020F0502020204030204" pitchFamily="34" charset="0"/>
+                <a:cs typeface="Cambria" panose="02040503050406030204" charset="0"/>
+              </a:rPr>
+              <a:t>Visual Question Answering (VQA 2.0)</a:t>
+            </a:r>
+            <a:endParaRPr lang="en-IN" sz="1400" dirty="0">
+              <a:effectLst/>
+              <a:latin typeface="Cambria" panose="02040503050406030204" charset="0"/>
+              <a:ea typeface="Calibri" panose="020F0502020204030204" pitchFamily="34" charset="0"/>
+              <a:cs typeface="Cambria" panose="02040503050406030204" charset="0"/>
+            </a:endParaRPr>
+          </a:p>
+          <a:p>
+            <a:pPr marL="800100" lvl="1" indent="-342900">
+              <a:lnSpc>
+                <a:spcPct val="107000"/>
+              </a:lnSpc>
+              <a:buFont typeface="+mj-lt"/>
+              <a:buAutoNum type="arabicPeriod"/>
+              <a:tabLst>
+                <a:tab pos="548640" algn="l"/>
+                <a:tab pos="3589020" algn="l"/>
+              </a:tabLst>
+            </a:pPr>
+            <a:r>
+              <a:rPr lang="en-IN" sz="1400" dirty="0">
+                <a:effectLst/>
+                <a:latin typeface="Cambria" panose="02040503050406030204" charset="0"/>
+                <a:ea typeface="Calibri" panose="020F0502020204030204" pitchFamily="34" charset="0"/>
+                <a:cs typeface="Cambria" panose="02040503050406030204" charset="0"/>
+              </a:rPr>
+              <a:t> Visual </a:t>
+            </a:r>
+            <a:r>
+              <a:rPr lang="en-IN" sz="1400" dirty="0" err="1">
+                <a:effectLst/>
+                <a:latin typeface="Cambria" panose="02040503050406030204" charset="0"/>
+                <a:ea typeface="Calibri" panose="020F0502020204030204" pitchFamily="34" charset="0"/>
+                <a:cs typeface="Cambria" panose="02040503050406030204" charset="0"/>
+              </a:rPr>
+              <a:t>Commonsense</a:t>
+            </a:r>
+            <a:r>
+              <a:rPr lang="en-IN" sz="1400" dirty="0">
+                <a:effectLst/>
+                <a:latin typeface="Cambria" panose="02040503050406030204" charset="0"/>
+                <a:ea typeface="Calibri" panose="020F0502020204030204" pitchFamily="34" charset="0"/>
+                <a:cs typeface="Cambria" panose="02040503050406030204" charset="0"/>
+              </a:rPr>
+              <a:t> Reasoning (VCR) </a:t>
+            </a:r>
+            <a:endParaRPr lang="en-IN" sz="1400" dirty="0">
+              <a:effectLst/>
+              <a:latin typeface="Cambria" panose="02040503050406030204" charset="0"/>
+              <a:ea typeface="Calibri" panose="020F0502020204030204" pitchFamily="34" charset="0"/>
+              <a:cs typeface="Cambria" panose="02040503050406030204" charset="0"/>
+            </a:endParaRPr>
+          </a:p>
+          <a:p>
+            <a:pPr algn="just">
+              <a:lnSpc>
+                <a:spcPct val="107000"/>
+              </a:lnSpc>
+              <a:spcAft>
+                <a:spcPts val="800"/>
+              </a:spcAft>
+              <a:tabLst>
+                <a:tab pos="3589020" algn="l"/>
+              </a:tabLst>
+            </a:pPr>
+            <a:endParaRPr lang="en-IN" sz="1400" b="1" dirty="0">
+              <a:effectLst/>
+              <a:latin typeface="Cambria" panose="02040503050406030204" charset="0"/>
+              <a:ea typeface="Calibri" panose="020F0502020204030204" pitchFamily="34" charset="0"/>
+              <a:cs typeface="Cambria" panose="02040503050406030204" charset="0"/>
+            </a:endParaRPr>
+          </a:p>
+          <a:p>
+            <a:pPr algn="just">
+              <a:lnSpc>
+                <a:spcPct val="107000"/>
+              </a:lnSpc>
+              <a:spcAft>
+                <a:spcPts val="800"/>
+              </a:spcAft>
+              <a:tabLst>
+                <a:tab pos="3589020" algn="l"/>
+              </a:tabLst>
+            </a:pPr>
+            <a:r>
+              <a:rPr lang="en-IN" sz="1400" b="1" dirty="0">
+                <a:latin typeface="Cambria" panose="02040503050406030204" charset="0"/>
+                <a:ea typeface="Calibri" panose="020F0502020204030204" pitchFamily="34" charset="0"/>
+                <a:cs typeface="Cambria" panose="02040503050406030204" charset="0"/>
+              </a:rPr>
+              <a:t>Models : </a:t>
+            </a:r>
+            <a:endParaRPr lang="en-IN" sz="1400" b="1" dirty="0">
+              <a:effectLst/>
+              <a:latin typeface="Cambria" panose="02040503050406030204" charset="0"/>
+              <a:ea typeface="Calibri" panose="020F0502020204030204" pitchFamily="34" charset="0"/>
+              <a:cs typeface="Cambria" panose="02040503050406030204" charset="0"/>
+            </a:endParaRPr>
+          </a:p>
+          <a:p>
+            <a:pPr marL="800100" lvl="1" indent="-342900" algn="just">
+              <a:lnSpc>
+                <a:spcPct val="107000"/>
+              </a:lnSpc>
+              <a:buFont typeface="Symbol" panose="05050102010706020507" pitchFamily="18" charset="2"/>
+              <a:buChar char=""/>
+              <a:tabLst>
+                <a:tab pos="3589020" algn="l"/>
+              </a:tabLst>
+            </a:pPr>
+            <a:r>
+              <a:rPr lang="en-IN" sz="1200" b="1" dirty="0">
+                <a:effectLst/>
+                <a:latin typeface="Cambria" panose="02040503050406030204" charset="0"/>
+                <a:ea typeface="Calibri" panose="020F0502020204030204" pitchFamily="34" charset="0"/>
+                <a:cs typeface="Cambria" panose="02040503050406030204" charset="0"/>
+              </a:rPr>
+              <a:t>VisualBERT</a:t>
+            </a:r>
+            <a:r>
+              <a:rPr lang="en-IN" sz="1200" dirty="0">
+                <a:effectLst/>
+                <a:latin typeface="Cambria" panose="02040503050406030204" charset="0"/>
+                <a:ea typeface="Calibri" panose="020F0502020204030204" pitchFamily="34" charset="0"/>
+                <a:cs typeface="Cambria" panose="02040503050406030204" charset="0"/>
+              </a:rPr>
+              <a:t>: The full model with parameter initialization from BERT that undergoes pre-training on COCO, pre-training on the task data, and fine-tuning for the task. </a:t>
+            </a:r>
+            <a:endParaRPr lang="en-IN" sz="1200" dirty="0">
+              <a:effectLst/>
+              <a:latin typeface="Cambria" panose="02040503050406030204" charset="0"/>
+              <a:ea typeface="Calibri" panose="020F0502020204030204" pitchFamily="34" charset="0"/>
+              <a:cs typeface="Cambria" panose="02040503050406030204" charset="0"/>
+            </a:endParaRPr>
+          </a:p>
+          <a:p>
+            <a:pPr marL="800100" lvl="1" indent="-342900" algn="just">
+              <a:lnSpc>
+                <a:spcPct val="107000"/>
+              </a:lnSpc>
+              <a:buFont typeface="Symbol" panose="05050102010706020507" pitchFamily="18" charset="2"/>
+              <a:buChar char=""/>
+              <a:tabLst>
+                <a:tab pos="3589020" algn="l"/>
+              </a:tabLst>
+            </a:pPr>
+            <a:r>
+              <a:rPr lang="en-IN" sz="1200" b="1" dirty="0">
+                <a:effectLst/>
+                <a:latin typeface="Cambria" panose="02040503050406030204" charset="0"/>
+                <a:ea typeface="Calibri" panose="020F0502020204030204" pitchFamily="34" charset="0"/>
+                <a:cs typeface="Cambria" panose="02040503050406030204" charset="0"/>
+              </a:rPr>
+              <a:t>VisualBERT w/o Early Fusion</a:t>
+            </a:r>
+            <a:r>
+              <a:rPr lang="en-IN" sz="1200" dirty="0">
+                <a:effectLst/>
+                <a:latin typeface="Cambria" panose="02040503050406030204" charset="0"/>
+                <a:ea typeface="Calibri" panose="020F0502020204030204" pitchFamily="34" charset="0"/>
+                <a:cs typeface="Cambria" panose="02040503050406030204" charset="0"/>
+              </a:rPr>
+              <a:t>: VisualBERT but where image representations are not combined with the text in the initial Transformer layer but instead at the very end with a new Transformer layer. This allows us to test whether interaction between language and vision throughout the whole Transformer stack is important to performance. </a:t>
+            </a:r>
+            <a:endParaRPr lang="en-IN" sz="1200" dirty="0">
+              <a:effectLst/>
+              <a:latin typeface="Cambria" panose="02040503050406030204" charset="0"/>
+              <a:ea typeface="Calibri" panose="020F0502020204030204" pitchFamily="34" charset="0"/>
+              <a:cs typeface="Cambria" panose="02040503050406030204" charset="0"/>
+            </a:endParaRPr>
+          </a:p>
+          <a:p>
+            <a:pPr marL="800100" lvl="1" indent="-342900" algn="just">
+              <a:lnSpc>
+                <a:spcPct val="107000"/>
+              </a:lnSpc>
+              <a:spcAft>
+                <a:spcPts val="800"/>
+              </a:spcAft>
+              <a:buFont typeface="Symbol" panose="05050102010706020507" pitchFamily="18" charset="2"/>
+              <a:buChar char=""/>
+              <a:tabLst>
+                <a:tab pos="3589020" algn="l"/>
+              </a:tabLst>
+            </a:pPr>
+            <a:r>
+              <a:rPr lang="en-IN" sz="1200" b="1" dirty="0">
+                <a:effectLst/>
+                <a:latin typeface="Cambria" panose="02040503050406030204" charset="0"/>
+                <a:ea typeface="Calibri" panose="020F0502020204030204" pitchFamily="34" charset="0"/>
+                <a:cs typeface="Cambria" panose="02040503050406030204" charset="0"/>
+              </a:rPr>
+              <a:t>VisualBERT w/o COCO Pre-training</a:t>
+            </a:r>
+            <a:r>
+              <a:rPr lang="en-IN" sz="1200" dirty="0">
+                <a:effectLst/>
+                <a:latin typeface="Cambria" panose="02040503050406030204" charset="0"/>
+                <a:ea typeface="Calibri" panose="020F0502020204030204" pitchFamily="34" charset="0"/>
+                <a:cs typeface="Cambria" panose="02040503050406030204" charset="0"/>
+              </a:rPr>
+              <a:t>: VisualBERT but where they skip task-agnostic pre-training on COCO captions. This allows to validate the importance of this step.</a:t>
+            </a:r>
+            <a:endParaRPr lang="en-IN" sz="1200" dirty="0">
+              <a:effectLst/>
+              <a:latin typeface="Cambria" panose="02040503050406030204" charset="0"/>
+              <a:ea typeface="Calibri" panose="020F0502020204030204" pitchFamily="34" charset="0"/>
+              <a:cs typeface="Cambria" panose="02040503050406030204" charset="0"/>
+            </a:endParaRPr>
+          </a:p>
+          <a:p>
+            <a:pPr algn="just">
+              <a:lnSpc>
+                <a:spcPct val="107000"/>
+              </a:lnSpc>
+              <a:spcAft>
+                <a:spcPts val="800"/>
+              </a:spcAft>
+              <a:tabLst>
+                <a:tab pos="3589020" algn="l"/>
+              </a:tabLst>
+            </a:pPr>
+            <a:r>
+              <a:rPr lang="en-IN" sz="1400" dirty="0">
+                <a:effectLst/>
+                <a:latin typeface="Cambria" panose="02040503050406030204" charset="0"/>
+                <a:ea typeface="Calibri" panose="020F0502020204030204" pitchFamily="34" charset="0"/>
+                <a:cs typeface="Cambria" panose="02040503050406030204" charset="0"/>
+              </a:rPr>
+              <a:t>            Optimizer for all Models : SGD with Adam.</a:t>
+            </a:r>
+            <a:endParaRPr lang="en-IN" sz="1400" b="1" dirty="0">
+              <a:effectLst/>
+              <a:latin typeface="Cambria" panose="02040503050406030204" charset="0"/>
+              <a:ea typeface="Calibri" panose="020F0502020204030204" pitchFamily="34" charset="0"/>
+              <a:cs typeface="Cambria" panose="02040503050406030204" charset="0"/>
+            </a:endParaRPr>
+          </a:p>
           <a:p>
             <a:pPr algn="just">
               <a:lnSpc>
@@ -4030,265 +4339,10 @@
                 <a:tab pos="3589020" algn="l"/>
               </a:tabLst>
             </a:pPr>
-            <a:r>
-              <a:rPr lang="en-IN" sz="1800" b="1" dirty="0">
-                <a:effectLst/>
-                <a:latin typeface="Open Sans" panose="020B0606030504020204" pitchFamily="34" charset="0"/>
-                <a:ea typeface="Calibri" panose="020F0502020204030204" pitchFamily="34" charset="0"/>
-              </a:rPr>
-              <a:t>Experiment  :</a:t>
-            </a:r>
-          </a:p>
-          <a:p>
-            <a:pPr marL="800100" lvl="1" indent="-342900">
-              <a:lnSpc>
-                <a:spcPct val="107000"/>
-              </a:lnSpc>
-              <a:buFont typeface="+mj-lt"/>
-              <a:buAutoNum type="arabicPeriod"/>
-              <a:tabLst>
-                <a:tab pos="548640" algn="l"/>
-                <a:tab pos="3589020" algn="l"/>
-              </a:tabLst>
-            </a:pPr>
-            <a:r>
-              <a:rPr lang="en-IN" sz="1600" dirty="0">
-                <a:effectLst/>
-                <a:latin typeface="Times New Roman" panose="02020603050405020304" pitchFamily="18" charset="0"/>
-                <a:ea typeface="Calibri" panose="020F0502020204030204" pitchFamily="34" charset="0"/>
-                <a:cs typeface="Times New Roman" panose="02020603050405020304" pitchFamily="18" charset="0"/>
-              </a:rPr>
-              <a:t>Visual Question Answering (VQA 2.0)</a:t>
-            </a:r>
-          </a:p>
-          <a:p>
-            <a:pPr marL="800100" lvl="1" indent="-342900">
-              <a:lnSpc>
-                <a:spcPct val="107000"/>
-              </a:lnSpc>
-              <a:buFont typeface="+mj-lt"/>
-              <a:buAutoNum type="arabicPeriod"/>
-              <a:tabLst>
-                <a:tab pos="548640" algn="l"/>
-                <a:tab pos="3589020" algn="l"/>
-              </a:tabLst>
-            </a:pPr>
-            <a:r>
-              <a:rPr lang="en-IN" sz="1600" dirty="0">
-                <a:effectLst/>
-                <a:latin typeface="Times New Roman" panose="02020603050405020304" pitchFamily="18" charset="0"/>
-                <a:ea typeface="Calibri" panose="020F0502020204030204" pitchFamily="34" charset="0"/>
-                <a:cs typeface="Times New Roman" panose="02020603050405020304" pitchFamily="18" charset="0"/>
-              </a:rPr>
-              <a:t> Visual </a:t>
-            </a:r>
-            <a:r>
-              <a:rPr lang="en-IN" sz="1600" dirty="0" err="1">
-                <a:effectLst/>
-                <a:latin typeface="Times New Roman" panose="02020603050405020304" pitchFamily="18" charset="0"/>
-                <a:ea typeface="Calibri" panose="020F0502020204030204" pitchFamily="34" charset="0"/>
-                <a:cs typeface="Times New Roman" panose="02020603050405020304" pitchFamily="18" charset="0"/>
-              </a:rPr>
-              <a:t>Commonsense</a:t>
-            </a:r>
-            <a:r>
-              <a:rPr lang="en-IN" sz="1600" dirty="0">
-                <a:effectLst/>
-                <a:latin typeface="Times New Roman" panose="02020603050405020304" pitchFamily="18" charset="0"/>
-                <a:ea typeface="Calibri" panose="020F0502020204030204" pitchFamily="34" charset="0"/>
-                <a:cs typeface="Times New Roman" panose="02020603050405020304" pitchFamily="18" charset="0"/>
-              </a:rPr>
-              <a:t> Reasoning (VCR) </a:t>
-            </a:r>
-          </a:p>
-          <a:p>
-            <a:pPr algn="just">
-              <a:lnSpc>
-                <a:spcPct val="107000"/>
-              </a:lnSpc>
-              <a:spcAft>
-                <a:spcPts val="800"/>
-              </a:spcAft>
-              <a:tabLst>
-                <a:tab pos="3589020" algn="l"/>
-              </a:tabLst>
-            </a:pPr>
-            <a:endParaRPr lang="en-IN" sz="1600" b="1" dirty="0">
-              <a:effectLst/>
-              <a:latin typeface="Open Sans" panose="020B0606030504020204" pitchFamily="34" charset="0"/>
+            <a:endParaRPr lang="en-IN" sz="1400" b="1" dirty="0">
+              <a:latin typeface="Cambria" panose="02040503050406030204" charset="0"/>
               <a:ea typeface="Calibri" panose="020F0502020204030204" pitchFamily="34" charset="0"/>
-            </a:endParaRPr>
-          </a:p>
-          <a:p>
-            <a:pPr algn="just">
-              <a:lnSpc>
-                <a:spcPct val="107000"/>
-              </a:lnSpc>
-              <a:spcAft>
-                <a:spcPts val="800"/>
-              </a:spcAft>
-              <a:tabLst>
-                <a:tab pos="3589020" algn="l"/>
-              </a:tabLst>
-            </a:pPr>
-            <a:r>
-              <a:rPr lang="en-IN" sz="1600" b="1" dirty="0">
-                <a:latin typeface="Open Sans" panose="020B0606030504020204" pitchFamily="34" charset="0"/>
-                <a:ea typeface="Calibri" panose="020F0502020204030204" pitchFamily="34" charset="0"/>
-              </a:rPr>
-              <a:t>Models : </a:t>
-            </a:r>
-            <a:endParaRPr lang="en-IN" sz="1600" b="1" dirty="0">
-              <a:effectLst/>
-              <a:latin typeface="Open Sans" panose="020B0606030504020204" pitchFamily="34" charset="0"/>
-              <a:ea typeface="Calibri" panose="020F0502020204030204" pitchFamily="34" charset="0"/>
-            </a:endParaRPr>
-          </a:p>
-          <a:p>
-            <a:pPr marL="342900" lvl="0" indent="-342900" algn="just">
-              <a:lnSpc>
-                <a:spcPct val="107000"/>
-              </a:lnSpc>
-              <a:buFont typeface="Symbol" panose="05050102010706020507" pitchFamily="18" charset="2"/>
-              <a:buChar char=""/>
-              <a:tabLst>
-                <a:tab pos="3589020" algn="l"/>
-              </a:tabLst>
-            </a:pPr>
-            <a:r>
-              <a:rPr lang="en-IN" sz="1600" b="1" dirty="0">
-                <a:effectLst/>
-                <a:latin typeface="Times New Roman" panose="02020603050405020304" pitchFamily="18" charset="0"/>
-                <a:ea typeface="Calibri" panose="020F0502020204030204" pitchFamily="34" charset="0"/>
-                <a:cs typeface="Times New Roman" panose="02020603050405020304" pitchFamily="18" charset="0"/>
-              </a:rPr>
-              <a:t>VisualBERT</a:t>
-            </a:r>
-            <a:r>
-              <a:rPr lang="en-IN" sz="1600" dirty="0">
-                <a:effectLst/>
-                <a:latin typeface="Times New Roman" panose="02020603050405020304" pitchFamily="18" charset="0"/>
-                <a:ea typeface="Calibri" panose="020F0502020204030204" pitchFamily="34" charset="0"/>
-                <a:cs typeface="Times New Roman" panose="02020603050405020304" pitchFamily="18" charset="0"/>
-              </a:rPr>
-              <a:t>: The full model with parameter initialization from BERT that undergoes pre-training on COCO, pre-training on the task data, and fine-tuning for the task. </a:t>
-            </a:r>
-          </a:p>
-          <a:p>
-            <a:pPr marL="342900" lvl="0" indent="-342900" algn="just">
-              <a:lnSpc>
-                <a:spcPct val="107000"/>
-              </a:lnSpc>
-              <a:buFont typeface="Symbol" panose="05050102010706020507" pitchFamily="18" charset="2"/>
-              <a:buChar char=""/>
-              <a:tabLst>
-                <a:tab pos="3589020" algn="l"/>
-              </a:tabLst>
-            </a:pPr>
-            <a:r>
-              <a:rPr lang="en-IN" sz="1600" b="1" dirty="0">
-                <a:effectLst/>
-                <a:latin typeface="Times New Roman" panose="02020603050405020304" pitchFamily="18" charset="0"/>
-                <a:ea typeface="Calibri" panose="020F0502020204030204" pitchFamily="34" charset="0"/>
-                <a:cs typeface="Times New Roman" panose="02020603050405020304" pitchFamily="18" charset="0"/>
-              </a:rPr>
-              <a:t>VisualBERT w/o Early Fusion</a:t>
-            </a:r>
-            <a:r>
-              <a:rPr lang="en-IN" sz="1600" dirty="0">
-                <a:effectLst/>
-                <a:latin typeface="Times New Roman" panose="02020603050405020304" pitchFamily="18" charset="0"/>
-                <a:ea typeface="Calibri" panose="020F0502020204030204" pitchFamily="34" charset="0"/>
-                <a:cs typeface="Times New Roman" panose="02020603050405020304" pitchFamily="18" charset="0"/>
-              </a:rPr>
-              <a:t>: VisualBERT but where image representations are not combined with the text in the initial Transformer layer but instead at the very end with a new Transformer layer. This allows us to test whether interaction between language and vision throughout the whole Transformer stack is important to performance. </a:t>
-            </a:r>
-          </a:p>
-          <a:p>
-            <a:pPr marL="342900" lvl="0" indent="-342900" algn="just">
-              <a:lnSpc>
-                <a:spcPct val="107000"/>
-              </a:lnSpc>
-              <a:spcAft>
-                <a:spcPts val="800"/>
-              </a:spcAft>
-              <a:buFont typeface="Symbol" panose="05050102010706020507" pitchFamily="18" charset="2"/>
-              <a:buChar char=""/>
-              <a:tabLst>
-                <a:tab pos="3589020" algn="l"/>
-              </a:tabLst>
-            </a:pPr>
-            <a:r>
-              <a:rPr lang="en-IN" sz="1600" b="1" dirty="0">
-                <a:effectLst/>
-                <a:latin typeface="Times New Roman" panose="02020603050405020304" pitchFamily="18" charset="0"/>
-                <a:ea typeface="Calibri" panose="020F0502020204030204" pitchFamily="34" charset="0"/>
-                <a:cs typeface="Times New Roman" panose="02020603050405020304" pitchFamily="18" charset="0"/>
-              </a:rPr>
-              <a:t>VisualBERT w/o COCO Pre-training</a:t>
-            </a:r>
-            <a:r>
-              <a:rPr lang="en-IN" sz="1600" dirty="0">
-                <a:effectLst/>
-                <a:latin typeface="Times New Roman" panose="02020603050405020304" pitchFamily="18" charset="0"/>
-                <a:ea typeface="Calibri" panose="020F0502020204030204" pitchFamily="34" charset="0"/>
-                <a:cs typeface="Times New Roman" panose="02020603050405020304" pitchFamily="18" charset="0"/>
-              </a:rPr>
-              <a:t>: VisualBERT but where they skip task-agnostic pre-training on COCO captions. This allows to validate the importance of this step.</a:t>
-            </a:r>
-          </a:p>
-          <a:p>
-            <a:pPr algn="just">
-              <a:lnSpc>
-                <a:spcPct val="107000"/>
-              </a:lnSpc>
-              <a:spcAft>
-                <a:spcPts val="800"/>
-              </a:spcAft>
-              <a:tabLst>
-                <a:tab pos="3589020" algn="l"/>
-              </a:tabLst>
-            </a:pPr>
-            <a:r>
-              <a:rPr lang="en-IN" sz="1600" dirty="0">
-                <a:effectLst/>
-                <a:latin typeface="Times New Roman" panose="02020603050405020304" pitchFamily="18" charset="0"/>
-                <a:ea typeface="Calibri" panose="020F0502020204030204" pitchFamily="34" charset="0"/>
-                <a:cs typeface="Times New Roman" panose="02020603050405020304" pitchFamily="18" charset="0"/>
-              </a:rPr>
-              <a:t>Optimizer</a:t>
-            </a:r>
-            <a:r>
-              <a:rPr lang="en-IN" sz="2000" dirty="0">
-                <a:effectLst/>
-                <a:latin typeface="Times New Roman" panose="02020603050405020304" pitchFamily="18" charset="0"/>
-                <a:ea typeface="Calibri" panose="020F0502020204030204" pitchFamily="34" charset="0"/>
-                <a:cs typeface="Times New Roman" panose="02020603050405020304" pitchFamily="18" charset="0"/>
-              </a:rPr>
-              <a:t> </a:t>
-            </a:r>
-            <a:r>
-              <a:rPr lang="en-IN" sz="1600" dirty="0">
-                <a:effectLst/>
-                <a:latin typeface="Times New Roman" panose="02020603050405020304" pitchFamily="18" charset="0"/>
-                <a:ea typeface="Calibri" panose="020F0502020204030204" pitchFamily="34" charset="0"/>
-                <a:cs typeface="Times New Roman" panose="02020603050405020304" pitchFamily="18" charset="0"/>
-              </a:rPr>
-              <a:t>for all Models : SGD with Adam</a:t>
-            </a:r>
-            <a:r>
-              <a:rPr lang="en-IN" sz="2000" dirty="0">
-                <a:effectLst/>
-                <a:latin typeface="Times New Roman" panose="02020603050405020304" pitchFamily="18" charset="0"/>
-                <a:ea typeface="Calibri" panose="020F0502020204030204" pitchFamily="34" charset="0"/>
-                <a:cs typeface="Times New Roman" panose="02020603050405020304" pitchFamily="18" charset="0"/>
-              </a:rPr>
-              <a:t>.</a:t>
-            </a:r>
-            <a:endParaRPr lang="en-IN" sz="1600" b="1" dirty="0">
-              <a:effectLst/>
-              <a:latin typeface="Open Sans" panose="020B0606030504020204" pitchFamily="34" charset="0"/>
-              <a:ea typeface="Calibri" panose="020F0502020204030204" pitchFamily="34" charset="0"/>
+              <a:cs typeface="Cambria" panose="02040503050406030204" charset="0"/>
             </a:endParaRPr>
           </a:p>
           <a:p>
@@ -4305,9 +4359,11 @@
                 <a:tab pos="3589020" algn="l"/>
               </a:tabLst>
             </a:pPr>
-            <a:endParaRPr lang="en-IN" b="1" dirty="0">
-              <a:latin typeface="Open Sans" panose="020B0606030504020204" pitchFamily="34" charset="0"/>
+            <a:endParaRPr lang="en-IN" sz="1400" b="1" dirty="0">
+              <a:effectLst/>
+              <a:latin typeface="Cambria" panose="02040503050406030204" charset="0"/>
               <a:ea typeface="Calibri" panose="020F0502020204030204" pitchFamily="34" charset="0"/>
+              <a:cs typeface="Cambria" panose="02040503050406030204" charset="0"/>
             </a:endParaRPr>
           </a:p>
           <a:p>
@@ -4324,29 +4380,10 @@
                 <a:tab pos="3589020" algn="l"/>
               </a:tabLst>
             </a:pPr>
-            <a:endParaRPr lang="en-IN" sz="1800" b="1" dirty="0">
-              <a:effectLst/>
-              <a:latin typeface="Open Sans" panose="020B0606030504020204" pitchFamily="34" charset="0"/>
+            <a:endParaRPr lang="en-IN" sz="1400" b="1" dirty="0">
+              <a:latin typeface="Cambria" panose="02040503050406030204" charset="0"/>
               <a:ea typeface="Calibri" panose="020F0502020204030204" pitchFamily="34" charset="0"/>
-            </a:endParaRPr>
-          </a:p>
-          <a:p>
-            <a:pPr algn="just">
-              <a:lnSpc>
-                <a:spcPct val="107000"/>
-              </a:lnSpc>
-              <a:spcAft>
-                <a:spcPts val="800"/>
-              </a:spcAft>
-              <a:buFont typeface="Wingdings" panose="05000000000000000000" pitchFamily="2" charset="2"/>
-              <a:buChar char="q"/>
-              <a:tabLst>
-                <a:tab pos="3589020" algn="l"/>
-              </a:tabLst>
-            </a:pPr>
-            <a:endParaRPr lang="en-IN" b="1" dirty="0">
-              <a:latin typeface="Open Sans" panose="020B0606030504020204" pitchFamily="34" charset="0"/>
-              <a:ea typeface="Calibri" panose="020F0502020204030204" pitchFamily="34" charset="0"/>
+              <a:cs typeface="Cambria" panose="02040503050406030204" charset="0"/>
             </a:endParaRPr>
           </a:p>
           <a:p>
@@ -4362,17 +4399,19 @@
               </a:tabLst>
             </a:pPr>
             <a:r>
-              <a:rPr lang="en-IN" sz="1800" b="1" dirty="0">
-                <a:effectLst/>
-                <a:latin typeface="Open Sans" panose="020B0606030504020204" pitchFamily="34" charset="0"/>
-                <a:ea typeface="Calibri" panose="020F0502020204030204" pitchFamily="34" charset="0"/>
+              <a:rPr lang="en-IN" sz="1400" b="1" dirty="0">
+                <a:effectLst/>
+                <a:latin typeface="Cambria" panose="02040503050406030204" charset="0"/>
+                <a:ea typeface="Calibri" panose="020F0502020204030204" pitchFamily="34" charset="0"/>
+                <a:cs typeface="Cambria" panose="02040503050406030204" charset="0"/>
               </a:rPr>
               <a:t> </a:t>
             </a:r>
-            <a:endParaRPr lang="en-IN" sz="1800" dirty="0">
+            <a:endParaRPr lang="en-IN" sz="1400" dirty="0">
               <a:effectLst/>
-              <a:latin typeface="Times New Roman" panose="02020603050405020304" pitchFamily="18" charset="0"/>
+              <a:latin typeface="Cambria" panose="02040503050406030204" charset="0"/>
               <a:ea typeface="Calibri" panose="020F0502020204030204" pitchFamily="34" charset="0"/>
+              <a:cs typeface="Cambria" panose="02040503050406030204" charset="0"/>
             </a:endParaRPr>
           </a:p>
         </p:txBody>
@@ -4420,7 +4459,7 @@
         </p:spPr>
         <p:txBody>
           <a:bodyPr>
-            <a:normAutofit fontScale="92500" lnSpcReduction="10000"/>
+            <a:normAutofit lnSpcReduction="10000"/>
           </a:bodyPr>
           <a:lstStyle/>
           <a:p>
@@ -4436,10 +4475,11 @@
                 <a:tab pos="3589020" algn="l"/>
               </a:tabLst>
             </a:pPr>
-            <a:endParaRPr lang="en-IN" sz="1800" dirty="0">
+            <a:endParaRPr lang="en-IN" sz="1600" dirty="0">
               <a:effectLst/>
-              <a:latin typeface="Times New Roman" panose="02020603050405020304" pitchFamily="18" charset="0"/>
+              <a:latin typeface="Cambria" panose="02040503050406030204" charset="0"/>
               <a:ea typeface="Calibri" panose="020F0502020204030204" pitchFamily="34" charset="0"/>
+              <a:cs typeface="Cambria" panose="02040503050406030204" charset="0"/>
             </a:endParaRPr>
           </a:p>
           <a:p>
@@ -4456,49 +4496,55 @@
               </a:tabLst>
             </a:pPr>
             <a:r>
+              <a:rPr lang="en-IN" sz="1600" b="1" dirty="0">
+                <a:effectLst/>
+                <a:latin typeface="Cambria" panose="02040503050406030204" charset="0"/>
+                <a:ea typeface="Calibri" panose="020F0502020204030204" pitchFamily="34" charset="0"/>
+                <a:cs typeface="Cambria" panose="02040503050406030204" charset="0"/>
+              </a:rPr>
+              <a:t>1</a:t>
+            </a:r>
+            <a:r>
+              <a:rPr lang="en-IN" sz="1000" b="1" dirty="0">
+                <a:effectLst/>
+                <a:latin typeface="Cambria" panose="02040503050406030204" charset="0"/>
+                <a:ea typeface="Calibri" panose="020F0502020204030204" pitchFamily="34" charset="0"/>
+                <a:cs typeface="Cambria" panose="02040503050406030204" charset="0"/>
+              </a:rPr>
+              <a:t>. </a:t>
+            </a:r>
+            <a:r>
               <a:rPr lang="en-IN" sz="1800" b="1" dirty="0">
                 <a:effectLst/>
-                <a:latin typeface="Times New Roman" panose="02020603050405020304" pitchFamily="18" charset="0"/>
-                <a:ea typeface="Calibri" panose="020F0502020204030204" pitchFamily="34" charset="0"/>
-              </a:rPr>
-              <a:t>1</a:t>
-            </a:r>
-            <a:r>
-              <a:rPr lang="en-IN" sz="1200" b="1" dirty="0">
-                <a:effectLst/>
-                <a:latin typeface="Times New Roman" panose="02020603050405020304" pitchFamily="18" charset="0"/>
-                <a:ea typeface="Calibri" panose="020F0502020204030204" pitchFamily="34" charset="0"/>
-              </a:rPr>
-              <a:t>. </a:t>
-            </a:r>
-            <a:r>
-              <a:rPr lang="en-IN" sz="2000" b="1" dirty="0">
-                <a:effectLst/>
-                <a:latin typeface="Times New Roman" panose="02020603050405020304" pitchFamily="18" charset="0"/>
-                <a:ea typeface="Calibri" panose="020F0502020204030204" pitchFamily="34" charset="0"/>
+                <a:latin typeface="Cambria" panose="02040503050406030204" charset="0"/>
+                <a:ea typeface="Calibri" panose="020F0502020204030204" pitchFamily="34" charset="0"/>
+                <a:cs typeface="Cambria" panose="02040503050406030204" charset="0"/>
               </a:rPr>
               <a:t>VQA</a:t>
             </a:r>
             <a:r>
-              <a:rPr lang="en-IN" b="1" dirty="0">
-                <a:effectLst/>
-                <a:latin typeface="Times New Roman" panose="02020603050405020304" pitchFamily="18" charset="0"/>
-                <a:ea typeface="Calibri" panose="020F0502020204030204" pitchFamily="34" charset="0"/>
+              <a:rPr lang="en-IN" sz="2400" b="1" dirty="0">
+                <a:effectLst/>
+                <a:latin typeface="Cambria" panose="02040503050406030204" charset="0"/>
+                <a:ea typeface="Calibri" panose="020F0502020204030204" pitchFamily="34" charset="0"/>
+                <a:cs typeface="Cambria" panose="02040503050406030204" charset="0"/>
               </a:rPr>
               <a:t> </a:t>
             </a:r>
             <a:r>
-              <a:rPr lang="en-IN" sz="2000" b="1" dirty="0">
-                <a:effectLst/>
-                <a:latin typeface="Times New Roman" panose="02020603050405020304" pitchFamily="18" charset="0"/>
-                <a:ea typeface="Calibri" panose="020F0502020204030204" pitchFamily="34" charset="0"/>
+              <a:rPr lang="en-IN" sz="1800" b="1" dirty="0">
+                <a:effectLst/>
+                <a:latin typeface="Cambria" panose="02040503050406030204" charset="0"/>
+                <a:ea typeface="Calibri" panose="020F0502020204030204" pitchFamily="34" charset="0"/>
+                <a:cs typeface="Cambria" panose="02040503050406030204" charset="0"/>
               </a:rPr>
               <a:t>:</a:t>
             </a:r>
-            <a:endParaRPr lang="en-IN" sz="1400" b="1" dirty="0">
+            <a:endParaRPr lang="en-IN" sz="1200" b="1" dirty="0">
               <a:effectLst/>
-              <a:latin typeface="Times New Roman" panose="02020603050405020304" pitchFamily="18" charset="0"/>
+              <a:latin typeface="Cambria" panose="02040503050406030204" charset="0"/>
               <a:ea typeface="Calibri" panose="020F0502020204030204" pitchFamily="34" charset="0"/>
+              <a:cs typeface="Cambria" panose="02040503050406030204" charset="0"/>
             </a:endParaRPr>
           </a:p>
           <a:p>
@@ -4515,26 +4561,34 @@
               </a:tabLst>
             </a:pPr>
             <a:r>
-              <a:rPr lang="en-IN" sz="2000" dirty="0">
-                <a:effectLst/>
-                <a:latin typeface="Times New Roman" panose="02020603050405020304" pitchFamily="18" charset="0"/>
-                <a:ea typeface="Calibri" panose="020F0502020204030204" pitchFamily="34" charset="0"/>
+              <a:rPr lang="en-IN" sz="1800" dirty="0">
+                <a:effectLst/>
+                <a:latin typeface="Cambria" panose="02040503050406030204" charset="0"/>
+                <a:ea typeface="Calibri" panose="020F0502020204030204" pitchFamily="34" charset="0"/>
+                <a:cs typeface="Cambria" panose="02040503050406030204" charset="0"/>
               </a:rPr>
               <a:t>Dataset :  VQA (2.0) </a:t>
             </a:r>
             <a:r>
-              <a:rPr lang="en-IN" sz="1600" dirty="0">
-                <a:effectLst/>
-                <a:latin typeface="Times New Roman" panose="02020603050405020304" pitchFamily="18" charset="0"/>
-                <a:ea typeface="Calibri" panose="020F0502020204030204" pitchFamily="34" charset="0"/>
+              <a:rPr lang="en-IN" sz="1400" dirty="0">
+                <a:effectLst/>
+                <a:latin typeface="Cambria" panose="02040503050406030204" charset="0"/>
+                <a:ea typeface="Calibri" panose="020F0502020204030204" pitchFamily="34" charset="0"/>
+                <a:cs typeface="Cambria" panose="02040503050406030204" charset="0"/>
               </a:rPr>
               <a:t>: </a:t>
             </a:r>
+            <a:endParaRPr lang="en-IN" sz="1400" dirty="0">
+              <a:effectLst/>
+              <a:latin typeface="Cambria" panose="02040503050406030204" charset="0"/>
+              <a:ea typeface="Calibri" panose="020F0502020204030204" pitchFamily="34" charset="0"/>
+              <a:cs typeface="Cambria" panose="02040503050406030204" charset="0"/>
+            </a:endParaRPr>
           </a:p>
           <a:p>
             <a:pPr lvl="1">
               <a:lnSpc>
-                <a:spcPct val="107000"/>
+                <a:spcPct val="97000"/>
               </a:lnSpc>
               <a:spcAft>
                 <a:spcPts val="800"/>
@@ -4545,81 +4599,132 @@
               </a:tabLst>
             </a:pPr>
             <a:r>
-              <a:rPr lang="en-IN" sz="1500" dirty="0">
+              <a:rPr lang="en-IN" sz="1200" dirty="0">
                 <a:solidFill>
                   <a:srgbClr val="222222"/>
                 </a:solidFill>
                 <a:effectLst/>
-                <a:latin typeface="Times New Roman" panose="02020603050405020304" pitchFamily="18" charset="0"/>
+                <a:latin typeface="Cambria" panose="02040503050406030204" charset="0"/>
                 <a:ea typeface="Times New Roman" panose="02020603050405020304" pitchFamily="18" charset="0"/>
+                <a:cs typeface="Cambria" panose="02040503050406030204" charset="0"/>
               </a:rPr>
               <a:t>COCO images</a:t>
             </a:r>
             <a:br>
-              <a:rPr lang="en-IN" sz="1500" dirty="0">
+              <a:rPr lang="en-IN" sz="1200" dirty="0">
                 <a:solidFill>
                   <a:srgbClr val="222222"/>
                 </a:solidFill>
                 <a:effectLst/>
-                <a:latin typeface="Times New Roman" panose="02020603050405020304" pitchFamily="18" charset="0"/>
+                <a:latin typeface="Cambria" panose="02040503050406030204" charset="0"/>
                 <a:ea typeface="Times New Roman" panose="02020603050405020304" pitchFamily="18" charset="0"/>
+                <a:cs typeface="Cambria" panose="02040503050406030204" charset="0"/>
               </a:rPr>
             </a:br>
             <a:r>
-              <a:rPr lang="en-IN" sz="1500" dirty="0">
+              <a:rPr lang="en-IN" sz="1200" dirty="0">
                 <a:solidFill>
                   <a:srgbClr val="222222"/>
                 </a:solidFill>
                 <a:effectLst/>
-                <a:latin typeface="Times New Roman" panose="02020603050405020304" pitchFamily="18" charset="0"/>
+                <a:latin typeface="Cambria" panose="02040503050406030204" charset="0"/>
                 <a:ea typeface="Times New Roman" panose="02020603050405020304" pitchFamily="18" charset="0"/>
+                <a:cs typeface="Cambria" panose="02040503050406030204" charset="0"/>
               </a:rPr>
               <a:t>(all of current train/</a:t>
             </a:r>
             <a:r>
-              <a:rPr lang="en-IN" sz="1500" dirty="0" err="1">
+              <a:rPr lang="en-IN" sz="1200" dirty="0" err="1">
                 <a:solidFill>
                   <a:srgbClr val="222222"/>
                 </a:solidFill>
                 <a:effectLst/>
-                <a:latin typeface="Times New Roman" panose="02020603050405020304" pitchFamily="18" charset="0"/>
+                <a:latin typeface="Cambria" panose="02040503050406030204" charset="0"/>
                 <a:ea typeface="Times New Roman" panose="02020603050405020304" pitchFamily="18" charset="0"/>
+                <a:cs typeface="Cambria" panose="02040503050406030204" charset="0"/>
               </a:rPr>
               <a:t>val</a:t>
             </a:r>
             <a:r>
-              <a:rPr lang="en-IN" sz="1500" dirty="0">
+              <a:rPr lang="en-IN" sz="1200" dirty="0">
                 <a:solidFill>
                   <a:srgbClr val="222222"/>
                 </a:solidFill>
                 <a:effectLst/>
-                <a:latin typeface="Times New Roman" panose="02020603050405020304" pitchFamily="18" charset="0"/>
+                <a:latin typeface="Cambria" panose="02040503050406030204" charset="0"/>
                 <a:ea typeface="Times New Roman" panose="02020603050405020304" pitchFamily="18" charset="0"/>
+                <a:cs typeface="Cambria" panose="02040503050406030204" charset="0"/>
               </a:rPr>
               <a:t>/test)</a:t>
             </a:r>
             <a:r>
-              <a:rPr lang="en-IN" sz="1500" dirty="0">
-                <a:latin typeface="Times New Roman" panose="02020603050405020304" pitchFamily="18" charset="0"/>
+              <a:rPr lang="en-IN" sz="1200" dirty="0">
+                <a:latin typeface="Cambria" panose="02040503050406030204" charset="0"/>
                 <a:ea typeface="Times New Roman" panose="02020603050405020304" pitchFamily="18" charset="0"/>
+                <a:cs typeface="Cambria" panose="02040503050406030204" charset="0"/>
               </a:rPr>
               <a:t>,</a:t>
             </a:r>
             <a:r>
-              <a:rPr lang="en-IN" sz="1500" dirty="0">
+              <a:rPr lang="en-IN" sz="1200" dirty="0">
                 <a:solidFill>
                   <a:srgbClr val="222222"/>
                 </a:solidFill>
                 <a:effectLst/>
-                <a:latin typeface="Times New Roman" panose="02020603050405020304" pitchFamily="18" charset="0"/>
+                <a:latin typeface="Cambria" panose="02040503050406030204" charset="0"/>
                 <a:ea typeface="Times New Roman" panose="02020603050405020304" pitchFamily="18" charset="0"/>
+                <a:cs typeface="Cambria" panose="02040503050406030204" charset="0"/>
               </a:rPr>
               <a:t> Questions ,ground truth answers </a:t>
             </a:r>
-            <a:endParaRPr lang="en-IN" sz="1500" dirty="0">
+            <a:endParaRPr lang="en-IN" sz="1200" dirty="0">
               <a:effectLst/>
-              <a:latin typeface="Times New Roman" panose="02020603050405020304" pitchFamily="18" charset="0"/>
+              <a:latin typeface="Cambria" panose="02040503050406030204" charset="0"/>
               <a:ea typeface="Calibri" panose="020F0502020204030204" pitchFamily="34" charset="0"/>
+              <a:cs typeface="Cambria" panose="02040503050406030204" charset="0"/>
+            </a:endParaRPr>
+          </a:p>
+          <a:p>
+            <a:pPr marL="685800">
+              <a:lnSpc>
+                <a:spcPct val="97000"/>
+              </a:lnSpc>
+              <a:spcAft>
+                <a:spcPts val="800"/>
+              </a:spcAft>
+            </a:pPr>
+            <a:r>
+              <a:rPr lang="en-IN" sz="1200" dirty="0">
+                <a:solidFill>
+                  <a:srgbClr val="222222"/>
+                </a:solidFill>
+                <a:effectLst/>
+                <a:latin typeface="Cambria" panose="02040503050406030204" charset="0"/>
+                <a:ea typeface="Times New Roman" panose="02020603050405020304" pitchFamily="18" charset="0"/>
+                <a:cs typeface="Cambria" panose="02040503050406030204" charset="0"/>
+              </a:rPr>
+              <a:t>Training :  Faster RCNN for image features</a:t>
+            </a:r>
+            <a:r>
+              <a:rPr lang="en-IN" sz="1600" dirty="0">
+                <a:solidFill>
+                  <a:srgbClr val="222222"/>
+                </a:solidFill>
+                <a:effectLst/>
+                <a:latin typeface="Cambria" panose="02040503050406030204" charset="0"/>
+                <a:ea typeface="Times New Roman" panose="02020603050405020304" pitchFamily="18" charset="0"/>
+                <a:cs typeface="Cambria" panose="02040503050406030204" charset="0"/>
+              </a:rPr>
+              <a:t>.</a:t>
+            </a:r>
+            <a:endParaRPr lang="en-IN" sz="1600" dirty="0">
+              <a:solidFill>
+                <a:srgbClr val="222222"/>
+              </a:solidFill>
+              <a:effectLst/>
+              <a:latin typeface="Cambria" panose="02040503050406030204" charset="0"/>
+              <a:ea typeface="Times New Roman" panose="02020603050405020304" pitchFamily="18" charset="0"/>
+              <a:cs typeface="Cambria" panose="02040503050406030204" charset="0"/>
             </a:endParaRPr>
           </a:p>
           <a:p>
@@ -4631,28 +4736,63 @@
                 <a:spcPts val="800"/>
               </a:spcAft>
             </a:pPr>
-            <a:r>
-              <a:rPr lang="en-IN" sz="1500" dirty="0">
+            <a:endParaRPr lang="en-IN" sz="1600" dirty="0">
+              <a:solidFill>
+                <a:srgbClr val="222222"/>
+              </a:solidFill>
+              <a:latin typeface="Cambria" panose="02040503050406030204" charset="0"/>
+              <a:ea typeface="Calibri" panose="020F0502020204030204" pitchFamily="34" charset="0"/>
+              <a:cs typeface="Cambria" panose="02040503050406030204" charset="0"/>
+            </a:endParaRPr>
+          </a:p>
+          <a:p>
+            <a:pPr marL="0" lvl="0" indent="0">
+              <a:lnSpc>
+                <a:spcPct val="107000"/>
+              </a:lnSpc>
+              <a:buNone/>
+            </a:pPr>
+            <a:r>
+              <a:rPr lang="en-IN" sz="1600" dirty="0">
                 <a:solidFill>
                   <a:srgbClr val="222222"/>
                 </a:solidFill>
-                <a:effectLst/>
-                <a:latin typeface="Times New Roman" panose="02020603050405020304" pitchFamily="18" charset="0"/>
-                <a:ea typeface="Times New Roman" panose="02020603050405020304" pitchFamily="18" charset="0"/>
-              </a:rPr>
-              <a:t>Training :  Faster RCNN for image features</a:t>
-            </a:r>
-            <a:r>
-              <a:rPr lang="en-IN" sz="1800" dirty="0">
+                <a:latin typeface="Cambria" panose="02040503050406030204" charset="0"/>
+                <a:ea typeface="Calibri" panose="020F0502020204030204" pitchFamily="34" charset="0"/>
+                <a:cs typeface="Cambria" panose="02040503050406030204" charset="0"/>
+              </a:rPr>
+              <a:t>2. </a:t>
+            </a:r>
+            <a:r>
+              <a:rPr lang="en-IN" sz="1600" b="1" dirty="0">
                 <a:solidFill>
                   <a:srgbClr val="222222"/>
                 </a:solidFill>
                 <a:effectLst/>
-                <a:latin typeface="Times New Roman" panose="02020603050405020304" pitchFamily="18" charset="0"/>
+                <a:latin typeface="Cambria" panose="02040503050406030204" charset="0"/>
                 <a:ea typeface="Times New Roman" panose="02020603050405020304" pitchFamily="18" charset="0"/>
-              </a:rPr>
-              <a:t>.</a:t>
-            </a:r>
+                <a:cs typeface="Cambria" panose="02040503050406030204" charset="0"/>
+              </a:rPr>
+              <a:t>VCR </a:t>
+            </a:r>
+            <a:r>
+              <a:rPr lang="en-IN" sz="1600" dirty="0">
+                <a:solidFill>
+                  <a:srgbClr val="222222"/>
+                </a:solidFill>
+                <a:effectLst/>
+                <a:latin typeface="Cambria" panose="02040503050406030204" charset="0"/>
+                <a:ea typeface="Times New Roman" panose="02020603050405020304" pitchFamily="18" charset="0"/>
+                <a:cs typeface="Cambria" panose="02040503050406030204" charset="0"/>
+              </a:rPr>
+              <a:t>:</a:t>
+            </a:r>
+            <a:endParaRPr lang="en-IN" sz="1600" dirty="0">
+              <a:effectLst/>
+              <a:latin typeface="Cambria" panose="02040503050406030204" charset="0"/>
+              <a:ea typeface="Calibri" panose="020F0502020204030204" pitchFamily="34" charset="0"/>
+              <a:cs typeface="Cambria" panose="02040503050406030204" charset="0"/>
+            </a:endParaRPr>
           </a:p>
           <a:p>
             <a:pPr marL="685800">
@@ -4663,12 +4803,23 @@
                 <a:spcPts val="800"/>
               </a:spcAft>
             </a:pPr>
-            <a:endParaRPr lang="en-IN" sz="1800" dirty="0">
-              <a:solidFill>
-                <a:srgbClr val="222222"/>
-              </a:solidFill>
-              <a:latin typeface="Times New Roman" panose="02020603050405020304" pitchFamily="18" charset="0"/>
+            <a:r>
+              <a:rPr lang="en-IN" sz="1600" dirty="0">
+                <a:solidFill>
+                  <a:srgbClr val="222222"/>
+                </a:solidFill>
+                <a:effectLst/>
+                <a:latin typeface="Cambria" panose="02040503050406030204" charset="0"/>
+                <a:ea typeface="Times New Roman" panose="02020603050405020304" pitchFamily="18" charset="0"/>
+                <a:cs typeface="Cambria" panose="02040503050406030204" charset="0"/>
+              </a:rPr>
+              <a:t>Dataset : VCR</a:t>
+            </a:r>
+            <a:endParaRPr lang="en-IN" sz="1600" dirty="0">
+              <a:effectLst/>
+              <a:latin typeface="Cambria" panose="02040503050406030204" charset="0"/>
               <a:ea typeface="Calibri" panose="020F0502020204030204" pitchFamily="34" charset="0"/>
+              <a:cs typeface="Cambria" panose="02040503050406030204" charset="0"/>
             </a:endParaRPr>
           </a:p>
           <a:p>
@@ -4679,104 +4830,28 @@
               <a:buNone/>
             </a:pPr>
             <a:r>
-              <a:rPr lang="en-IN" sz="1800" dirty="0">
-                <a:solidFill>
-                  <a:srgbClr val="222222"/>
-                </a:solidFill>
-                <a:latin typeface="Times New Roman" panose="02020603050405020304" pitchFamily="18" charset="0"/>
-                <a:ea typeface="Calibri" panose="020F0502020204030204" pitchFamily="34" charset="0"/>
-              </a:rPr>
-              <a:t>2. </a:t>
-            </a:r>
-            <a:r>
-              <a:rPr lang="en-IN" sz="1800" b="1" dirty="0">
-                <a:solidFill>
-                  <a:srgbClr val="222222"/>
-                </a:solidFill>
-                <a:effectLst/>
-                <a:latin typeface="Times New Roman" panose="02020603050405020304" pitchFamily="18" charset="0"/>
+              <a:rPr lang="en-IN" sz="1600" dirty="0">
+                <a:effectLst/>
+                <a:latin typeface="Cambria" panose="02040503050406030204" charset="0"/>
                 <a:ea typeface="Times New Roman" panose="02020603050405020304" pitchFamily="18" charset="0"/>
-                <a:cs typeface="Times New Roman" panose="02020603050405020304" pitchFamily="18" charset="0"/>
-              </a:rPr>
-              <a:t>VCR </a:t>
-            </a:r>
-            <a:r>
-              <a:rPr lang="en-IN" sz="1800" dirty="0">
-                <a:solidFill>
-                  <a:srgbClr val="222222"/>
-                </a:solidFill>
-                <a:effectLst/>
-                <a:latin typeface="Times New Roman" panose="02020603050405020304" pitchFamily="18" charset="0"/>
+                <a:cs typeface="Cambria" panose="02040503050406030204" charset="0"/>
+              </a:rPr>
+              <a:t>         </a:t>
+            </a:r>
+            <a:r>
+              <a:rPr lang="en-IN" sz="1200" dirty="0">
+                <a:effectLst/>
+                <a:latin typeface="Cambria" panose="02040503050406030204" charset="0"/>
                 <a:ea typeface="Times New Roman" panose="02020603050405020304" pitchFamily="18" charset="0"/>
-                <a:cs typeface="Times New Roman" panose="02020603050405020304" pitchFamily="18" charset="0"/>
-              </a:rPr>
-              <a:t>:</a:t>
-            </a:r>
-            <a:endParaRPr lang="en-IN" sz="1800" dirty="0">
+                <a:cs typeface="Cambria" panose="02040503050406030204" charset="0"/>
+              </a:rPr>
+              <a:t>objects: a list of objects detected</a:t>
+            </a:r>
+            <a:endParaRPr lang="en-IN" sz="1200" dirty="0">
               <a:effectLst/>
-              <a:latin typeface="Times New Roman" panose="02020603050405020304" pitchFamily="18" charset="0"/>
+              <a:latin typeface="Cambria" panose="02040503050406030204" charset="0"/>
               <a:ea typeface="Calibri" panose="020F0502020204030204" pitchFamily="34" charset="0"/>
-              <a:cs typeface="Times New Roman" panose="02020603050405020304" pitchFamily="18" charset="0"/>
-            </a:endParaRPr>
-          </a:p>
-          <a:p>
-            <a:pPr marL="685800">
-              <a:lnSpc>
-                <a:spcPct val="107000"/>
-              </a:lnSpc>
-              <a:spcAft>
-                <a:spcPts val="800"/>
-              </a:spcAft>
-            </a:pPr>
-            <a:r>
-              <a:rPr lang="en-IN" sz="1800" dirty="0">
-                <a:solidFill>
-                  <a:srgbClr val="222222"/>
-                </a:solidFill>
-                <a:effectLst/>
-                <a:latin typeface="Times New Roman" panose="02020603050405020304" pitchFamily="18" charset="0"/>
-                <a:ea typeface="Times New Roman" panose="02020603050405020304" pitchFamily="18" charset="0"/>
-                <a:cs typeface="Times New Roman" panose="02020603050405020304" pitchFamily="18" charset="0"/>
-              </a:rPr>
-              <a:t>Dataset : VCR</a:t>
-            </a:r>
-            <a:endParaRPr lang="en-IN" sz="1800" dirty="0">
-              <a:effectLst/>
-              <a:latin typeface="Times New Roman" panose="02020603050405020304" pitchFamily="18" charset="0"/>
-              <a:ea typeface="Calibri" panose="020F0502020204030204" pitchFamily="34" charset="0"/>
-              <a:cs typeface="Times New Roman" panose="02020603050405020304" pitchFamily="18" charset="0"/>
-            </a:endParaRPr>
-          </a:p>
-          <a:p>
-            <a:pPr marL="0" lvl="0" indent="0">
-              <a:lnSpc>
-                <a:spcPct val="107000"/>
-              </a:lnSpc>
-              <a:buNone/>
-            </a:pPr>
-            <a:r>
-              <a:rPr lang="en-IN" sz="1800" dirty="0">
-                <a:effectLst/>
-                <a:latin typeface="Times New Roman" panose="02020603050405020304" pitchFamily="18" charset="0"/>
-                <a:ea typeface="Times New Roman" panose="02020603050405020304" pitchFamily="18" charset="0"/>
-                <a:cs typeface="Times New Roman" panose="02020603050405020304" pitchFamily="18" charset="0"/>
-              </a:rPr>
-              <a:t>           </a:t>
-            </a:r>
-            <a:r>
-              <a:rPr lang="en-IN" sz="1500" dirty="0">
-                <a:effectLst/>
-                <a:latin typeface="Times New Roman" panose="02020603050405020304" pitchFamily="18" charset="0"/>
-                <a:ea typeface="Times New Roman" panose="02020603050405020304" pitchFamily="18" charset="0"/>
-                <a:cs typeface="Times New Roman" panose="02020603050405020304" pitchFamily="18" charset="0"/>
-              </a:rPr>
-              <a:t>objects: a list of objects detected</a:t>
-            </a:r>
-            <a:endParaRPr lang="en-IN" sz="1500" dirty="0">
-              <a:effectLst/>
-              <a:latin typeface="Times New Roman" panose="02020603050405020304" pitchFamily="18" charset="0"/>
-              <a:ea typeface="Calibri" panose="020F0502020204030204" pitchFamily="34" charset="0"/>
-              <a:cs typeface="Times New Roman" panose="02020603050405020304" pitchFamily="18" charset="0"/>
+              <a:cs typeface="Cambria" panose="02040503050406030204" charset="0"/>
             </a:endParaRPr>
           </a:p>
           <a:p>
@@ -4790,32 +4865,38 @@
               <a:buNone/>
             </a:pPr>
             <a:r>
-              <a:rPr lang="en-IN" sz="1500" dirty="0">
-                <a:effectLst/>
-                <a:latin typeface="Times New Roman" panose="02020603050405020304" pitchFamily="18" charset="0"/>
+              <a:rPr lang="en-IN" sz="1200" dirty="0">
+                <a:effectLst/>
+                <a:latin typeface="Cambria" panose="02040503050406030204" charset="0"/>
                 <a:ea typeface="Times New Roman" panose="02020603050405020304" pitchFamily="18" charset="0"/>
-                <a:cs typeface="Times New Roman" panose="02020603050405020304" pitchFamily="18" charset="0"/>
+                <a:cs typeface="Cambria" panose="02040503050406030204" charset="0"/>
               </a:rPr>
               <a:t>            </a:t>
             </a:r>
             <a:r>
-              <a:rPr lang="en-IN" sz="1500" dirty="0" err="1">
-                <a:effectLst/>
-                <a:latin typeface="Times New Roman" panose="02020603050405020304" pitchFamily="18" charset="0"/>
+              <a:rPr lang="en-IN" sz="1200" dirty="0" err="1">
+                <a:effectLst/>
+                <a:latin typeface="Cambria" panose="02040503050406030204" charset="0"/>
                 <a:ea typeface="Times New Roman" panose="02020603050405020304" pitchFamily="18" charset="0"/>
-                <a:cs typeface="Times New Roman" panose="02020603050405020304" pitchFamily="18" charset="0"/>
+                <a:cs typeface="Cambria" panose="02040503050406030204" charset="0"/>
               </a:rPr>
               <a:t>img_fn</a:t>
             </a:r>
             <a:r>
-              <a:rPr lang="en-IN" sz="1500" dirty="0">
-                <a:effectLst/>
-                <a:latin typeface="Times New Roman" panose="02020603050405020304" pitchFamily="18" charset="0"/>
+              <a:rPr lang="en-IN" sz="1200" dirty="0">
+                <a:effectLst/>
+                <a:latin typeface="Cambria" panose="02040503050406030204" charset="0"/>
                 <a:ea typeface="Times New Roman" panose="02020603050405020304" pitchFamily="18" charset="0"/>
-                <a:cs typeface="Times New Roman" panose="02020603050405020304" pitchFamily="18" charset="0"/>
+                <a:cs typeface="Cambria" panose="02040503050406030204" charset="0"/>
               </a:rPr>
               <a:t>: the filename of the image</a:t>
             </a:r>
+            <a:endParaRPr lang="en-IN" sz="1200" dirty="0">
+              <a:effectLst/>
+              <a:latin typeface="Cambria" panose="02040503050406030204" charset="0"/>
+              <a:ea typeface="Times New Roman" panose="02020603050405020304" pitchFamily="18" charset="0"/>
+              <a:cs typeface="Cambria" panose="02040503050406030204" charset="0"/>
+            </a:endParaRPr>
           </a:p>
           <a:p>
             <a:pPr marL="0" lvl="0" indent="0">
@@ -4828,22 +4909,28 @@
               <a:buNone/>
             </a:pPr>
             <a:r>
-              <a:rPr lang="en-IN" sz="1500" dirty="0">
-                <a:latin typeface="Times New Roman" panose="02020603050405020304" pitchFamily="18" charset="0"/>
+              <a:rPr lang="en-IN" sz="1200" dirty="0">
+                <a:latin typeface="Cambria" panose="02040503050406030204" charset="0"/>
                 <a:ea typeface="Times New Roman" panose="02020603050405020304" pitchFamily="18" charset="0"/>
-                <a:cs typeface="Times New Roman" panose="02020603050405020304" pitchFamily="18" charset="0"/>
+                <a:cs typeface="Cambria" panose="02040503050406030204" charset="0"/>
               </a:rPr>
               <a:t>            </a:t>
             </a:r>
             <a:r>
-              <a:rPr lang="en-IN" sz="1500" dirty="0">
-                <a:effectLst/>
-                <a:latin typeface="Times New Roman" panose="02020603050405020304" pitchFamily="18" charset="0"/>
+              <a:rPr lang="en-IN" sz="1200" dirty="0">
+                <a:effectLst/>
+                <a:latin typeface="Cambria" panose="02040503050406030204" charset="0"/>
                 <a:ea typeface="Times New Roman" panose="02020603050405020304" pitchFamily="18" charset="0"/>
-                <a:cs typeface="Times New Roman" panose="02020603050405020304" pitchFamily="18" charset="0"/>
+                <a:cs typeface="Cambria" panose="02040503050406030204" charset="0"/>
               </a:rPr>
               <a:t>question: Tokenized version of the question. </a:t>
             </a:r>
+            <a:endParaRPr lang="en-IN" sz="1200" dirty="0">
+              <a:effectLst/>
+              <a:latin typeface="Cambria" panose="02040503050406030204" charset="0"/>
+              <a:ea typeface="Times New Roman" panose="02020603050405020304" pitchFamily="18" charset="0"/>
+              <a:cs typeface="Cambria" panose="02040503050406030204" charset="0"/>
+            </a:endParaRPr>
           </a:p>
           <a:p>
             <a:pPr marL="0" lvl="0" indent="0">
@@ -4856,36 +4943,36 @@
               <a:buNone/>
             </a:pPr>
             <a:r>
-              <a:rPr lang="en-IN" sz="1500" dirty="0">
-                <a:effectLst/>
-                <a:latin typeface="Times New Roman" panose="02020603050405020304" pitchFamily="18" charset="0"/>
+              <a:rPr lang="en-IN" sz="1200" dirty="0">
+                <a:effectLst/>
+                <a:latin typeface="Cambria" panose="02040503050406030204" charset="0"/>
                 <a:ea typeface="Times New Roman" panose="02020603050405020304" pitchFamily="18" charset="0"/>
-                <a:cs typeface="Times New Roman" panose="02020603050405020304" pitchFamily="18" charset="0"/>
+                <a:cs typeface="Cambria" panose="02040503050406030204" charset="0"/>
               </a:rPr>
               <a:t>            </a:t>
             </a:r>
             <a:r>
-              <a:rPr lang="en-IN" sz="1500" dirty="0" err="1">
-                <a:effectLst/>
-                <a:latin typeface="Times New Roman" panose="02020603050405020304" pitchFamily="18" charset="0"/>
+              <a:rPr lang="en-IN" sz="1200" dirty="0" err="1">
+                <a:effectLst/>
+                <a:latin typeface="Cambria" panose="02040503050406030204" charset="0"/>
                 <a:ea typeface="Times New Roman" panose="02020603050405020304" pitchFamily="18" charset="0"/>
-                <a:cs typeface="Times New Roman" panose="02020603050405020304" pitchFamily="18" charset="0"/>
+                <a:cs typeface="Cambria" panose="02040503050406030204" charset="0"/>
               </a:rPr>
               <a:t>answer_choices</a:t>
             </a:r>
             <a:r>
-              <a:rPr lang="en-IN" sz="1500" dirty="0">
-                <a:effectLst/>
-                <a:latin typeface="Times New Roman" panose="02020603050405020304" pitchFamily="18" charset="0"/>
+              <a:rPr lang="en-IN" sz="1200" dirty="0">
+                <a:effectLst/>
+                <a:latin typeface="Cambria" panose="02040503050406030204" charset="0"/>
                 <a:ea typeface="Times New Roman" panose="02020603050405020304" pitchFamily="18" charset="0"/>
-                <a:cs typeface="Times New Roman" panose="02020603050405020304" pitchFamily="18" charset="0"/>
+                <a:cs typeface="Cambria" panose="02040503050406030204" charset="0"/>
               </a:rPr>
               <a:t>: A list of four answer choices, with the same format as question.</a:t>
             </a:r>
-            <a:endParaRPr lang="en-IN" sz="1500" dirty="0">
-              <a:latin typeface="Times New Roman" panose="02020603050405020304" pitchFamily="18" charset="0"/>
+            <a:endParaRPr lang="en-IN" sz="1200" dirty="0">
+              <a:latin typeface="Cambria" panose="02040503050406030204" charset="0"/>
               <a:ea typeface="Times New Roman" panose="02020603050405020304" pitchFamily="18" charset="0"/>
-              <a:cs typeface="Times New Roman" panose="02020603050405020304" pitchFamily="18" charset="0"/>
+              <a:cs typeface="Cambria" panose="02040503050406030204" charset="0"/>
             </a:endParaRPr>
           </a:p>
           <a:p>
@@ -4899,50 +4986,56 @@
               <a:buNone/>
             </a:pPr>
             <a:r>
-              <a:rPr lang="en-IN" sz="1500" dirty="0">
-                <a:effectLst/>
-                <a:latin typeface="Times New Roman" panose="02020603050405020304" pitchFamily="18" charset="0"/>
+              <a:rPr lang="en-IN" sz="1200" dirty="0">
+                <a:effectLst/>
+                <a:latin typeface="Cambria" panose="02040503050406030204" charset="0"/>
                 <a:ea typeface="Times New Roman" panose="02020603050405020304" pitchFamily="18" charset="0"/>
-                <a:cs typeface="Times New Roman" panose="02020603050405020304" pitchFamily="18" charset="0"/>
+                <a:cs typeface="Cambria" panose="02040503050406030204" charset="0"/>
               </a:rPr>
               <a:t>            </a:t>
             </a:r>
             <a:r>
-              <a:rPr lang="en-IN" sz="1500" dirty="0" err="1">
-                <a:effectLst/>
-                <a:latin typeface="Times New Roman" panose="02020603050405020304" pitchFamily="18" charset="0"/>
+              <a:rPr lang="en-IN" sz="1200" dirty="0" err="1">
+                <a:effectLst/>
+                <a:latin typeface="Cambria" panose="02040503050406030204" charset="0"/>
                 <a:ea typeface="Times New Roman" panose="02020603050405020304" pitchFamily="18" charset="0"/>
-                <a:cs typeface="Times New Roman" panose="02020603050405020304" pitchFamily="18" charset="0"/>
+                <a:cs typeface="Cambria" panose="02040503050406030204" charset="0"/>
               </a:rPr>
               <a:t>answer_label</a:t>
             </a:r>
             <a:r>
-              <a:rPr lang="en-IN" sz="1500" dirty="0">
-                <a:effectLst/>
-                <a:latin typeface="Times New Roman" panose="02020603050405020304" pitchFamily="18" charset="0"/>
+              <a:rPr lang="en-IN" sz="1200" dirty="0">
+                <a:effectLst/>
+                <a:latin typeface="Cambria" panose="02040503050406030204" charset="0"/>
                 <a:ea typeface="Times New Roman" panose="02020603050405020304" pitchFamily="18" charset="0"/>
-                <a:cs typeface="Times New Roman" panose="02020603050405020304" pitchFamily="18" charset="0"/>
+                <a:cs typeface="Cambria" panose="02040503050406030204" charset="0"/>
               </a:rPr>
               <a:t>: Which answer (0 to 3) is right in </a:t>
             </a:r>
             <a:r>
-              <a:rPr lang="en-IN" sz="1500" dirty="0" err="1">
-                <a:effectLst/>
-                <a:latin typeface="Times New Roman" panose="02020603050405020304" pitchFamily="18" charset="0"/>
+              <a:rPr lang="en-IN" sz="1200" dirty="0" err="1">
+                <a:effectLst/>
+                <a:latin typeface="Cambria" panose="02040503050406030204" charset="0"/>
                 <a:ea typeface="Times New Roman" panose="02020603050405020304" pitchFamily="18" charset="0"/>
-                <a:cs typeface="Times New Roman" panose="02020603050405020304" pitchFamily="18" charset="0"/>
+                <a:cs typeface="Cambria" panose="02040503050406030204" charset="0"/>
               </a:rPr>
               <a:t>answer_choices</a:t>
             </a:r>
             <a:r>
-              <a:rPr lang="en-IN" sz="1500" dirty="0">
-                <a:effectLst/>
-                <a:latin typeface="Times New Roman" panose="02020603050405020304" pitchFamily="18" charset="0"/>
+              <a:rPr lang="en-IN" sz="1200" dirty="0">
+                <a:effectLst/>
+                <a:latin typeface="Cambria" panose="02040503050406030204" charset="0"/>
                 <a:ea typeface="Times New Roman" panose="02020603050405020304" pitchFamily="18" charset="0"/>
-                <a:cs typeface="Times New Roman" panose="02020603050405020304" pitchFamily="18" charset="0"/>
+                <a:cs typeface="Cambria" panose="02040503050406030204" charset="0"/>
               </a:rPr>
               <a:t>.</a:t>
             </a:r>
+            <a:endParaRPr lang="en-IN" sz="1200" dirty="0">
+              <a:effectLst/>
+              <a:latin typeface="Cambria" panose="02040503050406030204" charset="0"/>
+              <a:ea typeface="Times New Roman" panose="02020603050405020304" pitchFamily="18" charset="0"/>
+              <a:cs typeface="Cambria" panose="02040503050406030204" charset="0"/>
+            </a:endParaRPr>
           </a:p>
           <a:p>
             <a:pPr marL="0" lvl="0" indent="0">
@@ -4954,10 +5047,10 @@
               </a:spcAft>
               <a:buNone/>
             </a:pPr>
-            <a:endParaRPr lang="en-IN" sz="1500" dirty="0">
-              <a:latin typeface="Times New Roman" panose="02020603050405020304" pitchFamily="18" charset="0"/>
+            <a:endParaRPr lang="en-IN" sz="1200" dirty="0">
+              <a:latin typeface="Cambria" panose="02040503050406030204" charset="0"/>
               <a:ea typeface="Calibri" panose="020F0502020204030204" pitchFamily="34" charset="0"/>
-              <a:cs typeface="Times New Roman" panose="02020603050405020304" pitchFamily="18" charset="0"/>
+              <a:cs typeface="Cambria" panose="02040503050406030204" charset="0"/>
             </a:endParaRPr>
           </a:p>
           <a:p>
@@ -4972,26 +5065,16 @@
               <a:buChar char="q"/>
             </a:pPr>
             <a:r>
-              <a:rPr lang="en-IN" sz="1900" b="1" dirty="0">
+              <a:rPr lang="en-IN" sz="1600" b="1" dirty="0">
                 <a:solidFill>
                   <a:srgbClr val="222222"/>
                 </a:solidFill>
                 <a:effectLst/>
-                <a:latin typeface="Times New Roman" panose="02020603050405020304" pitchFamily="18" charset="0"/>
+                <a:latin typeface="Cambria" panose="02040503050406030204" charset="0"/>
                 <a:ea typeface="Times New Roman" panose="02020603050405020304" pitchFamily="18" charset="0"/>
+                <a:cs typeface="Cambria" panose="02040503050406030204" charset="0"/>
               </a:rPr>
               <a:t> Conclusion </a:t>
-            </a:r>
-            <a:r>
-              <a:rPr lang="en-IN" sz="1900" dirty="0">
-                <a:solidFill>
-                  <a:srgbClr val="222222"/>
-                </a:solidFill>
-                <a:effectLst/>
-                <a:latin typeface="Times New Roman" panose="02020603050405020304" pitchFamily="18" charset="0"/>
-                <a:ea typeface="Times New Roman" panose="02020603050405020304" pitchFamily="18" charset="0"/>
-              </a:rPr>
-              <a:t>:</a:t>
             </a:r>
             <a:r>
               <a:rPr lang="en-IN" sz="1600" dirty="0">
@@ -4999,26 +5082,29 @@
                   <a:srgbClr val="222222"/>
                 </a:solidFill>
                 <a:effectLst/>
-                <a:latin typeface="Times New Roman" panose="02020603050405020304" pitchFamily="18" charset="0"/>
+                <a:latin typeface="Cambria" panose="02040503050406030204" charset="0"/>
                 <a:ea typeface="Times New Roman" panose="02020603050405020304" pitchFamily="18" charset="0"/>
-              </a:rPr>
-              <a:t> </a:t>
-            </a:r>
-            <a:r>
-              <a:rPr lang="en-IN" sz="1600" dirty="0">
+                <a:cs typeface="Cambria" panose="02040503050406030204" charset="0"/>
+              </a:rPr>
+              <a:t>: </a:t>
+            </a:r>
+            <a:r>
+              <a:rPr lang="en-IN" sz="1400" dirty="0">
                 <a:solidFill>
                   <a:srgbClr val="000000"/>
                 </a:solidFill>
                 <a:effectLst/>
-                <a:latin typeface="Times New Roman" panose="02020603050405020304" pitchFamily="18" charset="0"/>
-                <a:ea typeface="Calibri" panose="020F0502020204030204" pitchFamily="34" charset="0"/>
+                <a:latin typeface="Cambria" panose="02040503050406030204" charset="0"/>
+                <a:ea typeface="Calibri" panose="020F0502020204030204" pitchFamily="34" charset="0"/>
+                <a:cs typeface="Cambria" panose="02040503050406030204" charset="0"/>
               </a:rPr>
               <a:t>Despite VisualBERT is simple, it achieves strong performance on these above evaluation tasks.</a:t>
             </a:r>
-            <a:endParaRPr lang="en-IN" sz="1600" dirty="0">
+            <a:endParaRPr lang="en-IN" sz="1400" dirty="0">
               <a:effectLst/>
-              <a:latin typeface="Times New Roman" panose="02020603050405020304" pitchFamily="18" charset="0"/>
+              <a:latin typeface="Cambria" panose="02040503050406030204" charset="0"/>
               <a:ea typeface="Calibri" panose="020F0502020204030204" pitchFamily="34" charset="0"/>
+              <a:cs typeface="Cambria" panose="02040503050406030204" charset="0"/>
             </a:endParaRPr>
           </a:p>
           <a:p>
@@ -5031,11 +5117,11 @@
               </a:spcAft>
               <a:buNone/>
             </a:pPr>
-            <a:endParaRPr lang="en-IN" sz="1500" dirty="0">
+            <a:endParaRPr lang="en-IN" sz="1200" dirty="0">
               <a:effectLst/>
-              <a:latin typeface="Times New Roman" panose="02020603050405020304" pitchFamily="18" charset="0"/>
+              <a:latin typeface="Cambria" panose="02040503050406030204" charset="0"/>
               <a:ea typeface="Calibri" panose="020F0502020204030204" pitchFamily="34" charset="0"/>
-              <a:cs typeface="Times New Roman" panose="02020603050405020304" pitchFamily="18" charset="0"/>
+              <a:cs typeface="Cambria" panose="02040503050406030204" charset="0"/>
             </a:endParaRPr>
           </a:p>
           <a:p>
@@ -5048,12 +5134,14 @@
               </a:spcAft>
               <a:buNone/>
             </a:pPr>
-            <a:endParaRPr lang="en-IN" sz="1800" dirty="0">
+            <a:endParaRPr lang="en-IN" sz="1200" dirty="0">
               <a:solidFill>
                 <a:srgbClr val="222222"/>
               </a:solidFill>
-              <a:latin typeface="Times New Roman" panose="02020603050405020304" pitchFamily="18" charset="0"/>
+              <a:effectLst/>
+              <a:latin typeface="Cambria" panose="02040503050406030204" charset="0"/>
               <a:ea typeface="Calibri" panose="020F0502020204030204" pitchFamily="34" charset="0"/>
+              <a:cs typeface="Cambria" panose="02040503050406030204" charset="0"/>
             </a:endParaRPr>
           </a:p>
         </p:txBody>
@@ -5067,10 +5155,10 @@
           <p:nvPr/>
         </p:nvPicPr>
         <p:blipFill>
-          <a:blip r:embed="rId2">
+          <a:blip r:embed="rId1">
             <a:extLst>
               <a:ext uri="{28A0092B-C50C-407E-A947-70E740481C1C}">
-                <a14:useLocalDpi xmlns="" xmlns:a14="http://schemas.microsoft.com/office/drawing/2010/main" val="0"/>
+                <a14:useLocalDpi xmlns:a14="http://schemas.microsoft.com/office/drawing/2010/main" val="0"/>
               </a:ext>
             </a:extLst>
           </a:blip>
@@ -5080,8 +5168,8 @@
         </p:blipFill>
         <p:spPr>
           <a:xfrm>
-            <a:off x="6315808" y="1004465"/>
-            <a:ext cx="5058965" cy="1764631"/>
+            <a:off x="6315710" y="1004570"/>
+            <a:ext cx="5059045" cy="1394460"/>
           </a:xfrm>
           <a:prstGeom prst="rect">
             <a:avLst/>
@@ -5097,10 +5185,10 @@
           <p:nvPr/>
         </p:nvPicPr>
         <p:blipFill>
-          <a:blip r:embed="rId3">
+          <a:blip r:embed="rId2">
             <a:extLst>
               <a:ext uri="{28A0092B-C50C-407E-A947-70E740481C1C}">
-                <a14:useLocalDpi xmlns="" xmlns:a14="http://schemas.microsoft.com/office/drawing/2010/main" val="0"/>
+                <a14:useLocalDpi xmlns:a14="http://schemas.microsoft.com/office/drawing/2010/main" val="0"/>
               </a:ext>
             </a:extLst>
           </a:blip>
@@ -5153,7 +5241,12 @@
             <p:ph type="title"/>
           </p:nvPr>
         </p:nvSpPr>
-        <p:spPr/>
+        <p:spPr>
+          <a:xfrm>
+            <a:off x="838200" y="1174115"/>
+            <a:ext cx="10515600" cy="1325563"/>
+          </a:xfrm>
+        </p:spPr>
         <p:txBody>
           <a:bodyPr>
             <a:normAutofit/>
@@ -5161,26 +5254,31 @@
           <a:lstStyle/>
           <a:p>
             <a:r>
-              <a:rPr lang="en-IN" altLang="en-US" sz="2400" b="1"/>
+              <a:rPr lang="en-IN" altLang="en-US" sz="2000" b="1">
+                <a:latin typeface="Cambria" panose="02040503050406030204" charset="0"/>
+                <a:cs typeface="Cambria" panose="02040503050406030204" charset="0"/>
+              </a:rPr>
               <a:t>Reference  paper 3: </a:t>
             </a:r>
             <a:r>
-              <a:rPr lang="en-IN" sz="2400" b="1" dirty="0">
-                <a:effectLst/>
-                <a:latin typeface="Times New Roman" panose="02020603050405020304" pitchFamily="18" charset="0"/>
-                <a:ea typeface="Calibri" panose="020F0502020204030204" pitchFamily="34" charset="0"/>
+              <a:rPr lang="en-IN" sz="2000" b="1" dirty="0">
+                <a:effectLst/>
+                <a:latin typeface="Cambria" panose="02040503050406030204" charset="0"/>
+                <a:ea typeface="Calibri" panose="020F0502020204030204" pitchFamily="34" charset="0"/>
+                <a:cs typeface="Cambria" panose="02040503050406030204" charset="0"/>
                 <a:sym typeface="+mn-ea"/>
               </a:rPr>
               <a:t> </a:t>
             </a:r>
             <a:r>
-              <a:rPr lang="en-IN" sz="2000" dirty="0">
-                <a:effectLst/>
-                <a:latin typeface="Times New Roman" panose="02020603050405020304" pitchFamily="18" charset="0"/>
-                <a:ea typeface="Calibri" panose="020F0502020204030204" pitchFamily="34" charset="0"/>
+              <a:rPr lang="en-IN" sz="1800" dirty="0">
+                <a:effectLst/>
+                <a:latin typeface="Cambria" panose="02040503050406030204" charset="0"/>
+                <a:ea typeface="Calibri" panose="020F0502020204030204" pitchFamily="34" charset="0"/>
+                <a:cs typeface="Cambria" panose="02040503050406030204" charset="0"/>
                 <a:sym typeface="+mn-ea"/>
               </a:rPr>
-              <a:t>Multimodal Meme Dataset (MultiOFF) for Identifying Offensive Content in    			Image and Text</a:t>
+              <a:t>Multimodal Meme Dataset (MultiOFF) for Identifying Offensive Content in    			            Image and Text</a:t>
             </a:r>
             <a:br>
               <a:rPr lang="en-IN" sz="2000" dirty="0">
@@ -5199,18 +5297,15 @@
               </a:rPr>
               <a:t>			</a:t>
             </a:r>
-            <a:r>
-              <a:rPr lang="en-IN" sz="2000" dirty="0">
-                <a:solidFill>
-                  <a:srgbClr val="0070C0"/>
-                </a:solidFill>
-                <a:effectLst/>
-                <a:latin typeface="Times New Roman" panose="02020603050405020304" pitchFamily="18" charset="0"/>
-                <a:ea typeface="Calibri" panose="020F0502020204030204" pitchFamily="34" charset="0"/>
-                <a:sym typeface="+mn-ea"/>
-              </a:rPr>
-              <a:t>https://www.aclweb.org/anthology/2020.trac-1.6.pdf</a:t>
-            </a:r>
+            <a:endParaRPr lang="en-IN" sz="2000" dirty="0">
+              <a:solidFill>
+                <a:srgbClr val="0070C0"/>
+              </a:solidFill>
+              <a:effectLst/>
+              <a:latin typeface="Times New Roman" panose="02020603050405020304" pitchFamily="18" charset="0"/>
+              <a:ea typeface="Calibri" panose="020F0502020204030204" pitchFamily="34" charset="0"/>
+              <a:sym typeface="+mn-ea"/>
+            </a:endParaRPr>
           </a:p>
         </p:txBody>
       </p:sp>
@@ -5232,7 +5327,7 @@
         </p:spPr>
         <p:txBody>
           <a:bodyPr>
-            <a:normAutofit fontScale="37500" lnSpcReduction="10000"/>
+            <a:noAutofit/>
           </a:bodyPr>
           <a:lstStyle/>
           <a:p>
@@ -5248,76 +5343,179 @@
                 <a:tab pos="3589020" algn="l"/>
               </a:tabLst>
             </a:pPr>
-            <a:endParaRPr lang="en-IN" dirty="0">
+            <a:endParaRPr lang="en-IN" sz="900" dirty="0">
+              <a:effectLst/>
+              <a:latin typeface="Cambria" panose="02040503050406030204" charset="0"/>
+              <a:ea typeface="Calibri" panose="020F0502020204030204" pitchFamily="34" charset="0"/>
+              <a:cs typeface="Cambria" panose="02040503050406030204" charset="0"/>
+            </a:endParaRPr>
+          </a:p>
+          <a:p>
+            <a:endParaRPr lang="en-US" sz="900">
+              <a:latin typeface="Cambria" panose="02040503050406030204" charset="0"/>
+              <a:cs typeface="Cambria" panose="02040503050406030204" charset="0"/>
+            </a:endParaRPr>
+          </a:p>
+          <a:p>
+            <a:r>
+              <a:rPr lang="en-US" sz="1600" b="1">
+                <a:latin typeface="Cambria" panose="02040503050406030204" charset="0"/>
+                <a:cs typeface="Cambria" panose="02040503050406030204" charset="0"/>
+              </a:rPr>
+              <a:t>Text Transformation: </a:t>
+            </a:r>
+            <a:r>
+              <a:rPr lang="en-IN" altLang="en-US" sz="1400">
+                <a:latin typeface="Cambria" panose="02040503050406030204" charset="0"/>
+                <a:cs typeface="Cambria" panose="02040503050406030204" charset="0"/>
+              </a:rPr>
+              <a:t>The text has been transformed into</a:t>
+            </a:r>
+            <a:r>
+              <a:rPr lang="en-US" altLang="en-IN" sz="1400">
+                <a:latin typeface="Cambria" panose="02040503050406030204" charset="0"/>
+                <a:cs typeface="Cambria" panose="02040503050406030204" charset="0"/>
+              </a:rPr>
+              <a:t> </a:t>
+            </a:r>
+            <a:r>
+              <a:rPr lang="en-IN" altLang="en-US" sz="1400">
+                <a:latin typeface="Cambria" panose="02040503050406030204" charset="0"/>
+                <a:cs typeface="Cambria" panose="02040503050406030204" charset="0"/>
+              </a:rPr>
+              <a:t>vector sequence using word embidding</a:t>
+            </a:r>
+            <a:r>
+              <a:rPr lang="en-IN" altLang="en-US" sz="1800">
+                <a:latin typeface="Cambria" panose="02040503050406030204" charset="0"/>
+                <a:cs typeface="Cambria" panose="02040503050406030204" charset="0"/>
+              </a:rPr>
+              <a:t>.</a:t>
+            </a:r>
+            <a:endParaRPr lang="en-IN" altLang="en-US" sz="1800">
+              <a:latin typeface="Cambria" panose="02040503050406030204" charset="0"/>
+              <a:cs typeface="Cambria" panose="02040503050406030204" charset="0"/>
+            </a:endParaRPr>
+          </a:p>
+          <a:p>
+            <a:r>
+              <a:rPr lang="en-US" sz="1600" b="1">
+                <a:latin typeface="Cambria" panose="02040503050406030204" charset="0"/>
+                <a:cs typeface="Cambria" panose="02040503050406030204" charset="0"/>
+                <a:sym typeface="+mn-ea"/>
+              </a:rPr>
+              <a:t>Baseline Model for Images: </a:t>
+            </a:r>
+            <a:r>
+              <a:rPr lang="en-US" sz="1400">
+                <a:latin typeface="Cambria" panose="02040503050406030204" charset="0"/>
+                <a:cs typeface="Cambria" panose="02040503050406030204" charset="0"/>
+                <a:sym typeface="+mn-ea"/>
+              </a:rPr>
+              <a:t>A CNN architecture developed by the Visual Geometry has been used to classify the targeted image data.</a:t>
+            </a:r>
+            <a:endParaRPr lang="en-US" sz="1400">
+              <a:latin typeface="Cambria" panose="02040503050406030204" charset="0"/>
+              <a:cs typeface="Cambria" panose="02040503050406030204" charset="0"/>
+            </a:endParaRPr>
+          </a:p>
+          <a:p>
+            <a:pPr marL="0" indent="0">
+              <a:buNone/>
+            </a:pPr>
+            <a:r>
+              <a:rPr lang="en-US" sz="1600">
+                <a:latin typeface="Cambria" panose="02040503050406030204" charset="0"/>
+                <a:cs typeface="Cambria" panose="02040503050406030204" charset="0"/>
+                <a:sym typeface="+mn-ea"/>
+              </a:rPr>
+              <a:t>      Images were loaded into an array and changed     into a fixed shape as per VGG16 specifications</a:t>
+            </a:r>
+            <a:endParaRPr lang="en-US" sz="1600">
+              <a:latin typeface="Cambria" panose="02040503050406030204" charset="0"/>
+              <a:cs typeface="Cambria" panose="02040503050406030204" charset="0"/>
+              <a:sym typeface="+mn-ea"/>
+            </a:endParaRPr>
+          </a:p>
+          <a:p>
+            <a:pPr marL="0" indent="0">
+              <a:buNone/>
+            </a:pPr>
+            <a:endParaRPr lang="en-US" sz="1600">
+              <a:latin typeface="Cambria" panose="02040503050406030204" charset="0"/>
+              <a:cs typeface="Cambria" panose="02040503050406030204" charset="0"/>
+              <a:sym typeface="+mn-ea"/>
+            </a:endParaRPr>
+          </a:p>
+          <a:p>
+            <a:pPr marL="0" indent="0">
+              <a:buNone/>
+            </a:pPr>
+            <a:r>
+              <a:rPr lang="en-IN" sz="1600" dirty="0">
+                <a:solidFill>
+                  <a:srgbClr val="0070C0"/>
+                </a:solidFill>
+                <a:effectLst/>
+                <a:latin typeface="Times New Roman" panose="02020603050405020304" pitchFamily="18" charset="0"/>
+                <a:ea typeface="Calibri" panose="020F0502020204030204" pitchFamily="34" charset="0"/>
+                <a:sym typeface="+mn-ea"/>
+              </a:rPr>
+              <a:t>https://www.aclweb.org/anthology/2020.trac-1.6.pdf</a:t>
+            </a:r>
+            <a:endParaRPr lang="en-IN" sz="1600" dirty="0">
+              <a:solidFill>
+                <a:srgbClr val="0070C0"/>
+              </a:solidFill>
               <a:effectLst/>
               <a:latin typeface="Times New Roman" panose="02020603050405020304" pitchFamily="18" charset="0"/>
               <a:ea typeface="Calibri" panose="020F0502020204030204" pitchFamily="34" charset="0"/>
-            </a:endParaRPr>
-          </a:p>
-          <a:p>
-            <a:endParaRPr lang="en-US"/>
-          </a:p>
-          <a:p>
-            <a:r>
-              <a:rPr lang="en-US" sz="5300" b="1"/>
-              <a:t>Text Transformation: </a:t>
-            </a:r>
-          </a:p>
-          <a:p>
-            <a:r>
-              <a:rPr lang="en-IN" altLang="en-US" sz="6000"/>
-              <a:t>The text has been transformed into vector sequence using word embidding</a:t>
-            </a:r>
-            <a:r>
-              <a:rPr lang="en-IN" altLang="en-US" sz="5300"/>
-              <a:t>.</a:t>
-            </a:r>
-          </a:p>
-          <a:p>
-            <a:r>
-              <a:rPr lang="en-US" sz="5300" b="1">
-                <a:sym typeface="+mn-ea"/>
-              </a:rPr>
-              <a:t>Baseline Model for Images:</a:t>
-            </a:r>
-          </a:p>
-          <a:p>
-            <a:r>
-              <a:rPr lang="en-US" sz="5300">
-                <a:sym typeface="+mn-ea"/>
-              </a:rPr>
-              <a:t>A CNN architecture developed by the Visual Geometry has been used to classify the targeted image data.</a:t>
-            </a:r>
-            <a:endParaRPr lang="en-US" sz="5300"/>
-          </a:p>
-          <a:p>
-            <a:r>
-              <a:rPr lang="en-US" sz="5300">
-                <a:sym typeface="+mn-ea"/>
-              </a:rPr>
-              <a:t>Images were loaded into an array and changed into a fixed shape as per VGG16 specifications</a:t>
-            </a:r>
-            <a:endParaRPr lang="en-US" sz="5300"/>
-          </a:p>
-          <a:p>
-            <a:endParaRPr lang="en-IN" altLang="en-US" sz="1800" b="1">
               <a:sym typeface="+mn-ea"/>
             </a:endParaRPr>
           </a:p>
           <a:p>
-            <a:endParaRPr lang="en-US" sz="1800"/>
-          </a:p>
-          <a:p>
             <a:pPr marL="0" indent="0">
               <a:buNone/>
             </a:pPr>
-            <a:r>
-              <a:rPr lang="en-US" sz="5600"/>
+            <a:endParaRPr lang="en-US" sz="1600">
+              <a:latin typeface="Cambria" panose="02040503050406030204" charset="0"/>
+              <a:cs typeface="Cambria" panose="02040503050406030204" charset="0"/>
+            </a:endParaRPr>
+          </a:p>
+          <a:p>
+            <a:endParaRPr lang="en-IN" altLang="en-US" sz="580" b="1">
+              <a:latin typeface="Cambria" panose="02040503050406030204" charset="0"/>
+              <a:cs typeface="Cambria" panose="02040503050406030204" charset="0"/>
+              <a:sym typeface="+mn-ea"/>
+            </a:endParaRPr>
+          </a:p>
+          <a:p>
+            <a:endParaRPr lang="en-US" sz="580">
+              <a:latin typeface="Cambria" panose="02040503050406030204" charset="0"/>
+              <a:cs typeface="Cambria" panose="02040503050406030204" charset="0"/>
+            </a:endParaRPr>
+          </a:p>
+          <a:p>
+            <a:pPr marL="0" indent="0">
+              <a:buNone/>
+            </a:pPr>
+            <a:r>
+              <a:rPr lang="en-US" sz="1800">
+                <a:latin typeface="Cambria" panose="02040503050406030204" charset="0"/>
+                <a:cs typeface="Cambria" panose="02040503050406030204" charset="0"/>
+              </a:rPr>
               <a:t>    </a:t>
             </a:r>
-          </a:p>
-          <a:p>
-            <a:endParaRPr lang="en-US" sz="5600"/>
+            <a:endParaRPr lang="en-US" sz="1800">
+              <a:latin typeface="Cambria" panose="02040503050406030204" charset="0"/>
+              <a:cs typeface="Cambria" panose="02040503050406030204" charset="0"/>
+            </a:endParaRPr>
+          </a:p>
+          <a:p>
+            <a:endParaRPr lang="en-US" sz="1800">
+              <a:latin typeface="Cambria" panose="02040503050406030204" charset="0"/>
+              <a:cs typeface="Cambria" panose="02040503050406030204" charset="0"/>
+            </a:endParaRPr>
           </a:p>
         </p:txBody>
       </p:sp>
@@ -5332,7 +5530,7 @@
           </p:nvPr>
         </p:nvPicPr>
         <p:blipFill>
-          <a:blip r:embed="rId2"/>
+          <a:blip r:embed="rId1"/>
           <a:stretch>
             <a:fillRect/>
           </a:stretch>
@@ -5389,17 +5587,23 @@
           </a:bodyPr>
           <a:lstStyle/>
           <a:p>
-            <a:r>
-              <a:rPr lang="en-US"/>
-              <a:t/>
-            </a:r>
             <a:br>
-              <a:rPr lang="en-US"/>
+              <a:rPr lang="en-US" sz="4000" b="1">
+                <a:latin typeface="Cambria" panose="02040503050406030204" charset="0"/>
+                <a:cs typeface="Cambria" panose="02040503050406030204" charset="0"/>
+              </a:rPr>
             </a:br>
             <a:r>
-              <a:rPr lang="en-US" sz="3200" b="1"/>
+              <a:rPr lang="en-US" sz="2800" b="1">
+                <a:latin typeface="Cambria" panose="02040503050406030204" charset="0"/>
+                <a:cs typeface="Cambria" panose="02040503050406030204" charset="0"/>
+              </a:rPr>
               <a:t>Multimodal Approach:</a:t>
             </a:r>
+            <a:endParaRPr lang="en-US" sz="2800" b="1">
+              <a:latin typeface="Cambria" panose="02040503050406030204" charset="0"/>
+              <a:cs typeface="Cambria" panose="02040503050406030204" charset="0"/>
+            </a:endParaRPr>
           </a:p>
         </p:txBody>
       </p:sp>
@@ -5415,46 +5619,127 @@
         </p:nvSpPr>
         <p:spPr>
           <a:xfrm>
-            <a:off x="838200" y="1825625"/>
-            <a:ext cx="4819650" cy="4351655"/>
+            <a:off x="838200" y="1603375"/>
+            <a:ext cx="4819650" cy="4406900"/>
           </a:xfrm>
         </p:spPr>
         <p:txBody>
           <a:bodyPr>
-            <a:normAutofit/>
+            <a:normAutofit fontScale="90000"/>
           </a:bodyPr>
           <a:lstStyle/>
           <a:p>
             <a:r>
-              <a:rPr lang="en-US" sz="1800"/>
+              <a:rPr lang="en-US" sz="1400">
+                <a:latin typeface="Cambria" panose="02040503050406030204" charset="0"/>
+                <a:cs typeface="Cambria" panose="02040503050406030204" charset="0"/>
+              </a:rPr>
               <a:t>”</a:t>
             </a:r>
             <a:r>
-              <a:rPr lang="en-US" sz="2000"/>
+              <a:rPr lang="en-US" sz="1600">
+                <a:latin typeface="Cambria" panose="02040503050406030204" charset="0"/>
+                <a:cs typeface="Cambria" panose="02040503050406030204" charset="0"/>
+              </a:rPr>
               <a:t>Early Fusion Approach”is used.</a:t>
             </a:r>
-          </a:p>
-          <a:p>
-            <a:r>
-              <a:rPr lang="en-IN" altLang="en-US" sz="2000"/>
+            <a:endParaRPr lang="en-US" sz="1600">
+              <a:latin typeface="Cambria" panose="02040503050406030204" charset="0"/>
+              <a:cs typeface="Cambria" panose="02040503050406030204" charset="0"/>
+            </a:endParaRPr>
+          </a:p>
+          <a:p>
+            <a:r>
+              <a:rPr lang="en-IN" altLang="en-US" sz="1600">
+                <a:latin typeface="Cambria" panose="02040503050406030204" charset="0"/>
+                <a:cs typeface="Cambria" panose="02040503050406030204" charset="0"/>
+              </a:rPr>
               <a:t>I</a:t>
             </a:r>
             <a:r>
-              <a:rPr lang="en-US" sz="2000"/>
+              <a:rPr lang="en-US" sz="1600">
+                <a:latin typeface="Cambria" panose="02040503050406030204" charset="0"/>
+                <a:cs typeface="Cambria" panose="02040503050406030204" charset="0"/>
+              </a:rPr>
               <a:t>n an embedding, words are represented by dense vectors where a vector represents the projection of the word into a continuous vector space.</a:t>
             </a:r>
-          </a:p>
-          <a:p>
-            <a:r>
-              <a:rPr lang="en-US" sz="2000"/>
+            <a:endParaRPr lang="en-US" sz="1600">
+              <a:latin typeface="Cambria" panose="02040503050406030204" charset="0"/>
+              <a:cs typeface="Cambria" panose="02040503050406030204" charset="0"/>
+            </a:endParaRPr>
+          </a:p>
+          <a:p>
+            <a:r>
+              <a:rPr lang="en-US" sz="1600">
+                <a:latin typeface="Cambria" panose="02040503050406030204" charset="0"/>
+                <a:cs typeface="Cambria" panose="02040503050406030204" charset="0"/>
+              </a:rPr>
               <a:t>A new vector has been formed by the concatenation of both modalities which represents a meme as a whole and hence can be used for classification.</a:t>
             </a:r>
-          </a:p>
-          <a:p>
-            <a:endParaRPr lang="en-US" sz="1800"/>
-          </a:p>
-          <a:p>
-            <a:endParaRPr lang="en-US" sz="1800"/>
+            <a:endParaRPr lang="en-US" sz="1600">
+              <a:latin typeface="Cambria" panose="02040503050406030204" charset="0"/>
+              <a:cs typeface="Cambria" panose="02040503050406030204" charset="0"/>
+            </a:endParaRPr>
+          </a:p>
+          <a:p>
+            <a:r>
+              <a:rPr lang="en-US" sz="1600">
+                <a:sym typeface="+mn-ea"/>
+              </a:rPr>
+              <a:t> On the one hand, pre-trained VGG16 on the ImageNet dataset has been used for images, while GloVe has been used to represent word embeddings.</a:t>
+            </a:r>
+            <a:endParaRPr lang="en-US" sz="1600"/>
+          </a:p>
+          <a:p>
+            <a:r>
+              <a:rPr lang="en-IN" altLang="en-US" sz="1600">
+                <a:sym typeface="+mn-ea"/>
+              </a:rPr>
+              <a:t>T</a:t>
+            </a:r>
+            <a:r>
+              <a:rPr lang="en-US" sz="1600">
+                <a:sym typeface="+mn-ea"/>
+              </a:rPr>
+              <a:t>he inclusion of more training data will help us to understand it. For automatic evaluation of a meme, we need text as the different modality. This text is often embedded on the meme.</a:t>
+            </a:r>
+            <a:endParaRPr lang="en-US" sz="1600"/>
+          </a:p>
+          <a:p>
+            <a:r>
+              <a:rPr lang="en-US" sz="1600">
+                <a:sym typeface="+mn-ea"/>
+              </a:rPr>
+              <a:t>Hence to capture the embedded text, we can use OCR techniques </a:t>
+            </a:r>
+            <a:r>
+              <a:rPr lang="en-IN" altLang="en-US" sz="1600">
+                <a:sym typeface="+mn-ea"/>
+              </a:rPr>
+              <a:t>instead of word embedding to improve the performance.</a:t>
+            </a:r>
+            <a:endParaRPr lang="en-US" sz="1600"/>
+          </a:p>
+          <a:p>
+            <a:pPr marL="0" indent="0">
+              <a:buNone/>
+            </a:pPr>
+            <a:endParaRPr lang="en-US" sz="1600">
+              <a:latin typeface="Cambria" panose="02040503050406030204" charset="0"/>
+              <a:cs typeface="Cambria" panose="02040503050406030204" charset="0"/>
+            </a:endParaRPr>
+          </a:p>
+          <a:p>
+            <a:endParaRPr lang="en-US" sz="1800">
+              <a:latin typeface="Cambria" panose="02040503050406030204" charset="0"/>
+              <a:cs typeface="Cambria" panose="02040503050406030204" charset="0"/>
+            </a:endParaRPr>
+          </a:p>
+          <a:p>
+            <a:endParaRPr lang="en-US" sz="1800">
+              <a:latin typeface="Cambria" panose="02040503050406030204" charset="0"/>
+              <a:cs typeface="Cambria" panose="02040503050406030204" charset="0"/>
+            </a:endParaRPr>
           </a:p>
         </p:txBody>
       </p:sp>
@@ -5482,6 +5767,7 @@
               <a:rPr lang="en-IN" altLang="en-US"/>
               <a:t>.</a:t>
             </a:r>
+            <a:endParaRPr lang="en-IN" altLang="en-US"/>
           </a:p>
         </p:txBody>
       </p:sp>
@@ -5494,7 +5780,7 @@
           <p:nvPr/>
         </p:nvPicPr>
         <p:blipFill>
-          <a:blip r:embed="rId2"/>
+          <a:blip r:embed="rId1"/>
           <a:stretch>
             <a:fillRect/>
           </a:stretch>
@@ -5544,20 +5830,42 @@
             <p:ph type="title"/>
           </p:nvPr>
         </p:nvSpPr>
-        <p:spPr>
-          <a:xfrm>
-            <a:off x="838200" y="218440"/>
-            <a:ext cx="10515600" cy="873125"/>
-          </a:xfrm>
-        </p:spPr>
+        <p:spPr/>
         <p:txBody>
           <a:bodyPr/>
           <a:lstStyle/>
           <a:p>
             <a:r>
-              <a:rPr lang="en-IN" altLang="en-US" sz="1800"/>
-              <a:t>continueed..</a:t>
-            </a:r>
+              <a:rPr lang="en-US" sz="2400">
+                <a:latin typeface="Cambria" panose="02040503050406030204" charset="0"/>
+                <a:cs typeface="Cambria" panose="02040503050406030204" charset="0"/>
+              </a:rPr>
+              <a:t>Hateful Memes Challenge 2020, SEP 22    </a:t>
+            </a:r>
+            <a:br>
+              <a:rPr lang="en-US" sz="2400">
+                <a:latin typeface="Cambria" panose="02040503050406030204" charset="0"/>
+                <a:cs typeface="Cambria" panose="02040503050406030204" charset="0"/>
+              </a:rPr>
+            </a:br>
+            <a:r>
+              <a:rPr lang="en-US" sz="2400">
+                <a:latin typeface="Cambria" panose="02040503050406030204" charset="0"/>
+                <a:cs typeface="Cambria" panose="02040503050406030204" charset="0"/>
+              </a:rPr>
+              <a:t>		</a:t>
+            </a:r>
+            <a:r>
+              <a:rPr lang="en-US" sz="1800">
+                <a:latin typeface="Cambria" panose="02040503050406030204" charset="0"/>
+                <a:cs typeface="Cambria" panose="02040503050406030204" charset="0"/>
+              </a:rPr>
+              <a:t>Yuval Nirkin   Assaf Rabinowitz   Yoni Solel</a:t>
+            </a:r>
+            <a:endParaRPr lang="en-US" sz="1800">
+              <a:latin typeface="Cambria" panose="02040503050406030204" charset="0"/>
+              <a:cs typeface="Cambria" panose="02040503050406030204" charset="0"/>
+            </a:endParaRPr>
           </a:p>
         </p:txBody>
       </p:sp>
@@ -5568,93 +5876,272 @@
             <a:spLocks noGrp="1"/>
           </p:cNvSpPr>
           <p:nvPr>
-            <p:ph sz="half" idx="1"/>
+            <p:ph idx="1"/>
           </p:nvPr>
+        </p:nvSpPr>
+        <p:spPr/>
+        <p:txBody>
+          <a:bodyPr>
+            <a:normAutofit lnSpcReduction="20000"/>
+          </a:bodyPr>
+          <a:lstStyle/>
+          <a:p>
+            <a:pPr marL="0" indent="0">
+              <a:buNone/>
+            </a:pPr>
+            <a:r>
+              <a:rPr lang="en-US" sz="2000">
+                <a:latin typeface="Cambria" panose="02040503050406030204" charset="0"/>
+                <a:cs typeface="Cambria" panose="02040503050406030204" charset="0"/>
+              </a:rPr>
+              <a:t>Data Processing </a:t>
+            </a:r>
+            <a:endParaRPr lang="en-US" sz="2000">
+              <a:latin typeface="Cambria" panose="02040503050406030204" charset="0"/>
+              <a:cs typeface="Cambria" panose="02040503050406030204" charset="0"/>
+            </a:endParaRPr>
+          </a:p>
+          <a:p>
+            <a:r>
+              <a:rPr lang="en-US" sz="1600">
+                <a:latin typeface="Cambria" panose="02040503050406030204" charset="0"/>
+                <a:cs typeface="Cambria" panose="02040503050406030204" charset="0"/>
+              </a:rPr>
+              <a:t>Text embedding :SBERT </a:t>
+            </a:r>
+            <a:br>
+              <a:rPr lang="en-US" sz="2000">
+                <a:latin typeface="Cambria" panose="02040503050406030204" charset="0"/>
+                <a:cs typeface="Cambria" panose="02040503050406030204" charset="0"/>
+              </a:rPr>
+            </a:br>
+            <a:r>
+              <a:rPr lang="en-US" sz="2000">
+                <a:latin typeface="Cambria" panose="02040503050406030204" charset="0"/>
+                <a:cs typeface="Cambria" panose="02040503050406030204" charset="0"/>
+              </a:rPr>
+              <a:t>	           </a:t>
+            </a:r>
+            <a:r>
+              <a:rPr lang="en-US" sz="1400">
+                <a:latin typeface="Cambria" panose="02040503050406030204" charset="0"/>
+                <a:cs typeface="Cambria" panose="02040503050406030204" charset="0"/>
+              </a:rPr>
+              <a:t>A modification of the pretrained BERT network that uses siamese and triplet network  			    			   structures to derive  semantically meaningful sentence embeddings.</a:t>
+            </a:r>
+            <a:endParaRPr lang="en-US" sz="1400">
+              <a:latin typeface="Cambria" panose="02040503050406030204" charset="0"/>
+              <a:cs typeface="Cambria" panose="02040503050406030204" charset="0"/>
+            </a:endParaRPr>
+          </a:p>
+          <a:p>
+            <a:r>
+              <a:rPr lang="en-US" sz="1600">
+                <a:latin typeface="Cambria" panose="02040503050406030204" charset="0"/>
+                <a:cs typeface="Cambria" panose="02040503050406030204" charset="0"/>
+              </a:rPr>
+              <a:t>Image Embedding: MobileNetV3 </a:t>
+            </a:r>
+            <a:endParaRPr lang="en-US" sz="1600">
+              <a:latin typeface="Cambria" panose="02040503050406030204" charset="0"/>
+              <a:cs typeface="Cambria" panose="02040503050406030204" charset="0"/>
+            </a:endParaRPr>
+          </a:p>
+          <a:p>
+            <a:r>
+              <a:rPr lang="en-US" sz="1600">
+                <a:latin typeface="Cambria" panose="02040503050406030204" charset="0"/>
+                <a:cs typeface="Cambria" panose="02040503050406030204" charset="0"/>
+              </a:rPr>
+              <a:t>Hypernetworks</a:t>
+            </a:r>
+            <a:endParaRPr lang="en-US" sz="1600">
+              <a:latin typeface="Cambria" panose="02040503050406030204" charset="0"/>
+              <a:cs typeface="Cambria" panose="02040503050406030204" charset="0"/>
+            </a:endParaRPr>
+          </a:p>
+          <a:p>
+            <a:pPr marL="0" indent="0">
+              <a:buNone/>
+            </a:pPr>
+            <a:endParaRPr lang="en-US" sz="2000">
+              <a:latin typeface="Cambria" panose="02040503050406030204" charset="0"/>
+              <a:cs typeface="Cambria" panose="02040503050406030204" charset="0"/>
+            </a:endParaRPr>
+          </a:p>
+          <a:p>
+            <a:pPr marL="0" indent="0">
+              <a:buNone/>
+            </a:pPr>
+            <a:r>
+              <a:rPr lang="en-US" sz="1600">
+                <a:latin typeface="Cambria" panose="02040503050406030204" charset="0"/>
+                <a:cs typeface="Cambria" panose="02040503050406030204" charset="0"/>
+              </a:rPr>
+              <a:t>Inital approach</a:t>
+            </a:r>
+            <a:endParaRPr lang="en-US" sz="1600">
+              <a:latin typeface="Cambria" panose="02040503050406030204" charset="0"/>
+              <a:cs typeface="Cambria" panose="02040503050406030204" charset="0"/>
+            </a:endParaRPr>
+          </a:p>
+          <a:p>
+            <a:r>
+              <a:rPr lang="en-US" sz="1600">
+                <a:latin typeface="Cambria" panose="02040503050406030204" charset="0"/>
+                <a:cs typeface="Cambria" panose="02040503050406030204" charset="0"/>
+              </a:rPr>
+              <a:t> Extracting text and image features like </a:t>
+            </a:r>
+            <a:br>
+              <a:rPr lang="en-US" sz="2000">
+                <a:latin typeface="Cambria" panose="02040503050406030204" charset="0"/>
+                <a:cs typeface="Cambria" panose="02040503050406030204" charset="0"/>
+              </a:rPr>
+            </a:br>
+            <a:r>
+              <a:rPr lang="en-US" sz="2000">
+                <a:latin typeface="Cambria" panose="02040503050406030204" charset="0"/>
+                <a:cs typeface="Cambria" panose="02040503050406030204" charset="0"/>
+              </a:rPr>
+              <a:t>                        </a:t>
+            </a:r>
+            <a:r>
+              <a:rPr lang="en-US" sz="1400">
+                <a:latin typeface="Cambria" panose="02040503050406030204" charset="0"/>
+                <a:cs typeface="Cambria" panose="02040503050406030204" charset="0"/>
+              </a:rPr>
+              <a:t>Mean Value for each RGB coordinates, Image caption,Caption profanity probabliy.</a:t>
+            </a:r>
+            <a:br>
+              <a:rPr lang="en-US" sz="1400">
+                <a:latin typeface="Cambria" panose="02040503050406030204" charset="0"/>
+                <a:cs typeface="Cambria" panose="02040503050406030204" charset="0"/>
+              </a:rPr>
+            </a:br>
+            <a:r>
+              <a:rPr lang="en-US" sz="1400">
+                <a:latin typeface="Cambria" panose="02040503050406030204" charset="0"/>
+                <a:cs typeface="Cambria" panose="02040503050406030204" charset="0"/>
+              </a:rPr>
+              <a:t>	                 Subparts of text , text profanity etc.</a:t>
+            </a:r>
+            <a:endParaRPr lang="en-US" sz="1400">
+              <a:latin typeface="Cambria" panose="02040503050406030204" charset="0"/>
+              <a:cs typeface="Cambria" panose="02040503050406030204" charset="0"/>
+            </a:endParaRPr>
+          </a:p>
+          <a:p>
+            <a:r>
+              <a:rPr lang="en-US" sz="2000">
+                <a:latin typeface="Cambria" panose="02040503050406030204" charset="0"/>
+                <a:cs typeface="Cambria" panose="02040503050406030204" charset="0"/>
+              </a:rPr>
+              <a:t>  </a:t>
+            </a:r>
+            <a:r>
+              <a:rPr lang="en-US" sz="1600">
+                <a:latin typeface="Cambria" panose="02040503050406030204" charset="0"/>
+                <a:cs typeface="Cambria" panose="02040503050406030204" charset="0"/>
+              </a:rPr>
+              <a:t>Two separate classifiers using the extracted features:</a:t>
+            </a:r>
+            <a:endParaRPr lang="en-US" sz="2000">
+              <a:latin typeface="Cambria" panose="02040503050406030204" charset="0"/>
+              <a:cs typeface="Cambria" panose="02040503050406030204" charset="0"/>
+            </a:endParaRPr>
+          </a:p>
+          <a:p>
+            <a:pPr marL="1371600" lvl="3" indent="0">
+              <a:buNone/>
+            </a:pPr>
+            <a:r>
+              <a:rPr lang="en-US" sz="1250">
+                <a:latin typeface="Cambria" panose="02040503050406030204" charset="0"/>
+                <a:cs typeface="Cambria" panose="02040503050406030204" charset="0"/>
+              </a:rPr>
+              <a:t>       </a:t>
+            </a:r>
+            <a:r>
+              <a:rPr lang="en-US" sz="1400">
+                <a:latin typeface="Cambria" panose="02040503050406030204" charset="0"/>
+                <a:cs typeface="Cambria" panose="02040503050406030204" charset="0"/>
+              </a:rPr>
+              <a:t>Linear Regression</a:t>
+            </a:r>
+            <a:br>
+              <a:rPr lang="en-US" sz="1400">
+                <a:latin typeface="Cambria" panose="02040503050406030204" charset="0"/>
+                <a:cs typeface="Cambria" panose="02040503050406030204" charset="0"/>
+              </a:rPr>
+            </a:br>
+            <a:r>
+              <a:rPr lang="en-US" sz="1400">
+                <a:latin typeface="Cambria" panose="02040503050406030204" charset="0"/>
+                <a:cs typeface="Cambria" panose="02040503050406030204" charset="0"/>
+              </a:rPr>
+              <a:t>     </a:t>
+            </a:r>
+            <a:r>
+              <a:rPr lang="en-US" sz="1400">
+                <a:latin typeface="Cambria" panose="02040503050406030204" charset="0"/>
+                <a:cs typeface="Cambria" panose="02040503050406030204" charset="0"/>
+              </a:rPr>
+              <a:t> SVM classifier</a:t>
+            </a:r>
+            <a:br>
+              <a:rPr lang="en-US" sz="1250">
+                <a:latin typeface="Cambria" panose="02040503050406030204" charset="0"/>
+                <a:cs typeface="Cambria" panose="02040503050406030204" charset="0"/>
+              </a:rPr>
+            </a:br>
+            <a:r>
+              <a:rPr lang="en-US" sz="1250">
+                <a:latin typeface="Cambria" panose="02040503050406030204" charset="0"/>
+                <a:cs typeface="Cambria" panose="02040503050406030204" charset="0"/>
+              </a:rPr>
+              <a:t>		</a:t>
+            </a:r>
+            <a:endParaRPr lang="en-US" sz="1250">
+              <a:latin typeface="Cambria" panose="02040503050406030204" charset="0"/>
+              <a:cs typeface="Cambria" panose="02040503050406030204" charset="0"/>
+            </a:endParaRPr>
+          </a:p>
+        </p:txBody>
+      </p:sp>
+      <p:sp>
+        <p:nvSpPr>
+          <p:cNvPr id="62" name="Text Box 61"/>
+          <p:cNvSpPr txBox="1"/>
+          <p:nvPr/>
         </p:nvSpPr>
         <p:spPr>
           <a:xfrm>
-            <a:off x="935355" y="990600"/>
-            <a:ext cx="10125075" cy="4351655"/>
+            <a:off x="9834880" y="6177280"/>
+            <a:ext cx="1781175" cy="368300"/>
           </a:xfrm>
+          <a:prstGeom prst="rect">
+            <a:avLst/>
+          </a:prstGeom>
+          <a:noFill/>
         </p:spPr>
         <p:txBody>
-          <a:bodyPr/>
+          <a:bodyPr wrap="square" rtlCol="0">
+            <a:spAutoFit/>
+          </a:bodyPr>
           <a:lstStyle/>
           <a:p>
             <a:r>
               <a:rPr lang="en-US">
-                <a:sym typeface="+mn-ea"/>
-              </a:rPr>
-              <a:t> </a:t>
-            </a:r>
-            <a:r>
-              <a:rPr lang="en-US" sz="2000">
-                <a:sym typeface="+mn-ea"/>
-              </a:rPr>
-              <a:t>On the one hand, pre-trained VGG16 on the ImageNet dataset has been used for images, while GloVe has been used to represent word embeddings.</a:t>
-            </a:r>
-            <a:endParaRPr lang="en-US" sz="2000"/>
-          </a:p>
-          <a:p>
-            <a:r>
-              <a:rPr lang="en-IN" altLang="en-US" sz="2000">
-                <a:sym typeface="+mn-ea"/>
-              </a:rPr>
-              <a:t>T</a:t>
-            </a:r>
-            <a:r>
-              <a:rPr lang="en-US" sz="2000">
-                <a:sym typeface="+mn-ea"/>
-              </a:rPr>
-              <a:t>he inclusion of more training data will help us to understand it. For automatic evaluation of a meme, we need text as the different modality. This text is often embedded on the meme.</a:t>
-            </a:r>
-            <a:endParaRPr lang="en-US" sz="2000"/>
-          </a:p>
-          <a:p>
-            <a:r>
-              <a:rPr lang="en-US" sz="2000">
-                <a:sym typeface="+mn-ea"/>
-              </a:rPr>
-              <a:t>Hence to capture the embedded text, we can use OCR techniques </a:t>
-            </a:r>
-            <a:r>
-              <a:rPr lang="en-IN" altLang="en-US" sz="2000">
-                <a:sym typeface="+mn-ea"/>
-              </a:rPr>
-              <a:t>instead of word embedding to improve the performance.</a:t>
-            </a:r>
-            <a:endParaRPr lang="en-US" sz="2000"/>
-          </a:p>
-          <a:p>
-            <a:endParaRPr lang="en-US" sz="2000"/>
-          </a:p>
-          <a:p>
-            <a:r>
-              <a:rPr lang="en-IN" altLang="en-US" sz="2000"/>
-              <a:t>Data set :  Meme generator dataset</a:t>
-            </a:r>
-          </a:p>
-        </p:txBody>
-      </p:sp>
-      <p:sp>
-        <p:nvSpPr>
-          <p:cNvPr id="4" name="Content Placeholder 3"/>
-          <p:cNvSpPr>
-            <a:spLocks noGrp="1"/>
-          </p:cNvSpPr>
-          <p:nvPr>
-            <p:ph sz="half" idx="2"/>
-          </p:nvPr>
-        </p:nvSpPr>
-        <p:spPr/>
-        <p:txBody>
-          <a:bodyPr/>
-          <a:lstStyle/>
-          <a:p>
-            <a:r>
-              <a:rPr lang="en-IN" altLang="en-US"/>
-              <a:t>.</a:t>
-            </a:r>
+                <a:latin typeface="Cambria" panose="02040503050406030204" charset="0"/>
+                <a:cs typeface="Cambria" panose="02040503050406030204" charset="0"/>
+              </a:rPr>
+              <a:t>Varun Bohara</a:t>
+            </a:r>
+            <a:endParaRPr lang="en-US">
+              <a:latin typeface="Cambria" panose="02040503050406030204" charset="0"/>
+              <a:cs typeface="Cambria" panose="02040503050406030204" charset="0"/>
+            </a:endParaRPr>
           </a:p>
         </p:txBody>
       </p:sp>
@@ -5693,44 +6180,27 @@
             <p:ph type="title"/>
           </p:nvPr>
         </p:nvSpPr>
-        <p:spPr/>
+        <p:spPr>
+          <a:xfrm>
+            <a:off x="782955" y="1447800"/>
+            <a:ext cx="2690495" cy="605155"/>
+          </a:xfrm>
+        </p:spPr>
         <p:txBody>
           <a:bodyPr/>
           <a:lstStyle/>
           <a:p>
             <a:r>
-              <a:rPr lang="en-US" sz="2400">
-                <a:latin typeface="Cambria" panose="02040503050406030204" charset="0"/>
-                <a:cs typeface="Cambria" panose="02040503050406030204" charset="0"/>
-              </a:rPr>
-              <a:t>Hateful Memes Challenge</a:t>
-            </a:r>
-            <a:br>
-              <a:rPr lang="en-US" sz="2400">
-                <a:latin typeface="Cambria" panose="02040503050406030204" charset="0"/>
-                <a:cs typeface="Cambria" panose="02040503050406030204" charset="0"/>
-              </a:rPr>
-            </a:br>
-            <a:r>
-              <a:rPr lang="en-US" sz="2400">
-                <a:latin typeface="Cambria" panose="02040503050406030204" charset="0"/>
-                <a:cs typeface="Cambria" panose="02040503050406030204" charset="0"/>
-              </a:rPr>
-              <a:t>2020, SEP 22    </a:t>
-            </a:r>
-            <a:br>
-              <a:rPr lang="en-US" sz="2400">
-                <a:latin typeface="Cambria" panose="02040503050406030204" charset="0"/>
-                <a:cs typeface="Cambria" panose="02040503050406030204" charset="0"/>
-              </a:rPr>
-            </a:br>
-            <a:r>
-              <a:rPr lang="en-US" sz="2400">
-                <a:latin typeface="Cambria" panose="02040503050406030204" charset="0"/>
-                <a:cs typeface="Cambria" panose="02040503050406030204" charset="0"/>
-              </a:rPr>
-              <a:t>Yuval Nirkin   Assaf Rabinowitz   Yoni Solel</a:t>
-            </a:r>
+              <a:rPr lang="en-US" sz="2000">
+                <a:latin typeface="Cambria" panose="02040503050406030204" charset="0"/>
+                <a:cs typeface="Cambria" panose="02040503050406030204" charset="0"/>
+              </a:rPr>
+              <a:t>Model Description</a:t>
+            </a:r>
+            <a:endParaRPr lang="en-US" sz="2000">
+              <a:latin typeface="Cambria" panose="02040503050406030204" charset="0"/>
+              <a:cs typeface="Cambria" panose="02040503050406030204" charset="0"/>
+            </a:endParaRPr>
           </a:p>
         </p:txBody>
       </p:sp>
@@ -5744,13 +6214,29 @@
             <p:ph idx="1"/>
           </p:nvPr>
         </p:nvSpPr>
-        <p:spPr/>
-        <p:txBody>
-          <a:bodyPr>
-            <a:normAutofit lnSpcReduction="10000"/>
-          </a:bodyPr>
+        <p:spPr>
+          <a:xfrm>
+            <a:off x="457200" y="3937000"/>
+            <a:ext cx="8229600" cy="2769235"/>
+          </a:xfrm>
+        </p:spPr>
+        <p:txBody>
+          <a:bodyPr/>
           <a:lstStyle/>
           <a:p>
+            <a:r>
+              <a:rPr lang="en-US" sz="1400">
+                <a:latin typeface="Cambria" panose="02040503050406030204" charset="0"/>
+                <a:cs typeface="Cambria" panose="02040503050406030204" charset="0"/>
+              </a:rPr>
+              <a:t>The model based onto the hypernetwork. </a:t>
+            </a:r>
+            <a:endParaRPr lang="en-US" sz="1400">
+              <a:latin typeface="Cambria" panose="02040503050406030204" charset="0"/>
+              <a:cs typeface="Cambria" panose="02040503050406030204" charset="0"/>
+            </a:endParaRPr>
+          </a:p>
+          <a:p>
             <a:pPr marL="0" indent="0">
               <a:buNone/>
             </a:pPr>
@@ -5759,104 +6245,122 @@
                 <a:latin typeface="Cambria" panose="02040503050406030204" charset="0"/>
                 <a:cs typeface="Cambria" panose="02040503050406030204" charset="0"/>
               </a:rPr>
-              <a:t>Data Processing </a:t>
-            </a:r>
-          </a:p>
-          <a:p>
-            <a:r>
-              <a:rPr lang="en-US" sz="2000">
-                <a:latin typeface="Cambria" panose="02040503050406030204" charset="0"/>
-                <a:cs typeface="Cambria" panose="02040503050406030204" charset="0"/>
-              </a:rPr>
-              <a:t>Text embedding :SBERT </a:t>
-            </a:r>
-            <a:br>
-              <a:rPr lang="en-US" sz="2000">
-                <a:latin typeface="Cambria" panose="02040503050406030204" charset="0"/>
-                <a:cs typeface="Cambria" panose="02040503050406030204" charset="0"/>
-              </a:rPr>
-            </a:br>
-            <a:r>
-              <a:rPr lang="en-US" sz="2000">
-                <a:latin typeface="Cambria" panose="02040503050406030204" charset="0"/>
-                <a:cs typeface="Cambria" panose="02040503050406030204" charset="0"/>
-              </a:rPr>
-              <a:t>	           </a:t>
+              <a:t>	</a:t>
             </a:r>
             <a:r>
               <a:rPr lang="en-US" sz="1400">
                 <a:latin typeface="Cambria" panose="02040503050406030204" charset="0"/>
                 <a:cs typeface="Cambria" panose="02040503050406030204" charset="0"/>
               </a:rPr>
-              <a:t>A modification of the pretrained BERT network that uses siamese and triplet network  			    structures to derive  semantically meaningful sentence embeddings.</a:t>
-            </a:r>
-          </a:p>
-          <a:p>
-            <a:r>
-              <a:rPr lang="en-US" sz="2000">
-                <a:latin typeface="Cambria" panose="02040503050406030204" charset="0"/>
-                <a:cs typeface="Cambria" panose="02040503050406030204" charset="0"/>
-              </a:rPr>
-              <a:t>Image Embedding: MobileNetV3 </a:t>
-            </a:r>
-          </a:p>
-          <a:p>
-            <a:r>
-              <a:rPr lang="en-US" sz="2000">
-                <a:latin typeface="Cambria" panose="02040503050406030204" charset="0"/>
-                <a:cs typeface="Cambria" panose="02040503050406030204" charset="0"/>
-              </a:rPr>
-              <a:t>Hypernetworks</a:t>
-            </a:r>
-          </a:p>
-          <a:p>
-            <a:pPr marL="0" indent="0">
-              <a:buNone/>
-            </a:pPr>
-            <a:endParaRPr lang="en-US" sz="2000">
-              <a:latin typeface="Cambria" panose="02040503050406030204" charset="0"/>
-              <a:cs typeface="Cambria" panose="02040503050406030204" charset="0"/>
-            </a:endParaRPr>
-          </a:p>
-          <a:p>
-            <a:pPr marL="0" indent="0">
-              <a:buNone/>
-            </a:pPr>
-            <a:r>
-              <a:rPr lang="en-US" sz="2000">
-                <a:latin typeface="Cambria" panose="02040503050406030204" charset="0"/>
-                <a:cs typeface="Cambria" panose="02040503050406030204" charset="0"/>
-              </a:rPr>
-              <a:t>Inital approach</a:t>
-            </a:r>
-          </a:p>
-          <a:p>
-            <a:r>
-              <a:rPr lang="en-US" sz="2000">
-                <a:latin typeface="Cambria" panose="02040503050406030204" charset="0"/>
-                <a:cs typeface="Cambria" panose="02040503050406030204" charset="0"/>
-              </a:rPr>
-              <a:t> Extracting text and image features like </a:t>
-            </a:r>
-            <a:br>
-              <a:rPr lang="en-US" sz="2000">
-                <a:latin typeface="Cambria" panose="02040503050406030204" charset="0"/>
-                <a:cs typeface="Cambria" panose="02040503050406030204" charset="0"/>
-              </a:rPr>
-            </a:br>
-            <a:r>
-              <a:rPr lang="en-US" sz="2000">
-                <a:latin typeface="Cambria" panose="02040503050406030204" charset="0"/>
-                <a:cs typeface="Cambria" panose="02040503050406030204" charset="0"/>
-              </a:rPr>
-              <a:t>		</a:t>
-            </a:r>
+              <a:t>The hypernetwork is a network that predicts the weights of another larger  network.</a:t>
+            </a:r>
+            <a:endParaRPr lang="en-US" sz="1400">
+              <a:latin typeface="Cambria" panose="02040503050406030204" charset="0"/>
+              <a:cs typeface="Cambria" panose="02040503050406030204" charset="0"/>
+            </a:endParaRPr>
+          </a:p>
+          <a:p>
             <a:r>
               <a:rPr lang="en-US" sz="1400">
                 <a:latin typeface="Cambria" panose="02040503050406030204" charset="0"/>
                 <a:cs typeface="Cambria" panose="02040503050406030204" charset="0"/>
               </a:rPr>
-              <a:t>Mean Value for each RGB coordinates, Image caption,Caption profanity probabliy.</a:t>
+              <a:t>The language model is based on SBert, it accepts the image's text and produces the text embedding </a:t>
+            </a:r>
+            <a:r>
+              <a:rPr lang="en-US" sz="1600" b="1">
+                <a:latin typeface="Cambria" panose="02040503050406030204" charset="0"/>
+                <a:cs typeface="Cambria" panose="02040503050406030204" charset="0"/>
+              </a:rPr>
+              <a:t>Et</a:t>
+            </a:r>
+            <a:r>
+              <a:rPr lang="en-US" sz="1400">
+                <a:latin typeface="Cambria" panose="02040503050406030204" charset="0"/>
+                <a:cs typeface="Cambria" panose="02040503050406030204" charset="0"/>
+              </a:rPr>
+              <a:t>. </a:t>
+            </a:r>
+            <a:endParaRPr lang="en-US" sz="1400">
+              <a:latin typeface="Cambria" panose="02040503050406030204" charset="0"/>
+              <a:cs typeface="Cambria" panose="02040503050406030204" charset="0"/>
+            </a:endParaRPr>
+          </a:p>
+          <a:p>
+            <a:r>
+              <a:rPr lang="en-US" sz="1400">
+                <a:latin typeface="Cambria" panose="02040503050406030204" charset="0"/>
+                <a:cs typeface="Cambria" panose="02040503050406030204" charset="0"/>
+              </a:rPr>
+              <a:t>The vision model accepts the image as input and produces the visual embedding </a:t>
+            </a:r>
+            <a:r>
+              <a:rPr lang="en-US" sz="1600" b="1">
+                <a:latin typeface="Cambria" panose="02040503050406030204" charset="0"/>
+                <a:cs typeface="Cambria" panose="02040503050406030204" charset="0"/>
+              </a:rPr>
+              <a:t>Ev(768)</a:t>
+            </a:r>
+            <a:endParaRPr lang="en-US" sz="1600" b="1">
+              <a:latin typeface="Cambria" panose="02040503050406030204" charset="0"/>
+              <a:cs typeface="Cambria" panose="02040503050406030204" charset="0"/>
+            </a:endParaRPr>
+          </a:p>
+          <a:p>
+            <a:r>
+              <a:rPr lang="en-US" sz="1600" b="1">
+                <a:latin typeface="Cambria" panose="02040503050406030204" charset="0"/>
+                <a:cs typeface="Cambria" panose="02040503050406030204" charset="0"/>
+              </a:rPr>
+              <a:t>Ev</a:t>
+            </a:r>
+            <a:r>
+              <a:rPr lang="en-US" sz="1400">
+                <a:latin typeface="Cambria" panose="02040503050406030204" charset="0"/>
+                <a:cs typeface="Cambria" panose="02040503050406030204" charset="0"/>
+              </a:rPr>
+              <a:t> is then fed to the weight mapping module, producing a set of weights </a:t>
+            </a:r>
+            <a:r>
+              <a:rPr lang="en-US" sz="1600" b="1">
+                <a:latin typeface="Cambria" panose="02040503050406030204" charset="0"/>
+                <a:cs typeface="Cambria" panose="02040503050406030204" charset="0"/>
+              </a:rPr>
+              <a:t>θ</a:t>
+            </a:r>
+            <a:r>
+              <a:rPr lang="en-US" sz="1400">
+                <a:latin typeface="Cambria" panose="02040503050406030204" charset="0"/>
+                <a:cs typeface="Cambria" panose="02040503050406030204" charset="0"/>
+              </a:rPr>
+              <a:t>.</a:t>
+            </a:r>
+            <a:endParaRPr lang="en-US" sz="1400">
+              <a:latin typeface="Cambria" panose="02040503050406030204" charset="0"/>
+              <a:cs typeface="Cambria" panose="02040503050406030204" charset="0"/>
+            </a:endParaRPr>
+          </a:p>
+          <a:p>
+            <a:r>
+              <a:rPr lang="en-US" sz="1400">
+                <a:latin typeface="Cambria" panose="02040503050406030204" charset="0"/>
+                <a:cs typeface="Cambria" panose="02040503050406030204" charset="0"/>
+              </a:rPr>
+              <a:t> The decoder is defined as a function </a:t>
+            </a:r>
+            <a:r>
+              <a:rPr lang="en-US" sz="1600" b="1">
+                <a:latin typeface="Cambria" panose="02040503050406030204" charset="0"/>
+                <a:cs typeface="Cambria" panose="02040503050406030204" charset="0"/>
+              </a:rPr>
+              <a:t>f(Et,θ)</a:t>
+            </a:r>
+            <a:r>
+              <a:rPr lang="en-US" sz="1400">
+                <a:latin typeface="Cambria" panose="02040503050406030204" charset="0"/>
+                <a:cs typeface="Cambria" panose="02040503050406030204" charset="0"/>
+              </a:rPr>
+              <a:t>,that outputs the final binary prediction, is the image </a:t>
             </a:r>
             <a:br>
               <a:rPr lang="en-US" sz="1400">
@@ -5869,72 +6373,48 @@
                 <a:latin typeface="Cambria" panose="02040503050406030204" charset="0"/>
                 <a:cs typeface="Cambria" panose="02040503050406030204" charset="0"/>
               </a:rPr>
-              <a:t>		Subparts of text , text profanity etc.</a:t>
-            </a:r>
-          </a:p>
-          <a:p>
-            <a:r>
-              <a:rPr lang="en-US" sz="2000">
-                <a:latin typeface="Cambria" panose="02040503050406030204" charset="0"/>
-                <a:cs typeface="Cambria" panose="02040503050406030204" charset="0"/>
-              </a:rPr>
-              <a:t>  Two separate classifiers using the extracted features:</a:t>
-            </a:r>
-          </a:p>
-          <a:p>
-            <a:pPr marL="1371600" lvl="3" indent="0">
-              <a:buNone/>
-            </a:pPr>
-            <a:r>
-              <a:rPr lang="en-US" sz="1250">
-                <a:latin typeface="Cambria" panose="02040503050406030204" charset="0"/>
-                <a:cs typeface="Cambria" panose="02040503050406030204" charset="0"/>
-              </a:rPr>
-              <a:t>	 </a:t>
-            </a:r>
-            <a:r>
-              <a:rPr lang="en-US" sz="1400">
-                <a:latin typeface="Cambria" panose="02040503050406030204" charset="0"/>
-                <a:cs typeface="Cambria" panose="02040503050406030204" charset="0"/>
-              </a:rPr>
-              <a:t>Linear Regression</a:t>
-            </a:r>
-            <a:br>
-              <a:rPr lang="en-US" sz="1400">
-                <a:latin typeface="Cambria" panose="02040503050406030204" charset="0"/>
-                <a:cs typeface="Cambria" panose="02040503050406030204" charset="0"/>
-              </a:rPr>
-            </a:br>
-            <a:r>
-              <a:rPr lang="en-US" sz="1400">
-                <a:latin typeface="Cambria" panose="02040503050406030204" charset="0"/>
-                <a:cs typeface="Cambria" panose="02040503050406030204" charset="0"/>
-              </a:rPr>
-              <a:t>	 SVM classifier</a:t>
-            </a:r>
-            <a:r>
-              <a:rPr lang="en-US" sz="1250">
-                <a:latin typeface="Cambria" panose="02040503050406030204" charset="0"/>
-                <a:cs typeface="Cambria" panose="02040503050406030204" charset="0"/>
-              </a:rPr>
-              <a:t/>
-            </a:r>
-            <a:br>
-              <a:rPr lang="en-US" sz="1250">
-                <a:latin typeface="Cambria" panose="02040503050406030204" charset="0"/>
-                <a:cs typeface="Cambria" panose="02040503050406030204" charset="0"/>
-              </a:rPr>
-            </a:br>
-            <a:r>
-              <a:rPr lang="en-US" sz="1250">
-                <a:latin typeface="Cambria" panose="02040503050406030204" charset="0"/>
-                <a:cs typeface="Cambria" panose="02040503050406030204" charset="0"/>
-              </a:rPr>
-              <a:t>		</a:t>
-            </a:r>
-          </a:p>
-        </p:txBody>
-      </p:sp>
+              <a:t>hateful or not hateful?</a:t>
+            </a:r>
+            <a:endParaRPr lang="en-US" sz="1400">
+              <a:latin typeface="Cambria" panose="02040503050406030204" charset="0"/>
+              <a:cs typeface="Cambria" panose="02040503050406030204" charset="0"/>
+            </a:endParaRPr>
+          </a:p>
+          <a:p>
+            <a:pPr marL="0" indent="0">
+              <a:buNone/>
+            </a:pPr>
+            <a:endParaRPr lang="en-US" sz="1400">
+              <a:latin typeface="Cambria" panose="02040503050406030204" charset="0"/>
+              <a:cs typeface="Cambria" panose="02040503050406030204" charset="0"/>
+            </a:endParaRPr>
+          </a:p>
+        </p:txBody>
+      </p:sp>
+      <p:pic>
+        <p:nvPicPr>
+          <p:cNvPr id="4" name="Picture 3"/>
+          <p:cNvPicPr>
+            <a:picLocks noChangeAspect="1"/>
+          </p:cNvPicPr>
+          <p:nvPr/>
+        </p:nvPicPr>
+        <p:blipFill>
+          <a:blip r:embed="rId1"/>
+          <a:stretch>
+            <a:fillRect/>
+          </a:stretch>
+        </p:blipFill>
+        <p:spPr>
+          <a:xfrm>
+            <a:off x="3528695" y="1338580"/>
+            <a:ext cx="5102860" cy="2677795"/>
+          </a:xfrm>
+          <a:prstGeom prst="rect">
+            <a:avLst/>
+          </a:prstGeom>
+        </p:spPr>
+      </p:pic>
       <p:sp>
         <p:nvSpPr>
           <p:cNvPr id="62" name="Text Box 61"/>
@@ -5943,7 +6423,7 @@
         </p:nvSpPr>
         <p:spPr>
           <a:xfrm>
-            <a:off x="7183120" y="6167120"/>
+            <a:off x="9572625" y="6148705"/>
             <a:ext cx="1781175" cy="368300"/>
           </a:xfrm>
           <a:prstGeom prst="rect">
@@ -5964,6 +6444,10 @@
               </a:rPr>
               <a:t>Varun Bohara</a:t>
             </a:r>
+            <a:endParaRPr lang="en-US">
+              <a:latin typeface="Cambria" panose="02040503050406030204" charset="0"/>
+              <a:cs typeface="Cambria" panose="02040503050406030204" charset="0"/>
+            </a:endParaRPr>
           </a:p>
         </p:txBody>
       </p:sp>
@@ -5994,31 +6478,6 @@
       </p:grpSpPr>
       <p:sp>
         <p:nvSpPr>
-          <p:cNvPr id="2" name="Title 1"/>
-          <p:cNvSpPr>
-            <a:spLocks noGrp="1"/>
-          </p:cNvSpPr>
-          <p:nvPr>
-            <p:ph type="title"/>
-          </p:nvPr>
-        </p:nvSpPr>
-        <p:spPr/>
-        <p:txBody>
-          <a:bodyPr/>
-          <a:lstStyle/>
-          <a:p>
-            <a:r>
-              <a:rPr lang="en-US">
-                <a:latin typeface="Cambria" panose="02040503050406030204" charset="0"/>
-                <a:cs typeface="Cambria" panose="02040503050406030204" charset="0"/>
-              </a:rPr>
-              <a:t>Model Description</a:t>
-            </a:r>
-          </a:p>
-        </p:txBody>
-      </p:sp>
-      <p:sp>
-        <p:nvSpPr>
           <p:cNvPr id="3" name="Content Placeholder 2"/>
           <p:cNvSpPr>
             <a:spLocks noGrp="1"/>
@@ -6029,256 +6488,8 @@
         </p:nvSpPr>
         <p:spPr>
           <a:xfrm>
-            <a:off x="457200" y="3937000"/>
-            <a:ext cx="8229600" cy="2769235"/>
-          </a:xfrm>
-        </p:spPr>
-        <p:txBody>
-          <a:bodyPr/>
-          <a:lstStyle/>
-          <a:p>
-            <a:r>
-              <a:rPr lang="en-US" sz="1400">
-                <a:latin typeface="Cambria" panose="02040503050406030204" charset="0"/>
-                <a:cs typeface="Cambria" panose="02040503050406030204" charset="0"/>
-              </a:rPr>
-              <a:t>The model based onto the hypernetwork. </a:t>
-            </a:r>
-          </a:p>
-          <a:p>
-            <a:pPr marL="0" indent="0">
-              <a:buNone/>
-            </a:pPr>
-            <a:r>
-              <a:rPr lang="en-US" sz="2000">
-                <a:latin typeface="Cambria" panose="02040503050406030204" charset="0"/>
-                <a:cs typeface="Cambria" panose="02040503050406030204" charset="0"/>
-              </a:rPr>
-              <a:t>		</a:t>
-            </a:r>
-            <a:r>
-              <a:rPr lang="en-US" sz="1200">
-                <a:latin typeface="Cambria" panose="02040503050406030204" charset="0"/>
-                <a:cs typeface="Cambria" panose="02040503050406030204" charset="0"/>
-              </a:rPr>
-              <a:t>The hypernetwork is a network that predicts the weights of another larger  network.</a:t>
-            </a:r>
-            <a:endParaRPr lang="en-US" sz="1400">
-              <a:latin typeface="Cambria" panose="02040503050406030204" charset="0"/>
-              <a:cs typeface="Cambria" panose="02040503050406030204" charset="0"/>
-            </a:endParaRPr>
-          </a:p>
-          <a:p>
-            <a:r>
-              <a:rPr lang="en-US" sz="1400">
-                <a:latin typeface="Cambria" panose="02040503050406030204" charset="0"/>
-                <a:cs typeface="Cambria" panose="02040503050406030204" charset="0"/>
-              </a:rPr>
-              <a:t>The language model is based on SBert, it accepts the image's text and produces the text embedding </a:t>
-            </a:r>
-            <a:r>
-              <a:rPr lang="en-US" sz="1600" b="1">
-                <a:latin typeface="Cambria" panose="02040503050406030204" charset="0"/>
-                <a:cs typeface="Cambria" panose="02040503050406030204" charset="0"/>
-              </a:rPr>
-              <a:t>Et</a:t>
-            </a:r>
-            <a:r>
-              <a:rPr lang="en-US" sz="1400">
-                <a:latin typeface="Cambria" panose="02040503050406030204" charset="0"/>
-                <a:cs typeface="Cambria" panose="02040503050406030204" charset="0"/>
-              </a:rPr>
-              <a:t>. </a:t>
-            </a:r>
-          </a:p>
-          <a:p>
-            <a:r>
-              <a:rPr lang="en-US" sz="1400">
-                <a:latin typeface="Cambria" panose="02040503050406030204" charset="0"/>
-                <a:cs typeface="Cambria" panose="02040503050406030204" charset="0"/>
-              </a:rPr>
-              <a:t>The vision model accepts the image as input and produces the visual embedding </a:t>
-            </a:r>
-            <a:r>
-              <a:rPr lang="en-US" sz="1600" b="1">
-                <a:latin typeface="Cambria" panose="02040503050406030204" charset="0"/>
-                <a:cs typeface="Cambria" panose="02040503050406030204" charset="0"/>
-              </a:rPr>
-              <a:t>Ev(768)</a:t>
-            </a:r>
-          </a:p>
-          <a:p>
-            <a:r>
-              <a:rPr lang="en-US" sz="1600" b="1">
-                <a:latin typeface="Cambria" panose="02040503050406030204" charset="0"/>
-                <a:cs typeface="Cambria" panose="02040503050406030204" charset="0"/>
-              </a:rPr>
-              <a:t>Ev</a:t>
-            </a:r>
-            <a:r>
-              <a:rPr lang="en-US" sz="1400">
-                <a:latin typeface="Cambria" panose="02040503050406030204" charset="0"/>
-                <a:cs typeface="Cambria" panose="02040503050406030204" charset="0"/>
-              </a:rPr>
-              <a:t> is then fed to the weight mapping module, producing a set of weights </a:t>
-            </a:r>
-            <a:r>
-              <a:rPr lang="en-US" sz="1600" b="1">
-                <a:latin typeface="Cambria" panose="02040503050406030204" charset="0"/>
-                <a:cs typeface="Cambria" panose="02040503050406030204" charset="0"/>
-              </a:rPr>
-              <a:t>θ</a:t>
-            </a:r>
-            <a:r>
-              <a:rPr lang="en-US" sz="1400">
-                <a:latin typeface="Cambria" panose="02040503050406030204" charset="0"/>
-                <a:cs typeface="Cambria" panose="02040503050406030204" charset="0"/>
-              </a:rPr>
-              <a:t>.</a:t>
-            </a:r>
-          </a:p>
-          <a:p>
-            <a:r>
-              <a:rPr lang="en-US" sz="1400">
-                <a:latin typeface="Cambria" panose="02040503050406030204" charset="0"/>
-                <a:cs typeface="Cambria" panose="02040503050406030204" charset="0"/>
-              </a:rPr>
-              <a:t> The decoder is defined as a function </a:t>
-            </a:r>
-            <a:r>
-              <a:rPr lang="en-US" sz="1600" b="1">
-                <a:latin typeface="Cambria" panose="02040503050406030204" charset="0"/>
-                <a:cs typeface="Cambria" panose="02040503050406030204" charset="0"/>
-              </a:rPr>
-              <a:t>f(Et,θ)</a:t>
-            </a:r>
-            <a:r>
-              <a:rPr lang="en-US" sz="1400">
-                <a:latin typeface="Cambria" panose="02040503050406030204" charset="0"/>
-                <a:cs typeface="Cambria" panose="02040503050406030204" charset="0"/>
-              </a:rPr>
-              <a:t>,that outputs the final binary prediction, is the image </a:t>
-            </a:r>
-            <a:br>
-              <a:rPr lang="en-US" sz="1400">
-                <a:latin typeface="Cambria" panose="02040503050406030204" charset="0"/>
-                <a:cs typeface="Cambria" panose="02040503050406030204" charset="0"/>
-              </a:rPr>
-            </a:br>
-            <a:r>
-              <a:rPr lang="en-US" sz="1400">
-                <a:latin typeface="Cambria" panose="02040503050406030204" charset="0"/>
-                <a:cs typeface="Cambria" panose="02040503050406030204" charset="0"/>
-              </a:rPr>
-              <a:t>hateful or not hateful?</a:t>
-            </a:r>
-          </a:p>
-          <a:p>
-            <a:pPr marL="0" indent="0">
-              <a:buNone/>
-            </a:pPr>
-            <a:endParaRPr lang="en-US" sz="1400">
-              <a:latin typeface="Cambria" panose="02040503050406030204" charset="0"/>
-              <a:cs typeface="Cambria" panose="02040503050406030204" charset="0"/>
-            </a:endParaRPr>
-          </a:p>
-        </p:txBody>
-      </p:sp>
-      <p:pic>
-        <p:nvPicPr>
-          <p:cNvPr id="4" name="Picture 3"/>
-          <p:cNvPicPr>
-            <a:picLocks noChangeAspect="1"/>
-          </p:cNvPicPr>
-          <p:nvPr/>
-        </p:nvPicPr>
-        <p:blipFill>
-          <a:blip r:embed="rId3"/>
-          <a:stretch>
-            <a:fillRect/>
-          </a:stretch>
-        </p:blipFill>
-        <p:spPr>
-          <a:xfrm>
-            <a:off x="2915285" y="1505585"/>
-            <a:ext cx="4242435" cy="2226310"/>
-          </a:xfrm>
-          <a:prstGeom prst="rect">
-            <a:avLst/>
-          </a:prstGeom>
-        </p:spPr>
-      </p:pic>
-      <p:sp>
-        <p:nvSpPr>
-          <p:cNvPr id="62" name="Text Box 61"/>
-          <p:cNvSpPr txBox="1"/>
-          <p:nvPr/>
-        </p:nvSpPr>
-        <p:spPr>
-          <a:xfrm>
-            <a:off x="7183120" y="6167120"/>
-            <a:ext cx="1781175" cy="368300"/>
-          </a:xfrm>
-          <a:prstGeom prst="rect">
-            <a:avLst/>
-          </a:prstGeom>
-          <a:noFill/>
-        </p:spPr>
-        <p:txBody>
-          <a:bodyPr wrap="square" rtlCol="0">
-            <a:spAutoFit/>
-          </a:bodyPr>
-          <a:lstStyle/>
-          <a:p>
-            <a:r>
-              <a:rPr lang="en-US">
-                <a:latin typeface="Cambria" panose="02040503050406030204" charset="0"/>
-                <a:cs typeface="Cambria" panose="02040503050406030204" charset="0"/>
-              </a:rPr>
-              <a:t>Varun Bohara</a:t>
-            </a:r>
-          </a:p>
-        </p:txBody>
-      </p:sp>
-    </p:spTree>
-  </p:cSld>
-  <p:clrMapOvr>
-    <a:masterClrMapping/>
-  </p:clrMapOvr>
-</p:sld>
-</file>
-
-<file path=ppt/slides/slide18.xml><?xml version="1.0" encoding="utf-8"?>
-<p:sld xmlns:a="http://schemas.openxmlformats.org/drawingml/2006/main" xmlns:r="http://schemas.openxmlformats.org/officeDocument/2006/relationships" xmlns:p="http://schemas.openxmlformats.org/presentationml/2006/main">
-  <p:cSld>
-    <p:spTree>
-      <p:nvGrpSpPr>
-        <p:cNvPr id="1" name=""/>
-        <p:cNvGrpSpPr/>
-        <p:nvPr/>
-      </p:nvGrpSpPr>
-      <p:grpSpPr>
-        <a:xfrm>
-          <a:off x="0" y="0"/>
-          <a:ext cx="0" cy="0"/>
-          <a:chOff x="0" y="0"/>
-          <a:chExt cx="0" cy="0"/>
-        </a:xfrm>
-      </p:grpSpPr>
-      <p:sp>
-        <p:nvSpPr>
-          <p:cNvPr id="3" name="Content Placeholder 2"/>
-          <p:cNvSpPr>
-            <a:spLocks noGrp="1"/>
-          </p:cNvSpPr>
-          <p:nvPr>
-            <p:ph idx="1"/>
-          </p:nvPr>
-        </p:nvSpPr>
-        <p:spPr>
-          <a:xfrm>
             <a:off x="457200" y="431800"/>
-            <a:ext cx="8229600" cy="5694680"/>
+            <a:ext cx="11413490" cy="5694680"/>
           </a:xfrm>
         </p:spPr>
         <p:txBody>
@@ -6290,6 +6501,24 @@
             <a:pPr marL="0" indent="0">
               <a:buNone/>
             </a:pPr>
+            <a:endParaRPr lang="en-US" sz="2000">
+              <a:latin typeface="Cambria" panose="02040503050406030204" charset="0"/>
+              <a:cs typeface="Cambria" panose="02040503050406030204" charset="0"/>
+            </a:endParaRPr>
+          </a:p>
+          <a:p>
+            <a:pPr marL="0" indent="0">
+              <a:buNone/>
+            </a:pPr>
+            <a:endParaRPr lang="en-US" sz="2000">
+              <a:latin typeface="Cambria" panose="02040503050406030204" charset="0"/>
+              <a:cs typeface="Cambria" panose="02040503050406030204" charset="0"/>
+            </a:endParaRPr>
+          </a:p>
+          <a:p>
+            <a:pPr marL="0" indent="0">
+              <a:buNone/>
+            </a:pPr>
             <a:r>
               <a:rPr lang="en-US" sz="2000">
                 <a:latin typeface="Cambria" panose="02040503050406030204" charset="0"/>
@@ -6310,6 +6539,10 @@
               </a:rPr>
               <a:t>The model is trained end-to-end with the vision model pretrained on ImageNet [11], and the weight mapping module .</a:t>
             </a:r>
+            <a:endParaRPr lang="en-US" sz="1600">
+              <a:latin typeface="Cambria" panose="02040503050406030204" charset="0"/>
+              <a:cs typeface="Cambria" panose="02040503050406030204" charset="0"/>
+            </a:endParaRPr>
           </a:p>
           <a:p>
             <a:r>
@@ -6319,6 +6552,10 @@
               </a:rPr>
               <a:t>The language model is pretrained on Wikipedia [12] and its weights remain frozen for the entire training process. </a:t>
             </a:r>
+            <a:endParaRPr lang="en-US" sz="1600">
+              <a:latin typeface="Cambria" panose="02040503050406030204" charset="0"/>
+              <a:cs typeface="Cambria" panose="02040503050406030204" charset="0"/>
+            </a:endParaRPr>
           </a:p>
           <a:p>
             <a:r>
@@ -6328,6 +6565,10 @@
               </a:rPr>
               <a:t>Adam optimizer (β1=0.5,β2=0.999) with learning rate 0.0001, which we decrease by half every five epochs, and a batch size of 4. </a:t>
             </a:r>
+            <a:endParaRPr lang="en-US" sz="1600">
+              <a:latin typeface="Cambria" panose="02040503050406030204" charset="0"/>
+              <a:cs typeface="Cambria" panose="02040503050406030204" charset="0"/>
+            </a:endParaRPr>
           </a:p>
           <a:p>
             <a:r>
@@ -6337,6 +6578,10 @@
               </a:rPr>
               <a:t>All images are resized and padded to a resolution of 800x800, and randomly horizontally flipped with probability 0.5.</a:t>
             </a:r>
+            <a:endParaRPr lang="en-US" sz="1600">
+              <a:latin typeface="Cambria" panose="02040503050406030204" charset="0"/>
+              <a:cs typeface="Cambria" panose="02040503050406030204" charset="0"/>
+            </a:endParaRPr>
           </a:p>
           <a:p>
             <a:pPr marL="0" indent="0">
@@ -6358,6 +6603,10 @@
               </a:rPr>
               <a:t>Results and future work </a:t>
             </a:r>
+            <a:endParaRPr lang="en-US" sz="2000">
+              <a:latin typeface="Cambria" panose="02040503050406030204" charset="0"/>
+              <a:cs typeface="Cambria" panose="02040503050406030204" charset="0"/>
+            </a:endParaRPr>
           </a:p>
           <a:p>
             <a:r>
@@ -6367,6 +6616,10 @@
               </a:rPr>
               <a:t>Using the complete model as described in the previous section the  AUC score acheived is 0.6707.</a:t>
             </a:r>
+            <a:endParaRPr lang="en-US" sz="1600">
+              <a:latin typeface="Cambria" panose="02040503050406030204" charset="0"/>
+              <a:cs typeface="Cambria" panose="02040503050406030204" charset="0"/>
+            </a:endParaRPr>
           </a:p>
           <a:p>
             <a:r>
@@ -6376,6 +6629,10 @@
               </a:rPr>
               <a:t> Attention mechanism can be utilized to allow the network to only focus on the important parts of the image .</a:t>
             </a:r>
+            <a:endParaRPr lang="en-US" sz="1600">
+              <a:latin typeface="Cambria" panose="02040503050406030204" charset="0"/>
+              <a:cs typeface="Cambria" panose="02040503050406030204" charset="0"/>
+            </a:endParaRPr>
           </a:p>
           <a:p>
             <a:r>
@@ -6385,6 +6642,10 @@
               </a:rPr>
               <a:t>Avoiding the processing of the text regions can help focus the network on the important parts of the images and increase the efficiency of the network</a:t>
             </a:r>
+            <a:endParaRPr lang="en-US" sz="1600">
+              <a:latin typeface="Cambria" panose="02040503050406030204" charset="0"/>
+              <a:cs typeface="Cambria" panose="02040503050406030204" charset="0"/>
+            </a:endParaRPr>
           </a:p>
           <a:p>
             <a:pPr marL="0" indent="0">
@@ -6414,6 +6675,20 @@
               </a:rPr>
               <a:t>https://arxiv.org/pdf/1609.09106.pdf</a:t>
             </a:r>
+            <a:endParaRPr lang="en-US" sz="1400">
+              <a:solidFill>
+                <a:schemeClr val="accent1"/>
+              </a:solidFill>
+              <a:effectLst>
+                <a:outerShdw blurRad="38100" dist="25400" dir="5400000" algn="ctr" rotWithShape="0">
+                  <a:srgbClr val="6E747A">
+                    <a:alpha val="43000"/>
+                  </a:srgbClr>
+                </a:outerShdw>
+              </a:effectLst>
+              <a:latin typeface="Cambria" panose="02040503050406030204" charset="0"/>
+              <a:cs typeface="Cambria" panose="02040503050406030204" charset="0"/>
+            </a:endParaRPr>
           </a:p>
           <a:p>
             <a:pPr marL="457200" lvl="1" indent="0" fontAlgn="base">
@@ -6520,7 +6795,7 @@
         </p:nvSpPr>
         <p:spPr>
           <a:xfrm>
-            <a:off x="7183120" y="6382385"/>
+            <a:off x="9894570" y="6126480"/>
             <a:ext cx="1781175" cy="368300"/>
           </a:xfrm>
           <a:prstGeom prst="rect">
@@ -6541,6 +6816,10 @@
               </a:rPr>
               <a:t>Varun Bohara</a:t>
             </a:r>
+            <a:endParaRPr lang="en-US">
+              <a:latin typeface="Cambria" panose="02040503050406030204" charset="0"/>
+              <a:cs typeface="Cambria" panose="02040503050406030204" charset="0"/>
+            </a:endParaRPr>
           </a:p>
         </p:txBody>
       </p:sp>
@@ -6592,14 +6871,23 @@
           <a:lstStyle/>
           <a:p>
             <a:r>
-              <a:rPr lang="en-US" sz="3600" b="1" dirty="0"/>
+              <a:rPr lang="en-US" sz="3600" b="1" dirty="0">
+                <a:latin typeface="Cambria" panose="02040503050406030204" charset="0"/>
+                <a:cs typeface="Cambria" panose="02040503050406030204" charset="0"/>
+              </a:rPr>
               <a:t>Just a joke? A Social impact of Internet </a:t>
             </a:r>
             <a:r>
-              <a:rPr lang="en-US" sz="3600" b="1" dirty="0" smtClean="0"/>
+              <a:rPr lang="en-US" sz="3600" b="1" dirty="0" smtClean="0">
+                <a:latin typeface="Cambria" panose="02040503050406030204" charset="0"/>
+                <a:cs typeface="Cambria" panose="02040503050406030204" charset="0"/>
+              </a:rPr>
               <a:t>memes</a:t>
             </a:r>
-            <a:endParaRPr lang="en-IN" sz="3600" b="1" dirty="0"/>
+            <a:endParaRPr lang="en-IN" sz="3600" b="1" dirty="0">
+              <a:latin typeface="Cambria" panose="02040503050406030204" charset="0"/>
+              <a:cs typeface="Cambria" panose="02040503050406030204" charset="0"/>
+            </a:endParaRPr>
           </a:p>
         </p:txBody>
       </p:sp>
@@ -6626,28 +6914,50 @@
           <a:lstStyle/>
           <a:p>
             <a:r>
-              <a:rPr lang="en-US" sz="1400" dirty="0"/>
+              <a:rPr lang="en-US" sz="1400" dirty="0">
+                <a:latin typeface="Cambria" panose="02040503050406030204" charset="0"/>
+                <a:cs typeface="Cambria" panose="02040503050406030204" charset="0"/>
+              </a:rPr>
               <a:t>Source: </a:t>
             </a:r>
             <a:r>
               <a:rPr lang="en-US" sz="1400" dirty="0">
-                <a:hlinkClick r:id="rId2"/>
+                <a:latin typeface="Cambria" panose="02040503050406030204" charset="0"/>
+                <a:cs typeface="Cambria" panose="02040503050406030204" charset="0"/>
+                <a:hlinkClick r:id="rId1"/>
               </a:rPr>
               <a:t>https://www.researchgate.net/publication/341738736_Just_a_Joke_The_Social_Impact_of_Internet_Memes</a:t>
             </a:r>
-            <a:endParaRPr lang="en-US" sz="1400" dirty="0"/>
-          </a:p>
-          <a:p>
-            <a:r>
-              <a:rPr lang="en-US" sz="1400" dirty="0"/>
+            <a:endParaRPr lang="en-US" sz="1400" dirty="0">
+              <a:latin typeface="Cambria" panose="02040503050406030204" charset="0"/>
+              <a:cs typeface="Cambria" panose="02040503050406030204" charset="0"/>
+            </a:endParaRPr>
+          </a:p>
+          <a:p>
+            <a:r>
+              <a:rPr lang="en-US" sz="1400" dirty="0">
+                <a:latin typeface="Cambria" panose="02040503050406030204" charset="0"/>
+                <a:cs typeface="Cambria" panose="02040503050406030204" charset="0"/>
+              </a:rPr>
               <a:t>Date of publish: April,2020</a:t>
             </a:r>
-          </a:p>
-          <a:p>
-            <a:r>
-              <a:rPr lang="en-US" sz="1400" dirty="0"/>
+            <a:endParaRPr lang="en-US" sz="1400" dirty="0">
+              <a:latin typeface="Cambria" panose="02040503050406030204" charset="0"/>
+              <a:cs typeface="Cambria" panose="02040503050406030204" charset="0"/>
+            </a:endParaRPr>
+          </a:p>
+          <a:p>
+            <a:r>
+              <a:rPr lang="en-US" sz="1400" dirty="0">
+                <a:latin typeface="Cambria" panose="02040503050406030204" charset="0"/>
+                <a:cs typeface="Cambria" panose="02040503050406030204" charset="0"/>
+              </a:rPr>
               <a:t>Highlights:</a:t>
             </a:r>
+            <a:endParaRPr lang="en-US" sz="1400" dirty="0">
+              <a:latin typeface="Cambria" panose="02040503050406030204" charset="0"/>
+              <a:cs typeface="Cambria" panose="02040503050406030204" charset="0"/>
+            </a:endParaRPr>
           </a:p>
           <a:p>
             <a:pPr>
@@ -6655,9 +6965,16 @@
               <a:buChar char="•"/>
             </a:pPr>
             <a:r>
-              <a:rPr lang="en-US" sz="1400" dirty="0"/>
+              <a:rPr lang="en-US" sz="1400" dirty="0">
+                <a:latin typeface="Cambria" panose="02040503050406030204" charset="0"/>
+                <a:cs typeface="Cambria" panose="02040503050406030204" charset="0"/>
+              </a:rPr>
               <a:t>The term 'meme' was coined by Richard Dawkins in 1976 to describe small  units of culture that spread from person to person by copying or imitation”.</a:t>
             </a:r>
+            <a:endParaRPr lang="en-US" sz="1400" dirty="0">
+              <a:latin typeface="Cambria" panose="02040503050406030204" charset="0"/>
+              <a:cs typeface="Cambria" panose="02040503050406030204" charset="0"/>
+            </a:endParaRPr>
           </a:p>
           <a:p>
             <a:pPr>
@@ -6665,9 +6982,16 @@
               <a:buChar char="•"/>
             </a:pPr>
             <a:r>
-              <a:rPr lang="en-US" sz="1400" dirty="0"/>
+              <a:rPr lang="en-US" sz="1400" dirty="0">
+                <a:latin typeface="Cambria" panose="02040503050406030204" charset="0"/>
+                <a:cs typeface="Cambria" panose="02040503050406030204" charset="0"/>
+              </a:rPr>
               <a:t>Whitney Phillips's This Is Why We Can't Have Nice Things is a book about the complexities of online communities, hate, and freedom of speech. Phillips discusses the act of Internet “trolling” – pranking, unsuspecting targets for personal entertainment.</a:t>
             </a:r>
+            <a:endParaRPr lang="en-US" sz="1400" dirty="0">
+              <a:latin typeface="Cambria" panose="02040503050406030204" charset="0"/>
+              <a:cs typeface="Cambria" panose="02040503050406030204" charset="0"/>
+            </a:endParaRPr>
           </a:p>
           <a:p>
             <a:pPr>
@@ -6675,9 +6999,16 @@
               <a:buChar char="•"/>
             </a:pPr>
             <a:r>
-              <a:rPr lang="en-US" sz="1400" dirty="0"/>
+              <a:rPr lang="en-US" sz="1400" dirty="0">
+                <a:latin typeface="Cambria" panose="02040503050406030204" charset="0"/>
+                <a:cs typeface="Cambria" panose="02040503050406030204" charset="0"/>
+              </a:rPr>
               <a:t> The Internet allows people to become both authors and consumers with extreme ease.</a:t>
             </a:r>
+            <a:endParaRPr lang="en-US" sz="1400" dirty="0">
+              <a:latin typeface="Cambria" panose="02040503050406030204" charset="0"/>
+              <a:cs typeface="Cambria" panose="02040503050406030204" charset="0"/>
+            </a:endParaRPr>
           </a:p>
           <a:p>
             <a:pPr>
@@ -6685,9 +7016,16 @@
               <a:buChar char="•"/>
             </a:pPr>
             <a:r>
-              <a:rPr lang="en-US" sz="1400" dirty="0"/>
+              <a:rPr lang="en-US" sz="1400" dirty="0">
+                <a:latin typeface="Cambria" panose="02040503050406030204" charset="0"/>
+                <a:cs typeface="Cambria" panose="02040503050406030204" charset="0"/>
+              </a:rPr>
               <a:t>The ability to publish anything, unfiltered, has generated an interesting tapestry of content. Any person with Internet access can post their thoughts online.</a:t>
             </a:r>
+            <a:endParaRPr lang="en-US" sz="1400" dirty="0">
+              <a:latin typeface="Cambria" panose="02040503050406030204" charset="0"/>
+              <a:cs typeface="Cambria" panose="02040503050406030204" charset="0"/>
+            </a:endParaRPr>
           </a:p>
           <a:p>
             <a:pPr>
@@ -6695,9 +7033,16 @@
               <a:buChar char="•"/>
             </a:pPr>
             <a:r>
-              <a:rPr lang="en-US" sz="1400" dirty="0"/>
+              <a:rPr lang="en-US" sz="1400" dirty="0">
+                <a:latin typeface="Cambria" panose="02040503050406030204" charset="0"/>
+                <a:cs typeface="Cambria" panose="02040503050406030204" charset="0"/>
+              </a:rPr>
               <a:t>“[Digital media] make it possible for the first time in history to produce, edit, process, store, copy, distribute, and retrieve knowledge [using a single] technical medium.”9 With these new advantages, the meme found a space to thrive: the Internet.</a:t>
             </a:r>
+            <a:endParaRPr lang="en-US" sz="1400" dirty="0">
+              <a:latin typeface="Cambria" panose="02040503050406030204" charset="0"/>
+              <a:cs typeface="Cambria" panose="02040503050406030204" charset="0"/>
+            </a:endParaRPr>
           </a:p>
           <a:p>
             <a:pPr>
@@ -6705,9 +7050,16 @@
               <a:buChar char="•"/>
             </a:pPr>
             <a:r>
-              <a:rPr lang="en-US" sz="1400" dirty="0"/>
+              <a:rPr lang="en-US" sz="1400" dirty="0">
+                <a:latin typeface="Cambria" panose="02040503050406030204" charset="0"/>
+                <a:cs typeface="Cambria" panose="02040503050406030204" charset="0"/>
+              </a:rPr>
               <a:t>Phillips notes, “trolls are widely regarded as the primary obstacle to a  kinder, gentler, and more equitable Internet”. As increasing numbers of people share content every day, the amount of imagery online is expanding. Users can customize memes to suit their own interests. This means that the same meme, once altered, can be shared across a range of web communities. With the Internet so socially divided ,thus quality is extremely important.</a:t>
             </a:r>
+            <a:endParaRPr lang="en-US" sz="1400" dirty="0">
+              <a:latin typeface="Cambria" panose="02040503050406030204" charset="0"/>
+              <a:cs typeface="Cambria" panose="02040503050406030204" charset="0"/>
+            </a:endParaRPr>
           </a:p>
           <a:p>
             <a:pPr>
@@ -6715,75 +7067,114 @@
               <a:buChar char="•"/>
             </a:pPr>
             <a:r>
-              <a:rPr lang="en-IN" sz="1400" dirty="0"/>
+              <a:rPr lang="en-IN" sz="1400" dirty="0">
+                <a:latin typeface="Cambria" panose="02040503050406030204" charset="0"/>
+                <a:cs typeface="Cambria" panose="02040503050406030204" charset="0"/>
+              </a:rPr>
               <a:t>Memes to Process Trauma.</a:t>
             </a:r>
-            <a:endParaRPr lang="en-US" sz="1400" dirty="0"/>
+            <a:endParaRPr lang="en-US" sz="1400" dirty="0">
+              <a:latin typeface="Cambria" panose="02040503050406030204" charset="0"/>
+              <a:cs typeface="Cambria" panose="02040503050406030204" charset="0"/>
+            </a:endParaRPr>
           </a:p>
           <a:p>
             <a:pPr>
               <a:buFont typeface="Arial" panose="020B0604020202020204" pitchFamily="34" charset="0"/>
               <a:buChar char="•"/>
             </a:pPr>
-            <a:endParaRPr lang="en-US" sz="1200" dirty="0"/>
+            <a:endParaRPr lang="en-US" sz="1200" dirty="0">
+              <a:latin typeface="Cambria" panose="02040503050406030204" charset="0"/>
+              <a:cs typeface="Cambria" panose="02040503050406030204" charset="0"/>
+            </a:endParaRPr>
           </a:p>
           <a:p>
             <a:pPr>
               <a:buFont typeface="Arial" panose="020B0604020202020204" pitchFamily="34" charset="0"/>
               <a:buChar char="•"/>
             </a:pPr>
-            <a:endParaRPr lang="en-US" sz="1200" dirty="0"/>
+            <a:endParaRPr lang="en-US" sz="1200" dirty="0">
+              <a:latin typeface="Cambria" panose="02040503050406030204" charset="0"/>
+              <a:cs typeface="Cambria" panose="02040503050406030204" charset="0"/>
+            </a:endParaRPr>
           </a:p>
           <a:p>
             <a:pPr>
               <a:buFont typeface="Arial" panose="020B0604020202020204" pitchFamily="34" charset="0"/>
               <a:buChar char="•"/>
             </a:pPr>
-            <a:endParaRPr lang="en-US" sz="1200" dirty="0"/>
+            <a:endParaRPr lang="en-US" sz="1200" dirty="0">
+              <a:latin typeface="Cambria" panose="02040503050406030204" charset="0"/>
+              <a:cs typeface="Cambria" panose="02040503050406030204" charset="0"/>
+            </a:endParaRPr>
           </a:p>
           <a:p>
             <a:pPr>
               <a:buFont typeface="Arial" panose="020B0604020202020204" pitchFamily="34" charset="0"/>
               <a:buChar char="•"/>
             </a:pPr>
-            <a:endParaRPr lang="en-US" sz="1200" dirty="0"/>
+            <a:endParaRPr lang="en-US" sz="1200" dirty="0">
+              <a:latin typeface="Cambria" panose="02040503050406030204" charset="0"/>
+              <a:cs typeface="Cambria" panose="02040503050406030204" charset="0"/>
+            </a:endParaRPr>
           </a:p>
           <a:p>
             <a:pPr>
               <a:buFont typeface="Arial" panose="020B0604020202020204" pitchFamily="34" charset="0"/>
               <a:buChar char="•"/>
             </a:pPr>
-            <a:endParaRPr lang="en-US" sz="1200" dirty="0"/>
+            <a:endParaRPr lang="en-US" sz="1200" dirty="0">
+              <a:latin typeface="Cambria" panose="02040503050406030204" charset="0"/>
+              <a:cs typeface="Cambria" panose="02040503050406030204" charset="0"/>
+            </a:endParaRPr>
           </a:p>
           <a:p>
             <a:pPr>
               <a:buFont typeface="Arial" panose="020B0604020202020204" pitchFamily="34" charset="0"/>
               <a:buChar char="•"/>
             </a:pPr>
-            <a:endParaRPr lang="en-US" sz="1200" dirty="0"/>
+            <a:endParaRPr lang="en-US" sz="1200" dirty="0">
+              <a:latin typeface="Cambria" panose="02040503050406030204" charset="0"/>
+              <a:cs typeface="Cambria" panose="02040503050406030204" charset="0"/>
+            </a:endParaRPr>
           </a:p>
           <a:p>
             <a:pPr>
               <a:buFont typeface="Arial" panose="020B0604020202020204" pitchFamily="34" charset="0"/>
               <a:buChar char="•"/>
             </a:pPr>
-            <a:endParaRPr lang="en-US" sz="1200" dirty="0"/>
+            <a:endParaRPr lang="en-US" sz="1200" dirty="0">
+              <a:latin typeface="Cambria" panose="02040503050406030204" charset="0"/>
+              <a:cs typeface="Cambria" panose="02040503050406030204" charset="0"/>
+            </a:endParaRPr>
           </a:p>
           <a:p>
             <a:pPr>
               <a:buFont typeface="Arial" panose="020B0604020202020204" pitchFamily="34" charset="0"/>
               <a:buChar char="•"/>
             </a:pPr>
-            <a:endParaRPr lang="en-US" sz="1200" dirty="0"/>
-          </a:p>
-          <a:p>
-            <a:endParaRPr lang="en-US" sz="1200" dirty="0"/>
-          </a:p>
-          <a:p>
-            <a:endParaRPr lang="en-US" sz="1200" dirty="0"/>
-          </a:p>
-          <a:p>
-            <a:endParaRPr lang="en-IN" sz="1200" dirty="0"/>
+            <a:endParaRPr lang="en-US" sz="1200" dirty="0">
+              <a:latin typeface="Cambria" panose="02040503050406030204" charset="0"/>
+              <a:cs typeface="Cambria" panose="02040503050406030204" charset="0"/>
+            </a:endParaRPr>
+          </a:p>
+          <a:p>
+            <a:endParaRPr lang="en-US" sz="1200" dirty="0">
+              <a:latin typeface="Cambria" panose="02040503050406030204" charset="0"/>
+              <a:cs typeface="Cambria" panose="02040503050406030204" charset="0"/>
+            </a:endParaRPr>
+          </a:p>
+          <a:p>
+            <a:endParaRPr lang="en-US" sz="1200" dirty="0">
+              <a:latin typeface="Cambria" panose="02040503050406030204" charset="0"/>
+              <a:cs typeface="Cambria" panose="02040503050406030204" charset="0"/>
+            </a:endParaRPr>
+          </a:p>
+          <a:p>
+            <a:endParaRPr lang="en-IN" sz="1200" dirty="0">
+              <a:latin typeface="Cambria" panose="02040503050406030204" charset="0"/>
+              <a:cs typeface="Cambria" panose="02040503050406030204" charset="0"/>
+            </a:endParaRPr>
           </a:p>
         </p:txBody>
       </p:sp>
@@ -6822,37 +7213,54 @@
             <p:ph type="title"/>
           </p:nvPr>
         </p:nvSpPr>
-        <p:spPr>
-          <a:xfrm>
-            <a:off x="359898" y="196948"/>
-            <a:ext cx="10515600" cy="1325563"/>
-          </a:xfrm>
-        </p:spPr>
+        <p:spPr/>
         <p:txBody>
           <a:bodyPr>
             <a:normAutofit fontScale="90000"/>
           </a:bodyPr>
           <a:lstStyle/>
           <a:p>
-            <a:r>
-              <a:rPr lang="en-US" sz="3600" b="1" dirty="0"/>
-              <a:t>Hateful </a:t>
-            </a:r>
-            <a:r>
-              <a:rPr lang="en-US" sz="3600" b="1" dirty="0" smtClean="0"/>
-              <a:t>Memes: </a:t>
-            </a:r>
             <a:br>
-              <a:rPr lang="en-US" sz="3600" b="1" dirty="0" smtClean="0"/>
+              <a:rPr lang="en-US" sz="3600" b="1" dirty="0" smtClean="0">
+                <a:latin typeface="Cambria" panose="02040503050406030204" charset="0"/>
+                <a:cs typeface="Cambria" panose="02040503050406030204" charset="0"/>
+              </a:rPr>
             </a:br>
-            <a:r>
-              <a:rPr lang="en-US" sz="3600" b="1" dirty="0" smtClean="0"/>
-              <a:t/>
-            </a:r>
             <a:br>
-              <a:rPr lang="en-US" sz="3600" b="1" dirty="0" smtClean="0"/>
+              <a:rPr lang="en-US" sz="3600" b="1" dirty="0" smtClean="0">
+                <a:latin typeface="Cambria" panose="02040503050406030204" charset="0"/>
+                <a:cs typeface="Cambria" panose="02040503050406030204" charset="0"/>
+              </a:rPr>
             </a:br>
-            <a:endParaRPr lang="en-IN" sz="3600" b="1" dirty="0"/>
+            <a:r>
+              <a:rPr lang="en-US" sz="3600" b="1" dirty="0" smtClean="0">
+                <a:latin typeface="Cambria" panose="02040503050406030204" charset="0"/>
+                <a:cs typeface="Cambria" panose="02040503050406030204" charset="0"/>
+              </a:rPr>
+              <a:t>Problem Statement </a:t>
+            </a:r>
+            <a:br>
+              <a:rPr lang="en-US" sz="3600" b="1" dirty="0" smtClean="0">
+                <a:latin typeface="Cambria" panose="02040503050406030204" charset="0"/>
+                <a:cs typeface="Cambria" panose="02040503050406030204" charset="0"/>
+              </a:rPr>
+            </a:br>
+            <a:br>
+              <a:rPr lang="en-US" sz="3600" b="1" dirty="0" smtClean="0">
+                <a:latin typeface="Cambria" panose="02040503050406030204" charset="0"/>
+                <a:cs typeface="Cambria" panose="02040503050406030204" charset="0"/>
+              </a:rPr>
+            </a:br>
+            <a:br>
+              <a:rPr lang="en-US" sz="3600" b="1" dirty="0" smtClean="0">
+                <a:latin typeface="Cambria" panose="02040503050406030204" charset="0"/>
+                <a:cs typeface="Cambria" panose="02040503050406030204" charset="0"/>
+              </a:rPr>
+            </a:br>
+            <a:endParaRPr lang="en-IN" sz="3600" b="1" dirty="0">
+              <a:latin typeface="Cambria" panose="02040503050406030204" charset="0"/>
+              <a:cs typeface="Cambria" panose="02040503050406030204" charset="0"/>
+            </a:endParaRPr>
           </a:p>
         </p:txBody>
       </p:sp>
@@ -6863,7 +7271,7 @@
             <a:spLocks noGrp="1"/>
           </p:cNvSpPr>
           <p:nvPr>
-            <p:ph idx="1"/>
+            <p:ph sz="half" idx="1"/>
           </p:nvPr>
         </p:nvSpPr>
         <p:spPr/>
@@ -6871,23 +7279,42 @@
           <a:bodyPr/>
           <a:lstStyle/>
           <a:p>
-            <a:endParaRPr lang="en-US" dirty="0" smtClean="0"/>
+            <a:pPr marL="0" indent="0">
+              <a:buNone/>
+            </a:pPr>
+            <a:endParaRPr lang="en-US" dirty="0" smtClean="0">
+              <a:latin typeface="Cambria" panose="02040503050406030204" charset="0"/>
+              <a:cs typeface="Cambria" panose="02040503050406030204" charset="0"/>
+            </a:endParaRPr>
           </a:p>
           <a:p>
             <a:pPr>
               <a:buNone/>
             </a:pPr>
             <a:r>
-              <a:rPr lang="en-US" dirty="0" smtClean="0"/>
+              <a:rPr lang="en-US" dirty="0" smtClean="0">
+                <a:latin typeface="Cambria" panose="02040503050406030204" charset="0"/>
+                <a:cs typeface="Cambria" panose="02040503050406030204" charset="0"/>
+              </a:rPr>
               <a:t>     Non </a:t>
             </a:r>
             <a:r>
-              <a:rPr lang="en-US" dirty="0"/>
+              <a:rPr lang="en-US" dirty="0">
+                <a:latin typeface="Cambria" panose="02040503050406030204" charset="0"/>
+                <a:cs typeface="Cambria" panose="02040503050406030204" charset="0"/>
+              </a:rPr>
               <a:t>Hateful Memes</a:t>
             </a:r>
-          </a:p>
-          <a:p>
-            <a:endParaRPr lang="en-IN" dirty="0"/>
+            <a:endParaRPr lang="en-US" dirty="0">
+              <a:latin typeface="Cambria" panose="02040503050406030204" charset="0"/>
+              <a:cs typeface="Cambria" panose="02040503050406030204" charset="0"/>
+            </a:endParaRPr>
+          </a:p>
+          <a:p>
+            <a:endParaRPr lang="en-IN" dirty="0">
+              <a:latin typeface="Cambria" panose="02040503050406030204" charset="0"/>
+              <a:cs typeface="Cambria" panose="02040503050406030204" charset="0"/>
+            </a:endParaRPr>
           </a:p>
         </p:txBody>
       </p:sp>
@@ -6900,6 +7327,164 @@
           <p:nvPr/>
         </p:nvPicPr>
         <p:blipFill>
+          <a:blip r:embed="rId1"/>
+          <a:stretch>
+            <a:fillRect/>
+          </a:stretch>
+        </p:blipFill>
+        <p:spPr>
+          <a:xfrm>
+            <a:off x="1125220" y="3032125"/>
+            <a:ext cx="3728085" cy="3449320"/>
+          </a:xfrm>
+          <a:prstGeom prst="rect">
+            <a:avLst/>
+          </a:prstGeom>
+        </p:spPr>
+      </p:pic>
+      <p:sp>
+        <p:nvSpPr>
+          <p:cNvPr id="7" name="TextBox 6"/>
+          <p:cNvSpPr txBox="1"/>
+          <p:nvPr/>
+        </p:nvSpPr>
+        <p:spPr>
+          <a:xfrm>
+            <a:off x="7334200" y="2008211"/>
+            <a:ext cx="2743201" cy="829945"/>
+          </a:xfrm>
+          <a:prstGeom prst="rect">
+            <a:avLst/>
+          </a:prstGeom>
+          <a:noFill/>
+        </p:spPr>
+        <p:txBody>
+          <a:bodyPr wrap="square" rtlCol="0">
+            <a:spAutoFit/>
+          </a:bodyPr>
+          <a:lstStyle/>
+          <a:p>
+            <a:endParaRPr lang="en-US" sz="2000" dirty="0" smtClean="0">
+              <a:latin typeface="Cambria" panose="02040503050406030204" charset="0"/>
+              <a:cs typeface="Cambria" panose="02040503050406030204" charset="0"/>
+            </a:endParaRPr>
+          </a:p>
+          <a:p>
+            <a:r>
+              <a:rPr lang="en-US" sz="2800" dirty="0" smtClean="0">
+                <a:latin typeface="Cambria" panose="02040503050406030204" charset="0"/>
+                <a:cs typeface="Cambria" panose="02040503050406030204" charset="0"/>
+              </a:rPr>
+              <a:t>Hateful </a:t>
+            </a:r>
+            <a:r>
+              <a:rPr lang="en-US" sz="2800" dirty="0">
+                <a:latin typeface="Cambria" panose="02040503050406030204" charset="0"/>
+                <a:cs typeface="Cambria" panose="02040503050406030204" charset="0"/>
+              </a:rPr>
+              <a:t>Memes</a:t>
+            </a:r>
+            <a:endParaRPr lang="en-IN" sz="2800" dirty="0">
+              <a:latin typeface="Cambria" panose="02040503050406030204" charset="0"/>
+              <a:cs typeface="Cambria" panose="02040503050406030204" charset="0"/>
+            </a:endParaRPr>
+          </a:p>
+        </p:txBody>
+      </p:sp>
+      <p:sp>
+        <p:nvSpPr>
+          <p:cNvPr id="8" name="TextBox 7"/>
+          <p:cNvSpPr txBox="1"/>
+          <p:nvPr/>
+        </p:nvSpPr>
+        <p:spPr>
+          <a:xfrm>
+            <a:off x="5043121" y="3611149"/>
+            <a:ext cx="914400" cy="398780"/>
+          </a:xfrm>
+          <a:prstGeom prst="rect">
+            <a:avLst/>
+          </a:prstGeom>
+          <a:noFill/>
+        </p:spPr>
+        <p:txBody>
+          <a:bodyPr wrap="square" rtlCol="0">
+            <a:spAutoFit/>
+          </a:bodyPr>
+          <a:lstStyle/>
+          <a:p>
+            <a:r>
+              <a:rPr lang="en-US" sz="2000" dirty="0" smtClean="0"/>
+              <a:t>     </a:t>
+            </a:r>
+            <a:r>
+              <a:rPr lang="en-US" sz="2000" dirty="0" err="1" smtClean="0"/>
+              <a:t>vs</a:t>
+            </a:r>
+            <a:endParaRPr lang="en-IN" sz="2000" dirty="0"/>
+          </a:p>
+        </p:txBody>
+      </p:sp>
+      <p:sp>
+        <p:nvSpPr>
+          <p:cNvPr id="9" name="Rectangle 8"/>
+          <p:cNvSpPr/>
+          <p:nvPr/>
+        </p:nvSpPr>
+        <p:spPr>
+          <a:xfrm>
+            <a:off x="239150" y="1110859"/>
+            <a:ext cx="10592971" cy="953135"/>
+          </a:xfrm>
+          <a:prstGeom prst="rect">
+            <a:avLst/>
+          </a:prstGeom>
+        </p:spPr>
+        <p:txBody>
+          <a:bodyPr wrap="square">
+            <a:spAutoFit/>
+          </a:bodyPr>
+          <a:lstStyle/>
+          <a:p>
+            <a:pPr algn="r"/>
+            <a:r>
+              <a:rPr lang="en-US" sz="1400" dirty="0" smtClean="0">
+                <a:latin typeface="Cambria" panose="02040503050406030204" charset="0"/>
+                <a:cs typeface="Cambria" panose="02040503050406030204" charset="0"/>
+              </a:rPr>
+              <a:t>Our goal is to predict whether a meme is hateful or non-hateful. This is a binary classification problem with multimodal input data consisting of the meme image itself (the image mode) and a string representing the text in the meme image (the text mode).</a:t>
+            </a:r>
+            <a:br>
+              <a:rPr lang="en-US" sz="1400" dirty="0" smtClean="0">
+                <a:latin typeface="Cambria" panose="02040503050406030204" charset="0"/>
+                <a:cs typeface="Cambria" panose="02040503050406030204" charset="0"/>
+              </a:rPr>
+            </a:br>
+            <a:r>
+              <a:rPr lang="en-US" sz="1400" dirty="0" smtClean="0">
+                <a:latin typeface="Cambria" panose="02040503050406030204" charset="0"/>
+                <a:cs typeface="Cambria" panose="02040503050406030204" charset="0"/>
+              </a:rPr>
+              <a:t>            Given a meme image file, and a string representing the text in the meme image, our trained model should output the probability that the meme is hateful, where a meme would be classified as hateful if this probability is larger than 0.5.</a:t>
+            </a:r>
+            <a:endParaRPr lang="en-US" sz="1400" dirty="0" smtClean="0">
+              <a:latin typeface="Cambria" panose="02040503050406030204" charset="0"/>
+              <a:cs typeface="Cambria" panose="02040503050406030204" charset="0"/>
+            </a:endParaRPr>
+          </a:p>
+        </p:txBody>
+      </p:sp>
+      <p:pic>
+        <p:nvPicPr>
+          <p:cNvPr id="13" name="Content Placeholder 12" descr="02891"/>
+          <p:cNvPicPr>
+            <a:picLocks noChangeAspect="1"/>
+          </p:cNvPicPr>
+          <p:nvPr>
+            <p:ph sz="half" idx="2"/>
+          </p:nvPr>
+        </p:nvPicPr>
+        <p:blipFill>
           <a:blip r:embed="rId2"/>
           <a:stretch>
             <a:fillRect/>
@@ -6907,138 +7492,14 @@
         </p:blipFill>
         <p:spPr>
           <a:xfrm>
-            <a:off x="1125415" y="2919046"/>
-            <a:ext cx="3727939" cy="3938954"/>
+            <a:off x="6172200" y="3059430"/>
+            <a:ext cx="5181600" cy="3448050"/>
           </a:xfrm>
           <a:prstGeom prst="rect">
             <a:avLst/>
           </a:prstGeom>
         </p:spPr>
       </p:pic>
-      <p:pic>
-        <p:nvPicPr>
-          <p:cNvPr id="6" name="Picture 5" descr="meme3.jpg"/>
-          <p:cNvPicPr>
-            <a:picLocks noChangeAspect="1"/>
-          </p:cNvPicPr>
-          <p:nvPr/>
-        </p:nvPicPr>
-        <p:blipFill>
-          <a:blip r:embed="rId3"/>
-          <a:stretch>
-            <a:fillRect/>
-          </a:stretch>
-        </p:blipFill>
-        <p:spPr>
-          <a:xfrm>
-            <a:off x="6796966" y="3200400"/>
-            <a:ext cx="4316511" cy="3657600"/>
-          </a:xfrm>
-          <a:prstGeom prst="rect">
-            <a:avLst/>
-          </a:prstGeom>
-        </p:spPr>
-      </p:pic>
-      <p:sp>
-        <p:nvSpPr>
-          <p:cNvPr id="7" name="TextBox 6"/>
-          <p:cNvSpPr txBox="1"/>
-          <p:nvPr/>
-        </p:nvSpPr>
-        <p:spPr>
-          <a:xfrm>
-            <a:off x="7399605" y="1969476"/>
-            <a:ext cx="2743201" cy="830997"/>
-          </a:xfrm>
-          <a:prstGeom prst="rect">
-            <a:avLst/>
-          </a:prstGeom>
-          <a:noFill/>
-        </p:spPr>
-        <p:txBody>
-          <a:bodyPr wrap="square" rtlCol="0">
-            <a:spAutoFit/>
-          </a:bodyPr>
-          <a:lstStyle/>
-          <a:p>
-            <a:endParaRPr lang="en-US" sz="2000" dirty="0" smtClean="0"/>
-          </a:p>
-          <a:p>
-            <a:r>
-              <a:rPr lang="en-US" sz="2800" dirty="0" smtClean="0"/>
-              <a:t>Hateful </a:t>
-            </a:r>
-            <a:r>
-              <a:rPr lang="en-US" sz="2800" dirty="0"/>
-              <a:t>Memes</a:t>
-            </a:r>
-            <a:endParaRPr lang="en-IN" sz="2800" dirty="0"/>
-          </a:p>
-        </p:txBody>
-      </p:sp>
-      <p:sp>
-        <p:nvSpPr>
-          <p:cNvPr id="8" name="TextBox 7"/>
-          <p:cNvSpPr txBox="1"/>
-          <p:nvPr/>
-        </p:nvSpPr>
-        <p:spPr>
-          <a:xfrm>
-            <a:off x="5205046" y="4557934"/>
-            <a:ext cx="914400" cy="400110"/>
-          </a:xfrm>
-          <a:prstGeom prst="rect">
-            <a:avLst/>
-          </a:prstGeom>
-          <a:noFill/>
-        </p:spPr>
-        <p:txBody>
-          <a:bodyPr wrap="square" rtlCol="0">
-            <a:spAutoFit/>
-          </a:bodyPr>
-          <a:lstStyle/>
-          <a:p>
-            <a:r>
-              <a:rPr lang="en-US" sz="2000" dirty="0" smtClean="0"/>
-              <a:t>      </a:t>
-            </a:r>
-            <a:r>
-              <a:rPr lang="en-US" sz="2000" dirty="0" err="1" smtClean="0"/>
-              <a:t>vs</a:t>
-            </a:r>
-            <a:endParaRPr lang="en-IN" sz="2000" dirty="0"/>
-          </a:p>
-        </p:txBody>
-      </p:sp>
-      <p:sp>
-        <p:nvSpPr>
-          <p:cNvPr id="9" name="Rectangle 8"/>
-          <p:cNvSpPr/>
-          <p:nvPr/>
-        </p:nvSpPr>
-        <p:spPr>
-          <a:xfrm>
-            <a:off x="239150" y="675249"/>
-            <a:ext cx="10592971" cy="1477328"/>
-          </a:xfrm>
-          <a:prstGeom prst="rect">
-            <a:avLst/>
-          </a:prstGeom>
-        </p:spPr>
-        <p:txBody>
-          <a:bodyPr wrap="square">
-            <a:spAutoFit/>
-          </a:bodyPr>
-          <a:lstStyle/>
-          <a:p>
-            <a:r>
-              <a:rPr lang="en-US" dirty="0" smtClean="0"/>
-              <a:t>Our goal is to predict whether a meme is hateful or non-hateful. This is a binary classification problem with multimodal input data consisting of the meme image itself (the image mode) and a string representing the text in the meme image (the text mode).Given a meme image file, and a string representing the text in the meme image, our trained model should output the probability that the meme is hateful, where a meme would be classified as hateful if this probability is larger than 0.5.</a:t>
-            </a:r>
-            <a:endParaRPr lang="en-IN" dirty="0"/>
-          </a:p>
-        </p:txBody>
-      </p:sp>
     </p:spTree>
   </p:cSld>
   <p:clrMapOvr>
@@ -7072,8 +7533,8 @@
         </p:nvSpPr>
         <p:spPr>
           <a:xfrm>
-            <a:off x="4164037" y="168812"/>
-            <a:ext cx="2920992" cy="646331"/>
+            <a:off x="4412957" y="924462"/>
+            <a:ext cx="2998470" cy="645160"/>
           </a:xfrm>
           <a:prstGeom prst="rect">
             <a:avLst/>
@@ -7087,10 +7548,16 @@
           <a:lstStyle/>
           <a:p>
             <a:r>
-              <a:rPr lang="en-US" sz="3600" dirty="0"/>
+              <a:rPr lang="en-US" sz="3600" dirty="0">
+                <a:latin typeface="Cambria" panose="02040503050406030204" charset="0"/>
+                <a:cs typeface="Cambria" panose="02040503050406030204" charset="0"/>
+              </a:rPr>
               <a:t>Rise of memes</a:t>
             </a:r>
-            <a:endParaRPr lang="en-IN" sz="3600" dirty="0"/>
+            <a:endParaRPr lang="en-IN" sz="3600" dirty="0">
+              <a:latin typeface="Cambria" panose="02040503050406030204" charset="0"/>
+              <a:cs typeface="Cambria" panose="02040503050406030204" charset="0"/>
+            </a:endParaRPr>
           </a:p>
         </p:txBody>
       </p:sp>
@@ -7103,15 +7570,15 @@
           <p:nvPr/>
         </p:nvPicPr>
         <p:blipFill>
-          <a:blip r:embed="rId2"/>
+          <a:blip r:embed="rId1"/>
           <a:stretch>
             <a:fillRect/>
           </a:stretch>
         </p:blipFill>
         <p:spPr>
           <a:xfrm>
-            <a:off x="253218" y="703085"/>
-            <a:ext cx="11676185" cy="5533655"/>
+            <a:off x="2410460" y="1755140"/>
+            <a:ext cx="7062470" cy="3347085"/>
           </a:xfrm>
           <a:prstGeom prst="rect">
             <a:avLst/>
@@ -7152,7 +7619,7 @@
         <p:spPr>
           <a:xfrm>
             <a:off x="225083" y="-1"/>
-            <a:ext cx="11788726" cy="7540526"/>
+            <a:ext cx="11788726" cy="5015865"/>
           </a:xfrm>
           <a:prstGeom prst="rect">
             <a:avLst/>
@@ -7165,176 +7632,295 @@
           </a:bodyPr>
           <a:lstStyle/>
           <a:p>
-            <a:r>
-              <a:rPr lang="en-IN" altLang="en-US" sz="2800" b="1" dirty="0"/>
+            <a:endParaRPr lang="en-IN" altLang="en-US" sz="2800" b="1" dirty="0">
+              <a:latin typeface="Cambria" panose="02040503050406030204" charset="0"/>
+              <a:cs typeface="Cambria" panose="02040503050406030204" charset="0"/>
+            </a:endParaRPr>
+          </a:p>
+          <a:p>
+            <a:r>
+              <a:rPr lang="en-IN" altLang="en-US" sz="2800" b="1" dirty="0">
+                <a:latin typeface="Cambria" panose="02040503050406030204" charset="0"/>
+                <a:cs typeface="Cambria" panose="02040503050406030204" charset="0"/>
+              </a:rPr>
               <a:t>Data sets </a:t>
             </a:r>
-          </a:p>
-          <a:p>
-            <a:r>
-              <a:rPr lang="en-IN" altLang="en-US" sz="2000" dirty="0"/>
-              <a:t>1.Meme generator</a:t>
-            </a:r>
-          </a:p>
-          <a:p>
-            <a:endParaRPr lang="en-IN" altLang="en-US" sz="2000" dirty="0"/>
+            <a:endParaRPr lang="en-IN" altLang="en-US" sz="2800" b="1" dirty="0">
+              <a:latin typeface="Cambria" panose="02040503050406030204" charset="0"/>
+              <a:cs typeface="Cambria" panose="02040503050406030204" charset="0"/>
+            </a:endParaRPr>
+          </a:p>
+          <a:p>
+            <a:endParaRPr lang="en-IN" altLang="en-US" sz="2800" b="1" dirty="0">
+              <a:latin typeface="Cambria" panose="02040503050406030204" charset="0"/>
+              <a:cs typeface="Cambria" panose="02040503050406030204" charset="0"/>
+            </a:endParaRPr>
+          </a:p>
+          <a:p>
+            <a:pPr marL="457200" indent="-457200">
+              <a:buAutoNum type="arabicPeriod"/>
+            </a:pPr>
+            <a:r>
+              <a:rPr lang="en-IN" altLang="en-US" sz="1400" dirty="0">
+                <a:latin typeface="Cambria" panose="02040503050406030204" charset="0"/>
+                <a:cs typeface="Cambria" panose="02040503050406030204" charset="0"/>
+              </a:rPr>
+              <a:t>Meme generator</a:t>
+            </a:r>
+            <a:endParaRPr lang="en-IN" altLang="en-US" sz="1400" dirty="0">
+              <a:latin typeface="Cambria" panose="02040503050406030204" charset="0"/>
+              <a:cs typeface="Cambria" panose="02040503050406030204" charset="0"/>
+            </a:endParaRPr>
+          </a:p>
+          <a:p>
+            <a:pPr marL="457200" indent="-457200">
+              <a:buAutoNum type="arabicPeriod"/>
+            </a:pPr>
+            <a:endParaRPr lang="en-IN" altLang="en-US" sz="2000" dirty="0">
+              <a:latin typeface="Cambria" panose="02040503050406030204" charset="0"/>
+              <a:cs typeface="Cambria" panose="02040503050406030204" charset="0"/>
+            </a:endParaRPr>
           </a:p>
           <a:p>
             <a:pPr marL="514350" indent="-514350">
               <a:buFont typeface="+mj-lt"/>
               <a:buAutoNum type="arabicPeriod"/>
             </a:pPr>
-            <a:endParaRPr lang="en-IN" altLang="en-US" sz="2800" dirty="0"/>
-          </a:p>
-          <a:p>
-            <a:endParaRPr lang="en-IN" altLang="en-US" sz="2800" dirty="0"/>
-          </a:p>
-          <a:p>
-            <a:r>
-              <a:rPr lang="en-US" altLang="en-US" sz="2000" dirty="0" smtClean="0"/>
-              <a:t>2. </a:t>
-            </a:r>
-            <a:r>
-              <a:rPr lang="en-US" sz="2000" dirty="0" err="1" smtClean="0"/>
+            <a:endParaRPr lang="en-IN" altLang="en-US" sz="2800" dirty="0">
+              <a:latin typeface="Cambria" panose="02040503050406030204" charset="0"/>
+              <a:cs typeface="Cambria" panose="02040503050406030204" charset="0"/>
+            </a:endParaRPr>
+          </a:p>
+          <a:p>
+            <a:pPr marL="514350" indent="-514350">
+              <a:buAutoNum type="arabicPeriod"/>
+            </a:pPr>
+            <a:endParaRPr lang="en-IN" altLang="en-US" sz="2800" dirty="0">
+              <a:latin typeface="Cambria" panose="02040503050406030204" charset="0"/>
+              <a:cs typeface="Cambria" panose="02040503050406030204" charset="0"/>
+            </a:endParaRPr>
+          </a:p>
+          <a:p>
+            <a:pPr marL="457200" indent="-457200">
+              <a:buAutoNum type="arabicPeriod"/>
+            </a:pPr>
+            <a:r>
+              <a:rPr lang="en-US" sz="1400" dirty="0" err="1" smtClean="0">
+                <a:latin typeface="Cambria" panose="02040503050406030204" charset="0"/>
+                <a:cs typeface="Cambria" panose="02040503050406030204" charset="0"/>
+              </a:rPr>
               <a:t>Flickr</a:t>
             </a:r>
             <a:r>
+              <a:rPr lang="en-US" sz="1400" dirty="0" smtClean="0">
+                <a:latin typeface="Cambria" panose="02040503050406030204" charset="0"/>
+                <a:cs typeface="Cambria" panose="02040503050406030204" charset="0"/>
+              </a:rPr>
+              <a:t> images</a:t>
+            </a:r>
+            <a:br>
+              <a:rPr lang="en-US" sz="2000" dirty="0" smtClean="0">
+                <a:latin typeface="Cambria" panose="02040503050406030204" charset="0"/>
+                <a:cs typeface="Cambria" panose="02040503050406030204" charset="0"/>
+              </a:rPr>
+            </a:br>
+            <a:r>
+              <a:rPr lang="en-US" sz="2000" dirty="0" smtClean="0">
+                <a:latin typeface="Cambria" panose="02040503050406030204" charset="0"/>
+                <a:cs typeface="Cambria" panose="02040503050406030204" charset="0"/>
+              </a:rPr>
+              <a:t>        </a:t>
+            </a:r>
+            <a:r>
+              <a:rPr lang="en-US" sz="1400" dirty="0" smtClean="0">
+                <a:latin typeface="Cambria" panose="02040503050406030204" charset="0"/>
+                <a:cs typeface="Cambria" panose="02040503050406030204" charset="0"/>
+                <a:hlinkClick r:id="rId1"/>
+              </a:rPr>
+              <a:t>http://graphics.cs.cmu.edu/projects/im2gps/flickr_code.html</a:t>
+            </a:r>
+            <a:endParaRPr lang="en-US" sz="1400" dirty="0" smtClean="0">
+              <a:latin typeface="Cambria" panose="02040503050406030204" charset="0"/>
+              <a:cs typeface="Cambria" panose="02040503050406030204" charset="0"/>
+              <a:hlinkClick r:id="rId1"/>
+            </a:endParaRPr>
+          </a:p>
+          <a:p>
+            <a:pPr marL="457200" indent="-457200">
+              <a:buAutoNum type="arabicPeriod"/>
+            </a:pPr>
+            <a:endParaRPr lang="en-US" sz="1400" dirty="0" smtClean="0">
+              <a:latin typeface="Cambria" panose="02040503050406030204" charset="0"/>
+              <a:cs typeface="Cambria" panose="02040503050406030204" charset="0"/>
+              <a:hlinkClick r:id="rId1"/>
+            </a:endParaRPr>
+          </a:p>
+          <a:p>
+            <a:pPr marL="457200" indent="-457200">
+              <a:buAutoNum type="arabicPeriod"/>
+            </a:pPr>
+            <a:r>
+              <a:rPr lang="en-US" sz="1400" dirty="0" smtClean="0">
+                <a:latin typeface="Cambria" panose="02040503050406030204" charset="0"/>
+                <a:cs typeface="Cambria" panose="02040503050406030204" charset="0"/>
+              </a:rPr>
+              <a:t>Reference: Gomez, R., </a:t>
+            </a:r>
+            <a:r>
+              <a:rPr lang="en-US" sz="1400" dirty="0" err="1" smtClean="0">
+                <a:latin typeface="Cambria" panose="02040503050406030204" charset="0"/>
+                <a:cs typeface="Cambria" panose="02040503050406030204" charset="0"/>
+              </a:rPr>
+              <a:t>Gibert</a:t>
+            </a:r>
+            <a:r>
+              <a:rPr lang="en-US" sz="1400" dirty="0" smtClean="0">
+                <a:latin typeface="Cambria" panose="02040503050406030204" charset="0"/>
+                <a:cs typeface="Cambria" panose="02040503050406030204" charset="0"/>
+              </a:rPr>
+              <a:t>, J., Gomez, L. and </a:t>
+            </a:r>
+            <a:r>
+              <a:rPr lang="en-US" sz="1400" dirty="0" err="1" smtClean="0">
+                <a:latin typeface="Cambria" panose="02040503050406030204" charset="0"/>
+                <a:cs typeface="Cambria" panose="02040503050406030204" charset="0"/>
+              </a:rPr>
+              <a:t>Karatzas</a:t>
+            </a:r>
+            <a:r>
+              <a:rPr lang="en-US" sz="1400" dirty="0" smtClean="0">
+                <a:latin typeface="Cambria" panose="02040503050406030204" charset="0"/>
+                <a:cs typeface="Cambria" panose="02040503050406030204" charset="0"/>
+              </a:rPr>
+              <a:t>, D., 2019. Exploring Hate Speech Detection in Multimodal Publications. </a:t>
+            </a:r>
+            <a:r>
+              <a:rPr lang="en-US" sz="1400" dirty="0" err="1" smtClean="0">
+                <a:latin typeface="Cambria" panose="02040503050406030204" charset="0"/>
+                <a:cs typeface="Cambria" panose="02040503050406030204" charset="0"/>
+              </a:rPr>
+              <a:t>ArXiv</a:t>
+            </a:r>
+            <a:r>
+              <a:rPr lang="en-US" sz="1400" dirty="0" smtClean="0">
+                <a:latin typeface="Cambria" panose="02040503050406030204" charset="0"/>
+                <a:cs typeface="Cambria" panose="02040503050406030204" charset="0"/>
+              </a:rPr>
+              <a:t>.</a:t>
+            </a:r>
+            <a:endParaRPr lang="en-US" sz="1400" dirty="0" smtClean="0">
+              <a:latin typeface="Cambria" panose="02040503050406030204" charset="0"/>
+              <a:cs typeface="Cambria" panose="02040503050406030204" charset="0"/>
+            </a:endParaRPr>
+          </a:p>
+          <a:p>
+            <a:pPr indent="0" algn="l">
+              <a:buNone/>
+            </a:pPr>
+            <a:r>
+              <a:rPr lang="en-US" sz="2000" dirty="0" smtClean="0">
+                <a:latin typeface="Cambria" panose="02040503050406030204" charset="0"/>
+                <a:cs typeface="Cambria" panose="02040503050406030204" charset="0"/>
+              </a:rPr>
+              <a:t>               </a:t>
+            </a:r>
+            <a:r>
+              <a:rPr lang="en-US" dirty="0" smtClean="0">
+                <a:latin typeface="Cambria" panose="02040503050406030204" charset="0"/>
+                <a:cs typeface="Cambria" panose="02040503050406030204" charset="0"/>
+              </a:rPr>
+              <a:t> </a:t>
+            </a:r>
+            <a:r>
+              <a:rPr lang="en-US" sz="1200" dirty="0" smtClean="0">
+                <a:latin typeface="Cambria" panose="02040503050406030204" charset="0"/>
+                <a:cs typeface="Cambria" panose="02040503050406030204" charset="0"/>
+              </a:rPr>
+              <a:t>Dataset </a:t>
+            </a:r>
+            <a:r>
+              <a:rPr lang="en-US" sz="1200" dirty="0" err="1" smtClean="0">
+                <a:latin typeface="Cambria" panose="02040503050406030204" charset="0"/>
+                <a:cs typeface="Cambria" panose="02040503050406030204" charset="0"/>
+              </a:rPr>
+              <a:t>containsLabels</a:t>
+            </a:r>
+            <a:r>
+              <a:rPr lang="en-US" sz="1200" dirty="0" smtClean="0">
+                <a:latin typeface="Cambria" panose="02040503050406030204" charset="0"/>
+                <a:cs typeface="Cambria" panose="02040503050406030204" charset="0"/>
+              </a:rPr>
+              <a:t>(0-NotHate,1 -Racist, 2- Sexist,3 - Homophobe,4 - Religion, 5 –Other Hate), Text                    	                                                                                                                                         	extracted from the images using OCR, Contain the tweets IDs used in the 3 splits</a:t>
+            </a:r>
+            <a:endParaRPr lang="en-US" sz="1200" dirty="0" smtClean="0">
+              <a:latin typeface="Cambria" panose="02040503050406030204" charset="0"/>
+              <a:cs typeface="Cambria" panose="02040503050406030204" charset="0"/>
+            </a:endParaRPr>
+          </a:p>
+          <a:p>
+            <a:pPr indent="0" algn="l">
+              <a:buNone/>
+            </a:pPr>
+            <a:r>
+              <a:rPr lang="en-US" sz="1200" dirty="0" smtClean="0">
+                <a:latin typeface="Cambria" panose="02040503050406030204" charset="0"/>
+                <a:cs typeface="Cambria" panose="02040503050406030204" charset="0"/>
+                <a:sym typeface="+mn-ea"/>
+              </a:rPr>
+              <a:t>                           </a:t>
+            </a:r>
+            <a:r>
+              <a:rPr lang="en-US" sz="1200" dirty="0" smtClean="0">
+                <a:latin typeface="Cambria" panose="02040503050406030204" charset="0"/>
+                <a:cs typeface="Cambria" panose="02040503050406030204" charset="0"/>
+                <a:sym typeface="+mn-ea"/>
+                <a:hlinkClick r:id="rId2"/>
+              </a:rPr>
+              <a:t>https://drive.google.com/file/d/1S9mMhZFkntNnYdO-1dZXwF_8XIiFcmlF/view</a:t>
+            </a:r>
+            <a:endParaRPr lang="en-US" sz="1200" dirty="0" smtClean="0">
+              <a:latin typeface="Cambria" panose="02040503050406030204" charset="0"/>
+              <a:cs typeface="Cambria" panose="02040503050406030204" charset="0"/>
+              <a:sym typeface="+mn-ea"/>
+              <a:hlinkClick r:id="rId2"/>
+            </a:endParaRPr>
+          </a:p>
+          <a:p>
+            <a:pPr marL="457200" indent="-457200" algn="l">
+              <a:buAutoNum type="arabicPeriod"/>
+            </a:pPr>
+            <a:endParaRPr lang="en-US" sz="2000" dirty="0" smtClean="0">
+              <a:latin typeface="Cambria" panose="02040503050406030204" charset="0"/>
+              <a:cs typeface="Cambria" panose="02040503050406030204" charset="0"/>
+            </a:endParaRPr>
+          </a:p>
+          <a:p>
+            <a:pPr indent="0">
+              <a:buNone/>
+            </a:pPr>
+            <a:r>
+              <a:rPr lang="en-US" sz="1400" dirty="0" smtClean="0"/>
+              <a:t>4. </a:t>
+            </a:r>
+            <a:r>
               <a:rPr lang="en-US" sz="2000" dirty="0" smtClean="0"/>
-              <a:t> images: </a:t>
-            </a:r>
-            <a:r>
-              <a:rPr lang="en-US" sz="2000" dirty="0" smtClean="0">
-                <a:hlinkClick r:id="rId3"/>
-              </a:rPr>
-              <a:t>http://graphics.cs.cmu.edu/projects/im2gps/flickr_code.html</a:t>
-            </a:r>
-            <a:endParaRPr lang="en-US" sz="2000" dirty="0" smtClean="0"/>
-          </a:p>
-          <a:p>
-            <a:r>
-              <a:rPr lang="en-US" sz="2000" dirty="0" smtClean="0"/>
-              <a:t>3. </a:t>
-            </a:r>
-            <a:r>
-              <a:rPr lang="en-US" sz="2000" dirty="0" err="1" smtClean="0"/>
-              <a:t>Drivendata</a:t>
-            </a:r>
-            <a:endParaRPr lang="en-US" sz="2000" dirty="0" smtClean="0"/>
-          </a:p>
-          <a:p>
-            <a:endParaRPr lang="en-US" sz="2000" dirty="0" smtClean="0"/>
-          </a:p>
-          <a:p>
-            <a:endParaRPr lang="en-US" sz="2000" dirty="0" smtClean="0"/>
-          </a:p>
-          <a:p>
-            <a:endParaRPr lang="en-US" sz="2000" dirty="0" smtClean="0"/>
-          </a:p>
-          <a:p>
-            <a:endParaRPr lang="en-US" sz="2000" dirty="0" smtClean="0"/>
-          </a:p>
-          <a:p>
-            <a:endParaRPr lang="en-US" sz="2000" dirty="0" smtClean="0"/>
-          </a:p>
-          <a:p>
-            <a:endParaRPr lang="en-US" sz="2000" dirty="0" smtClean="0"/>
-          </a:p>
-          <a:p>
-            <a:endParaRPr lang="en-US" sz="2000" dirty="0" smtClean="0"/>
-          </a:p>
-          <a:p>
-            <a:endParaRPr lang="en-US" sz="2000" dirty="0" smtClean="0"/>
-          </a:p>
-          <a:p>
-            <a:r>
-              <a:rPr lang="en-US" sz="2000" dirty="0" smtClean="0"/>
-              <a:t>4. </a:t>
-            </a:r>
-            <a:r>
-              <a:rPr lang="en-US" sz="2000" dirty="0" smtClean="0"/>
-              <a:t>Reference: Gomez, R., </a:t>
-            </a:r>
-            <a:r>
-              <a:rPr lang="en-US" sz="2000" dirty="0" err="1" smtClean="0"/>
-              <a:t>Gibert</a:t>
-            </a:r>
-            <a:r>
-              <a:rPr lang="en-US" sz="2000" dirty="0" smtClean="0"/>
-              <a:t>, J., Gomez, L. and </a:t>
-            </a:r>
-            <a:r>
-              <a:rPr lang="en-US" sz="2000" dirty="0" err="1" smtClean="0"/>
-              <a:t>Karatzas</a:t>
-            </a:r>
-            <a:r>
-              <a:rPr lang="en-US" sz="2000" dirty="0" smtClean="0"/>
-              <a:t>, D., 2019. Exploring Hate Speech Detection in Multimodal Publications. </a:t>
-            </a:r>
-            <a:r>
-              <a:rPr lang="en-US" sz="2000" dirty="0" err="1" smtClean="0"/>
-              <a:t>ArXiv</a:t>
-            </a:r>
-            <a:r>
-              <a:rPr lang="en-US" sz="2000" dirty="0" smtClean="0"/>
-              <a:t>,.</a:t>
-            </a:r>
-            <a:endParaRPr lang="en-US" sz="2000" dirty="0" smtClean="0"/>
-          </a:p>
-          <a:p>
-            <a:r>
-              <a:rPr lang="en-US" sz="2000" dirty="0" smtClean="0">
-                <a:hlinkClick r:id="rId4"/>
-              </a:rPr>
-              <a:t>https://drive.google.com/file/d/1S9mMhZFkntNnYdO-1dZXwF_8XIiFcmlF/view</a:t>
-            </a:r>
-            <a:endParaRPr lang="en-US" sz="2000" dirty="0" smtClean="0"/>
-          </a:p>
-          <a:p>
-            <a:r>
-              <a:rPr lang="en-US" sz="2000" dirty="0" smtClean="0"/>
-              <a:t>Dataset </a:t>
-            </a:r>
-            <a:r>
-              <a:rPr lang="en-US" sz="2000" dirty="0" err="1" smtClean="0"/>
-              <a:t>containsLabels</a:t>
-            </a:r>
-            <a:r>
-              <a:rPr lang="en-US" sz="2000" dirty="0" smtClean="0"/>
-              <a:t>(0-NotHate,1 </a:t>
-            </a:r>
-            <a:r>
-              <a:rPr lang="en-US" sz="2000" dirty="0" smtClean="0"/>
-              <a:t>-Racist, 2- Sexist,3 - Homophobe,4 - Religion, 5 –</a:t>
-            </a:r>
-            <a:r>
-              <a:rPr lang="en-US" sz="2000" dirty="0" smtClean="0"/>
-              <a:t>Other Hate</a:t>
-            </a:r>
-            <a:r>
-              <a:rPr lang="en-US" sz="2000" dirty="0" smtClean="0"/>
-              <a:t>), Text extracted from the images using OCR</a:t>
-            </a:r>
-            <a:r>
-              <a:rPr lang="en-US" sz="2000" dirty="0" smtClean="0"/>
-              <a:t>, Contain </a:t>
-            </a:r>
-            <a:r>
-              <a:rPr lang="en-US" sz="2000" dirty="0" smtClean="0"/>
-              <a:t>the tweets IDs used in the 3 splits</a:t>
-            </a:r>
-          </a:p>
-          <a:p>
-            <a:endParaRPr lang="en-US" sz="2000" dirty="0" smtClean="0"/>
-          </a:p>
-          <a:p>
-            <a:endParaRPr lang="en-US" sz="2000" dirty="0" smtClean="0"/>
-          </a:p>
-          <a:p>
-            <a:r>
-              <a:rPr lang="en-US" sz="2000" dirty="0" smtClean="0"/>
+              <a:t>    </a:t>
+            </a:r>
+            <a:r>
+              <a:rPr lang="en-US" sz="1400" dirty="0" smtClean="0"/>
               <a:t> </a:t>
             </a:r>
-            <a:endParaRPr lang="en-IN" altLang="en-US" sz="2000" dirty="0"/>
+            <a:r>
+              <a:rPr lang="en-US" sz="1400" dirty="0" smtClean="0">
+                <a:latin typeface="Cambria" panose="02040503050406030204" charset="0"/>
+                <a:cs typeface="Cambria" panose="02040503050406030204" charset="0"/>
+              </a:rPr>
+              <a:t>Data Driven </a:t>
+            </a:r>
+            <a:endParaRPr lang="en-US" altLang="en-US" sz="1400" dirty="0" smtClean="0">
+              <a:latin typeface="Cambria" panose="02040503050406030204" charset="0"/>
+              <a:cs typeface="Cambria" panose="02040503050406030204" charset="0"/>
+            </a:endParaRPr>
           </a:p>
         </p:txBody>
       </p:sp>
@@ -7347,15 +7933,15 @@
           <p:nvPr/>
         </p:nvPicPr>
         <p:blipFill>
-          <a:blip r:embed="rId5"/>
+          <a:blip r:embed="rId3"/>
           <a:stretch>
             <a:fillRect/>
           </a:stretch>
         </p:blipFill>
         <p:spPr>
           <a:xfrm>
-            <a:off x="342167" y="822180"/>
-            <a:ext cx="10426700" cy="1073150"/>
+            <a:off x="1334770" y="1640205"/>
+            <a:ext cx="10269855" cy="1057275"/>
           </a:xfrm>
           <a:prstGeom prst="rect">
             <a:avLst/>
@@ -7364,22 +7950,22 @@
       </p:pic>
       <p:pic>
         <p:nvPicPr>
-          <p:cNvPr id="5" name="Picture 4" descr="meme4.jpg"/>
+          <p:cNvPr id="3" name="Picture 2"/>
           <p:cNvPicPr>
             <a:picLocks noChangeAspect="1"/>
           </p:cNvPicPr>
           <p:nvPr/>
         </p:nvPicPr>
         <p:blipFill>
-          <a:blip r:embed="rId6"/>
+          <a:blip r:embed="rId4"/>
           <a:stretch>
             <a:fillRect/>
           </a:stretch>
         </p:blipFill>
         <p:spPr>
           <a:xfrm>
-            <a:off x="393892" y="2658794"/>
-            <a:ext cx="10086537" cy="2124222"/>
+            <a:off x="2869565" y="4900295"/>
+            <a:ext cx="4213860" cy="1925320"/>
           </a:xfrm>
           <a:prstGeom prst="rect">
             <a:avLst/>
@@ -7413,40 +7999,6 @@
       </p:grpSpPr>
       <p:sp>
         <p:nvSpPr>
-          <p:cNvPr id="2" name="Title 1"/>
-          <p:cNvSpPr>
-            <a:spLocks noGrp="1"/>
-          </p:cNvSpPr>
-          <p:nvPr>
-            <p:ph type="title"/>
-          </p:nvPr>
-        </p:nvSpPr>
-        <p:spPr>
-          <a:xfrm>
-            <a:off x="1097280" y="0"/>
-            <a:ext cx="2833036" cy="1411705"/>
-          </a:xfrm>
-        </p:spPr>
-        <p:txBody>
-          <a:bodyPr>
-            <a:normAutofit/>
-          </a:bodyPr>
-          <a:lstStyle/>
-          <a:p>
-            <a:r>
-              <a:rPr lang="en-US" sz="2800" b="1" dirty="0"/>
-              <a:t>Works done </a:t>
-            </a:r>
-            <a:r>
-              <a:rPr lang="en-US" sz="3600" b="1" dirty="0"/>
-              <a:t>: </a:t>
-            </a:r>
-            <a:endParaRPr lang="en-IN" sz="3600" b="1" dirty="0"/>
-          </a:p>
-        </p:txBody>
-      </p:sp>
-      <p:sp>
-        <p:nvSpPr>
           <p:cNvPr id="3" name="Content Placeholder 2"/>
           <p:cNvSpPr>
             <a:spLocks noGrp="1"/>
@@ -7457,7 +8009,7 @@
         </p:nvSpPr>
         <p:spPr>
           <a:xfrm>
-            <a:off x="658446" y="1253330"/>
+            <a:off x="658446" y="764380"/>
             <a:ext cx="10515600" cy="5604670"/>
           </a:xfrm>
         </p:spPr>
@@ -7480,21 +8032,29 @@
               </a:tabLst>
             </a:pPr>
             <a:r>
-              <a:rPr lang="en-IN" sz="5600" b="1" dirty="0">
-                <a:effectLst/>
-                <a:latin typeface="Times New Roman" panose="02020603050405020304" pitchFamily="18" charset="0"/>
-                <a:ea typeface="Calibri" panose="020F0502020204030204" pitchFamily="34" charset="0"/>
+              <a:rPr lang="en-IN" sz="8000" b="1" dirty="0">
+                <a:effectLst/>
+                <a:latin typeface="Cambria" panose="02040503050406030204" charset="0"/>
+                <a:ea typeface="Calibri" panose="020F0502020204030204" pitchFamily="34" charset="0"/>
+                <a:cs typeface="Cambria" panose="02040503050406030204" charset="0"/>
               </a:rPr>
               <a:t>Reference  Paper 1 </a:t>
             </a:r>
             <a:r>
-              <a:rPr lang="en-IN" sz="4800" b="1" dirty="0">
-                <a:effectLst/>
-                <a:latin typeface="Times New Roman" panose="02020603050405020304" pitchFamily="18" charset="0"/>
-                <a:ea typeface="Calibri" panose="020F0502020204030204" pitchFamily="34" charset="0"/>
+              <a:rPr lang="en-IN" sz="7200" b="1" dirty="0">
+                <a:effectLst/>
+                <a:latin typeface="Cambria" panose="02040503050406030204" charset="0"/>
+                <a:ea typeface="Calibri" panose="020F0502020204030204" pitchFamily="34" charset="0"/>
+                <a:cs typeface="Cambria" panose="02040503050406030204" charset="0"/>
               </a:rPr>
               <a:t>: “Multimodal Hate Speech Detection in Memes.”</a:t>
             </a:r>
+            <a:endParaRPr lang="en-IN" sz="7200" b="1" dirty="0">
+              <a:effectLst/>
+              <a:latin typeface="Cambria" panose="02040503050406030204" charset="0"/>
+              <a:ea typeface="Calibri" panose="020F0502020204030204" pitchFamily="34" charset="0"/>
+              <a:cs typeface="Cambria" panose="02040503050406030204" charset="0"/>
+            </a:endParaRPr>
           </a:p>
           <a:p>
             <a:pPr marL="457200" algn="just">
@@ -7511,30 +8071,34 @@
             <a:r>
               <a:rPr lang="en-IN" sz="4800" dirty="0">
                 <a:effectLst/>
-                <a:latin typeface="Times New Roman" panose="02020603050405020304" pitchFamily="18" charset="0"/>
-                <a:ea typeface="Calibri" panose="020F0502020204030204" pitchFamily="34" charset="0"/>
+                <a:latin typeface="Cambria" panose="02040503050406030204" charset="0"/>
+                <a:ea typeface="Calibri" panose="020F0502020204030204" pitchFamily="34" charset="0"/>
+                <a:cs typeface="Cambria" panose="02040503050406030204" charset="0"/>
               </a:rPr>
               <a:t>Author: Benet Oriol </a:t>
             </a:r>
             <a:r>
               <a:rPr lang="en-IN" sz="4800" dirty="0" err="1">
                 <a:effectLst/>
-                <a:latin typeface="Times New Roman" panose="02020603050405020304" pitchFamily="18" charset="0"/>
-                <a:ea typeface="Calibri" panose="020F0502020204030204" pitchFamily="34" charset="0"/>
+                <a:latin typeface="Cambria" panose="02040503050406030204" charset="0"/>
+                <a:ea typeface="Calibri" panose="020F0502020204030204" pitchFamily="34" charset="0"/>
+                <a:cs typeface="Cambria" panose="02040503050406030204" charset="0"/>
               </a:rPr>
               <a:t>Sabat</a:t>
             </a:r>
             <a:r>
               <a:rPr lang="en-IN" sz="4800" dirty="0">
-                <a:latin typeface="Times New Roman" panose="02020603050405020304" pitchFamily="18" charset="0"/>
-                <a:ea typeface="Calibri" panose="020F0502020204030204" pitchFamily="34" charset="0"/>
+                <a:latin typeface="Cambria" panose="02040503050406030204" charset="0"/>
+                <a:ea typeface="Calibri" panose="020F0502020204030204" pitchFamily="34" charset="0"/>
+                <a:cs typeface="Cambria" panose="02040503050406030204" charset="0"/>
               </a:rPr>
               <a:t>.</a:t>
             </a:r>
             <a:endParaRPr lang="en-IN" sz="4800" dirty="0">
               <a:effectLst/>
-              <a:latin typeface="Times New Roman" panose="02020603050405020304" pitchFamily="18" charset="0"/>
+              <a:latin typeface="Cambria" panose="02040503050406030204" charset="0"/>
               <a:ea typeface="Calibri" panose="020F0502020204030204" pitchFamily="34" charset="0"/>
+              <a:cs typeface="Cambria" panose="02040503050406030204" charset="0"/>
             </a:endParaRPr>
           </a:p>
           <a:p>
@@ -7554,43 +8118,45 @@
             <a:r>
               <a:rPr lang="en-IN" sz="5600" b="1" dirty="0">
                 <a:effectLst/>
-                <a:latin typeface="Times New Roman" panose="02020603050405020304" pitchFamily="18" charset="0"/>
-                <a:ea typeface="Calibri" panose="020F0502020204030204" pitchFamily="34" charset="0"/>
-              </a:rPr>
-              <a:t>Work Summary</a:t>
+                <a:latin typeface="Cambria" panose="02040503050406030204" charset="0"/>
+                <a:ea typeface="Calibri" panose="020F0502020204030204" pitchFamily="34" charset="0"/>
+                <a:cs typeface="Cambria" panose="02040503050406030204" charset="0"/>
+              </a:rPr>
+              <a:t>Work Summar</a:t>
+            </a:r>
+            <a:r>
+              <a:rPr lang="en-US" altLang="en-IN" sz="5600" b="1" dirty="0">
+                <a:effectLst/>
+                <a:latin typeface="Cambria" panose="02040503050406030204" charset="0"/>
+                <a:ea typeface="Calibri" panose="020F0502020204030204" pitchFamily="34" charset="0"/>
+                <a:cs typeface="Cambria" panose="02040503050406030204" charset="0"/>
+              </a:rPr>
+              <a:t>y :</a:t>
             </a:r>
             <a:r>
               <a:rPr lang="en-IN" sz="5600" dirty="0">
                 <a:effectLst/>
-                <a:latin typeface="Times New Roman" panose="02020603050405020304" pitchFamily="18" charset="0"/>
-                <a:ea typeface="Calibri" panose="020F0502020204030204" pitchFamily="34" charset="0"/>
+                <a:latin typeface="Cambria" panose="02040503050406030204" charset="0"/>
+                <a:ea typeface="Calibri" panose="020F0502020204030204" pitchFamily="34" charset="0"/>
+                <a:cs typeface="Cambria" panose="02040503050406030204" charset="0"/>
               </a:rPr>
               <a:t>  </a:t>
             </a:r>
             <a:r>
               <a:rPr lang="en-IN" sz="4800" dirty="0">
                 <a:effectLst/>
-                <a:latin typeface="Times New Roman" panose="02020603050405020304" pitchFamily="18" charset="0"/>
-                <a:ea typeface="Calibri" panose="020F0502020204030204" pitchFamily="34" charset="0"/>
-              </a:rPr>
-              <a:t>:  </a:t>
-            </a:r>
-            <a:r>
-              <a:rPr lang="en-IN" sz="5600" dirty="0">
-                <a:effectLst/>
-                <a:latin typeface="Times New Roman" panose="02020603050405020304" pitchFamily="18" charset="0"/>
-                <a:ea typeface="Calibri" panose="020F0502020204030204" pitchFamily="34" charset="0"/>
-              </a:rPr>
-              <a:t>This thesis explores a multimodal approach to Hate Speech detection, involving vision and language (text). More specifically, we deal with the context of memes, a form of internet humour which will present additional challenges. Also study different ways to fine-tune pretrained descriptors for their specific task</a:t>
-            </a:r>
-            <a:r>
-              <a:rPr lang="en-IN" sz="6400" dirty="0">
-                <a:effectLst/>
-                <a:latin typeface="Times New Roman" panose="02020603050405020304" pitchFamily="18" charset="0"/>
-                <a:ea typeface="Calibri" panose="020F0502020204030204" pitchFamily="34" charset="0"/>
-              </a:rPr>
-              <a:t>.</a:t>
-            </a:r>
+                <a:latin typeface="Cambria" panose="02040503050406030204" charset="0"/>
+                <a:ea typeface="Calibri" panose="020F0502020204030204" pitchFamily="34" charset="0"/>
+                <a:cs typeface="Cambria" panose="02040503050406030204" charset="0"/>
+              </a:rPr>
+              <a:t> This thesis explores a multimodal approach to Hate Speech detection, involving vision and language (text). More specifically, we deal with the context of memes, a form of internet humour which will present additional challenges. Also study different ways to fine-tune pretrained descriptors for their specific task.</a:t>
+            </a:r>
+            <a:endParaRPr lang="en-IN" sz="6400" dirty="0">
+              <a:effectLst/>
+              <a:latin typeface="Cambria" panose="02040503050406030204" charset="0"/>
+              <a:ea typeface="Calibri" panose="020F0502020204030204" pitchFamily="34" charset="0"/>
+              <a:cs typeface="Cambria" panose="02040503050406030204" charset="0"/>
+            </a:endParaRPr>
           </a:p>
           <a:p>
             <a:pPr marL="514350" indent="-285750">
@@ -7609,43 +8175,48 @@
             <a:r>
               <a:rPr lang="en-IN" sz="5600" b="1" dirty="0">
                 <a:effectLst/>
-                <a:latin typeface="Times New Roman" panose="02020603050405020304" pitchFamily="18" charset="0"/>
-                <a:ea typeface="Calibri" panose="020F0502020204030204" pitchFamily="34" charset="0"/>
+                <a:latin typeface="Cambria" panose="02040503050406030204" charset="0"/>
+                <a:ea typeface="Calibri" panose="020F0502020204030204" pitchFamily="34" charset="0"/>
+                <a:cs typeface="Cambria" panose="02040503050406030204" charset="0"/>
               </a:rPr>
               <a:t>Introduction</a:t>
             </a:r>
             <a:r>
               <a:rPr lang="en-IN" sz="6400" b="1" dirty="0">
                 <a:effectLst/>
-                <a:latin typeface="Times New Roman" panose="02020603050405020304" pitchFamily="18" charset="0"/>
-                <a:ea typeface="Calibri" panose="020F0502020204030204" pitchFamily="34" charset="0"/>
+                <a:latin typeface="Cambria" panose="02040503050406030204" charset="0"/>
+                <a:ea typeface="Calibri" panose="020F0502020204030204" pitchFamily="34" charset="0"/>
+                <a:cs typeface="Cambria" panose="02040503050406030204" charset="0"/>
               </a:rPr>
               <a:t> </a:t>
             </a:r>
             <a:r>
               <a:rPr lang="en-IN" sz="4000" b="1" dirty="0">
                 <a:effectLst/>
-                <a:latin typeface="Times New Roman" panose="02020603050405020304" pitchFamily="18" charset="0"/>
-                <a:ea typeface="Calibri" panose="020F0502020204030204" pitchFamily="34" charset="0"/>
+                <a:latin typeface="Cambria" panose="02040503050406030204" charset="0"/>
+                <a:ea typeface="Calibri" panose="020F0502020204030204" pitchFamily="34" charset="0"/>
+                <a:cs typeface="Cambria" panose="02040503050406030204" charset="0"/>
               </a:rPr>
               <a:t> </a:t>
             </a:r>
             <a:r>
               <a:rPr lang="en-IN" sz="8000" b="1" dirty="0">
                 <a:effectLst/>
-                <a:latin typeface="Times New Roman" panose="02020603050405020304" pitchFamily="18" charset="0"/>
-                <a:ea typeface="Calibri" panose="020F0502020204030204" pitchFamily="34" charset="0"/>
+                <a:latin typeface="Cambria" panose="02040503050406030204" charset="0"/>
+                <a:ea typeface="Calibri" panose="020F0502020204030204" pitchFamily="34" charset="0"/>
+                <a:cs typeface="Cambria" panose="02040503050406030204" charset="0"/>
               </a:rPr>
               <a:t>:</a:t>
             </a:r>
             <a:endParaRPr lang="en-IN" sz="8000" dirty="0">
               <a:effectLst/>
-              <a:latin typeface="Times New Roman" panose="02020603050405020304" pitchFamily="18" charset="0"/>
+              <a:latin typeface="Cambria" panose="02040503050406030204" charset="0"/>
               <a:ea typeface="Calibri" panose="020F0502020204030204" pitchFamily="34" charset="0"/>
-            </a:endParaRPr>
-          </a:p>
-          <a:p>
-            <a:pPr marL="342900" lvl="0" indent="-342900" algn="just">
+              <a:cs typeface="Cambria" panose="02040503050406030204" charset="0"/>
+            </a:endParaRPr>
+          </a:p>
+          <a:p>
+            <a:pPr marL="800100" lvl="1" indent="-342900" algn="just">
               <a:lnSpc>
                 <a:spcPct val="107000"/>
               </a:lnSpc>
@@ -7656,40 +8227,50 @@
               </a:tabLst>
             </a:pPr>
             <a:r>
-              <a:rPr lang="en-IN" sz="5600" dirty="0">
-                <a:effectLst/>
-                <a:latin typeface="Times New Roman" panose="02020603050405020304" pitchFamily="18" charset="0"/>
-                <a:ea typeface="Calibri" panose="020F0502020204030204" pitchFamily="34" charset="0"/>
+              <a:rPr lang="en-IN" sz="4800" dirty="0">
+                <a:effectLst/>
+                <a:latin typeface="Cambria" panose="02040503050406030204" charset="0"/>
+                <a:ea typeface="Calibri" panose="020F0502020204030204" pitchFamily="34" charset="0"/>
+                <a:cs typeface="Cambria" panose="02040503050406030204" charset="0"/>
               </a:rPr>
               <a:t>Memes are a form of </a:t>
             </a:r>
             <a:r>
-              <a:rPr lang="en-IN" sz="5600" dirty="0" err="1" smtClean="0">
-                <a:effectLst/>
-                <a:latin typeface="Times New Roman" panose="02020603050405020304" pitchFamily="18" charset="0"/>
-                <a:ea typeface="Calibri" panose="020F0502020204030204" pitchFamily="34" charset="0"/>
+              <a:rPr lang="en-IN" sz="4800" dirty="0" err="1" smtClean="0">
+                <a:effectLst/>
+                <a:latin typeface="Cambria" panose="02040503050406030204" charset="0"/>
+                <a:ea typeface="Calibri" panose="020F0502020204030204" pitchFamily="34" charset="0"/>
+                <a:cs typeface="Cambria" panose="02040503050406030204" charset="0"/>
               </a:rPr>
               <a:t>humourist</a:t>
             </a:r>
             <a:r>
-              <a:rPr lang="en-IN" sz="5600" dirty="0" smtClean="0">
-                <a:effectLst/>
-                <a:latin typeface="Times New Roman" panose="02020603050405020304" pitchFamily="18" charset="0"/>
-                <a:ea typeface="Calibri" panose="020F0502020204030204" pitchFamily="34" charset="0"/>
+              <a:rPr lang="en-IN" sz="4800" dirty="0" smtClean="0">
+                <a:effectLst/>
+                <a:latin typeface="Cambria" panose="02040503050406030204" charset="0"/>
+                <a:ea typeface="Calibri" panose="020F0502020204030204" pitchFamily="34" charset="0"/>
+                <a:cs typeface="Cambria" panose="02040503050406030204" charset="0"/>
               </a:rPr>
               <a:t> </a:t>
             </a:r>
             <a:r>
-              <a:rPr lang="en-IN" sz="5600" dirty="0">
-                <a:effectLst/>
-                <a:latin typeface="Times New Roman" panose="02020603050405020304" pitchFamily="18" charset="0"/>
-                <a:ea typeface="Calibri" panose="020F0502020204030204" pitchFamily="34" charset="0"/>
+              <a:rPr lang="en-IN" sz="4800" dirty="0">
+                <a:effectLst/>
+                <a:latin typeface="Cambria" panose="02040503050406030204" charset="0"/>
+                <a:ea typeface="Calibri" panose="020F0502020204030204" pitchFamily="34" charset="0"/>
+                <a:cs typeface="Cambria" panose="02040503050406030204" charset="0"/>
               </a:rPr>
               <a:t>content which is normally based on an image, and most of the time some sort of text such as a caption.</a:t>
             </a:r>
-          </a:p>
-          <a:p>
-            <a:pPr marL="342900" lvl="0" indent="-342900" algn="just">
+            <a:endParaRPr lang="en-IN" sz="4800" dirty="0">
+              <a:effectLst/>
+              <a:latin typeface="Cambria" panose="02040503050406030204" charset="0"/>
+              <a:ea typeface="Calibri" panose="020F0502020204030204" pitchFamily="34" charset="0"/>
+              <a:cs typeface="Cambria" panose="02040503050406030204" charset="0"/>
+            </a:endParaRPr>
+          </a:p>
+          <a:p>
+            <a:pPr marL="800100" lvl="1" indent="-342900" algn="just">
               <a:lnSpc>
                 <a:spcPct val="107000"/>
               </a:lnSpc>
@@ -7700,16 +8281,23 @@
               </a:tabLst>
             </a:pPr>
             <a:r>
-              <a:rPr lang="en-IN" sz="5600" dirty="0">
-                <a:effectLst/>
-                <a:latin typeface="Times New Roman" panose="02020603050405020304" pitchFamily="18" charset="0"/>
-                <a:ea typeface="Calibri" panose="020F0502020204030204" pitchFamily="34" charset="0"/>
+              <a:rPr lang="en-IN" sz="4800" dirty="0">
+                <a:effectLst/>
+                <a:latin typeface="Cambria" panose="02040503050406030204" charset="0"/>
+                <a:ea typeface="Calibri" panose="020F0502020204030204" pitchFamily="34" charset="0"/>
+                <a:cs typeface="Cambria" panose="02040503050406030204" charset="0"/>
               </a:rPr>
               <a:t>This format has also been used to produce hate speech in the form of dark humour.</a:t>
             </a:r>
-          </a:p>
-          <a:p>
-            <a:pPr marL="342900" lvl="0" indent="-342900" algn="just">
+            <a:endParaRPr lang="en-IN" sz="4800" dirty="0">
+              <a:effectLst/>
+              <a:latin typeface="Cambria" panose="02040503050406030204" charset="0"/>
+              <a:ea typeface="Calibri" panose="020F0502020204030204" pitchFamily="34" charset="0"/>
+              <a:cs typeface="Cambria" panose="02040503050406030204" charset="0"/>
+            </a:endParaRPr>
+          </a:p>
+          <a:p>
+            <a:pPr marL="800100" lvl="1" indent="-342900" algn="just">
               <a:lnSpc>
                 <a:spcPct val="107000"/>
               </a:lnSpc>
@@ -7723,21 +8311,23 @@
               </a:tabLst>
             </a:pPr>
             <a:r>
-              <a:rPr lang="en-IN" sz="5600" dirty="0">
-                <a:effectLst/>
-                <a:latin typeface="Times New Roman" panose="02020603050405020304" pitchFamily="18" charset="0"/>
-                <a:ea typeface="Calibri" panose="020F0502020204030204" pitchFamily="34" charset="0"/>
+              <a:rPr lang="en-IN" sz="4800" dirty="0">
+                <a:effectLst/>
+                <a:latin typeface="Cambria" panose="02040503050406030204" charset="0"/>
+                <a:ea typeface="Calibri" panose="020F0502020204030204" pitchFamily="34" charset="0"/>
+                <a:cs typeface="Cambria" panose="02040503050406030204" charset="0"/>
               </a:rPr>
               <a:t>The multimodal (combined) analysis of image and text for hate speech has been a limitedly explored task, and can be used to tackle the hate memes problem.</a:t>
             </a:r>
-            <a:endParaRPr lang="en-IN" sz="4800" dirty="0">
+            <a:endParaRPr lang="en-IN" sz="4110" dirty="0">
               <a:effectLst/>
-              <a:latin typeface="Times New Roman" panose="02020603050405020304" pitchFamily="18" charset="0"/>
+              <a:latin typeface="Cambria" panose="02040503050406030204" charset="0"/>
               <a:ea typeface="Calibri" panose="020F0502020204030204" pitchFamily="34" charset="0"/>
-            </a:endParaRPr>
-          </a:p>
-          <a:p>
-            <a:pPr marL="457200" lvl="1" indent="0" algn="just">
+              <a:cs typeface="Cambria" panose="02040503050406030204" charset="0"/>
+            </a:endParaRPr>
+          </a:p>
+          <a:p>
+            <a:pPr marL="914400" lvl="2" indent="0" algn="just">
               <a:lnSpc>
                 <a:spcPct val="107000"/>
               </a:lnSpc>
@@ -7750,16 +8340,23 @@
               </a:tabLst>
             </a:pPr>
             <a:r>
-              <a:rPr lang="en-IN" sz="5600" dirty="0">
-                <a:effectLst/>
-                <a:latin typeface="Times New Roman" panose="02020603050405020304" pitchFamily="18" charset="0"/>
-                <a:ea typeface="Calibri" panose="020F0502020204030204" pitchFamily="34" charset="0"/>
+              <a:rPr lang="en-IN" sz="4665" dirty="0">
+                <a:effectLst/>
+                <a:latin typeface="Cambria" panose="02040503050406030204" charset="0"/>
+                <a:ea typeface="Calibri" panose="020F0502020204030204" pitchFamily="34" charset="0"/>
+                <a:cs typeface="Cambria" panose="02040503050406030204" charset="0"/>
               </a:rPr>
               <a:t>Purpose : </a:t>
             </a:r>
-          </a:p>
-          <a:p>
-            <a:pPr marL="457200" algn="just">
+            <a:endParaRPr lang="en-IN" sz="4665" dirty="0">
+              <a:effectLst/>
+              <a:latin typeface="Cambria" panose="02040503050406030204" charset="0"/>
+              <a:ea typeface="Calibri" panose="020F0502020204030204" pitchFamily="34" charset="0"/>
+              <a:cs typeface="Cambria" panose="02040503050406030204" charset="0"/>
+            </a:endParaRPr>
+          </a:p>
+          <a:p>
+            <a:pPr marL="914400" lvl="1" algn="just">
               <a:lnSpc>
                 <a:spcPct val="107000"/>
               </a:lnSpc>
@@ -7771,31 +8368,19 @@
               </a:tabLst>
             </a:pPr>
             <a:r>
-              <a:rPr lang="en-IN" sz="5600" dirty="0">
-                <a:effectLst/>
-                <a:latin typeface="Times New Roman" panose="02020603050405020304" pitchFamily="18" charset="0"/>
-                <a:ea typeface="Calibri" panose="020F0502020204030204" pitchFamily="34" charset="0"/>
+              <a:rPr lang="en-IN" sz="4800" dirty="0">
+                <a:effectLst/>
+                <a:latin typeface="Cambria" panose="02040503050406030204" charset="0"/>
+                <a:ea typeface="Calibri" panose="020F0502020204030204" pitchFamily="34" charset="0"/>
+                <a:cs typeface="Cambria" panose="02040503050406030204" charset="0"/>
               </a:rPr>
               <a:t>To create a tool to automatically predict hate speech on memes,  using both image and text modalities.</a:t>
             </a:r>
-          </a:p>
-          <a:p>
-            <a:pPr indent="0" algn="just">
-              <a:lnSpc>
-                <a:spcPct val="107000"/>
-              </a:lnSpc>
-              <a:spcAft>
-                <a:spcPts val="800"/>
-              </a:spcAft>
-              <a:buNone/>
-              <a:tabLst>
-                <a:tab pos="3589020" algn="l"/>
-              </a:tabLst>
-            </a:pPr>
             <a:endParaRPr lang="en-IN" sz="5600" b="1" dirty="0">
               <a:effectLst/>
-              <a:latin typeface="Times New Roman" panose="02020603050405020304" pitchFamily="18" charset="0"/>
+              <a:latin typeface="Cambria" panose="02040503050406030204" charset="0"/>
               <a:ea typeface="Calibri" panose="020F0502020204030204" pitchFamily="34" charset="0"/>
+              <a:cs typeface="Cambria" panose="02040503050406030204" charset="0"/>
             </a:endParaRPr>
           </a:p>
           <a:p>
@@ -7815,19 +8400,21 @@
             <a:r>
               <a:rPr lang="en-IN" sz="5600" b="1" dirty="0">
                 <a:effectLst/>
-                <a:latin typeface="Times New Roman" panose="02020603050405020304" pitchFamily="18" charset="0"/>
-                <a:ea typeface="Calibri" panose="020F0502020204030204" pitchFamily="34" charset="0"/>
+                <a:latin typeface="Cambria" panose="02040503050406030204" charset="0"/>
+                <a:ea typeface="Calibri" panose="020F0502020204030204" pitchFamily="34" charset="0"/>
+                <a:cs typeface="Cambria" panose="02040503050406030204" charset="0"/>
               </a:rPr>
               <a:t>Specifications : </a:t>
             </a:r>
             <a:endParaRPr lang="en-IN" sz="5600" dirty="0">
               <a:effectLst/>
-              <a:latin typeface="Times New Roman" panose="02020603050405020304" pitchFamily="18" charset="0"/>
+              <a:latin typeface="Cambria" panose="02040503050406030204" charset="0"/>
               <a:ea typeface="Calibri" panose="020F0502020204030204" pitchFamily="34" charset="0"/>
-            </a:endParaRPr>
-          </a:p>
-          <a:p>
-            <a:pPr marL="342900" lvl="0" indent="-342900" algn="just">
+              <a:cs typeface="Cambria" panose="02040503050406030204" charset="0"/>
+            </a:endParaRPr>
+          </a:p>
+          <a:p>
+            <a:pPr marL="800100" lvl="1" indent="-342900" algn="just">
               <a:lnSpc>
                 <a:spcPct val="107000"/>
               </a:lnSpc>
@@ -7838,24 +8425,32 @@
               </a:tabLst>
             </a:pPr>
             <a:r>
-              <a:rPr lang="en-IN" sz="5600" dirty="0" err="1">
-                <a:effectLst/>
-                <a:latin typeface="Times New Roman" panose="02020603050405020304" pitchFamily="18" charset="0"/>
-                <a:ea typeface="Calibri" panose="020F0502020204030204" pitchFamily="34" charset="0"/>
+              <a:rPr lang="en-IN" sz="4800" dirty="0" err="1">
+                <a:effectLst/>
+                <a:latin typeface="Cambria" panose="02040503050406030204" charset="0"/>
+                <a:ea typeface="Calibri" panose="020F0502020204030204" pitchFamily="34" charset="0"/>
+                <a:cs typeface="Cambria" panose="02040503050406030204" charset="0"/>
               </a:rPr>
               <a:t>Pytorch</a:t>
             </a:r>
             <a:r>
-              <a:rPr lang="en-IN" sz="5600" dirty="0">
-                <a:effectLst/>
-                <a:latin typeface="Times New Roman" panose="02020603050405020304" pitchFamily="18" charset="0"/>
-                <a:ea typeface="Calibri" panose="020F0502020204030204" pitchFamily="34" charset="0"/>
+              <a:rPr lang="en-IN" sz="4800" dirty="0">
+                <a:effectLst/>
+                <a:latin typeface="Cambria" panose="02040503050406030204" charset="0"/>
+                <a:ea typeface="Calibri" panose="020F0502020204030204" pitchFamily="34" charset="0"/>
+                <a:cs typeface="Cambria" panose="02040503050406030204" charset="0"/>
               </a:rPr>
               <a:t> API as the basic deep learning framework for development</a:t>
             </a:r>
-          </a:p>
-          <a:p>
-            <a:pPr marL="342900" lvl="0" indent="-342900" algn="just">
+            <a:endParaRPr lang="en-IN" sz="4800" dirty="0">
+              <a:effectLst/>
+              <a:latin typeface="Cambria" panose="02040503050406030204" charset="0"/>
+              <a:ea typeface="Calibri" panose="020F0502020204030204" pitchFamily="34" charset="0"/>
+              <a:cs typeface="Cambria" panose="02040503050406030204" charset="0"/>
+            </a:endParaRPr>
+          </a:p>
+          <a:p>
+            <a:pPr marL="800100" lvl="1" indent="-342900" algn="just">
               <a:lnSpc>
                 <a:spcPct val="107000"/>
               </a:lnSpc>
@@ -7869,19 +8464,29 @@
               </a:tabLst>
             </a:pPr>
             <a:r>
-              <a:rPr lang="en-IN" sz="5600" dirty="0">
-                <a:effectLst/>
-                <a:latin typeface="Times New Roman" panose="02020603050405020304" pitchFamily="18" charset="0"/>
-                <a:ea typeface="Calibri" panose="020F0502020204030204" pitchFamily="34" charset="0"/>
+              <a:rPr lang="en-IN" sz="4800" dirty="0">
+                <a:effectLst/>
+                <a:latin typeface="Cambria" panose="02040503050406030204" charset="0"/>
+                <a:ea typeface="Calibri" panose="020F0502020204030204" pitchFamily="34" charset="0"/>
+                <a:cs typeface="Cambria" panose="02040503050406030204" charset="0"/>
               </a:rPr>
               <a:t>Python language.</a:t>
             </a:r>
+            <a:endParaRPr lang="en-IN" sz="4800" dirty="0">
+              <a:effectLst/>
+              <a:latin typeface="Cambria" panose="02040503050406030204" charset="0"/>
+              <a:ea typeface="Calibri" panose="020F0502020204030204" pitchFamily="34" charset="0"/>
+              <a:cs typeface="Cambria" panose="02040503050406030204" charset="0"/>
+            </a:endParaRPr>
           </a:p>
           <a:p>
             <a:pPr marL="0" indent="0">
               <a:buNone/>
             </a:pPr>
-            <a:endParaRPr lang="en-IN" sz="1600" dirty="0"/>
+            <a:endParaRPr lang="en-IN" sz="1600" dirty="0">
+              <a:latin typeface="Cambria" panose="02040503050406030204" charset="0"/>
+              <a:cs typeface="Cambria" panose="02040503050406030204" charset="0"/>
+            </a:endParaRPr>
           </a:p>
         </p:txBody>
       </p:sp>
@@ -7948,65 +8553,83 @@
             <a:r>
               <a:rPr lang="en-IN" sz="1900" b="1" dirty="0">
                 <a:effectLst/>
-                <a:latin typeface="Times New Roman" panose="02020603050405020304" pitchFamily="18" charset="0"/>
-                <a:ea typeface="Calibri" panose="020F0502020204030204" pitchFamily="34" charset="0"/>
+                <a:latin typeface="Cambria" panose="02040503050406030204" charset="0"/>
+                <a:ea typeface="Calibri" panose="020F0502020204030204" pitchFamily="34" charset="0"/>
+                <a:cs typeface="Cambria" panose="02040503050406030204" charset="0"/>
               </a:rPr>
               <a:t>Methods : </a:t>
             </a:r>
             <a:r>
               <a:rPr lang="en-IN" sz="1900" dirty="0">
                 <a:effectLst/>
-                <a:latin typeface="Times New Roman" panose="02020603050405020304" pitchFamily="18" charset="0"/>
-                <a:ea typeface="Calibri" panose="020F0502020204030204" pitchFamily="34" charset="0"/>
+                <a:latin typeface="Cambria" panose="02040503050406030204" charset="0"/>
+                <a:ea typeface="Calibri" panose="020F0502020204030204" pitchFamily="34" charset="0"/>
+                <a:cs typeface="Cambria" panose="02040503050406030204" charset="0"/>
               </a:rPr>
               <a:t> </a:t>
             </a:r>
-          </a:p>
-          <a:p>
-            <a:pPr marL="342900" lvl="0" indent="-342900" algn="just">
+            <a:endParaRPr lang="en-IN" sz="1900" dirty="0">
+              <a:effectLst/>
+              <a:latin typeface="Cambria" panose="02040503050406030204" charset="0"/>
+              <a:ea typeface="Calibri" panose="020F0502020204030204" pitchFamily="34" charset="0"/>
+              <a:cs typeface="Cambria" panose="02040503050406030204" charset="0"/>
+            </a:endParaRPr>
+          </a:p>
+          <a:p>
+            <a:pPr lvl="1" algn="just">
               <a:lnSpc>
                 <a:spcPct val="107000"/>
               </a:lnSpc>
-              <a:buFont typeface="+mj-lt"/>
-              <a:buAutoNum type="arabicPeriod"/>
               <a:tabLst>
                 <a:tab pos="3589020" algn="l"/>
               </a:tabLst>
             </a:pPr>
             <a:r>
-              <a:rPr lang="en-IN" sz="1900" dirty="0">
-                <a:effectLst/>
-                <a:latin typeface="Times New Roman" panose="02020603050405020304" pitchFamily="18" charset="0"/>
-                <a:ea typeface="Calibri" panose="020F0502020204030204" pitchFamily="34" charset="0"/>
+              <a:rPr lang="en-IN" sz="1625" dirty="0">
+                <a:effectLst/>
+                <a:latin typeface="Cambria" panose="02040503050406030204" charset="0"/>
+                <a:ea typeface="Calibri" panose="020F0502020204030204" pitchFamily="34" charset="0"/>
+                <a:cs typeface="Cambria" panose="02040503050406030204" charset="0"/>
               </a:rPr>
               <a:t>Pretrained embedding for text and images and train a classifier with these embeddings </a:t>
             </a:r>
-          </a:p>
-          <a:p>
-            <a:pPr marL="342900" lvl="0" indent="-342900" algn="just">
+            <a:endParaRPr lang="en-IN" sz="1625" dirty="0">
+              <a:effectLst/>
+              <a:latin typeface="Cambria" panose="02040503050406030204" charset="0"/>
+              <a:ea typeface="Calibri" panose="020F0502020204030204" pitchFamily="34" charset="0"/>
+              <a:cs typeface="Cambria" panose="02040503050406030204" charset="0"/>
+            </a:endParaRPr>
+          </a:p>
+          <a:p>
+            <a:pPr lvl="1" algn="just">
               <a:lnSpc>
                 <a:spcPct val="107000"/>
               </a:lnSpc>
               <a:spcAft>
                 <a:spcPts val="800"/>
               </a:spcAft>
-              <a:buFont typeface="+mj-lt"/>
-              <a:buAutoNum type="arabicPeriod"/>
               <a:tabLst>
                 <a:tab pos="3589020" algn="l"/>
               </a:tabLst>
             </a:pPr>
             <a:r>
-              <a:rPr lang="en-IN" sz="1900" dirty="0">
-                <a:effectLst/>
-                <a:latin typeface="Times New Roman" panose="02020603050405020304" pitchFamily="18" charset="0"/>
-                <a:ea typeface="Calibri" panose="020F0502020204030204" pitchFamily="34" charset="0"/>
+              <a:rPr lang="en-IN" sz="1625" dirty="0">
+                <a:effectLst/>
+                <a:latin typeface="Cambria" panose="02040503050406030204" charset="0"/>
+                <a:ea typeface="Calibri" panose="020F0502020204030204" pitchFamily="34" charset="0"/>
+                <a:cs typeface="Cambria" panose="02040503050406030204" charset="0"/>
               </a:rPr>
               <a:t>Implementations of BERT and VGG-16 features.</a:t>
             </a:r>
-          </a:p>
-          <a:p>
-            <a:pPr marL="0" indent="0" algn="just">
+            <a:endParaRPr lang="en-IN" sz="1625" dirty="0">
+              <a:effectLst/>
+              <a:latin typeface="Cambria" panose="02040503050406030204" charset="0"/>
+              <a:ea typeface="Calibri" panose="020F0502020204030204" pitchFamily="34" charset="0"/>
+              <a:cs typeface="Cambria" panose="02040503050406030204" charset="0"/>
+            </a:endParaRPr>
+          </a:p>
+          <a:p>
+            <a:pPr algn="just">
               <a:lnSpc>
                 <a:spcPct val="107000"/>
               </a:lnSpc>
@@ -8020,8 +8643,9 @@
             </a:pPr>
             <a:endParaRPr lang="en-IN" sz="1900" dirty="0">
               <a:effectLst/>
-              <a:latin typeface="Times New Roman" panose="02020603050405020304" pitchFamily="18" charset="0"/>
+              <a:latin typeface="Cambria" panose="02040503050406030204" charset="0"/>
               <a:ea typeface="Calibri" panose="020F0502020204030204" pitchFamily="34" charset="0"/>
+              <a:cs typeface="Cambria" panose="02040503050406030204" charset="0"/>
             </a:endParaRPr>
           </a:p>
           <a:p>
@@ -8041,19 +8665,27 @@
             <a:r>
               <a:rPr lang="en-IN" sz="1900" b="1" dirty="0">
                 <a:effectLst/>
-                <a:latin typeface="Times New Roman" panose="02020603050405020304" pitchFamily="18" charset="0"/>
-                <a:ea typeface="Calibri" panose="020F0502020204030204" pitchFamily="34" charset="0"/>
+                <a:latin typeface="Cambria" panose="02040503050406030204" charset="0"/>
+                <a:ea typeface="Calibri" panose="020F0502020204030204" pitchFamily="34" charset="0"/>
+                <a:cs typeface="Cambria" panose="02040503050406030204" charset="0"/>
               </a:rPr>
               <a:t>Hate speech detection</a:t>
             </a:r>
             <a:r>
               <a:rPr lang="en-IN" sz="1900" dirty="0">
                 <a:effectLst/>
-                <a:latin typeface="Times New Roman" panose="02020603050405020304" pitchFamily="18" charset="0"/>
-                <a:ea typeface="Calibri" panose="020F0502020204030204" pitchFamily="34" charset="0"/>
+                <a:latin typeface="Cambria" panose="02040503050406030204" charset="0"/>
+                <a:ea typeface="Calibri" panose="020F0502020204030204" pitchFamily="34" charset="0"/>
+                <a:cs typeface="Cambria" panose="02040503050406030204" charset="0"/>
               </a:rPr>
               <a:t> : </a:t>
             </a:r>
+            <a:endParaRPr lang="en-IN" sz="1900" dirty="0">
+              <a:effectLst/>
+              <a:latin typeface="Cambria" panose="02040503050406030204" charset="0"/>
+              <a:ea typeface="Calibri" panose="020F0502020204030204" pitchFamily="34" charset="0"/>
+              <a:cs typeface="Cambria" panose="02040503050406030204" charset="0"/>
+            </a:endParaRPr>
           </a:p>
           <a:p>
             <a:pPr marL="742950" lvl="1" indent="-285750" algn="just">
@@ -8069,14 +8701,21 @@
             <a:r>
               <a:rPr lang="en-IN" sz="1900" dirty="0">
                 <a:effectLst/>
-                <a:latin typeface="Times New Roman" panose="02020603050405020304" pitchFamily="18" charset="0"/>
-                <a:ea typeface="Calibri" panose="020F0502020204030204" pitchFamily="34" charset="0"/>
+                <a:latin typeface="Cambria" panose="02040503050406030204" charset="0"/>
+                <a:ea typeface="Calibri" panose="020F0502020204030204" pitchFamily="34" charset="0"/>
+                <a:cs typeface="Cambria" panose="02040503050406030204" charset="0"/>
               </a:rPr>
               <a:t>Dataset : </a:t>
             </a:r>
-          </a:p>
-          <a:p>
-            <a:pPr marL="800100" lvl="1" indent="-342900" algn="just">
+            <a:endParaRPr lang="en-IN" sz="1900" dirty="0">
+              <a:effectLst/>
+              <a:latin typeface="Cambria" panose="02040503050406030204" charset="0"/>
+              <a:ea typeface="Calibri" panose="020F0502020204030204" pitchFamily="34" charset="0"/>
+              <a:cs typeface="Cambria" panose="02040503050406030204" charset="0"/>
+            </a:endParaRPr>
+          </a:p>
+          <a:p>
+            <a:pPr marL="1257300" lvl="2" indent="-342900" algn="just">
               <a:lnSpc>
                 <a:spcPct val="107000"/>
               </a:lnSpc>
@@ -8087,13 +8726,20 @@
               </a:tabLst>
             </a:pPr>
             <a:r>
-              <a:rPr lang="en-IN" sz="1900" dirty="0">
-                <a:effectLst/>
-                <a:latin typeface="Times New Roman" panose="02020603050405020304" pitchFamily="18" charset="0"/>
-                <a:ea typeface="Calibri" panose="020F0502020204030204" pitchFamily="34" charset="0"/>
+              <a:rPr lang="en-IN" sz="1580" dirty="0">
+                <a:effectLst/>
+                <a:latin typeface="Cambria" panose="02040503050406030204" charset="0"/>
+                <a:ea typeface="Calibri" panose="020F0502020204030204" pitchFamily="34" charset="0"/>
+                <a:cs typeface="Cambria" panose="02040503050406030204" charset="0"/>
               </a:rPr>
               <a:t>Memes from Google images.(Hate memes.)</a:t>
             </a:r>
+            <a:endParaRPr lang="en-IN" sz="1580" dirty="0">
+              <a:effectLst/>
+              <a:latin typeface="Cambria" panose="02040503050406030204" charset="0"/>
+              <a:ea typeface="Calibri" panose="020F0502020204030204" pitchFamily="34" charset="0"/>
+              <a:cs typeface="Cambria" panose="02040503050406030204" charset="0"/>
+            </a:endParaRPr>
           </a:p>
           <a:p>
             <a:pPr lvl="3" algn="just">
@@ -8107,21 +8753,73 @@
               </a:tabLst>
             </a:pPr>
             <a:r>
+              <a:rPr lang="en-US" altLang="en-IN" sz="1900" dirty="0">
+                <a:effectLst/>
+                <a:latin typeface="Cambria" panose="02040503050406030204" charset="0"/>
+                <a:ea typeface="Calibri" panose="020F0502020204030204" pitchFamily="34" charset="0"/>
+                <a:cs typeface="Cambria" panose="02040503050406030204" charset="0"/>
+              </a:rPr>
+              <a:t>E</a:t>
+            </a:r>
+            <a:r>
               <a:rPr lang="en-IN" sz="1900" dirty="0">
                 <a:effectLst/>
-                <a:latin typeface="Times New Roman" panose="02020603050405020304" pitchFamily="18" charset="0"/>
-                <a:ea typeface="Calibri" panose="020F0502020204030204" pitchFamily="34" charset="0"/>
-              </a:rPr>
-              <a:t>racist meme, jew meme, muslim meme</a:t>
+                <a:latin typeface="Cambria" panose="02040503050406030204" charset="0"/>
+                <a:ea typeface="Calibri" panose="020F0502020204030204" pitchFamily="34" charset="0"/>
+                <a:cs typeface="Cambria" panose="02040503050406030204" charset="0"/>
+              </a:rPr>
+              <a:t>acist meme, jew meme, muslim meme</a:t>
             </a:r>
             <a:r>
               <a:rPr lang="en-IN" sz="2100" dirty="0">
                 <a:effectLst/>
-                <a:latin typeface="Times New Roman" panose="02020603050405020304" pitchFamily="18" charset="0"/>
-                <a:ea typeface="Calibri" panose="020F0502020204030204" pitchFamily="34" charset="0"/>
+                <a:latin typeface="Cambria" panose="02040503050406030204" charset="0"/>
+                <a:ea typeface="Calibri" panose="020F0502020204030204" pitchFamily="34" charset="0"/>
+                <a:cs typeface="Cambria" panose="02040503050406030204" charset="0"/>
               </a:rPr>
               <a:t>.</a:t>
             </a:r>
+            <a:endParaRPr lang="en-IN" sz="2100" dirty="0">
+              <a:effectLst/>
+              <a:latin typeface="Cambria" panose="02040503050406030204" charset="0"/>
+              <a:ea typeface="Calibri" panose="020F0502020204030204" pitchFamily="34" charset="0"/>
+              <a:cs typeface="Cambria" panose="02040503050406030204" charset="0"/>
+            </a:endParaRPr>
+          </a:p>
+          <a:p>
+            <a:pPr marL="914400" lvl="2" indent="0" algn="just">
+              <a:lnSpc>
+                <a:spcPct val="107000"/>
+              </a:lnSpc>
+              <a:buNone/>
+              <a:tabLst>
+                <a:tab pos="3589020" algn="l"/>
+              </a:tabLst>
+            </a:pPr>
+            <a:r>
+              <a:rPr lang="en-IN" sz="1580" dirty="0">
+                <a:effectLst/>
+                <a:latin typeface="Cambria" panose="02040503050406030204" charset="0"/>
+                <a:ea typeface="Calibri" panose="020F0502020204030204" pitchFamily="34" charset="0"/>
+                <a:cs typeface="Cambria" panose="02040503050406030204" charset="0"/>
+              </a:rPr>
+              <a:t>2. Memes from Reddit Memes dataset(Non-Hateful Memes</a:t>
+            </a:r>
+            <a:r>
+              <a:rPr lang="en-IN" sz="1330" dirty="0">
+                <a:effectLst/>
+                <a:latin typeface="Cambria" panose="02040503050406030204" charset="0"/>
+                <a:ea typeface="Calibri" panose="020F0502020204030204" pitchFamily="34" charset="0"/>
+                <a:cs typeface="Cambria" panose="02040503050406030204" charset="0"/>
+              </a:rPr>
+              <a:t>)</a:t>
+            </a:r>
+            <a:endParaRPr lang="en-IN" sz="1330" dirty="0">
+              <a:effectLst/>
+              <a:latin typeface="Cambria" panose="02040503050406030204" charset="0"/>
+              <a:ea typeface="Calibri" panose="020F0502020204030204" pitchFamily="34" charset="0"/>
+              <a:cs typeface="Cambria" panose="02040503050406030204" charset="0"/>
+            </a:endParaRPr>
           </a:p>
           <a:p>
             <a:pPr marL="457200" lvl="1" indent="0" algn="just">
@@ -8133,37 +8831,11 @@
                 <a:tab pos="3589020" algn="l"/>
               </a:tabLst>
             </a:pPr>
-            <a:r>
-              <a:rPr lang="en-IN" sz="1900" dirty="0">
-                <a:effectLst/>
-                <a:latin typeface="Times New Roman" panose="02020603050405020304" pitchFamily="18" charset="0"/>
-                <a:ea typeface="Calibri" panose="020F0502020204030204" pitchFamily="34" charset="0"/>
-              </a:rPr>
-              <a:t>2. Memes from Reddit Memes dataset(Non-Hateful Memes</a:t>
-            </a:r>
-            <a:r>
-              <a:rPr lang="en-IN" sz="1600" dirty="0">
-                <a:effectLst/>
-                <a:latin typeface="Times New Roman" panose="02020603050405020304" pitchFamily="18" charset="0"/>
-                <a:ea typeface="Calibri" panose="020F0502020204030204" pitchFamily="34" charset="0"/>
-              </a:rPr>
-              <a:t>)</a:t>
-            </a:r>
-          </a:p>
-          <a:p>
-            <a:pPr marL="457200" lvl="1" indent="0" algn="just">
-              <a:lnSpc>
-                <a:spcPct val="107000"/>
-              </a:lnSpc>
-              <a:buNone/>
-              <a:tabLst>
-                <a:tab pos="3589020" algn="l"/>
-              </a:tabLst>
-            </a:pPr>
             <a:endParaRPr lang="en-IN" sz="1500" dirty="0">
               <a:effectLst/>
-              <a:latin typeface="Times New Roman" panose="02020603050405020304" pitchFamily="18" charset="0"/>
+              <a:latin typeface="Cambria" panose="02040503050406030204" charset="0"/>
               <a:ea typeface="Calibri" panose="020F0502020204030204" pitchFamily="34" charset="0"/>
+              <a:cs typeface="Cambria" panose="02040503050406030204" charset="0"/>
             </a:endParaRPr>
           </a:p>
           <a:p>
@@ -8180,14 +8852,21 @@
             <a:r>
               <a:rPr lang="en-IN" sz="1900" dirty="0">
                 <a:effectLst/>
-                <a:latin typeface="Times New Roman" panose="02020603050405020304" pitchFamily="18" charset="0"/>
-                <a:ea typeface="Calibri" panose="020F0502020204030204" pitchFamily="34" charset="0"/>
+                <a:latin typeface="Cambria" panose="02040503050406030204" charset="0"/>
+                <a:ea typeface="Calibri" panose="020F0502020204030204" pitchFamily="34" charset="0"/>
+                <a:cs typeface="Cambria" panose="02040503050406030204" charset="0"/>
               </a:rPr>
               <a:t>Architecture : </a:t>
             </a:r>
-          </a:p>
-          <a:p>
-            <a:pPr marL="1143000" lvl="2" indent="-228600" algn="just">
+            <a:endParaRPr lang="en-IN" sz="1900" dirty="0">
+              <a:effectLst/>
+              <a:latin typeface="Cambria" panose="02040503050406030204" charset="0"/>
+              <a:ea typeface="Calibri" panose="020F0502020204030204" pitchFamily="34" charset="0"/>
+              <a:cs typeface="Cambria" panose="02040503050406030204" charset="0"/>
+            </a:endParaRPr>
+          </a:p>
+          <a:p>
+            <a:pPr marL="1600200" lvl="3" indent="-228600" algn="just">
               <a:lnSpc>
                 <a:spcPct val="107000"/>
               </a:lnSpc>
@@ -8198,16 +8877,23 @@
               </a:tabLst>
             </a:pPr>
             <a:r>
-              <a:rPr lang="en-IN" sz="1900" dirty="0">
-                <a:effectLst/>
-                <a:latin typeface="Times New Roman" panose="02020603050405020304" pitchFamily="18" charset="0"/>
-                <a:ea typeface="Calibri" panose="020F0502020204030204" pitchFamily="34" charset="0"/>
+              <a:rPr lang="en-IN" sz="1710" dirty="0">
+                <a:effectLst/>
+                <a:latin typeface="Cambria" panose="02040503050406030204" charset="0"/>
+                <a:ea typeface="Calibri" panose="020F0502020204030204" pitchFamily="34" charset="0"/>
+                <a:cs typeface="Cambria" panose="02040503050406030204" charset="0"/>
               </a:rPr>
               <a:t>Using OCR – Extract the text of the image(pytesseract)</a:t>
             </a:r>
-          </a:p>
-          <a:p>
-            <a:pPr marL="1143000" lvl="2" indent="-228600" algn="just">
+            <a:endParaRPr lang="en-IN" sz="1710" dirty="0">
+              <a:effectLst/>
+              <a:latin typeface="Cambria" panose="02040503050406030204" charset="0"/>
+              <a:ea typeface="Calibri" panose="020F0502020204030204" pitchFamily="34" charset="0"/>
+              <a:cs typeface="Cambria" panose="02040503050406030204" charset="0"/>
+            </a:endParaRPr>
+          </a:p>
+          <a:p>
+            <a:pPr marL="1600200" lvl="3" indent="-228600" algn="just">
               <a:lnSpc>
                 <a:spcPct val="107000"/>
               </a:lnSpc>
@@ -8218,16 +8904,23 @@
               </a:tabLst>
             </a:pPr>
             <a:r>
-              <a:rPr lang="en-IN" sz="1900" dirty="0">
-                <a:effectLst/>
-                <a:latin typeface="Times New Roman" panose="02020603050405020304" pitchFamily="18" charset="0"/>
-                <a:ea typeface="Calibri" panose="020F0502020204030204" pitchFamily="34" charset="0"/>
+              <a:rPr lang="en-IN" sz="1710" dirty="0">
+                <a:effectLst/>
+                <a:latin typeface="Cambria" panose="02040503050406030204" charset="0"/>
+                <a:ea typeface="Calibri" panose="020F0502020204030204" pitchFamily="34" charset="0"/>
+                <a:cs typeface="Cambria" panose="02040503050406030204" charset="0"/>
               </a:rPr>
               <a:t>Text Embeddings – BERT (bert-base-multilingual-cased.)</a:t>
             </a:r>
-          </a:p>
-          <a:p>
-            <a:pPr marL="1143000" lvl="2" indent="-228600">
+            <a:endParaRPr lang="en-IN" sz="1710" dirty="0">
+              <a:effectLst/>
+              <a:latin typeface="Cambria" panose="02040503050406030204" charset="0"/>
+              <a:ea typeface="Calibri" panose="020F0502020204030204" pitchFamily="34" charset="0"/>
+              <a:cs typeface="Cambria" panose="02040503050406030204" charset="0"/>
+            </a:endParaRPr>
+          </a:p>
+          <a:p>
+            <a:pPr marL="1600200" lvl="3" indent="-228600">
               <a:lnSpc>
                 <a:spcPct val="107000"/>
               </a:lnSpc>
@@ -8238,16 +8931,23 @@
               </a:tabLst>
             </a:pPr>
             <a:r>
-              <a:rPr lang="en-IN" sz="1900" dirty="0">
-                <a:effectLst/>
-                <a:latin typeface="Times New Roman" panose="02020603050405020304" pitchFamily="18" charset="0"/>
-                <a:ea typeface="Calibri" panose="020F0502020204030204" pitchFamily="34" charset="0"/>
+              <a:rPr lang="en-IN" sz="1710" dirty="0">
+                <a:effectLst/>
+                <a:latin typeface="Cambria" panose="02040503050406030204" charset="0"/>
+                <a:ea typeface="Calibri" panose="020F0502020204030204" pitchFamily="34" charset="0"/>
+                <a:cs typeface="Cambria" panose="02040503050406030204" charset="0"/>
               </a:rPr>
               <a:t>Image Embeddings – VGG-16 (Pre-trained on ImageNet) </a:t>
             </a:r>
-          </a:p>
-          <a:p>
-            <a:pPr lvl="2">
+            <a:endParaRPr lang="en-IN" sz="1710" dirty="0">
+              <a:effectLst/>
+              <a:latin typeface="Cambria" panose="02040503050406030204" charset="0"/>
+              <a:ea typeface="Calibri" panose="020F0502020204030204" pitchFamily="34" charset="0"/>
+              <a:cs typeface="Cambria" panose="02040503050406030204" charset="0"/>
+            </a:endParaRPr>
+          </a:p>
+          <a:p>
+            <a:pPr lvl="3">
               <a:lnSpc>
                 <a:spcPct val="107000"/>
               </a:lnSpc>
@@ -8258,16 +8958,23 @@
               </a:tabLst>
             </a:pPr>
             <a:r>
-              <a:rPr lang="en-IN" sz="1800" dirty="0">
-                <a:effectLst/>
-                <a:latin typeface="Times New Roman" panose="02020603050405020304" pitchFamily="18" charset="0"/>
-                <a:ea typeface="Calibri" panose="020F0502020204030204" pitchFamily="34" charset="0"/>
+              <a:rPr lang="en-IN" sz="1620" dirty="0">
+                <a:effectLst/>
+                <a:latin typeface="Cambria" panose="02040503050406030204" charset="0"/>
+                <a:ea typeface="Calibri" panose="020F0502020204030204" pitchFamily="34" charset="0"/>
+                <a:cs typeface="Cambria" panose="02040503050406030204" charset="0"/>
               </a:rPr>
               <a:t>Fusion and the classifier  - </a:t>
             </a:r>
-          </a:p>
-          <a:p>
-            <a:pPr marL="914400" lvl="2" indent="0">
+            <a:endParaRPr lang="en-IN" sz="1620" dirty="0">
+              <a:effectLst/>
+              <a:latin typeface="Cambria" panose="02040503050406030204" charset="0"/>
+              <a:ea typeface="Calibri" panose="020F0502020204030204" pitchFamily="34" charset="0"/>
+              <a:cs typeface="Cambria" panose="02040503050406030204" charset="0"/>
+            </a:endParaRPr>
+          </a:p>
+          <a:p>
+            <a:pPr marL="1371600" lvl="3" indent="0">
               <a:lnSpc>
                 <a:spcPct val="107000"/>
               </a:lnSpc>
@@ -8276,10 +8983,11 @@
                 <a:tab pos="3589020" algn="l"/>
               </a:tabLst>
             </a:pPr>
-            <a:endParaRPr lang="en-IN" sz="1900" dirty="0">
+            <a:endParaRPr lang="en-IN" sz="1710" dirty="0">
               <a:effectLst/>
-              <a:latin typeface="Times New Roman" panose="02020603050405020304" pitchFamily="18" charset="0"/>
+              <a:latin typeface="Cambria" panose="02040503050406030204" charset="0"/>
               <a:ea typeface="Calibri" panose="020F0502020204030204" pitchFamily="34" charset="0"/>
+              <a:cs typeface="Cambria" panose="02040503050406030204" charset="0"/>
             </a:endParaRPr>
           </a:p>
           <a:p>
@@ -8297,8 +9005,9 @@
             </a:pPr>
             <a:endParaRPr lang="en-IN" sz="8000" dirty="0">
               <a:effectLst/>
-              <a:latin typeface="Times New Roman" panose="02020603050405020304" pitchFamily="18" charset="0"/>
+              <a:latin typeface="Cambria" panose="02040503050406030204" charset="0"/>
               <a:ea typeface="Calibri" panose="020F0502020204030204" pitchFamily="34" charset="0"/>
+              <a:cs typeface="Cambria" panose="02040503050406030204" charset="0"/>
             </a:endParaRPr>
           </a:p>
           <a:p>
@@ -8316,12 +9025,16 @@
             <a:r>
               <a:rPr lang="en-IN" sz="1600" dirty="0">
                 <a:effectLst/>
-                <a:latin typeface="Times New Roman" panose="02020603050405020304" pitchFamily="18" charset="0"/>
-                <a:ea typeface="Calibri" panose="020F0502020204030204" pitchFamily="34" charset="0"/>
+                <a:latin typeface="Cambria" panose="02040503050406030204" charset="0"/>
+                <a:ea typeface="Calibri" panose="020F0502020204030204" pitchFamily="34" charset="0"/>
+                <a:cs typeface="Cambria" panose="02040503050406030204" charset="0"/>
               </a:rPr>
               <a:t> </a:t>
             </a:r>
-            <a:endParaRPr lang="en-IN" dirty="0"/>
+            <a:endParaRPr lang="en-IN" dirty="0">
+              <a:latin typeface="Cambria" panose="02040503050406030204" charset="0"/>
+              <a:cs typeface="Cambria" panose="02040503050406030204" charset="0"/>
+            </a:endParaRPr>
           </a:p>
         </p:txBody>
       </p:sp>
@@ -8334,10 +9047,10 @@
           <p:nvPr/>
         </p:nvPicPr>
         <p:blipFill>
-          <a:blip r:embed="rId2">
+          <a:blip r:embed="rId1">
             <a:extLst>
               <a:ext uri="{28A0092B-C50C-407E-A947-70E740481C1C}">
-                <a14:useLocalDpi xmlns="" xmlns:a14="http://schemas.microsoft.com/office/drawing/2010/main" val="0"/>
+                <a14:useLocalDpi xmlns:a14="http://schemas.microsoft.com/office/drawing/2010/main" val="0"/>
               </a:ext>
             </a:extLst>
           </a:blip>
@@ -8347,8 +9060,8 @@
         </p:blipFill>
         <p:spPr>
           <a:xfrm>
-            <a:off x="5877169" y="2585629"/>
-            <a:ext cx="6403370" cy="2236463"/>
+            <a:off x="5876925" y="2416810"/>
+            <a:ext cx="5792470" cy="2023110"/>
           </a:xfrm>
           <a:prstGeom prst="rect">
             <a:avLst/>
@@ -8392,7 +9105,7 @@
         </p:nvSpPr>
         <p:spPr>
           <a:xfrm>
-            <a:off x="838200" y="168031"/>
+            <a:off x="829310" y="168031"/>
             <a:ext cx="10515600" cy="6276975"/>
           </a:xfrm>
         </p:spPr>
@@ -8414,10 +9127,31 @@
                 <a:tab pos="3589020" algn="l"/>
               </a:tabLst>
             </a:pPr>
-            <a:endParaRPr lang="en-IN" sz="1400" dirty="0">
+            <a:endParaRPr lang="en-IN" sz="1200" dirty="0">
               <a:effectLst/>
-              <a:latin typeface="Times New Roman" panose="02020603050405020304" pitchFamily="18" charset="0"/>
+              <a:latin typeface="Cambria" panose="02040503050406030204" charset="0"/>
               <a:ea typeface="Calibri" panose="020F0502020204030204" pitchFamily="34" charset="0"/>
+              <a:cs typeface="Cambria" panose="02040503050406030204" charset="0"/>
+            </a:endParaRPr>
+          </a:p>
+          <a:p>
+            <a:pPr marL="0" indent="0" algn="just">
+              <a:lnSpc>
+                <a:spcPct val="107000"/>
+              </a:lnSpc>
+              <a:spcAft>
+                <a:spcPts val="800"/>
+              </a:spcAft>
+              <a:buNone/>
+              <a:tabLst>
+                <a:tab pos="3589020" algn="l"/>
+              </a:tabLst>
+            </a:pPr>
+            <a:endParaRPr lang="en-IN" sz="1200" dirty="0">
+              <a:effectLst/>
+              <a:latin typeface="Cambria" panose="02040503050406030204" charset="0"/>
+              <a:ea typeface="Calibri" panose="020F0502020204030204" pitchFamily="34" charset="0"/>
+              <a:cs typeface="Cambria" panose="02040503050406030204" charset="0"/>
             </a:endParaRPr>
           </a:p>
           <a:p>
@@ -8435,29 +9169,29 @@
               </a:tabLst>
             </a:pPr>
             <a:r>
-              <a:rPr lang="en-IN" sz="2000" b="1" dirty="0">
-                <a:effectLst/>
-                <a:latin typeface="Times New Roman" panose="02020603050405020304" pitchFamily="18" charset="0"/>
-                <a:ea typeface="Calibri" panose="020F0502020204030204" pitchFamily="34" charset="0"/>
-              </a:rPr>
-              <a:t> </a:t>
-            </a:r>
-            <a:r>
               <a:rPr lang="en-IN" sz="1800" b="1" dirty="0">
                 <a:effectLst/>
-                <a:latin typeface="Times New Roman" panose="02020603050405020304" pitchFamily="18" charset="0"/>
-                <a:ea typeface="Calibri" panose="020F0502020204030204" pitchFamily="34" charset="0"/>
-              </a:rPr>
-              <a:t>Experiments </a:t>
-            </a:r>
-            <a:r>
-              <a:rPr lang="en-IN" sz="1800" dirty="0">
-                <a:effectLst/>
-                <a:latin typeface="Times New Roman" panose="02020603050405020304" pitchFamily="18" charset="0"/>
-                <a:ea typeface="Calibri" panose="020F0502020204030204" pitchFamily="34" charset="0"/>
+                <a:latin typeface="Cambria" panose="02040503050406030204" charset="0"/>
+                <a:ea typeface="Calibri" panose="020F0502020204030204" pitchFamily="34" charset="0"/>
+                <a:cs typeface="Cambria" panose="02040503050406030204" charset="0"/>
+              </a:rPr>
+              <a:t> Experiments </a:t>
+            </a:r>
+            <a:r>
+              <a:rPr lang="en-IN" sz="1600" dirty="0">
+                <a:effectLst/>
+                <a:latin typeface="Cambria" panose="02040503050406030204" charset="0"/>
+                <a:ea typeface="Calibri" panose="020F0502020204030204" pitchFamily="34" charset="0"/>
+                <a:cs typeface="Cambria" panose="02040503050406030204" charset="0"/>
               </a:rPr>
               <a:t>: </a:t>
             </a:r>
+            <a:endParaRPr lang="en-IN" sz="1600" dirty="0">
+              <a:effectLst/>
+              <a:latin typeface="Cambria" panose="02040503050406030204" charset="0"/>
+              <a:ea typeface="Calibri" panose="020F0502020204030204" pitchFamily="34" charset="0"/>
+              <a:cs typeface="Cambria" panose="02040503050406030204" charset="0"/>
+            </a:endParaRPr>
           </a:p>
           <a:p>
             <a:pPr marL="800100" lvl="1" indent="-342900" algn="just">
@@ -8471,13 +9205,20 @@
               </a:tabLst>
             </a:pPr>
             <a:r>
-              <a:rPr lang="en-IN" sz="1600" dirty="0">
-                <a:effectLst/>
-                <a:latin typeface="Times New Roman" panose="02020603050405020304" pitchFamily="18" charset="0"/>
-                <a:ea typeface="Calibri" panose="020F0502020204030204" pitchFamily="34" charset="0"/>
+              <a:rPr lang="en-IN" sz="1400" dirty="0">
+                <a:effectLst/>
+                <a:latin typeface="Cambria" panose="02040503050406030204" charset="0"/>
+                <a:ea typeface="Calibri" panose="020F0502020204030204" pitchFamily="34" charset="0"/>
+                <a:cs typeface="Cambria" panose="02040503050406030204" charset="0"/>
               </a:rPr>
               <a:t>Text descriptors : VGG-16 and BERT</a:t>
             </a:r>
+            <a:endParaRPr lang="en-IN" sz="1400" dirty="0">
+              <a:effectLst/>
+              <a:latin typeface="Cambria" panose="02040503050406030204" charset="0"/>
+              <a:ea typeface="Calibri" panose="020F0502020204030204" pitchFamily="34" charset="0"/>
+              <a:cs typeface="Cambria" panose="02040503050406030204" charset="0"/>
+            </a:endParaRPr>
           </a:p>
           <a:p>
             <a:pPr marL="800100" lvl="1" indent="-342900" algn="just">
@@ -8491,13 +9232,20 @@
               </a:tabLst>
             </a:pPr>
             <a:r>
-              <a:rPr lang="en-IN" sz="1600" dirty="0">
-                <a:effectLst/>
-                <a:latin typeface="Times New Roman" panose="02020603050405020304" pitchFamily="18" charset="0"/>
-                <a:ea typeface="Calibri" panose="020F0502020204030204" pitchFamily="34" charset="0"/>
+              <a:rPr lang="en-IN" sz="1400" dirty="0">
+                <a:effectLst/>
+                <a:latin typeface="Cambria" panose="02040503050406030204" charset="0"/>
+                <a:ea typeface="Calibri" panose="020F0502020204030204" pitchFamily="34" charset="0"/>
+                <a:cs typeface="Cambria" panose="02040503050406030204" charset="0"/>
               </a:rPr>
               <a:t>Classifier : A Multi-Layer Perceptron (MLP) with two Hidden Layers, Hidden size = 100</a:t>
             </a:r>
+            <a:endParaRPr lang="en-IN" sz="1400" dirty="0">
+              <a:effectLst/>
+              <a:latin typeface="Cambria" panose="02040503050406030204" charset="0"/>
+              <a:ea typeface="Calibri" panose="020F0502020204030204" pitchFamily="34" charset="0"/>
+              <a:cs typeface="Cambria" panose="02040503050406030204" charset="0"/>
+            </a:endParaRPr>
           </a:p>
           <a:p>
             <a:pPr marL="800100" lvl="1" indent="-342900" algn="just">
@@ -8511,13 +9259,20 @@
               </a:tabLst>
             </a:pPr>
             <a:r>
-              <a:rPr lang="en-IN" sz="1600" dirty="0">
-                <a:effectLst/>
-                <a:latin typeface="Times New Roman" panose="02020603050405020304" pitchFamily="18" charset="0"/>
-                <a:ea typeface="Calibri" panose="020F0502020204030204" pitchFamily="34" charset="0"/>
+              <a:rPr lang="en-IN" sz="1400" dirty="0">
+                <a:effectLst/>
+                <a:latin typeface="Cambria" panose="02040503050406030204" charset="0"/>
+                <a:ea typeface="Calibri" panose="020F0502020204030204" pitchFamily="34" charset="0"/>
+                <a:cs typeface="Cambria" panose="02040503050406030204" charset="0"/>
               </a:rPr>
               <a:t>Optimizer: SGD with momentum, learning rate = 0.01, momentum = 0.9, Batch size = 30.</a:t>
             </a:r>
+            <a:endParaRPr lang="en-IN" sz="1400" dirty="0">
+              <a:effectLst/>
+              <a:latin typeface="Cambria" panose="02040503050406030204" charset="0"/>
+              <a:ea typeface="Calibri" panose="020F0502020204030204" pitchFamily="34" charset="0"/>
+              <a:cs typeface="Cambria" panose="02040503050406030204" charset="0"/>
+            </a:endParaRPr>
           </a:p>
           <a:p>
             <a:pPr marL="800100" lvl="1" indent="-342900" algn="just">
@@ -8534,17 +9289,19 @@
               </a:tabLst>
             </a:pPr>
             <a:r>
-              <a:rPr lang="en-IN" sz="1600" dirty="0">
-                <a:effectLst/>
-                <a:latin typeface="Times New Roman" panose="02020603050405020304" pitchFamily="18" charset="0"/>
-                <a:ea typeface="Calibri" panose="020F0502020204030204" pitchFamily="34" charset="0"/>
+              <a:rPr lang="en-IN" sz="1400" dirty="0">
+                <a:effectLst/>
+                <a:latin typeface="Cambria" panose="02040503050406030204" charset="0"/>
+                <a:ea typeface="Calibri" panose="020F0502020204030204" pitchFamily="34" charset="0"/>
+                <a:cs typeface="Cambria" panose="02040503050406030204" charset="0"/>
               </a:rPr>
               <a:t>Result : Large loss functions.</a:t>
             </a:r>
-            <a:endParaRPr lang="en-IN" sz="1800" dirty="0">
+            <a:endParaRPr lang="en-IN" sz="1600" dirty="0">
               <a:effectLst/>
-              <a:latin typeface="Times New Roman" panose="02020603050405020304" pitchFamily="18" charset="0"/>
+              <a:latin typeface="Cambria" panose="02040503050406030204" charset="0"/>
               <a:ea typeface="Calibri" panose="020F0502020204030204" pitchFamily="34" charset="0"/>
+              <a:cs typeface="Cambria" panose="02040503050406030204" charset="0"/>
             </a:endParaRPr>
           </a:p>
           <a:p>
@@ -8559,13 +9316,20 @@
               </a:tabLst>
             </a:pPr>
             <a:r>
-              <a:rPr lang="en-IN" sz="1800" dirty="0">
-                <a:effectLst/>
-                <a:latin typeface="Times New Roman" panose="02020603050405020304" pitchFamily="18" charset="0"/>
-                <a:ea typeface="Calibri" panose="020F0502020204030204" pitchFamily="34" charset="0"/>
+              <a:rPr lang="en-IN" sz="1600" dirty="0">
+                <a:effectLst/>
+                <a:latin typeface="Cambria" panose="02040503050406030204" charset="0"/>
+                <a:ea typeface="Calibri" panose="020F0502020204030204" pitchFamily="34" charset="0"/>
+                <a:cs typeface="Cambria" panose="02040503050406030204" charset="0"/>
               </a:rPr>
               <a:t>Optimizer : Adam with β1 = 0.9 and β2 = 0.999.</a:t>
             </a:r>
+            <a:endParaRPr lang="en-IN" sz="1600" dirty="0">
+              <a:effectLst/>
+              <a:latin typeface="Cambria" panose="02040503050406030204" charset="0"/>
+              <a:ea typeface="Calibri" panose="020F0502020204030204" pitchFamily="34" charset="0"/>
+              <a:cs typeface="Cambria" panose="02040503050406030204" charset="0"/>
+            </a:endParaRPr>
           </a:p>
           <a:p>
             <a:pPr lvl="3" algn="just">
@@ -8582,13 +9346,20 @@
               </a:tabLst>
             </a:pPr>
             <a:r>
-              <a:rPr lang="en-IN" dirty="0">
-                <a:effectLst/>
-                <a:latin typeface="Times New Roman" panose="02020603050405020304" pitchFamily="18" charset="0"/>
-                <a:ea typeface="Calibri" panose="020F0502020204030204" pitchFamily="34" charset="0"/>
+              <a:rPr lang="en-IN" sz="1600" dirty="0">
+                <a:effectLst/>
+                <a:latin typeface="Cambria" panose="02040503050406030204" charset="0"/>
+                <a:ea typeface="Calibri" panose="020F0502020204030204" pitchFamily="34" charset="0"/>
+                <a:cs typeface="Cambria" panose="02040503050406030204" charset="0"/>
               </a:rPr>
               <a:t>Improved accuracy (84%)</a:t>
             </a:r>
+            <a:endParaRPr lang="en-IN" sz="1600" dirty="0">
+              <a:effectLst/>
+              <a:latin typeface="Cambria" panose="02040503050406030204" charset="0"/>
+              <a:ea typeface="Calibri" panose="020F0502020204030204" pitchFamily="34" charset="0"/>
+              <a:cs typeface="Cambria" panose="02040503050406030204" charset="0"/>
+            </a:endParaRPr>
           </a:p>
           <a:p>
             <a:pPr algn="just">
@@ -8603,13 +9374,20 @@
               </a:tabLst>
             </a:pPr>
             <a:r>
-              <a:rPr lang="en-IN" sz="1600" dirty="0">
-                <a:effectLst/>
-                <a:latin typeface="Times New Roman" panose="02020603050405020304" pitchFamily="18" charset="0"/>
-                <a:ea typeface="Calibri" panose="020F0502020204030204" pitchFamily="34" charset="0"/>
+              <a:rPr lang="en-IN" sz="1400" dirty="0">
+                <a:effectLst/>
+                <a:latin typeface="Cambria" panose="02040503050406030204" charset="0"/>
+                <a:ea typeface="Calibri" panose="020F0502020204030204" pitchFamily="34" charset="0"/>
+                <a:cs typeface="Cambria" panose="02040503050406030204" charset="0"/>
               </a:rPr>
               <a:t>Possible Other Descriptor : XLNET model which has been proved to outperform BERT.</a:t>
             </a:r>
+            <a:endParaRPr lang="en-IN" sz="1400" dirty="0">
+              <a:effectLst/>
+              <a:latin typeface="Cambria" panose="02040503050406030204" charset="0"/>
+              <a:ea typeface="Calibri" panose="020F0502020204030204" pitchFamily="34" charset="0"/>
+              <a:cs typeface="Cambria" panose="02040503050406030204" charset="0"/>
+            </a:endParaRPr>
           </a:p>
           <a:p>
             <a:pPr marL="0" indent="0" algn="just">
@@ -8624,10 +9402,11 @@
                 <a:tab pos="3589020" algn="l"/>
               </a:tabLst>
             </a:pPr>
-            <a:endParaRPr lang="en-IN" sz="1800" dirty="0">
+            <a:endParaRPr lang="en-IN" sz="1600" dirty="0">
               <a:effectLst/>
-              <a:latin typeface="Times New Roman" panose="02020603050405020304" pitchFamily="18" charset="0"/>
+              <a:latin typeface="Cambria" panose="02040503050406030204" charset="0"/>
               <a:ea typeface="Calibri" panose="020F0502020204030204" pitchFamily="34" charset="0"/>
+              <a:cs typeface="Cambria" panose="02040503050406030204" charset="0"/>
             </a:endParaRPr>
           </a:p>
           <a:p>
@@ -8636,62 +9415,63 @@
               <a:buChar char="q"/>
             </a:pPr>
             <a:r>
-              <a:rPr lang="en-US" sz="1800" b="1" dirty="0">
-                <a:latin typeface="Times New Roman" panose="02020603050405020304" pitchFamily="18" charset="0"/>
-                <a:cs typeface="Times New Roman" panose="02020603050405020304" pitchFamily="18" charset="0"/>
+              <a:rPr lang="en-US" sz="1600" b="1" dirty="0">
+                <a:latin typeface="Cambria" panose="02040503050406030204" charset="0"/>
+                <a:cs typeface="Cambria" panose="02040503050406030204" charset="0"/>
               </a:rPr>
               <a:t>Conclusion </a:t>
             </a:r>
             <a:r>
-              <a:rPr lang="en-US" sz="1800" dirty="0">
-                <a:latin typeface="Times New Roman" panose="02020603050405020304" pitchFamily="18" charset="0"/>
-                <a:cs typeface="Times New Roman" panose="02020603050405020304" pitchFamily="18" charset="0"/>
+              <a:rPr lang="en-US" sz="1600" dirty="0">
+                <a:latin typeface="Cambria" panose="02040503050406030204" charset="0"/>
+                <a:cs typeface="Cambria" panose="02040503050406030204" charset="0"/>
               </a:rPr>
               <a:t>: </a:t>
             </a:r>
             <a:br>
-              <a:rPr lang="en-US" sz="1800" dirty="0">
-                <a:latin typeface="Times New Roman" panose="02020603050405020304" pitchFamily="18" charset="0"/>
-                <a:cs typeface="Times New Roman" panose="02020603050405020304" pitchFamily="18" charset="0"/>
+              <a:rPr lang="en-US" sz="1600" dirty="0">
+                <a:latin typeface="Cambria" panose="02040503050406030204" charset="0"/>
+                <a:cs typeface="Cambria" panose="02040503050406030204" charset="0"/>
               </a:rPr>
             </a:br>
-            <a:r>
-              <a:rPr lang="en-US" sz="1800" dirty="0">
-                <a:latin typeface="Times New Roman" panose="02020603050405020304" pitchFamily="18" charset="0"/>
-                <a:cs typeface="Times New Roman" panose="02020603050405020304" pitchFamily="18" charset="0"/>
-              </a:rPr>
-              <a:t/>
-            </a:r>
             <a:br>
-              <a:rPr lang="en-US" sz="1800" dirty="0">
-                <a:latin typeface="Times New Roman" panose="02020603050405020304" pitchFamily="18" charset="0"/>
-                <a:cs typeface="Times New Roman" panose="02020603050405020304" pitchFamily="18" charset="0"/>
+              <a:rPr lang="en-US" sz="1600" dirty="0">
+                <a:latin typeface="Cambria" panose="02040503050406030204" charset="0"/>
+                <a:cs typeface="Cambria" panose="02040503050406030204" charset="0"/>
               </a:rPr>
             </a:br>
             <a:r>
-              <a:rPr lang="en-IN" sz="1600" dirty="0">
-                <a:effectLst/>
-                <a:latin typeface="Times New Roman" panose="02020603050405020304" pitchFamily="18" charset="0"/>
-                <a:ea typeface="Calibri" panose="020F0502020204030204" pitchFamily="34" charset="0"/>
+              <a:rPr lang="en-IN" sz="1400" dirty="0">
+                <a:effectLst/>
+                <a:latin typeface="Cambria" panose="02040503050406030204" charset="0"/>
+                <a:ea typeface="Calibri" panose="020F0502020204030204" pitchFamily="34" charset="0"/>
+                <a:cs typeface="Cambria" panose="02040503050406030204" charset="0"/>
               </a:rPr>
               <a:t>The quality of the annotations </a:t>
             </a:r>
             <a:r>
-              <a:rPr lang="en-IN" sz="1600" dirty="0">
-                <a:latin typeface="Times New Roman" panose="02020603050405020304" pitchFamily="18" charset="0"/>
-                <a:ea typeface="Calibri" panose="020F0502020204030204" pitchFamily="34" charset="0"/>
+              <a:rPr lang="en-IN" sz="1400" dirty="0">
+                <a:latin typeface="Cambria" panose="02040503050406030204" charset="0"/>
+                <a:ea typeface="Calibri" panose="020F0502020204030204" pitchFamily="34" charset="0"/>
+                <a:cs typeface="Cambria" panose="02040503050406030204" charset="0"/>
               </a:rPr>
               <a:t>was </a:t>
             </a:r>
             <a:r>
-              <a:rPr lang="en-IN" sz="1600" dirty="0">
-                <a:effectLst/>
-                <a:latin typeface="Times New Roman" panose="02020603050405020304" pitchFamily="18" charset="0"/>
-                <a:ea typeface="Calibri" panose="020F0502020204030204" pitchFamily="34" charset="0"/>
+              <a:rPr lang="en-IN" sz="1400" dirty="0">
+                <a:effectLst/>
+                <a:latin typeface="Cambria" panose="02040503050406030204" charset="0"/>
+                <a:ea typeface="Calibri" panose="020F0502020204030204" pitchFamily="34" charset="0"/>
+                <a:cs typeface="Cambria" panose="02040503050406030204" charset="0"/>
               </a:rPr>
               <a:t>very bad, and this has probably been one of the main limitation of the project and reasons to get much worse training and evaluation of the model.</a:t>
             </a:r>
-            <a:endParaRPr lang="en-IN" sz="1600" dirty="0"/>
+            <a:endParaRPr lang="en-IN" sz="1400" dirty="0">
+              <a:effectLst/>
+              <a:latin typeface="Cambria" panose="02040503050406030204" charset="0"/>
+              <a:ea typeface="Calibri" panose="020F0502020204030204" pitchFamily="34" charset="0"/>
+              <a:cs typeface="Cambria" panose="02040503050406030204" charset="0"/>
+            </a:endParaRPr>
           </a:p>
         </p:txBody>
       </p:sp>
@@ -8752,22 +9532,50 @@
                 <a:tab pos="3589020" algn="l"/>
               </a:tabLst>
             </a:pPr>
-            <a:r>
-              <a:rPr lang="en-IN" sz="1600" b="1" dirty="0">
-                <a:effectLst/>
-                <a:latin typeface="Times New Roman" panose="02020603050405020304" pitchFamily="18" charset="0"/>
-                <a:ea typeface="Calibri" panose="020F0502020204030204" pitchFamily="34" charset="0"/>
+            <a:endParaRPr lang="en-IN" sz="2000" b="1" dirty="0">
+              <a:effectLst/>
+              <a:latin typeface="Cambria" panose="02040503050406030204" charset="0"/>
+              <a:ea typeface="Calibri" panose="020F0502020204030204" pitchFamily="34" charset="0"/>
+              <a:cs typeface="Cambria" panose="02040503050406030204" charset="0"/>
+            </a:endParaRPr>
+          </a:p>
+          <a:p>
+            <a:pPr marL="0" indent="0">
+              <a:lnSpc>
+                <a:spcPct val="107000"/>
+              </a:lnSpc>
+              <a:spcAft>
+                <a:spcPts val="800"/>
+              </a:spcAft>
+              <a:buNone/>
+              <a:tabLst>
+                <a:tab pos="3589020" algn="l"/>
+              </a:tabLst>
+            </a:pPr>
+            <a:r>
+              <a:rPr lang="en-IN" sz="2000" b="1" dirty="0">
+                <a:effectLst/>
+                <a:latin typeface="Cambria" panose="02040503050406030204" charset="0"/>
+                <a:ea typeface="Calibri" panose="020F0502020204030204" pitchFamily="34" charset="0"/>
+                <a:cs typeface="Cambria" panose="02040503050406030204" charset="0"/>
               </a:rPr>
               <a:t>Reference  Paper 2 : </a:t>
             </a:r>
             <a:r>
-              <a:rPr lang="en-IN" sz="1600" dirty="0">
-                <a:effectLst/>
-                <a:latin typeface="Times New Roman" panose="02020603050405020304" pitchFamily="18" charset="0"/>
-                <a:ea typeface="Calibri" panose="020F0502020204030204" pitchFamily="34" charset="0"/>
+              <a:rPr lang="en-IN" sz="2000" dirty="0">
+                <a:effectLst/>
+                <a:latin typeface="Cambria" panose="02040503050406030204" charset="0"/>
+                <a:ea typeface="Calibri" panose="020F0502020204030204" pitchFamily="34" charset="0"/>
+                <a:cs typeface="Cambria" panose="02040503050406030204" charset="0"/>
               </a:rPr>
               <a:t>“VISUALBERT: A SIMPLE AND PERFORMANT BASELINE FOR VISION AND LANGUAGE”</a:t>
             </a:r>
+            <a:endParaRPr lang="en-IN" sz="2000" dirty="0">
+              <a:effectLst/>
+              <a:latin typeface="Cambria" panose="02040503050406030204" charset="0"/>
+              <a:ea typeface="Calibri" panose="020F0502020204030204" pitchFamily="34" charset="0"/>
+              <a:cs typeface="Cambria" panose="02040503050406030204" charset="0"/>
+            </a:endParaRPr>
           </a:p>
           <a:p>
             <a:pPr algn="just">
@@ -8782,61 +9590,74 @@
               </a:tabLst>
             </a:pPr>
             <a:r>
-              <a:rPr lang="en-IN" sz="1600" dirty="0">
-                <a:effectLst/>
-                <a:latin typeface="Times New Roman" panose="02020603050405020304" pitchFamily="18" charset="0"/>
-                <a:ea typeface="Calibri" panose="020F0502020204030204" pitchFamily="34" charset="0"/>
+              <a:rPr lang="en-IN" sz="1200" dirty="0">
+                <a:effectLst/>
+                <a:latin typeface="Cambria" panose="02040503050406030204" charset="0"/>
+                <a:ea typeface="Calibri" panose="020F0502020204030204" pitchFamily="34" charset="0"/>
+                <a:cs typeface="Cambria" panose="02040503050406030204" charset="0"/>
               </a:rPr>
               <a:t>Authors: </a:t>
             </a:r>
             <a:r>
-              <a:rPr lang="en-IN" sz="1600" dirty="0" err="1">
-                <a:effectLst/>
-                <a:latin typeface="Times New Roman" panose="02020603050405020304" pitchFamily="18" charset="0"/>
-                <a:ea typeface="Calibri" panose="020F0502020204030204" pitchFamily="34" charset="0"/>
+              <a:rPr lang="en-IN" sz="1200" dirty="0" err="1">
+                <a:effectLst/>
+                <a:latin typeface="Cambria" panose="02040503050406030204" charset="0"/>
+                <a:ea typeface="Calibri" panose="020F0502020204030204" pitchFamily="34" charset="0"/>
+                <a:cs typeface="Cambria" panose="02040503050406030204" charset="0"/>
               </a:rPr>
               <a:t>Liunian</a:t>
             </a:r>
             <a:r>
-              <a:rPr lang="en-IN" sz="1600" dirty="0">
-                <a:effectLst/>
-                <a:latin typeface="Times New Roman" panose="02020603050405020304" pitchFamily="18" charset="0"/>
-                <a:ea typeface="Calibri" panose="020F0502020204030204" pitchFamily="34" charset="0"/>
+              <a:rPr lang="en-IN" sz="1200" dirty="0">
+                <a:effectLst/>
+                <a:latin typeface="Cambria" panose="02040503050406030204" charset="0"/>
+                <a:ea typeface="Calibri" panose="020F0502020204030204" pitchFamily="34" charset="0"/>
+                <a:cs typeface="Cambria" panose="02040503050406030204" charset="0"/>
               </a:rPr>
               <a:t> Harold Li, Mark </a:t>
             </a:r>
             <a:r>
-              <a:rPr lang="en-IN" sz="1600" dirty="0" err="1">
-                <a:effectLst/>
-                <a:latin typeface="Times New Roman" panose="02020603050405020304" pitchFamily="18" charset="0"/>
-                <a:ea typeface="Calibri" panose="020F0502020204030204" pitchFamily="34" charset="0"/>
+              <a:rPr lang="en-IN" sz="1200" dirty="0" err="1">
+                <a:effectLst/>
+                <a:latin typeface="Cambria" panose="02040503050406030204" charset="0"/>
+                <a:ea typeface="Calibri" panose="020F0502020204030204" pitchFamily="34" charset="0"/>
+                <a:cs typeface="Cambria" panose="02040503050406030204" charset="0"/>
               </a:rPr>
               <a:t>Yatskar</a:t>
             </a:r>
             <a:r>
-              <a:rPr lang="en-IN" sz="1600" dirty="0">
-                <a:effectLst/>
-                <a:latin typeface="Times New Roman" panose="02020603050405020304" pitchFamily="18" charset="0"/>
-                <a:ea typeface="Calibri" panose="020F0502020204030204" pitchFamily="34" charset="0"/>
+              <a:rPr lang="en-IN" sz="1200" dirty="0">
+                <a:effectLst/>
+                <a:latin typeface="Cambria" panose="02040503050406030204" charset="0"/>
+                <a:ea typeface="Calibri" panose="020F0502020204030204" pitchFamily="34" charset="0"/>
+                <a:cs typeface="Cambria" panose="02040503050406030204" charset="0"/>
               </a:rPr>
               <a:t>, Da Yin , Cho-</a:t>
             </a:r>
             <a:r>
-              <a:rPr lang="en-IN" sz="1600" dirty="0" err="1">
-                <a:effectLst/>
-                <a:latin typeface="Times New Roman" panose="02020603050405020304" pitchFamily="18" charset="0"/>
-                <a:ea typeface="Calibri" panose="020F0502020204030204" pitchFamily="34" charset="0"/>
+              <a:rPr lang="en-IN" sz="1200" dirty="0" err="1">
+                <a:effectLst/>
+                <a:latin typeface="Cambria" panose="02040503050406030204" charset="0"/>
+                <a:ea typeface="Calibri" panose="020F0502020204030204" pitchFamily="34" charset="0"/>
+                <a:cs typeface="Cambria" panose="02040503050406030204" charset="0"/>
               </a:rPr>
               <a:t>Jui</a:t>
             </a:r>
             <a:r>
-              <a:rPr lang="en-IN" sz="1600" dirty="0">
-                <a:effectLst/>
-                <a:latin typeface="Times New Roman" panose="02020603050405020304" pitchFamily="18" charset="0"/>
-                <a:ea typeface="Calibri" panose="020F0502020204030204" pitchFamily="34" charset="0"/>
+              <a:rPr lang="en-IN" sz="1200" dirty="0">
+                <a:effectLst/>
+                <a:latin typeface="Cambria" panose="02040503050406030204" charset="0"/>
+                <a:ea typeface="Calibri" panose="020F0502020204030204" pitchFamily="34" charset="0"/>
+                <a:cs typeface="Cambria" panose="02040503050406030204" charset="0"/>
               </a:rPr>
               <a:t> Hsieh &amp;   Kai-Wei Chang</a:t>
             </a:r>
+            <a:endParaRPr lang="en-IN" sz="1200" dirty="0">
+              <a:effectLst/>
+              <a:latin typeface="Cambria" panose="02040503050406030204" charset="0"/>
+              <a:ea typeface="Calibri" panose="020F0502020204030204" pitchFamily="34" charset="0"/>
+              <a:cs typeface="Cambria" panose="02040503050406030204" charset="0"/>
+            </a:endParaRPr>
           </a:p>
           <a:p>
             <a:pPr>
@@ -8853,37 +9674,38 @@
               </a:tabLst>
             </a:pPr>
             <a:r>
-              <a:rPr lang="en-IN" sz="1600" b="1" dirty="0">
-                <a:effectLst/>
-                <a:latin typeface="Times New Roman" panose="02020603050405020304" pitchFamily="18" charset="0"/>
-                <a:ea typeface="Calibri" panose="020F0502020204030204" pitchFamily="34" charset="0"/>
+              <a:rPr lang="en-IN" sz="1400" b="1" dirty="0">
+                <a:effectLst/>
+                <a:latin typeface="Cambria" panose="02040503050406030204" charset="0"/>
+                <a:ea typeface="Calibri" panose="020F0502020204030204" pitchFamily="34" charset="0"/>
+                <a:cs typeface="Cambria" panose="02040503050406030204" charset="0"/>
               </a:rPr>
               <a:t>Work Summary</a:t>
             </a:r>
             <a:r>
-              <a:rPr lang="en-IN" sz="1600" dirty="0">
-                <a:effectLst/>
-                <a:latin typeface="Times New Roman" panose="02020603050405020304" pitchFamily="18" charset="0"/>
-                <a:ea typeface="Calibri" panose="020F0502020204030204" pitchFamily="34" charset="0"/>
-              </a:rPr>
-              <a:t> </a:t>
-            </a:r>
-            <a:r>
-              <a:rPr lang="en-IN" sz="1800" dirty="0">
-                <a:effectLst/>
-                <a:latin typeface="Times New Roman" panose="02020603050405020304" pitchFamily="18" charset="0"/>
-                <a:ea typeface="Calibri" panose="020F0502020204030204" pitchFamily="34" charset="0"/>
-              </a:rPr>
-              <a:t>: </a:t>
-            </a:r>
-            <a:r>
-              <a:rPr lang="en-IN" sz="1600" dirty="0">
-                <a:effectLst/>
-                <a:latin typeface="Times New Roman" panose="02020603050405020304" pitchFamily="18" charset="0"/>
-                <a:ea typeface="Calibri" panose="020F0502020204030204" pitchFamily="34" charset="0"/>
-              </a:rPr>
-              <a:t>They propose VisualBERT, a simple and flexible framework for modeling a broad range of vision-and-language tasks.</a:t>
-            </a:r>
+              <a:rPr lang="en-IN" sz="1400" dirty="0">
+                <a:effectLst/>
+                <a:latin typeface="Cambria" panose="02040503050406030204" charset="0"/>
+                <a:ea typeface="Calibri" panose="020F0502020204030204" pitchFamily="34" charset="0"/>
+                <a:cs typeface="Cambria" panose="02040503050406030204" charset="0"/>
+              </a:rPr>
+              <a:t> :</a:t>
+            </a:r>
+            <a:r>
+              <a:rPr lang="en-IN" sz="1200" dirty="0">
+                <a:effectLst/>
+                <a:latin typeface="Cambria" panose="02040503050406030204" charset="0"/>
+                <a:ea typeface="Calibri" panose="020F0502020204030204" pitchFamily="34" charset="0"/>
+                <a:cs typeface="Cambria" panose="02040503050406030204" charset="0"/>
+              </a:rPr>
+              <a:t> They propose VisualBERT, a simple and flexible framework for modeling a broad range of vision-and-language tasks.</a:t>
+            </a:r>
+            <a:endParaRPr lang="en-IN" sz="1200" dirty="0">
+              <a:effectLst/>
+              <a:latin typeface="Cambria" panose="02040503050406030204" charset="0"/>
+              <a:ea typeface="Calibri" panose="020F0502020204030204" pitchFamily="34" charset="0"/>
+              <a:cs typeface="Cambria" panose="02040503050406030204" charset="0"/>
+            </a:endParaRPr>
           </a:p>
           <a:p>
             <a:pPr lvl="1">
@@ -8898,13 +9720,20 @@
               </a:tabLst>
             </a:pPr>
             <a:r>
-              <a:rPr lang="en-IN" sz="1600" dirty="0">
-                <a:effectLst/>
-                <a:latin typeface="Times New Roman" panose="02020603050405020304" pitchFamily="18" charset="0"/>
-                <a:ea typeface="Calibri" panose="020F0502020204030204" pitchFamily="34" charset="0"/>
+              <a:rPr lang="en-IN" sz="1200" dirty="0">
+                <a:effectLst/>
+                <a:latin typeface="Cambria" panose="02040503050406030204" charset="0"/>
+                <a:ea typeface="Calibri" panose="020F0502020204030204" pitchFamily="34" charset="0"/>
+                <a:cs typeface="Cambria" panose="02040503050406030204" charset="0"/>
               </a:rPr>
               <a:t>Further they propose two visually-grounded language model objectives for pre-training VisualBERT on image caption data.</a:t>
             </a:r>
+            <a:endParaRPr lang="en-IN" sz="1200" dirty="0">
+              <a:effectLst/>
+              <a:latin typeface="Cambria" panose="02040503050406030204" charset="0"/>
+              <a:ea typeface="Calibri" panose="020F0502020204030204" pitchFamily="34" charset="0"/>
+              <a:cs typeface="Cambria" panose="02040503050406030204" charset="0"/>
+            </a:endParaRPr>
           </a:p>
           <a:p>
             <a:pPr>
@@ -8912,33 +9741,54 @@
               <a:buChar char="q"/>
             </a:pPr>
             <a:r>
-              <a:rPr lang="en-IN" sz="1600" b="1" dirty="0">
-                <a:effectLst/>
-                <a:latin typeface="Times New Roman" panose="02020603050405020304" pitchFamily="18" charset="0"/>
-                <a:ea typeface="Calibri" panose="020F0502020204030204" pitchFamily="34" charset="0"/>
+              <a:rPr lang="en-IN" sz="1400" b="1" dirty="0">
+                <a:effectLst/>
+                <a:latin typeface="Cambria" panose="02040503050406030204" charset="0"/>
+                <a:ea typeface="Calibri" panose="020F0502020204030204" pitchFamily="34" charset="0"/>
+                <a:cs typeface="Cambria" panose="02040503050406030204" charset="0"/>
               </a:rPr>
               <a:t>Introduction : </a:t>
             </a:r>
-          </a:p>
-          <a:p>
-            <a:r>
-              <a:rPr lang="en-IN" sz="1600" dirty="0">
-                <a:effectLst/>
-                <a:latin typeface="Times New Roman" panose="02020603050405020304" pitchFamily="18" charset="0"/>
-                <a:ea typeface="Calibri" panose="020F0502020204030204" pitchFamily="34" charset="0"/>
+            <a:endParaRPr lang="en-IN" sz="1400" b="1" dirty="0">
+              <a:effectLst/>
+              <a:latin typeface="Cambria" panose="02040503050406030204" charset="0"/>
+              <a:ea typeface="Calibri" panose="020F0502020204030204" pitchFamily="34" charset="0"/>
+              <a:cs typeface="Cambria" panose="02040503050406030204" charset="0"/>
+            </a:endParaRPr>
+          </a:p>
+          <a:p>
+            <a:r>
+              <a:rPr lang="en-IN" sz="1200" dirty="0">
+                <a:effectLst/>
+                <a:latin typeface="Cambria" panose="02040503050406030204" charset="0"/>
+                <a:ea typeface="Calibri" panose="020F0502020204030204" pitchFamily="34" charset="0"/>
+                <a:cs typeface="Cambria" panose="02040503050406030204" charset="0"/>
               </a:rPr>
               <a:t>VisualBERT - Integration of  “BERT” a recent Transformer-based model for natural language processing, and pretrained object proposals systems such as “Faster-RCNN”. </a:t>
             </a:r>
-          </a:p>
-          <a:p>
-            <a:r>
-              <a:rPr lang="en-IN" sz="1600" dirty="0">
-                <a:effectLst/>
-                <a:latin typeface="Times New Roman" panose="02020603050405020304" pitchFamily="18" charset="0"/>
-                <a:ea typeface="Calibri" panose="020F0502020204030204" pitchFamily="34" charset="0"/>
+            <a:endParaRPr lang="en-IN" sz="1200" dirty="0">
+              <a:effectLst/>
+              <a:latin typeface="Cambria" panose="02040503050406030204" charset="0"/>
+              <a:ea typeface="Calibri" panose="020F0502020204030204" pitchFamily="34" charset="0"/>
+              <a:cs typeface="Cambria" panose="02040503050406030204" charset="0"/>
+            </a:endParaRPr>
+          </a:p>
+          <a:p>
+            <a:r>
+              <a:rPr lang="en-IN" sz="1200" dirty="0">
+                <a:effectLst/>
+                <a:latin typeface="Cambria" panose="02040503050406030204" charset="0"/>
+                <a:ea typeface="Calibri" panose="020F0502020204030204" pitchFamily="34" charset="0"/>
+                <a:cs typeface="Cambria" panose="02040503050406030204" charset="0"/>
               </a:rPr>
               <a:t>The text and image inputs are “jointly processed” by multiple Transformer layers in VisualBERT.</a:t>
             </a:r>
+            <a:endParaRPr lang="en-IN" sz="1200" dirty="0">
+              <a:effectLst/>
+              <a:latin typeface="Cambria" panose="02040503050406030204" charset="0"/>
+              <a:ea typeface="Calibri" panose="020F0502020204030204" pitchFamily="34" charset="0"/>
+              <a:cs typeface="Cambria" panose="02040503050406030204" charset="0"/>
+            </a:endParaRPr>
           </a:p>
           <a:p>
             <a:pPr marL="1143000" lvl="2" indent="-228600">
@@ -8952,13 +9802,20 @@
               </a:tabLst>
             </a:pPr>
             <a:r>
-              <a:rPr lang="en-IN" sz="1600" dirty="0">
-                <a:effectLst/>
-                <a:latin typeface="Times New Roman" panose="02020603050405020304" pitchFamily="18" charset="0"/>
-                <a:ea typeface="Calibri" panose="020F0502020204030204" pitchFamily="34" charset="0"/>
+              <a:rPr lang="en-IN" sz="1200" dirty="0">
+                <a:effectLst/>
+                <a:latin typeface="Cambria" panose="02040503050406030204" charset="0"/>
+                <a:ea typeface="Calibri" panose="020F0502020204030204" pitchFamily="34" charset="0"/>
+                <a:cs typeface="Cambria" panose="02040503050406030204" charset="0"/>
               </a:rPr>
               <a:t>Pre-training VisualBERT on image caption data(COCO)-  Part of the text is masked and the model learns to predict the masked words based on the remaining text and visual context; </a:t>
             </a:r>
+            <a:endParaRPr lang="en-IN" sz="1200" dirty="0">
+              <a:effectLst/>
+              <a:latin typeface="Cambria" panose="02040503050406030204" charset="0"/>
+              <a:ea typeface="Calibri" panose="020F0502020204030204" pitchFamily="34" charset="0"/>
+              <a:cs typeface="Cambria" panose="02040503050406030204" charset="0"/>
+            </a:endParaRPr>
           </a:p>
           <a:p>
             <a:pPr marL="1143000" lvl="2" indent="-228600">
@@ -8975,26 +9832,37 @@
               </a:tabLst>
             </a:pPr>
             <a:r>
-              <a:rPr lang="en-IN" sz="1600" dirty="0">
-                <a:effectLst/>
-                <a:latin typeface="Times New Roman" panose="02020603050405020304" pitchFamily="18" charset="0"/>
-                <a:ea typeface="Calibri" panose="020F0502020204030204" pitchFamily="34" charset="0"/>
+              <a:rPr lang="en-IN" sz="1200" dirty="0">
+                <a:effectLst/>
+                <a:latin typeface="Cambria" panose="02040503050406030204" charset="0"/>
+                <a:ea typeface="Calibri" panose="020F0502020204030204" pitchFamily="34" charset="0"/>
+                <a:cs typeface="Cambria" panose="02040503050406030204" charset="0"/>
               </a:rPr>
               <a:t> The model is trained to determine whether the provided text matches the image. </a:t>
             </a:r>
+            <a:endParaRPr lang="en-IN" sz="1200" dirty="0">
+              <a:effectLst/>
+              <a:latin typeface="Cambria" panose="02040503050406030204" charset="0"/>
+              <a:ea typeface="Calibri" panose="020F0502020204030204" pitchFamily="34" charset="0"/>
+              <a:cs typeface="Cambria" panose="02040503050406030204" charset="0"/>
+            </a:endParaRPr>
           </a:p>
           <a:p>
             <a:endParaRPr lang="en-IN" sz="1600" dirty="0">
               <a:effectLst/>
-              <a:latin typeface="Times New Roman" panose="02020603050405020304" pitchFamily="18" charset="0"/>
+              <a:latin typeface="Cambria" panose="02040503050406030204" charset="0"/>
               <a:ea typeface="Calibri" panose="020F0502020204030204" pitchFamily="34" charset="0"/>
+              <a:cs typeface="Cambria" panose="02040503050406030204" charset="0"/>
             </a:endParaRPr>
           </a:p>
           <a:p>
             <a:pPr marL="0" indent="0">
               <a:buNone/>
             </a:pPr>
-            <a:endParaRPr lang="en-IN" sz="1600" dirty="0"/>
+            <a:endParaRPr lang="en-IN" sz="1600" dirty="0">
+              <a:latin typeface="Cambria" panose="02040503050406030204" charset="0"/>
+              <a:cs typeface="Cambria" panose="02040503050406030204" charset="0"/>
+            </a:endParaRPr>
           </a:p>
         </p:txBody>
       </p:sp>
@@ -9257,11 +10125,9 @@
       </a:bgFillStyleLst>
     </a:fmtScheme>
   </a:themeElements>
-  <a:objectDefaults/>
-  <a:extraClrSchemeLst/>
   <a:extLst>
     <a:ext uri="{05A4C25C-085E-4340-85A3-A5531E510DB2}">
-      <thm15:themeFamily xmlns="" xmlns:thm15="http://schemas.microsoft.com/office/thememl/2012/main" name="Office Theme" id="{62F939B6-93AF-4DB8-9C6B-D6C7DFDC589F}" vid="{4A3C46E8-61CC-4603-A589-7422A47A8E4A}"/>
+      <thm15:themeFamily xmlns:thm15="http://schemas.microsoft.com/office/thememl/2012/main" name="Office Theme" id="{62F939B6-93AF-4DB8-9C6B-D6C7DFDC589F}" vid="{4A3C46E8-61CC-4603-A589-7422A47A8E4A}"/>
     </a:ext>
   </a:extLst>
 </a:theme>
@@ -9518,11 +10384,9 @@
       </a:bgFillStyleLst>
     </a:fmtScheme>
   </a:themeElements>
-  <a:objectDefaults/>
-  <a:extraClrSchemeLst/>
   <a:extLst>
     <a:ext uri="{05A4C25C-085E-4340-85A3-A5531E510DB2}">
-      <thm15:themeFamily xmlns="" xmlns:thm15="http://schemas.microsoft.com/office/thememl/2012/main" name="Office Theme" id="{62F939B6-93AF-4DB8-9C6B-D6C7DFDC589F}" vid="{4A3C46E8-61CC-4603-A589-7422A47A8E4A}"/>
+      <thm15:themeFamily xmlns:thm15="http://schemas.microsoft.com/office/thememl/2012/main" name="Office Theme" id="{62F939B6-93AF-4DB8-9C6B-D6C7DFDC589F}" vid="{4A3C46E8-61CC-4603-A589-7422A47A8E4A}"/>
     </a:ext>
   </a:extLst>
 </a:theme>

--- a/Literature Survey.pptx
+++ b/Literature Survey.pptx
@@ -6109,42 +6109,6 @@
           </a:p>
         </p:txBody>
       </p:sp>
-      <p:sp>
-        <p:nvSpPr>
-          <p:cNvPr id="62" name="Text Box 61"/>
-          <p:cNvSpPr txBox="1"/>
-          <p:nvPr/>
-        </p:nvSpPr>
-        <p:spPr>
-          <a:xfrm>
-            <a:off x="9834880" y="6177280"/>
-            <a:ext cx="1781175" cy="368300"/>
-          </a:xfrm>
-          <a:prstGeom prst="rect">
-            <a:avLst/>
-          </a:prstGeom>
-          <a:noFill/>
-        </p:spPr>
-        <p:txBody>
-          <a:bodyPr wrap="square" rtlCol="0">
-            <a:spAutoFit/>
-          </a:bodyPr>
-          <a:lstStyle/>
-          <a:p>
-            <a:r>
-              <a:rPr lang="en-US">
-                <a:latin typeface="Cambria" panose="02040503050406030204" charset="0"/>
-                <a:cs typeface="Cambria" panose="02040503050406030204" charset="0"/>
-              </a:rPr>
-              <a:t>Varun Bohara</a:t>
-            </a:r>
-            <a:endParaRPr lang="en-US">
-              <a:latin typeface="Cambria" panose="02040503050406030204" charset="0"/>
-              <a:cs typeface="Cambria" panose="02040503050406030204" charset="0"/>
-            </a:endParaRPr>
-          </a:p>
-        </p:txBody>
-      </p:sp>
     </p:spTree>
   </p:cSld>
   <p:clrMapOvr>
@@ -6415,42 +6379,6 @@
           </a:prstGeom>
         </p:spPr>
       </p:pic>
-      <p:sp>
-        <p:nvSpPr>
-          <p:cNvPr id="62" name="Text Box 61"/>
-          <p:cNvSpPr txBox="1"/>
-          <p:nvPr/>
-        </p:nvSpPr>
-        <p:spPr>
-          <a:xfrm>
-            <a:off x="9572625" y="6148705"/>
-            <a:ext cx="1781175" cy="368300"/>
-          </a:xfrm>
-          <a:prstGeom prst="rect">
-            <a:avLst/>
-          </a:prstGeom>
-          <a:noFill/>
-        </p:spPr>
-        <p:txBody>
-          <a:bodyPr wrap="square" rtlCol="0">
-            <a:spAutoFit/>
-          </a:bodyPr>
-          <a:lstStyle/>
-          <a:p>
-            <a:r>
-              <a:rPr lang="en-US">
-                <a:latin typeface="Cambria" panose="02040503050406030204" charset="0"/>
-                <a:cs typeface="Cambria" panose="02040503050406030204" charset="0"/>
-              </a:rPr>
-              <a:t>Varun Bohara</a:t>
-            </a:r>
-            <a:endParaRPr lang="en-US">
-              <a:latin typeface="Cambria" panose="02040503050406030204" charset="0"/>
-              <a:cs typeface="Cambria" panose="02040503050406030204" charset="0"/>
-            </a:endParaRPr>
-          </a:p>
-        </p:txBody>
-      </p:sp>
     </p:spTree>
   </p:cSld>
   <p:clrMapOvr>
@@ -6781,42 +6709,6 @@
           </a:p>
           <a:p>
             <a:endParaRPr lang="en-US" sz="1600">
-              <a:latin typeface="Cambria" panose="02040503050406030204" charset="0"/>
-              <a:cs typeface="Cambria" panose="02040503050406030204" charset="0"/>
-            </a:endParaRPr>
-          </a:p>
-        </p:txBody>
-      </p:sp>
-      <p:sp>
-        <p:nvSpPr>
-          <p:cNvPr id="62" name="Text Box 61"/>
-          <p:cNvSpPr txBox="1"/>
-          <p:nvPr/>
-        </p:nvSpPr>
-        <p:spPr>
-          <a:xfrm>
-            <a:off x="9894570" y="6126480"/>
-            <a:ext cx="1781175" cy="368300"/>
-          </a:xfrm>
-          <a:prstGeom prst="rect">
-            <a:avLst/>
-          </a:prstGeom>
-          <a:noFill/>
-        </p:spPr>
-        <p:txBody>
-          <a:bodyPr wrap="square" rtlCol="0">
-            <a:spAutoFit/>
-          </a:bodyPr>
-          <a:lstStyle/>
-          <a:p>
-            <a:r>
-              <a:rPr lang="en-US">
-                <a:latin typeface="Cambria" panose="02040503050406030204" charset="0"/>
-                <a:cs typeface="Cambria" panose="02040503050406030204" charset="0"/>
-              </a:rPr>
-              <a:t>Varun Bohara</a:t>
-            </a:r>
-            <a:endParaRPr lang="en-US">
               <a:latin typeface="Cambria" panose="02040503050406030204" charset="0"/>
               <a:cs typeface="Cambria" panose="02040503050406030204" charset="0"/>
             </a:endParaRPr>

--- a/Literature Survey.pptx
+++ b/Literature Survey.pptx
@@ -8695,7 +8695,25 @@
                 <a:ea typeface="Calibri" panose="020F0502020204030204" pitchFamily="34" charset="0"/>
                 <a:cs typeface="Cambria" panose="02040503050406030204" charset="0"/>
               </a:rPr>
-              <a:t>2. Memes from Reddit Memes dataset(Non-Hateful Memes</a:t>
+              <a:t>2. Memes from R</a:t>
+            </a:r>
+            <a:r>
+              <a:rPr lang="en-US" altLang="en-IN" sz="1580" dirty="0">
+                <a:effectLst/>
+                <a:latin typeface="Cambria" panose="02040503050406030204" charset="0"/>
+                <a:ea typeface="Calibri" panose="020F0502020204030204" pitchFamily="34" charset="0"/>
+                <a:cs typeface="Cambria" panose="02040503050406030204" charset="0"/>
+              </a:rPr>
+              <a:t>acis</a:t>
+            </a:r>
+            <a:r>
+              <a:rPr lang="en-IN" sz="1580" dirty="0">
+                <a:effectLst/>
+                <a:latin typeface="Cambria" panose="02040503050406030204" charset="0"/>
+                <a:ea typeface="Calibri" panose="020F0502020204030204" pitchFamily="34" charset="0"/>
+                <a:cs typeface="Cambria" panose="02040503050406030204" charset="0"/>
+              </a:rPr>
+              <a:t>it Memes dataset(Non-Hateful Memes</a:t>
             </a:r>
             <a:r>
               <a:rPr lang="en-IN" sz="1330" dirty="0">
@@ -8952,7 +8970,7 @@
         </p:blipFill>
         <p:spPr>
           <a:xfrm>
-            <a:off x="5876925" y="2416810"/>
+            <a:off x="5867400" y="2111375"/>
             <a:ext cx="5792470" cy="2023110"/>
           </a:xfrm>
           <a:prstGeom prst="rect">

--- a/Literature Survey.pptx
+++ b/Literature Survey.pptx
@@ -8713,7 +8713,7 @@
                 <a:ea typeface="Calibri" panose="020F0502020204030204" pitchFamily="34" charset="0"/>
                 <a:cs typeface="Cambria" panose="02040503050406030204" charset="0"/>
               </a:rPr>
-              <a:t>it Memes dataset(Non-Hateful Memes</a:t>
+              <a:t>t Memes dataset(Non-Hateful Memes</a:t>
             </a:r>
             <a:r>
               <a:rPr lang="en-IN" sz="1330" dirty="0">

--- a/Literature Survey.pptx
+++ b/Literature Survey.pptx
@@ -5,26 +5,26 @@
     <p:sldMasterId id="2147483648" r:id="rId1"/>
   </p:sldMasterIdLst>
   <p:notesMasterIdLst>
-    <p:notesMasterId r:id="rId8"/>
+    <p:notesMasterId r:id="rId19"/>
   </p:notesMasterIdLst>
   <p:sldIdLst>
-    <p:sldId id="256" r:id="rId3"/>
-    <p:sldId id="276" r:id="rId4"/>
-    <p:sldId id="277" r:id="rId5"/>
-    <p:sldId id="278" r:id="rId6"/>
-    <p:sldId id="302" r:id="rId7"/>
-    <p:sldId id="262" r:id="rId9"/>
-    <p:sldId id="265" r:id="rId10"/>
-    <p:sldId id="266" r:id="rId11"/>
-    <p:sldId id="268" r:id="rId12"/>
-    <p:sldId id="271" r:id="rId13"/>
-    <p:sldId id="270" r:id="rId14"/>
-    <p:sldId id="273" r:id="rId15"/>
-    <p:sldId id="294" r:id="rId16"/>
-    <p:sldId id="297" r:id="rId17"/>
-    <p:sldId id="299" r:id="rId18"/>
-    <p:sldId id="300" r:id="rId19"/>
-    <p:sldId id="301" r:id="rId20"/>
+    <p:sldId id="256" r:id="rId2"/>
+    <p:sldId id="276" r:id="rId3"/>
+    <p:sldId id="277" r:id="rId4"/>
+    <p:sldId id="278" r:id="rId5"/>
+    <p:sldId id="302" r:id="rId6"/>
+    <p:sldId id="262" r:id="rId7"/>
+    <p:sldId id="265" r:id="rId8"/>
+    <p:sldId id="266" r:id="rId9"/>
+    <p:sldId id="268" r:id="rId10"/>
+    <p:sldId id="271" r:id="rId11"/>
+    <p:sldId id="270" r:id="rId12"/>
+    <p:sldId id="273" r:id="rId13"/>
+    <p:sldId id="294" r:id="rId14"/>
+    <p:sldId id="297" r:id="rId15"/>
+    <p:sldId id="299" r:id="rId16"/>
+    <p:sldId id="300" r:id="rId17"/>
+    <p:sldId id="301" r:id="rId18"/>
   </p:sldIdLst>
   <p:sldSz cx="12192000" cy="6858000"/>
   <p:notesSz cx="6858000" cy="9144000"/>
@@ -214,6 +214,8 @@
           <a:p>
             <a:fld id="{45415947-26B1-4FC8-8A19-6892E44568CA}" type="datetimeFigureOut">
               <a:rPr lang="en-IN" smtClean="0"/>
+              <a:pPr/>
+              <a:t>25-10-2020</a:t>
             </a:fld>
             <a:endParaRPr lang="en-IN"/>
           </a:p>
@@ -280,7 +282,6 @@
               <a:rPr lang="en-US"/>
               <a:t>Click to edit Master text styles</a:t>
             </a:r>
-            <a:endParaRPr lang="en-US"/>
           </a:p>
           <a:p>
             <a:pPr lvl="1"/>
@@ -288,7 +289,6 @@
               <a:rPr lang="en-US"/>
               <a:t>Second level</a:t>
             </a:r>
-            <a:endParaRPr lang="en-US"/>
           </a:p>
           <a:p>
             <a:pPr lvl="2"/>
@@ -296,7 +296,6 @@
               <a:rPr lang="en-US"/>
               <a:t>Third level</a:t>
             </a:r>
-            <a:endParaRPr lang="en-US"/>
           </a:p>
           <a:p>
             <a:pPr lvl="3"/>
@@ -304,7 +303,6 @@
               <a:rPr lang="en-US"/>
               <a:t>Fourth level</a:t>
             </a:r>
-            <a:endParaRPr lang="en-US"/>
           </a:p>
           <a:p>
             <a:pPr lvl="4"/>
@@ -376,6 +374,8 @@
           <a:p>
             <a:fld id="{0253A58A-112C-4ED1-B08C-019BAF5A7330}" type="slidenum">
               <a:rPr lang="en-IN" smtClean="0"/>
+              <a:pPr/>
+              <a:t>‹#›</a:t>
             </a:fld>
             <a:endParaRPr lang="en-IN"/>
           </a:p>
@@ -602,7 +602,6 @@
               <a:rPr lang="en-US"/>
               <a:t>Varun Bohara</a:t>
             </a:r>
-            <a:endParaRPr lang="en-US"/>
           </a:p>
         </p:txBody>
       </p:sp>
@@ -681,7 +680,6 @@
               <a:rPr lang="en-US"/>
               <a:t>Varun Bohara</a:t>
             </a:r>
-            <a:endParaRPr lang="en-US"/>
           </a:p>
         </p:txBody>
       </p:sp>
@@ -760,7 +758,6 @@
               <a:rPr lang="en-US"/>
               <a:t>Varun Bohara</a:t>
             </a:r>
-            <a:endParaRPr lang="en-US"/>
           </a:p>
         </p:txBody>
       </p:sp>
@@ -903,6 +900,8 @@
           <a:p>
             <a:fld id="{9EF69E87-21EE-4BF0-8847-205AB327FE1A}" type="datetimeFigureOut">
               <a:rPr lang="en-IN" smtClean="0"/>
+              <a:pPr/>
+              <a:t>25-10-2020</a:t>
             </a:fld>
             <a:endParaRPr lang="en-IN"/>
           </a:p>
@@ -944,6 +943,8 @@
           <a:p>
             <a:fld id="{F661CC13-527B-497F-A805-E8D6D10EC6BB}" type="slidenum">
               <a:rPr lang="en-IN" smtClean="0"/>
+              <a:pPr/>
+              <a:t>‹#›</a:t>
             </a:fld>
             <a:endParaRPr lang="en-IN"/>
           </a:p>
@@ -1017,7 +1018,6 @@
               <a:rPr lang="en-US"/>
               <a:t>Click to edit Master text styles</a:t>
             </a:r>
-            <a:endParaRPr lang="en-US"/>
           </a:p>
           <a:p>
             <a:pPr lvl="1"/>
@@ -1025,7 +1025,6 @@
               <a:rPr lang="en-US"/>
               <a:t>Second level</a:t>
             </a:r>
-            <a:endParaRPr lang="en-US"/>
           </a:p>
           <a:p>
             <a:pPr lvl="2"/>
@@ -1033,7 +1032,6 @@
               <a:rPr lang="en-US"/>
               <a:t>Third level</a:t>
             </a:r>
-            <a:endParaRPr lang="en-US"/>
           </a:p>
           <a:p>
             <a:pPr lvl="3"/>
@@ -1041,7 +1039,6 @@
               <a:rPr lang="en-US"/>
               <a:t>Fourth level</a:t>
             </a:r>
-            <a:endParaRPr lang="en-US"/>
           </a:p>
           <a:p>
             <a:pPr lvl="4"/>
@@ -1070,6 +1067,8 @@
           <a:p>
             <a:fld id="{9EF69E87-21EE-4BF0-8847-205AB327FE1A}" type="datetimeFigureOut">
               <a:rPr lang="en-IN" smtClean="0"/>
+              <a:pPr/>
+              <a:t>25-10-2020</a:t>
             </a:fld>
             <a:endParaRPr lang="en-IN"/>
           </a:p>
@@ -1111,6 +1110,8 @@
           <a:p>
             <a:fld id="{F661CC13-527B-497F-A805-E8D6D10EC6BB}" type="slidenum">
               <a:rPr lang="en-IN" smtClean="0"/>
+              <a:pPr/>
+              <a:t>‹#›</a:t>
             </a:fld>
             <a:endParaRPr lang="en-IN"/>
           </a:p>
@@ -1194,7 +1195,6 @@
               <a:rPr lang="en-US"/>
               <a:t>Click to edit Master text styles</a:t>
             </a:r>
-            <a:endParaRPr lang="en-US"/>
           </a:p>
           <a:p>
             <a:pPr lvl="1"/>
@@ -1202,7 +1202,6 @@
               <a:rPr lang="en-US"/>
               <a:t>Second level</a:t>
             </a:r>
-            <a:endParaRPr lang="en-US"/>
           </a:p>
           <a:p>
             <a:pPr lvl="2"/>
@@ -1210,7 +1209,6 @@
               <a:rPr lang="en-US"/>
               <a:t>Third level</a:t>
             </a:r>
-            <a:endParaRPr lang="en-US"/>
           </a:p>
           <a:p>
             <a:pPr lvl="3"/>
@@ -1218,7 +1216,6 @@
               <a:rPr lang="en-US"/>
               <a:t>Fourth level</a:t>
             </a:r>
-            <a:endParaRPr lang="en-US"/>
           </a:p>
           <a:p>
             <a:pPr lvl="4"/>
@@ -1247,6 +1244,8 @@
           <a:p>
             <a:fld id="{9EF69E87-21EE-4BF0-8847-205AB327FE1A}" type="datetimeFigureOut">
               <a:rPr lang="en-IN" smtClean="0"/>
+              <a:pPr/>
+              <a:t>25-10-2020</a:t>
             </a:fld>
             <a:endParaRPr lang="en-IN"/>
           </a:p>
@@ -1288,6 +1287,8 @@
           <a:p>
             <a:fld id="{F661CC13-527B-497F-A805-E8D6D10EC6BB}" type="slidenum">
               <a:rPr lang="en-IN" smtClean="0"/>
+              <a:pPr/>
+              <a:t>‹#›</a:t>
             </a:fld>
             <a:endParaRPr lang="en-IN"/>
           </a:p>
@@ -1361,7 +1362,6 @@
               <a:rPr lang="en-US"/>
               <a:t>Click to edit Master text styles</a:t>
             </a:r>
-            <a:endParaRPr lang="en-US"/>
           </a:p>
           <a:p>
             <a:pPr lvl="1"/>
@@ -1369,7 +1369,6 @@
               <a:rPr lang="en-US"/>
               <a:t>Second level</a:t>
             </a:r>
-            <a:endParaRPr lang="en-US"/>
           </a:p>
           <a:p>
             <a:pPr lvl="2"/>
@@ -1377,7 +1376,6 @@
               <a:rPr lang="en-US"/>
               <a:t>Third level</a:t>
             </a:r>
-            <a:endParaRPr lang="en-US"/>
           </a:p>
           <a:p>
             <a:pPr lvl="3"/>
@@ -1385,7 +1383,6 @@
               <a:rPr lang="en-US"/>
               <a:t>Fourth level</a:t>
             </a:r>
-            <a:endParaRPr lang="en-US"/>
           </a:p>
           <a:p>
             <a:pPr lvl="4"/>
@@ -1414,6 +1411,8 @@
           <a:p>
             <a:fld id="{9EF69E87-21EE-4BF0-8847-205AB327FE1A}" type="datetimeFigureOut">
               <a:rPr lang="en-IN" smtClean="0"/>
+              <a:pPr/>
+              <a:t>25-10-2020</a:t>
             </a:fld>
             <a:endParaRPr lang="en-IN"/>
           </a:p>
@@ -1455,6 +1454,8 @@
           <a:p>
             <a:fld id="{F661CC13-527B-497F-A805-E8D6D10EC6BB}" type="slidenum">
               <a:rPr lang="en-IN" smtClean="0"/>
+              <a:pPr/>
+              <a:t>‹#›</a:t>
             </a:fld>
             <a:endParaRPr lang="en-IN"/>
           </a:p>
@@ -1633,7 +1634,6 @@
               <a:rPr lang="en-US"/>
               <a:t>Click to edit Master text styles</a:t>
             </a:r>
-            <a:endParaRPr lang="en-US"/>
           </a:p>
         </p:txBody>
       </p:sp>
@@ -1654,6 +1654,8 @@
           <a:p>
             <a:fld id="{9EF69E87-21EE-4BF0-8847-205AB327FE1A}" type="datetimeFigureOut">
               <a:rPr lang="en-IN" smtClean="0"/>
+              <a:pPr/>
+              <a:t>25-10-2020</a:t>
             </a:fld>
             <a:endParaRPr lang="en-IN"/>
           </a:p>
@@ -1695,6 +1697,8 @@
           <a:p>
             <a:fld id="{F661CC13-527B-497F-A805-E8D6D10EC6BB}" type="slidenum">
               <a:rPr lang="en-IN" smtClean="0"/>
+              <a:pPr/>
+              <a:t>‹#›</a:t>
             </a:fld>
             <a:endParaRPr lang="en-IN"/>
           </a:p>
@@ -1773,7 +1777,6 @@
               <a:rPr lang="en-US"/>
               <a:t>Click to edit Master text styles</a:t>
             </a:r>
-            <a:endParaRPr lang="en-US"/>
           </a:p>
           <a:p>
             <a:pPr lvl="1"/>
@@ -1781,7 +1784,6 @@
               <a:rPr lang="en-US"/>
               <a:t>Second level</a:t>
             </a:r>
-            <a:endParaRPr lang="en-US"/>
           </a:p>
           <a:p>
             <a:pPr lvl="2"/>
@@ -1789,7 +1791,6 @@
               <a:rPr lang="en-US"/>
               <a:t>Third level</a:t>
             </a:r>
-            <a:endParaRPr lang="en-US"/>
           </a:p>
           <a:p>
             <a:pPr lvl="3"/>
@@ -1797,7 +1798,6 @@
               <a:rPr lang="en-US"/>
               <a:t>Fourth level</a:t>
             </a:r>
-            <a:endParaRPr lang="en-US"/>
           </a:p>
           <a:p>
             <a:pPr lvl="4"/>
@@ -1834,7 +1834,6 @@
               <a:rPr lang="en-US"/>
               <a:t>Click to edit Master text styles</a:t>
             </a:r>
-            <a:endParaRPr lang="en-US"/>
           </a:p>
           <a:p>
             <a:pPr lvl="1"/>
@@ -1842,7 +1841,6 @@
               <a:rPr lang="en-US"/>
               <a:t>Second level</a:t>
             </a:r>
-            <a:endParaRPr lang="en-US"/>
           </a:p>
           <a:p>
             <a:pPr lvl="2"/>
@@ -1850,7 +1848,6 @@
               <a:rPr lang="en-US"/>
               <a:t>Third level</a:t>
             </a:r>
-            <a:endParaRPr lang="en-US"/>
           </a:p>
           <a:p>
             <a:pPr lvl="3"/>
@@ -1858,7 +1855,6 @@
               <a:rPr lang="en-US"/>
               <a:t>Fourth level</a:t>
             </a:r>
-            <a:endParaRPr lang="en-US"/>
           </a:p>
           <a:p>
             <a:pPr lvl="4"/>
@@ -1887,6 +1883,8 @@
           <a:p>
             <a:fld id="{9EF69E87-21EE-4BF0-8847-205AB327FE1A}" type="datetimeFigureOut">
               <a:rPr lang="en-IN" smtClean="0"/>
+              <a:pPr/>
+              <a:t>25-10-2020</a:t>
             </a:fld>
             <a:endParaRPr lang="en-IN"/>
           </a:p>
@@ -1928,6 +1926,8 @@
           <a:p>
             <a:fld id="{F661CC13-527B-497F-A805-E8D6D10EC6BB}" type="slidenum">
               <a:rPr lang="en-IN" smtClean="0"/>
+              <a:pPr/>
+              <a:t>‹#›</a:t>
             </a:fld>
             <a:endParaRPr lang="en-IN"/>
           </a:p>
@@ -2048,7 +2048,6 @@
               <a:rPr lang="en-US"/>
               <a:t>Click to edit Master text styles</a:t>
             </a:r>
-            <a:endParaRPr lang="en-US"/>
           </a:p>
         </p:txBody>
       </p:sp>
@@ -2077,7 +2076,6 @@
               <a:rPr lang="en-US"/>
               <a:t>Click to edit Master text styles</a:t>
             </a:r>
-            <a:endParaRPr lang="en-US"/>
           </a:p>
           <a:p>
             <a:pPr lvl="1"/>
@@ -2085,7 +2083,6 @@
               <a:rPr lang="en-US"/>
               <a:t>Second level</a:t>
             </a:r>
-            <a:endParaRPr lang="en-US"/>
           </a:p>
           <a:p>
             <a:pPr lvl="2"/>
@@ -2093,7 +2090,6 @@
               <a:rPr lang="en-US"/>
               <a:t>Third level</a:t>
             </a:r>
-            <a:endParaRPr lang="en-US"/>
           </a:p>
           <a:p>
             <a:pPr lvl="3"/>
@@ -2101,7 +2097,6 @@
               <a:rPr lang="en-US"/>
               <a:t>Fourth level</a:t>
             </a:r>
-            <a:endParaRPr lang="en-US"/>
           </a:p>
           <a:p>
             <a:pPr lvl="4"/>
@@ -2175,7 +2170,6 @@
               <a:rPr lang="en-US"/>
               <a:t>Click to edit Master text styles</a:t>
             </a:r>
-            <a:endParaRPr lang="en-US"/>
           </a:p>
         </p:txBody>
       </p:sp>
@@ -2204,7 +2198,6 @@
               <a:rPr lang="en-US"/>
               <a:t>Click to edit Master text styles</a:t>
             </a:r>
-            <a:endParaRPr lang="en-US"/>
           </a:p>
           <a:p>
             <a:pPr lvl="1"/>
@@ -2212,7 +2205,6 @@
               <a:rPr lang="en-US"/>
               <a:t>Second level</a:t>
             </a:r>
-            <a:endParaRPr lang="en-US"/>
           </a:p>
           <a:p>
             <a:pPr lvl="2"/>
@@ -2220,7 +2212,6 @@
               <a:rPr lang="en-US"/>
               <a:t>Third level</a:t>
             </a:r>
-            <a:endParaRPr lang="en-US"/>
           </a:p>
           <a:p>
             <a:pPr lvl="3"/>
@@ -2228,7 +2219,6 @@
               <a:rPr lang="en-US"/>
               <a:t>Fourth level</a:t>
             </a:r>
-            <a:endParaRPr lang="en-US"/>
           </a:p>
           <a:p>
             <a:pPr lvl="4"/>
@@ -2257,6 +2247,8 @@
           <a:p>
             <a:fld id="{9EF69E87-21EE-4BF0-8847-205AB327FE1A}" type="datetimeFigureOut">
               <a:rPr lang="en-IN" smtClean="0"/>
+              <a:pPr/>
+              <a:t>25-10-2020</a:t>
             </a:fld>
             <a:endParaRPr lang="en-IN"/>
           </a:p>
@@ -2298,6 +2290,8 @@
           <a:p>
             <a:fld id="{F661CC13-527B-497F-A805-E8D6D10EC6BB}" type="slidenum">
               <a:rPr lang="en-IN" smtClean="0"/>
+              <a:pPr/>
+              <a:t>‹#›</a:t>
             </a:fld>
             <a:endParaRPr lang="en-IN"/>
           </a:p>
@@ -2368,6 +2362,8 @@
           <a:p>
             <a:fld id="{9EF69E87-21EE-4BF0-8847-205AB327FE1A}" type="datetimeFigureOut">
               <a:rPr lang="en-IN" smtClean="0"/>
+              <a:pPr/>
+              <a:t>25-10-2020</a:t>
             </a:fld>
             <a:endParaRPr lang="en-IN"/>
           </a:p>
@@ -2409,6 +2405,8 @@
           <a:p>
             <a:fld id="{F661CC13-527B-497F-A805-E8D6D10EC6BB}" type="slidenum">
               <a:rPr lang="en-IN" smtClean="0"/>
+              <a:pPr/>
+              <a:t>‹#›</a:t>
             </a:fld>
             <a:endParaRPr lang="en-IN"/>
           </a:p>
@@ -2456,6 +2454,8 @@
           <a:p>
             <a:fld id="{9EF69E87-21EE-4BF0-8847-205AB327FE1A}" type="datetimeFigureOut">
               <a:rPr lang="en-IN" smtClean="0"/>
+              <a:pPr/>
+              <a:t>25-10-2020</a:t>
             </a:fld>
             <a:endParaRPr lang="en-IN"/>
           </a:p>
@@ -2497,6 +2497,8 @@
           <a:p>
             <a:fld id="{F661CC13-527B-497F-A805-E8D6D10EC6BB}" type="slidenum">
               <a:rPr lang="en-IN" smtClean="0"/>
+              <a:pPr/>
+              <a:t>‹#›</a:t>
             </a:fld>
             <a:endParaRPr lang="en-IN"/>
           </a:p>
@@ -2612,7 +2614,6 @@
               <a:rPr lang="en-US"/>
               <a:t>Click to edit Master text styles</a:t>
             </a:r>
-            <a:endParaRPr lang="en-US"/>
           </a:p>
           <a:p>
             <a:pPr lvl="1"/>
@@ -2620,7 +2621,6 @@
               <a:rPr lang="en-US"/>
               <a:t>Second level</a:t>
             </a:r>
-            <a:endParaRPr lang="en-US"/>
           </a:p>
           <a:p>
             <a:pPr lvl="2"/>
@@ -2628,7 +2628,6 @@
               <a:rPr lang="en-US"/>
               <a:t>Third level</a:t>
             </a:r>
-            <a:endParaRPr lang="en-US"/>
           </a:p>
           <a:p>
             <a:pPr lvl="3"/>
@@ -2636,7 +2635,6 @@
               <a:rPr lang="en-US"/>
               <a:t>Fourth level</a:t>
             </a:r>
-            <a:endParaRPr lang="en-US"/>
           </a:p>
           <a:p>
             <a:pPr lvl="4"/>
@@ -2710,7 +2708,6 @@
               <a:rPr lang="en-US"/>
               <a:t>Click to edit Master text styles</a:t>
             </a:r>
-            <a:endParaRPr lang="en-US"/>
           </a:p>
         </p:txBody>
       </p:sp>
@@ -2731,6 +2728,8 @@
           <a:p>
             <a:fld id="{9EF69E87-21EE-4BF0-8847-205AB327FE1A}" type="datetimeFigureOut">
               <a:rPr lang="en-IN" smtClean="0"/>
+              <a:pPr/>
+              <a:t>25-10-2020</a:t>
             </a:fld>
             <a:endParaRPr lang="en-IN"/>
           </a:p>
@@ -2772,6 +2771,8 @@
           <a:p>
             <a:fld id="{F661CC13-527B-497F-A805-E8D6D10EC6BB}" type="slidenum">
               <a:rPr lang="en-IN" smtClean="0"/>
+              <a:pPr/>
+              <a:t>‹#›</a:t>
             </a:fld>
             <a:endParaRPr lang="en-IN"/>
           </a:p>
@@ -2957,7 +2958,6 @@
               <a:rPr lang="en-US"/>
               <a:t>Click to edit Master text styles</a:t>
             </a:r>
-            <a:endParaRPr lang="en-US"/>
           </a:p>
         </p:txBody>
       </p:sp>
@@ -2978,6 +2978,8 @@
           <a:p>
             <a:fld id="{9EF69E87-21EE-4BF0-8847-205AB327FE1A}" type="datetimeFigureOut">
               <a:rPr lang="en-IN" smtClean="0"/>
+              <a:pPr/>
+              <a:t>25-10-2020</a:t>
             </a:fld>
             <a:endParaRPr lang="en-IN"/>
           </a:p>
@@ -3019,6 +3021,8 @@
           <a:p>
             <a:fld id="{F661CC13-527B-497F-A805-E8D6D10EC6BB}" type="slidenum">
               <a:rPr lang="en-IN" smtClean="0"/>
+              <a:pPr/>
+              <a:t>‹#›</a:t>
             </a:fld>
             <a:endParaRPr lang="en-IN"/>
           </a:p>
@@ -3117,7 +3121,6 @@
               <a:rPr lang="en-US"/>
               <a:t>Click to edit Master text styles</a:t>
             </a:r>
-            <a:endParaRPr lang="en-US"/>
           </a:p>
           <a:p>
             <a:pPr lvl="1"/>
@@ -3125,7 +3128,6 @@
               <a:rPr lang="en-US"/>
               <a:t>Second level</a:t>
             </a:r>
-            <a:endParaRPr lang="en-US"/>
           </a:p>
           <a:p>
             <a:pPr lvl="2"/>
@@ -3133,7 +3135,6 @@
               <a:rPr lang="en-US"/>
               <a:t>Third level</a:t>
             </a:r>
-            <a:endParaRPr lang="en-US"/>
           </a:p>
           <a:p>
             <a:pPr lvl="3"/>
@@ -3141,7 +3142,6 @@
               <a:rPr lang="en-US"/>
               <a:t>Fourth level</a:t>
             </a:r>
-            <a:endParaRPr lang="en-US"/>
           </a:p>
           <a:p>
             <a:pPr lvl="4"/>
@@ -3188,6 +3188,8 @@
           <a:p>
             <a:fld id="{9EF69E87-21EE-4BF0-8847-205AB327FE1A}" type="datetimeFigureOut">
               <a:rPr lang="en-IN" smtClean="0"/>
+              <a:pPr/>
+              <a:t>25-10-2020</a:t>
             </a:fld>
             <a:endParaRPr lang="en-IN"/>
           </a:p>
@@ -3265,6 +3267,8 @@
           <a:p>
             <a:fld id="{F661CC13-527B-497F-A805-E8D6D10EC6BB}" type="slidenum">
               <a:rPr lang="en-IN" smtClean="0"/>
+              <a:pPr/>
+              <a:t>‹#›</a:t>
             </a:fld>
             <a:endParaRPr lang="en-IN"/>
           </a:p>
@@ -3608,10 +3612,6 @@
               </a:rPr>
               <a:t>Literature Survey</a:t>
             </a:r>
-            <a:endParaRPr lang="en-IN" b="1" dirty="0">
-              <a:latin typeface="Cambria" panose="02040503050406030204" charset="0"/>
-              <a:cs typeface="Cambria" panose="02040503050406030204" charset="0"/>
-            </a:endParaRPr>
           </a:p>
         </p:txBody>
       </p:sp>
@@ -3672,6 +3672,15 @@
                 <a:tab pos="3589020" algn="l"/>
               </a:tabLst>
             </a:pPr>
+            <a:r>
+              <a:rPr lang="en-IN" sz="1800" b="1" dirty="0">
+                <a:effectLst/>
+                <a:latin typeface="Cambria" panose="02040503050406030204" charset="0"/>
+                <a:ea typeface="Calibri" panose="020F0502020204030204" pitchFamily="34" charset="0"/>
+                <a:cs typeface="Cambria" panose="02040503050406030204" charset="0"/>
+              </a:rPr>
+              <a:t/>
+            </a:r>
             <a:br>
               <a:rPr lang="en-IN" sz="1800" b="1" dirty="0">
                 <a:effectLst/>
@@ -3689,12 +3698,6 @@
               </a:rPr>
               <a:t>Procedure : </a:t>
             </a:r>
-            <a:endParaRPr lang="en-IN" sz="1800" b="1" dirty="0">
-              <a:effectLst/>
-              <a:latin typeface="Cambria" panose="02040503050406030204" charset="0"/>
-              <a:ea typeface="Calibri" panose="020F0502020204030204" pitchFamily="34" charset="0"/>
-              <a:cs typeface="Cambria" panose="02040503050406030204" charset="0"/>
-            </a:endParaRPr>
           </a:p>
           <a:p>
             <a:pPr marL="914400" lvl="2" indent="0" algn="just">
@@ -3735,12 +3738,6 @@
               </a:rPr>
               <a:t> :</a:t>
             </a:r>
-            <a:endParaRPr lang="en-IN" sz="1330" dirty="0">
-              <a:effectLst/>
-              <a:latin typeface="Cambria" panose="02040503050406030204" charset="0"/>
-              <a:ea typeface="Calibri" panose="020F0502020204030204" pitchFamily="34" charset="0"/>
-              <a:cs typeface="Cambria" panose="02040503050406030204" charset="0"/>
-            </a:endParaRPr>
           </a:p>
           <a:p>
             <a:pPr marL="1257300" lvl="2" indent="-342900" algn="just">
@@ -3762,12 +3759,6 @@
               </a:rPr>
               <a:t>Train VisualBERT: Using COCO image caption dataset using two visually-grounded language model objectives.</a:t>
             </a:r>
-            <a:endParaRPr lang="en-IN" sz="1165" dirty="0">
-              <a:effectLst/>
-              <a:latin typeface="Cambria" panose="02040503050406030204" charset="0"/>
-              <a:ea typeface="Calibri" panose="020F0502020204030204" pitchFamily="34" charset="0"/>
-              <a:cs typeface="Cambria" panose="02040503050406030204" charset="0"/>
-            </a:endParaRPr>
           </a:p>
           <a:p>
             <a:pPr marL="1657350" lvl="3" indent="-285750">
@@ -3789,12 +3780,6 @@
               </a:rPr>
               <a:t>Masked language modeling with the image. Some elements of text input are masked and must be predicted but vectors corresponding to image regions are not masked. </a:t>
             </a:r>
-            <a:endParaRPr lang="en-IN" sz="1260" dirty="0">
-              <a:effectLst/>
-              <a:latin typeface="Cambria" panose="02040503050406030204" charset="0"/>
-              <a:ea typeface="Calibri" panose="020F0502020204030204" pitchFamily="34" charset="0"/>
-              <a:cs typeface="Cambria" panose="02040503050406030204" charset="0"/>
-            </a:endParaRPr>
           </a:p>
           <a:p>
             <a:pPr marL="1657350" lvl="3" indent="-285750">
@@ -3816,12 +3801,6 @@
               </a:rPr>
               <a:t>Sentence-image prediction: For COCO, where there are multiple captions corresponding to one image, we provide a text segment consisting of two captions. One of the caption is describing the image, while the other has a 50% chance to be another corresponding caption and a 50% chance to be a randomly drawn caption. The model is trained to distinguish these two situations. </a:t>
             </a:r>
-            <a:endParaRPr lang="en-IN" sz="1260" dirty="0">
-              <a:effectLst/>
-              <a:latin typeface="Cambria" panose="02040503050406030204" charset="0"/>
-              <a:ea typeface="Calibri" panose="020F0502020204030204" pitchFamily="34" charset="0"/>
-              <a:cs typeface="Cambria" panose="02040503050406030204" charset="0"/>
-            </a:endParaRPr>
           </a:p>
           <a:p>
             <a:pPr marL="914400" lvl="2" indent="0" algn="just">
@@ -3888,12 +3867,6 @@
               </a:rPr>
               <a:t> Before fine-tuning VisualBERT to a downstream task, they find it beneficial to train the model using the data of the task with the masked language modeling with the image objective. This step allows the model to adapt to the new target domain.</a:t>
             </a:r>
-            <a:endParaRPr lang="en-IN" sz="1165" dirty="0">
-              <a:effectLst/>
-              <a:latin typeface="Cambria" panose="02040503050406030204" charset="0"/>
-              <a:ea typeface="Calibri" panose="020F0502020204030204" pitchFamily="34" charset="0"/>
-              <a:cs typeface="Cambria" panose="02040503050406030204" charset="0"/>
-            </a:endParaRPr>
           </a:p>
           <a:p>
             <a:pPr marL="914400" lvl="2" indent="0" algn="just">
@@ -3943,12 +3916,6 @@
               </a:rPr>
               <a:t> This step mirrors BERT fine-tuning, where a task-specific input, output, and objective are introduced, and the Transformer is trained to maximize performance on the task.</a:t>
             </a:r>
-            <a:endParaRPr lang="en-IN" sz="1165" dirty="0">
-              <a:effectLst/>
-              <a:latin typeface="Cambria" panose="02040503050406030204" charset="0"/>
-              <a:ea typeface="Calibri" panose="020F0502020204030204" pitchFamily="34" charset="0"/>
-              <a:cs typeface="Cambria" panose="02040503050406030204" charset="0"/>
-            </a:endParaRPr>
           </a:p>
           <a:p>
             <a:pPr lvl="1"/>
@@ -3997,10 +3964,10 @@
           </p:nvPr>
         </p:nvPicPr>
         <p:blipFill>
-          <a:blip r:embed="rId1">
+          <a:blip r:embed="rId2">
             <a:extLst>
               <a:ext uri="{28A0092B-C50C-407E-A947-70E740481C1C}">
-                <a14:useLocalDpi xmlns:a14="http://schemas.microsoft.com/office/drawing/2010/main" val="0"/>
+                <a14:useLocalDpi xmlns:a14="http://schemas.microsoft.com/office/drawing/2010/main" xmlns="" val="0"/>
               </a:ext>
             </a:extLst>
           </a:blip>
@@ -4059,12 +4026,6 @@
               </a:rPr>
               <a:t>Experiment  :</a:t>
             </a:r>
-            <a:endParaRPr lang="en-IN" sz="1400" b="1" dirty="0">
-              <a:effectLst/>
-              <a:latin typeface="Cambria" panose="02040503050406030204" charset="0"/>
-              <a:ea typeface="Calibri" panose="020F0502020204030204" pitchFamily="34" charset="0"/>
-              <a:cs typeface="Cambria" panose="02040503050406030204" charset="0"/>
-            </a:endParaRPr>
           </a:p>
           <a:p>
             <a:pPr marL="800100" lvl="1" indent="-342900">
@@ -4087,12 +4048,6 @@
               </a:rPr>
               <a:t>Visual Question Answering (VQA 2.0)</a:t>
             </a:r>
-            <a:endParaRPr lang="en-IN" sz="1400" dirty="0">
-              <a:effectLst/>
-              <a:latin typeface="Cambria" panose="02040503050406030204" charset="0"/>
-              <a:ea typeface="Calibri" panose="020F0502020204030204" pitchFamily="34" charset="0"/>
-              <a:cs typeface="Cambria" panose="02040503050406030204" charset="0"/>
-            </a:endParaRPr>
           </a:p>
           <a:p>
             <a:pPr marL="800100" lvl="1" indent="-342900">
@@ -4116,13 +4071,13 @@
               <a:t> Visual </a:t>
             </a:r>
             <a:r>
-              <a:rPr lang="en-IN" sz="1400" dirty="0" err="1">
-                <a:effectLst/>
-                <a:latin typeface="Cambria" panose="02040503050406030204" charset="0"/>
-                <a:ea typeface="Calibri" panose="020F0502020204030204" pitchFamily="34" charset="0"/>
-                <a:cs typeface="Cambria" panose="02040503050406030204" charset="0"/>
-              </a:rPr>
-              <a:t>Commonsense</a:t>
+              <a:rPr lang="en-IN" sz="1400" dirty="0" smtClean="0">
+                <a:effectLst/>
+                <a:latin typeface="Cambria" panose="02040503050406030204" charset="0"/>
+                <a:ea typeface="Calibri" panose="020F0502020204030204" pitchFamily="34" charset="0"/>
+                <a:cs typeface="Cambria" panose="02040503050406030204" charset="0"/>
+              </a:rPr>
+              <a:t>Common-sense </a:t>
             </a:r>
             <a:r>
               <a:rPr lang="en-IN" sz="1400" dirty="0">
@@ -4131,14 +4086,8 @@
                 <a:ea typeface="Calibri" panose="020F0502020204030204" pitchFamily="34" charset="0"/>
                 <a:cs typeface="Cambria" panose="02040503050406030204" charset="0"/>
               </a:rPr>
-              <a:t> Reasoning (VCR) </a:t>
-            </a:r>
-            <a:endParaRPr lang="en-IN" sz="1400" dirty="0">
-              <a:effectLst/>
-              <a:latin typeface="Cambria" panose="02040503050406030204" charset="0"/>
-              <a:ea typeface="Calibri" panose="020F0502020204030204" pitchFamily="34" charset="0"/>
-              <a:cs typeface="Cambria" panose="02040503050406030204" charset="0"/>
-            </a:endParaRPr>
+              <a:t>Reasoning (VCR) </a:t>
+            </a:r>
           </a:p>
           <a:p>
             <a:pPr algn="just">
@@ -4215,12 +4164,6 @@
               </a:rPr>
               <a:t>: The full model with parameter initialization from BERT that undergoes pre-training on COCO, pre-training on the task data, and fine-tuning for the task. </a:t>
             </a:r>
-            <a:endParaRPr lang="en-IN" sz="1200" dirty="0">
-              <a:effectLst/>
-              <a:latin typeface="Cambria" panose="02040503050406030204" charset="0"/>
-              <a:ea typeface="Calibri" panose="020F0502020204030204" pitchFamily="34" charset="0"/>
-              <a:cs typeface="Cambria" panose="02040503050406030204" charset="0"/>
-            </a:endParaRPr>
           </a:p>
           <a:p>
             <a:pPr marL="800100" lvl="1" indent="-342900" algn="just">
@@ -4251,12 +4194,6 @@
               </a:rPr>
               <a:t>: VisualBERT but where image representations are not combined with the text in the initial Transformer layer but instead at the very end with a new Transformer layer. This allows us to test whether interaction between language and vision throughout the whole Transformer stack is important to performance. </a:t>
             </a:r>
-            <a:endParaRPr lang="en-IN" sz="1200" dirty="0">
-              <a:effectLst/>
-              <a:latin typeface="Cambria" panose="02040503050406030204" charset="0"/>
-              <a:ea typeface="Calibri" panose="020F0502020204030204" pitchFamily="34" charset="0"/>
-              <a:cs typeface="Cambria" panose="02040503050406030204" charset="0"/>
-            </a:endParaRPr>
           </a:p>
           <a:p>
             <a:pPr marL="800100" lvl="1" indent="-342900" algn="just">
@@ -4290,12 +4227,6 @@
               </a:rPr>
               <a:t>: VisualBERT but where they skip task-agnostic pre-training on COCO captions. This allows to validate the importance of this step.</a:t>
             </a:r>
-            <a:endParaRPr lang="en-IN" sz="1200" dirty="0">
-              <a:effectLst/>
-              <a:latin typeface="Cambria" panose="02040503050406030204" charset="0"/>
-              <a:ea typeface="Calibri" panose="020F0502020204030204" pitchFamily="34" charset="0"/>
-              <a:cs typeface="Cambria" panose="02040503050406030204" charset="0"/>
-            </a:endParaRPr>
           </a:p>
           <a:p>
             <a:pPr algn="just">
@@ -4459,7 +4390,7 @@
         </p:spPr>
         <p:txBody>
           <a:bodyPr>
-            <a:normAutofit lnSpcReduction="10000"/>
+            <a:normAutofit/>
           </a:bodyPr>
           <a:lstStyle/>
           <a:p>
@@ -4578,12 +4509,6 @@
               </a:rPr>
               <a:t>: </a:t>
             </a:r>
-            <a:endParaRPr lang="en-IN" sz="1400" dirty="0">
-              <a:effectLst/>
-              <a:latin typeface="Cambria" panose="02040503050406030204" charset="0"/>
-              <a:ea typeface="Calibri" panose="020F0502020204030204" pitchFamily="34" charset="0"/>
-              <a:cs typeface="Cambria" panose="02040503050406030204" charset="0"/>
-            </a:endParaRPr>
           </a:p>
           <a:p>
             <a:pPr lvl="1">
@@ -4717,15 +4642,6 @@
               </a:rPr>
               <a:t>.</a:t>
             </a:r>
-            <a:endParaRPr lang="en-IN" sz="1600" dirty="0">
-              <a:solidFill>
-                <a:srgbClr val="222222"/>
-              </a:solidFill>
-              <a:effectLst/>
-              <a:latin typeface="Cambria" panose="02040503050406030204" charset="0"/>
-              <a:ea typeface="Times New Roman" panose="02020603050405020304" pitchFamily="18" charset="0"/>
-              <a:cs typeface="Cambria" panose="02040503050406030204" charset="0"/>
-            </a:endParaRPr>
           </a:p>
           <a:p>
             <a:pPr marL="685800">
@@ -4874,13 +4790,13 @@
               <a:t>            </a:t>
             </a:r>
             <a:r>
-              <a:rPr lang="en-IN" sz="1200" dirty="0" err="1">
+              <a:rPr lang="en-IN" sz="1200" dirty="0" err="1" smtClean="0">
                 <a:effectLst/>
                 <a:latin typeface="Cambria" panose="02040503050406030204" charset="0"/>
                 <a:ea typeface="Times New Roman" panose="02020603050405020304" pitchFamily="18" charset="0"/>
                 <a:cs typeface="Cambria" panose="02040503050406030204" charset="0"/>
               </a:rPr>
-              <a:t>img_fn</a:t>
+              <a:t>image_fn</a:t>
             </a:r>
             <a:r>
               <a:rPr lang="en-IN" sz="1200" dirty="0">
@@ -4891,12 +4807,6 @@
               </a:rPr>
               <a:t>: the filename of the image</a:t>
             </a:r>
-            <a:endParaRPr lang="en-IN" sz="1200" dirty="0">
-              <a:effectLst/>
-              <a:latin typeface="Cambria" panose="02040503050406030204" charset="0"/>
-              <a:ea typeface="Times New Roman" panose="02020603050405020304" pitchFamily="18" charset="0"/>
-              <a:cs typeface="Cambria" panose="02040503050406030204" charset="0"/>
-            </a:endParaRPr>
           </a:p>
           <a:p>
             <a:pPr marL="0" lvl="0" indent="0">
@@ -4925,12 +4835,6 @@
               </a:rPr>
               <a:t>question: Tokenized version of the question. </a:t>
             </a:r>
-            <a:endParaRPr lang="en-IN" sz="1200" dirty="0">
-              <a:effectLst/>
-              <a:latin typeface="Cambria" panose="02040503050406030204" charset="0"/>
-              <a:ea typeface="Times New Roman" panose="02020603050405020304" pitchFamily="18" charset="0"/>
-              <a:cs typeface="Cambria" panose="02040503050406030204" charset="0"/>
-            </a:endParaRPr>
           </a:p>
           <a:p>
             <a:pPr marL="0" lvl="0" indent="0">
@@ -4952,13 +4856,13 @@
               <a:t>            </a:t>
             </a:r>
             <a:r>
-              <a:rPr lang="en-IN" sz="1200" dirty="0" err="1">
+              <a:rPr lang="en-IN" sz="1200" dirty="0" smtClean="0">
                 <a:effectLst/>
                 <a:latin typeface="Cambria" panose="02040503050406030204" charset="0"/>
                 <a:ea typeface="Times New Roman" panose="02020603050405020304" pitchFamily="18" charset="0"/>
                 <a:cs typeface="Cambria" panose="02040503050406030204" charset="0"/>
               </a:rPr>
-              <a:t>answer_choices</a:t>
+              <a:t>answer choices: </a:t>
             </a:r>
             <a:r>
               <a:rPr lang="en-IN" sz="1200" dirty="0">
@@ -4967,7 +4871,7 @@
                 <a:ea typeface="Times New Roman" panose="02020603050405020304" pitchFamily="18" charset="0"/>
                 <a:cs typeface="Cambria" panose="02040503050406030204" charset="0"/>
               </a:rPr>
-              <a:t>: A list of four answer choices, with the same format as question.</a:t>
+              <a:t>A list of four answer choices, with the same format as question.</a:t>
             </a:r>
             <a:endParaRPr lang="en-IN" sz="1200" dirty="0">
               <a:latin typeface="Cambria" panose="02040503050406030204" charset="0"/>
@@ -4995,13 +4899,13 @@
               <a:t>            </a:t>
             </a:r>
             <a:r>
-              <a:rPr lang="en-IN" sz="1200" dirty="0" err="1">
+              <a:rPr lang="en-IN" sz="1200" dirty="0" smtClean="0">
                 <a:effectLst/>
                 <a:latin typeface="Cambria" panose="02040503050406030204" charset="0"/>
                 <a:ea typeface="Times New Roman" panose="02020603050405020304" pitchFamily="18" charset="0"/>
                 <a:cs typeface="Cambria" panose="02040503050406030204" charset="0"/>
               </a:rPr>
-              <a:t>answer_label</a:t>
+              <a:t>answer label: </a:t>
             </a:r>
             <a:r>
               <a:rPr lang="en-IN" sz="1200" dirty="0">
@@ -5010,25 +4914,16 @@
                 <a:ea typeface="Times New Roman" panose="02020603050405020304" pitchFamily="18" charset="0"/>
                 <a:cs typeface="Cambria" panose="02040503050406030204" charset="0"/>
               </a:rPr>
-              <a:t>: Which answer (0 to 3) is right in </a:t>
-            </a:r>
-            <a:r>
-              <a:rPr lang="en-IN" sz="1200" dirty="0" err="1">
+              <a:t>Which answer (0 to 3) is right in </a:t>
+            </a:r>
+            <a:r>
+              <a:rPr lang="en-IN" sz="1200" dirty="0" smtClean="0">
                 <a:effectLst/>
                 <a:latin typeface="Cambria" panose="02040503050406030204" charset="0"/>
                 <a:ea typeface="Times New Roman" panose="02020603050405020304" pitchFamily="18" charset="0"/>
                 <a:cs typeface="Cambria" panose="02040503050406030204" charset="0"/>
               </a:rPr>
-              <a:t>answer_choices</a:t>
-            </a:r>
-            <a:r>
-              <a:rPr lang="en-IN" sz="1200" dirty="0">
-                <a:effectLst/>
-                <a:latin typeface="Cambria" panose="02040503050406030204" charset="0"/>
-                <a:ea typeface="Times New Roman" panose="02020603050405020304" pitchFamily="18" charset="0"/>
-                <a:cs typeface="Cambria" panose="02040503050406030204" charset="0"/>
-              </a:rPr>
-              <a:t>.</a:t>
+              <a:t>answer choices.</a:t>
             </a:r>
             <a:endParaRPr lang="en-IN" sz="1200" dirty="0">
               <a:effectLst/>
@@ -5155,10 +5050,10 @@
           <p:nvPr/>
         </p:nvPicPr>
         <p:blipFill>
-          <a:blip r:embed="rId1">
+          <a:blip r:embed="rId2">
             <a:extLst>
               <a:ext uri="{28A0092B-C50C-407E-A947-70E740481C1C}">
-                <a14:useLocalDpi xmlns:a14="http://schemas.microsoft.com/office/drawing/2010/main" val="0"/>
+                <a14:useLocalDpi xmlns:a14="http://schemas.microsoft.com/office/drawing/2010/main" xmlns="" val="0"/>
               </a:ext>
             </a:extLst>
           </a:blip>
@@ -5185,10 +5080,10 @@
           <p:nvPr/>
         </p:nvPicPr>
         <p:blipFill>
-          <a:blip r:embed="rId2">
+          <a:blip r:embed="rId3">
             <a:extLst>
               <a:ext uri="{28A0092B-C50C-407E-A947-70E740481C1C}">
-                <a14:useLocalDpi xmlns:a14="http://schemas.microsoft.com/office/drawing/2010/main" val="0"/>
+                <a14:useLocalDpi xmlns:a14="http://schemas.microsoft.com/office/drawing/2010/main" xmlns="" val="0"/>
               </a:ext>
             </a:extLst>
           </a:blip>
@@ -5280,6 +5175,15 @@
               </a:rPr>
               <a:t>Multimodal Meme Dataset (MultiOFF) for Identifying Offensive Content in    			            Image and Text</a:t>
             </a:r>
+            <a:r>
+              <a:rPr lang="en-IN" sz="2000" dirty="0">
+                <a:effectLst/>
+                <a:latin typeface="Times New Roman" panose="02020603050405020304" pitchFamily="18" charset="0"/>
+                <a:ea typeface="Calibri" panose="020F0502020204030204" pitchFamily="34" charset="0"/>
+                <a:sym typeface="+mn-ea"/>
+              </a:rPr>
+              <a:t/>
+            </a:r>
             <a:br>
               <a:rPr lang="en-IN" sz="2000" dirty="0">
                 <a:effectLst/>
@@ -5392,10 +5296,6 @@
               </a:rPr>
               <a:t>.</a:t>
             </a:r>
-            <a:endParaRPr lang="en-IN" altLang="en-US" sz="1800">
-              <a:latin typeface="Cambria" panose="02040503050406030204" charset="0"/>
-              <a:cs typeface="Cambria" panose="02040503050406030204" charset="0"/>
-            </a:endParaRPr>
           </a:p>
           <a:p>
             <a:r>
@@ -5431,6 +5331,11 @@
               </a:rPr>
               <a:t>      Images were loaded into an array and changed     into a fixed shape as per VGG16 specifications</a:t>
             </a:r>
+          </a:p>
+          <a:p>
+            <a:pPr marL="0" indent="0">
+              <a:buNone/>
+            </a:pPr>
             <a:endParaRPr lang="en-US" sz="1600">
               <a:latin typeface="Cambria" panose="02040503050406030204" charset="0"/>
               <a:cs typeface="Cambria" panose="02040503050406030204" charset="0"/>
@@ -5441,16 +5346,6 @@
             <a:pPr marL="0" indent="0">
               <a:buNone/>
             </a:pPr>
-            <a:endParaRPr lang="en-US" sz="1600">
-              <a:latin typeface="Cambria" panose="02040503050406030204" charset="0"/>
-              <a:cs typeface="Cambria" panose="02040503050406030204" charset="0"/>
-              <a:sym typeface="+mn-ea"/>
-            </a:endParaRPr>
-          </a:p>
-          <a:p>
-            <a:pPr marL="0" indent="0">
-              <a:buNone/>
-            </a:pPr>
             <a:r>
               <a:rPr lang="en-IN" sz="1600" dirty="0">
                 <a:solidFill>
@@ -5463,15 +5358,6 @@
               </a:rPr>
               <a:t>https://www.aclweb.org/anthology/2020.trac-1.6.pdf</a:t>
             </a:r>
-            <a:endParaRPr lang="en-IN" sz="1600" dirty="0">
-              <a:solidFill>
-                <a:srgbClr val="0070C0"/>
-              </a:solidFill>
-              <a:effectLst/>
-              <a:latin typeface="Times New Roman" panose="02020603050405020304" pitchFamily="18" charset="0"/>
-              <a:ea typeface="Calibri" panose="020F0502020204030204" pitchFamily="34" charset="0"/>
-              <a:sym typeface="+mn-ea"/>
-            </a:endParaRPr>
           </a:p>
           <a:p>
             <a:pPr marL="0" indent="0">
@@ -5506,10 +5392,6 @@
               </a:rPr>
               <a:t>    </a:t>
             </a:r>
-            <a:endParaRPr lang="en-US" sz="1800">
-              <a:latin typeface="Cambria" panose="02040503050406030204" charset="0"/>
-              <a:cs typeface="Cambria" panose="02040503050406030204" charset="0"/>
-            </a:endParaRPr>
           </a:p>
           <a:p>
             <a:endParaRPr lang="en-US" sz="1800">
@@ -5530,7 +5412,7 @@
           </p:nvPr>
         </p:nvPicPr>
         <p:blipFill>
-          <a:blip r:embed="rId1"/>
+          <a:blip r:embed="rId2"/>
           <a:stretch>
             <a:fillRect/>
           </a:stretch>
@@ -5587,6 +5469,13 @@
           </a:bodyPr>
           <a:lstStyle/>
           <a:p>
+            <a:r>
+              <a:rPr lang="en-US" sz="4000" b="1">
+                <a:latin typeface="Cambria" panose="02040503050406030204" charset="0"/>
+                <a:cs typeface="Cambria" panose="02040503050406030204" charset="0"/>
+              </a:rPr>
+              <a:t/>
+            </a:r>
             <a:br>
               <a:rPr lang="en-US" sz="4000" b="1">
                 <a:latin typeface="Cambria" panose="02040503050406030204" charset="0"/>
@@ -5600,10 +5489,6 @@
               </a:rPr>
               <a:t>Multimodal Approach:</a:t>
             </a:r>
-            <a:endParaRPr lang="en-US" sz="2800" b="1">
-              <a:latin typeface="Cambria" panose="02040503050406030204" charset="0"/>
-              <a:cs typeface="Cambria" panose="02040503050406030204" charset="0"/>
-            </a:endParaRPr>
           </a:p>
         </p:txBody>
       </p:sp>
@@ -5625,7 +5510,7 @@
         </p:spPr>
         <p:txBody>
           <a:bodyPr>
-            <a:normAutofit fontScale="90000"/>
+            <a:normAutofit fontScale="97500" lnSpcReduction="10000"/>
           </a:bodyPr>
           <a:lstStyle/>
           <a:p>
@@ -5643,10 +5528,6 @@
               </a:rPr>
               <a:t>Early Fusion Approach”is used.</a:t>
             </a:r>
-            <a:endParaRPr lang="en-US" sz="1600">
-              <a:latin typeface="Cambria" panose="02040503050406030204" charset="0"/>
-              <a:cs typeface="Cambria" panose="02040503050406030204" charset="0"/>
-            </a:endParaRPr>
           </a:p>
           <a:p>
             <a:r>
@@ -5663,10 +5544,6 @@
               </a:rPr>
               <a:t>n an embedding, words are represented by dense vectors where a vector represents the projection of the word into a continuous vector space.</a:t>
             </a:r>
-            <a:endParaRPr lang="en-US" sz="1600">
-              <a:latin typeface="Cambria" panose="02040503050406030204" charset="0"/>
-              <a:cs typeface="Cambria" panose="02040503050406030204" charset="0"/>
-            </a:endParaRPr>
           </a:p>
           <a:p>
             <a:r>
@@ -5676,10 +5553,6 @@
               </a:rPr>
               <a:t>A new vector has been formed by the concatenation of both modalities which represents a meme as a whole and hence can be used for classification.</a:t>
             </a:r>
-            <a:endParaRPr lang="en-US" sz="1600">
-              <a:latin typeface="Cambria" panose="02040503050406030204" charset="0"/>
-              <a:cs typeface="Cambria" panose="02040503050406030204" charset="0"/>
-            </a:endParaRPr>
           </a:p>
           <a:p>
             <a:r>
@@ -5760,14 +5633,15 @@
           </a:xfrm>
         </p:spPr>
         <p:txBody>
-          <a:bodyPr/>
+          <a:bodyPr>
+            <a:normAutofit fontScale="97500" lnSpcReduction="10000"/>
+          </a:bodyPr>
           <a:lstStyle/>
           <a:p>
             <a:r>
               <a:rPr lang="en-IN" altLang="en-US"/>
               <a:t>.</a:t>
             </a:r>
-            <a:endParaRPr lang="en-IN" altLang="en-US"/>
           </a:p>
         </p:txBody>
       </p:sp>
@@ -5780,7 +5654,7 @@
           <p:nvPr/>
         </p:nvPicPr>
         <p:blipFill>
-          <a:blip r:embed="rId1"/>
+          <a:blip r:embed="rId2"/>
           <a:stretch>
             <a:fillRect/>
           </a:stretch>
@@ -5862,10 +5736,6 @@
               </a:rPr>
               <a:t>Yuval Nirkin   Assaf Rabinowitz   Yoni Solel</a:t>
             </a:r>
-            <a:endParaRPr lang="en-US" sz="1800">
-              <a:latin typeface="Cambria" panose="02040503050406030204" charset="0"/>
-              <a:cs typeface="Cambria" panose="02040503050406030204" charset="0"/>
-            </a:endParaRPr>
           </a:p>
         </p:txBody>
       </p:sp>
@@ -5882,7 +5752,7 @@
         <p:spPr/>
         <p:txBody>
           <a:bodyPr>
-            <a:normAutofit lnSpcReduction="20000"/>
+            <a:normAutofit lnSpcReduction="10000"/>
           </a:bodyPr>
           <a:lstStyle/>
           <a:p>
@@ -5896,18 +5766,96 @@
               </a:rPr>
               <a:t>Data Processing </a:t>
             </a:r>
+          </a:p>
+          <a:p>
+            <a:r>
+              <a:rPr lang="en-US" sz="1600">
+                <a:latin typeface="Cambria" panose="02040503050406030204" charset="0"/>
+                <a:cs typeface="Cambria" panose="02040503050406030204" charset="0"/>
+              </a:rPr>
+              <a:t>Text embedding :SBERT </a:t>
+            </a:r>
+            <a:r>
+              <a:rPr lang="en-US" sz="2000">
+                <a:latin typeface="Cambria" panose="02040503050406030204" charset="0"/>
+                <a:cs typeface="Cambria" panose="02040503050406030204" charset="0"/>
+              </a:rPr>
+              <a:t/>
+            </a:r>
+            <a:br>
+              <a:rPr lang="en-US" sz="2000">
+                <a:latin typeface="Cambria" panose="02040503050406030204" charset="0"/>
+                <a:cs typeface="Cambria" panose="02040503050406030204" charset="0"/>
+              </a:rPr>
+            </a:br>
+            <a:r>
+              <a:rPr lang="en-US" sz="2000">
+                <a:latin typeface="Cambria" panose="02040503050406030204" charset="0"/>
+                <a:cs typeface="Cambria" panose="02040503050406030204" charset="0"/>
+              </a:rPr>
+              <a:t>	           </a:t>
+            </a:r>
+            <a:r>
+              <a:rPr lang="en-US" sz="1400">
+                <a:latin typeface="Cambria" panose="02040503050406030204" charset="0"/>
+                <a:cs typeface="Cambria" panose="02040503050406030204" charset="0"/>
+              </a:rPr>
+              <a:t>A modification of the pretrained BERT network that uses siamese and triplet network  			    			   structures to derive  semantically meaningful sentence embeddings.</a:t>
+            </a:r>
+          </a:p>
+          <a:p>
+            <a:r>
+              <a:rPr lang="en-US" sz="1600">
+                <a:latin typeface="Cambria" panose="02040503050406030204" charset="0"/>
+                <a:cs typeface="Cambria" panose="02040503050406030204" charset="0"/>
+              </a:rPr>
+              <a:t>Image Embedding: MobileNetV3 </a:t>
+            </a:r>
+          </a:p>
+          <a:p>
+            <a:r>
+              <a:rPr lang="en-US" sz="1600">
+                <a:latin typeface="Cambria" panose="02040503050406030204" charset="0"/>
+                <a:cs typeface="Cambria" panose="02040503050406030204" charset="0"/>
+              </a:rPr>
+              <a:t>Hypernetworks</a:t>
+            </a:r>
+          </a:p>
+          <a:p>
+            <a:pPr marL="0" indent="0">
+              <a:buNone/>
+            </a:pPr>
             <a:endParaRPr lang="en-US" sz="2000">
               <a:latin typeface="Cambria" panose="02040503050406030204" charset="0"/>
               <a:cs typeface="Cambria" panose="02040503050406030204" charset="0"/>
             </a:endParaRPr>
           </a:p>
           <a:p>
+            <a:pPr marL="0" indent="0">
+              <a:buNone/>
+            </a:pPr>
             <a:r>
               <a:rPr lang="en-US" sz="1600">
                 <a:latin typeface="Cambria" panose="02040503050406030204" charset="0"/>
                 <a:cs typeface="Cambria" panose="02040503050406030204" charset="0"/>
               </a:rPr>
-              <a:t>Text embedding :SBERT </a:t>
+              <a:t>Inital approach</a:t>
+            </a:r>
+          </a:p>
+          <a:p>
+            <a:r>
+              <a:rPr lang="en-US" sz="1600">
+                <a:latin typeface="Cambria" panose="02040503050406030204" charset="0"/>
+                <a:cs typeface="Cambria" panose="02040503050406030204" charset="0"/>
+              </a:rPr>
+              <a:t> Extracting text and image features like </a:t>
+            </a:r>
+            <a:r>
+              <a:rPr lang="en-US" sz="2000">
+                <a:latin typeface="Cambria" panose="02040503050406030204" charset="0"/>
+                <a:cs typeface="Cambria" panose="02040503050406030204" charset="0"/>
+              </a:rPr>
+              <a:t/>
             </a:r>
             <a:br>
               <a:rPr lang="en-US" sz="2000">
@@ -5920,98 +5868,66 @@
                 <a:latin typeface="Cambria" panose="02040503050406030204" charset="0"/>
                 <a:cs typeface="Cambria" panose="02040503050406030204" charset="0"/>
               </a:rPr>
-              <a:t>	           </a:t>
+              <a:t>                        </a:t>
             </a:r>
             <a:r>
               <a:rPr lang="en-US" sz="1400">
                 <a:latin typeface="Cambria" panose="02040503050406030204" charset="0"/>
                 <a:cs typeface="Cambria" panose="02040503050406030204" charset="0"/>
               </a:rPr>
-              <a:t>A modification of the pretrained BERT network that uses siamese and triplet network  			    			   structures to derive  semantically meaningful sentence embeddings.</a:t>
-            </a:r>
-            <a:endParaRPr lang="en-US" sz="1400">
-              <a:latin typeface="Cambria" panose="02040503050406030204" charset="0"/>
-              <a:cs typeface="Cambria" panose="02040503050406030204" charset="0"/>
-            </a:endParaRPr>
-          </a:p>
-          <a:p>
+              <a:t>Mean Value for each RGB coordinates, Image caption,Caption profanity probabliy.</a:t>
+            </a:r>
+            <a:br>
+              <a:rPr lang="en-US" sz="1400">
+                <a:latin typeface="Cambria" panose="02040503050406030204" charset="0"/>
+                <a:cs typeface="Cambria" panose="02040503050406030204" charset="0"/>
+              </a:rPr>
+            </a:br>
+            <a:r>
+              <a:rPr lang="en-US" sz="1400">
+                <a:latin typeface="Cambria" panose="02040503050406030204" charset="0"/>
+                <a:cs typeface="Cambria" panose="02040503050406030204" charset="0"/>
+              </a:rPr>
+              <a:t>	                 Subparts of text , text profanity etc.</a:t>
+            </a:r>
+          </a:p>
+          <a:p>
+            <a:r>
+              <a:rPr lang="en-US" sz="2000">
+                <a:latin typeface="Cambria" panose="02040503050406030204" charset="0"/>
+                <a:cs typeface="Cambria" panose="02040503050406030204" charset="0"/>
+              </a:rPr>
+              <a:t>  </a:t>
+            </a:r>
             <a:r>
               <a:rPr lang="en-US" sz="1600">
                 <a:latin typeface="Cambria" panose="02040503050406030204" charset="0"/>
                 <a:cs typeface="Cambria" panose="02040503050406030204" charset="0"/>
               </a:rPr>
-              <a:t>Image Embedding: MobileNetV3 </a:t>
-            </a:r>
-            <a:endParaRPr lang="en-US" sz="1600">
-              <a:latin typeface="Cambria" panose="02040503050406030204" charset="0"/>
-              <a:cs typeface="Cambria" panose="02040503050406030204" charset="0"/>
-            </a:endParaRPr>
-          </a:p>
-          <a:p>
-            <a:r>
-              <a:rPr lang="en-US" sz="1600">
-                <a:latin typeface="Cambria" panose="02040503050406030204" charset="0"/>
-                <a:cs typeface="Cambria" panose="02040503050406030204" charset="0"/>
-              </a:rPr>
-              <a:t>Hypernetworks</a:t>
-            </a:r>
-            <a:endParaRPr lang="en-US" sz="1600">
-              <a:latin typeface="Cambria" panose="02040503050406030204" charset="0"/>
-              <a:cs typeface="Cambria" panose="02040503050406030204" charset="0"/>
-            </a:endParaRPr>
-          </a:p>
-          <a:p>
-            <a:pPr marL="0" indent="0">
-              <a:buNone/>
-            </a:pPr>
+              <a:t>Two separate classifiers using the extracted features:</a:t>
+            </a:r>
             <a:endParaRPr lang="en-US" sz="2000">
               <a:latin typeface="Cambria" panose="02040503050406030204" charset="0"/>
               <a:cs typeface="Cambria" panose="02040503050406030204" charset="0"/>
             </a:endParaRPr>
           </a:p>
           <a:p>
-            <a:pPr marL="0" indent="0">
-              <a:buNone/>
-            </a:pPr>
-            <a:r>
-              <a:rPr lang="en-US" sz="1600">
-                <a:latin typeface="Cambria" panose="02040503050406030204" charset="0"/>
-                <a:cs typeface="Cambria" panose="02040503050406030204" charset="0"/>
-              </a:rPr>
-              <a:t>Inital approach</a:t>
-            </a:r>
-            <a:endParaRPr lang="en-US" sz="1600">
-              <a:latin typeface="Cambria" panose="02040503050406030204" charset="0"/>
-              <a:cs typeface="Cambria" panose="02040503050406030204" charset="0"/>
-            </a:endParaRPr>
-          </a:p>
-          <a:p>
-            <a:r>
-              <a:rPr lang="en-US" sz="1600">
-                <a:latin typeface="Cambria" panose="02040503050406030204" charset="0"/>
-                <a:cs typeface="Cambria" panose="02040503050406030204" charset="0"/>
-              </a:rPr>
-              <a:t> Extracting text and image features like </a:t>
-            </a:r>
-            <a:br>
-              <a:rPr lang="en-US" sz="2000">
-                <a:latin typeface="Cambria" panose="02040503050406030204" charset="0"/>
-                <a:cs typeface="Cambria" panose="02040503050406030204" charset="0"/>
-              </a:rPr>
-            </a:br>
-            <a:r>
-              <a:rPr lang="en-US" sz="2000">
-                <a:latin typeface="Cambria" panose="02040503050406030204" charset="0"/>
-                <a:cs typeface="Cambria" panose="02040503050406030204" charset="0"/>
-              </a:rPr>
-              <a:t>                        </a:t>
+            <a:pPr marL="1371600" lvl="3" indent="0">
+              <a:buNone/>
+            </a:pPr>
+            <a:r>
+              <a:rPr lang="en-US" sz="1250">
+                <a:latin typeface="Cambria" panose="02040503050406030204" charset="0"/>
+                <a:cs typeface="Cambria" panose="02040503050406030204" charset="0"/>
+              </a:rPr>
+              <a:t>       </a:t>
             </a:r>
             <a:r>
               <a:rPr lang="en-US" sz="1400">
                 <a:latin typeface="Cambria" panose="02040503050406030204" charset="0"/>
                 <a:cs typeface="Cambria" panose="02040503050406030204" charset="0"/>
               </a:rPr>
-              <a:t>Mean Value for each RGB coordinates, Image caption,Caption profanity probabliy.</a:t>
+              <a:t>Linear Regression</a:t>
             </a:r>
             <a:br>
               <a:rPr lang="en-US" sz="1400">
@@ -6024,70 +5940,14 @@
                 <a:latin typeface="Cambria" panose="02040503050406030204" charset="0"/>
                 <a:cs typeface="Cambria" panose="02040503050406030204" charset="0"/>
               </a:rPr>
-              <a:t>	                 Subparts of text , text profanity etc.</a:t>
-            </a:r>
-            <a:endParaRPr lang="en-US" sz="1400">
-              <a:latin typeface="Cambria" panose="02040503050406030204" charset="0"/>
-              <a:cs typeface="Cambria" panose="02040503050406030204" charset="0"/>
-            </a:endParaRPr>
-          </a:p>
-          <a:p>
-            <a:r>
-              <a:rPr lang="en-US" sz="2000">
-                <a:latin typeface="Cambria" panose="02040503050406030204" charset="0"/>
-                <a:cs typeface="Cambria" panose="02040503050406030204" charset="0"/>
-              </a:rPr>
-              <a:t>  </a:t>
-            </a:r>
-            <a:r>
-              <a:rPr lang="en-US" sz="1600">
-                <a:latin typeface="Cambria" panose="02040503050406030204" charset="0"/>
-                <a:cs typeface="Cambria" panose="02040503050406030204" charset="0"/>
-              </a:rPr>
-              <a:t>Two separate classifiers using the extracted features:</a:t>
-            </a:r>
-            <a:endParaRPr lang="en-US" sz="2000">
-              <a:latin typeface="Cambria" panose="02040503050406030204" charset="0"/>
-              <a:cs typeface="Cambria" panose="02040503050406030204" charset="0"/>
-            </a:endParaRPr>
-          </a:p>
-          <a:p>
-            <a:pPr marL="1371600" lvl="3" indent="0">
-              <a:buNone/>
-            </a:pPr>
+              <a:t>      SVM classifier</a:t>
+            </a:r>
             <a:r>
               <a:rPr lang="en-US" sz="1250">
                 <a:latin typeface="Cambria" panose="02040503050406030204" charset="0"/>
                 <a:cs typeface="Cambria" panose="02040503050406030204" charset="0"/>
               </a:rPr>
-              <a:t>       </a:t>
-            </a:r>
-            <a:r>
-              <a:rPr lang="en-US" sz="1400">
-                <a:latin typeface="Cambria" panose="02040503050406030204" charset="0"/>
-                <a:cs typeface="Cambria" panose="02040503050406030204" charset="0"/>
-              </a:rPr>
-              <a:t>Linear Regression</a:t>
-            </a:r>
-            <a:br>
-              <a:rPr lang="en-US" sz="1400">
-                <a:latin typeface="Cambria" panose="02040503050406030204" charset="0"/>
-                <a:cs typeface="Cambria" panose="02040503050406030204" charset="0"/>
-              </a:rPr>
-            </a:br>
-            <a:r>
-              <a:rPr lang="en-US" sz="1400">
-                <a:latin typeface="Cambria" panose="02040503050406030204" charset="0"/>
-                <a:cs typeface="Cambria" panose="02040503050406030204" charset="0"/>
-              </a:rPr>
-              <a:t>     </a:t>
-            </a:r>
-            <a:r>
-              <a:rPr lang="en-US" sz="1400">
-                <a:latin typeface="Cambria" panose="02040503050406030204" charset="0"/>
-                <a:cs typeface="Cambria" panose="02040503050406030204" charset="0"/>
-              </a:rPr>
-              <a:t> SVM classifier</a:t>
+              <a:t/>
             </a:r>
             <a:br>
               <a:rPr lang="en-US" sz="1250">
@@ -6102,10 +5962,6 @@
               </a:rPr>
               <a:t>		</a:t>
             </a:r>
-            <a:endParaRPr lang="en-US" sz="1250">
-              <a:latin typeface="Cambria" panose="02040503050406030204" charset="0"/>
-              <a:cs typeface="Cambria" panose="02040503050406030204" charset="0"/>
-            </a:endParaRPr>
           </a:p>
         </p:txBody>
       </p:sp>
@@ -6161,10 +6017,6 @@
               </a:rPr>
               <a:t>Model Description</a:t>
             </a:r>
-            <a:endParaRPr lang="en-US" sz="2000">
-              <a:latin typeface="Cambria" panose="02040503050406030204" charset="0"/>
-              <a:cs typeface="Cambria" panose="02040503050406030204" charset="0"/>
-            </a:endParaRPr>
           </a:p>
         </p:txBody>
       </p:sp>
@@ -6195,10 +6047,6 @@
               </a:rPr>
               <a:t>The model based onto the hypernetwork. </a:t>
             </a:r>
-            <a:endParaRPr lang="en-US" sz="1400">
-              <a:latin typeface="Cambria" panose="02040503050406030204" charset="0"/>
-              <a:cs typeface="Cambria" panose="02040503050406030204" charset="0"/>
-            </a:endParaRPr>
           </a:p>
           <a:p>
             <a:pPr marL="0" indent="0">
@@ -6218,10 +6066,6 @@
               </a:rPr>
               <a:t>The hypernetwork is a network that predicts the weights of another larger  network.</a:t>
             </a:r>
-            <a:endParaRPr lang="en-US" sz="1400">
-              <a:latin typeface="Cambria" panose="02040503050406030204" charset="0"/>
-              <a:cs typeface="Cambria" panose="02040503050406030204" charset="0"/>
-            </a:endParaRPr>
           </a:p>
           <a:p>
             <a:r>
@@ -6245,10 +6089,6 @@
               </a:rPr>
               <a:t>. </a:t>
             </a:r>
-            <a:endParaRPr lang="en-US" sz="1400">
-              <a:latin typeface="Cambria" panose="02040503050406030204" charset="0"/>
-              <a:cs typeface="Cambria" panose="02040503050406030204" charset="0"/>
-            </a:endParaRPr>
           </a:p>
           <a:p>
             <a:r>
@@ -6265,10 +6105,6 @@
               </a:rPr>
               <a:t>Ev(768)</a:t>
             </a:r>
-            <a:endParaRPr lang="en-US" sz="1600" b="1">
-              <a:latin typeface="Cambria" panose="02040503050406030204" charset="0"/>
-              <a:cs typeface="Cambria" panose="02040503050406030204" charset="0"/>
-            </a:endParaRPr>
           </a:p>
           <a:p>
             <a:r>
@@ -6299,10 +6135,6 @@
               </a:rPr>
               <a:t>.</a:t>
             </a:r>
-            <a:endParaRPr lang="en-US" sz="1400">
-              <a:latin typeface="Cambria" panose="02040503050406030204" charset="0"/>
-              <a:cs typeface="Cambria" panose="02040503050406030204" charset="0"/>
-            </a:endParaRPr>
           </a:p>
           <a:p>
             <a:r>
@@ -6339,10 +6171,6 @@
               </a:rPr>
               <a:t>hateful or not hateful?</a:t>
             </a:r>
-            <a:endParaRPr lang="en-US" sz="1400">
-              <a:latin typeface="Cambria" panose="02040503050406030204" charset="0"/>
-              <a:cs typeface="Cambria" panose="02040503050406030204" charset="0"/>
-            </a:endParaRPr>
           </a:p>
           <a:p>
             <a:pPr marL="0" indent="0">
@@ -6364,7 +6192,7 @@
           <p:nvPr/>
         </p:nvPicPr>
         <p:blipFill>
-          <a:blip r:embed="rId1"/>
+          <a:blip r:embed="rId3"/>
           <a:stretch>
             <a:fillRect/>
           </a:stretch>
@@ -6422,7 +6250,7 @@
         </p:spPr>
         <p:txBody>
           <a:bodyPr>
-            <a:normAutofit lnSpcReduction="10000"/>
+            <a:normAutofit/>
           </a:bodyPr>
           <a:lstStyle/>
           <a:p>
@@ -6467,23 +6295,63 @@
               </a:rPr>
               <a:t>The model is trained end-to-end with the vision model pretrained on ImageNet [11], and the weight mapping module .</a:t>
             </a:r>
+          </a:p>
+          <a:p>
+            <a:r>
+              <a:rPr lang="en-US" sz="1600">
+                <a:latin typeface="Cambria" panose="02040503050406030204" charset="0"/>
+                <a:cs typeface="Cambria" panose="02040503050406030204" charset="0"/>
+              </a:rPr>
+              <a:t>The language model is pretrained on Wikipedia [12] and its weights remain frozen for the entire training process. </a:t>
+            </a:r>
+          </a:p>
+          <a:p>
+            <a:r>
+              <a:rPr lang="en-US" sz="1600">
+                <a:latin typeface="Cambria" panose="02040503050406030204" charset="0"/>
+                <a:cs typeface="Cambria" panose="02040503050406030204" charset="0"/>
+              </a:rPr>
+              <a:t>Adam optimizer (β1=0.5,β2=0.999) with learning rate 0.0001, which we decrease by half every five epochs, and a batch size of 4. </a:t>
+            </a:r>
+          </a:p>
+          <a:p>
+            <a:r>
+              <a:rPr lang="en-US" sz="1600">
+                <a:latin typeface="Cambria" panose="02040503050406030204" charset="0"/>
+                <a:cs typeface="Cambria" panose="02040503050406030204" charset="0"/>
+              </a:rPr>
+              <a:t>All images are resized and padded to a resolution of 800x800, and randomly horizontally flipped with probability 0.5.</a:t>
+            </a:r>
+          </a:p>
+          <a:p>
+            <a:pPr marL="0" indent="0">
+              <a:buNone/>
+            </a:pPr>
             <a:endParaRPr lang="en-US" sz="1600">
               <a:latin typeface="Cambria" panose="02040503050406030204" charset="0"/>
               <a:cs typeface="Cambria" panose="02040503050406030204" charset="0"/>
             </a:endParaRPr>
           </a:p>
           <a:p>
+            <a:pPr marL="0" indent="0">
+              <a:buNone/>
+            </a:pPr>
+            <a:r>
+              <a:rPr lang="en-US" sz="2000">
+                <a:latin typeface="Cambria" panose="02040503050406030204" charset="0"/>
+                <a:cs typeface="Cambria" panose="02040503050406030204" charset="0"/>
+              </a:rPr>
+              <a:t>Results and future work </a:t>
+            </a:r>
+          </a:p>
+          <a:p>
             <a:r>
               <a:rPr lang="en-US" sz="1600">
                 <a:latin typeface="Cambria" panose="02040503050406030204" charset="0"/>
                 <a:cs typeface="Cambria" panose="02040503050406030204" charset="0"/>
               </a:rPr>
-              <a:t>The language model is pretrained on Wikipedia [12] and its weights remain frozen for the entire training process. </a:t>
-            </a:r>
-            <a:endParaRPr lang="en-US" sz="1600">
-              <a:latin typeface="Cambria" panose="02040503050406030204" charset="0"/>
-              <a:cs typeface="Cambria" panose="02040503050406030204" charset="0"/>
-            </a:endParaRPr>
+              <a:t>Using the complete model as described in the previous section the  AUC score acheived is 0.6707.</a:t>
+            </a:r>
           </a:p>
           <a:p>
             <a:r>
@@ -6491,12 +6359,8 @@
                 <a:latin typeface="Cambria" panose="02040503050406030204" charset="0"/>
                 <a:cs typeface="Cambria" panose="02040503050406030204" charset="0"/>
               </a:rPr>
-              <a:t>Adam optimizer (β1=0.5,β2=0.999) with learning rate 0.0001, which we decrease by half every five epochs, and a batch size of 4. </a:t>
-            </a:r>
-            <a:endParaRPr lang="en-US" sz="1600">
-              <a:latin typeface="Cambria" panose="02040503050406030204" charset="0"/>
-              <a:cs typeface="Cambria" panose="02040503050406030204" charset="0"/>
-            </a:endParaRPr>
+              <a:t> Attention mechanism can be utilized to allow the network to only focus on the important parts of the image .</a:t>
+            </a:r>
           </a:p>
           <a:p>
             <a:r>
@@ -6504,76 +6368,8 @@
                 <a:latin typeface="Cambria" panose="02040503050406030204" charset="0"/>
                 <a:cs typeface="Cambria" panose="02040503050406030204" charset="0"/>
               </a:rPr>
-              <a:t>All images are resized and padded to a resolution of 800x800, and randomly horizontally flipped with probability 0.5.</a:t>
-            </a:r>
-            <a:endParaRPr lang="en-US" sz="1600">
-              <a:latin typeface="Cambria" panose="02040503050406030204" charset="0"/>
-              <a:cs typeface="Cambria" panose="02040503050406030204" charset="0"/>
-            </a:endParaRPr>
-          </a:p>
-          <a:p>
-            <a:pPr marL="0" indent="0">
-              <a:buNone/>
-            </a:pPr>
-            <a:endParaRPr lang="en-US" sz="1600">
-              <a:latin typeface="Cambria" panose="02040503050406030204" charset="0"/>
-              <a:cs typeface="Cambria" panose="02040503050406030204" charset="0"/>
-            </a:endParaRPr>
-          </a:p>
-          <a:p>
-            <a:pPr marL="0" indent="0">
-              <a:buNone/>
-            </a:pPr>
-            <a:r>
-              <a:rPr lang="en-US" sz="2000">
-                <a:latin typeface="Cambria" panose="02040503050406030204" charset="0"/>
-                <a:cs typeface="Cambria" panose="02040503050406030204" charset="0"/>
-              </a:rPr>
-              <a:t>Results and future work </a:t>
-            </a:r>
-            <a:endParaRPr lang="en-US" sz="2000">
-              <a:latin typeface="Cambria" panose="02040503050406030204" charset="0"/>
-              <a:cs typeface="Cambria" panose="02040503050406030204" charset="0"/>
-            </a:endParaRPr>
-          </a:p>
-          <a:p>
-            <a:r>
-              <a:rPr lang="en-US" sz="1600">
-                <a:latin typeface="Cambria" panose="02040503050406030204" charset="0"/>
-                <a:cs typeface="Cambria" panose="02040503050406030204" charset="0"/>
-              </a:rPr>
-              <a:t>Using the complete model as described in the previous section the  AUC score acheived is 0.6707.</a:t>
-            </a:r>
-            <a:endParaRPr lang="en-US" sz="1600">
-              <a:latin typeface="Cambria" panose="02040503050406030204" charset="0"/>
-              <a:cs typeface="Cambria" panose="02040503050406030204" charset="0"/>
-            </a:endParaRPr>
-          </a:p>
-          <a:p>
-            <a:r>
-              <a:rPr lang="en-US" sz="1600">
-                <a:latin typeface="Cambria" panose="02040503050406030204" charset="0"/>
-                <a:cs typeface="Cambria" panose="02040503050406030204" charset="0"/>
-              </a:rPr>
-              <a:t> Attention mechanism can be utilized to allow the network to only focus on the important parts of the image .</a:t>
-            </a:r>
-            <a:endParaRPr lang="en-US" sz="1600">
-              <a:latin typeface="Cambria" panose="02040503050406030204" charset="0"/>
-              <a:cs typeface="Cambria" panose="02040503050406030204" charset="0"/>
-            </a:endParaRPr>
-          </a:p>
-          <a:p>
-            <a:r>
-              <a:rPr lang="en-US" sz="1600">
-                <a:latin typeface="Cambria" panose="02040503050406030204" charset="0"/>
-                <a:cs typeface="Cambria" panose="02040503050406030204" charset="0"/>
-              </a:rPr>
               <a:t>Avoiding the processing of the text regions can help focus the network on the important parts of the images and increase the efficiency of the network</a:t>
             </a:r>
-            <a:endParaRPr lang="en-US" sz="1600">
-              <a:latin typeface="Cambria" panose="02040503050406030204" charset="0"/>
-              <a:cs typeface="Cambria" panose="02040503050406030204" charset="0"/>
-            </a:endParaRPr>
           </a:p>
           <a:p>
             <a:pPr marL="0" indent="0">
@@ -6603,20 +6399,6 @@
               </a:rPr>
               <a:t>https://arxiv.org/pdf/1609.09106.pdf</a:t>
             </a:r>
-            <a:endParaRPr lang="en-US" sz="1400">
-              <a:solidFill>
-                <a:schemeClr val="accent1"/>
-              </a:solidFill>
-              <a:effectLst>
-                <a:outerShdw blurRad="38100" dist="25400" dir="5400000" algn="ctr" rotWithShape="0">
-                  <a:srgbClr val="6E747A">
-                    <a:alpha val="43000"/>
-                  </a:srgbClr>
-                </a:outerShdw>
-              </a:effectLst>
-              <a:latin typeface="Cambria" panose="02040503050406030204" charset="0"/>
-              <a:cs typeface="Cambria" panose="02040503050406030204" charset="0"/>
-            </a:endParaRPr>
           </a:p>
           <a:p>
             <a:pPr marL="457200" lvl="1" indent="0" fontAlgn="base">
@@ -6816,7 +6598,7 @@
               <a:rPr lang="en-US" sz="1400" dirty="0">
                 <a:latin typeface="Cambria" panose="02040503050406030204" charset="0"/>
                 <a:cs typeface="Cambria" panose="02040503050406030204" charset="0"/>
-                <a:hlinkClick r:id="rId1"/>
+                <a:hlinkClick r:id="rId2"/>
               </a:rPr>
               <a:t>https://www.researchgate.net/publication/341738736_Just_a_Joke_The_Social_Impact_of_Internet_Memes</a:t>
             </a:r>
@@ -6833,10 +6615,6 @@
               </a:rPr>
               <a:t>Date of publish: April,2020</a:t>
             </a:r>
-            <a:endParaRPr lang="en-US" sz="1400" dirty="0">
-              <a:latin typeface="Cambria" panose="02040503050406030204" charset="0"/>
-              <a:cs typeface="Cambria" panose="02040503050406030204" charset="0"/>
-            </a:endParaRPr>
           </a:p>
           <a:p>
             <a:r>
@@ -6846,10 +6624,6 @@
               </a:rPr>
               <a:t>Highlights:</a:t>
             </a:r>
-            <a:endParaRPr lang="en-US" sz="1400" dirty="0">
-              <a:latin typeface="Cambria" panose="02040503050406030204" charset="0"/>
-              <a:cs typeface="Cambria" panose="02040503050406030204" charset="0"/>
-            </a:endParaRPr>
           </a:p>
           <a:p>
             <a:pPr>
@@ -6863,10 +6637,6 @@
               </a:rPr>
               <a:t>The term 'meme' was coined by Richard Dawkins in 1976 to describe small  units of culture that spread from person to person by copying or imitation”.</a:t>
             </a:r>
-            <a:endParaRPr lang="en-US" sz="1400" dirty="0">
-              <a:latin typeface="Cambria" panose="02040503050406030204" charset="0"/>
-              <a:cs typeface="Cambria" panose="02040503050406030204" charset="0"/>
-            </a:endParaRPr>
           </a:p>
           <a:p>
             <a:pPr>
@@ -6880,10 +6650,6 @@
               </a:rPr>
               <a:t>Whitney Phillips's This Is Why We Can't Have Nice Things is a book about the complexities of online communities, hate, and freedom of speech. Phillips discusses the act of Internet “trolling” – pranking, unsuspecting targets for personal entertainment.</a:t>
             </a:r>
-            <a:endParaRPr lang="en-US" sz="1400" dirty="0">
-              <a:latin typeface="Cambria" panose="02040503050406030204" charset="0"/>
-              <a:cs typeface="Cambria" panose="02040503050406030204" charset="0"/>
-            </a:endParaRPr>
           </a:p>
           <a:p>
             <a:pPr>
@@ -6897,10 +6663,6 @@
               </a:rPr>
               <a:t> The Internet allows people to become both authors and consumers with extreme ease.</a:t>
             </a:r>
-            <a:endParaRPr lang="en-US" sz="1400" dirty="0">
-              <a:latin typeface="Cambria" panose="02040503050406030204" charset="0"/>
-              <a:cs typeface="Cambria" panose="02040503050406030204" charset="0"/>
-            </a:endParaRPr>
           </a:p>
           <a:p>
             <a:pPr>
@@ -6914,10 +6676,6 @@
               </a:rPr>
               <a:t>The ability to publish anything, unfiltered, has generated an interesting tapestry of content. Any person with Internet access can post their thoughts online.</a:t>
             </a:r>
-            <a:endParaRPr lang="en-US" sz="1400" dirty="0">
-              <a:latin typeface="Cambria" panose="02040503050406030204" charset="0"/>
-              <a:cs typeface="Cambria" panose="02040503050406030204" charset="0"/>
-            </a:endParaRPr>
           </a:p>
           <a:p>
             <a:pPr>
@@ -6931,10 +6689,6 @@
               </a:rPr>
               <a:t>“[Digital media] make it possible for the first time in history to produce, edit, process, store, copy, distribute, and retrieve knowledge [using a single] technical medium.”9 With these new advantages, the meme found a space to thrive: the Internet.</a:t>
             </a:r>
-            <a:endParaRPr lang="en-US" sz="1400" dirty="0">
-              <a:latin typeface="Cambria" panose="02040503050406030204" charset="0"/>
-              <a:cs typeface="Cambria" panose="02040503050406030204" charset="0"/>
-            </a:endParaRPr>
           </a:p>
           <a:p>
             <a:pPr>
@@ -6948,10 +6702,6 @@
               </a:rPr>
               <a:t>Phillips notes, “trolls are widely regarded as the primary obstacle to a  kinder, gentler, and more equitable Internet”. As increasing numbers of people share content every day, the amount of imagery online is expanding. Users can customize memes to suit their own interests. This means that the same meme, once altered, can be shared across a range of web communities. With the Internet so socially divided ,thus quality is extremely important.</a:t>
             </a:r>
-            <a:endParaRPr lang="en-US" sz="1400" dirty="0">
-              <a:latin typeface="Cambria" panose="02040503050406030204" charset="0"/>
-              <a:cs typeface="Cambria" panose="02040503050406030204" charset="0"/>
-            </a:endParaRPr>
           </a:p>
           <a:p>
             <a:pPr>
@@ -7112,12 +6862,26 @@
           </a:bodyPr>
           <a:lstStyle/>
           <a:p>
+            <a:r>
+              <a:rPr lang="en-US" sz="3600" b="1" dirty="0" smtClean="0">
+                <a:latin typeface="Cambria" panose="02040503050406030204" charset="0"/>
+                <a:cs typeface="Cambria" panose="02040503050406030204" charset="0"/>
+              </a:rPr>
+              <a:t/>
+            </a:r>
             <a:br>
               <a:rPr lang="en-US" sz="3600" b="1" dirty="0" smtClean="0">
                 <a:latin typeface="Cambria" panose="02040503050406030204" charset="0"/>
                 <a:cs typeface="Cambria" panose="02040503050406030204" charset="0"/>
               </a:rPr>
             </a:br>
+            <a:r>
+              <a:rPr lang="en-US" sz="3600" b="1" dirty="0" smtClean="0">
+                <a:latin typeface="Cambria" panose="02040503050406030204" charset="0"/>
+                <a:cs typeface="Cambria" panose="02040503050406030204" charset="0"/>
+              </a:rPr>
+              <a:t/>
+            </a:r>
             <a:br>
               <a:rPr lang="en-US" sz="3600" b="1" dirty="0" smtClean="0">
                 <a:latin typeface="Cambria" panose="02040503050406030204" charset="0"/>
@@ -7137,12 +6901,26 @@
                 <a:cs typeface="Cambria" panose="02040503050406030204" charset="0"/>
               </a:rPr>
             </a:br>
+            <a:r>
+              <a:rPr lang="en-US" sz="3600" b="1" dirty="0" smtClean="0">
+                <a:latin typeface="Cambria" panose="02040503050406030204" charset="0"/>
+                <a:cs typeface="Cambria" panose="02040503050406030204" charset="0"/>
+              </a:rPr>
+              <a:t/>
+            </a:r>
             <a:br>
               <a:rPr lang="en-US" sz="3600" b="1" dirty="0" smtClean="0">
                 <a:latin typeface="Cambria" panose="02040503050406030204" charset="0"/>
                 <a:cs typeface="Cambria" panose="02040503050406030204" charset="0"/>
               </a:rPr>
             </a:br>
+            <a:r>
+              <a:rPr lang="en-US" sz="3600" b="1" dirty="0" smtClean="0">
+                <a:latin typeface="Cambria" panose="02040503050406030204" charset="0"/>
+                <a:cs typeface="Cambria" panose="02040503050406030204" charset="0"/>
+              </a:rPr>
+              <a:t/>
+            </a:r>
             <a:br>
               <a:rPr lang="en-US" sz="3600" b="1" dirty="0" smtClean="0">
                 <a:latin typeface="Cambria" panose="02040503050406030204" charset="0"/>
@@ -7197,10 +6975,6 @@
               </a:rPr>
               <a:t>Hateful Memes</a:t>
             </a:r>
-            <a:endParaRPr lang="en-US" dirty="0">
-              <a:latin typeface="Cambria" panose="02040503050406030204" charset="0"/>
-              <a:cs typeface="Cambria" panose="02040503050406030204" charset="0"/>
-            </a:endParaRPr>
           </a:p>
           <a:p>
             <a:endParaRPr lang="en-IN" dirty="0">
@@ -7219,7 +6993,7 @@
           <p:nvPr/>
         </p:nvPicPr>
         <p:blipFill>
-          <a:blip r:embed="rId1"/>
+          <a:blip r:embed="rId2"/>
           <a:stretch>
             <a:fillRect/>
           </a:stretch>
@@ -7359,10 +7133,6 @@
               </a:rPr>
               <a:t>            Given a meme image file, and a string representing the text in the meme image, our trained model should output the probability that the meme is hateful, where a meme would be classified as hateful if this probability is larger than 0.5.</a:t>
             </a:r>
-            <a:endParaRPr lang="en-US" sz="1400" dirty="0" smtClean="0">
-              <a:latin typeface="Cambria" panose="02040503050406030204" charset="0"/>
-              <a:cs typeface="Cambria" panose="02040503050406030204" charset="0"/>
-            </a:endParaRPr>
           </a:p>
         </p:txBody>
       </p:sp>
@@ -7370,14 +7140,14 @@
         <p:nvPicPr>
           <p:cNvPr id="13" name="Content Placeholder 12" descr="02891"/>
           <p:cNvPicPr>
-            <a:picLocks noChangeAspect="1"/>
+            <a:picLocks noGrp="1" noChangeAspect="1"/>
           </p:cNvPicPr>
           <p:nvPr>
             <p:ph sz="half" idx="2"/>
           </p:nvPr>
         </p:nvPicPr>
         <p:blipFill>
-          <a:blip r:embed="rId2"/>
+          <a:blip r:embed="rId3"/>
           <a:stretch>
             <a:fillRect/>
           </a:stretch>
@@ -7462,7 +7232,7 @@
           <p:nvPr/>
         </p:nvPicPr>
         <p:blipFill>
-          <a:blip r:embed="rId1"/>
+          <a:blip r:embed="rId2"/>
           <a:stretch>
             <a:fillRect/>
           </a:stretch>
@@ -7482,6 +7252,13 @@
   <p:clrMapOvr>
     <a:masterClrMapping/>
   </p:clrMapOvr>
+  <p:timing>
+    <p:tnLst>
+      <p:par>
+        <p:cTn id="1" dur="indefinite" restart="never" nodeType="tmRoot"/>
+      </p:par>
+    </p:tnLst>
+  </p:timing>
 </p:sld>
 </file>
 
@@ -7537,18 +7314,14 @@
               </a:rPr>
               <a:t>Data sets </a:t>
             </a:r>
+          </a:p>
+          <a:p>
             <a:endParaRPr lang="en-IN" altLang="en-US" sz="2800" b="1" dirty="0">
               <a:latin typeface="Cambria" panose="02040503050406030204" charset="0"/>
               <a:cs typeface="Cambria" panose="02040503050406030204" charset="0"/>
             </a:endParaRPr>
           </a:p>
           <a:p>
-            <a:endParaRPr lang="en-IN" altLang="en-US" sz="2800" b="1" dirty="0">
-              <a:latin typeface="Cambria" panose="02040503050406030204" charset="0"/>
-              <a:cs typeface="Cambria" panose="02040503050406030204" charset="0"/>
-            </a:endParaRPr>
-          </a:p>
-          <a:p>
             <a:pPr marL="457200" indent="-457200">
               <a:buAutoNum type="arabicPeriod"/>
             </a:pPr>
@@ -7559,10 +7332,6 @@
               </a:rPr>
               <a:t>Meme generator</a:t>
             </a:r>
-            <a:endParaRPr lang="en-IN" altLang="en-US" sz="1400" dirty="0">
-              <a:latin typeface="Cambria" panose="02040503050406030204" charset="0"/>
-              <a:cs typeface="Cambria" panose="02040503050406030204" charset="0"/>
-            </a:endParaRPr>
           </a:p>
           <a:p>
             <a:pPr marL="457200" indent="-457200">
@@ -7610,6 +7379,13 @@
               </a:rPr>
               <a:t> images</a:t>
             </a:r>
+            <a:r>
+              <a:rPr lang="en-US" sz="2000" dirty="0" smtClean="0">
+                <a:latin typeface="Cambria" panose="02040503050406030204" charset="0"/>
+                <a:cs typeface="Cambria" panose="02040503050406030204" charset="0"/>
+              </a:rPr>
+              <a:t/>
+            </a:r>
             <a:br>
               <a:rPr lang="en-US" sz="2000" dirty="0" smtClean="0">
                 <a:latin typeface="Cambria" panose="02040503050406030204" charset="0"/>
@@ -7627,30 +7403,25 @@
               <a:rPr lang="en-US" sz="1400" dirty="0" smtClean="0">
                 <a:latin typeface="Cambria" panose="02040503050406030204" charset="0"/>
                 <a:cs typeface="Cambria" panose="02040503050406030204" charset="0"/>
-                <a:hlinkClick r:id="rId1"/>
+                <a:hlinkClick r:id="rId3"/>
               </a:rPr>
               <a:t>http://graphics.cs.cmu.edu/projects/im2gps/flickr_code.html</a:t>
             </a:r>
+          </a:p>
+          <a:p>
+            <a:pPr marL="457200" indent="-457200">
+              <a:buAutoNum type="arabicPeriod"/>
+            </a:pPr>
             <a:endParaRPr lang="en-US" sz="1400" dirty="0" smtClean="0">
               <a:latin typeface="Cambria" panose="02040503050406030204" charset="0"/>
               <a:cs typeface="Cambria" panose="02040503050406030204" charset="0"/>
-              <a:hlinkClick r:id="rId1"/>
+              <a:hlinkClick r:id="rId3"/>
             </a:endParaRPr>
           </a:p>
           <a:p>
             <a:pPr marL="457200" indent="-457200">
               <a:buAutoNum type="arabicPeriod"/>
             </a:pPr>
-            <a:endParaRPr lang="en-US" sz="1400" dirty="0" smtClean="0">
-              <a:latin typeface="Cambria" panose="02040503050406030204" charset="0"/>
-              <a:cs typeface="Cambria" panose="02040503050406030204" charset="0"/>
-              <a:hlinkClick r:id="rId1"/>
-            </a:endParaRPr>
-          </a:p>
-          <a:p>
-            <a:pPr marL="457200" indent="-457200">
-              <a:buAutoNum type="arabicPeriod"/>
-            </a:pPr>
             <a:r>
               <a:rPr lang="en-US" sz="1400" dirty="0" smtClean="0">
                 <a:latin typeface="Cambria" panose="02040503050406030204" charset="0"/>
@@ -7700,10 +7471,6 @@
               </a:rPr>
               <a:t>.</a:t>
             </a:r>
-            <a:endParaRPr lang="en-US" sz="1400" dirty="0" smtClean="0">
-              <a:latin typeface="Cambria" panose="02040503050406030204" charset="0"/>
-              <a:cs typeface="Cambria" panose="02040503050406030204" charset="0"/>
-            </a:endParaRPr>
           </a:p>
           <a:p>
             <a:pPr indent="0" algn="l">
@@ -7731,23 +7498,19 @@
               <a:t>Dataset </a:t>
             </a:r>
             <a:r>
-              <a:rPr lang="en-US" sz="1200" dirty="0" err="1" smtClean="0">
-                <a:latin typeface="Cambria" panose="02040503050406030204" charset="0"/>
-                <a:cs typeface="Cambria" panose="02040503050406030204" charset="0"/>
-              </a:rPr>
-              <a:t>containsLabels</a:t>
-            </a:r>
-            <a:r>
               <a:rPr lang="en-US" sz="1200" dirty="0" smtClean="0">
                 <a:latin typeface="Cambria" panose="02040503050406030204" charset="0"/>
                 <a:cs typeface="Cambria" panose="02040503050406030204" charset="0"/>
               </a:rPr>
-              <a:t>(0-NotHate,1 -Racist, 2- Sexist,3 - Homophobe,4 - Religion, 5 –Other Hate), Text                    	                                                                                                                                         	extracted from the images using OCR, Contain the tweets IDs used in the 3 splits</a:t>
-            </a:r>
-            <a:endParaRPr lang="en-US" sz="1200" dirty="0" smtClean="0">
-              <a:latin typeface="Cambria" panose="02040503050406030204" charset="0"/>
-              <a:cs typeface="Cambria" panose="02040503050406030204" charset="0"/>
-            </a:endParaRPr>
+              <a:t>contains Labels(0-NotHate,1 </a:t>
+            </a:r>
+            <a:r>
+              <a:rPr lang="en-US" sz="1200" dirty="0" smtClean="0">
+                <a:latin typeface="Cambria" panose="02040503050406030204" charset="0"/>
+                <a:cs typeface="Cambria" panose="02040503050406030204" charset="0"/>
+              </a:rPr>
+              <a:t>-Racist, 2- Sexist,3 - Homophobe,4 - Religion, 5 –Other Hate), Text                    	                                                                                                                                         	extracted from the images using OCR, Contain the tweets IDs used in the 3 splits</a:t>
+            </a:r>
           </a:p>
           <a:p>
             <a:pPr indent="0" algn="l">
@@ -7766,16 +7529,10 @@
                 <a:latin typeface="Cambria" panose="02040503050406030204" charset="0"/>
                 <a:cs typeface="Cambria" panose="02040503050406030204" charset="0"/>
                 <a:sym typeface="+mn-ea"/>
-                <a:hlinkClick r:id="rId2"/>
+                <a:hlinkClick r:id="rId4"/>
               </a:rPr>
               <a:t>https://drive.google.com/file/d/1S9mMhZFkntNnYdO-1dZXwF_8XIiFcmlF/view</a:t>
             </a:r>
-            <a:endParaRPr lang="en-US" sz="1200" dirty="0" smtClean="0">
-              <a:latin typeface="Cambria" panose="02040503050406030204" charset="0"/>
-              <a:cs typeface="Cambria" panose="02040503050406030204" charset="0"/>
-              <a:sym typeface="+mn-ea"/>
-              <a:hlinkClick r:id="rId2"/>
-            </a:endParaRPr>
           </a:p>
           <a:p>
             <a:pPr marL="457200" indent="-457200" algn="l">
@@ -7825,7 +7582,7 @@
           <p:nvPr/>
         </p:nvPicPr>
         <p:blipFill>
-          <a:blip r:embed="rId3"/>
+          <a:blip r:embed="rId5"/>
           <a:stretch>
             <a:fillRect/>
           </a:stretch>
@@ -7849,7 +7606,7 @@
           <p:nvPr/>
         </p:nvPicPr>
         <p:blipFill>
-          <a:blip r:embed="rId4"/>
+          <a:blip r:embed="rId6"/>
           <a:stretch>
             <a:fillRect/>
           </a:stretch>
@@ -7869,6 +7626,13 @@
   <p:clrMapOvr>
     <a:masterClrMapping/>
   </p:clrMapOvr>
+  <p:timing>
+    <p:tnLst>
+      <p:par>
+        <p:cTn id="1" dur="indefinite" restart="never" nodeType="tmRoot"/>
+      </p:par>
+    </p:tnLst>
+  </p:timing>
 </p:sld>
 </file>
 
@@ -7941,12 +7705,6 @@
               </a:rPr>
               <a:t>: “Multimodal Hate Speech Detection in Memes.”</a:t>
             </a:r>
-            <a:endParaRPr lang="en-IN" sz="7200" b="1" dirty="0">
-              <a:effectLst/>
-              <a:latin typeface="Cambria" panose="02040503050406030204" charset="0"/>
-              <a:ea typeface="Calibri" panose="020F0502020204030204" pitchFamily="34" charset="0"/>
-              <a:cs typeface="Cambria" panose="02040503050406030204" charset="0"/>
-            </a:endParaRPr>
           </a:p>
           <a:p>
             <a:pPr marL="457200" algn="just">
@@ -8128,22 +7886,13 @@
               <a:t>Memes are a form of </a:t>
             </a:r>
             <a:r>
-              <a:rPr lang="en-IN" sz="4800" dirty="0" err="1" smtClean="0">
-                <a:effectLst/>
-                <a:latin typeface="Cambria" panose="02040503050406030204" charset="0"/>
-                <a:ea typeface="Calibri" panose="020F0502020204030204" pitchFamily="34" charset="0"/>
-                <a:cs typeface="Cambria" panose="02040503050406030204" charset="0"/>
-              </a:rPr>
-              <a:t>humourist</a:t>
-            </a:r>
-            <a:r>
               <a:rPr lang="en-IN" sz="4800" dirty="0" smtClean="0">
                 <a:effectLst/>
                 <a:latin typeface="Cambria" panose="02040503050406030204" charset="0"/>
                 <a:ea typeface="Calibri" panose="020F0502020204030204" pitchFamily="34" charset="0"/>
                 <a:cs typeface="Cambria" panose="02040503050406030204" charset="0"/>
               </a:rPr>
-              <a:t> </a:t>
+              <a:t>humorist </a:t>
             </a:r>
             <a:r>
               <a:rPr lang="en-IN" sz="4800" dirty="0">
@@ -8154,12 +7903,6 @@
               </a:rPr>
               <a:t>content which is normally based on an image, and most of the time some sort of text such as a caption.</a:t>
             </a:r>
-            <a:endParaRPr lang="en-IN" sz="4800" dirty="0">
-              <a:effectLst/>
-              <a:latin typeface="Cambria" panose="02040503050406030204" charset="0"/>
-              <a:ea typeface="Calibri" panose="020F0502020204030204" pitchFamily="34" charset="0"/>
-              <a:cs typeface="Cambria" panose="02040503050406030204" charset="0"/>
-            </a:endParaRPr>
           </a:p>
           <a:p>
             <a:pPr marL="800100" lvl="1" indent="-342900" algn="just">
@@ -8181,12 +7924,6 @@
               </a:rPr>
               <a:t>This format has also been used to produce hate speech in the form of dark humour.</a:t>
             </a:r>
-            <a:endParaRPr lang="en-IN" sz="4800" dirty="0">
-              <a:effectLst/>
-              <a:latin typeface="Cambria" panose="02040503050406030204" charset="0"/>
-              <a:ea typeface="Calibri" panose="020F0502020204030204" pitchFamily="34" charset="0"/>
-              <a:cs typeface="Cambria" panose="02040503050406030204" charset="0"/>
-            </a:endParaRPr>
           </a:p>
           <a:p>
             <a:pPr marL="800100" lvl="1" indent="-342900" algn="just">
@@ -8240,12 +7977,6 @@
               </a:rPr>
               <a:t>Purpose : </a:t>
             </a:r>
-            <a:endParaRPr lang="en-IN" sz="4665" dirty="0">
-              <a:effectLst/>
-              <a:latin typeface="Cambria" panose="02040503050406030204" charset="0"/>
-              <a:ea typeface="Calibri" panose="020F0502020204030204" pitchFamily="34" charset="0"/>
-              <a:cs typeface="Cambria" panose="02040503050406030204" charset="0"/>
-            </a:endParaRPr>
           </a:p>
           <a:p>
             <a:pPr marL="914400" lvl="1" algn="just">
@@ -8334,12 +8065,6 @@
               </a:rPr>
               <a:t> API as the basic deep learning framework for development</a:t>
             </a:r>
-            <a:endParaRPr lang="en-IN" sz="4800" dirty="0">
-              <a:effectLst/>
-              <a:latin typeface="Cambria" panose="02040503050406030204" charset="0"/>
-              <a:ea typeface="Calibri" panose="020F0502020204030204" pitchFamily="34" charset="0"/>
-              <a:cs typeface="Cambria" panose="02040503050406030204" charset="0"/>
-            </a:endParaRPr>
           </a:p>
           <a:p>
             <a:pPr marL="800100" lvl="1" indent="-342900" algn="just">
@@ -8364,12 +8089,6 @@
               </a:rPr>
               <a:t>Python language.</a:t>
             </a:r>
-            <a:endParaRPr lang="en-IN" sz="4800" dirty="0">
-              <a:effectLst/>
-              <a:latin typeface="Cambria" panose="02040503050406030204" charset="0"/>
-              <a:ea typeface="Calibri" panose="020F0502020204030204" pitchFamily="34" charset="0"/>
-              <a:cs typeface="Cambria" panose="02040503050406030204" charset="0"/>
-            </a:endParaRPr>
           </a:p>
           <a:p>
             <a:pPr marL="0" indent="0">
@@ -8425,7 +8144,7 @@
         </p:spPr>
         <p:txBody>
           <a:bodyPr>
-            <a:normAutofit fontScale="77500" lnSpcReduction="20000"/>
+            <a:normAutofit fontScale="85000" lnSpcReduction="20000"/>
           </a:bodyPr>
           <a:lstStyle/>
           <a:p>
@@ -8460,12 +8179,6 @@
               </a:rPr>
               <a:t> </a:t>
             </a:r>
-            <a:endParaRPr lang="en-IN" sz="1900" dirty="0">
-              <a:effectLst/>
-              <a:latin typeface="Cambria" panose="02040503050406030204" charset="0"/>
-              <a:ea typeface="Calibri" panose="020F0502020204030204" pitchFamily="34" charset="0"/>
-              <a:cs typeface="Cambria" panose="02040503050406030204" charset="0"/>
-            </a:endParaRPr>
           </a:p>
           <a:p>
             <a:pPr lvl="1" algn="just">
@@ -8485,12 +8198,6 @@
               </a:rPr>
               <a:t>Pretrained embedding for text and images and train a classifier with these embeddings </a:t>
             </a:r>
-            <a:endParaRPr lang="en-IN" sz="1625" dirty="0">
-              <a:effectLst/>
-              <a:latin typeface="Cambria" panose="02040503050406030204" charset="0"/>
-              <a:ea typeface="Calibri" panose="020F0502020204030204" pitchFamily="34" charset="0"/>
-              <a:cs typeface="Cambria" panose="02040503050406030204" charset="0"/>
-            </a:endParaRPr>
           </a:p>
           <a:p>
             <a:pPr lvl="1" algn="just">
@@ -8513,12 +8220,6 @@
               </a:rPr>
               <a:t>Implementations of BERT and VGG-16 features.</a:t>
             </a:r>
-            <a:endParaRPr lang="en-IN" sz="1625" dirty="0">
-              <a:effectLst/>
-              <a:latin typeface="Cambria" panose="02040503050406030204" charset="0"/>
-              <a:ea typeface="Calibri" panose="020F0502020204030204" pitchFamily="34" charset="0"/>
-              <a:cs typeface="Cambria" panose="02040503050406030204" charset="0"/>
-            </a:endParaRPr>
           </a:p>
           <a:p>
             <a:pPr algn="just">
@@ -8572,12 +8273,6 @@
               </a:rPr>
               <a:t> : </a:t>
             </a:r>
-            <a:endParaRPr lang="en-IN" sz="1900" dirty="0">
-              <a:effectLst/>
-              <a:latin typeface="Cambria" panose="02040503050406030204" charset="0"/>
-              <a:ea typeface="Calibri" panose="020F0502020204030204" pitchFamily="34" charset="0"/>
-              <a:cs typeface="Cambria" panose="02040503050406030204" charset="0"/>
-            </a:endParaRPr>
           </a:p>
           <a:p>
             <a:pPr marL="742950" lvl="1" indent="-285750" algn="just">
@@ -8599,12 +8294,6 @@
               </a:rPr>
               <a:t>Dataset : </a:t>
             </a:r>
-            <a:endParaRPr lang="en-IN" sz="1900" dirty="0">
-              <a:effectLst/>
-              <a:latin typeface="Cambria" panose="02040503050406030204" charset="0"/>
-              <a:ea typeface="Calibri" panose="020F0502020204030204" pitchFamily="34" charset="0"/>
-              <a:cs typeface="Cambria" panose="02040503050406030204" charset="0"/>
-            </a:endParaRPr>
           </a:p>
           <a:p>
             <a:pPr marL="1257300" lvl="2" indent="-342900" algn="just">
@@ -8626,12 +8315,6 @@
               </a:rPr>
               <a:t>Memes from Google images.(Hate memes.)</a:t>
             </a:r>
-            <a:endParaRPr lang="en-IN" sz="1580" dirty="0">
-              <a:effectLst/>
-              <a:latin typeface="Cambria" panose="02040503050406030204" charset="0"/>
-              <a:ea typeface="Calibri" panose="020F0502020204030204" pitchFamily="34" charset="0"/>
-              <a:cs typeface="Cambria" panose="02040503050406030204" charset="0"/>
-            </a:endParaRPr>
           </a:p>
           <a:p>
             <a:pPr lvl="3" algn="just">
@@ -8671,12 +8354,6 @@
               </a:rPr>
               <a:t>.</a:t>
             </a:r>
-            <a:endParaRPr lang="en-IN" sz="2100" dirty="0">
-              <a:effectLst/>
-              <a:latin typeface="Cambria" panose="02040503050406030204" charset="0"/>
-              <a:ea typeface="Calibri" panose="020F0502020204030204" pitchFamily="34" charset="0"/>
-              <a:cs typeface="Cambria" panose="02040503050406030204" charset="0"/>
-            </a:endParaRPr>
           </a:p>
           <a:p>
             <a:pPr marL="914400" lvl="2" indent="0" algn="just">
@@ -8724,12 +8401,6 @@
               </a:rPr>
               <a:t>)</a:t>
             </a:r>
-            <a:endParaRPr lang="en-IN" sz="1330" dirty="0">
-              <a:effectLst/>
-              <a:latin typeface="Cambria" panose="02040503050406030204" charset="0"/>
-              <a:ea typeface="Calibri" panose="020F0502020204030204" pitchFamily="34" charset="0"/>
-              <a:cs typeface="Cambria" panose="02040503050406030204" charset="0"/>
-            </a:endParaRPr>
           </a:p>
           <a:p>
             <a:pPr marL="457200" lvl="1" indent="0" algn="just">
@@ -8768,12 +8439,6 @@
               </a:rPr>
               <a:t>Architecture : </a:t>
             </a:r>
-            <a:endParaRPr lang="en-IN" sz="1900" dirty="0">
-              <a:effectLst/>
-              <a:latin typeface="Cambria" panose="02040503050406030204" charset="0"/>
-              <a:ea typeface="Calibri" panose="020F0502020204030204" pitchFamily="34" charset="0"/>
-              <a:cs typeface="Cambria" panose="02040503050406030204" charset="0"/>
-            </a:endParaRPr>
           </a:p>
           <a:p>
             <a:pPr marL="1600200" lvl="3" indent="-228600" algn="just">
@@ -8795,12 +8460,6 @@
               </a:rPr>
               <a:t>Using OCR – Extract the text of the image(pytesseract)</a:t>
             </a:r>
-            <a:endParaRPr lang="en-IN" sz="1710" dirty="0">
-              <a:effectLst/>
-              <a:latin typeface="Cambria" panose="02040503050406030204" charset="0"/>
-              <a:ea typeface="Calibri" panose="020F0502020204030204" pitchFamily="34" charset="0"/>
-              <a:cs typeface="Cambria" panose="02040503050406030204" charset="0"/>
-            </a:endParaRPr>
           </a:p>
           <a:p>
             <a:pPr marL="1600200" lvl="3" indent="-228600" algn="just">
@@ -8822,12 +8481,6 @@
               </a:rPr>
               <a:t>Text Embeddings – BERT (bert-base-multilingual-cased.)</a:t>
             </a:r>
-            <a:endParaRPr lang="en-IN" sz="1710" dirty="0">
-              <a:effectLst/>
-              <a:latin typeface="Cambria" panose="02040503050406030204" charset="0"/>
-              <a:ea typeface="Calibri" panose="020F0502020204030204" pitchFamily="34" charset="0"/>
-              <a:cs typeface="Cambria" panose="02040503050406030204" charset="0"/>
-            </a:endParaRPr>
           </a:p>
           <a:p>
             <a:pPr marL="1600200" lvl="3" indent="-228600">
@@ -8849,12 +8502,6 @@
               </a:rPr>
               <a:t>Image Embeddings – VGG-16 (Pre-trained on ImageNet) </a:t>
             </a:r>
-            <a:endParaRPr lang="en-IN" sz="1710" dirty="0">
-              <a:effectLst/>
-              <a:latin typeface="Cambria" panose="02040503050406030204" charset="0"/>
-              <a:ea typeface="Calibri" panose="020F0502020204030204" pitchFamily="34" charset="0"/>
-              <a:cs typeface="Cambria" panose="02040503050406030204" charset="0"/>
-            </a:endParaRPr>
           </a:p>
           <a:p>
             <a:pPr lvl="3">
@@ -8876,12 +8523,6 @@
               </a:rPr>
               <a:t>Fusion and the classifier  - </a:t>
             </a:r>
-            <a:endParaRPr lang="en-IN" sz="1620" dirty="0">
-              <a:effectLst/>
-              <a:latin typeface="Cambria" panose="02040503050406030204" charset="0"/>
-              <a:ea typeface="Calibri" panose="020F0502020204030204" pitchFamily="34" charset="0"/>
-              <a:cs typeface="Cambria" panose="02040503050406030204" charset="0"/>
-            </a:endParaRPr>
           </a:p>
           <a:p>
             <a:pPr marL="1371600" lvl="3" indent="0">
@@ -8957,10 +8598,10 @@
           <p:nvPr/>
         </p:nvPicPr>
         <p:blipFill>
-          <a:blip r:embed="rId1">
+          <a:blip r:embed="rId2">
             <a:extLst>
               <a:ext uri="{28A0092B-C50C-407E-A947-70E740481C1C}">
-                <a14:useLocalDpi xmlns:a14="http://schemas.microsoft.com/office/drawing/2010/main" val="0"/>
+                <a14:useLocalDpi xmlns:a14="http://schemas.microsoft.com/office/drawing/2010/main" xmlns="" val="0"/>
               </a:ext>
             </a:extLst>
           </a:blip>
@@ -9096,12 +8737,6 @@
               </a:rPr>
               <a:t>: </a:t>
             </a:r>
-            <a:endParaRPr lang="en-IN" sz="1600" dirty="0">
-              <a:effectLst/>
-              <a:latin typeface="Cambria" panose="02040503050406030204" charset="0"/>
-              <a:ea typeface="Calibri" panose="020F0502020204030204" pitchFamily="34" charset="0"/>
-              <a:cs typeface="Cambria" panose="02040503050406030204" charset="0"/>
-            </a:endParaRPr>
           </a:p>
           <a:p>
             <a:pPr marL="800100" lvl="1" indent="-342900" algn="just">
@@ -9123,12 +8758,6 @@
               </a:rPr>
               <a:t>Text descriptors : VGG-16 and BERT</a:t>
             </a:r>
-            <a:endParaRPr lang="en-IN" sz="1400" dirty="0">
-              <a:effectLst/>
-              <a:latin typeface="Cambria" panose="02040503050406030204" charset="0"/>
-              <a:ea typeface="Calibri" panose="020F0502020204030204" pitchFamily="34" charset="0"/>
-              <a:cs typeface="Cambria" panose="02040503050406030204" charset="0"/>
-            </a:endParaRPr>
           </a:p>
           <a:p>
             <a:pPr marL="800100" lvl="1" indent="-342900" algn="just">
@@ -9150,12 +8779,6 @@
               </a:rPr>
               <a:t>Classifier : A Multi-Layer Perceptron (MLP) with two Hidden Layers, Hidden size = 100</a:t>
             </a:r>
-            <a:endParaRPr lang="en-IN" sz="1400" dirty="0">
-              <a:effectLst/>
-              <a:latin typeface="Cambria" panose="02040503050406030204" charset="0"/>
-              <a:ea typeface="Calibri" panose="020F0502020204030204" pitchFamily="34" charset="0"/>
-              <a:cs typeface="Cambria" panose="02040503050406030204" charset="0"/>
-            </a:endParaRPr>
           </a:p>
           <a:p>
             <a:pPr marL="800100" lvl="1" indent="-342900" algn="just">
@@ -9177,12 +8800,6 @@
               </a:rPr>
               <a:t>Optimizer: SGD with momentum, learning rate = 0.01, momentum = 0.9, Batch size = 30.</a:t>
             </a:r>
-            <a:endParaRPr lang="en-IN" sz="1400" dirty="0">
-              <a:effectLst/>
-              <a:latin typeface="Cambria" panose="02040503050406030204" charset="0"/>
-              <a:ea typeface="Calibri" panose="020F0502020204030204" pitchFamily="34" charset="0"/>
-              <a:cs typeface="Cambria" panose="02040503050406030204" charset="0"/>
-            </a:endParaRPr>
           </a:p>
           <a:p>
             <a:pPr marL="800100" lvl="1" indent="-342900" algn="just">
@@ -9234,12 +8851,6 @@
               </a:rPr>
               <a:t>Optimizer : Adam with β1 = 0.9 and β2 = 0.999.</a:t>
             </a:r>
-            <a:endParaRPr lang="en-IN" sz="1600" dirty="0">
-              <a:effectLst/>
-              <a:latin typeface="Cambria" panose="02040503050406030204" charset="0"/>
-              <a:ea typeface="Calibri" panose="020F0502020204030204" pitchFamily="34" charset="0"/>
-              <a:cs typeface="Cambria" panose="02040503050406030204" charset="0"/>
-            </a:endParaRPr>
           </a:p>
           <a:p>
             <a:pPr lvl="3" algn="just">
@@ -9264,12 +8875,6 @@
               </a:rPr>
               <a:t>Improved accuracy (84%)</a:t>
             </a:r>
-            <a:endParaRPr lang="en-IN" sz="1600" dirty="0">
-              <a:effectLst/>
-              <a:latin typeface="Cambria" panose="02040503050406030204" charset="0"/>
-              <a:ea typeface="Calibri" panose="020F0502020204030204" pitchFamily="34" charset="0"/>
-              <a:cs typeface="Cambria" panose="02040503050406030204" charset="0"/>
-            </a:endParaRPr>
           </a:p>
           <a:p>
             <a:pPr algn="just">
@@ -9292,12 +8897,6 @@
               </a:rPr>
               <a:t>Possible Other Descriptor : XLNET model which has been proved to outperform BERT.</a:t>
             </a:r>
-            <a:endParaRPr lang="en-IN" sz="1400" dirty="0">
-              <a:effectLst/>
-              <a:latin typeface="Cambria" panose="02040503050406030204" charset="0"/>
-              <a:ea typeface="Calibri" panose="020F0502020204030204" pitchFamily="34" charset="0"/>
-              <a:cs typeface="Cambria" panose="02040503050406030204" charset="0"/>
-            </a:endParaRPr>
           </a:p>
           <a:p>
             <a:pPr marL="0" indent="0" algn="just">
@@ -9344,6 +8943,13 @@
                 <a:cs typeface="Cambria" panose="02040503050406030204" charset="0"/>
               </a:rPr>
             </a:br>
+            <a:r>
+              <a:rPr lang="en-US" sz="1600" dirty="0">
+                <a:latin typeface="Cambria" panose="02040503050406030204" charset="0"/>
+                <a:cs typeface="Cambria" panose="02040503050406030204" charset="0"/>
+              </a:rPr>
+              <a:t/>
+            </a:r>
             <a:br>
               <a:rPr lang="en-US" sz="1600" dirty="0">
                 <a:latin typeface="Cambria" panose="02040503050406030204" charset="0"/>
@@ -9376,12 +8982,6 @@
               </a:rPr>
               <a:t>very bad, and this has probably been one of the main limitation of the project and reasons to get much worse training and evaluation of the model.</a:t>
             </a:r>
-            <a:endParaRPr lang="en-IN" sz="1400" dirty="0">
-              <a:effectLst/>
-              <a:latin typeface="Cambria" panose="02040503050406030204" charset="0"/>
-              <a:ea typeface="Calibri" panose="020F0502020204030204" pitchFamily="34" charset="0"/>
-              <a:cs typeface="Cambria" panose="02040503050406030204" charset="0"/>
-            </a:endParaRPr>
           </a:p>
         </p:txBody>
       </p:sp>
@@ -9480,12 +9080,6 @@
               </a:rPr>
               <a:t>“VISUALBERT: A SIMPLE AND PERFORMANT BASELINE FOR VISION AND LANGUAGE”</a:t>
             </a:r>
-            <a:endParaRPr lang="en-IN" sz="2000" dirty="0">
-              <a:effectLst/>
-              <a:latin typeface="Cambria" panose="02040503050406030204" charset="0"/>
-              <a:ea typeface="Calibri" panose="020F0502020204030204" pitchFamily="34" charset="0"/>
-              <a:cs typeface="Cambria" panose="02040503050406030204" charset="0"/>
-            </a:endParaRPr>
           </a:p>
           <a:p>
             <a:pPr algn="just">
@@ -9562,12 +9156,6 @@
               </a:rPr>
               <a:t> Hsieh &amp;   Kai-Wei Chang</a:t>
             </a:r>
-            <a:endParaRPr lang="en-IN" sz="1200" dirty="0">
-              <a:effectLst/>
-              <a:latin typeface="Cambria" panose="02040503050406030204" charset="0"/>
-              <a:ea typeface="Calibri" panose="020F0502020204030204" pitchFamily="34" charset="0"/>
-              <a:cs typeface="Cambria" panose="02040503050406030204" charset="0"/>
-            </a:endParaRPr>
           </a:p>
           <a:p>
             <a:pPr>
@@ -9610,12 +9198,6 @@
               </a:rPr>
               <a:t> They propose VisualBERT, a simple and flexible framework for modeling a broad range of vision-and-language tasks.</a:t>
             </a:r>
-            <a:endParaRPr lang="en-IN" sz="1200" dirty="0">
-              <a:effectLst/>
-              <a:latin typeface="Cambria" panose="02040503050406030204" charset="0"/>
-              <a:ea typeface="Calibri" panose="020F0502020204030204" pitchFamily="34" charset="0"/>
-              <a:cs typeface="Cambria" panose="02040503050406030204" charset="0"/>
-            </a:endParaRPr>
           </a:p>
           <a:p>
             <a:pPr lvl="1">
@@ -9638,12 +9220,6 @@
               </a:rPr>
               <a:t>Further they propose two visually-grounded language model objectives for pre-training VisualBERT on image caption data.</a:t>
             </a:r>
-            <a:endParaRPr lang="en-IN" sz="1200" dirty="0">
-              <a:effectLst/>
-              <a:latin typeface="Cambria" panose="02040503050406030204" charset="0"/>
-              <a:ea typeface="Calibri" panose="020F0502020204030204" pitchFamily="34" charset="0"/>
-              <a:cs typeface="Cambria" panose="02040503050406030204" charset="0"/>
-            </a:endParaRPr>
           </a:p>
           <a:p>
             <a:pPr>
@@ -9659,12 +9235,6 @@
               </a:rPr>
               <a:t>Introduction : </a:t>
             </a:r>
-            <a:endParaRPr lang="en-IN" sz="1400" b="1" dirty="0">
-              <a:effectLst/>
-              <a:latin typeface="Cambria" panose="02040503050406030204" charset="0"/>
-              <a:ea typeface="Calibri" panose="020F0502020204030204" pitchFamily="34" charset="0"/>
-              <a:cs typeface="Cambria" panose="02040503050406030204" charset="0"/>
-            </a:endParaRPr>
           </a:p>
           <a:p>
             <a:r>
@@ -9676,12 +9246,6 @@
               </a:rPr>
               <a:t>VisualBERT - Integration of  “BERT” a recent Transformer-based model for natural language processing, and pretrained object proposals systems such as “Faster-RCNN”. </a:t>
             </a:r>
-            <a:endParaRPr lang="en-IN" sz="1200" dirty="0">
-              <a:effectLst/>
-              <a:latin typeface="Cambria" panose="02040503050406030204" charset="0"/>
-              <a:ea typeface="Calibri" panose="020F0502020204030204" pitchFamily="34" charset="0"/>
-              <a:cs typeface="Cambria" panose="02040503050406030204" charset="0"/>
-            </a:endParaRPr>
           </a:p>
           <a:p>
             <a:r>
@@ -9693,12 +9257,6 @@
               </a:rPr>
               <a:t>The text and image inputs are “jointly processed” by multiple Transformer layers in VisualBERT.</a:t>
             </a:r>
-            <a:endParaRPr lang="en-IN" sz="1200" dirty="0">
-              <a:effectLst/>
-              <a:latin typeface="Cambria" panose="02040503050406030204" charset="0"/>
-              <a:ea typeface="Calibri" panose="020F0502020204030204" pitchFamily="34" charset="0"/>
-              <a:cs typeface="Cambria" panose="02040503050406030204" charset="0"/>
-            </a:endParaRPr>
           </a:p>
           <a:p>
             <a:pPr marL="1143000" lvl="2" indent="-228600">
@@ -9720,12 +9278,6 @@
               </a:rPr>
               <a:t>Pre-training VisualBERT on image caption data(COCO)-  Part of the text is masked and the model learns to predict the masked words based on the remaining text and visual context; </a:t>
             </a:r>
-            <a:endParaRPr lang="en-IN" sz="1200" dirty="0">
-              <a:effectLst/>
-              <a:latin typeface="Cambria" panose="02040503050406030204" charset="0"/>
-              <a:ea typeface="Calibri" panose="020F0502020204030204" pitchFamily="34" charset="0"/>
-              <a:cs typeface="Cambria" panose="02040503050406030204" charset="0"/>
-            </a:endParaRPr>
           </a:p>
           <a:p>
             <a:pPr marL="1143000" lvl="2" indent="-228600">
@@ -9750,12 +9302,6 @@
               </a:rPr>
               <a:t> The model is trained to determine whether the provided text matches the image. </a:t>
             </a:r>
-            <a:endParaRPr lang="en-IN" sz="1200" dirty="0">
-              <a:effectLst/>
-              <a:latin typeface="Cambria" panose="02040503050406030204" charset="0"/>
-              <a:ea typeface="Calibri" panose="020F0502020204030204" pitchFamily="34" charset="0"/>
-              <a:cs typeface="Cambria" panose="02040503050406030204" charset="0"/>
-            </a:endParaRPr>
           </a:p>
           <a:p>
             <a:endParaRPr lang="en-IN" sz="1600" dirty="0">
@@ -10035,9 +9581,11 @@
       </a:bgFillStyleLst>
     </a:fmtScheme>
   </a:themeElements>
+  <a:objectDefaults/>
+  <a:extraClrSchemeLst/>
   <a:extLst>
     <a:ext uri="{05A4C25C-085E-4340-85A3-A5531E510DB2}">
-      <thm15:themeFamily xmlns:thm15="http://schemas.microsoft.com/office/thememl/2012/main" name="Office Theme" id="{62F939B6-93AF-4DB8-9C6B-D6C7DFDC589F}" vid="{4A3C46E8-61CC-4603-A589-7422A47A8E4A}"/>
+      <thm15:themeFamily xmlns:thm15="http://schemas.microsoft.com/office/thememl/2012/main" xmlns="" name="Office Theme" id="{62F939B6-93AF-4DB8-9C6B-D6C7DFDC589F}" vid="{4A3C46E8-61CC-4603-A589-7422A47A8E4A}"/>
     </a:ext>
   </a:extLst>
 </a:theme>
@@ -10294,9 +9842,11 @@
       </a:bgFillStyleLst>
     </a:fmtScheme>
   </a:themeElements>
+  <a:objectDefaults/>
+  <a:extraClrSchemeLst/>
   <a:extLst>
     <a:ext uri="{05A4C25C-085E-4340-85A3-A5531E510DB2}">
-      <thm15:themeFamily xmlns:thm15="http://schemas.microsoft.com/office/thememl/2012/main" name="Office Theme" id="{62F939B6-93AF-4DB8-9C6B-D6C7DFDC589F}" vid="{4A3C46E8-61CC-4603-A589-7422A47A8E4A}"/>
+      <thm15:themeFamily xmlns:thm15="http://schemas.microsoft.com/office/thememl/2012/main" xmlns="" name="Office Theme" id="{62F939B6-93AF-4DB8-9C6B-D6C7DFDC589F}" vid="{4A3C46E8-61CC-4603-A589-7422A47A8E4A}"/>
     </a:ext>
   </a:extLst>
 </a:theme>
